--- a/revise.pptx
+++ b/revise.pptx
@@ -5,13 +5,14 @@
     <p:sldMasterId id="2147483648" r:id="rId1"/>
   </p:sldMasterIdLst>
   <p:notesMasterIdLst>
-    <p:notesMasterId r:id="rId6"/>
+    <p:notesMasterId r:id="rId7"/>
   </p:notesMasterIdLst>
   <p:sldIdLst>
     <p:sldId id="256" r:id="rId2"/>
     <p:sldId id="257" r:id="rId3"/>
     <p:sldId id="258" r:id="rId4"/>
     <p:sldId id="259" r:id="rId5"/>
+    <p:sldId id="260" r:id="rId6"/>
   </p:sldIdLst>
   <p:sldSz cx="12192000" cy="6858000"/>
   <p:notesSz cx="6858000" cy="9144000"/>
@@ -611,6 +612,174 @@
           <a:p>
             <a:fld id="{0CAE096D-6E2E-424E-A546-D424D2042FE9}" type="slidenum">
               <a:rPr kumimoji="1" lang="zh-CN" altLang="en-US" smtClean="0"/>
+              <a:t>2</a:t>
+            </a:fld>
+            <a:endParaRPr kumimoji="1" lang="zh-CN" altLang="en-US"/>
+          </a:p>
+        </p:txBody>
+      </p:sp>
+    </p:spTree>
+    <p:extLst>
+      <p:ext uri="{BB962C8B-B14F-4D97-AF65-F5344CB8AC3E}">
+        <p14:creationId xmlns:p14="http://schemas.microsoft.com/office/powerpoint/2010/main" val="2392887492"/>
+      </p:ext>
+    </p:extLst>
+  </p:cSld>
+  <p:clrMapOvr>
+    <a:masterClrMapping/>
+  </p:clrMapOvr>
+</p:notes>
+</file>
+
+<file path=ppt/notesSlides/notesSlide3.xml><?xml version="1.0" encoding="utf-8"?>
+<p:notes xmlns:a="http://schemas.openxmlformats.org/drawingml/2006/main" xmlns:r="http://schemas.openxmlformats.org/officeDocument/2006/relationships" xmlns:p="http://schemas.openxmlformats.org/presentationml/2006/main">
+  <p:cSld>
+    <p:spTree>
+      <p:nvGrpSpPr>
+        <p:cNvPr id="1" name=""/>
+        <p:cNvGrpSpPr/>
+        <p:nvPr/>
+      </p:nvGrpSpPr>
+      <p:grpSpPr>
+        <a:xfrm>
+          <a:off x="0" y="0"/>
+          <a:ext cx="0" cy="0"/>
+          <a:chOff x="0" y="0"/>
+          <a:chExt cx="0" cy="0"/>
+        </a:xfrm>
+      </p:grpSpPr>
+      <p:sp>
+        <p:nvSpPr>
+          <p:cNvPr id="2" name="幻灯片图像占位符 1"/>
+          <p:cNvSpPr>
+            <a:spLocks noGrp="1" noRot="1" noChangeAspect="1"/>
+          </p:cNvSpPr>
+          <p:nvPr>
+            <p:ph type="sldImg"/>
+          </p:nvPr>
+        </p:nvSpPr>
+        <p:spPr/>
+      </p:sp>
+      <p:sp>
+        <p:nvSpPr>
+          <p:cNvPr id="3" name="备注占位符 2"/>
+          <p:cNvSpPr>
+            <a:spLocks noGrp="1"/>
+          </p:cNvSpPr>
+          <p:nvPr>
+            <p:ph type="body" idx="1"/>
+          </p:nvPr>
+        </p:nvSpPr>
+        <p:spPr/>
+        <p:txBody>
+          <a:bodyPr/>
+          <a:lstStyle/>
+          <a:p>
+            <a:endParaRPr kumimoji="1" lang="zh-CN" altLang="en-US"/>
+          </a:p>
+        </p:txBody>
+      </p:sp>
+      <p:sp>
+        <p:nvSpPr>
+          <p:cNvPr id="4" name="灯片编号占位符 3"/>
+          <p:cNvSpPr>
+            <a:spLocks noGrp="1"/>
+          </p:cNvSpPr>
+          <p:nvPr>
+            <p:ph type="sldNum" sz="quarter" idx="5"/>
+          </p:nvPr>
+        </p:nvSpPr>
+        <p:spPr/>
+        <p:txBody>
+          <a:bodyPr/>
+          <a:lstStyle/>
+          <a:p>
+            <a:fld id="{0CAE096D-6E2E-424E-A546-D424D2042FE9}" type="slidenum">
+              <a:rPr kumimoji="1" lang="zh-CN" altLang="en-US" smtClean="0"/>
+              <a:t>3</a:t>
+            </a:fld>
+            <a:endParaRPr kumimoji="1" lang="zh-CN" altLang="en-US"/>
+          </a:p>
+        </p:txBody>
+      </p:sp>
+    </p:spTree>
+    <p:extLst>
+      <p:ext uri="{BB962C8B-B14F-4D97-AF65-F5344CB8AC3E}">
+        <p14:creationId xmlns:p14="http://schemas.microsoft.com/office/powerpoint/2010/main" val="82235621"/>
+      </p:ext>
+    </p:extLst>
+  </p:cSld>
+  <p:clrMapOvr>
+    <a:masterClrMapping/>
+  </p:clrMapOvr>
+</p:notes>
+</file>
+
+<file path=ppt/notesSlides/notesSlide4.xml><?xml version="1.0" encoding="utf-8"?>
+<p:notes xmlns:a="http://schemas.openxmlformats.org/drawingml/2006/main" xmlns:r="http://schemas.openxmlformats.org/officeDocument/2006/relationships" xmlns:p="http://schemas.openxmlformats.org/presentationml/2006/main">
+  <p:cSld>
+    <p:spTree>
+      <p:nvGrpSpPr>
+        <p:cNvPr id="1" name=""/>
+        <p:cNvGrpSpPr/>
+        <p:nvPr/>
+      </p:nvGrpSpPr>
+      <p:grpSpPr>
+        <a:xfrm>
+          <a:off x="0" y="0"/>
+          <a:ext cx="0" cy="0"/>
+          <a:chOff x="0" y="0"/>
+          <a:chExt cx="0" cy="0"/>
+        </a:xfrm>
+      </p:grpSpPr>
+      <p:sp>
+        <p:nvSpPr>
+          <p:cNvPr id="2" name="幻灯片图像占位符 1"/>
+          <p:cNvSpPr>
+            <a:spLocks noGrp="1" noRot="1" noChangeAspect="1"/>
+          </p:cNvSpPr>
+          <p:nvPr>
+            <p:ph type="sldImg"/>
+          </p:nvPr>
+        </p:nvSpPr>
+        <p:spPr/>
+      </p:sp>
+      <p:sp>
+        <p:nvSpPr>
+          <p:cNvPr id="3" name="备注占位符 2"/>
+          <p:cNvSpPr>
+            <a:spLocks noGrp="1"/>
+          </p:cNvSpPr>
+          <p:nvPr>
+            <p:ph type="body" idx="1"/>
+          </p:nvPr>
+        </p:nvSpPr>
+        <p:spPr/>
+        <p:txBody>
+          <a:bodyPr/>
+          <a:lstStyle/>
+          <a:p>
+            <a:endParaRPr kumimoji="1" lang="zh-CN" altLang="en-US"/>
+          </a:p>
+        </p:txBody>
+      </p:sp>
+      <p:sp>
+        <p:nvSpPr>
+          <p:cNvPr id="4" name="灯片编号占位符 3"/>
+          <p:cNvSpPr>
+            <a:spLocks noGrp="1"/>
+          </p:cNvSpPr>
+          <p:nvPr>
+            <p:ph type="sldNum" sz="quarter" idx="5"/>
+          </p:nvPr>
+        </p:nvSpPr>
+        <p:spPr/>
+        <p:txBody>
+          <a:bodyPr/>
+          <a:lstStyle/>
+          <a:p>
+            <a:fld id="{0CAE096D-6E2E-424E-A546-D424D2042FE9}" type="slidenum">
+              <a:rPr kumimoji="1" lang="zh-CN" altLang="en-US" smtClean="0"/>
               <a:t>4</a:t>
             </a:fld>
             <a:endParaRPr kumimoji="1" lang="zh-CN" altLang="en-US"/>
@@ -621,6 +790,90 @@
     <p:extLst>
       <p:ext uri="{BB962C8B-B14F-4D97-AF65-F5344CB8AC3E}">
         <p14:creationId xmlns:p14="http://schemas.microsoft.com/office/powerpoint/2010/main" val="1943393103"/>
+      </p:ext>
+    </p:extLst>
+  </p:cSld>
+  <p:clrMapOvr>
+    <a:masterClrMapping/>
+  </p:clrMapOvr>
+</p:notes>
+</file>
+
+<file path=ppt/notesSlides/notesSlide5.xml><?xml version="1.0" encoding="utf-8"?>
+<p:notes xmlns:a="http://schemas.openxmlformats.org/drawingml/2006/main" xmlns:r="http://schemas.openxmlformats.org/officeDocument/2006/relationships" xmlns:p="http://schemas.openxmlformats.org/presentationml/2006/main">
+  <p:cSld>
+    <p:spTree>
+      <p:nvGrpSpPr>
+        <p:cNvPr id="1" name=""/>
+        <p:cNvGrpSpPr/>
+        <p:nvPr/>
+      </p:nvGrpSpPr>
+      <p:grpSpPr>
+        <a:xfrm>
+          <a:off x="0" y="0"/>
+          <a:ext cx="0" cy="0"/>
+          <a:chOff x="0" y="0"/>
+          <a:chExt cx="0" cy="0"/>
+        </a:xfrm>
+      </p:grpSpPr>
+      <p:sp>
+        <p:nvSpPr>
+          <p:cNvPr id="2" name="幻灯片图像占位符 1"/>
+          <p:cNvSpPr>
+            <a:spLocks noGrp="1" noRot="1" noChangeAspect="1"/>
+          </p:cNvSpPr>
+          <p:nvPr>
+            <p:ph type="sldImg"/>
+          </p:nvPr>
+        </p:nvSpPr>
+        <p:spPr/>
+      </p:sp>
+      <p:sp>
+        <p:nvSpPr>
+          <p:cNvPr id="3" name="备注占位符 2"/>
+          <p:cNvSpPr>
+            <a:spLocks noGrp="1"/>
+          </p:cNvSpPr>
+          <p:nvPr>
+            <p:ph type="body" idx="1"/>
+          </p:nvPr>
+        </p:nvSpPr>
+        <p:spPr/>
+        <p:txBody>
+          <a:bodyPr/>
+          <a:lstStyle/>
+          <a:p>
+            <a:endParaRPr kumimoji="1" lang="zh-CN" altLang="en-US"/>
+          </a:p>
+        </p:txBody>
+      </p:sp>
+      <p:sp>
+        <p:nvSpPr>
+          <p:cNvPr id="4" name="灯片编号占位符 3"/>
+          <p:cNvSpPr>
+            <a:spLocks noGrp="1"/>
+          </p:cNvSpPr>
+          <p:nvPr>
+            <p:ph type="sldNum" sz="quarter" idx="5"/>
+          </p:nvPr>
+        </p:nvSpPr>
+        <p:spPr/>
+        <p:txBody>
+          <a:bodyPr/>
+          <a:lstStyle/>
+          <a:p>
+            <a:fld id="{0CAE096D-6E2E-424E-A546-D424D2042FE9}" type="slidenum">
+              <a:rPr kumimoji="1" lang="zh-CN" altLang="en-US" smtClean="0"/>
+              <a:t>5</a:t>
+            </a:fld>
+            <a:endParaRPr kumimoji="1" lang="zh-CN" altLang="en-US"/>
+          </a:p>
+        </p:txBody>
+      </p:sp>
+    </p:spTree>
+    <p:extLst>
+      <p:ext uri="{BB962C8B-B14F-4D97-AF65-F5344CB8AC3E}">
+        <p14:creationId xmlns:p14="http://schemas.microsoft.com/office/powerpoint/2010/main" val="768240690"/>
       </p:ext>
     </p:extLst>
   </p:cSld>
@@ -4957,6 +5210,3885 @@
         </p:nvGrpSpPr>
         <p:grpSpPr>
           <a:xfrm>
+            <a:off x="7514923" y="4095793"/>
+            <a:ext cx="2975146" cy="1028305"/>
+            <a:chOff x="859809" y="3795168"/>
+            <a:chExt cx="2975146" cy="1028305"/>
+          </a:xfrm>
+        </p:grpSpPr>
+        <p:sp>
+          <p:nvSpPr>
+            <p:cNvPr id="19" name="圆角矩形 18">
+              <a:extLst>
+                <a:ext uri="{FF2B5EF4-FFF2-40B4-BE49-F238E27FC236}">
+                  <a16:creationId xmlns:a16="http://schemas.microsoft.com/office/drawing/2014/main" id="{AC357B37-BF54-37E2-C5C4-1F3FFE985A09}"/>
+                </a:ext>
+              </a:extLst>
+            </p:cNvPr>
+            <p:cNvSpPr/>
+            <p:nvPr/>
+          </p:nvSpPr>
+          <p:spPr>
+            <a:xfrm>
+              <a:off x="859809" y="3795168"/>
+              <a:ext cx="2975146" cy="1028305"/>
+            </a:xfrm>
+            <a:prstGeom prst="roundRect">
+              <a:avLst>
+                <a:gd name="adj" fmla="val 13606"/>
+              </a:avLst>
+            </a:prstGeom>
+            <a:solidFill>
+              <a:srgbClr val="DDD2E4"/>
+            </a:solidFill>
+            <a:ln>
+              <a:noFill/>
+            </a:ln>
+          </p:spPr>
+          <p:style>
+            <a:lnRef idx="2">
+              <a:schemeClr val="accent1">
+                <a:shade val="15000"/>
+              </a:schemeClr>
+            </a:lnRef>
+            <a:fillRef idx="1">
+              <a:schemeClr val="accent1"/>
+            </a:fillRef>
+            <a:effectRef idx="0">
+              <a:schemeClr val="accent1"/>
+            </a:effectRef>
+            <a:fontRef idx="minor">
+              <a:schemeClr val="lt1"/>
+            </a:fontRef>
+          </p:style>
+          <p:txBody>
+            <a:bodyPr rtlCol="0" anchor="ctr"/>
+            <a:lstStyle/>
+            <a:p>
+              <a:pPr algn="ctr"/>
+              <a:endParaRPr kumimoji="1" lang="zh-CN" altLang="en-US" sz="2000">
+                <a:solidFill>
+                  <a:schemeClr val="tx1"/>
+                </a:solidFill>
+                <a:latin typeface="Calibri" panose="020F0502020204030204" pitchFamily="34" charset="0"/>
+                <a:cs typeface="Calibri" panose="020F0502020204030204" pitchFamily="34" charset="0"/>
+              </a:endParaRPr>
+            </a:p>
+          </p:txBody>
+        </p:sp>
+        <p:sp>
+          <p:nvSpPr>
+            <p:cNvPr id="20" name="文本框 19">
+              <a:extLst>
+                <a:ext uri="{FF2B5EF4-FFF2-40B4-BE49-F238E27FC236}">
+                  <a16:creationId xmlns:a16="http://schemas.microsoft.com/office/drawing/2014/main" id="{98507CE8-C5F9-CCA6-F1BD-F9677274B281}"/>
+                </a:ext>
+              </a:extLst>
+            </p:cNvPr>
+            <p:cNvSpPr txBox="1"/>
+            <p:nvPr/>
+          </p:nvSpPr>
+          <p:spPr>
+            <a:xfrm>
+              <a:off x="1218651" y="4078209"/>
+              <a:ext cx="2248750" cy="523220"/>
+            </a:xfrm>
+            <a:prstGeom prst="rect">
+              <a:avLst/>
+            </a:prstGeom>
+            <a:noFill/>
+          </p:spPr>
+          <p:txBody>
+            <a:bodyPr wrap="square" rtlCol="0">
+              <a:spAutoFit/>
+            </a:bodyPr>
+            <a:lstStyle/>
+            <a:p>
+              <a:pPr algn="ctr"/>
+              <a:r>
+                <a:rPr kumimoji="1" lang="en-US" altLang="zh-CN" sz="2800" b="1" dirty="0">
+                  <a:latin typeface="Calibri" panose="020F0502020204030204" pitchFamily="34" charset="0"/>
+                  <a:ea typeface="Helvetica Neue" panose="02000503000000020004" pitchFamily="2" charset="0"/>
+                  <a:cs typeface="Calibri" panose="020F0502020204030204" pitchFamily="34" charset="0"/>
+                </a:rPr>
+                <a:t>EXPAND </a:t>
+              </a:r>
+              <a:r>
+                <a:rPr kumimoji="1" lang="en-US" altLang="zh-CN" sz="2400" dirty="0">
+                  <a:latin typeface="Calibri" panose="020F0502020204030204" pitchFamily="34" charset="0"/>
+                  <a:ea typeface="Helvetica Neue" panose="02000503000000020004" pitchFamily="2" charset="0"/>
+                  <a:cs typeface="Calibri" panose="020F0502020204030204" pitchFamily="34" charset="0"/>
+                </a:rPr>
+                <a:t>TITLE</a:t>
+              </a:r>
+              <a:r>
+                <a:rPr kumimoji="1" lang="zh-CN" altLang="en-US" sz="2400" b="1" dirty="0">
+                  <a:latin typeface="Calibri" panose="020F0502020204030204" pitchFamily="34" charset="0"/>
+                  <a:ea typeface="Helvetica Neue" panose="02000503000000020004" pitchFamily="2" charset="0"/>
+                  <a:cs typeface="Calibri" panose="020F0502020204030204" pitchFamily="34" charset="0"/>
+                </a:rPr>
+                <a:t>  </a:t>
+              </a:r>
+              <a:endParaRPr kumimoji="1" lang="en-US" altLang="zh-CN" sz="2400" b="1" dirty="0">
+                <a:latin typeface="Calibri" panose="020F0502020204030204" pitchFamily="34" charset="0"/>
+                <a:ea typeface="Helvetica Neue" panose="02000503000000020004" pitchFamily="2" charset="0"/>
+                <a:cs typeface="Calibri" panose="020F0502020204030204" pitchFamily="34" charset="0"/>
+              </a:endParaRPr>
+            </a:p>
+          </p:txBody>
+        </p:sp>
+      </p:grpSp>
+      <p:grpSp>
+        <p:nvGrpSpPr>
+          <p:cNvPr id="29" name="组合 28">
+            <a:extLst>
+              <a:ext uri="{FF2B5EF4-FFF2-40B4-BE49-F238E27FC236}">
+                <a16:creationId xmlns:a16="http://schemas.microsoft.com/office/drawing/2014/main" id="{585C126F-9509-70CF-AFE8-7ADC76505082}"/>
+              </a:ext>
+            </a:extLst>
+          </p:cNvPr>
+          <p:cNvGrpSpPr/>
+          <p:nvPr/>
+        </p:nvGrpSpPr>
+        <p:grpSpPr>
+          <a:xfrm>
+            <a:off x="7409237" y="5404906"/>
+            <a:ext cx="3182162" cy="1154690"/>
+            <a:chOff x="6118010" y="4180567"/>
+            <a:chExt cx="3182162" cy="1154690"/>
+          </a:xfrm>
+        </p:grpSpPr>
+        <p:sp>
+          <p:nvSpPr>
+            <p:cNvPr id="27" name="圆角矩形 26">
+              <a:extLst>
+                <a:ext uri="{FF2B5EF4-FFF2-40B4-BE49-F238E27FC236}">
+                  <a16:creationId xmlns:a16="http://schemas.microsoft.com/office/drawing/2014/main" id="{F36DBDEB-58E9-53B2-6F51-53C79BE6C9E0}"/>
+                </a:ext>
+              </a:extLst>
+            </p:cNvPr>
+            <p:cNvSpPr/>
+            <p:nvPr/>
+          </p:nvSpPr>
+          <p:spPr>
+            <a:xfrm>
+              <a:off x="6221518" y="4180567"/>
+              <a:ext cx="2975146" cy="1138773"/>
+            </a:xfrm>
+            <a:prstGeom prst="roundRect">
+              <a:avLst>
+                <a:gd name="adj" fmla="val 13606"/>
+              </a:avLst>
+            </a:prstGeom>
+            <a:solidFill>
+              <a:srgbClr val="DDD2E4"/>
+            </a:solidFill>
+            <a:ln>
+              <a:noFill/>
+            </a:ln>
+          </p:spPr>
+          <p:style>
+            <a:lnRef idx="2">
+              <a:schemeClr val="accent1">
+                <a:shade val="15000"/>
+              </a:schemeClr>
+            </a:lnRef>
+            <a:fillRef idx="1">
+              <a:schemeClr val="accent1"/>
+            </a:fillRef>
+            <a:effectRef idx="0">
+              <a:schemeClr val="accent1"/>
+            </a:effectRef>
+            <a:fontRef idx="minor">
+              <a:schemeClr val="lt1"/>
+            </a:fontRef>
+          </p:style>
+          <p:txBody>
+            <a:bodyPr rtlCol="0" anchor="ctr"/>
+            <a:lstStyle/>
+            <a:p>
+              <a:pPr algn="ctr"/>
+              <a:endParaRPr kumimoji="1" lang="zh-CN" altLang="en-US" sz="2000">
+                <a:solidFill>
+                  <a:schemeClr val="tx1"/>
+                </a:solidFill>
+                <a:latin typeface="Calibri" panose="020F0502020204030204" pitchFamily="34" charset="0"/>
+                <a:cs typeface="Calibri" panose="020F0502020204030204" pitchFamily="34" charset="0"/>
+              </a:endParaRPr>
+            </a:p>
+          </p:txBody>
+        </p:sp>
+        <p:sp>
+          <p:nvSpPr>
+            <p:cNvPr id="28" name="文本框 27">
+              <a:extLst>
+                <a:ext uri="{FF2B5EF4-FFF2-40B4-BE49-F238E27FC236}">
+                  <a16:creationId xmlns:a16="http://schemas.microsoft.com/office/drawing/2014/main" id="{DE8C043C-C900-B743-6817-57F63F65249F}"/>
+                </a:ext>
+              </a:extLst>
+            </p:cNvPr>
+            <p:cNvSpPr txBox="1"/>
+            <p:nvPr/>
+          </p:nvSpPr>
+          <p:spPr>
+            <a:xfrm>
+              <a:off x="6118010" y="4196484"/>
+              <a:ext cx="3182162" cy="1138773"/>
+            </a:xfrm>
+            <a:prstGeom prst="rect">
+              <a:avLst/>
+            </a:prstGeom>
+            <a:noFill/>
+          </p:spPr>
+          <p:txBody>
+            <a:bodyPr wrap="square" rtlCol="0">
+              <a:spAutoFit/>
+            </a:bodyPr>
+            <a:lstStyle/>
+            <a:p>
+              <a:pPr algn="ctr"/>
+              <a:r>
+                <a:rPr kumimoji="1" lang="en-US" altLang="zh-CN" sz="2800" b="1" dirty="0">
+                  <a:latin typeface="Calibri" panose="020F0502020204030204" pitchFamily="34" charset="0"/>
+                  <a:ea typeface="Helvetica Neue" panose="02000503000000020004" pitchFamily="2" charset="0"/>
+                  <a:cs typeface="Calibri" panose="020F0502020204030204" pitchFamily="34" charset="0"/>
+                </a:rPr>
+                <a:t>SCAN</a:t>
+              </a:r>
+              <a:r>
+                <a:rPr kumimoji="1" lang="zh-CN" altLang="en-US" sz="2400" b="1" dirty="0">
+                  <a:latin typeface="Calibri" panose="020F0502020204030204" pitchFamily="34" charset="0"/>
+                  <a:ea typeface="Helvetica Neue" panose="02000503000000020004" pitchFamily="2" charset="0"/>
+                  <a:cs typeface="Calibri" panose="020F0502020204030204" pitchFamily="34" charset="0"/>
+                </a:rPr>
+                <a:t>  </a:t>
+              </a:r>
+              <a:r>
+                <a:rPr kumimoji="1" lang="en-US" altLang="zh-CN" sz="2400" dirty="0">
+                  <a:latin typeface="Calibri" panose="020F0502020204030204" pitchFamily="34" charset="0"/>
+                  <a:ea typeface="Helvetica Neue" panose="02000503000000020004" pitchFamily="2" charset="0"/>
+                  <a:cs typeface="Calibri" panose="020F0502020204030204" pitchFamily="34" charset="0"/>
+                </a:rPr>
+                <a:t>KEYWORD</a:t>
+              </a:r>
+            </a:p>
+            <a:p>
+              <a:pPr algn="ctr"/>
+              <a:r>
+                <a:rPr kumimoji="1" lang="en" altLang="zh-CN" sz="2000" dirty="0">
+                  <a:latin typeface="Calibri" panose="020F0502020204030204" pitchFamily="34" charset="0"/>
+                  <a:ea typeface="Menlo" panose="020B0609030804020204" pitchFamily="49" charset="0"/>
+                  <a:cs typeface="Calibri" panose="020F0502020204030204" pitchFamily="34" charset="0"/>
+                </a:rPr>
+                <a:t>(keyword = </a:t>
+              </a:r>
+              <a:r>
+                <a:rPr kumimoji="1" lang="en-US" altLang="zh-CN" sz="2000" dirty="0">
+                  <a:latin typeface="Calibri" panose="020F0502020204030204" pitchFamily="34" charset="0"/>
+                  <a:ea typeface="Helvetica Neue" panose="02000503000000020004" pitchFamily="2" charset="0"/>
+                  <a:cs typeface="Calibri" panose="020F0502020204030204" pitchFamily="34" charset="0"/>
+                </a:rPr>
+                <a:t>“</a:t>
+              </a:r>
+              <a:r>
+                <a:rPr kumimoji="1" lang="en" altLang="zh-CN" sz="2000" dirty="0">
+                  <a:latin typeface="Calibri" panose="020F0502020204030204" pitchFamily="34" charset="0"/>
+                  <a:ea typeface="Menlo" panose="020B0609030804020204" pitchFamily="49" charset="0"/>
+                  <a:cs typeface="Calibri" panose="020F0502020204030204" pitchFamily="34" charset="0"/>
+                </a:rPr>
+                <a:t>character-name-in-title</a:t>
+              </a:r>
+              <a:r>
+                <a:rPr kumimoji="1" lang="en-US" altLang="zh-CN" sz="2000" dirty="0">
+                  <a:latin typeface="Calibri" panose="020F0502020204030204" pitchFamily="34" charset="0"/>
+                  <a:ea typeface="Helvetica Neue" panose="02000503000000020004" pitchFamily="2" charset="0"/>
+                  <a:cs typeface="Calibri" panose="020F0502020204030204" pitchFamily="34" charset="0"/>
+                </a:rPr>
+                <a:t>”</a:t>
+              </a:r>
+              <a:r>
+                <a:rPr kumimoji="1" lang="en" altLang="zh-CN" sz="2000" dirty="0">
+                  <a:latin typeface="Calibri" panose="020F0502020204030204" pitchFamily="34" charset="0"/>
+                  <a:ea typeface="Menlo" panose="020B0609030804020204" pitchFamily="49" charset="0"/>
+                  <a:cs typeface="Calibri" panose="020F0502020204030204" pitchFamily="34" charset="0"/>
+                </a:rPr>
+                <a:t>)</a:t>
+              </a:r>
+            </a:p>
+          </p:txBody>
+        </p:sp>
+      </p:grpSp>
+      <p:sp>
+        <p:nvSpPr>
+          <p:cNvPr id="43" name="圆角矩形 42">
+            <a:extLst>
+              <a:ext uri="{FF2B5EF4-FFF2-40B4-BE49-F238E27FC236}">
+                <a16:creationId xmlns:a16="http://schemas.microsoft.com/office/drawing/2014/main" id="{E9AF77FE-0118-816D-2B32-22A37C1AC897}"/>
+              </a:ext>
+            </a:extLst>
+          </p:cNvPr>
+          <p:cNvSpPr/>
+          <p:nvPr/>
+        </p:nvSpPr>
+        <p:spPr>
+          <a:xfrm>
+            <a:off x="7516110" y="2510616"/>
+            <a:ext cx="2975146" cy="1328179"/>
+          </a:xfrm>
+          <a:prstGeom prst="roundRect">
+            <a:avLst>
+              <a:gd name="adj" fmla="val 13606"/>
+            </a:avLst>
+          </a:prstGeom>
+          <a:solidFill>
+            <a:srgbClr val="DDD2E4"/>
+          </a:solidFill>
+          <a:ln>
+            <a:noFill/>
+          </a:ln>
+        </p:spPr>
+        <p:style>
+          <a:lnRef idx="2">
+            <a:schemeClr val="accent1">
+              <a:shade val="15000"/>
+            </a:schemeClr>
+          </a:lnRef>
+          <a:fillRef idx="1">
+            <a:schemeClr val="accent1"/>
+          </a:fillRef>
+          <a:effectRef idx="0">
+            <a:schemeClr val="accent1"/>
+          </a:effectRef>
+          <a:fontRef idx="minor">
+            <a:schemeClr val="lt1"/>
+          </a:fontRef>
+        </p:style>
+        <p:txBody>
+          <a:bodyPr rtlCol="0" anchor="ctr"/>
+          <a:lstStyle/>
+          <a:p>
+            <a:pPr algn="ctr"/>
+            <a:endParaRPr kumimoji="1" lang="zh-CN" altLang="en-US" sz="2000" dirty="0">
+              <a:solidFill>
+                <a:schemeClr val="tx1"/>
+              </a:solidFill>
+              <a:latin typeface="Calibri" panose="020F0502020204030204" pitchFamily="34" charset="0"/>
+              <a:cs typeface="Calibri" panose="020F0502020204030204" pitchFamily="34" charset="0"/>
+            </a:endParaRPr>
+          </a:p>
+        </p:txBody>
+      </p:sp>
+      <p:cxnSp>
+        <p:nvCxnSpPr>
+          <p:cNvPr id="54" name="直线箭头连接符 53">
+            <a:extLst>
+              <a:ext uri="{FF2B5EF4-FFF2-40B4-BE49-F238E27FC236}">
+                <a16:creationId xmlns:a16="http://schemas.microsoft.com/office/drawing/2014/main" id="{9B175CA8-DF5E-0D50-4E32-4538A8AABF59}"/>
+              </a:ext>
+            </a:extLst>
+          </p:cNvPr>
+          <p:cNvCxnSpPr>
+            <a:cxnSpLocks/>
+            <a:stCxn id="27" idx="0"/>
+            <a:endCxn id="19" idx="2"/>
+          </p:cNvCxnSpPr>
+          <p:nvPr/>
+        </p:nvCxnSpPr>
+        <p:spPr>
+          <a:xfrm flipV="1">
+            <a:off x="9000318" y="5124098"/>
+            <a:ext cx="2178" cy="280808"/>
+          </a:xfrm>
+          <a:prstGeom prst="straightConnector1">
+            <a:avLst/>
+          </a:prstGeom>
+          <a:ln w="28575">
+            <a:solidFill>
+              <a:srgbClr val="8B649D"/>
+            </a:solidFill>
+            <a:tailEnd type="triangle"/>
+          </a:ln>
+        </p:spPr>
+        <p:style>
+          <a:lnRef idx="3">
+            <a:schemeClr val="dk1"/>
+          </a:lnRef>
+          <a:fillRef idx="0">
+            <a:schemeClr val="dk1"/>
+          </a:fillRef>
+          <a:effectRef idx="2">
+            <a:schemeClr val="dk1"/>
+          </a:effectRef>
+          <a:fontRef idx="minor">
+            <a:schemeClr val="tx1"/>
+          </a:fontRef>
+        </p:style>
+      </p:cxnSp>
+      <p:cxnSp>
+        <p:nvCxnSpPr>
+          <p:cNvPr id="58" name="直线箭头连接符 57">
+            <a:extLst>
+              <a:ext uri="{FF2B5EF4-FFF2-40B4-BE49-F238E27FC236}">
+                <a16:creationId xmlns:a16="http://schemas.microsoft.com/office/drawing/2014/main" id="{F3A67C09-4ED8-9095-7651-34F53BC5E2CB}"/>
+              </a:ext>
+            </a:extLst>
+          </p:cNvPr>
+          <p:cNvCxnSpPr>
+            <a:cxnSpLocks/>
+            <a:stCxn id="19" idx="0"/>
+            <a:endCxn id="43" idx="2"/>
+          </p:cNvCxnSpPr>
+          <p:nvPr/>
+        </p:nvCxnSpPr>
+        <p:spPr>
+          <a:xfrm flipV="1">
+            <a:off x="9002496" y="3838795"/>
+            <a:ext cx="1187" cy="256998"/>
+          </a:xfrm>
+          <a:prstGeom prst="straightConnector1">
+            <a:avLst/>
+          </a:prstGeom>
+          <a:ln w="28575">
+            <a:solidFill>
+              <a:srgbClr val="8B649D"/>
+            </a:solidFill>
+            <a:tailEnd type="triangle"/>
+          </a:ln>
+        </p:spPr>
+        <p:style>
+          <a:lnRef idx="3">
+            <a:schemeClr val="dk1"/>
+          </a:lnRef>
+          <a:fillRef idx="0">
+            <a:schemeClr val="dk1"/>
+          </a:fillRef>
+          <a:effectRef idx="2">
+            <a:schemeClr val="dk1"/>
+          </a:effectRef>
+          <a:fontRef idx="minor">
+            <a:schemeClr val="tx1"/>
+          </a:fontRef>
+        </p:style>
+      </p:cxnSp>
+      <p:sp>
+        <p:nvSpPr>
+          <p:cNvPr id="82" name="圆角矩形 81">
+            <a:extLst>
+              <a:ext uri="{FF2B5EF4-FFF2-40B4-BE49-F238E27FC236}">
+                <a16:creationId xmlns:a16="http://schemas.microsoft.com/office/drawing/2014/main" id="{6102D9FE-0ADC-637B-51D4-2F22473B7BC8}"/>
+              </a:ext>
+            </a:extLst>
+          </p:cNvPr>
+          <p:cNvSpPr/>
+          <p:nvPr/>
+        </p:nvSpPr>
+        <p:spPr>
+          <a:xfrm>
+            <a:off x="7521608" y="1184526"/>
+            <a:ext cx="2975146" cy="1028305"/>
+          </a:xfrm>
+          <a:prstGeom prst="roundRect">
+            <a:avLst>
+              <a:gd name="adj" fmla="val 13606"/>
+            </a:avLst>
+          </a:prstGeom>
+          <a:solidFill>
+            <a:srgbClr val="DDD2E4"/>
+          </a:solidFill>
+          <a:ln>
+            <a:noFill/>
+          </a:ln>
+        </p:spPr>
+        <p:style>
+          <a:lnRef idx="2">
+            <a:schemeClr val="accent1">
+              <a:shade val="15000"/>
+            </a:schemeClr>
+          </a:lnRef>
+          <a:fillRef idx="1">
+            <a:schemeClr val="accent1"/>
+          </a:fillRef>
+          <a:effectRef idx="0">
+            <a:schemeClr val="accent1"/>
+          </a:effectRef>
+          <a:fontRef idx="minor">
+            <a:schemeClr val="lt1"/>
+          </a:fontRef>
+        </p:style>
+        <p:txBody>
+          <a:bodyPr rtlCol="0" anchor="ctr"/>
+          <a:lstStyle/>
+          <a:p>
+            <a:pPr algn="ctr"/>
+            <a:endParaRPr kumimoji="1" lang="zh-CN" altLang="en-US" sz="2000">
+              <a:solidFill>
+                <a:schemeClr val="tx1"/>
+              </a:solidFill>
+              <a:latin typeface="Calibri" panose="020F0502020204030204" pitchFamily="34" charset="0"/>
+              <a:cs typeface="Calibri" panose="020F0502020204030204" pitchFamily="34" charset="0"/>
+            </a:endParaRPr>
+          </a:p>
+        </p:txBody>
+      </p:sp>
+      <p:cxnSp>
+        <p:nvCxnSpPr>
+          <p:cNvPr id="87" name="直线箭头连接符 86">
+            <a:extLst>
+              <a:ext uri="{FF2B5EF4-FFF2-40B4-BE49-F238E27FC236}">
+                <a16:creationId xmlns:a16="http://schemas.microsoft.com/office/drawing/2014/main" id="{E66561C3-1641-704C-C5B3-EBB989099E44}"/>
+              </a:ext>
+            </a:extLst>
+          </p:cNvPr>
+          <p:cNvCxnSpPr>
+            <a:cxnSpLocks/>
+            <a:stCxn id="43" idx="0"/>
+            <a:endCxn id="82" idx="2"/>
+          </p:cNvCxnSpPr>
+          <p:nvPr/>
+        </p:nvCxnSpPr>
+        <p:spPr>
+          <a:xfrm flipV="1">
+            <a:off x="9003683" y="2212831"/>
+            <a:ext cx="5498" cy="297785"/>
+          </a:xfrm>
+          <a:prstGeom prst="straightConnector1">
+            <a:avLst/>
+          </a:prstGeom>
+          <a:ln w="28575">
+            <a:solidFill>
+              <a:srgbClr val="8B649D"/>
+            </a:solidFill>
+            <a:tailEnd type="triangle"/>
+          </a:ln>
+        </p:spPr>
+        <p:style>
+          <a:lnRef idx="3">
+            <a:schemeClr val="dk1"/>
+          </a:lnRef>
+          <a:fillRef idx="0">
+            <a:schemeClr val="dk1"/>
+          </a:fillRef>
+          <a:effectRef idx="2">
+            <a:schemeClr val="dk1"/>
+          </a:effectRef>
+          <a:fontRef idx="minor">
+            <a:schemeClr val="tx1"/>
+          </a:fontRef>
+        </p:style>
+      </p:cxnSp>
+      <p:sp>
+        <p:nvSpPr>
+          <p:cNvPr id="96" name="圆角矩形 95">
+            <a:extLst>
+              <a:ext uri="{FF2B5EF4-FFF2-40B4-BE49-F238E27FC236}">
+                <a16:creationId xmlns:a16="http://schemas.microsoft.com/office/drawing/2014/main" id="{8F7366EB-8B98-D946-78AB-E6EEB4E1DD1E}"/>
+              </a:ext>
+            </a:extLst>
+          </p:cNvPr>
+          <p:cNvSpPr/>
+          <p:nvPr/>
+        </p:nvSpPr>
+        <p:spPr>
+          <a:xfrm>
+            <a:off x="7512745" y="-1352344"/>
+            <a:ext cx="2984010" cy="1018006"/>
+          </a:xfrm>
+          <a:prstGeom prst="roundRect">
+            <a:avLst>
+              <a:gd name="adj" fmla="val 16118"/>
+            </a:avLst>
+          </a:prstGeom>
+          <a:solidFill>
+            <a:srgbClr val="F3F3F3"/>
+          </a:solidFill>
+          <a:ln>
+            <a:noFill/>
+          </a:ln>
+        </p:spPr>
+        <p:style>
+          <a:lnRef idx="2">
+            <a:schemeClr val="accent1">
+              <a:shade val="15000"/>
+            </a:schemeClr>
+          </a:lnRef>
+          <a:fillRef idx="1">
+            <a:schemeClr val="accent1"/>
+          </a:fillRef>
+          <a:effectRef idx="0">
+            <a:schemeClr val="accent1"/>
+          </a:effectRef>
+          <a:fontRef idx="minor">
+            <a:schemeClr val="lt1"/>
+          </a:fontRef>
+        </p:style>
+        <p:txBody>
+          <a:bodyPr rtlCol="0" anchor="ctr"/>
+          <a:lstStyle/>
+          <a:p>
+            <a:pPr algn="ctr"/>
+            <a:endParaRPr kumimoji="1" lang="zh-CN" altLang="en-US" sz="2000" dirty="0">
+              <a:solidFill>
+                <a:schemeClr val="tx1"/>
+              </a:solidFill>
+              <a:latin typeface="Calibri" panose="020F0502020204030204" pitchFamily="34" charset="0"/>
+              <a:cs typeface="Calibri" panose="020F0502020204030204" pitchFamily="34" charset="0"/>
+            </a:endParaRPr>
+          </a:p>
+        </p:txBody>
+      </p:sp>
+      <p:sp>
+        <p:nvSpPr>
+          <p:cNvPr id="97" name="文本框 96">
+            <a:extLst>
+              <a:ext uri="{FF2B5EF4-FFF2-40B4-BE49-F238E27FC236}">
+                <a16:creationId xmlns:a16="http://schemas.microsoft.com/office/drawing/2014/main" id="{F0F4915A-C0AC-FFB3-9BD3-2F8EE1957398}"/>
+              </a:ext>
+            </a:extLst>
+          </p:cNvPr>
+          <p:cNvSpPr txBox="1"/>
+          <p:nvPr/>
+        </p:nvSpPr>
+        <p:spPr>
+          <a:xfrm>
+            <a:off x="6741267" y="-1247305"/>
+            <a:ext cx="4513745" cy="830997"/>
+          </a:xfrm>
+          <a:prstGeom prst="rect">
+            <a:avLst/>
+          </a:prstGeom>
+          <a:noFill/>
+        </p:spPr>
+        <p:txBody>
+          <a:bodyPr wrap="square" rtlCol="0">
+            <a:spAutoFit/>
+          </a:bodyPr>
+          <a:lstStyle/>
+          <a:p>
+            <a:pPr algn="ctr"/>
+            <a:r>
+              <a:rPr kumimoji="1" lang="en-US" altLang="zh-CN" sz="2800" b="1" dirty="0">
+                <a:latin typeface="Calibri" panose="020F0502020204030204" pitchFamily="34" charset="0"/>
+                <a:ea typeface="Helvetica Neue" panose="02000503000000020004" pitchFamily="2" charset="0"/>
+                <a:cs typeface="Calibri" panose="020F0502020204030204" pitchFamily="34" charset="0"/>
+              </a:rPr>
+              <a:t>Projection</a:t>
+            </a:r>
+          </a:p>
+          <a:p>
+            <a:pPr algn="ctr"/>
+            <a:r>
+              <a:rPr kumimoji="1" lang="en" altLang="zh-CN" sz="2000" dirty="0" err="1">
+                <a:latin typeface="Calibri" panose="020F0502020204030204" pitchFamily="34" charset="0"/>
+                <a:ea typeface="Menlo" panose="020B0609030804020204" pitchFamily="49" charset="0"/>
+                <a:cs typeface="Calibri" panose="020F0502020204030204" pitchFamily="34" charset="0"/>
+              </a:rPr>
+              <a:t>n.name</a:t>
+            </a:r>
+            <a:r>
+              <a:rPr kumimoji="1" lang="en" altLang="zh-CN" sz="2000" i="1" dirty="0">
+                <a:latin typeface="Calibri" panose="020F0502020204030204" pitchFamily="34" charset="0"/>
+                <a:ea typeface="Menlo" panose="020B0609030804020204" pitchFamily="49" charset="0"/>
+                <a:cs typeface="Calibri" panose="020F0502020204030204" pitchFamily="34" charset="0"/>
+              </a:rPr>
+              <a:t>    </a:t>
+            </a:r>
+            <a:r>
+              <a:rPr kumimoji="1" lang="en" altLang="zh-CN" sz="2000" dirty="0" err="1">
+                <a:latin typeface="Calibri" panose="020F0502020204030204" pitchFamily="34" charset="0"/>
+                <a:ea typeface="Menlo" panose="020B0609030804020204" pitchFamily="49" charset="0"/>
+                <a:cs typeface="Calibri" panose="020F0502020204030204" pitchFamily="34" charset="0"/>
+              </a:rPr>
+              <a:t>n.name</a:t>
+            </a:r>
+            <a:r>
+              <a:rPr kumimoji="1" lang="zh-CN" altLang="en-US" sz="2000" i="1" u="sng" dirty="0">
+                <a:latin typeface="Calibri" panose="020F0502020204030204" pitchFamily="34" charset="0"/>
+                <a:cs typeface="Calibri" panose="020F0502020204030204" pitchFamily="34" charset="0"/>
+              </a:rPr>
+              <a:t>  </a:t>
+            </a:r>
+            <a:endParaRPr kumimoji="1" lang="en-US" altLang="zh-CN" sz="2000" i="1" u="sng" dirty="0">
+              <a:latin typeface="Calibri" panose="020F0502020204030204" pitchFamily="34" charset="0"/>
+              <a:ea typeface="Menlo" panose="020B0609030804020204" pitchFamily="49" charset="0"/>
+              <a:cs typeface="Calibri" panose="020F0502020204030204" pitchFamily="34" charset="0"/>
+            </a:endParaRPr>
+          </a:p>
+        </p:txBody>
+      </p:sp>
+      <p:cxnSp>
+        <p:nvCxnSpPr>
+          <p:cNvPr id="98" name="直线箭头连接符 97">
+            <a:extLst>
+              <a:ext uri="{FF2B5EF4-FFF2-40B4-BE49-F238E27FC236}">
+                <a16:creationId xmlns:a16="http://schemas.microsoft.com/office/drawing/2014/main" id="{C799F94A-B5EF-AF71-6C6D-A1F8A26161D3}"/>
+              </a:ext>
+            </a:extLst>
+          </p:cNvPr>
+          <p:cNvCxnSpPr>
+            <a:cxnSpLocks/>
+            <a:stCxn id="82" idx="0"/>
+            <a:endCxn id="102" idx="2"/>
+          </p:cNvCxnSpPr>
+          <p:nvPr/>
+        </p:nvCxnSpPr>
+        <p:spPr>
+          <a:xfrm flipH="1" flipV="1">
+            <a:off x="9000318" y="923365"/>
+            <a:ext cx="8863" cy="261161"/>
+          </a:xfrm>
+          <a:prstGeom prst="straightConnector1">
+            <a:avLst/>
+          </a:prstGeom>
+          <a:ln w="28575">
+            <a:solidFill>
+              <a:srgbClr val="8B649D"/>
+            </a:solidFill>
+            <a:tailEnd type="triangle"/>
+          </a:ln>
+        </p:spPr>
+        <p:style>
+          <a:lnRef idx="3">
+            <a:schemeClr val="dk1"/>
+          </a:lnRef>
+          <a:fillRef idx="0">
+            <a:schemeClr val="dk1"/>
+          </a:fillRef>
+          <a:effectRef idx="2">
+            <a:schemeClr val="dk1"/>
+          </a:effectRef>
+          <a:fontRef idx="minor">
+            <a:schemeClr val="tx1"/>
+          </a:fontRef>
+        </p:style>
+      </p:cxnSp>
+      <p:grpSp>
+        <p:nvGrpSpPr>
+          <p:cNvPr id="136" name="组合 135">
+            <a:extLst>
+              <a:ext uri="{FF2B5EF4-FFF2-40B4-BE49-F238E27FC236}">
+                <a16:creationId xmlns:a16="http://schemas.microsoft.com/office/drawing/2014/main" id="{978843F8-06FC-9A82-EF4C-594FE8E622EC}"/>
+              </a:ext>
+            </a:extLst>
+          </p:cNvPr>
+          <p:cNvGrpSpPr/>
+          <p:nvPr/>
+        </p:nvGrpSpPr>
+        <p:grpSpPr>
+          <a:xfrm>
+            <a:off x="7422501" y="-94641"/>
+            <a:ext cx="3182162" cy="1018006"/>
+            <a:chOff x="1319933" y="-492849"/>
+            <a:chExt cx="3182162" cy="1018006"/>
+          </a:xfrm>
+        </p:grpSpPr>
+        <p:sp>
+          <p:nvSpPr>
+            <p:cNvPr id="102" name="圆角矩形 101">
+              <a:extLst>
+                <a:ext uri="{FF2B5EF4-FFF2-40B4-BE49-F238E27FC236}">
+                  <a16:creationId xmlns:a16="http://schemas.microsoft.com/office/drawing/2014/main" id="{B4E38E35-CCC9-3239-DB45-93A3DA9EBA70}"/>
+                </a:ext>
+              </a:extLst>
+            </p:cNvPr>
+            <p:cNvSpPr/>
+            <p:nvPr/>
+          </p:nvSpPr>
+          <p:spPr>
+            <a:xfrm>
+              <a:off x="1410177" y="-492849"/>
+              <a:ext cx="2975145" cy="1018006"/>
+            </a:xfrm>
+            <a:prstGeom prst="roundRect">
+              <a:avLst>
+                <a:gd name="adj" fmla="val 16118"/>
+              </a:avLst>
+            </a:prstGeom>
+            <a:solidFill>
+              <a:srgbClr val="DDD2E4"/>
+            </a:solidFill>
+            <a:ln>
+              <a:noFill/>
+            </a:ln>
+          </p:spPr>
+          <p:style>
+            <a:lnRef idx="2">
+              <a:schemeClr val="accent1">
+                <a:shade val="15000"/>
+              </a:schemeClr>
+            </a:lnRef>
+            <a:fillRef idx="1">
+              <a:schemeClr val="accent1"/>
+            </a:fillRef>
+            <a:effectRef idx="0">
+              <a:schemeClr val="accent1"/>
+            </a:effectRef>
+            <a:fontRef idx="minor">
+              <a:schemeClr val="lt1"/>
+            </a:fontRef>
+          </p:style>
+          <p:txBody>
+            <a:bodyPr rtlCol="0" anchor="ctr"/>
+            <a:lstStyle/>
+            <a:p>
+              <a:pPr algn="ctr"/>
+              <a:endParaRPr kumimoji="1" lang="zh-CN" altLang="en-US" sz="2000" dirty="0">
+                <a:solidFill>
+                  <a:schemeClr val="tx1"/>
+                </a:solidFill>
+                <a:latin typeface="Calibri" panose="020F0502020204030204" pitchFamily="34" charset="0"/>
+                <a:cs typeface="Calibri" panose="020F0502020204030204" pitchFamily="34" charset="0"/>
+              </a:endParaRPr>
+            </a:p>
+          </p:txBody>
+        </p:sp>
+        <p:sp>
+          <p:nvSpPr>
+            <p:cNvPr id="103" name="文本框 102">
+              <a:extLst>
+                <a:ext uri="{FF2B5EF4-FFF2-40B4-BE49-F238E27FC236}">
+                  <a16:creationId xmlns:a16="http://schemas.microsoft.com/office/drawing/2014/main" id="{A5515440-8A25-430B-25E9-16633EE91685}"/>
+                </a:ext>
+              </a:extLst>
+            </p:cNvPr>
+            <p:cNvSpPr txBox="1"/>
+            <p:nvPr/>
+          </p:nvSpPr>
+          <p:spPr>
+            <a:xfrm>
+              <a:off x="1319933" y="-404781"/>
+              <a:ext cx="3182162" cy="830997"/>
+            </a:xfrm>
+            <a:prstGeom prst="rect">
+              <a:avLst/>
+            </a:prstGeom>
+            <a:noFill/>
+          </p:spPr>
+          <p:txBody>
+            <a:bodyPr wrap="square" rtlCol="0">
+              <a:spAutoFit/>
+            </a:bodyPr>
+            <a:lstStyle/>
+            <a:p>
+              <a:pPr algn="ctr"/>
+              <a:r>
+                <a:rPr kumimoji="1" lang="en-US" altLang="zh-CN" sz="2800" b="1" dirty="0">
+                  <a:latin typeface="Calibri" panose="020F0502020204030204" pitchFamily="34" charset="0"/>
+                  <a:ea typeface="Helvetica Neue" panose="02000503000000020004" pitchFamily="2" charset="0"/>
+                  <a:cs typeface="Calibri" panose="020F0502020204030204" pitchFamily="34" charset="0"/>
+                </a:rPr>
+                <a:t>PROJECTION*</a:t>
+              </a:r>
+            </a:p>
+            <a:p>
+              <a:pPr algn="ctr"/>
+              <a:r>
+                <a:rPr kumimoji="1" lang="en" altLang="zh-CN" sz="2000" dirty="0" err="1">
+                  <a:latin typeface="Calibri" panose="020F0502020204030204" pitchFamily="34" charset="0"/>
+                  <a:ea typeface="Menlo" panose="020B0609030804020204" pitchFamily="49" charset="0"/>
+                  <a:cs typeface="Calibri" panose="020F0502020204030204" pitchFamily="34" charset="0"/>
+                </a:rPr>
+                <a:t>n.name</a:t>
+              </a:r>
+              <a:endParaRPr kumimoji="1" lang="en-US" altLang="zh-CN" sz="2000" dirty="0">
+                <a:latin typeface="Calibri" panose="020F0502020204030204" pitchFamily="34" charset="0"/>
+                <a:ea typeface="Menlo" panose="020B0609030804020204" pitchFamily="49" charset="0"/>
+                <a:cs typeface="Calibri" panose="020F0502020204030204" pitchFamily="34" charset="0"/>
+              </a:endParaRPr>
+            </a:p>
+          </p:txBody>
+        </p:sp>
+      </p:grpSp>
+      <p:cxnSp>
+        <p:nvCxnSpPr>
+          <p:cNvPr id="108" name="直线箭头连接符 107">
+            <a:extLst>
+              <a:ext uri="{FF2B5EF4-FFF2-40B4-BE49-F238E27FC236}">
+                <a16:creationId xmlns:a16="http://schemas.microsoft.com/office/drawing/2014/main" id="{76988E96-13AA-D0DB-D63A-4B4238DE2438}"/>
+              </a:ext>
+            </a:extLst>
+          </p:cNvPr>
+          <p:cNvCxnSpPr>
+            <a:cxnSpLocks/>
+            <a:stCxn id="102" idx="0"/>
+            <a:endCxn id="96" idx="2"/>
+          </p:cNvCxnSpPr>
+          <p:nvPr/>
+        </p:nvCxnSpPr>
+        <p:spPr>
+          <a:xfrm flipV="1">
+            <a:off x="9000318" y="-334338"/>
+            <a:ext cx="4432" cy="239697"/>
+          </a:xfrm>
+          <a:prstGeom prst="straightConnector1">
+            <a:avLst/>
+          </a:prstGeom>
+          <a:ln w="28575">
+            <a:solidFill>
+              <a:srgbClr val="8B649D"/>
+            </a:solidFill>
+            <a:tailEnd type="triangle"/>
+          </a:ln>
+        </p:spPr>
+        <p:style>
+          <a:lnRef idx="3">
+            <a:schemeClr val="dk1"/>
+          </a:lnRef>
+          <a:fillRef idx="0">
+            <a:schemeClr val="dk1"/>
+          </a:fillRef>
+          <a:effectRef idx="2">
+            <a:schemeClr val="dk1"/>
+          </a:effectRef>
+          <a:fontRef idx="minor">
+            <a:schemeClr val="tx1"/>
+          </a:fontRef>
+        </p:style>
+      </p:cxnSp>
+      <p:sp>
+        <p:nvSpPr>
+          <p:cNvPr id="138" name="文本框 137">
+            <a:extLst>
+              <a:ext uri="{FF2B5EF4-FFF2-40B4-BE49-F238E27FC236}">
+                <a16:creationId xmlns:a16="http://schemas.microsoft.com/office/drawing/2014/main" id="{7B4DD947-1173-1F6D-0D62-EC76E3EC806C}"/>
+              </a:ext>
+            </a:extLst>
+          </p:cNvPr>
+          <p:cNvSpPr txBox="1"/>
+          <p:nvPr/>
+        </p:nvSpPr>
+        <p:spPr>
+          <a:xfrm>
+            <a:off x="7330288" y="2499439"/>
+            <a:ext cx="3335701" cy="1261884"/>
+          </a:xfrm>
+          <a:prstGeom prst="rect">
+            <a:avLst/>
+          </a:prstGeom>
+          <a:noFill/>
+        </p:spPr>
+        <p:txBody>
+          <a:bodyPr wrap="square" rtlCol="0">
+            <a:spAutoFit/>
+          </a:bodyPr>
+          <a:lstStyle/>
+          <a:p>
+            <a:pPr algn="ctr"/>
+            <a:r>
+              <a:rPr kumimoji="1" lang="en-US" altLang="zh-CN" sz="2800" b="1" dirty="0">
+                <a:latin typeface="Calibri" panose="020F0502020204030204" pitchFamily="34" charset="0"/>
+                <a:ea typeface="Helvetica Neue" panose="02000503000000020004" pitchFamily="2" charset="0"/>
+                <a:cs typeface="Calibri" panose="020F0502020204030204" pitchFamily="34" charset="0"/>
+              </a:rPr>
+              <a:t>EXPAND </a:t>
+            </a:r>
+            <a:r>
+              <a:rPr kumimoji="1" lang="en-US" altLang="zh-CN" sz="2400" dirty="0">
+                <a:latin typeface="Calibri" panose="020F0502020204030204" pitchFamily="34" charset="0"/>
+                <a:ea typeface="Helvetica Neue" panose="02000503000000020004" pitchFamily="2" charset="0"/>
+                <a:cs typeface="Calibri" panose="020F0502020204030204" pitchFamily="34" charset="0"/>
+              </a:rPr>
+              <a:t>COMPANY_NAME</a:t>
+            </a:r>
+          </a:p>
+          <a:p>
+            <a:pPr algn="ctr"/>
+            <a:r>
+              <a:rPr kumimoji="1" lang="zh-CN" altLang="en-US" sz="2400" b="1" dirty="0">
+                <a:latin typeface="Calibri" panose="020F0502020204030204" pitchFamily="34" charset="0"/>
+                <a:ea typeface="Helvetica Neue" panose="02000503000000020004" pitchFamily="2" charset="0"/>
+                <a:cs typeface="Calibri" panose="020F0502020204030204" pitchFamily="34" charset="0"/>
+              </a:rPr>
+              <a:t> </a:t>
+            </a:r>
+            <a:r>
+              <a:rPr kumimoji="1" lang="en" altLang="zh-CN" sz="2000" dirty="0">
+                <a:latin typeface="Calibri" panose="020F0502020204030204" pitchFamily="34" charset="0"/>
+                <a:ea typeface="Menlo" panose="020B0609030804020204" pitchFamily="49" charset="0"/>
+                <a:cs typeface="Calibri" panose="020F0502020204030204" pitchFamily="34" charset="0"/>
+              </a:rPr>
+              <a:t>(</a:t>
+            </a:r>
+            <a:r>
+              <a:rPr kumimoji="1" lang="en" altLang="zh-CN" sz="2000" dirty="0" err="1">
+                <a:latin typeface="Calibri" panose="020F0502020204030204" pitchFamily="34" charset="0"/>
+                <a:ea typeface="Menlo" panose="020B0609030804020204" pitchFamily="49" charset="0"/>
+                <a:cs typeface="Calibri" panose="020F0502020204030204" pitchFamily="34" charset="0"/>
+              </a:rPr>
+              <a:t>country_code</a:t>
+            </a:r>
+            <a:r>
+              <a:rPr kumimoji="1" lang="en" altLang="zh-CN" sz="2000" dirty="0">
+                <a:latin typeface="Calibri" panose="020F0502020204030204" pitchFamily="34" charset="0"/>
+                <a:ea typeface="Menlo" panose="020B0609030804020204" pitchFamily="49" charset="0"/>
+                <a:cs typeface="Calibri" panose="020F0502020204030204" pitchFamily="34" charset="0"/>
+              </a:rPr>
+              <a:t> = “[us]”)</a:t>
+            </a:r>
+            <a:endParaRPr kumimoji="1" lang="en-US" altLang="zh-CN" sz="2000" b="1" dirty="0">
+              <a:latin typeface="Calibri" panose="020F0502020204030204" pitchFamily="34" charset="0"/>
+              <a:ea typeface="Helvetica Neue" panose="02000503000000020004" pitchFamily="2" charset="0"/>
+              <a:cs typeface="Calibri" panose="020F0502020204030204" pitchFamily="34" charset="0"/>
+            </a:endParaRPr>
+          </a:p>
+        </p:txBody>
+      </p:sp>
+      <p:sp>
+        <p:nvSpPr>
+          <p:cNvPr id="139" name="文本框 138">
+            <a:extLst>
+              <a:ext uri="{FF2B5EF4-FFF2-40B4-BE49-F238E27FC236}">
+                <a16:creationId xmlns:a16="http://schemas.microsoft.com/office/drawing/2014/main" id="{F935FAE2-EA35-64D5-B745-9287EC966F14}"/>
+              </a:ext>
+            </a:extLst>
+          </p:cNvPr>
+          <p:cNvSpPr txBox="1"/>
+          <p:nvPr/>
+        </p:nvSpPr>
+        <p:spPr>
+          <a:xfrm>
+            <a:off x="7439628" y="1291626"/>
+            <a:ext cx="3182162" cy="830997"/>
+          </a:xfrm>
+          <a:prstGeom prst="rect">
+            <a:avLst/>
+          </a:prstGeom>
+          <a:noFill/>
+        </p:spPr>
+        <p:txBody>
+          <a:bodyPr wrap="square" rtlCol="0">
+            <a:spAutoFit/>
+          </a:bodyPr>
+          <a:lstStyle/>
+          <a:p>
+            <a:pPr algn="ctr"/>
+            <a:r>
+              <a:rPr kumimoji="1" lang="en-US" altLang="zh-CN" sz="2800" b="1" dirty="0">
+                <a:latin typeface="Calibri" panose="020F0502020204030204" pitchFamily="34" charset="0"/>
+                <a:ea typeface="Helvetica Neue" panose="02000503000000020004" pitchFamily="2" charset="0"/>
+                <a:cs typeface="Calibri" panose="020F0502020204030204" pitchFamily="34" charset="0"/>
+              </a:rPr>
+              <a:t>EXPAND </a:t>
+            </a:r>
+            <a:r>
+              <a:rPr kumimoji="1" lang="en-US" altLang="zh-CN" sz="2400" dirty="0">
+                <a:latin typeface="Calibri" panose="020F0502020204030204" pitchFamily="34" charset="0"/>
+                <a:ea typeface="Helvetica Neue" panose="02000503000000020004" pitchFamily="2" charset="0"/>
+                <a:cs typeface="Calibri" panose="020F0502020204030204" pitchFamily="34" charset="0"/>
+              </a:rPr>
+              <a:t>NAME</a:t>
+            </a:r>
+          </a:p>
+          <a:p>
+            <a:pPr algn="ctr"/>
+            <a:r>
+              <a:rPr kumimoji="1" lang="en" altLang="zh-CN" sz="2000" dirty="0">
+                <a:latin typeface="Calibri" panose="020F0502020204030204" pitchFamily="34" charset="0"/>
+                <a:ea typeface="Menlo" panose="020B0609030804020204" pitchFamily="49" charset="0"/>
+                <a:cs typeface="Calibri" panose="020F0502020204030204" pitchFamily="34" charset="0"/>
+              </a:rPr>
+              <a:t>(name STARTS WITH “B”)</a:t>
+            </a:r>
+            <a:r>
+              <a:rPr kumimoji="1" lang="zh-CN" altLang="en-US" sz="2000" b="1" dirty="0">
+                <a:latin typeface="Calibri" panose="020F0502020204030204" pitchFamily="34" charset="0"/>
+                <a:ea typeface="Helvetica Neue" panose="02000503000000020004" pitchFamily="2" charset="0"/>
+                <a:cs typeface="Calibri" panose="020F0502020204030204" pitchFamily="34" charset="0"/>
+              </a:rPr>
+              <a:t>  </a:t>
+            </a:r>
+            <a:endParaRPr kumimoji="1" lang="en-US" altLang="zh-CN" sz="2000" b="1" dirty="0">
+              <a:latin typeface="Calibri" panose="020F0502020204030204" pitchFamily="34" charset="0"/>
+              <a:ea typeface="Helvetica Neue" panose="02000503000000020004" pitchFamily="2" charset="0"/>
+              <a:cs typeface="Calibri" panose="020F0502020204030204" pitchFamily="34" charset="0"/>
+            </a:endParaRPr>
+          </a:p>
+        </p:txBody>
+      </p:sp>
+    </p:spTree>
+    <p:extLst>
+      <p:ext uri="{BB962C8B-B14F-4D97-AF65-F5344CB8AC3E}">
+        <p14:creationId xmlns:p14="http://schemas.microsoft.com/office/powerpoint/2010/main" val="2394765300"/>
+      </p:ext>
+    </p:extLst>
+  </p:cSld>
+  <p:clrMapOvr>
+    <a:masterClrMapping/>
+  </p:clrMapOvr>
+</p:sld>
+</file>
+
+<file path=ppt/slides/slide4.xml><?xml version="1.0" encoding="utf-8"?>
+<p:sld xmlns:a="http://schemas.openxmlformats.org/drawingml/2006/main" xmlns:r="http://schemas.openxmlformats.org/officeDocument/2006/relationships" xmlns:p="http://schemas.openxmlformats.org/presentationml/2006/main">
+  <p:cSld>
+    <p:spTree>
+      <p:nvGrpSpPr>
+        <p:cNvPr id="1" name=""/>
+        <p:cNvGrpSpPr/>
+        <p:nvPr/>
+      </p:nvGrpSpPr>
+      <p:grpSpPr>
+        <a:xfrm>
+          <a:off x="0" y="0"/>
+          <a:ext cx="0" cy="0"/>
+          <a:chOff x="0" y="0"/>
+          <a:chExt cx="0" cy="0"/>
+        </a:xfrm>
+      </p:grpSpPr>
+      <p:grpSp>
+        <p:nvGrpSpPr>
+          <p:cNvPr id="33" name="组合 32">
+            <a:extLst>
+              <a:ext uri="{FF2B5EF4-FFF2-40B4-BE49-F238E27FC236}">
+                <a16:creationId xmlns:a16="http://schemas.microsoft.com/office/drawing/2014/main" id="{6354450E-E6DA-4942-9A3F-1A677263A85C}"/>
+              </a:ext>
+            </a:extLst>
+          </p:cNvPr>
+          <p:cNvGrpSpPr/>
+          <p:nvPr/>
+        </p:nvGrpSpPr>
+        <p:grpSpPr>
+          <a:xfrm>
+            <a:off x="7514923" y="4016753"/>
+            <a:ext cx="2975146" cy="868196"/>
+            <a:chOff x="859809" y="3955277"/>
+            <a:chExt cx="2975146" cy="868196"/>
+          </a:xfrm>
+        </p:grpSpPr>
+        <p:sp>
+          <p:nvSpPr>
+            <p:cNvPr id="19" name="圆角矩形 18">
+              <a:extLst>
+                <a:ext uri="{FF2B5EF4-FFF2-40B4-BE49-F238E27FC236}">
+                  <a16:creationId xmlns:a16="http://schemas.microsoft.com/office/drawing/2014/main" id="{AC357B37-BF54-37E2-C5C4-1F3FFE985A09}"/>
+                </a:ext>
+              </a:extLst>
+            </p:cNvPr>
+            <p:cNvSpPr/>
+            <p:nvPr/>
+          </p:nvSpPr>
+          <p:spPr>
+            <a:xfrm>
+              <a:off x="859809" y="3955277"/>
+              <a:ext cx="2975146" cy="868196"/>
+            </a:xfrm>
+            <a:prstGeom prst="roundRect">
+              <a:avLst>
+                <a:gd name="adj" fmla="val 13606"/>
+              </a:avLst>
+            </a:prstGeom>
+            <a:solidFill>
+              <a:srgbClr val="F3F3F3"/>
+            </a:solidFill>
+            <a:ln>
+              <a:noFill/>
+            </a:ln>
+          </p:spPr>
+          <p:style>
+            <a:lnRef idx="2">
+              <a:schemeClr val="accent1">
+                <a:shade val="15000"/>
+              </a:schemeClr>
+            </a:lnRef>
+            <a:fillRef idx="1">
+              <a:schemeClr val="accent1"/>
+            </a:fillRef>
+            <a:effectRef idx="0">
+              <a:schemeClr val="accent1"/>
+            </a:effectRef>
+            <a:fontRef idx="minor">
+              <a:schemeClr val="lt1"/>
+            </a:fontRef>
+          </p:style>
+          <p:txBody>
+            <a:bodyPr rtlCol="0" anchor="ctr"/>
+            <a:lstStyle/>
+            <a:p>
+              <a:pPr algn="ctr"/>
+              <a:endParaRPr kumimoji="1" lang="zh-CN" altLang="en-US" sz="2000">
+                <a:solidFill>
+                  <a:schemeClr val="tx1"/>
+                </a:solidFill>
+                <a:latin typeface="Calibri" panose="020F0502020204030204" pitchFamily="34" charset="0"/>
+                <a:cs typeface="Calibri" panose="020F0502020204030204" pitchFamily="34" charset="0"/>
+              </a:endParaRPr>
+            </a:p>
+          </p:txBody>
+        </p:sp>
+        <p:sp>
+          <p:nvSpPr>
+            <p:cNvPr id="20" name="文本框 19">
+              <a:extLst>
+                <a:ext uri="{FF2B5EF4-FFF2-40B4-BE49-F238E27FC236}">
+                  <a16:creationId xmlns:a16="http://schemas.microsoft.com/office/drawing/2014/main" id="{98507CE8-C5F9-CCA6-F1BD-F9677274B281}"/>
+                </a:ext>
+              </a:extLst>
+            </p:cNvPr>
+            <p:cNvSpPr txBox="1"/>
+            <p:nvPr/>
+          </p:nvSpPr>
+          <p:spPr>
+            <a:xfrm>
+              <a:off x="1187121" y="4078209"/>
+              <a:ext cx="2432526" cy="523220"/>
+            </a:xfrm>
+            <a:prstGeom prst="rect">
+              <a:avLst/>
+            </a:prstGeom>
+            <a:noFill/>
+          </p:spPr>
+          <p:txBody>
+            <a:bodyPr wrap="square" rtlCol="0">
+              <a:spAutoFit/>
+            </a:bodyPr>
+            <a:lstStyle/>
+            <a:p>
+              <a:pPr algn="ctr"/>
+              <a:r>
+                <a:rPr kumimoji="1" lang="en-US" altLang="zh-CN" sz="2800" b="1" dirty="0">
+                  <a:latin typeface="Calibri" panose="020F0502020204030204" pitchFamily="34" charset="0"/>
+                  <a:ea typeface="Helvetica Neue" panose="02000503000000020004" pitchFamily="2" charset="0"/>
+                  <a:cs typeface="Calibri" panose="020F0502020204030204" pitchFamily="34" charset="0"/>
+                </a:rPr>
+                <a:t>Join</a:t>
+              </a:r>
+              <a:endParaRPr kumimoji="1" lang="en-US" altLang="zh-CN" sz="2400" b="1" dirty="0">
+                <a:latin typeface="Calibri" panose="020F0502020204030204" pitchFamily="34" charset="0"/>
+                <a:ea typeface="Helvetica Neue" panose="02000503000000020004" pitchFamily="2" charset="0"/>
+                <a:cs typeface="Calibri" panose="020F0502020204030204" pitchFamily="34" charset="0"/>
+              </a:endParaRPr>
+            </a:p>
+          </p:txBody>
+        </p:sp>
+      </p:grpSp>
+      <p:cxnSp>
+        <p:nvCxnSpPr>
+          <p:cNvPr id="23" name="直线箭头连接符 22">
+            <a:extLst>
+              <a:ext uri="{FF2B5EF4-FFF2-40B4-BE49-F238E27FC236}">
+                <a16:creationId xmlns:a16="http://schemas.microsoft.com/office/drawing/2014/main" id="{E631E204-5BEA-ECF4-F82E-79363C84C2DB}"/>
+              </a:ext>
+            </a:extLst>
+          </p:cNvPr>
+          <p:cNvCxnSpPr>
+            <a:cxnSpLocks/>
+            <a:stCxn id="31" idx="3"/>
+            <a:endCxn id="19" idx="1"/>
+          </p:cNvCxnSpPr>
+          <p:nvPr/>
+        </p:nvCxnSpPr>
+        <p:spPr>
+          <a:xfrm>
+            <a:off x="7156081" y="4447119"/>
+            <a:ext cx="358842" cy="3732"/>
+          </a:xfrm>
+          <a:prstGeom prst="straightConnector1">
+            <a:avLst/>
+          </a:prstGeom>
+          <a:ln w="28575">
+            <a:solidFill>
+              <a:srgbClr val="8B649D"/>
+            </a:solidFill>
+            <a:tailEnd type="triangle"/>
+          </a:ln>
+        </p:spPr>
+        <p:style>
+          <a:lnRef idx="3">
+            <a:schemeClr val="dk1"/>
+          </a:lnRef>
+          <a:fillRef idx="0">
+            <a:schemeClr val="dk1"/>
+          </a:fillRef>
+          <a:effectRef idx="2">
+            <a:schemeClr val="dk1"/>
+          </a:effectRef>
+          <a:fontRef idx="minor">
+            <a:schemeClr val="tx1"/>
+          </a:fontRef>
+        </p:style>
+      </p:cxnSp>
+      <p:grpSp>
+        <p:nvGrpSpPr>
+          <p:cNvPr id="29" name="组合 28">
+            <a:extLst>
+              <a:ext uri="{FF2B5EF4-FFF2-40B4-BE49-F238E27FC236}">
+                <a16:creationId xmlns:a16="http://schemas.microsoft.com/office/drawing/2014/main" id="{585C126F-9509-70CF-AFE8-7ADC76505082}"/>
+              </a:ext>
+            </a:extLst>
+          </p:cNvPr>
+          <p:cNvGrpSpPr/>
+          <p:nvPr/>
+        </p:nvGrpSpPr>
+        <p:grpSpPr>
+          <a:xfrm>
+            <a:off x="7463168" y="5063556"/>
+            <a:ext cx="3085007" cy="1581620"/>
+            <a:chOff x="6171941" y="4078366"/>
+            <a:chExt cx="3085007" cy="1581620"/>
+          </a:xfrm>
+        </p:grpSpPr>
+        <p:sp>
+          <p:nvSpPr>
+            <p:cNvPr id="27" name="圆角矩形 26">
+              <a:extLst>
+                <a:ext uri="{FF2B5EF4-FFF2-40B4-BE49-F238E27FC236}">
+                  <a16:creationId xmlns:a16="http://schemas.microsoft.com/office/drawing/2014/main" id="{F36DBDEB-58E9-53B2-6F51-53C79BE6C9E0}"/>
+                </a:ext>
+              </a:extLst>
+            </p:cNvPr>
+            <p:cNvSpPr/>
+            <p:nvPr/>
+          </p:nvSpPr>
+          <p:spPr>
+            <a:xfrm>
+              <a:off x="6221518" y="4180567"/>
+              <a:ext cx="2975146" cy="1479419"/>
+            </a:xfrm>
+            <a:prstGeom prst="roundRect">
+              <a:avLst>
+                <a:gd name="adj" fmla="val 13606"/>
+              </a:avLst>
+            </a:prstGeom>
+            <a:solidFill>
+              <a:srgbClr val="F3F3F3"/>
+            </a:solidFill>
+            <a:ln>
+              <a:noFill/>
+            </a:ln>
+          </p:spPr>
+          <p:style>
+            <a:lnRef idx="2">
+              <a:schemeClr val="accent1">
+                <a:shade val="15000"/>
+              </a:schemeClr>
+            </a:lnRef>
+            <a:fillRef idx="1">
+              <a:schemeClr val="accent1"/>
+            </a:fillRef>
+            <a:effectRef idx="0">
+              <a:schemeClr val="accent1"/>
+            </a:effectRef>
+            <a:fontRef idx="minor">
+              <a:schemeClr val="lt1"/>
+            </a:fontRef>
+          </p:style>
+          <p:txBody>
+            <a:bodyPr rtlCol="0" anchor="ctr"/>
+            <a:lstStyle/>
+            <a:p>
+              <a:pPr algn="ctr"/>
+              <a:endParaRPr kumimoji="1" lang="zh-CN" altLang="en-US" sz="2000">
+                <a:solidFill>
+                  <a:schemeClr val="tx1"/>
+                </a:solidFill>
+                <a:latin typeface="Calibri" panose="020F0502020204030204" pitchFamily="34" charset="0"/>
+                <a:cs typeface="Calibri" panose="020F0502020204030204" pitchFamily="34" charset="0"/>
+              </a:endParaRPr>
+            </a:p>
+          </p:txBody>
+        </p:sp>
+        <p:sp>
+          <p:nvSpPr>
+            <p:cNvPr id="28" name="文本框 27">
+              <a:extLst>
+                <a:ext uri="{FF2B5EF4-FFF2-40B4-BE49-F238E27FC236}">
+                  <a16:creationId xmlns:a16="http://schemas.microsoft.com/office/drawing/2014/main" id="{DE8C043C-C900-B743-6817-57F63F65249F}"/>
+                </a:ext>
+              </a:extLst>
+            </p:cNvPr>
+            <p:cNvSpPr txBox="1"/>
+            <p:nvPr/>
+          </p:nvSpPr>
+          <p:spPr>
+            <a:xfrm>
+              <a:off x="6171941" y="4078366"/>
+              <a:ext cx="3085007" cy="1508105"/>
+            </a:xfrm>
+            <a:prstGeom prst="rect">
+              <a:avLst/>
+            </a:prstGeom>
+            <a:noFill/>
+          </p:spPr>
+          <p:txBody>
+            <a:bodyPr wrap="square" rtlCol="0">
+              <a:spAutoFit/>
+            </a:bodyPr>
+            <a:lstStyle/>
+            <a:p>
+              <a:pPr algn="ctr"/>
+              <a:r>
+                <a:rPr kumimoji="1" lang="en-US" altLang="zh-CN" sz="2800" b="1" dirty="0">
+                  <a:latin typeface="Calibri" panose="020F0502020204030204" pitchFamily="34" charset="0"/>
+                  <a:ea typeface="Helvetica Neue" panose="02000503000000020004" pitchFamily="2" charset="0"/>
+                  <a:cs typeface="Calibri" panose="020F0502020204030204" pitchFamily="34" charset="0"/>
+                </a:rPr>
+                <a:t>Scan</a:t>
+              </a:r>
+              <a:r>
+                <a:rPr kumimoji="1" lang="zh-CN" altLang="en-US" sz="2400" b="1" dirty="0">
+                  <a:latin typeface="Calibri" panose="020F0502020204030204" pitchFamily="34" charset="0"/>
+                  <a:ea typeface="Helvetica Neue" panose="02000503000000020004" pitchFamily="2" charset="0"/>
+                  <a:cs typeface="Calibri" panose="020F0502020204030204" pitchFamily="34" charset="0"/>
+                </a:rPr>
+                <a:t>  </a:t>
+              </a:r>
+              <a:endParaRPr kumimoji="1" lang="en-US" altLang="zh-CN" sz="2400" b="1" dirty="0">
+                <a:latin typeface="Calibri" panose="020F0502020204030204" pitchFamily="34" charset="0"/>
+                <a:ea typeface="Helvetica Neue" panose="02000503000000020004" pitchFamily="2" charset="0"/>
+                <a:cs typeface="Calibri" panose="020F0502020204030204" pitchFamily="34" charset="0"/>
+              </a:endParaRPr>
+            </a:p>
+            <a:p>
+              <a:pPr algn="ctr"/>
+              <a:r>
+                <a:rPr kumimoji="1" lang="en-US" altLang="zh-CN" sz="2400" dirty="0">
+                  <a:latin typeface="Calibri" panose="020F0502020204030204" pitchFamily="34" charset="0"/>
+                  <a:ea typeface="Helvetica Neue" panose="02000503000000020004" pitchFamily="2" charset="0"/>
+                  <a:cs typeface="Calibri" panose="020F0502020204030204" pitchFamily="34" charset="0"/>
+                </a:rPr>
+                <a:t>KEYWORD</a:t>
+              </a:r>
+            </a:p>
+            <a:p>
+              <a:pPr algn="ctr"/>
+              <a:r>
+                <a:rPr kumimoji="1" lang="en" altLang="zh-CN" sz="2000" dirty="0">
+                  <a:latin typeface="Calibri" panose="020F0502020204030204" pitchFamily="34" charset="0"/>
+                  <a:ea typeface="Menlo" panose="020B0609030804020204" pitchFamily="49" charset="0"/>
+                  <a:cs typeface="Calibri" panose="020F0502020204030204" pitchFamily="34" charset="0"/>
+                </a:rPr>
+                <a:t>(keyword = “character-name-in-title”)</a:t>
+              </a:r>
+            </a:p>
+          </p:txBody>
+        </p:sp>
+      </p:grpSp>
+      <p:grpSp>
+        <p:nvGrpSpPr>
+          <p:cNvPr id="30" name="组合 29">
+            <a:extLst>
+              <a:ext uri="{FF2B5EF4-FFF2-40B4-BE49-F238E27FC236}">
+                <a16:creationId xmlns:a16="http://schemas.microsoft.com/office/drawing/2014/main" id="{1EEFB9C9-BB26-90E4-6663-0B72691F7CA4}"/>
+              </a:ext>
+            </a:extLst>
+          </p:cNvPr>
+          <p:cNvGrpSpPr/>
+          <p:nvPr/>
+        </p:nvGrpSpPr>
+        <p:grpSpPr>
+          <a:xfrm>
+            <a:off x="4077427" y="3955019"/>
+            <a:ext cx="3182162" cy="938376"/>
+            <a:chOff x="6118010" y="4270496"/>
+            <a:chExt cx="3182162" cy="938376"/>
+          </a:xfrm>
+        </p:grpSpPr>
+        <p:sp>
+          <p:nvSpPr>
+            <p:cNvPr id="31" name="圆角矩形 30">
+              <a:extLst>
+                <a:ext uri="{FF2B5EF4-FFF2-40B4-BE49-F238E27FC236}">
+                  <a16:creationId xmlns:a16="http://schemas.microsoft.com/office/drawing/2014/main" id="{7E79EDC9-5E81-4B54-B85F-48675AF12D60}"/>
+                </a:ext>
+              </a:extLst>
+            </p:cNvPr>
+            <p:cNvSpPr/>
+            <p:nvPr/>
+          </p:nvSpPr>
+          <p:spPr>
+            <a:xfrm>
+              <a:off x="6221518" y="4316320"/>
+              <a:ext cx="2975146" cy="892552"/>
+            </a:xfrm>
+            <a:prstGeom prst="roundRect">
+              <a:avLst>
+                <a:gd name="adj" fmla="val 13606"/>
+              </a:avLst>
+            </a:prstGeom>
+            <a:solidFill>
+              <a:srgbClr val="F3F3F3"/>
+            </a:solidFill>
+            <a:ln>
+              <a:noFill/>
+            </a:ln>
+          </p:spPr>
+          <p:style>
+            <a:lnRef idx="2">
+              <a:schemeClr val="accent1">
+                <a:shade val="15000"/>
+              </a:schemeClr>
+            </a:lnRef>
+            <a:fillRef idx="1">
+              <a:schemeClr val="accent1"/>
+            </a:fillRef>
+            <a:effectRef idx="0">
+              <a:schemeClr val="accent1"/>
+            </a:effectRef>
+            <a:fontRef idx="minor">
+              <a:schemeClr val="lt1"/>
+            </a:fontRef>
+          </p:style>
+          <p:txBody>
+            <a:bodyPr rtlCol="0" anchor="ctr"/>
+            <a:lstStyle/>
+            <a:p>
+              <a:pPr algn="ctr"/>
+              <a:endParaRPr kumimoji="1" lang="zh-CN" altLang="en-US" sz="2000">
+                <a:solidFill>
+                  <a:schemeClr val="tx1"/>
+                </a:solidFill>
+                <a:latin typeface="Calibri" panose="020F0502020204030204" pitchFamily="34" charset="0"/>
+                <a:cs typeface="Calibri" panose="020F0502020204030204" pitchFamily="34" charset="0"/>
+              </a:endParaRPr>
+            </a:p>
+          </p:txBody>
+        </p:sp>
+        <p:sp>
+          <p:nvSpPr>
+            <p:cNvPr id="32" name="文本框 31">
+              <a:extLst>
+                <a:ext uri="{FF2B5EF4-FFF2-40B4-BE49-F238E27FC236}">
+                  <a16:creationId xmlns:a16="http://schemas.microsoft.com/office/drawing/2014/main" id="{8E1F3894-646C-E8D2-E872-315081CDA533}"/>
+                </a:ext>
+              </a:extLst>
+            </p:cNvPr>
+            <p:cNvSpPr txBox="1"/>
+            <p:nvPr/>
+          </p:nvSpPr>
+          <p:spPr>
+            <a:xfrm>
+              <a:off x="6118010" y="4270496"/>
+              <a:ext cx="3182162" cy="892552"/>
+            </a:xfrm>
+            <a:prstGeom prst="rect">
+              <a:avLst/>
+            </a:prstGeom>
+            <a:noFill/>
+          </p:spPr>
+          <p:txBody>
+            <a:bodyPr wrap="square" rtlCol="0">
+              <a:spAutoFit/>
+            </a:bodyPr>
+            <a:lstStyle/>
+            <a:p>
+              <a:pPr algn="ctr"/>
+              <a:r>
+                <a:rPr kumimoji="1" lang="en-US" altLang="zh-CN" sz="2800" b="1" dirty="0">
+                  <a:latin typeface="Calibri" panose="020F0502020204030204" pitchFamily="34" charset="0"/>
+                  <a:ea typeface="Helvetica Neue" panose="02000503000000020004" pitchFamily="2" charset="0"/>
+                  <a:cs typeface="Calibri" panose="020F0502020204030204" pitchFamily="34" charset="0"/>
+                </a:rPr>
+                <a:t>Scan</a:t>
+              </a:r>
+              <a:r>
+                <a:rPr kumimoji="1" lang="zh-CN" altLang="en-US" sz="2400" b="1" dirty="0">
+                  <a:latin typeface="Calibri" panose="020F0502020204030204" pitchFamily="34" charset="0"/>
+                  <a:ea typeface="Helvetica Neue" panose="02000503000000020004" pitchFamily="2" charset="0"/>
+                  <a:cs typeface="Calibri" panose="020F0502020204030204" pitchFamily="34" charset="0"/>
+                </a:rPr>
+                <a:t>  </a:t>
+              </a:r>
+              <a:endParaRPr kumimoji="1" lang="en-US" altLang="zh-CN" sz="2400" b="1" dirty="0">
+                <a:latin typeface="Calibri" panose="020F0502020204030204" pitchFamily="34" charset="0"/>
+                <a:ea typeface="Helvetica Neue" panose="02000503000000020004" pitchFamily="2" charset="0"/>
+                <a:cs typeface="Calibri" panose="020F0502020204030204" pitchFamily="34" charset="0"/>
+              </a:endParaRPr>
+            </a:p>
+            <a:p>
+              <a:pPr algn="ctr"/>
+              <a:r>
+                <a:rPr kumimoji="1" lang="en-US" altLang="zh-CN" sz="2400" dirty="0">
+                  <a:latin typeface="Calibri" panose="020F0502020204030204" pitchFamily="34" charset="0"/>
+                  <a:ea typeface="Helvetica Neue" panose="02000503000000020004" pitchFamily="2" charset="0"/>
+                  <a:cs typeface="Calibri" panose="020F0502020204030204" pitchFamily="34" charset="0"/>
+                </a:rPr>
+                <a:t>MOVIE_KEYWORD</a:t>
+              </a:r>
+              <a:endParaRPr kumimoji="1" lang="zh-CN" altLang="en-US" sz="2400" dirty="0">
+                <a:latin typeface="Calibri" panose="020F0502020204030204" pitchFamily="34" charset="0"/>
+                <a:cs typeface="Calibri" panose="020F0502020204030204" pitchFamily="34" charset="0"/>
+              </a:endParaRPr>
+            </a:p>
+          </p:txBody>
+        </p:sp>
+      </p:grpSp>
+      <p:grpSp>
+        <p:nvGrpSpPr>
+          <p:cNvPr id="39" name="组合 38">
+            <a:extLst>
+              <a:ext uri="{FF2B5EF4-FFF2-40B4-BE49-F238E27FC236}">
+                <a16:creationId xmlns:a16="http://schemas.microsoft.com/office/drawing/2014/main" id="{29DA42A0-F158-6FDD-CFD0-3EBA35C21119}"/>
+              </a:ext>
+            </a:extLst>
+          </p:cNvPr>
+          <p:cNvGrpSpPr/>
+          <p:nvPr/>
+        </p:nvGrpSpPr>
+        <p:grpSpPr>
+          <a:xfrm>
+            <a:off x="4078417" y="1445181"/>
+            <a:ext cx="3330820" cy="1302844"/>
+            <a:chOff x="6104662" y="4180568"/>
+            <a:chExt cx="3330820" cy="1302844"/>
+          </a:xfrm>
+        </p:grpSpPr>
+        <p:sp>
+          <p:nvSpPr>
+            <p:cNvPr id="40" name="圆角矩形 39">
+              <a:extLst>
+                <a:ext uri="{FF2B5EF4-FFF2-40B4-BE49-F238E27FC236}">
+                  <a16:creationId xmlns:a16="http://schemas.microsoft.com/office/drawing/2014/main" id="{4AE73B48-D8C9-1642-FAFC-8E37D7B5DA93}"/>
+                </a:ext>
+              </a:extLst>
+            </p:cNvPr>
+            <p:cNvSpPr/>
+            <p:nvPr/>
+          </p:nvSpPr>
+          <p:spPr>
+            <a:xfrm>
+              <a:off x="6221518" y="4180568"/>
+              <a:ext cx="2975146" cy="1302844"/>
+            </a:xfrm>
+            <a:prstGeom prst="roundRect">
+              <a:avLst>
+                <a:gd name="adj" fmla="val 13606"/>
+              </a:avLst>
+            </a:prstGeom>
+            <a:solidFill>
+              <a:srgbClr val="F3F3F3"/>
+            </a:solidFill>
+            <a:ln>
+              <a:noFill/>
+            </a:ln>
+          </p:spPr>
+          <p:style>
+            <a:lnRef idx="2">
+              <a:schemeClr val="accent1">
+                <a:shade val="15000"/>
+              </a:schemeClr>
+            </a:lnRef>
+            <a:fillRef idx="1">
+              <a:schemeClr val="accent1"/>
+            </a:fillRef>
+            <a:effectRef idx="0">
+              <a:schemeClr val="accent1"/>
+            </a:effectRef>
+            <a:fontRef idx="minor">
+              <a:schemeClr val="lt1"/>
+            </a:fontRef>
+          </p:style>
+          <p:txBody>
+            <a:bodyPr rtlCol="0" anchor="ctr"/>
+            <a:lstStyle/>
+            <a:p>
+              <a:pPr algn="ctr"/>
+              <a:endParaRPr kumimoji="1" lang="zh-CN" altLang="en-US" sz="2000">
+                <a:solidFill>
+                  <a:schemeClr val="tx1"/>
+                </a:solidFill>
+                <a:latin typeface="Calibri" panose="020F0502020204030204" pitchFamily="34" charset="0"/>
+                <a:cs typeface="Calibri" panose="020F0502020204030204" pitchFamily="34" charset="0"/>
+              </a:endParaRPr>
+            </a:p>
+          </p:txBody>
+        </p:sp>
+        <p:sp>
+          <p:nvSpPr>
+            <p:cNvPr id="41" name="文本框 40">
+              <a:extLst>
+                <a:ext uri="{FF2B5EF4-FFF2-40B4-BE49-F238E27FC236}">
+                  <a16:creationId xmlns:a16="http://schemas.microsoft.com/office/drawing/2014/main" id="{05F7C4ED-91D3-27C5-FA35-11788FA21CD8}"/>
+                </a:ext>
+              </a:extLst>
+            </p:cNvPr>
+            <p:cNvSpPr txBox="1"/>
+            <p:nvPr/>
+          </p:nvSpPr>
+          <p:spPr>
+            <a:xfrm>
+              <a:off x="6104662" y="4222971"/>
+              <a:ext cx="3330820" cy="1200329"/>
+            </a:xfrm>
+            <a:prstGeom prst="rect">
+              <a:avLst/>
+            </a:prstGeom>
+            <a:noFill/>
+          </p:spPr>
+          <p:txBody>
+            <a:bodyPr wrap="square" rtlCol="0">
+              <a:spAutoFit/>
+            </a:bodyPr>
+            <a:lstStyle/>
+            <a:p>
+              <a:pPr algn="ctr"/>
+              <a:r>
+                <a:rPr kumimoji="1" lang="en-US" altLang="zh-CN" sz="2800" b="1" dirty="0">
+                  <a:latin typeface="Calibri" panose="020F0502020204030204" pitchFamily="34" charset="0"/>
+                  <a:ea typeface="Helvetica Neue" panose="02000503000000020004" pitchFamily="2" charset="0"/>
+                  <a:cs typeface="Calibri" panose="020F0502020204030204" pitchFamily="34" charset="0"/>
+                </a:rPr>
+                <a:t>Scan</a:t>
+              </a:r>
+              <a:r>
+                <a:rPr kumimoji="1" lang="zh-CN" altLang="en-US" sz="2400" b="1" dirty="0">
+                  <a:latin typeface="Calibri" panose="020F0502020204030204" pitchFamily="34" charset="0"/>
+                  <a:ea typeface="Helvetica Neue" panose="02000503000000020004" pitchFamily="2" charset="0"/>
+                  <a:cs typeface="Calibri" panose="020F0502020204030204" pitchFamily="34" charset="0"/>
+                </a:rPr>
+                <a:t>  </a:t>
+              </a:r>
+              <a:endParaRPr kumimoji="1" lang="en-US" altLang="zh-CN" sz="2400" b="1" dirty="0">
+                <a:latin typeface="Calibri" panose="020F0502020204030204" pitchFamily="34" charset="0"/>
+                <a:ea typeface="Helvetica Neue" panose="02000503000000020004" pitchFamily="2" charset="0"/>
+                <a:cs typeface="Calibri" panose="020F0502020204030204" pitchFamily="34" charset="0"/>
+              </a:endParaRPr>
+            </a:p>
+            <a:p>
+              <a:pPr algn="ctr"/>
+              <a:r>
+                <a:rPr kumimoji="1" lang="en-US" altLang="zh-CN" sz="2400" dirty="0">
+                  <a:latin typeface="Calibri" panose="020F0502020204030204" pitchFamily="34" charset="0"/>
+                  <a:ea typeface="Helvetica Neue" panose="02000503000000020004" pitchFamily="2" charset="0"/>
+                  <a:cs typeface="Calibri" panose="020F0502020204030204" pitchFamily="34" charset="0"/>
+                </a:rPr>
+                <a:t>COMPANY_NAME</a:t>
+              </a:r>
+            </a:p>
+            <a:p>
+              <a:pPr algn="ctr"/>
+              <a:r>
+                <a:rPr kumimoji="1" lang="en" altLang="zh-CN" sz="2000" dirty="0">
+                  <a:latin typeface="Calibri" panose="020F0502020204030204" pitchFamily="34" charset="0"/>
+                  <a:ea typeface="Menlo" panose="020B0609030804020204" pitchFamily="49" charset="0"/>
+                  <a:cs typeface="Calibri" panose="020F0502020204030204" pitchFamily="34" charset="0"/>
+                </a:rPr>
+                <a:t>(</a:t>
+              </a:r>
+              <a:r>
+                <a:rPr kumimoji="1" lang="en" altLang="zh-CN" sz="2000" dirty="0" err="1">
+                  <a:latin typeface="Calibri" panose="020F0502020204030204" pitchFamily="34" charset="0"/>
+                  <a:ea typeface="Menlo" panose="020B0609030804020204" pitchFamily="49" charset="0"/>
+                  <a:cs typeface="Calibri" panose="020F0502020204030204" pitchFamily="34" charset="0"/>
+                </a:rPr>
+                <a:t>country_code</a:t>
+              </a:r>
+              <a:r>
+                <a:rPr kumimoji="1" lang="en" altLang="zh-CN" sz="2000" dirty="0">
+                  <a:latin typeface="Calibri" panose="020F0502020204030204" pitchFamily="34" charset="0"/>
+                  <a:ea typeface="Menlo" panose="020B0609030804020204" pitchFamily="49" charset="0"/>
+                  <a:cs typeface="Calibri" panose="020F0502020204030204" pitchFamily="34" charset="0"/>
+                </a:rPr>
+                <a:t> = “[us]”)</a:t>
+              </a:r>
+              <a:endParaRPr kumimoji="1" lang="zh-CN" altLang="en-US" sz="2000" dirty="0">
+                <a:latin typeface="Calibri" panose="020F0502020204030204" pitchFamily="34" charset="0"/>
+                <a:cs typeface="Calibri" panose="020F0502020204030204" pitchFamily="34" charset="0"/>
+              </a:endParaRPr>
+            </a:p>
+          </p:txBody>
+        </p:sp>
+      </p:grpSp>
+      <p:sp>
+        <p:nvSpPr>
+          <p:cNvPr id="43" name="圆角矩形 42">
+            <a:extLst>
+              <a:ext uri="{FF2B5EF4-FFF2-40B4-BE49-F238E27FC236}">
+                <a16:creationId xmlns:a16="http://schemas.microsoft.com/office/drawing/2014/main" id="{E9AF77FE-0118-816D-2B32-22A37C1AC897}"/>
+              </a:ext>
+            </a:extLst>
+          </p:cNvPr>
+          <p:cNvSpPr/>
+          <p:nvPr/>
+        </p:nvSpPr>
+        <p:spPr>
+          <a:xfrm>
+            <a:off x="7512745" y="1700347"/>
+            <a:ext cx="2975146" cy="795366"/>
+          </a:xfrm>
+          <a:prstGeom prst="roundRect">
+            <a:avLst>
+              <a:gd name="adj" fmla="val 13606"/>
+            </a:avLst>
+          </a:prstGeom>
+          <a:solidFill>
+            <a:srgbClr val="F3F3F3"/>
+          </a:solidFill>
+          <a:ln>
+            <a:noFill/>
+          </a:ln>
+        </p:spPr>
+        <p:style>
+          <a:lnRef idx="2">
+            <a:schemeClr val="accent1">
+              <a:shade val="15000"/>
+            </a:schemeClr>
+          </a:lnRef>
+          <a:fillRef idx="1">
+            <a:schemeClr val="accent1"/>
+          </a:fillRef>
+          <a:effectRef idx="0">
+            <a:schemeClr val="accent1"/>
+          </a:effectRef>
+          <a:fontRef idx="minor">
+            <a:schemeClr val="lt1"/>
+          </a:fontRef>
+        </p:style>
+        <p:txBody>
+          <a:bodyPr rtlCol="0" anchor="ctr"/>
+          <a:lstStyle/>
+          <a:p>
+            <a:pPr algn="ctr"/>
+            <a:endParaRPr kumimoji="1" lang="zh-CN" altLang="en-US" sz="2000">
+              <a:solidFill>
+                <a:schemeClr val="tx1"/>
+              </a:solidFill>
+              <a:latin typeface="Calibri" panose="020F0502020204030204" pitchFamily="34" charset="0"/>
+              <a:cs typeface="Calibri" panose="020F0502020204030204" pitchFamily="34" charset="0"/>
+            </a:endParaRPr>
+          </a:p>
+        </p:txBody>
+      </p:sp>
+      <p:cxnSp>
+        <p:nvCxnSpPr>
+          <p:cNvPr id="45" name="直线箭头连接符 44">
+            <a:extLst>
+              <a:ext uri="{FF2B5EF4-FFF2-40B4-BE49-F238E27FC236}">
+                <a16:creationId xmlns:a16="http://schemas.microsoft.com/office/drawing/2014/main" id="{D184CFD5-2511-12DC-020E-E84868D85AC3}"/>
+              </a:ext>
+            </a:extLst>
+          </p:cNvPr>
+          <p:cNvCxnSpPr>
+            <a:cxnSpLocks/>
+            <a:stCxn id="40" idx="3"/>
+            <a:endCxn id="43" idx="1"/>
+          </p:cNvCxnSpPr>
+          <p:nvPr/>
+        </p:nvCxnSpPr>
+        <p:spPr>
+          <a:xfrm>
+            <a:off x="7170419" y="2096603"/>
+            <a:ext cx="342326" cy="1427"/>
+          </a:xfrm>
+          <a:prstGeom prst="straightConnector1">
+            <a:avLst/>
+          </a:prstGeom>
+          <a:ln w="28575">
+            <a:solidFill>
+              <a:srgbClr val="8B649D"/>
+            </a:solidFill>
+            <a:tailEnd type="triangle"/>
+          </a:ln>
+        </p:spPr>
+        <p:style>
+          <a:lnRef idx="3">
+            <a:schemeClr val="dk1"/>
+          </a:lnRef>
+          <a:fillRef idx="0">
+            <a:schemeClr val="dk1"/>
+          </a:fillRef>
+          <a:effectRef idx="2">
+            <a:schemeClr val="dk1"/>
+          </a:effectRef>
+          <a:fontRef idx="minor">
+            <a:schemeClr val="tx1"/>
+          </a:fontRef>
+        </p:style>
+      </p:cxnSp>
+      <p:cxnSp>
+        <p:nvCxnSpPr>
+          <p:cNvPr id="54" name="直线箭头连接符 53">
+            <a:extLst>
+              <a:ext uri="{FF2B5EF4-FFF2-40B4-BE49-F238E27FC236}">
+                <a16:creationId xmlns:a16="http://schemas.microsoft.com/office/drawing/2014/main" id="{9B175CA8-DF5E-0D50-4E32-4538A8AABF59}"/>
+              </a:ext>
+            </a:extLst>
+          </p:cNvPr>
+          <p:cNvCxnSpPr>
+            <a:cxnSpLocks/>
+            <a:stCxn id="27" idx="0"/>
+            <a:endCxn id="19" idx="2"/>
+          </p:cNvCxnSpPr>
+          <p:nvPr/>
+        </p:nvCxnSpPr>
+        <p:spPr>
+          <a:xfrm flipV="1">
+            <a:off x="9000318" y="4884949"/>
+            <a:ext cx="2178" cy="280808"/>
+          </a:xfrm>
+          <a:prstGeom prst="straightConnector1">
+            <a:avLst/>
+          </a:prstGeom>
+          <a:ln w="28575">
+            <a:solidFill>
+              <a:srgbClr val="8B649D"/>
+            </a:solidFill>
+            <a:tailEnd type="triangle"/>
+          </a:ln>
+        </p:spPr>
+        <p:style>
+          <a:lnRef idx="3">
+            <a:schemeClr val="dk1"/>
+          </a:lnRef>
+          <a:fillRef idx="0">
+            <a:schemeClr val="dk1"/>
+          </a:fillRef>
+          <a:effectRef idx="2">
+            <a:schemeClr val="dk1"/>
+          </a:effectRef>
+          <a:fontRef idx="minor">
+            <a:schemeClr val="tx1"/>
+          </a:fontRef>
+        </p:style>
+      </p:cxnSp>
+      <p:cxnSp>
+        <p:nvCxnSpPr>
+          <p:cNvPr id="58" name="直线箭头连接符 57">
+            <a:extLst>
+              <a:ext uri="{FF2B5EF4-FFF2-40B4-BE49-F238E27FC236}">
+                <a16:creationId xmlns:a16="http://schemas.microsoft.com/office/drawing/2014/main" id="{F3A67C09-4ED8-9095-7651-34F53BC5E2CB}"/>
+              </a:ext>
+            </a:extLst>
+          </p:cNvPr>
+          <p:cNvCxnSpPr>
+            <a:cxnSpLocks/>
+            <a:stCxn id="19" idx="0"/>
+            <a:endCxn id="5" idx="2"/>
+          </p:cNvCxnSpPr>
+          <p:nvPr/>
+        </p:nvCxnSpPr>
+        <p:spPr>
+          <a:xfrm flipV="1">
+            <a:off x="9002496" y="3756782"/>
+            <a:ext cx="0" cy="259971"/>
+          </a:xfrm>
+          <a:prstGeom prst="straightConnector1">
+            <a:avLst/>
+          </a:prstGeom>
+          <a:ln w="28575">
+            <a:solidFill>
+              <a:srgbClr val="8B649D"/>
+            </a:solidFill>
+            <a:tailEnd type="triangle"/>
+          </a:ln>
+        </p:spPr>
+        <p:style>
+          <a:lnRef idx="3">
+            <a:schemeClr val="dk1"/>
+          </a:lnRef>
+          <a:fillRef idx="0">
+            <a:schemeClr val="dk1"/>
+          </a:fillRef>
+          <a:effectRef idx="2">
+            <a:schemeClr val="dk1"/>
+          </a:effectRef>
+          <a:fontRef idx="minor">
+            <a:schemeClr val="tx1"/>
+          </a:fontRef>
+        </p:style>
+      </p:cxnSp>
+      <p:grpSp>
+        <p:nvGrpSpPr>
+          <p:cNvPr id="61" name="组合 60">
+            <a:extLst>
+              <a:ext uri="{FF2B5EF4-FFF2-40B4-BE49-F238E27FC236}">
+                <a16:creationId xmlns:a16="http://schemas.microsoft.com/office/drawing/2014/main" id="{69FEDA8E-D52D-AE38-EB27-27069878F201}"/>
+              </a:ext>
+            </a:extLst>
+          </p:cNvPr>
+          <p:cNvGrpSpPr/>
+          <p:nvPr/>
+        </p:nvGrpSpPr>
+        <p:grpSpPr>
+          <a:xfrm>
+            <a:off x="4180935" y="-2771524"/>
+            <a:ext cx="2975146" cy="758341"/>
+            <a:chOff x="6221518" y="4450531"/>
+            <a:chExt cx="2975146" cy="758341"/>
+          </a:xfrm>
+        </p:grpSpPr>
+        <p:sp>
+          <p:nvSpPr>
+            <p:cNvPr id="62" name="圆角矩形 61">
+              <a:extLst>
+                <a:ext uri="{FF2B5EF4-FFF2-40B4-BE49-F238E27FC236}">
+                  <a16:creationId xmlns:a16="http://schemas.microsoft.com/office/drawing/2014/main" id="{78EF5320-DC46-46D6-BFB2-3F078ED28136}"/>
+                </a:ext>
+              </a:extLst>
+            </p:cNvPr>
+            <p:cNvSpPr/>
+            <p:nvPr/>
+          </p:nvSpPr>
+          <p:spPr>
+            <a:xfrm>
+              <a:off x="6221518" y="4450531"/>
+              <a:ext cx="2975146" cy="758341"/>
+            </a:xfrm>
+            <a:prstGeom prst="roundRect">
+              <a:avLst>
+                <a:gd name="adj" fmla="val 13606"/>
+              </a:avLst>
+            </a:prstGeom>
+            <a:solidFill>
+              <a:srgbClr val="F3F3F3"/>
+            </a:solidFill>
+            <a:ln>
+              <a:noFill/>
+            </a:ln>
+          </p:spPr>
+          <p:style>
+            <a:lnRef idx="2">
+              <a:schemeClr val="accent1">
+                <a:shade val="15000"/>
+              </a:schemeClr>
+            </a:lnRef>
+            <a:fillRef idx="1">
+              <a:schemeClr val="accent1"/>
+            </a:fillRef>
+            <a:effectRef idx="0">
+              <a:schemeClr val="accent1"/>
+            </a:effectRef>
+            <a:fontRef idx="minor">
+              <a:schemeClr val="lt1"/>
+            </a:fontRef>
+          </p:style>
+          <p:txBody>
+            <a:bodyPr rtlCol="0" anchor="ctr"/>
+            <a:lstStyle/>
+            <a:p>
+              <a:pPr algn="ctr"/>
+              <a:endParaRPr kumimoji="1" lang="zh-CN" altLang="en-US" sz="2000">
+                <a:solidFill>
+                  <a:schemeClr val="tx1"/>
+                </a:solidFill>
+                <a:latin typeface="Calibri" panose="020F0502020204030204" pitchFamily="34" charset="0"/>
+                <a:cs typeface="Calibri" panose="020F0502020204030204" pitchFamily="34" charset="0"/>
+              </a:endParaRPr>
+            </a:p>
+          </p:txBody>
+        </p:sp>
+        <p:sp>
+          <p:nvSpPr>
+            <p:cNvPr id="63" name="文本框 62">
+              <a:extLst>
+                <a:ext uri="{FF2B5EF4-FFF2-40B4-BE49-F238E27FC236}">
+                  <a16:creationId xmlns:a16="http://schemas.microsoft.com/office/drawing/2014/main" id="{F91D340B-A3C1-D7F8-E9B1-2A086AB77D1C}"/>
+                </a:ext>
+              </a:extLst>
+            </p:cNvPr>
+            <p:cNvSpPr txBox="1"/>
+            <p:nvPr/>
+          </p:nvSpPr>
+          <p:spPr>
+            <a:xfrm>
+              <a:off x="6474613" y="4539271"/>
+              <a:ext cx="2440817" cy="523220"/>
+            </a:xfrm>
+            <a:prstGeom prst="rect">
+              <a:avLst/>
+            </a:prstGeom>
+            <a:noFill/>
+          </p:spPr>
+          <p:txBody>
+            <a:bodyPr wrap="square" rtlCol="0">
+              <a:spAutoFit/>
+            </a:bodyPr>
+            <a:lstStyle/>
+            <a:p>
+              <a:pPr algn="ctr"/>
+              <a:r>
+                <a:rPr kumimoji="1" lang="en-US" altLang="zh-CN" sz="2800" b="1" dirty="0">
+                  <a:latin typeface="Calibri" panose="020F0502020204030204" pitchFamily="34" charset="0"/>
+                  <a:ea typeface="Helvetica Neue" panose="02000503000000020004" pitchFamily="2" charset="0"/>
+                  <a:cs typeface="Calibri" panose="020F0502020204030204" pitchFamily="34" charset="0"/>
+                </a:rPr>
+                <a:t>Scan</a:t>
+              </a:r>
+              <a:r>
+                <a:rPr kumimoji="1" lang="zh-CN" altLang="en-US" sz="2400" b="1" dirty="0">
+                  <a:latin typeface="Calibri" panose="020F0502020204030204" pitchFamily="34" charset="0"/>
+                  <a:ea typeface="Helvetica Neue" panose="02000503000000020004" pitchFamily="2" charset="0"/>
+                  <a:cs typeface="Calibri" panose="020F0502020204030204" pitchFamily="34" charset="0"/>
+                </a:rPr>
+                <a:t>  </a:t>
+              </a:r>
+              <a:r>
+                <a:rPr kumimoji="1" lang="en-US" altLang="zh-CN" sz="2400" dirty="0">
+                  <a:latin typeface="Calibri" panose="020F0502020204030204" pitchFamily="34" charset="0"/>
+                  <a:ea typeface="Helvetica Neue" panose="02000503000000020004" pitchFamily="2" charset="0"/>
+                  <a:cs typeface="Calibri" panose="020F0502020204030204" pitchFamily="34" charset="0"/>
+                </a:rPr>
+                <a:t>NAME</a:t>
+              </a:r>
+              <a:endParaRPr kumimoji="1" lang="zh-CN" altLang="en-US" sz="2400" dirty="0">
+                <a:latin typeface="Calibri" panose="020F0502020204030204" pitchFamily="34" charset="0"/>
+                <a:cs typeface="Calibri" panose="020F0502020204030204" pitchFamily="34" charset="0"/>
+              </a:endParaRPr>
+            </a:p>
+          </p:txBody>
+        </p:sp>
+      </p:grpSp>
+      <p:grpSp>
+        <p:nvGrpSpPr>
+          <p:cNvPr id="65" name="组合 64">
+            <a:extLst>
+              <a:ext uri="{FF2B5EF4-FFF2-40B4-BE49-F238E27FC236}">
+                <a16:creationId xmlns:a16="http://schemas.microsoft.com/office/drawing/2014/main" id="{D06C053B-4BD9-3DEB-E7D3-D041964BC3B0}"/>
+              </a:ext>
+            </a:extLst>
+          </p:cNvPr>
+          <p:cNvGrpSpPr/>
+          <p:nvPr/>
+        </p:nvGrpSpPr>
+        <p:grpSpPr>
+          <a:xfrm>
+            <a:off x="4184797" y="-1720420"/>
+            <a:ext cx="2975146" cy="1028305"/>
+            <a:chOff x="6221518" y="4180567"/>
+            <a:chExt cx="2975146" cy="1028305"/>
+          </a:xfrm>
+        </p:grpSpPr>
+        <p:sp>
+          <p:nvSpPr>
+            <p:cNvPr id="66" name="圆角矩形 65">
+              <a:extLst>
+                <a:ext uri="{FF2B5EF4-FFF2-40B4-BE49-F238E27FC236}">
+                  <a16:creationId xmlns:a16="http://schemas.microsoft.com/office/drawing/2014/main" id="{49D1940B-057E-0540-3D05-717DC2AB5C3E}"/>
+                </a:ext>
+              </a:extLst>
+            </p:cNvPr>
+            <p:cNvSpPr/>
+            <p:nvPr/>
+          </p:nvSpPr>
+          <p:spPr>
+            <a:xfrm>
+              <a:off x="6221518" y="4180567"/>
+              <a:ext cx="2975146" cy="1028305"/>
+            </a:xfrm>
+            <a:prstGeom prst="roundRect">
+              <a:avLst>
+                <a:gd name="adj" fmla="val 13606"/>
+              </a:avLst>
+            </a:prstGeom>
+            <a:solidFill>
+              <a:srgbClr val="F3F3F3"/>
+            </a:solidFill>
+            <a:ln>
+              <a:noFill/>
+            </a:ln>
+          </p:spPr>
+          <p:style>
+            <a:lnRef idx="2">
+              <a:schemeClr val="accent1">
+                <a:shade val="15000"/>
+              </a:schemeClr>
+            </a:lnRef>
+            <a:fillRef idx="1">
+              <a:schemeClr val="accent1"/>
+            </a:fillRef>
+            <a:effectRef idx="0">
+              <a:schemeClr val="accent1"/>
+            </a:effectRef>
+            <a:fontRef idx="minor">
+              <a:schemeClr val="lt1"/>
+            </a:fontRef>
+          </p:style>
+          <p:txBody>
+            <a:bodyPr rtlCol="0" anchor="ctr"/>
+            <a:lstStyle/>
+            <a:p>
+              <a:pPr algn="ctr"/>
+              <a:endParaRPr kumimoji="1" lang="zh-CN" altLang="en-US" sz="2000">
+                <a:solidFill>
+                  <a:schemeClr val="tx1"/>
+                </a:solidFill>
+                <a:latin typeface="Calibri" panose="020F0502020204030204" pitchFamily="34" charset="0"/>
+                <a:cs typeface="Calibri" panose="020F0502020204030204" pitchFamily="34" charset="0"/>
+              </a:endParaRPr>
+            </a:p>
+          </p:txBody>
+        </p:sp>
+        <p:sp>
+          <p:nvSpPr>
+            <p:cNvPr id="67" name="文本框 66">
+              <a:extLst>
+                <a:ext uri="{FF2B5EF4-FFF2-40B4-BE49-F238E27FC236}">
+                  <a16:creationId xmlns:a16="http://schemas.microsoft.com/office/drawing/2014/main" id="{12291D9D-3A78-8B56-E155-49DEDFDA73D4}"/>
+                </a:ext>
+              </a:extLst>
+            </p:cNvPr>
+            <p:cNvSpPr txBox="1"/>
+            <p:nvPr/>
+          </p:nvSpPr>
+          <p:spPr>
+            <a:xfrm>
+              <a:off x="6336715" y="4312175"/>
+              <a:ext cx="2708891" cy="830997"/>
+            </a:xfrm>
+            <a:prstGeom prst="rect">
+              <a:avLst/>
+            </a:prstGeom>
+            <a:noFill/>
+          </p:spPr>
+          <p:txBody>
+            <a:bodyPr wrap="square" rtlCol="0">
+              <a:spAutoFit/>
+            </a:bodyPr>
+            <a:lstStyle/>
+            <a:p>
+              <a:pPr algn="ctr"/>
+              <a:r>
+                <a:rPr kumimoji="1" lang="en-US" altLang="zh-CN" sz="2800" b="1" dirty="0">
+                  <a:latin typeface="Calibri" panose="020F0502020204030204" pitchFamily="34" charset="0"/>
+                  <a:ea typeface="Helvetica Neue" panose="02000503000000020004" pitchFamily="2" charset="0"/>
+                  <a:cs typeface="Calibri" panose="020F0502020204030204" pitchFamily="34" charset="0"/>
+                </a:rPr>
+                <a:t>Selection</a:t>
+              </a:r>
+              <a:r>
+                <a:rPr kumimoji="1" lang="zh-CN" altLang="en-US" sz="2400" b="1" dirty="0">
+                  <a:latin typeface="Calibri" panose="020F0502020204030204" pitchFamily="34" charset="0"/>
+                  <a:ea typeface="Helvetica Neue" panose="02000503000000020004" pitchFamily="2" charset="0"/>
+                  <a:cs typeface="Calibri" panose="020F0502020204030204" pitchFamily="34" charset="0"/>
+                </a:rPr>
+                <a:t>  </a:t>
+              </a:r>
+              <a:endParaRPr kumimoji="1" lang="en-US" altLang="zh-CN" sz="2400" b="1" dirty="0">
+                <a:latin typeface="Calibri" panose="020F0502020204030204" pitchFamily="34" charset="0"/>
+                <a:ea typeface="Helvetica Neue" panose="02000503000000020004" pitchFamily="2" charset="0"/>
+                <a:cs typeface="Calibri" panose="020F0502020204030204" pitchFamily="34" charset="0"/>
+              </a:endParaRPr>
+            </a:p>
+            <a:p>
+              <a:pPr algn="ctr"/>
+              <a:r>
+                <a:rPr kumimoji="1" lang="en" altLang="zh-CN" sz="2000" dirty="0">
+                  <a:latin typeface="Calibri" panose="020F0502020204030204" pitchFamily="34" charset="0"/>
+                  <a:ea typeface="Menlo" panose="020B0609030804020204" pitchFamily="49" charset="0"/>
+                  <a:cs typeface="Calibri" panose="020F0502020204030204" pitchFamily="34" charset="0"/>
+                </a:rPr>
+                <a:t>(name STARTS WITH “B”)</a:t>
+              </a:r>
+            </a:p>
+          </p:txBody>
+        </p:sp>
+      </p:grpSp>
+      <p:cxnSp>
+        <p:nvCxnSpPr>
+          <p:cNvPr id="76" name="直线箭头连接符 75">
+            <a:extLst>
+              <a:ext uri="{FF2B5EF4-FFF2-40B4-BE49-F238E27FC236}">
+                <a16:creationId xmlns:a16="http://schemas.microsoft.com/office/drawing/2014/main" id="{A7543FC5-8AB9-7B77-9AB0-6D494235FF8C}"/>
+              </a:ext>
+            </a:extLst>
+          </p:cNvPr>
+          <p:cNvCxnSpPr>
+            <a:cxnSpLocks/>
+            <a:stCxn id="62" idx="2"/>
+            <a:endCxn id="66" idx="0"/>
+          </p:cNvCxnSpPr>
+          <p:nvPr/>
+        </p:nvCxnSpPr>
+        <p:spPr>
+          <a:xfrm>
+            <a:off x="5668508" y="-2013183"/>
+            <a:ext cx="3862" cy="292763"/>
+          </a:xfrm>
+          <a:prstGeom prst="straightConnector1">
+            <a:avLst/>
+          </a:prstGeom>
+          <a:ln w="28575">
+            <a:solidFill>
+              <a:srgbClr val="8B649D"/>
+            </a:solidFill>
+            <a:tailEnd type="triangle"/>
+          </a:ln>
+        </p:spPr>
+        <p:style>
+          <a:lnRef idx="3">
+            <a:schemeClr val="dk1"/>
+          </a:lnRef>
+          <a:fillRef idx="0">
+            <a:schemeClr val="dk1"/>
+          </a:fillRef>
+          <a:effectRef idx="2">
+            <a:schemeClr val="dk1"/>
+          </a:effectRef>
+          <a:fontRef idx="minor">
+            <a:schemeClr val="tx1"/>
+          </a:fontRef>
+        </p:style>
+      </p:cxnSp>
+      <p:sp>
+        <p:nvSpPr>
+          <p:cNvPr id="82" name="圆角矩形 81">
+            <a:extLst>
+              <a:ext uri="{FF2B5EF4-FFF2-40B4-BE49-F238E27FC236}">
+                <a16:creationId xmlns:a16="http://schemas.microsoft.com/office/drawing/2014/main" id="{6102D9FE-0ADC-637B-51D4-2F22473B7BC8}"/>
+              </a:ext>
+            </a:extLst>
+          </p:cNvPr>
+          <p:cNvSpPr/>
+          <p:nvPr/>
+        </p:nvSpPr>
+        <p:spPr>
+          <a:xfrm>
+            <a:off x="7505030" y="-1570297"/>
+            <a:ext cx="2975146" cy="725306"/>
+          </a:xfrm>
+          <a:prstGeom prst="roundRect">
+            <a:avLst>
+              <a:gd name="adj" fmla="val 13606"/>
+            </a:avLst>
+          </a:prstGeom>
+          <a:solidFill>
+            <a:srgbClr val="F3F3F3"/>
+          </a:solidFill>
+          <a:ln>
+            <a:noFill/>
+          </a:ln>
+        </p:spPr>
+        <p:style>
+          <a:lnRef idx="2">
+            <a:schemeClr val="accent1">
+              <a:shade val="15000"/>
+            </a:schemeClr>
+          </a:lnRef>
+          <a:fillRef idx="1">
+            <a:schemeClr val="accent1"/>
+          </a:fillRef>
+          <a:effectRef idx="0">
+            <a:schemeClr val="accent1"/>
+          </a:effectRef>
+          <a:fontRef idx="minor">
+            <a:schemeClr val="lt1"/>
+          </a:fontRef>
+        </p:style>
+        <p:txBody>
+          <a:bodyPr rtlCol="0" anchor="ctr"/>
+          <a:lstStyle/>
+          <a:p>
+            <a:pPr algn="ctr"/>
+            <a:endParaRPr kumimoji="1" lang="zh-CN" altLang="en-US" sz="2000">
+              <a:solidFill>
+                <a:schemeClr val="tx1"/>
+              </a:solidFill>
+              <a:latin typeface="Calibri" panose="020F0502020204030204" pitchFamily="34" charset="0"/>
+              <a:cs typeface="Calibri" panose="020F0502020204030204" pitchFamily="34" charset="0"/>
+            </a:endParaRPr>
+          </a:p>
+        </p:txBody>
+      </p:sp>
+      <p:cxnSp>
+        <p:nvCxnSpPr>
+          <p:cNvPr id="84" name="直线箭头连接符 83">
+            <a:extLst>
+              <a:ext uri="{FF2B5EF4-FFF2-40B4-BE49-F238E27FC236}">
+                <a16:creationId xmlns:a16="http://schemas.microsoft.com/office/drawing/2014/main" id="{A9009225-4D62-7342-CB0F-F5E84C4D0DCA}"/>
+              </a:ext>
+            </a:extLst>
+          </p:cNvPr>
+          <p:cNvCxnSpPr>
+            <a:cxnSpLocks/>
+            <a:stCxn id="66" idx="3"/>
+            <a:endCxn id="82" idx="1"/>
+          </p:cNvCxnSpPr>
+          <p:nvPr/>
+        </p:nvCxnSpPr>
+        <p:spPr>
+          <a:xfrm flipV="1">
+            <a:off x="7159943" y="-1207644"/>
+            <a:ext cx="345087" cy="1377"/>
+          </a:xfrm>
+          <a:prstGeom prst="straightConnector1">
+            <a:avLst/>
+          </a:prstGeom>
+          <a:ln w="28575">
+            <a:solidFill>
+              <a:srgbClr val="8B649D"/>
+            </a:solidFill>
+            <a:tailEnd type="triangle"/>
+          </a:ln>
+        </p:spPr>
+        <p:style>
+          <a:lnRef idx="3">
+            <a:schemeClr val="dk1"/>
+          </a:lnRef>
+          <a:fillRef idx="0">
+            <a:schemeClr val="dk1"/>
+          </a:fillRef>
+          <a:effectRef idx="2">
+            <a:schemeClr val="dk1"/>
+          </a:effectRef>
+          <a:fontRef idx="minor">
+            <a:schemeClr val="tx1"/>
+          </a:fontRef>
+        </p:style>
+      </p:cxnSp>
+      <p:cxnSp>
+        <p:nvCxnSpPr>
+          <p:cNvPr id="87" name="直线箭头连接符 86">
+            <a:extLst>
+              <a:ext uri="{FF2B5EF4-FFF2-40B4-BE49-F238E27FC236}">
+                <a16:creationId xmlns:a16="http://schemas.microsoft.com/office/drawing/2014/main" id="{E66561C3-1641-704C-C5B3-EBB989099E44}"/>
+              </a:ext>
+            </a:extLst>
+          </p:cNvPr>
+          <p:cNvCxnSpPr>
+            <a:cxnSpLocks/>
+            <a:stCxn id="47" idx="0"/>
+            <a:endCxn id="82" idx="2"/>
+          </p:cNvCxnSpPr>
+          <p:nvPr/>
+        </p:nvCxnSpPr>
+        <p:spPr>
+          <a:xfrm flipH="1" flipV="1">
+            <a:off x="8992603" y="-844991"/>
+            <a:ext cx="2831" cy="337168"/>
+          </a:xfrm>
+          <a:prstGeom prst="straightConnector1">
+            <a:avLst/>
+          </a:prstGeom>
+          <a:ln w="28575">
+            <a:solidFill>
+              <a:srgbClr val="8B649D"/>
+            </a:solidFill>
+            <a:tailEnd type="triangle"/>
+          </a:ln>
+        </p:spPr>
+        <p:style>
+          <a:lnRef idx="3">
+            <a:schemeClr val="dk1"/>
+          </a:lnRef>
+          <a:fillRef idx="0">
+            <a:schemeClr val="dk1"/>
+          </a:fillRef>
+          <a:effectRef idx="2">
+            <a:schemeClr val="dk1"/>
+          </a:effectRef>
+          <a:fontRef idx="minor">
+            <a:schemeClr val="tx1"/>
+          </a:fontRef>
+        </p:style>
+      </p:cxnSp>
+      <p:sp>
+        <p:nvSpPr>
+          <p:cNvPr id="96" name="圆角矩形 95">
+            <a:extLst>
+              <a:ext uri="{FF2B5EF4-FFF2-40B4-BE49-F238E27FC236}">
+                <a16:creationId xmlns:a16="http://schemas.microsoft.com/office/drawing/2014/main" id="{8F7366EB-8B98-D946-78AB-E6EEB4E1DD1E}"/>
+              </a:ext>
+            </a:extLst>
+          </p:cNvPr>
+          <p:cNvSpPr/>
+          <p:nvPr/>
+        </p:nvSpPr>
+        <p:spPr>
+          <a:xfrm>
+            <a:off x="7451441" y="-2810736"/>
+            <a:ext cx="3078654" cy="895280"/>
+          </a:xfrm>
+          <a:prstGeom prst="roundRect">
+            <a:avLst>
+              <a:gd name="adj" fmla="val 16118"/>
+            </a:avLst>
+          </a:prstGeom>
+          <a:solidFill>
+            <a:srgbClr val="F3F3F3"/>
+          </a:solidFill>
+          <a:ln>
+            <a:noFill/>
+          </a:ln>
+        </p:spPr>
+        <p:style>
+          <a:lnRef idx="2">
+            <a:schemeClr val="accent1">
+              <a:shade val="15000"/>
+            </a:schemeClr>
+          </a:lnRef>
+          <a:fillRef idx="1">
+            <a:schemeClr val="accent1"/>
+          </a:fillRef>
+          <a:effectRef idx="0">
+            <a:schemeClr val="accent1"/>
+          </a:effectRef>
+          <a:fontRef idx="minor">
+            <a:schemeClr val="lt1"/>
+          </a:fontRef>
+        </p:style>
+        <p:txBody>
+          <a:bodyPr rtlCol="0" anchor="ctr"/>
+          <a:lstStyle/>
+          <a:p>
+            <a:pPr algn="ctr"/>
+            <a:endParaRPr kumimoji="1" lang="zh-CN" altLang="en-US" sz="2000" dirty="0">
+              <a:solidFill>
+                <a:schemeClr val="tx1"/>
+              </a:solidFill>
+              <a:latin typeface="Calibri" panose="020F0502020204030204" pitchFamily="34" charset="0"/>
+              <a:cs typeface="Calibri" panose="020F0502020204030204" pitchFamily="34" charset="0"/>
+            </a:endParaRPr>
+          </a:p>
+        </p:txBody>
+      </p:sp>
+      <p:sp>
+        <p:nvSpPr>
+          <p:cNvPr id="97" name="文本框 96">
+            <a:extLst>
+              <a:ext uri="{FF2B5EF4-FFF2-40B4-BE49-F238E27FC236}">
+                <a16:creationId xmlns:a16="http://schemas.microsoft.com/office/drawing/2014/main" id="{F0F4915A-C0AC-FFB3-9BD3-2F8EE1957398}"/>
+              </a:ext>
+            </a:extLst>
+          </p:cNvPr>
+          <p:cNvSpPr txBox="1"/>
+          <p:nvPr/>
+        </p:nvSpPr>
+        <p:spPr>
+          <a:xfrm>
+            <a:off x="7726647" y="-2810736"/>
+            <a:ext cx="2649578" cy="892552"/>
+          </a:xfrm>
+          <a:prstGeom prst="rect">
+            <a:avLst/>
+          </a:prstGeom>
+          <a:noFill/>
+        </p:spPr>
+        <p:txBody>
+          <a:bodyPr wrap="square" rtlCol="0">
+            <a:spAutoFit/>
+          </a:bodyPr>
+          <a:lstStyle/>
+          <a:p>
+            <a:pPr algn="ctr"/>
+            <a:r>
+              <a:rPr kumimoji="1" lang="en-US" altLang="zh-CN" sz="2800" b="1" dirty="0">
+                <a:latin typeface="Calibri" panose="020F0502020204030204" pitchFamily="34" charset="0"/>
+                <a:ea typeface="Helvetica Neue" panose="02000503000000020004" pitchFamily="2" charset="0"/>
+                <a:cs typeface="Calibri" panose="020F0502020204030204" pitchFamily="34" charset="0"/>
+              </a:rPr>
+              <a:t>Projection</a:t>
+            </a:r>
+          </a:p>
+          <a:p>
+            <a:pPr algn="ctr"/>
+            <a:r>
+              <a:rPr kumimoji="1" lang="en" altLang="zh-CN" sz="2400" dirty="0" err="1">
+                <a:latin typeface="Calibri" panose="020F0502020204030204" pitchFamily="34" charset="0"/>
+                <a:ea typeface="Menlo" panose="020B0609030804020204" pitchFamily="49" charset="0"/>
+                <a:cs typeface="Calibri" panose="020F0502020204030204" pitchFamily="34" charset="0"/>
+              </a:rPr>
+              <a:t>n.name</a:t>
+            </a:r>
+            <a:r>
+              <a:rPr kumimoji="1" lang="en" altLang="zh-CN" sz="2400" i="1" dirty="0">
+                <a:latin typeface="Calibri" panose="020F0502020204030204" pitchFamily="34" charset="0"/>
+                <a:ea typeface="Menlo" panose="020B0609030804020204" pitchFamily="49" charset="0"/>
+                <a:cs typeface="Calibri" panose="020F0502020204030204" pitchFamily="34" charset="0"/>
+              </a:rPr>
+              <a:t>    </a:t>
+            </a:r>
+            <a:r>
+              <a:rPr kumimoji="1" lang="en" altLang="zh-CN" sz="2400" dirty="0" err="1">
+                <a:latin typeface="Calibri" panose="020F0502020204030204" pitchFamily="34" charset="0"/>
+                <a:ea typeface="Menlo" panose="020B0609030804020204" pitchFamily="49" charset="0"/>
+                <a:cs typeface="Calibri" panose="020F0502020204030204" pitchFamily="34" charset="0"/>
+              </a:rPr>
+              <a:t>n.name</a:t>
+            </a:r>
+            <a:r>
+              <a:rPr kumimoji="1" lang="zh-CN" altLang="en-US" sz="2400" i="1" u="sng" dirty="0">
+                <a:latin typeface="Calibri" panose="020F0502020204030204" pitchFamily="34" charset="0"/>
+                <a:cs typeface="Calibri" panose="020F0502020204030204" pitchFamily="34" charset="0"/>
+              </a:rPr>
+              <a:t>  </a:t>
+            </a:r>
+            <a:endParaRPr kumimoji="1" lang="en-US" altLang="zh-CN" sz="2400" i="1" u="sng" dirty="0">
+              <a:latin typeface="Calibri" panose="020F0502020204030204" pitchFamily="34" charset="0"/>
+              <a:ea typeface="Menlo" panose="020B0609030804020204" pitchFamily="49" charset="0"/>
+              <a:cs typeface="Calibri" panose="020F0502020204030204" pitchFamily="34" charset="0"/>
+            </a:endParaRPr>
+          </a:p>
+        </p:txBody>
+      </p:sp>
+      <p:cxnSp>
+        <p:nvCxnSpPr>
+          <p:cNvPr id="98" name="直线箭头连接符 97">
+            <a:extLst>
+              <a:ext uri="{FF2B5EF4-FFF2-40B4-BE49-F238E27FC236}">
+                <a16:creationId xmlns:a16="http://schemas.microsoft.com/office/drawing/2014/main" id="{C799F94A-B5EF-AF71-6C6D-A1F8A26161D3}"/>
+              </a:ext>
+            </a:extLst>
+          </p:cNvPr>
+          <p:cNvCxnSpPr>
+            <a:cxnSpLocks/>
+            <a:stCxn id="82" idx="0"/>
+            <a:endCxn id="96" idx="2"/>
+          </p:cNvCxnSpPr>
+          <p:nvPr/>
+        </p:nvCxnSpPr>
+        <p:spPr>
+          <a:xfrm flipH="1" flipV="1">
+            <a:off x="8990768" y="-1915456"/>
+            <a:ext cx="1835" cy="345159"/>
+          </a:xfrm>
+          <a:prstGeom prst="straightConnector1">
+            <a:avLst/>
+          </a:prstGeom>
+          <a:ln w="28575">
+            <a:solidFill>
+              <a:srgbClr val="8B649D"/>
+            </a:solidFill>
+            <a:tailEnd type="triangle"/>
+          </a:ln>
+        </p:spPr>
+        <p:style>
+          <a:lnRef idx="3">
+            <a:schemeClr val="dk1"/>
+          </a:lnRef>
+          <a:fillRef idx="0">
+            <a:schemeClr val="dk1"/>
+          </a:fillRef>
+          <a:effectRef idx="2">
+            <a:schemeClr val="dk1"/>
+          </a:effectRef>
+          <a:fontRef idx="minor">
+            <a:schemeClr val="tx1"/>
+          </a:fontRef>
+        </p:style>
+      </p:cxnSp>
+      <p:sp>
+        <p:nvSpPr>
+          <p:cNvPr id="138" name="文本框 137">
+            <a:extLst>
+              <a:ext uri="{FF2B5EF4-FFF2-40B4-BE49-F238E27FC236}">
+                <a16:creationId xmlns:a16="http://schemas.microsoft.com/office/drawing/2014/main" id="{7B4DD947-1173-1F6D-0D62-EC76E3EC806C}"/>
+              </a:ext>
+            </a:extLst>
+          </p:cNvPr>
+          <p:cNvSpPr txBox="1"/>
+          <p:nvPr/>
+        </p:nvSpPr>
+        <p:spPr>
+          <a:xfrm>
+            <a:off x="7875943" y="1797307"/>
+            <a:ext cx="2248750" cy="523220"/>
+          </a:xfrm>
+          <a:prstGeom prst="rect">
+            <a:avLst/>
+          </a:prstGeom>
+          <a:noFill/>
+        </p:spPr>
+        <p:txBody>
+          <a:bodyPr wrap="square" rtlCol="0">
+            <a:spAutoFit/>
+          </a:bodyPr>
+          <a:lstStyle/>
+          <a:p>
+            <a:pPr algn="ctr"/>
+            <a:r>
+              <a:rPr kumimoji="1" lang="en-US" altLang="zh-CN" sz="2800" b="1" dirty="0">
+                <a:latin typeface="Calibri" panose="020F0502020204030204" pitchFamily="34" charset="0"/>
+                <a:ea typeface="Helvetica Neue" panose="02000503000000020004" pitchFamily="2" charset="0"/>
+                <a:cs typeface="Calibri" panose="020F0502020204030204" pitchFamily="34" charset="0"/>
+              </a:rPr>
+              <a:t>Join</a:t>
+            </a:r>
+            <a:r>
+              <a:rPr kumimoji="1" lang="zh-CN" altLang="en-US" sz="2400" b="1" dirty="0">
+                <a:latin typeface="Calibri" panose="020F0502020204030204" pitchFamily="34" charset="0"/>
+                <a:ea typeface="Helvetica Neue" panose="02000503000000020004" pitchFamily="2" charset="0"/>
+                <a:cs typeface="Calibri" panose="020F0502020204030204" pitchFamily="34" charset="0"/>
+              </a:rPr>
+              <a:t>  </a:t>
+            </a:r>
+            <a:endParaRPr kumimoji="1" lang="en-US" altLang="zh-CN" sz="2400" b="1" dirty="0">
+              <a:latin typeface="Calibri" panose="020F0502020204030204" pitchFamily="34" charset="0"/>
+              <a:ea typeface="Helvetica Neue" panose="02000503000000020004" pitchFamily="2" charset="0"/>
+              <a:cs typeface="Calibri" panose="020F0502020204030204" pitchFamily="34" charset="0"/>
+            </a:endParaRPr>
+          </a:p>
+        </p:txBody>
+      </p:sp>
+      <p:sp>
+        <p:nvSpPr>
+          <p:cNvPr id="139" name="文本框 138">
+            <a:extLst>
+              <a:ext uri="{FF2B5EF4-FFF2-40B4-BE49-F238E27FC236}">
+                <a16:creationId xmlns:a16="http://schemas.microsoft.com/office/drawing/2014/main" id="{F935FAE2-EA35-64D5-B745-9287EC966F14}"/>
+              </a:ext>
+            </a:extLst>
+          </p:cNvPr>
+          <p:cNvSpPr txBox="1"/>
+          <p:nvPr/>
+        </p:nvSpPr>
+        <p:spPr>
+          <a:xfrm>
+            <a:off x="7899227" y="-1460034"/>
+            <a:ext cx="2248750" cy="523220"/>
+          </a:xfrm>
+          <a:prstGeom prst="rect">
+            <a:avLst/>
+          </a:prstGeom>
+          <a:noFill/>
+        </p:spPr>
+        <p:txBody>
+          <a:bodyPr wrap="square" rtlCol="0">
+            <a:spAutoFit/>
+          </a:bodyPr>
+          <a:lstStyle/>
+          <a:p>
+            <a:pPr algn="ctr"/>
+            <a:r>
+              <a:rPr kumimoji="1" lang="en-US" altLang="zh-CN" sz="2800" b="1" dirty="0">
+                <a:latin typeface="Calibri" panose="020F0502020204030204" pitchFamily="34" charset="0"/>
+                <a:ea typeface="Helvetica Neue" panose="02000503000000020004" pitchFamily="2" charset="0"/>
+                <a:cs typeface="Calibri" panose="020F0502020204030204" pitchFamily="34" charset="0"/>
+              </a:rPr>
+              <a:t>Join</a:t>
+            </a:r>
+            <a:r>
+              <a:rPr kumimoji="1" lang="zh-CN" altLang="en-US" sz="2400" b="1" dirty="0">
+                <a:latin typeface="Calibri" panose="020F0502020204030204" pitchFamily="34" charset="0"/>
+                <a:ea typeface="Helvetica Neue" panose="02000503000000020004" pitchFamily="2" charset="0"/>
+                <a:cs typeface="Calibri" panose="020F0502020204030204" pitchFamily="34" charset="0"/>
+              </a:rPr>
+              <a:t>  </a:t>
+            </a:r>
+            <a:endParaRPr kumimoji="1" lang="en-US" altLang="zh-CN" sz="2400" b="1" dirty="0">
+              <a:latin typeface="Calibri" panose="020F0502020204030204" pitchFamily="34" charset="0"/>
+              <a:ea typeface="Helvetica Neue" panose="02000503000000020004" pitchFamily="2" charset="0"/>
+              <a:cs typeface="Calibri" panose="020F0502020204030204" pitchFamily="34" charset="0"/>
+            </a:endParaRPr>
+          </a:p>
+        </p:txBody>
+      </p:sp>
+      <p:grpSp>
+        <p:nvGrpSpPr>
+          <p:cNvPr id="4" name="组合 3">
+            <a:extLst>
+              <a:ext uri="{FF2B5EF4-FFF2-40B4-BE49-F238E27FC236}">
+                <a16:creationId xmlns:a16="http://schemas.microsoft.com/office/drawing/2014/main" id="{83DE5D0E-3E9F-12E2-F2AB-C1CFC1525306}"/>
+              </a:ext>
+            </a:extLst>
+          </p:cNvPr>
+          <p:cNvGrpSpPr/>
+          <p:nvPr/>
+        </p:nvGrpSpPr>
+        <p:grpSpPr>
+          <a:xfrm>
+            <a:off x="7514923" y="2963754"/>
+            <a:ext cx="2975146" cy="793028"/>
+            <a:chOff x="859809" y="4030445"/>
+            <a:chExt cx="2975146" cy="793028"/>
+          </a:xfrm>
+        </p:grpSpPr>
+        <p:sp>
+          <p:nvSpPr>
+            <p:cNvPr id="5" name="圆角矩形 4">
+              <a:extLst>
+                <a:ext uri="{FF2B5EF4-FFF2-40B4-BE49-F238E27FC236}">
+                  <a16:creationId xmlns:a16="http://schemas.microsoft.com/office/drawing/2014/main" id="{ABE82AEB-592A-0668-9EB0-3533CC4B5BC1}"/>
+                </a:ext>
+              </a:extLst>
+            </p:cNvPr>
+            <p:cNvSpPr/>
+            <p:nvPr/>
+          </p:nvSpPr>
+          <p:spPr>
+            <a:xfrm>
+              <a:off x="859809" y="4030445"/>
+              <a:ext cx="2975146" cy="793028"/>
+            </a:xfrm>
+            <a:prstGeom prst="roundRect">
+              <a:avLst>
+                <a:gd name="adj" fmla="val 13606"/>
+              </a:avLst>
+            </a:prstGeom>
+            <a:solidFill>
+              <a:srgbClr val="F3F3F3"/>
+            </a:solidFill>
+            <a:ln>
+              <a:noFill/>
+            </a:ln>
+          </p:spPr>
+          <p:style>
+            <a:lnRef idx="2">
+              <a:schemeClr val="accent1">
+                <a:shade val="15000"/>
+              </a:schemeClr>
+            </a:lnRef>
+            <a:fillRef idx="1">
+              <a:schemeClr val="accent1"/>
+            </a:fillRef>
+            <a:effectRef idx="0">
+              <a:schemeClr val="accent1"/>
+            </a:effectRef>
+            <a:fontRef idx="minor">
+              <a:schemeClr val="lt1"/>
+            </a:fontRef>
+          </p:style>
+          <p:txBody>
+            <a:bodyPr rtlCol="0" anchor="ctr"/>
+            <a:lstStyle/>
+            <a:p>
+              <a:pPr algn="ctr"/>
+              <a:endParaRPr kumimoji="1" lang="zh-CN" altLang="en-US" sz="2000">
+                <a:solidFill>
+                  <a:schemeClr val="tx1"/>
+                </a:solidFill>
+                <a:latin typeface="Calibri" panose="020F0502020204030204" pitchFamily="34" charset="0"/>
+                <a:cs typeface="Calibri" panose="020F0502020204030204" pitchFamily="34" charset="0"/>
+              </a:endParaRPr>
+            </a:p>
+          </p:txBody>
+        </p:sp>
+        <p:sp>
+          <p:nvSpPr>
+            <p:cNvPr id="6" name="文本框 5">
+              <a:extLst>
+                <a:ext uri="{FF2B5EF4-FFF2-40B4-BE49-F238E27FC236}">
+                  <a16:creationId xmlns:a16="http://schemas.microsoft.com/office/drawing/2014/main" id="{F72BF73F-7EDE-F627-0380-EAF91C95ECB2}"/>
+                </a:ext>
+              </a:extLst>
+            </p:cNvPr>
+            <p:cNvSpPr txBox="1"/>
+            <p:nvPr/>
+          </p:nvSpPr>
+          <p:spPr>
+            <a:xfrm>
+              <a:off x="1187121" y="4134481"/>
+              <a:ext cx="2432526" cy="523220"/>
+            </a:xfrm>
+            <a:prstGeom prst="rect">
+              <a:avLst/>
+            </a:prstGeom>
+            <a:noFill/>
+          </p:spPr>
+          <p:txBody>
+            <a:bodyPr wrap="square" rtlCol="0">
+              <a:spAutoFit/>
+            </a:bodyPr>
+            <a:lstStyle/>
+            <a:p>
+              <a:pPr algn="ctr"/>
+              <a:r>
+                <a:rPr kumimoji="1" lang="en-US" altLang="zh-CN" sz="2800" b="1" dirty="0">
+                  <a:latin typeface="Calibri" panose="020F0502020204030204" pitchFamily="34" charset="0"/>
+                  <a:ea typeface="Helvetica Neue" panose="02000503000000020004" pitchFamily="2" charset="0"/>
+                  <a:cs typeface="Calibri" panose="020F0502020204030204" pitchFamily="34" charset="0"/>
+                </a:rPr>
+                <a:t>Join</a:t>
+              </a:r>
+              <a:endParaRPr kumimoji="1" lang="en-US" altLang="zh-CN" sz="2400" b="1" dirty="0">
+                <a:latin typeface="Calibri" panose="020F0502020204030204" pitchFamily="34" charset="0"/>
+                <a:ea typeface="Helvetica Neue" panose="02000503000000020004" pitchFamily="2" charset="0"/>
+                <a:cs typeface="Calibri" panose="020F0502020204030204" pitchFamily="34" charset="0"/>
+              </a:endParaRPr>
+            </a:p>
+          </p:txBody>
+        </p:sp>
+      </p:grpSp>
+      <p:cxnSp>
+        <p:nvCxnSpPr>
+          <p:cNvPr id="7" name="直线箭头连接符 6">
+            <a:extLst>
+              <a:ext uri="{FF2B5EF4-FFF2-40B4-BE49-F238E27FC236}">
+                <a16:creationId xmlns:a16="http://schemas.microsoft.com/office/drawing/2014/main" id="{571D8388-2E73-D090-14D6-1417225CFAB1}"/>
+              </a:ext>
+            </a:extLst>
+          </p:cNvPr>
+          <p:cNvCxnSpPr>
+            <a:cxnSpLocks/>
+            <a:stCxn id="9" idx="3"/>
+            <a:endCxn id="5" idx="1"/>
+          </p:cNvCxnSpPr>
+          <p:nvPr/>
+        </p:nvCxnSpPr>
+        <p:spPr>
+          <a:xfrm>
+            <a:off x="7156081" y="3358446"/>
+            <a:ext cx="358842" cy="1822"/>
+          </a:xfrm>
+          <a:prstGeom prst="straightConnector1">
+            <a:avLst/>
+          </a:prstGeom>
+          <a:ln w="28575">
+            <a:solidFill>
+              <a:srgbClr val="8B649D"/>
+            </a:solidFill>
+            <a:tailEnd type="triangle"/>
+          </a:ln>
+        </p:spPr>
+        <p:style>
+          <a:lnRef idx="3">
+            <a:schemeClr val="dk1"/>
+          </a:lnRef>
+          <a:fillRef idx="0">
+            <a:schemeClr val="dk1"/>
+          </a:fillRef>
+          <a:effectRef idx="2">
+            <a:schemeClr val="dk1"/>
+          </a:effectRef>
+          <a:fontRef idx="minor">
+            <a:schemeClr val="tx1"/>
+          </a:fontRef>
+        </p:style>
+      </p:cxnSp>
+      <p:grpSp>
+        <p:nvGrpSpPr>
+          <p:cNvPr id="8" name="组合 7">
+            <a:extLst>
+              <a:ext uri="{FF2B5EF4-FFF2-40B4-BE49-F238E27FC236}">
+                <a16:creationId xmlns:a16="http://schemas.microsoft.com/office/drawing/2014/main" id="{D8E3ACE1-25FC-7504-3BCC-1C9EBCA23CBB}"/>
+              </a:ext>
+            </a:extLst>
+          </p:cNvPr>
+          <p:cNvGrpSpPr/>
+          <p:nvPr/>
+        </p:nvGrpSpPr>
+        <p:grpSpPr>
+          <a:xfrm>
+            <a:off x="4077427" y="2844474"/>
+            <a:ext cx="3182162" cy="938376"/>
+            <a:chOff x="6118010" y="4270496"/>
+            <a:chExt cx="3182162" cy="938376"/>
+          </a:xfrm>
+        </p:grpSpPr>
+        <p:sp>
+          <p:nvSpPr>
+            <p:cNvPr id="9" name="圆角矩形 8">
+              <a:extLst>
+                <a:ext uri="{FF2B5EF4-FFF2-40B4-BE49-F238E27FC236}">
+                  <a16:creationId xmlns:a16="http://schemas.microsoft.com/office/drawing/2014/main" id="{614B3042-207B-9E3D-9F8F-822580656B7D}"/>
+                </a:ext>
+              </a:extLst>
+            </p:cNvPr>
+            <p:cNvSpPr/>
+            <p:nvPr/>
+          </p:nvSpPr>
+          <p:spPr>
+            <a:xfrm>
+              <a:off x="6221518" y="4360063"/>
+              <a:ext cx="2975146" cy="848809"/>
+            </a:xfrm>
+            <a:prstGeom prst="roundRect">
+              <a:avLst>
+                <a:gd name="adj" fmla="val 13606"/>
+              </a:avLst>
+            </a:prstGeom>
+            <a:solidFill>
+              <a:srgbClr val="F3F3F3"/>
+            </a:solidFill>
+            <a:ln>
+              <a:noFill/>
+            </a:ln>
+          </p:spPr>
+          <p:style>
+            <a:lnRef idx="2">
+              <a:schemeClr val="accent1">
+                <a:shade val="15000"/>
+              </a:schemeClr>
+            </a:lnRef>
+            <a:fillRef idx="1">
+              <a:schemeClr val="accent1"/>
+            </a:fillRef>
+            <a:effectRef idx="0">
+              <a:schemeClr val="accent1"/>
+            </a:effectRef>
+            <a:fontRef idx="minor">
+              <a:schemeClr val="lt1"/>
+            </a:fontRef>
+          </p:style>
+          <p:txBody>
+            <a:bodyPr rtlCol="0" anchor="ctr"/>
+            <a:lstStyle/>
+            <a:p>
+              <a:pPr algn="ctr"/>
+              <a:endParaRPr kumimoji="1" lang="zh-CN" altLang="en-US" sz="2000">
+                <a:solidFill>
+                  <a:schemeClr val="tx1"/>
+                </a:solidFill>
+                <a:latin typeface="Calibri" panose="020F0502020204030204" pitchFamily="34" charset="0"/>
+                <a:cs typeface="Calibri" panose="020F0502020204030204" pitchFamily="34" charset="0"/>
+              </a:endParaRPr>
+            </a:p>
+          </p:txBody>
+        </p:sp>
+        <p:sp>
+          <p:nvSpPr>
+            <p:cNvPr id="10" name="文本框 9">
+              <a:extLst>
+                <a:ext uri="{FF2B5EF4-FFF2-40B4-BE49-F238E27FC236}">
+                  <a16:creationId xmlns:a16="http://schemas.microsoft.com/office/drawing/2014/main" id="{E830C311-8133-3662-240C-41D38C86EF56}"/>
+                </a:ext>
+              </a:extLst>
+            </p:cNvPr>
+            <p:cNvSpPr txBox="1"/>
+            <p:nvPr/>
+          </p:nvSpPr>
+          <p:spPr>
+            <a:xfrm>
+              <a:off x="6118010" y="4270496"/>
+              <a:ext cx="3182162" cy="892552"/>
+            </a:xfrm>
+            <a:prstGeom prst="rect">
+              <a:avLst/>
+            </a:prstGeom>
+            <a:noFill/>
+          </p:spPr>
+          <p:txBody>
+            <a:bodyPr wrap="square" rtlCol="0">
+              <a:spAutoFit/>
+            </a:bodyPr>
+            <a:lstStyle/>
+            <a:p>
+              <a:pPr algn="ctr"/>
+              <a:r>
+                <a:rPr kumimoji="1" lang="en-US" altLang="zh-CN" sz="2800" b="1" dirty="0">
+                  <a:latin typeface="Calibri" panose="020F0502020204030204" pitchFamily="34" charset="0"/>
+                  <a:ea typeface="Helvetica Neue" panose="02000503000000020004" pitchFamily="2" charset="0"/>
+                  <a:cs typeface="Calibri" panose="020F0502020204030204" pitchFamily="34" charset="0"/>
+                </a:rPr>
+                <a:t>Scan</a:t>
+              </a:r>
+              <a:r>
+                <a:rPr kumimoji="1" lang="zh-CN" altLang="en-US" sz="2400" b="1" dirty="0">
+                  <a:latin typeface="Calibri" panose="020F0502020204030204" pitchFamily="34" charset="0"/>
+                  <a:ea typeface="Helvetica Neue" panose="02000503000000020004" pitchFamily="2" charset="0"/>
+                  <a:cs typeface="Calibri" panose="020F0502020204030204" pitchFamily="34" charset="0"/>
+                </a:rPr>
+                <a:t>  </a:t>
+              </a:r>
+              <a:endParaRPr kumimoji="1" lang="en-US" altLang="zh-CN" sz="2400" b="1" dirty="0">
+                <a:latin typeface="Calibri" panose="020F0502020204030204" pitchFamily="34" charset="0"/>
+                <a:ea typeface="Helvetica Neue" panose="02000503000000020004" pitchFamily="2" charset="0"/>
+                <a:cs typeface="Calibri" panose="020F0502020204030204" pitchFamily="34" charset="0"/>
+              </a:endParaRPr>
+            </a:p>
+            <a:p>
+              <a:pPr algn="ctr"/>
+              <a:r>
+                <a:rPr kumimoji="1" lang="en-US" altLang="zh-CN" sz="2400" dirty="0">
+                  <a:latin typeface="Calibri" panose="020F0502020204030204" pitchFamily="34" charset="0"/>
+                  <a:ea typeface="Helvetica Neue" panose="02000503000000020004" pitchFamily="2" charset="0"/>
+                  <a:cs typeface="Calibri" panose="020F0502020204030204" pitchFamily="34" charset="0"/>
+                </a:rPr>
+                <a:t>MOVIE_COMPANIES</a:t>
+              </a:r>
+              <a:endParaRPr kumimoji="1" lang="zh-CN" altLang="en-US" sz="2400" dirty="0">
+                <a:latin typeface="Calibri" panose="020F0502020204030204" pitchFamily="34" charset="0"/>
+                <a:cs typeface="Calibri" panose="020F0502020204030204" pitchFamily="34" charset="0"/>
+              </a:endParaRPr>
+            </a:p>
+          </p:txBody>
+        </p:sp>
+      </p:grpSp>
+      <p:cxnSp>
+        <p:nvCxnSpPr>
+          <p:cNvPr id="12" name="直线箭头连接符 11">
+            <a:extLst>
+              <a:ext uri="{FF2B5EF4-FFF2-40B4-BE49-F238E27FC236}">
+                <a16:creationId xmlns:a16="http://schemas.microsoft.com/office/drawing/2014/main" id="{94061CAD-C359-F690-4E8D-D87D47A5826F}"/>
+              </a:ext>
+            </a:extLst>
+          </p:cNvPr>
+          <p:cNvCxnSpPr>
+            <a:cxnSpLocks/>
+            <a:stCxn id="5" idx="0"/>
+            <a:endCxn id="43" idx="2"/>
+          </p:cNvCxnSpPr>
+          <p:nvPr/>
+        </p:nvCxnSpPr>
+        <p:spPr>
+          <a:xfrm flipH="1" flipV="1">
+            <a:off x="9000318" y="2495713"/>
+            <a:ext cx="2178" cy="468041"/>
+          </a:xfrm>
+          <a:prstGeom prst="straightConnector1">
+            <a:avLst/>
+          </a:prstGeom>
+          <a:ln w="28575">
+            <a:solidFill>
+              <a:srgbClr val="8B649D"/>
+            </a:solidFill>
+            <a:tailEnd type="triangle"/>
+          </a:ln>
+        </p:spPr>
+        <p:style>
+          <a:lnRef idx="3">
+            <a:schemeClr val="dk1"/>
+          </a:lnRef>
+          <a:fillRef idx="0">
+            <a:schemeClr val="dk1"/>
+          </a:fillRef>
+          <a:effectRef idx="2">
+            <a:schemeClr val="dk1"/>
+          </a:effectRef>
+          <a:fontRef idx="minor">
+            <a:schemeClr val="tx1"/>
+          </a:fontRef>
+        </p:style>
+      </p:cxnSp>
+      <p:grpSp>
+        <p:nvGrpSpPr>
+          <p:cNvPr id="21" name="组合 20">
+            <a:extLst>
+              <a:ext uri="{FF2B5EF4-FFF2-40B4-BE49-F238E27FC236}">
+                <a16:creationId xmlns:a16="http://schemas.microsoft.com/office/drawing/2014/main" id="{32E0076B-B3EB-686F-C6B4-3EF7E2DC4DC4}"/>
+              </a:ext>
+            </a:extLst>
+          </p:cNvPr>
+          <p:cNvGrpSpPr/>
+          <p:nvPr/>
+        </p:nvGrpSpPr>
+        <p:grpSpPr>
+          <a:xfrm>
+            <a:off x="7512745" y="538209"/>
+            <a:ext cx="2975146" cy="732560"/>
+            <a:chOff x="859809" y="4090913"/>
+            <a:chExt cx="2975146" cy="732560"/>
+          </a:xfrm>
+        </p:grpSpPr>
+        <p:sp>
+          <p:nvSpPr>
+            <p:cNvPr id="22" name="圆角矩形 21">
+              <a:extLst>
+                <a:ext uri="{FF2B5EF4-FFF2-40B4-BE49-F238E27FC236}">
+                  <a16:creationId xmlns:a16="http://schemas.microsoft.com/office/drawing/2014/main" id="{4F94E768-AA52-87CD-3B5F-0D7CA57B27AA}"/>
+                </a:ext>
+              </a:extLst>
+            </p:cNvPr>
+            <p:cNvSpPr/>
+            <p:nvPr/>
+          </p:nvSpPr>
+          <p:spPr>
+            <a:xfrm>
+              <a:off x="859809" y="4090913"/>
+              <a:ext cx="2975146" cy="732560"/>
+            </a:xfrm>
+            <a:prstGeom prst="roundRect">
+              <a:avLst>
+                <a:gd name="adj" fmla="val 13606"/>
+              </a:avLst>
+            </a:prstGeom>
+            <a:solidFill>
+              <a:srgbClr val="F3F3F3"/>
+            </a:solidFill>
+            <a:ln>
+              <a:noFill/>
+            </a:ln>
+          </p:spPr>
+          <p:style>
+            <a:lnRef idx="2">
+              <a:schemeClr val="accent1">
+                <a:shade val="15000"/>
+              </a:schemeClr>
+            </a:lnRef>
+            <a:fillRef idx="1">
+              <a:schemeClr val="accent1"/>
+            </a:fillRef>
+            <a:effectRef idx="0">
+              <a:schemeClr val="accent1"/>
+            </a:effectRef>
+            <a:fontRef idx="minor">
+              <a:schemeClr val="lt1"/>
+            </a:fontRef>
+          </p:style>
+          <p:txBody>
+            <a:bodyPr rtlCol="0" anchor="ctr"/>
+            <a:lstStyle/>
+            <a:p>
+              <a:pPr algn="ctr"/>
+              <a:endParaRPr kumimoji="1" lang="zh-CN" altLang="en-US" sz="2000">
+                <a:solidFill>
+                  <a:schemeClr val="tx1"/>
+                </a:solidFill>
+                <a:latin typeface="Calibri" panose="020F0502020204030204" pitchFamily="34" charset="0"/>
+                <a:cs typeface="Calibri" panose="020F0502020204030204" pitchFamily="34" charset="0"/>
+              </a:endParaRPr>
+            </a:p>
+          </p:txBody>
+        </p:sp>
+        <p:sp>
+          <p:nvSpPr>
+            <p:cNvPr id="24" name="文本框 23">
+              <a:extLst>
+                <a:ext uri="{FF2B5EF4-FFF2-40B4-BE49-F238E27FC236}">
+                  <a16:creationId xmlns:a16="http://schemas.microsoft.com/office/drawing/2014/main" id="{A27D8284-1F99-6034-A5AD-BB91FA77D278}"/>
+                </a:ext>
+              </a:extLst>
+            </p:cNvPr>
+            <p:cNvSpPr txBox="1"/>
+            <p:nvPr/>
+          </p:nvSpPr>
+          <p:spPr>
+            <a:xfrm>
+              <a:off x="1187121" y="4148549"/>
+              <a:ext cx="2432526" cy="523220"/>
+            </a:xfrm>
+            <a:prstGeom prst="rect">
+              <a:avLst/>
+            </a:prstGeom>
+            <a:noFill/>
+          </p:spPr>
+          <p:txBody>
+            <a:bodyPr wrap="square" rtlCol="0">
+              <a:spAutoFit/>
+            </a:bodyPr>
+            <a:lstStyle/>
+            <a:p>
+              <a:pPr algn="ctr"/>
+              <a:r>
+                <a:rPr kumimoji="1" lang="en-US" altLang="zh-CN" sz="2800" b="1" dirty="0">
+                  <a:latin typeface="Calibri" panose="020F0502020204030204" pitchFamily="34" charset="0"/>
+                  <a:ea typeface="Helvetica Neue" panose="02000503000000020004" pitchFamily="2" charset="0"/>
+                  <a:cs typeface="Calibri" panose="020F0502020204030204" pitchFamily="34" charset="0"/>
+                </a:rPr>
+                <a:t>Join</a:t>
+              </a:r>
+              <a:endParaRPr kumimoji="1" lang="en-US" altLang="zh-CN" sz="2400" b="1" dirty="0">
+                <a:latin typeface="Calibri" panose="020F0502020204030204" pitchFamily="34" charset="0"/>
+                <a:ea typeface="Helvetica Neue" panose="02000503000000020004" pitchFamily="2" charset="0"/>
+                <a:cs typeface="Calibri" panose="020F0502020204030204" pitchFamily="34" charset="0"/>
+              </a:endParaRPr>
+            </a:p>
+          </p:txBody>
+        </p:sp>
+      </p:grpSp>
+      <p:cxnSp>
+        <p:nvCxnSpPr>
+          <p:cNvPr id="25" name="直线箭头连接符 24">
+            <a:extLst>
+              <a:ext uri="{FF2B5EF4-FFF2-40B4-BE49-F238E27FC236}">
+                <a16:creationId xmlns:a16="http://schemas.microsoft.com/office/drawing/2014/main" id="{2C541A22-1FDA-5419-63BA-8C8EA8FAAE2F}"/>
+              </a:ext>
+            </a:extLst>
+          </p:cNvPr>
+          <p:cNvCxnSpPr>
+            <a:cxnSpLocks/>
+            <a:stCxn id="34" idx="3"/>
+            <a:endCxn id="22" idx="1"/>
+          </p:cNvCxnSpPr>
+          <p:nvPr/>
+        </p:nvCxnSpPr>
+        <p:spPr>
+          <a:xfrm flipV="1">
+            <a:off x="7153903" y="904489"/>
+            <a:ext cx="358842" cy="9402"/>
+          </a:xfrm>
+          <a:prstGeom prst="straightConnector1">
+            <a:avLst/>
+          </a:prstGeom>
+          <a:ln w="28575">
+            <a:solidFill>
+              <a:srgbClr val="8B649D"/>
+            </a:solidFill>
+            <a:tailEnd type="triangle"/>
+          </a:ln>
+        </p:spPr>
+        <p:style>
+          <a:lnRef idx="3">
+            <a:schemeClr val="dk1"/>
+          </a:lnRef>
+          <a:fillRef idx="0">
+            <a:schemeClr val="dk1"/>
+          </a:fillRef>
+          <a:effectRef idx="2">
+            <a:schemeClr val="dk1"/>
+          </a:effectRef>
+          <a:fontRef idx="minor">
+            <a:schemeClr val="tx1"/>
+          </a:fontRef>
+        </p:style>
+      </p:cxnSp>
+      <p:grpSp>
+        <p:nvGrpSpPr>
+          <p:cNvPr id="26" name="组合 25">
+            <a:extLst>
+              <a:ext uri="{FF2B5EF4-FFF2-40B4-BE49-F238E27FC236}">
+                <a16:creationId xmlns:a16="http://schemas.microsoft.com/office/drawing/2014/main" id="{10A5A1D5-CFAC-3E8A-835D-E35185694496}"/>
+              </a:ext>
+            </a:extLst>
+          </p:cNvPr>
+          <p:cNvGrpSpPr/>
+          <p:nvPr/>
+        </p:nvGrpSpPr>
+        <p:grpSpPr>
+          <a:xfrm>
+            <a:off x="4071074" y="530940"/>
+            <a:ext cx="3182162" cy="765901"/>
+            <a:chOff x="6113835" y="4442971"/>
+            <a:chExt cx="3182162" cy="765901"/>
+          </a:xfrm>
+        </p:grpSpPr>
+        <p:sp>
+          <p:nvSpPr>
+            <p:cNvPr id="34" name="圆角矩形 33">
+              <a:extLst>
+                <a:ext uri="{FF2B5EF4-FFF2-40B4-BE49-F238E27FC236}">
+                  <a16:creationId xmlns:a16="http://schemas.microsoft.com/office/drawing/2014/main" id="{8C22A571-198A-A63F-C562-B24E39E891B2}"/>
+                </a:ext>
+              </a:extLst>
+            </p:cNvPr>
+            <p:cNvSpPr/>
+            <p:nvPr/>
+          </p:nvSpPr>
+          <p:spPr>
+            <a:xfrm>
+              <a:off x="6221518" y="4442971"/>
+              <a:ext cx="2975146" cy="765901"/>
+            </a:xfrm>
+            <a:prstGeom prst="roundRect">
+              <a:avLst>
+                <a:gd name="adj" fmla="val 13606"/>
+              </a:avLst>
+            </a:prstGeom>
+            <a:solidFill>
+              <a:srgbClr val="F3F3F3"/>
+            </a:solidFill>
+            <a:ln>
+              <a:noFill/>
+            </a:ln>
+          </p:spPr>
+          <p:style>
+            <a:lnRef idx="2">
+              <a:schemeClr val="accent1">
+                <a:shade val="15000"/>
+              </a:schemeClr>
+            </a:lnRef>
+            <a:fillRef idx="1">
+              <a:schemeClr val="accent1"/>
+            </a:fillRef>
+            <a:effectRef idx="0">
+              <a:schemeClr val="accent1"/>
+            </a:effectRef>
+            <a:fontRef idx="minor">
+              <a:schemeClr val="lt1"/>
+            </a:fontRef>
+          </p:style>
+          <p:txBody>
+            <a:bodyPr rtlCol="0" anchor="ctr"/>
+            <a:lstStyle/>
+            <a:p>
+              <a:pPr algn="ctr"/>
+              <a:endParaRPr kumimoji="1" lang="zh-CN" altLang="en-US" sz="2000">
+                <a:solidFill>
+                  <a:schemeClr val="tx1"/>
+                </a:solidFill>
+                <a:latin typeface="Calibri" panose="020F0502020204030204" pitchFamily="34" charset="0"/>
+                <a:cs typeface="Calibri" panose="020F0502020204030204" pitchFamily="34" charset="0"/>
+              </a:endParaRPr>
+            </a:p>
+          </p:txBody>
+        </p:sp>
+        <p:sp>
+          <p:nvSpPr>
+            <p:cNvPr id="35" name="文本框 34">
+              <a:extLst>
+                <a:ext uri="{FF2B5EF4-FFF2-40B4-BE49-F238E27FC236}">
+                  <a16:creationId xmlns:a16="http://schemas.microsoft.com/office/drawing/2014/main" id="{C2DCC4A6-5419-5A59-5BF5-8F142BB1DFD4}"/>
+                </a:ext>
+              </a:extLst>
+            </p:cNvPr>
+            <p:cNvSpPr txBox="1"/>
+            <p:nvPr/>
+          </p:nvSpPr>
+          <p:spPr>
+            <a:xfrm>
+              <a:off x="6113835" y="4568701"/>
+              <a:ext cx="3182162" cy="523220"/>
+            </a:xfrm>
+            <a:prstGeom prst="rect">
+              <a:avLst/>
+            </a:prstGeom>
+            <a:noFill/>
+          </p:spPr>
+          <p:txBody>
+            <a:bodyPr wrap="square" rtlCol="0">
+              <a:spAutoFit/>
+            </a:bodyPr>
+            <a:lstStyle/>
+            <a:p>
+              <a:pPr algn="ctr"/>
+              <a:r>
+                <a:rPr kumimoji="1" lang="en-US" altLang="zh-CN" sz="2800" b="1" dirty="0">
+                  <a:latin typeface="Calibri" panose="020F0502020204030204" pitchFamily="34" charset="0"/>
+                  <a:ea typeface="Helvetica Neue" panose="02000503000000020004" pitchFamily="2" charset="0"/>
+                  <a:cs typeface="Calibri" panose="020F0502020204030204" pitchFamily="34" charset="0"/>
+                </a:rPr>
+                <a:t>Scan</a:t>
+              </a:r>
+              <a:r>
+                <a:rPr kumimoji="1" lang="zh-CN" altLang="en-US" sz="2400" b="1" dirty="0">
+                  <a:latin typeface="Calibri" panose="020F0502020204030204" pitchFamily="34" charset="0"/>
+                  <a:ea typeface="Helvetica Neue" panose="02000503000000020004" pitchFamily="2" charset="0"/>
+                  <a:cs typeface="Calibri" panose="020F0502020204030204" pitchFamily="34" charset="0"/>
+                </a:rPr>
+                <a:t>  </a:t>
+              </a:r>
+              <a:r>
+                <a:rPr kumimoji="1" lang="en-US" altLang="zh-CN" sz="2400" dirty="0">
+                  <a:latin typeface="Calibri" panose="020F0502020204030204" pitchFamily="34" charset="0"/>
+                  <a:ea typeface="Helvetica Neue" panose="02000503000000020004" pitchFamily="2" charset="0"/>
+                  <a:cs typeface="Calibri" panose="020F0502020204030204" pitchFamily="34" charset="0"/>
+                </a:rPr>
+                <a:t>TITLE</a:t>
+              </a:r>
+              <a:endParaRPr kumimoji="1" lang="zh-CN" altLang="en-US" sz="2400" dirty="0">
+                <a:latin typeface="Calibri" panose="020F0502020204030204" pitchFamily="34" charset="0"/>
+                <a:cs typeface="Calibri" panose="020F0502020204030204" pitchFamily="34" charset="0"/>
+              </a:endParaRPr>
+            </a:p>
+          </p:txBody>
+        </p:sp>
+      </p:grpSp>
+      <p:cxnSp>
+        <p:nvCxnSpPr>
+          <p:cNvPr id="37" name="直线箭头连接符 36">
+            <a:extLst>
+              <a:ext uri="{FF2B5EF4-FFF2-40B4-BE49-F238E27FC236}">
+                <a16:creationId xmlns:a16="http://schemas.microsoft.com/office/drawing/2014/main" id="{44107BC1-11CD-8A92-BA7B-B77FA254CB53}"/>
+              </a:ext>
+            </a:extLst>
+          </p:cNvPr>
+          <p:cNvCxnSpPr>
+            <a:cxnSpLocks/>
+            <a:stCxn id="43" idx="0"/>
+            <a:endCxn id="22" idx="2"/>
+          </p:cNvCxnSpPr>
+          <p:nvPr/>
+        </p:nvCxnSpPr>
+        <p:spPr>
+          <a:xfrm flipV="1">
+            <a:off x="9000318" y="1270769"/>
+            <a:ext cx="0" cy="429578"/>
+          </a:xfrm>
+          <a:prstGeom prst="straightConnector1">
+            <a:avLst/>
+          </a:prstGeom>
+          <a:ln w="28575">
+            <a:solidFill>
+              <a:srgbClr val="8B649D"/>
+            </a:solidFill>
+            <a:tailEnd type="triangle"/>
+          </a:ln>
+        </p:spPr>
+        <p:style>
+          <a:lnRef idx="3">
+            <a:schemeClr val="dk1"/>
+          </a:lnRef>
+          <a:fillRef idx="0">
+            <a:schemeClr val="dk1"/>
+          </a:fillRef>
+          <a:effectRef idx="2">
+            <a:schemeClr val="dk1"/>
+          </a:effectRef>
+          <a:fontRef idx="minor">
+            <a:schemeClr val="tx1"/>
+          </a:fontRef>
+        </p:style>
+      </p:cxnSp>
+      <p:grpSp>
+        <p:nvGrpSpPr>
+          <p:cNvPr id="46" name="组合 45">
+            <a:extLst>
+              <a:ext uri="{FF2B5EF4-FFF2-40B4-BE49-F238E27FC236}">
+                <a16:creationId xmlns:a16="http://schemas.microsoft.com/office/drawing/2014/main" id="{989B086F-4763-74BA-39AE-0F1FC6AF26C6}"/>
+              </a:ext>
+            </a:extLst>
+          </p:cNvPr>
+          <p:cNvGrpSpPr/>
+          <p:nvPr/>
+        </p:nvGrpSpPr>
+        <p:grpSpPr>
+          <a:xfrm>
+            <a:off x="7507861" y="-507823"/>
+            <a:ext cx="2975146" cy="788370"/>
+            <a:chOff x="859809" y="4035103"/>
+            <a:chExt cx="2975146" cy="788370"/>
+          </a:xfrm>
+        </p:grpSpPr>
+        <p:sp>
+          <p:nvSpPr>
+            <p:cNvPr id="47" name="圆角矩形 46">
+              <a:extLst>
+                <a:ext uri="{FF2B5EF4-FFF2-40B4-BE49-F238E27FC236}">
+                  <a16:creationId xmlns:a16="http://schemas.microsoft.com/office/drawing/2014/main" id="{6FF94952-7650-7B90-DBA1-57BC6D90A295}"/>
+                </a:ext>
+              </a:extLst>
+            </p:cNvPr>
+            <p:cNvSpPr/>
+            <p:nvPr/>
+          </p:nvSpPr>
+          <p:spPr>
+            <a:xfrm>
+              <a:off x="859809" y="4035103"/>
+              <a:ext cx="2975146" cy="788370"/>
+            </a:xfrm>
+            <a:prstGeom prst="roundRect">
+              <a:avLst>
+                <a:gd name="adj" fmla="val 13606"/>
+              </a:avLst>
+            </a:prstGeom>
+            <a:solidFill>
+              <a:srgbClr val="F3F3F3"/>
+            </a:solidFill>
+            <a:ln>
+              <a:noFill/>
+            </a:ln>
+          </p:spPr>
+          <p:style>
+            <a:lnRef idx="2">
+              <a:schemeClr val="accent1">
+                <a:shade val="15000"/>
+              </a:schemeClr>
+            </a:lnRef>
+            <a:fillRef idx="1">
+              <a:schemeClr val="accent1"/>
+            </a:fillRef>
+            <a:effectRef idx="0">
+              <a:schemeClr val="accent1"/>
+            </a:effectRef>
+            <a:fontRef idx="minor">
+              <a:schemeClr val="lt1"/>
+            </a:fontRef>
+          </p:style>
+          <p:txBody>
+            <a:bodyPr rtlCol="0" anchor="ctr"/>
+            <a:lstStyle/>
+            <a:p>
+              <a:pPr algn="ctr"/>
+              <a:endParaRPr kumimoji="1" lang="zh-CN" altLang="en-US" sz="2000">
+                <a:solidFill>
+                  <a:schemeClr val="tx1"/>
+                </a:solidFill>
+                <a:latin typeface="Calibri" panose="020F0502020204030204" pitchFamily="34" charset="0"/>
+                <a:cs typeface="Calibri" panose="020F0502020204030204" pitchFamily="34" charset="0"/>
+              </a:endParaRPr>
+            </a:p>
+          </p:txBody>
+        </p:sp>
+        <p:sp>
+          <p:nvSpPr>
+            <p:cNvPr id="48" name="文本框 47">
+              <a:extLst>
+                <a:ext uri="{FF2B5EF4-FFF2-40B4-BE49-F238E27FC236}">
+                  <a16:creationId xmlns:a16="http://schemas.microsoft.com/office/drawing/2014/main" id="{3926B22B-8241-5C8F-5982-10A6F955380B}"/>
+                </a:ext>
+              </a:extLst>
+            </p:cNvPr>
+            <p:cNvSpPr txBox="1"/>
+            <p:nvPr/>
+          </p:nvSpPr>
+          <p:spPr>
+            <a:xfrm>
+              <a:off x="1187121" y="4120413"/>
+              <a:ext cx="2432526" cy="523220"/>
+            </a:xfrm>
+            <a:prstGeom prst="rect">
+              <a:avLst/>
+            </a:prstGeom>
+            <a:noFill/>
+          </p:spPr>
+          <p:txBody>
+            <a:bodyPr wrap="square" rtlCol="0">
+              <a:spAutoFit/>
+            </a:bodyPr>
+            <a:lstStyle/>
+            <a:p>
+              <a:pPr algn="ctr"/>
+              <a:r>
+                <a:rPr kumimoji="1" lang="en-US" altLang="zh-CN" sz="2800" b="1" dirty="0">
+                  <a:latin typeface="Calibri" panose="020F0502020204030204" pitchFamily="34" charset="0"/>
+                  <a:ea typeface="Helvetica Neue" panose="02000503000000020004" pitchFamily="2" charset="0"/>
+                  <a:cs typeface="Calibri" panose="020F0502020204030204" pitchFamily="34" charset="0"/>
+                </a:rPr>
+                <a:t>Join</a:t>
+              </a:r>
+              <a:endParaRPr kumimoji="1" lang="en-US" altLang="zh-CN" sz="2400" b="1" dirty="0">
+                <a:latin typeface="Calibri" panose="020F0502020204030204" pitchFamily="34" charset="0"/>
+                <a:ea typeface="Helvetica Neue" panose="02000503000000020004" pitchFamily="2" charset="0"/>
+                <a:cs typeface="Calibri" panose="020F0502020204030204" pitchFamily="34" charset="0"/>
+              </a:endParaRPr>
+            </a:p>
+          </p:txBody>
+        </p:sp>
+      </p:grpSp>
+      <p:cxnSp>
+        <p:nvCxnSpPr>
+          <p:cNvPr id="49" name="直线箭头连接符 48">
+            <a:extLst>
+              <a:ext uri="{FF2B5EF4-FFF2-40B4-BE49-F238E27FC236}">
+                <a16:creationId xmlns:a16="http://schemas.microsoft.com/office/drawing/2014/main" id="{93BCBD8F-384A-5B2E-860F-65C1ACFAB25E}"/>
+              </a:ext>
+            </a:extLst>
+          </p:cNvPr>
+          <p:cNvCxnSpPr>
+            <a:cxnSpLocks/>
+            <a:stCxn id="51" idx="3"/>
+            <a:endCxn id="47" idx="1"/>
+          </p:cNvCxnSpPr>
+          <p:nvPr/>
+        </p:nvCxnSpPr>
+        <p:spPr>
+          <a:xfrm>
+            <a:off x="7170149" y="-113789"/>
+            <a:ext cx="337712" cy="151"/>
+          </a:xfrm>
+          <a:prstGeom prst="straightConnector1">
+            <a:avLst/>
+          </a:prstGeom>
+          <a:ln w="28575">
+            <a:solidFill>
+              <a:srgbClr val="8B649D"/>
+            </a:solidFill>
+            <a:tailEnd type="triangle"/>
+          </a:ln>
+        </p:spPr>
+        <p:style>
+          <a:lnRef idx="3">
+            <a:schemeClr val="dk1"/>
+          </a:lnRef>
+          <a:fillRef idx="0">
+            <a:schemeClr val="dk1"/>
+          </a:fillRef>
+          <a:effectRef idx="2">
+            <a:schemeClr val="dk1"/>
+          </a:effectRef>
+          <a:fontRef idx="minor">
+            <a:schemeClr val="tx1"/>
+          </a:fontRef>
+        </p:style>
+      </p:cxnSp>
+      <p:grpSp>
+        <p:nvGrpSpPr>
+          <p:cNvPr id="50" name="组合 49">
+            <a:extLst>
+              <a:ext uri="{FF2B5EF4-FFF2-40B4-BE49-F238E27FC236}">
+                <a16:creationId xmlns:a16="http://schemas.microsoft.com/office/drawing/2014/main" id="{F3684F33-E671-8C74-3E5C-D961D64DDBD0}"/>
+              </a:ext>
+            </a:extLst>
+          </p:cNvPr>
+          <p:cNvGrpSpPr/>
+          <p:nvPr/>
+        </p:nvGrpSpPr>
+        <p:grpSpPr>
+          <a:xfrm>
+            <a:off x="4195003" y="-541402"/>
+            <a:ext cx="2975146" cy="855225"/>
+            <a:chOff x="6221518" y="4353647"/>
+            <a:chExt cx="2975146" cy="855225"/>
+          </a:xfrm>
+        </p:grpSpPr>
+        <p:sp>
+          <p:nvSpPr>
+            <p:cNvPr id="51" name="圆角矩形 50">
+              <a:extLst>
+                <a:ext uri="{FF2B5EF4-FFF2-40B4-BE49-F238E27FC236}">
+                  <a16:creationId xmlns:a16="http://schemas.microsoft.com/office/drawing/2014/main" id="{0A364913-4415-E615-3157-C900449F1AF3}"/>
+                </a:ext>
+              </a:extLst>
+            </p:cNvPr>
+            <p:cNvSpPr/>
+            <p:nvPr/>
+          </p:nvSpPr>
+          <p:spPr>
+            <a:xfrm>
+              <a:off x="6221518" y="4353647"/>
+              <a:ext cx="2975146" cy="855225"/>
+            </a:xfrm>
+            <a:prstGeom prst="roundRect">
+              <a:avLst>
+                <a:gd name="adj" fmla="val 13606"/>
+              </a:avLst>
+            </a:prstGeom>
+            <a:solidFill>
+              <a:srgbClr val="F3F3F3"/>
+            </a:solidFill>
+            <a:ln>
+              <a:noFill/>
+            </a:ln>
+          </p:spPr>
+          <p:style>
+            <a:lnRef idx="2">
+              <a:schemeClr val="accent1">
+                <a:shade val="15000"/>
+              </a:schemeClr>
+            </a:lnRef>
+            <a:fillRef idx="1">
+              <a:schemeClr val="accent1"/>
+            </a:fillRef>
+            <a:effectRef idx="0">
+              <a:schemeClr val="accent1"/>
+            </a:effectRef>
+            <a:fontRef idx="minor">
+              <a:schemeClr val="lt1"/>
+            </a:fontRef>
+          </p:style>
+          <p:txBody>
+            <a:bodyPr rtlCol="0" anchor="ctr"/>
+            <a:lstStyle/>
+            <a:p>
+              <a:pPr algn="ctr"/>
+              <a:endParaRPr kumimoji="1" lang="zh-CN" altLang="en-US" sz="2000" dirty="0">
+                <a:solidFill>
+                  <a:schemeClr val="tx1"/>
+                </a:solidFill>
+                <a:latin typeface="Calibri" panose="020F0502020204030204" pitchFamily="34" charset="0"/>
+                <a:cs typeface="Calibri" panose="020F0502020204030204" pitchFamily="34" charset="0"/>
+              </a:endParaRPr>
+            </a:p>
+          </p:txBody>
+        </p:sp>
+        <p:sp>
+          <p:nvSpPr>
+            <p:cNvPr id="52" name="文本框 51">
+              <a:extLst>
+                <a:ext uri="{FF2B5EF4-FFF2-40B4-BE49-F238E27FC236}">
+                  <a16:creationId xmlns:a16="http://schemas.microsoft.com/office/drawing/2014/main" id="{CF7A0F69-99AD-E431-F649-CA4EEBF0385A}"/>
+                </a:ext>
+              </a:extLst>
+            </p:cNvPr>
+            <p:cNvSpPr txBox="1"/>
+            <p:nvPr/>
+          </p:nvSpPr>
+          <p:spPr>
+            <a:xfrm>
+              <a:off x="6462797" y="4505733"/>
+              <a:ext cx="2596564" cy="523220"/>
+            </a:xfrm>
+            <a:prstGeom prst="rect">
+              <a:avLst/>
+            </a:prstGeom>
+            <a:noFill/>
+          </p:spPr>
+          <p:txBody>
+            <a:bodyPr wrap="square" rtlCol="0">
+              <a:spAutoFit/>
+            </a:bodyPr>
+            <a:lstStyle/>
+            <a:p>
+              <a:pPr algn="ctr"/>
+              <a:r>
+                <a:rPr kumimoji="1" lang="en-US" altLang="zh-CN" sz="2800" b="1" dirty="0">
+                  <a:latin typeface="Calibri" panose="020F0502020204030204" pitchFamily="34" charset="0"/>
+                  <a:ea typeface="Helvetica Neue" panose="02000503000000020004" pitchFamily="2" charset="0"/>
+                  <a:cs typeface="Calibri" panose="020F0502020204030204" pitchFamily="34" charset="0"/>
+                </a:rPr>
+                <a:t>Scan</a:t>
+              </a:r>
+              <a:r>
+                <a:rPr kumimoji="1" lang="en-US" altLang="zh-CN" sz="2400" b="1" dirty="0">
+                  <a:latin typeface="Calibri" panose="020F0502020204030204" pitchFamily="34" charset="0"/>
+                  <a:ea typeface="Helvetica Neue" panose="02000503000000020004" pitchFamily="2" charset="0"/>
+                  <a:cs typeface="Calibri" panose="020F0502020204030204" pitchFamily="34" charset="0"/>
+                </a:rPr>
+                <a:t> </a:t>
+              </a:r>
+              <a:r>
+                <a:rPr kumimoji="1" lang="en-US" altLang="zh-CN" sz="2400" dirty="0">
+                  <a:latin typeface="Calibri" panose="020F0502020204030204" pitchFamily="34" charset="0"/>
+                  <a:ea typeface="Helvetica Neue" panose="02000503000000020004" pitchFamily="2" charset="0"/>
+                  <a:cs typeface="Calibri" panose="020F0502020204030204" pitchFamily="34" charset="0"/>
+                </a:rPr>
+                <a:t>CAST_INFO</a:t>
+              </a:r>
+              <a:endParaRPr kumimoji="1" lang="zh-CN" altLang="en-US" sz="2400" dirty="0">
+                <a:latin typeface="Calibri" panose="020F0502020204030204" pitchFamily="34" charset="0"/>
+                <a:cs typeface="Calibri" panose="020F0502020204030204" pitchFamily="34" charset="0"/>
+              </a:endParaRPr>
+            </a:p>
+          </p:txBody>
+        </p:sp>
+      </p:grpSp>
+      <p:cxnSp>
+        <p:nvCxnSpPr>
+          <p:cNvPr id="55" name="直线箭头连接符 54">
+            <a:extLst>
+              <a:ext uri="{FF2B5EF4-FFF2-40B4-BE49-F238E27FC236}">
+                <a16:creationId xmlns:a16="http://schemas.microsoft.com/office/drawing/2014/main" id="{88C41CBF-EEC3-2C6C-BDB2-8A88C1FE2D42}"/>
+              </a:ext>
+            </a:extLst>
+          </p:cNvPr>
+          <p:cNvCxnSpPr>
+            <a:cxnSpLocks/>
+            <a:stCxn id="22" idx="0"/>
+            <a:endCxn id="47" idx="2"/>
+          </p:cNvCxnSpPr>
+          <p:nvPr/>
+        </p:nvCxnSpPr>
+        <p:spPr>
+          <a:xfrm flipH="1" flipV="1">
+            <a:off x="8995434" y="280547"/>
+            <a:ext cx="4884" cy="257662"/>
+          </a:xfrm>
+          <a:prstGeom prst="straightConnector1">
+            <a:avLst/>
+          </a:prstGeom>
+          <a:ln w="28575">
+            <a:solidFill>
+              <a:srgbClr val="8B649D"/>
+            </a:solidFill>
+            <a:tailEnd type="triangle"/>
+          </a:ln>
+        </p:spPr>
+        <p:style>
+          <a:lnRef idx="3">
+            <a:schemeClr val="dk1"/>
+          </a:lnRef>
+          <a:fillRef idx="0">
+            <a:schemeClr val="dk1"/>
+          </a:fillRef>
+          <a:effectRef idx="2">
+            <a:schemeClr val="dk1"/>
+          </a:effectRef>
+          <a:fontRef idx="minor">
+            <a:schemeClr val="tx1"/>
+          </a:fontRef>
+        </p:style>
+      </p:cxnSp>
+    </p:spTree>
+    <p:extLst>
+      <p:ext uri="{BB962C8B-B14F-4D97-AF65-F5344CB8AC3E}">
+        <p14:creationId xmlns:p14="http://schemas.microsoft.com/office/powerpoint/2010/main" val="2681851304"/>
+      </p:ext>
+    </p:extLst>
+  </p:cSld>
+  <p:clrMapOvr>
+    <a:masterClrMapping/>
+  </p:clrMapOvr>
+</p:sld>
+</file>
+
+<file path=ppt/slides/slide5.xml><?xml version="1.0" encoding="utf-8"?>
+<p:sld xmlns:a="http://schemas.openxmlformats.org/drawingml/2006/main" xmlns:r="http://schemas.openxmlformats.org/officeDocument/2006/relationships" xmlns:p="http://schemas.openxmlformats.org/presentationml/2006/main">
+  <p:cSld>
+    <p:spTree>
+      <p:nvGrpSpPr>
+        <p:cNvPr id="1" name=""/>
+        <p:cNvGrpSpPr/>
+        <p:nvPr/>
+      </p:nvGrpSpPr>
+      <p:grpSpPr>
+        <a:xfrm>
+          <a:off x="0" y="0"/>
+          <a:ext cx="0" cy="0"/>
+          <a:chOff x="0" y="0"/>
+          <a:chExt cx="0" cy="0"/>
+        </a:xfrm>
+      </p:grpSpPr>
+      <p:grpSp>
+        <p:nvGrpSpPr>
+          <p:cNvPr id="33" name="组合 32">
+            <a:extLst>
+              <a:ext uri="{FF2B5EF4-FFF2-40B4-BE49-F238E27FC236}">
+                <a16:creationId xmlns:a16="http://schemas.microsoft.com/office/drawing/2014/main" id="{6354450E-E6DA-4942-9A3F-1A677263A85C}"/>
+              </a:ext>
+            </a:extLst>
+          </p:cNvPr>
+          <p:cNvGrpSpPr/>
+          <p:nvPr/>
+        </p:nvGrpSpPr>
+        <p:grpSpPr>
+          <a:xfrm>
             <a:off x="7514923" y="3772236"/>
             <a:ext cx="2975146" cy="1028305"/>
             <a:chOff x="859809" y="3795168"/>
@@ -5037,8 +9169,8 @@
           </p:nvSpPr>
           <p:spPr>
             <a:xfrm>
-              <a:off x="1218651" y="4078209"/>
-              <a:ext cx="2248750" cy="523220"/>
+              <a:off x="1187121" y="4078209"/>
+              <a:ext cx="2432526" cy="523220"/>
             </a:xfrm>
             <a:prstGeom prst="rect">
               <a:avLst/>
@@ -5058,15 +9190,7 @@
                   <a:ea typeface="Helvetica Neue" panose="02000503000000020004" pitchFamily="2" charset="0"/>
                   <a:cs typeface="Calibri" panose="020F0502020204030204" pitchFamily="34" charset="0"/>
                 </a:rPr>
-                <a:t>EXPAND</a:t>
-              </a:r>
-              <a:r>
-                <a:rPr kumimoji="1" lang="zh-CN" altLang="en-US" sz="2400" b="1" dirty="0">
-                  <a:latin typeface="Calibri" panose="020F0502020204030204" pitchFamily="34" charset="0"/>
-                  <a:ea typeface="Helvetica Neue" panose="02000503000000020004" pitchFamily="2" charset="0"/>
-                  <a:cs typeface="Calibri" panose="020F0502020204030204" pitchFamily="34" charset="0"/>
-                </a:rPr>
-                <a:t>  </a:t>
+                <a:t>JOIN</a:t>
               </a:r>
               <a:endParaRPr kumimoji="1" lang="en-US" altLang="zh-CN" sz="2400" b="1" dirty="0">
                 <a:latin typeface="Calibri" panose="020F0502020204030204" pitchFamily="34" charset="0"/>
@@ -5418,7 +9542,7 @@
                   <a:ea typeface="Helvetica Neue" panose="02000503000000020004" pitchFamily="2" charset="0"/>
                   <a:cs typeface="Calibri" panose="020F0502020204030204" pitchFamily="34" charset="0"/>
                 </a:rPr>
-                <a:t>TITLE</a:t>
+                <a:t>MOVIE_KEYWORD</a:t>
               </a:r>
               <a:endParaRPr kumimoji="1" lang="zh-CN" altLang="en-US" sz="2400" dirty="0">
                 <a:latin typeface="Calibri" panose="020F0502020204030204" pitchFamily="34" charset="0"/>
@@ -5442,9 +9566,9 @@
         </p:nvGrpSpPr>
         <p:grpSpPr>
           <a:xfrm>
-            <a:off x="4077427" y="2377568"/>
+            <a:off x="10718353" y="-1587316"/>
             <a:ext cx="3330820" cy="1302844"/>
-            <a:chOff x="6104662" y="4180568"/>
+            <a:chOff x="6106508" y="4180568"/>
             <a:chExt cx="3330820" cy="1302844"/>
           </a:xfrm>
         </p:grpSpPr>
@@ -5522,7 +9646,7 @@
           </p:nvSpPr>
           <p:spPr>
             <a:xfrm>
-              <a:off x="6104662" y="4222971"/>
+              <a:off x="6106508" y="4192265"/>
               <a:ext cx="3330820" cy="1138773"/>
             </a:xfrm>
             <a:prstGeom prst="rect">
@@ -5596,66 +9720,6 @@
           </p:txBody>
         </p:sp>
       </p:grpSp>
-      <p:sp>
-        <p:nvSpPr>
-          <p:cNvPr id="43" name="圆角矩形 42">
-            <a:extLst>
-              <a:ext uri="{FF2B5EF4-FFF2-40B4-BE49-F238E27FC236}">
-                <a16:creationId xmlns:a16="http://schemas.microsoft.com/office/drawing/2014/main" id="{E9AF77FE-0118-816D-2B32-22A37C1AC897}"/>
-              </a:ext>
-            </a:extLst>
-          </p:cNvPr>
-          <p:cNvSpPr/>
-          <p:nvPr/>
-        </p:nvSpPr>
-        <p:spPr>
-          <a:xfrm>
-            <a:off x="7516110" y="2510616"/>
-            <a:ext cx="2975146" cy="1028305"/>
-          </a:xfrm>
-          <a:prstGeom prst="roundRect">
-            <a:avLst>
-              <a:gd name="adj" fmla="val 13606"/>
-            </a:avLst>
-          </a:prstGeom>
-          <a:solidFill>
-            <a:srgbClr val="F3F3F3"/>
-          </a:solidFill>
-          <a:ln>
-            <a:noFill/>
-          </a:ln>
-        </p:spPr>
-        <p:style>
-          <a:lnRef idx="2">
-            <a:schemeClr val="accent1">
-              <a:shade val="15000"/>
-            </a:schemeClr>
-          </a:lnRef>
-          <a:fillRef idx="1">
-            <a:schemeClr val="accent1"/>
-          </a:fillRef>
-          <a:effectRef idx="0">
-            <a:schemeClr val="accent1"/>
-          </a:effectRef>
-          <a:fontRef idx="minor">
-            <a:schemeClr val="lt1"/>
-          </a:fontRef>
-        </p:style>
-        <p:txBody>
-          <a:bodyPr rtlCol="0" anchor="ctr"/>
-          <a:lstStyle/>
-          <a:p>
-            <a:pPr algn="ctr"/>
-            <a:endParaRPr kumimoji="1" lang="zh-CN" altLang="en-US" sz="2000">
-              <a:solidFill>
-                <a:schemeClr val="tx1"/>
-              </a:solidFill>
-              <a:latin typeface="Calibri" panose="020F0502020204030204" pitchFamily="34" charset="0"/>
-              <a:cs typeface="Calibri" panose="020F0502020204030204" pitchFamily="34" charset="0"/>
-            </a:endParaRPr>
-          </a:p>
-        </p:txBody>
-      </p:sp>
       <p:cxnSp>
         <p:nvCxnSpPr>
           <p:cNvPr id="45" name="直线箭头连接符 44">
@@ -5667,15 +9731,15 @@
           </p:cNvPr>
           <p:cNvCxnSpPr>
             <a:cxnSpLocks/>
-            <a:stCxn id="40" idx="3"/>
-            <a:endCxn id="43" idx="1"/>
+            <a:stCxn id="40" idx="1"/>
+            <a:endCxn id="43" idx="3"/>
           </p:cNvCxnSpPr>
           <p:nvPr/>
         </p:nvCxnSpPr>
         <p:spPr>
-          <a:xfrm flipV="1">
-            <a:off x="7169429" y="3024769"/>
-            <a:ext cx="346681" cy="4221"/>
+          <a:xfrm flipH="1" flipV="1">
+            <a:off x="10495444" y="-947374"/>
+            <a:ext cx="337919" cy="11480"/>
           </a:xfrm>
           <a:prstGeom prst="straightConnector1">
             <a:avLst/>
@@ -5760,14 +9824,14 @@
           <p:cNvCxnSpPr>
             <a:cxnSpLocks/>
             <a:stCxn id="19" idx="0"/>
-            <a:endCxn id="43" idx="2"/>
+            <a:endCxn id="5" idx="2"/>
           </p:cNvCxnSpPr>
           <p:nvPr/>
         </p:nvCxnSpPr>
         <p:spPr>
           <a:xfrm flipV="1">
-            <a:off x="9002496" y="3538921"/>
-            <a:ext cx="1187" cy="233315"/>
+            <a:off x="9002496" y="3531694"/>
+            <a:ext cx="0" cy="240542"/>
           </a:xfrm>
           <a:prstGeom prst="straightConnector1">
             <a:avLst/>
@@ -5808,10 +9872,10 @@
         </p:nvGrpSpPr>
         <p:grpSpPr>
           <a:xfrm>
-            <a:off x="4141405" y="-130844"/>
-            <a:ext cx="2975146" cy="1028305"/>
-            <a:chOff x="6221518" y="4180567"/>
-            <a:chExt cx="2975146" cy="1028305"/>
+            <a:off x="1518377" y="1439040"/>
+            <a:ext cx="2440817" cy="580274"/>
+            <a:chOff x="6890770" y="4414116"/>
+            <a:chExt cx="2440817" cy="580274"/>
           </a:xfrm>
         </p:grpSpPr>
         <p:sp>
@@ -5828,8 +9892,8 @@
           </p:nvSpPr>
           <p:spPr>
             <a:xfrm>
-              <a:off x="6221518" y="4180567"/>
-              <a:ext cx="2975146" cy="1028305"/>
+              <a:off x="7076502" y="4414116"/>
+              <a:ext cx="2120162" cy="580274"/>
             </a:xfrm>
             <a:prstGeom prst="roundRect">
               <a:avLst>
@@ -5888,8 +9952,8 @@
           </p:nvSpPr>
           <p:spPr>
             <a:xfrm>
-              <a:off x="6439207" y="4190095"/>
-              <a:ext cx="2440817" cy="892552"/>
+              <a:off x="6890770" y="4414116"/>
+              <a:ext cx="2440817" cy="523220"/>
             </a:xfrm>
             <a:prstGeom prst="rect">
               <a:avLst/>
@@ -5919,14 +9983,6 @@
                 </a:rPr>
                 <a:t>  </a:t>
               </a:r>
-              <a:endParaRPr kumimoji="1" lang="en-US" altLang="zh-CN" sz="2400" b="1" dirty="0">
-                <a:latin typeface="Calibri" panose="020F0502020204030204" pitchFamily="34" charset="0"/>
-                <a:ea typeface="Helvetica Neue" panose="02000503000000020004" pitchFamily="2" charset="0"/>
-                <a:cs typeface="Calibri" panose="020F0502020204030204" pitchFamily="34" charset="0"/>
-              </a:endParaRPr>
-            </a:p>
-            <a:p>
-              <a:pPr algn="ctr"/>
               <a:r>
                 <a:rPr kumimoji="1" lang="en-US" altLang="zh-CN" sz="2400" dirty="0">
                   <a:latin typeface="Calibri" panose="020F0502020204030204" pitchFamily="34" charset="0"/>
@@ -5957,7 +10013,7 @@
         </p:nvGrpSpPr>
         <p:grpSpPr>
           <a:xfrm>
-            <a:off x="4159335" y="1190224"/>
+            <a:off x="4180935" y="1215943"/>
             <a:ext cx="2975146" cy="1028305"/>
             <a:chOff x="6221518" y="4180567"/>
             <a:chExt cx="2975146" cy="1028305"/>
@@ -6099,15 +10155,15 @@
           </p:cNvPr>
           <p:cNvCxnSpPr>
             <a:cxnSpLocks/>
-            <a:stCxn id="62" idx="2"/>
-            <a:endCxn id="67" idx="0"/>
+            <a:stCxn id="62" idx="3"/>
+            <a:endCxn id="66" idx="1"/>
           </p:cNvCxnSpPr>
           <p:nvPr/>
         </p:nvCxnSpPr>
         <p:spPr>
           <a:xfrm>
-            <a:off x="5628978" y="897461"/>
-            <a:ext cx="1" cy="308709"/>
+            <a:off x="3824271" y="1729177"/>
+            <a:ext cx="356664" cy="919"/>
           </a:xfrm>
           <a:prstGeom prst="straightConnector1">
             <a:avLst/>
@@ -6134,66 +10190,6 @@
           </a:fontRef>
         </p:style>
       </p:cxnSp>
-      <p:sp>
-        <p:nvSpPr>
-          <p:cNvPr id="82" name="圆角矩形 81">
-            <a:extLst>
-              <a:ext uri="{FF2B5EF4-FFF2-40B4-BE49-F238E27FC236}">
-                <a16:creationId xmlns:a16="http://schemas.microsoft.com/office/drawing/2014/main" id="{6102D9FE-0ADC-637B-51D4-2F22473B7BC8}"/>
-              </a:ext>
-            </a:extLst>
-          </p:cNvPr>
-          <p:cNvSpPr/>
-          <p:nvPr/>
-        </p:nvSpPr>
-        <p:spPr>
-          <a:xfrm>
-            <a:off x="7521608" y="1184526"/>
-            <a:ext cx="2975146" cy="1028305"/>
-          </a:xfrm>
-          <a:prstGeom prst="roundRect">
-            <a:avLst>
-              <a:gd name="adj" fmla="val 13606"/>
-            </a:avLst>
-          </a:prstGeom>
-          <a:solidFill>
-            <a:srgbClr val="F3F3F3"/>
-          </a:solidFill>
-          <a:ln>
-            <a:noFill/>
-          </a:ln>
-        </p:spPr>
-        <p:style>
-          <a:lnRef idx="2">
-            <a:schemeClr val="accent1">
-              <a:shade val="15000"/>
-            </a:schemeClr>
-          </a:lnRef>
-          <a:fillRef idx="1">
-            <a:schemeClr val="accent1"/>
-          </a:fillRef>
-          <a:effectRef idx="0">
-            <a:schemeClr val="accent1"/>
-          </a:effectRef>
-          <a:fontRef idx="minor">
-            <a:schemeClr val="lt1"/>
-          </a:fontRef>
-        </p:style>
-        <p:txBody>
-          <a:bodyPr rtlCol="0" anchor="ctr"/>
-          <a:lstStyle/>
-          <a:p>
-            <a:pPr algn="ctr"/>
-            <a:endParaRPr kumimoji="1" lang="zh-CN" altLang="en-US" sz="2000">
-              <a:solidFill>
-                <a:schemeClr val="tx1"/>
-              </a:solidFill>
-              <a:latin typeface="Calibri" panose="020F0502020204030204" pitchFamily="34" charset="0"/>
-              <a:cs typeface="Calibri" panose="020F0502020204030204" pitchFamily="34" charset="0"/>
-            </a:endParaRPr>
-          </a:p>
-        </p:txBody>
-      </p:sp>
       <p:cxnSp>
         <p:nvCxnSpPr>
           <p:cNvPr id="84" name="直线箭头连接符 83">
@@ -6212,8 +10208,8 @@
         </p:nvCxnSpPr>
         <p:spPr>
           <a:xfrm flipV="1">
-            <a:off x="7134481" y="1698679"/>
-            <a:ext cx="387127" cy="5698"/>
+            <a:off x="7156081" y="1730095"/>
+            <a:ext cx="356664" cy="1"/>
           </a:xfrm>
           <a:prstGeom prst="straightConnector1">
             <a:avLst/>
@@ -6251,15 +10247,15 @@
           </p:cNvPr>
           <p:cNvCxnSpPr>
             <a:cxnSpLocks/>
-            <a:stCxn id="43" idx="0"/>
-            <a:endCxn id="82" idx="2"/>
+            <a:stCxn id="47" idx="0"/>
+            <a:endCxn id="43" idx="2"/>
           </p:cNvCxnSpPr>
           <p:nvPr/>
         </p:nvCxnSpPr>
         <p:spPr>
           <a:xfrm flipV="1">
-            <a:off x="9003683" y="2212831"/>
-            <a:ext cx="5498" cy="297785"/>
+            <a:off x="9002496" y="-433222"/>
+            <a:ext cx="5375" cy="281942"/>
           </a:xfrm>
           <a:prstGeom prst="straightConnector1">
             <a:avLst/>
@@ -6300,7 +10296,7 @@
         </p:nvSpPr>
         <p:spPr>
           <a:xfrm>
-            <a:off x="7024672" y="-1352344"/>
+            <a:off x="7013659" y="-3990754"/>
             <a:ext cx="3972911" cy="1018006"/>
           </a:xfrm>
           <a:prstGeom prst="roundRect">
@@ -6360,7 +10356,7 @@
         </p:nvSpPr>
         <p:spPr>
           <a:xfrm>
-            <a:off x="6752308" y="-1359056"/>
+            <a:off x="6741295" y="-3997466"/>
             <a:ext cx="4513745" cy="1015663"/>
           </a:xfrm>
           <a:prstGeom prst="rect">
@@ -6440,14 +10436,14 @@
           <p:cNvCxnSpPr>
             <a:cxnSpLocks/>
             <a:stCxn id="82" idx="0"/>
-            <a:endCxn id="102" idx="2"/>
+            <a:endCxn id="47" idx="2"/>
           </p:cNvCxnSpPr>
           <p:nvPr/>
         </p:nvCxnSpPr>
         <p:spPr>
           <a:xfrm flipV="1">
-            <a:off x="9009181" y="923365"/>
-            <a:ext cx="4402" cy="261161"/>
+            <a:off x="9000318" y="877025"/>
+            <a:ext cx="2178" cy="338917"/>
           </a:xfrm>
           <a:prstGeom prst="straightConnector1">
             <a:avLst/>
@@ -6476,10 +10472,10 @@
       </p:cxnSp>
       <p:grpSp>
         <p:nvGrpSpPr>
-          <p:cNvPr id="136" name="组合 135">
-            <a:extLst>
-              <a:ext uri="{FF2B5EF4-FFF2-40B4-BE49-F238E27FC236}">
-                <a16:creationId xmlns:a16="http://schemas.microsoft.com/office/drawing/2014/main" id="{978843F8-06FC-9A82-EF4C-594FE8E622EC}"/>
+          <p:cNvPr id="38" name="组合 37">
+            <a:extLst>
+              <a:ext uri="{FF2B5EF4-FFF2-40B4-BE49-F238E27FC236}">
+                <a16:creationId xmlns:a16="http://schemas.microsoft.com/office/drawing/2014/main" id="{106E1601-4621-5736-4540-24B3D824B396}"/>
               </a:ext>
             </a:extLst>
           </p:cNvPr>
@@ -6488,18 +10484,18 @@
         </p:nvGrpSpPr>
         <p:grpSpPr>
           <a:xfrm>
-            <a:off x="7422501" y="-94641"/>
-            <a:ext cx="3182162" cy="1018006"/>
-            <a:chOff x="1319933" y="-492849"/>
-            <a:chExt cx="3182162" cy="1018006"/>
+            <a:off x="7520298" y="-1461527"/>
+            <a:ext cx="2975146" cy="1028305"/>
+            <a:chOff x="-855451" y="6881565"/>
+            <a:chExt cx="2975146" cy="1028305"/>
           </a:xfrm>
         </p:grpSpPr>
         <p:sp>
           <p:nvSpPr>
-            <p:cNvPr id="102" name="圆角矩形 101">
+            <p:cNvPr id="43" name="圆角矩形 42">
               <a:extLst>
                 <a:ext uri="{FF2B5EF4-FFF2-40B4-BE49-F238E27FC236}">
-                  <a16:creationId xmlns:a16="http://schemas.microsoft.com/office/drawing/2014/main" id="{B4E38E35-CCC9-3239-DB45-93A3DA9EBA70}"/>
+                  <a16:creationId xmlns:a16="http://schemas.microsoft.com/office/drawing/2014/main" id="{E9AF77FE-0118-816D-2B32-22A37C1AC897}"/>
                 </a:ext>
               </a:extLst>
             </p:cNvPr>
@@ -6508,412 +10504,7 @@
           </p:nvSpPr>
           <p:spPr>
             <a:xfrm>
-              <a:off x="1521504" y="-492849"/>
-              <a:ext cx="2779021" cy="1018006"/>
-            </a:xfrm>
-            <a:prstGeom prst="roundRect">
-              <a:avLst>
-                <a:gd name="adj" fmla="val 16118"/>
-              </a:avLst>
-            </a:prstGeom>
-            <a:solidFill>
-              <a:srgbClr val="F3F3F3"/>
-            </a:solidFill>
-            <a:ln>
-              <a:noFill/>
-            </a:ln>
-          </p:spPr>
-          <p:style>
-            <a:lnRef idx="2">
-              <a:schemeClr val="accent1">
-                <a:shade val="15000"/>
-              </a:schemeClr>
-            </a:lnRef>
-            <a:fillRef idx="1">
-              <a:schemeClr val="accent1"/>
-            </a:fillRef>
-            <a:effectRef idx="0">
-              <a:schemeClr val="accent1"/>
-            </a:effectRef>
-            <a:fontRef idx="minor">
-              <a:schemeClr val="lt1"/>
-            </a:fontRef>
-          </p:style>
-          <p:txBody>
-            <a:bodyPr rtlCol="0" anchor="ctr"/>
-            <a:lstStyle/>
-            <a:p>
-              <a:pPr algn="ctr"/>
-              <a:endParaRPr kumimoji="1" lang="zh-CN" altLang="en-US" sz="2000" dirty="0">
-                <a:solidFill>
-                  <a:schemeClr val="tx1"/>
-                </a:solidFill>
-                <a:latin typeface="Calibri" panose="020F0502020204030204" pitchFamily="34" charset="0"/>
-                <a:cs typeface="Calibri" panose="020F0502020204030204" pitchFamily="34" charset="0"/>
-              </a:endParaRPr>
-            </a:p>
-          </p:txBody>
-        </p:sp>
-        <mc:AlternateContent xmlns:mc="http://schemas.openxmlformats.org/markup-compatibility/2006">
-          <mc:Choice xmlns:a14="http://schemas.microsoft.com/office/drawing/2010/main" Requires="a14">
-            <p:sp>
-              <p:nvSpPr>
-                <p:cNvPr id="103" name="文本框 102">
-                  <a:extLst>
-                    <a:ext uri="{FF2B5EF4-FFF2-40B4-BE49-F238E27FC236}">
-                      <a16:creationId xmlns:a16="http://schemas.microsoft.com/office/drawing/2014/main" id="{A5515440-8A25-430B-25E9-16633EE91685}"/>
-                    </a:ext>
-                  </a:extLst>
-                </p:cNvPr>
-                <p:cNvSpPr txBox="1"/>
-                <p:nvPr/>
-              </p:nvSpPr>
-              <p:spPr>
-                <a:xfrm>
-                  <a:off x="1319933" y="-404781"/>
-                  <a:ext cx="3182162" cy="779765"/>
-                </a:xfrm>
-                <a:prstGeom prst="rect">
-                  <a:avLst/>
-                </a:prstGeom>
-                <a:noFill/>
-              </p:spPr>
-              <p:txBody>
-                <a:bodyPr wrap="square" rtlCol="0">
-                  <a:spAutoFit/>
-                </a:bodyPr>
-                <a:lstStyle/>
-                <a:p>
-                  <a:pPr algn="ctr"/>
-                  <a14:m>
-                    <m:oMathPara xmlns:m="http://schemas.openxmlformats.org/officeDocument/2006/math">
-                      <m:oMathParaPr>
-                        <m:jc m:val="centerGroup"/>
-                      </m:oMathParaPr>
-                      <m:oMath xmlns:m="http://schemas.openxmlformats.org/officeDocument/2006/math">
-                        <m:acc>
-                          <m:accPr>
-                            <m:chr m:val="̂"/>
-                            <m:ctrlPr>
-                              <a:rPr kumimoji="1" lang="en-US" altLang="zh-CN" sz="2800" b="1" i="1" dirty="0" smtClean="0">
-                                <a:latin typeface="Cambria Math" panose="02040503050406030204" pitchFamily="18" charset="0"/>
-                                <a:ea typeface="Helvetica Neue" panose="02000503000000020004" pitchFamily="2" charset="0"/>
-                                <a:cs typeface="Calibri" panose="020F0502020204030204" pitchFamily="34" charset="0"/>
-                              </a:rPr>
-                            </m:ctrlPr>
-                          </m:accPr>
-                          <m:e>
-                            <m:r>
-                              <m:rPr>
-                                <m:nor/>
-                              </m:rPr>
-                              <a:rPr kumimoji="1" lang="en-US" altLang="zh-CN" sz="2800" b="1" dirty="0" smtClean="0">
-                                <a:latin typeface="Calibri" panose="020F0502020204030204" pitchFamily="34" charset="0"/>
-                                <a:ea typeface="Helvetica Neue" panose="02000503000000020004" pitchFamily="2" charset="0"/>
-                                <a:cs typeface="Calibri" panose="020F0502020204030204" pitchFamily="34" charset="0"/>
-                              </a:rPr>
-                              <m:t>Projection</m:t>
-                            </m:r>
-                          </m:e>
-                        </m:acc>
-                      </m:oMath>
-                    </m:oMathPara>
-                  </a14:m>
-                  <a:endParaRPr kumimoji="1" lang="en-US" altLang="zh-CN" sz="2800" b="1" dirty="0">
-                    <a:latin typeface="Calibri" panose="020F0502020204030204" pitchFamily="34" charset="0"/>
-                    <a:ea typeface="Helvetica Neue" panose="02000503000000020004" pitchFamily="2" charset="0"/>
-                    <a:cs typeface="Calibri" panose="020F0502020204030204" pitchFamily="34" charset="0"/>
-                  </a:endParaRPr>
-                </a:p>
-                <a:p>
-                  <a:pPr algn="ctr"/>
-                  <a:r>
-                    <a:rPr kumimoji="1" lang="en" altLang="zh-CN" sz="1600" i="1" u="sng" dirty="0" err="1">
-                      <a:latin typeface="Calibri" panose="020F0502020204030204" pitchFamily="34" charset="0"/>
-                      <a:ea typeface="Menlo" panose="020B0609030804020204" pitchFamily="49" charset="0"/>
-                      <a:cs typeface="Calibri" panose="020F0502020204030204" pitchFamily="34" charset="0"/>
-                    </a:rPr>
-                    <a:t>n_name</a:t>
-                  </a:r>
-                  <a:r>
-                    <a:rPr kumimoji="1" lang="zh-CN" altLang="en-US" sz="1600" i="1" u="sng" dirty="0">
-                      <a:latin typeface="Calibri" panose="020F0502020204030204" pitchFamily="34" charset="0"/>
-                      <a:cs typeface="Calibri" panose="020F0502020204030204" pitchFamily="34" charset="0"/>
-                    </a:rPr>
-                    <a:t>  </a:t>
-                  </a:r>
-                  <a:endParaRPr kumimoji="1" lang="en-US" altLang="zh-CN" sz="1600" i="1" u="sng" dirty="0">
-                    <a:latin typeface="Calibri" panose="020F0502020204030204" pitchFamily="34" charset="0"/>
-                    <a:ea typeface="Menlo" panose="020B0609030804020204" pitchFamily="49" charset="0"/>
-                    <a:cs typeface="Calibri" panose="020F0502020204030204" pitchFamily="34" charset="0"/>
-                  </a:endParaRPr>
-                </a:p>
-              </p:txBody>
-            </p:sp>
-          </mc:Choice>
-          <mc:Fallback>
-            <p:sp>
-              <p:nvSpPr>
-                <p:cNvPr id="103" name="文本框 102">
-                  <a:extLst>
-                    <a:ext uri="{FF2B5EF4-FFF2-40B4-BE49-F238E27FC236}">
-                      <a16:creationId xmlns:a16="http://schemas.microsoft.com/office/drawing/2014/main" id="{A5515440-8A25-430B-25E9-16633EE91685}"/>
-                    </a:ext>
-                  </a:extLst>
-                </p:cNvPr>
-                <p:cNvSpPr txBox="1">
-                  <a:spLocks noRot="1" noChangeAspect="1" noMove="1" noResize="1" noEditPoints="1" noAdjustHandles="1" noChangeArrowheads="1" noChangeShapeType="1" noTextEdit="1"/>
-                </p:cNvSpPr>
-                <p:nvPr/>
-              </p:nvSpPr>
-              <p:spPr>
-                <a:xfrm>
-                  <a:off x="1319933" y="-404781"/>
-                  <a:ext cx="3182162" cy="779765"/>
-                </a:xfrm>
-                <a:prstGeom prst="rect">
-                  <a:avLst/>
-                </a:prstGeom>
-                <a:blipFill>
-                  <a:blip r:embed="rId2"/>
-                  <a:stretch>
-                    <a:fillRect t="-6452" b="-8065"/>
-                  </a:stretch>
-                </a:blipFill>
-              </p:spPr>
-              <p:txBody>
-                <a:bodyPr/>
-                <a:lstStyle/>
-                <a:p>
-                  <a:r>
-                    <a:rPr lang="zh-CN" altLang="en-US">
-                      <a:noFill/>
-                    </a:rPr>
-                    <a:t> </a:t>
-                  </a:r>
-                </a:p>
-              </p:txBody>
-            </p:sp>
-          </mc:Fallback>
-        </mc:AlternateContent>
-      </p:grpSp>
-      <p:cxnSp>
-        <p:nvCxnSpPr>
-          <p:cNvPr id="108" name="直线箭头连接符 107">
-            <a:extLst>
-              <a:ext uri="{FF2B5EF4-FFF2-40B4-BE49-F238E27FC236}">
-                <a16:creationId xmlns:a16="http://schemas.microsoft.com/office/drawing/2014/main" id="{76988E96-13AA-D0DB-D63A-4B4238DE2438}"/>
-              </a:ext>
-            </a:extLst>
-          </p:cNvPr>
-          <p:cNvCxnSpPr>
-            <a:cxnSpLocks/>
-            <a:stCxn id="102" idx="0"/>
-            <a:endCxn id="96" idx="2"/>
-          </p:cNvCxnSpPr>
-          <p:nvPr/>
-        </p:nvCxnSpPr>
-        <p:spPr>
-          <a:xfrm flipH="1" flipV="1">
-            <a:off x="9011128" y="-334338"/>
-            <a:ext cx="2455" cy="239697"/>
-          </a:xfrm>
-          <a:prstGeom prst="straightConnector1">
-            <a:avLst/>
-          </a:prstGeom>
-          <a:ln w="28575">
-            <a:solidFill>
-              <a:srgbClr val="8B649D"/>
-            </a:solidFill>
-            <a:tailEnd type="triangle"/>
-          </a:ln>
-        </p:spPr>
-        <p:style>
-          <a:lnRef idx="3">
-            <a:schemeClr val="dk1"/>
-          </a:lnRef>
-          <a:fillRef idx="0">
-            <a:schemeClr val="dk1"/>
-          </a:fillRef>
-          <a:effectRef idx="2">
-            <a:schemeClr val="dk1"/>
-          </a:effectRef>
-          <a:fontRef idx="minor">
-            <a:schemeClr val="tx1"/>
-          </a:fontRef>
-        </p:style>
-      </p:cxnSp>
-      <p:sp>
-        <p:nvSpPr>
-          <p:cNvPr id="138" name="文本框 137">
-            <a:extLst>
-              <a:ext uri="{FF2B5EF4-FFF2-40B4-BE49-F238E27FC236}">
-                <a16:creationId xmlns:a16="http://schemas.microsoft.com/office/drawing/2014/main" id="{7B4DD947-1173-1F6D-0D62-EC76E3EC806C}"/>
-              </a:ext>
-            </a:extLst>
-          </p:cNvPr>
-          <p:cNvSpPr txBox="1"/>
-          <p:nvPr/>
-        </p:nvSpPr>
-        <p:spPr>
-          <a:xfrm>
-            <a:off x="7873765" y="2727747"/>
-            <a:ext cx="2248750" cy="523220"/>
-          </a:xfrm>
-          <a:prstGeom prst="rect">
-            <a:avLst/>
-          </a:prstGeom>
-          <a:noFill/>
-        </p:spPr>
-        <p:txBody>
-          <a:bodyPr wrap="square" rtlCol="0">
-            <a:spAutoFit/>
-          </a:bodyPr>
-          <a:lstStyle/>
-          <a:p>
-            <a:pPr algn="ctr"/>
-            <a:r>
-              <a:rPr kumimoji="1" lang="en-US" altLang="zh-CN" sz="2800" b="1" dirty="0">
-                <a:latin typeface="Calibri" panose="020F0502020204030204" pitchFamily="34" charset="0"/>
-                <a:ea typeface="Helvetica Neue" panose="02000503000000020004" pitchFamily="2" charset="0"/>
-                <a:cs typeface="Calibri" panose="020F0502020204030204" pitchFamily="34" charset="0"/>
-              </a:rPr>
-              <a:t>EXPAND</a:t>
-            </a:r>
-            <a:r>
-              <a:rPr kumimoji="1" lang="zh-CN" altLang="en-US" sz="2400" b="1" dirty="0">
-                <a:latin typeface="Calibri" panose="020F0502020204030204" pitchFamily="34" charset="0"/>
-                <a:ea typeface="Helvetica Neue" panose="02000503000000020004" pitchFamily="2" charset="0"/>
-                <a:cs typeface="Calibri" panose="020F0502020204030204" pitchFamily="34" charset="0"/>
-              </a:rPr>
-              <a:t>  </a:t>
-            </a:r>
-            <a:endParaRPr kumimoji="1" lang="en-US" altLang="zh-CN" sz="2400" b="1" dirty="0">
-              <a:latin typeface="Calibri" panose="020F0502020204030204" pitchFamily="34" charset="0"/>
-              <a:ea typeface="Helvetica Neue" panose="02000503000000020004" pitchFamily="2" charset="0"/>
-              <a:cs typeface="Calibri" panose="020F0502020204030204" pitchFamily="34" charset="0"/>
-            </a:endParaRPr>
-          </a:p>
-        </p:txBody>
-      </p:sp>
-      <p:sp>
-        <p:nvSpPr>
-          <p:cNvPr id="139" name="文本框 138">
-            <a:extLst>
-              <a:ext uri="{FF2B5EF4-FFF2-40B4-BE49-F238E27FC236}">
-                <a16:creationId xmlns:a16="http://schemas.microsoft.com/office/drawing/2014/main" id="{F935FAE2-EA35-64D5-B745-9287EC966F14}"/>
-              </a:ext>
-            </a:extLst>
-          </p:cNvPr>
-          <p:cNvSpPr txBox="1"/>
-          <p:nvPr/>
-        </p:nvSpPr>
-        <p:spPr>
-          <a:xfrm>
-            <a:off x="7873765" y="1464678"/>
-            <a:ext cx="2248750" cy="523220"/>
-          </a:xfrm>
-          <a:prstGeom prst="rect">
-            <a:avLst/>
-          </a:prstGeom>
-          <a:noFill/>
-        </p:spPr>
-        <p:txBody>
-          <a:bodyPr wrap="square" rtlCol="0">
-            <a:spAutoFit/>
-          </a:bodyPr>
-          <a:lstStyle/>
-          <a:p>
-            <a:pPr algn="ctr"/>
-            <a:r>
-              <a:rPr kumimoji="1" lang="en-US" altLang="zh-CN" sz="2800" b="1" dirty="0">
-                <a:latin typeface="Calibri" panose="020F0502020204030204" pitchFamily="34" charset="0"/>
-                <a:ea typeface="Helvetica Neue" panose="02000503000000020004" pitchFamily="2" charset="0"/>
-                <a:cs typeface="Calibri" panose="020F0502020204030204" pitchFamily="34" charset="0"/>
-              </a:rPr>
-              <a:t>EXPAND</a:t>
-            </a:r>
-            <a:r>
-              <a:rPr kumimoji="1" lang="zh-CN" altLang="en-US" sz="2400" b="1" dirty="0">
-                <a:latin typeface="Calibri" panose="020F0502020204030204" pitchFamily="34" charset="0"/>
-                <a:ea typeface="Helvetica Neue" panose="02000503000000020004" pitchFamily="2" charset="0"/>
-                <a:cs typeface="Calibri" panose="020F0502020204030204" pitchFamily="34" charset="0"/>
-              </a:rPr>
-              <a:t>  </a:t>
-            </a:r>
-            <a:endParaRPr kumimoji="1" lang="en-US" altLang="zh-CN" sz="2400" b="1" dirty="0">
-              <a:latin typeface="Calibri" panose="020F0502020204030204" pitchFamily="34" charset="0"/>
-              <a:ea typeface="Helvetica Neue" panose="02000503000000020004" pitchFamily="2" charset="0"/>
-              <a:cs typeface="Calibri" panose="020F0502020204030204" pitchFamily="34" charset="0"/>
-            </a:endParaRPr>
-          </a:p>
-        </p:txBody>
-      </p:sp>
-    </p:spTree>
-    <p:extLst>
-      <p:ext uri="{BB962C8B-B14F-4D97-AF65-F5344CB8AC3E}">
-        <p14:creationId xmlns:p14="http://schemas.microsoft.com/office/powerpoint/2010/main" val="2394765300"/>
-      </p:ext>
-    </p:extLst>
-  </p:cSld>
-  <p:clrMapOvr>
-    <a:masterClrMapping/>
-  </p:clrMapOvr>
-</p:sld>
-</file>
-
-<file path=ppt/slides/slide4.xml><?xml version="1.0" encoding="utf-8"?>
-<p:sld xmlns:a="http://schemas.openxmlformats.org/drawingml/2006/main" xmlns:r="http://schemas.openxmlformats.org/officeDocument/2006/relationships" xmlns:p="http://schemas.openxmlformats.org/presentationml/2006/main">
-  <p:cSld>
-    <p:spTree>
-      <p:nvGrpSpPr>
-        <p:cNvPr id="1" name=""/>
-        <p:cNvGrpSpPr/>
-        <p:nvPr/>
-      </p:nvGrpSpPr>
-      <p:grpSpPr>
-        <a:xfrm>
-          <a:off x="0" y="0"/>
-          <a:ext cx="0" cy="0"/>
-          <a:chOff x="0" y="0"/>
-          <a:chExt cx="0" cy="0"/>
-        </a:xfrm>
-      </p:grpSpPr>
-      <p:grpSp>
-        <p:nvGrpSpPr>
-          <p:cNvPr id="33" name="组合 32">
-            <a:extLst>
-              <a:ext uri="{FF2B5EF4-FFF2-40B4-BE49-F238E27FC236}">
-                <a16:creationId xmlns:a16="http://schemas.microsoft.com/office/drawing/2014/main" id="{6354450E-E6DA-4942-9A3F-1A677263A85C}"/>
-              </a:ext>
-            </a:extLst>
-          </p:cNvPr>
-          <p:cNvGrpSpPr/>
-          <p:nvPr/>
-        </p:nvGrpSpPr>
-        <p:grpSpPr>
-          <a:xfrm>
-            <a:off x="7514923" y="3772236"/>
-            <a:ext cx="2975146" cy="1028305"/>
-            <a:chOff x="859809" y="3795168"/>
-            <a:chExt cx="2975146" cy="1028305"/>
-          </a:xfrm>
-        </p:grpSpPr>
-        <p:sp>
-          <p:nvSpPr>
-            <p:cNvPr id="19" name="圆角矩形 18">
-              <a:extLst>
-                <a:ext uri="{FF2B5EF4-FFF2-40B4-BE49-F238E27FC236}">
-                  <a16:creationId xmlns:a16="http://schemas.microsoft.com/office/drawing/2014/main" id="{AC357B37-BF54-37E2-C5C4-1F3FFE985A09}"/>
-                </a:ext>
-              </a:extLst>
-            </p:cNvPr>
-            <p:cNvSpPr/>
-            <p:nvPr/>
-          </p:nvSpPr>
-          <p:spPr>
-            <a:xfrm>
-              <a:off x="859809" y="3795168"/>
+              <a:off x="-855451" y="6881565"/>
               <a:ext cx="2975146" cy="1028305"/>
             </a:xfrm>
             <a:prstGeom prst="roundRect">
@@ -6961,10 +10552,10 @@
         </p:sp>
         <p:sp>
           <p:nvSpPr>
-            <p:cNvPr id="20" name="文本框 19">
+            <p:cNvPr id="138" name="文本框 137">
               <a:extLst>
                 <a:ext uri="{FF2B5EF4-FFF2-40B4-BE49-F238E27FC236}">
-                  <a16:creationId xmlns:a16="http://schemas.microsoft.com/office/drawing/2014/main" id="{98507CE8-C5F9-CCA6-F1BD-F9677274B281}"/>
+                  <a16:creationId xmlns:a16="http://schemas.microsoft.com/office/drawing/2014/main" id="{7B4DD947-1173-1F6D-0D62-EC76E3EC806C}"/>
                 </a:ext>
               </a:extLst>
             </p:cNvPr>
@@ -6973,8 +10564,8 @@
           </p:nvSpPr>
           <p:spPr>
             <a:xfrm>
-              <a:off x="1187121" y="4078209"/>
-              <a:ext cx="2432526" cy="523220"/>
+              <a:off x="-497796" y="7098696"/>
+              <a:ext cx="2248750" cy="523220"/>
             </a:xfrm>
             <a:prstGeom prst="rect">
               <a:avLst/>
@@ -6996,178 +10587,6 @@
                 </a:rPr>
                 <a:t>JOIN</a:t>
               </a:r>
-              <a:endParaRPr kumimoji="1" lang="en-US" altLang="zh-CN" sz="2400" b="1" dirty="0">
-                <a:latin typeface="Calibri" panose="020F0502020204030204" pitchFamily="34" charset="0"/>
-                <a:ea typeface="Helvetica Neue" panose="02000503000000020004" pitchFamily="2" charset="0"/>
-                <a:cs typeface="Calibri" panose="020F0502020204030204" pitchFamily="34" charset="0"/>
-              </a:endParaRPr>
-            </a:p>
-          </p:txBody>
-        </p:sp>
-      </p:grpSp>
-      <p:cxnSp>
-        <p:nvCxnSpPr>
-          <p:cNvPr id="23" name="直线箭头连接符 22">
-            <a:extLst>
-              <a:ext uri="{FF2B5EF4-FFF2-40B4-BE49-F238E27FC236}">
-                <a16:creationId xmlns:a16="http://schemas.microsoft.com/office/drawing/2014/main" id="{E631E204-5BEA-ECF4-F82E-79363C84C2DB}"/>
-              </a:ext>
-            </a:extLst>
-          </p:cNvPr>
-          <p:cNvCxnSpPr>
-            <a:cxnSpLocks/>
-            <a:stCxn id="31" idx="3"/>
-            <a:endCxn id="19" idx="1"/>
-          </p:cNvCxnSpPr>
-          <p:nvPr/>
-        </p:nvCxnSpPr>
-        <p:spPr>
-          <a:xfrm flipV="1">
-            <a:off x="7156081" y="4286389"/>
-            <a:ext cx="358842" cy="8446"/>
-          </a:xfrm>
-          <a:prstGeom prst="straightConnector1">
-            <a:avLst/>
-          </a:prstGeom>
-          <a:ln w="28575">
-            <a:solidFill>
-              <a:srgbClr val="8B649D"/>
-            </a:solidFill>
-            <a:tailEnd type="triangle"/>
-          </a:ln>
-        </p:spPr>
-        <p:style>
-          <a:lnRef idx="3">
-            <a:schemeClr val="dk1"/>
-          </a:lnRef>
-          <a:fillRef idx="0">
-            <a:schemeClr val="dk1"/>
-          </a:fillRef>
-          <a:effectRef idx="2">
-            <a:schemeClr val="dk1"/>
-          </a:effectRef>
-          <a:fontRef idx="minor">
-            <a:schemeClr val="tx1"/>
-          </a:fontRef>
-        </p:style>
-      </p:cxnSp>
-      <p:grpSp>
-        <p:nvGrpSpPr>
-          <p:cNvPr id="29" name="组合 28">
-            <a:extLst>
-              <a:ext uri="{FF2B5EF4-FFF2-40B4-BE49-F238E27FC236}">
-                <a16:creationId xmlns:a16="http://schemas.microsoft.com/office/drawing/2014/main" id="{585C126F-9509-70CF-AFE8-7ADC76505082}"/>
-              </a:ext>
-            </a:extLst>
-          </p:cNvPr>
-          <p:cNvGrpSpPr/>
-          <p:nvPr/>
-        </p:nvGrpSpPr>
-        <p:grpSpPr>
-          <a:xfrm>
-            <a:off x="7409237" y="4970888"/>
-            <a:ext cx="3182162" cy="1249234"/>
-            <a:chOff x="6118010" y="4070106"/>
-            <a:chExt cx="3182162" cy="1249234"/>
-          </a:xfrm>
-        </p:grpSpPr>
-        <p:sp>
-          <p:nvSpPr>
-            <p:cNvPr id="27" name="圆角矩形 26">
-              <a:extLst>
-                <a:ext uri="{FF2B5EF4-FFF2-40B4-BE49-F238E27FC236}">
-                  <a16:creationId xmlns:a16="http://schemas.microsoft.com/office/drawing/2014/main" id="{F36DBDEB-58E9-53B2-6F51-53C79BE6C9E0}"/>
-                </a:ext>
-              </a:extLst>
-            </p:cNvPr>
-            <p:cNvSpPr/>
-            <p:nvPr/>
-          </p:nvSpPr>
-          <p:spPr>
-            <a:xfrm>
-              <a:off x="6221518" y="4180567"/>
-              <a:ext cx="2975146" cy="1138773"/>
-            </a:xfrm>
-            <a:prstGeom prst="roundRect">
-              <a:avLst>
-                <a:gd name="adj" fmla="val 13606"/>
-              </a:avLst>
-            </a:prstGeom>
-            <a:solidFill>
-              <a:srgbClr val="F3F3F3"/>
-            </a:solidFill>
-            <a:ln>
-              <a:noFill/>
-            </a:ln>
-          </p:spPr>
-          <p:style>
-            <a:lnRef idx="2">
-              <a:schemeClr val="accent1">
-                <a:shade val="15000"/>
-              </a:schemeClr>
-            </a:lnRef>
-            <a:fillRef idx="1">
-              <a:schemeClr val="accent1"/>
-            </a:fillRef>
-            <a:effectRef idx="0">
-              <a:schemeClr val="accent1"/>
-            </a:effectRef>
-            <a:fontRef idx="minor">
-              <a:schemeClr val="lt1"/>
-            </a:fontRef>
-          </p:style>
-          <p:txBody>
-            <a:bodyPr rtlCol="0" anchor="ctr"/>
-            <a:lstStyle/>
-            <a:p>
-              <a:pPr algn="ctr"/>
-              <a:endParaRPr kumimoji="1" lang="zh-CN" altLang="en-US" sz="2000">
-                <a:solidFill>
-                  <a:schemeClr val="tx1"/>
-                </a:solidFill>
-                <a:latin typeface="Calibri" panose="020F0502020204030204" pitchFamily="34" charset="0"/>
-                <a:cs typeface="Calibri" panose="020F0502020204030204" pitchFamily="34" charset="0"/>
-              </a:endParaRPr>
-            </a:p>
-          </p:txBody>
-        </p:sp>
-        <p:sp>
-          <p:nvSpPr>
-            <p:cNvPr id="28" name="文本框 27">
-              <a:extLst>
-                <a:ext uri="{FF2B5EF4-FFF2-40B4-BE49-F238E27FC236}">
-                  <a16:creationId xmlns:a16="http://schemas.microsoft.com/office/drawing/2014/main" id="{DE8C043C-C900-B743-6817-57F63F65249F}"/>
-                </a:ext>
-              </a:extLst>
-            </p:cNvPr>
-            <p:cNvSpPr txBox="1"/>
-            <p:nvPr/>
-          </p:nvSpPr>
-          <p:spPr>
-            <a:xfrm>
-              <a:off x="6118010" y="4070106"/>
-              <a:ext cx="3182162" cy="1138773"/>
-            </a:xfrm>
-            <a:prstGeom prst="rect">
-              <a:avLst/>
-            </a:prstGeom>
-            <a:noFill/>
-          </p:spPr>
-          <p:txBody>
-            <a:bodyPr wrap="square" rtlCol="0">
-              <a:spAutoFit/>
-            </a:bodyPr>
-            <a:lstStyle/>
-            <a:p>
-              <a:pPr algn="ctr"/>
-              <a:r>
-                <a:rPr kumimoji="1" lang="en-US" altLang="zh-CN" sz="2800" b="1" dirty="0">
-                  <a:latin typeface="Calibri" panose="020F0502020204030204" pitchFamily="34" charset="0"/>
-                  <a:ea typeface="Helvetica Neue" panose="02000503000000020004" pitchFamily="2" charset="0"/>
-                  <a:cs typeface="Calibri" panose="020F0502020204030204" pitchFamily="34" charset="0"/>
-                </a:rPr>
-                <a:t>Scan</a:t>
-              </a:r>
               <a:r>
                 <a:rPr kumimoji="1" lang="zh-CN" altLang="en-US" sz="2400" b="1" dirty="0">
                   <a:latin typeface="Calibri" panose="020F0502020204030204" pitchFamily="34" charset="0"/>
@@ -7182,37 +10601,15 @@
                 <a:cs typeface="Calibri" panose="020F0502020204030204" pitchFamily="34" charset="0"/>
               </a:endParaRPr>
             </a:p>
-            <a:p>
-              <a:pPr algn="ctr"/>
-              <a:r>
-                <a:rPr kumimoji="1" lang="en-US" altLang="zh-CN" sz="2400" dirty="0">
-                  <a:latin typeface="Calibri" panose="020F0502020204030204" pitchFamily="34" charset="0"/>
-                  <a:ea typeface="Helvetica Neue" panose="02000503000000020004" pitchFamily="2" charset="0"/>
-                  <a:cs typeface="Calibri" panose="020F0502020204030204" pitchFamily="34" charset="0"/>
-                </a:rPr>
-                <a:t>KEYWORD</a:t>
-              </a:r>
-            </a:p>
-            <a:p>
-              <a:pPr algn="ctr"/>
-              <a:r>
-                <a:rPr kumimoji="1" lang="en" altLang="zh-CN" sz="1600" i="1" u="sng" dirty="0">
-                  <a:latin typeface="Calibri" panose="020F0502020204030204" pitchFamily="34" charset="0"/>
-                  <a:ea typeface="Menlo" panose="020B0609030804020204" pitchFamily="49" charset="0"/>
-                  <a:cs typeface="Calibri" panose="020F0502020204030204" pitchFamily="34" charset="0"/>
-                </a:rPr>
-                <a:t>keyword = 'character-name-in-title’</a:t>
-              </a:r>
-            </a:p>
           </p:txBody>
         </p:sp>
       </p:grpSp>
       <p:grpSp>
         <p:nvGrpSpPr>
-          <p:cNvPr id="30" name="组合 29">
-            <a:extLst>
-              <a:ext uri="{FF2B5EF4-FFF2-40B4-BE49-F238E27FC236}">
-                <a16:creationId xmlns:a16="http://schemas.microsoft.com/office/drawing/2014/main" id="{1EEFB9C9-BB26-90E4-6663-0B72691F7CA4}"/>
+          <p:cNvPr id="13" name="组合 12">
+            <a:extLst>
+              <a:ext uri="{FF2B5EF4-FFF2-40B4-BE49-F238E27FC236}">
+                <a16:creationId xmlns:a16="http://schemas.microsoft.com/office/drawing/2014/main" id="{7D2BBD7F-BA85-53E1-C18D-608AE59183EA}"/>
               </a:ext>
             </a:extLst>
           </p:cNvPr>
@@ -7221,18 +10618,18 @@
         </p:nvGrpSpPr>
         <p:grpSpPr>
           <a:xfrm>
-            <a:off x="4077427" y="3780682"/>
-            <a:ext cx="3182162" cy="1028305"/>
-            <a:chOff x="6118010" y="4180567"/>
-            <a:chExt cx="3182162" cy="1028305"/>
+            <a:off x="7512745" y="1215942"/>
+            <a:ext cx="2975146" cy="1028305"/>
+            <a:chOff x="7519098" y="-2542045"/>
+            <a:chExt cx="2975146" cy="1028305"/>
           </a:xfrm>
         </p:grpSpPr>
         <p:sp>
           <p:nvSpPr>
-            <p:cNvPr id="31" name="圆角矩形 30">
+            <p:cNvPr id="82" name="圆角矩形 81">
               <a:extLst>
                 <a:ext uri="{FF2B5EF4-FFF2-40B4-BE49-F238E27FC236}">
-                  <a16:creationId xmlns:a16="http://schemas.microsoft.com/office/drawing/2014/main" id="{7E79EDC9-5E81-4B54-B85F-48675AF12D60}"/>
+                  <a16:creationId xmlns:a16="http://schemas.microsoft.com/office/drawing/2014/main" id="{6102D9FE-0ADC-637B-51D4-2F22473B7BC8}"/>
                 </a:ext>
               </a:extLst>
             </p:cNvPr>
@@ -7241,7 +10638,7 @@
           </p:nvSpPr>
           <p:spPr>
             <a:xfrm>
-              <a:off x="6221518" y="4180567"/>
+              <a:off x="7519098" y="-2542045"/>
               <a:ext cx="2975146" cy="1028305"/>
             </a:xfrm>
             <a:prstGeom prst="roundRect">
@@ -7289,10 +10686,10 @@
         </p:sp>
         <p:sp>
           <p:nvSpPr>
-            <p:cNvPr id="32" name="文本框 31">
+            <p:cNvPr id="139" name="文本框 138">
               <a:extLst>
                 <a:ext uri="{FF2B5EF4-FFF2-40B4-BE49-F238E27FC236}">
-                  <a16:creationId xmlns:a16="http://schemas.microsoft.com/office/drawing/2014/main" id="{8E1F3894-646C-E8D2-E872-315081CDA533}"/>
+                  <a16:creationId xmlns:a16="http://schemas.microsoft.com/office/drawing/2014/main" id="{F935FAE2-EA35-64D5-B745-9287EC966F14}"/>
                 </a:ext>
               </a:extLst>
             </p:cNvPr>
@@ -7301,8 +10698,8 @@
           </p:nvSpPr>
           <p:spPr>
             <a:xfrm>
-              <a:off x="6118010" y="4270496"/>
-              <a:ext cx="3182162" cy="892552"/>
+              <a:off x="7913295" y="-2261893"/>
+              <a:ext cx="2248750" cy="523220"/>
             </a:xfrm>
             <a:prstGeom prst="rect">
               <a:avLst/>
@@ -7322,7 +10719,7 @@
                   <a:ea typeface="Helvetica Neue" panose="02000503000000020004" pitchFamily="2" charset="0"/>
                   <a:cs typeface="Calibri" panose="020F0502020204030204" pitchFamily="34" charset="0"/>
                 </a:rPr>
-                <a:t>Scan</a:t>
+                <a:t>JOIN</a:t>
               </a:r>
               <a:r>
                 <a:rPr kumimoji="1" lang="zh-CN" altLang="en-US" sz="2400" b="1" dirty="0">
@@ -7338,1217 +10735,9 @@
                 <a:cs typeface="Calibri" panose="020F0502020204030204" pitchFamily="34" charset="0"/>
               </a:endParaRPr>
             </a:p>
-            <a:p>
-              <a:pPr algn="ctr"/>
-              <a:r>
-                <a:rPr kumimoji="1" lang="en-US" altLang="zh-CN" sz="2400" dirty="0">
-                  <a:latin typeface="Calibri" panose="020F0502020204030204" pitchFamily="34" charset="0"/>
-                  <a:ea typeface="Helvetica Neue" panose="02000503000000020004" pitchFamily="2" charset="0"/>
-                  <a:cs typeface="Calibri" panose="020F0502020204030204" pitchFamily="34" charset="0"/>
-                </a:rPr>
-                <a:t>MOVIE_KEYWORD</a:t>
-              </a:r>
-              <a:endParaRPr kumimoji="1" lang="zh-CN" altLang="en-US" sz="2400" dirty="0">
-                <a:latin typeface="Calibri" panose="020F0502020204030204" pitchFamily="34" charset="0"/>
-                <a:cs typeface="Calibri" panose="020F0502020204030204" pitchFamily="34" charset="0"/>
-              </a:endParaRPr>
-            </a:p>
           </p:txBody>
         </p:sp>
       </p:grpSp>
-      <p:grpSp>
-        <p:nvGrpSpPr>
-          <p:cNvPr id="39" name="组合 38">
-            <a:extLst>
-              <a:ext uri="{FF2B5EF4-FFF2-40B4-BE49-F238E27FC236}">
-                <a16:creationId xmlns:a16="http://schemas.microsoft.com/office/drawing/2014/main" id="{29DA42A0-F158-6FDD-CFD0-3EBA35C21119}"/>
-              </a:ext>
-            </a:extLst>
-          </p:cNvPr>
-          <p:cNvGrpSpPr/>
-          <p:nvPr/>
-        </p:nvGrpSpPr>
-        <p:grpSpPr>
-          <a:xfrm>
-            <a:off x="4078417" y="1051284"/>
-            <a:ext cx="3330820" cy="1302844"/>
-            <a:chOff x="6104662" y="4180568"/>
-            <a:chExt cx="3330820" cy="1302844"/>
-          </a:xfrm>
-        </p:grpSpPr>
-        <p:sp>
-          <p:nvSpPr>
-            <p:cNvPr id="40" name="圆角矩形 39">
-              <a:extLst>
-                <a:ext uri="{FF2B5EF4-FFF2-40B4-BE49-F238E27FC236}">
-                  <a16:creationId xmlns:a16="http://schemas.microsoft.com/office/drawing/2014/main" id="{4AE73B48-D8C9-1642-FAFC-8E37D7B5DA93}"/>
-                </a:ext>
-              </a:extLst>
-            </p:cNvPr>
-            <p:cNvSpPr/>
-            <p:nvPr/>
-          </p:nvSpPr>
-          <p:spPr>
-            <a:xfrm>
-              <a:off x="6221518" y="4180568"/>
-              <a:ext cx="2975146" cy="1302844"/>
-            </a:xfrm>
-            <a:prstGeom prst="roundRect">
-              <a:avLst>
-                <a:gd name="adj" fmla="val 13606"/>
-              </a:avLst>
-            </a:prstGeom>
-            <a:solidFill>
-              <a:srgbClr val="F3F3F3"/>
-            </a:solidFill>
-            <a:ln>
-              <a:noFill/>
-            </a:ln>
-          </p:spPr>
-          <p:style>
-            <a:lnRef idx="2">
-              <a:schemeClr val="accent1">
-                <a:shade val="15000"/>
-              </a:schemeClr>
-            </a:lnRef>
-            <a:fillRef idx="1">
-              <a:schemeClr val="accent1"/>
-            </a:fillRef>
-            <a:effectRef idx="0">
-              <a:schemeClr val="accent1"/>
-            </a:effectRef>
-            <a:fontRef idx="minor">
-              <a:schemeClr val="lt1"/>
-            </a:fontRef>
-          </p:style>
-          <p:txBody>
-            <a:bodyPr rtlCol="0" anchor="ctr"/>
-            <a:lstStyle/>
-            <a:p>
-              <a:pPr algn="ctr"/>
-              <a:endParaRPr kumimoji="1" lang="zh-CN" altLang="en-US" sz="2000">
-                <a:solidFill>
-                  <a:schemeClr val="tx1"/>
-                </a:solidFill>
-                <a:latin typeface="Calibri" panose="020F0502020204030204" pitchFamily="34" charset="0"/>
-                <a:cs typeface="Calibri" panose="020F0502020204030204" pitchFamily="34" charset="0"/>
-              </a:endParaRPr>
-            </a:p>
-          </p:txBody>
-        </p:sp>
-        <p:sp>
-          <p:nvSpPr>
-            <p:cNvPr id="41" name="文本框 40">
-              <a:extLst>
-                <a:ext uri="{FF2B5EF4-FFF2-40B4-BE49-F238E27FC236}">
-                  <a16:creationId xmlns:a16="http://schemas.microsoft.com/office/drawing/2014/main" id="{05F7C4ED-91D3-27C5-FA35-11788FA21CD8}"/>
-                </a:ext>
-              </a:extLst>
-            </p:cNvPr>
-            <p:cNvSpPr txBox="1"/>
-            <p:nvPr/>
-          </p:nvSpPr>
-          <p:spPr>
-            <a:xfrm>
-              <a:off x="6104662" y="4222971"/>
-              <a:ext cx="3330820" cy="1138773"/>
-            </a:xfrm>
-            <a:prstGeom prst="rect">
-              <a:avLst/>
-            </a:prstGeom>
-            <a:noFill/>
-          </p:spPr>
-          <p:txBody>
-            <a:bodyPr wrap="square" rtlCol="0">
-              <a:spAutoFit/>
-            </a:bodyPr>
-            <a:lstStyle/>
-            <a:p>
-              <a:pPr algn="ctr"/>
-              <a:r>
-                <a:rPr kumimoji="1" lang="en-US" altLang="zh-CN" sz="2800" b="1" dirty="0">
-                  <a:latin typeface="Calibri" panose="020F0502020204030204" pitchFamily="34" charset="0"/>
-                  <a:ea typeface="Helvetica Neue" panose="02000503000000020004" pitchFamily="2" charset="0"/>
-                  <a:cs typeface="Calibri" panose="020F0502020204030204" pitchFamily="34" charset="0"/>
-                </a:rPr>
-                <a:t>Scan</a:t>
-              </a:r>
-              <a:r>
-                <a:rPr kumimoji="1" lang="zh-CN" altLang="en-US" sz="2400" b="1" dirty="0">
-                  <a:latin typeface="Calibri" panose="020F0502020204030204" pitchFamily="34" charset="0"/>
-                  <a:ea typeface="Helvetica Neue" panose="02000503000000020004" pitchFamily="2" charset="0"/>
-                  <a:cs typeface="Calibri" panose="020F0502020204030204" pitchFamily="34" charset="0"/>
-                </a:rPr>
-                <a:t>  </a:t>
-              </a:r>
-              <a:endParaRPr kumimoji="1" lang="en-US" altLang="zh-CN" sz="2400" b="1" dirty="0">
-                <a:latin typeface="Calibri" panose="020F0502020204030204" pitchFamily="34" charset="0"/>
-                <a:ea typeface="Helvetica Neue" panose="02000503000000020004" pitchFamily="2" charset="0"/>
-                <a:cs typeface="Calibri" panose="020F0502020204030204" pitchFamily="34" charset="0"/>
-              </a:endParaRPr>
-            </a:p>
-            <a:p>
-              <a:pPr algn="ctr"/>
-              <a:r>
-                <a:rPr kumimoji="1" lang="en-US" altLang="zh-CN" sz="2400" dirty="0">
-                  <a:latin typeface="Calibri" panose="020F0502020204030204" pitchFamily="34" charset="0"/>
-                  <a:ea typeface="Helvetica Neue" panose="02000503000000020004" pitchFamily="2" charset="0"/>
-                  <a:cs typeface="Calibri" panose="020F0502020204030204" pitchFamily="34" charset="0"/>
-                </a:rPr>
-                <a:t>COMPANY_NAME</a:t>
-              </a:r>
-            </a:p>
-            <a:p>
-              <a:pPr algn="ctr"/>
-              <a:r>
-                <a:rPr kumimoji="1" lang="en" altLang="zh-CN" sz="1600" i="1" u="sng" dirty="0" err="1">
-                  <a:latin typeface="Calibri" panose="020F0502020204030204" pitchFamily="34" charset="0"/>
-                  <a:ea typeface="Menlo" panose="020B0609030804020204" pitchFamily="49" charset="0"/>
-                  <a:cs typeface="Calibri" panose="020F0502020204030204" pitchFamily="34" charset="0"/>
-                </a:rPr>
-                <a:t>country_code</a:t>
-              </a:r>
-              <a:r>
-                <a:rPr kumimoji="1" lang="en" altLang="zh-CN" sz="1600" i="1" u="sng" dirty="0">
-                  <a:latin typeface="Calibri" panose="020F0502020204030204" pitchFamily="34" charset="0"/>
-                  <a:ea typeface="Menlo" panose="020B0609030804020204" pitchFamily="49" charset="0"/>
-                  <a:cs typeface="Calibri" panose="020F0502020204030204" pitchFamily="34" charset="0"/>
-                </a:rPr>
-                <a:t> = '[us]’</a:t>
-              </a:r>
-              <a:endParaRPr kumimoji="1" lang="zh-CN" altLang="en-US" sz="1600" i="1" u="sng" dirty="0">
-                <a:latin typeface="Calibri" panose="020F0502020204030204" pitchFamily="34" charset="0"/>
-                <a:cs typeface="Calibri" panose="020F0502020204030204" pitchFamily="34" charset="0"/>
-              </a:endParaRPr>
-            </a:p>
-          </p:txBody>
-        </p:sp>
-      </p:grpSp>
-      <p:sp>
-        <p:nvSpPr>
-          <p:cNvPr id="43" name="圆角矩形 42">
-            <a:extLst>
-              <a:ext uri="{FF2B5EF4-FFF2-40B4-BE49-F238E27FC236}">
-                <a16:creationId xmlns:a16="http://schemas.microsoft.com/office/drawing/2014/main" id="{E9AF77FE-0118-816D-2B32-22A37C1AC897}"/>
-              </a:ext>
-            </a:extLst>
-          </p:cNvPr>
-          <p:cNvSpPr/>
-          <p:nvPr/>
-        </p:nvSpPr>
-        <p:spPr>
-          <a:xfrm>
-            <a:off x="7517100" y="1184332"/>
-            <a:ext cx="2975146" cy="1028305"/>
-          </a:xfrm>
-          <a:prstGeom prst="roundRect">
-            <a:avLst>
-              <a:gd name="adj" fmla="val 13606"/>
-            </a:avLst>
-          </a:prstGeom>
-          <a:solidFill>
-            <a:srgbClr val="F3F3F3"/>
-          </a:solidFill>
-          <a:ln>
-            <a:noFill/>
-          </a:ln>
-        </p:spPr>
-        <p:style>
-          <a:lnRef idx="2">
-            <a:schemeClr val="accent1">
-              <a:shade val="15000"/>
-            </a:schemeClr>
-          </a:lnRef>
-          <a:fillRef idx="1">
-            <a:schemeClr val="accent1"/>
-          </a:fillRef>
-          <a:effectRef idx="0">
-            <a:schemeClr val="accent1"/>
-          </a:effectRef>
-          <a:fontRef idx="minor">
-            <a:schemeClr val="lt1"/>
-          </a:fontRef>
-        </p:style>
-        <p:txBody>
-          <a:bodyPr rtlCol="0" anchor="ctr"/>
-          <a:lstStyle/>
-          <a:p>
-            <a:pPr algn="ctr"/>
-            <a:endParaRPr kumimoji="1" lang="zh-CN" altLang="en-US" sz="2000">
-              <a:solidFill>
-                <a:schemeClr val="tx1"/>
-              </a:solidFill>
-              <a:latin typeface="Calibri" panose="020F0502020204030204" pitchFamily="34" charset="0"/>
-              <a:cs typeface="Calibri" panose="020F0502020204030204" pitchFamily="34" charset="0"/>
-            </a:endParaRPr>
-          </a:p>
-        </p:txBody>
-      </p:sp>
-      <p:cxnSp>
-        <p:nvCxnSpPr>
-          <p:cNvPr id="45" name="直线箭头连接符 44">
-            <a:extLst>
-              <a:ext uri="{FF2B5EF4-FFF2-40B4-BE49-F238E27FC236}">
-                <a16:creationId xmlns:a16="http://schemas.microsoft.com/office/drawing/2014/main" id="{D184CFD5-2511-12DC-020E-E84868D85AC3}"/>
-              </a:ext>
-            </a:extLst>
-          </p:cNvPr>
-          <p:cNvCxnSpPr>
-            <a:cxnSpLocks/>
-            <a:stCxn id="40" idx="3"/>
-            <a:endCxn id="43" idx="1"/>
-          </p:cNvCxnSpPr>
-          <p:nvPr/>
-        </p:nvCxnSpPr>
-        <p:spPr>
-          <a:xfrm flipV="1">
-            <a:off x="7170419" y="1698485"/>
-            <a:ext cx="346681" cy="4221"/>
-          </a:xfrm>
-          <a:prstGeom prst="straightConnector1">
-            <a:avLst/>
-          </a:prstGeom>
-          <a:ln w="28575">
-            <a:solidFill>
-              <a:srgbClr val="8B649D"/>
-            </a:solidFill>
-            <a:tailEnd type="triangle"/>
-          </a:ln>
-        </p:spPr>
-        <p:style>
-          <a:lnRef idx="3">
-            <a:schemeClr val="dk1"/>
-          </a:lnRef>
-          <a:fillRef idx="0">
-            <a:schemeClr val="dk1"/>
-          </a:fillRef>
-          <a:effectRef idx="2">
-            <a:schemeClr val="dk1"/>
-          </a:effectRef>
-          <a:fontRef idx="minor">
-            <a:schemeClr val="tx1"/>
-          </a:fontRef>
-        </p:style>
-      </p:cxnSp>
-      <p:cxnSp>
-        <p:nvCxnSpPr>
-          <p:cNvPr id="54" name="直线箭头连接符 53">
-            <a:extLst>
-              <a:ext uri="{FF2B5EF4-FFF2-40B4-BE49-F238E27FC236}">
-                <a16:creationId xmlns:a16="http://schemas.microsoft.com/office/drawing/2014/main" id="{9B175CA8-DF5E-0D50-4E32-4538A8AABF59}"/>
-              </a:ext>
-            </a:extLst>
-          </p:cNvPr>
-          <p:cNvCxnSpPr>
-            <a:cxnSpLocks/>
-            <a:stCxn id="27" idx="0"/>
-            <a:endCxn id="19" idx="2"/>
-          </p:cNvCxnSpPr>
-          <p:nvPr/>
-        </p:nvCxnSpPr>
-        <p:spPr>
-          <a:xfrm flipV="1">
-            <a:off x="9000318" y="4800541"/>
-            <a:ext cx="2178" cy="280808"/>
-          </a:xfrm>
-          <a:prstGeom prst="straightConnector1">
-            <a:avLst/>
-          </a:prstGeom>
-          <a:ln w="28575">
-            <a:solidFill>
-              <a:srgbClr val="8B649D"/>
-            </a:solidFill>
-            <a:tailEnd type="triangle"/>
-          </a:ln>
-        </p:spPr>
-        <p:style>
-          <a:lnRef idx="3">
-            <a:schemeClr val="dk1"/>
-          </a:lnRef>
-          <a:fillRef idx="0">
-            <a:schemeClr val="dk1"/>
-          </a:fillRef>
-          <a:effectRef idx="2">
-            <a:schemeClr val="dk1"/>
-          </a:effectRef>
-          <a:fontRef idx="minor">
-            <a:schemeClr val="tx1"/>
-          </a:fontRef>
-        </p:style>
-      </p:cxnSp>
-      <p:cxnSp>
-        <p:nvCxnSpPr>
-          <p:cNvPr id="58" name="直线箭头连接符 57">
-            <a:extLst>
-              <a:ext uri="{FF2B5EF4-FFF2-40B4-BE49-F238E27FC236}">
-                <a16:creationId xmlns:a16="http://schemas.microsoft.com/office/drawing/2014/main" id="{F3A67C09-4ED8-9095-7651-34F53BC5E2CB}"/>
-              </a:ext>
-            </a:extLst>
-          </p:cNvPr>
-          <p:cNvCxnSpPr>
-            <a:cxnSpLocks/>
-            <a:stCxn id="19" idx="0"/>
-            <a:endCxn id="5" idx="2"/>
-          </p:cNvCxnSpPr>
-          <p:nvPr/>
-        </p:nvCxnSpPr>
-        <p:spPr>
-          <a:xfrm flipV="1">
-            <a:off x="9002496" y="3531694"/>
-            <a:ext cx="0" cy="240542"/>
-          </a:xfrm>
-          <a:prstGeom prst="straightConnector1">
-            <a:avLst/>
-          </a:prstGeom>
-          <a:ln w="28575">
-            <a:solidFill>
-              <a:srgbClr val="8B649D"/>
-            </a:solidFill>
-            <a:tailEnd type="triangle"/>
-          </a:ln>
-        </p:spPr>
-        <p:style>
-          <a:lnRef idx="3">
-            <a:schemeClr val="dk1"/>
-          </a:lnRef>
-          <a:fillRef idx="0">
-            <a:schemeClr val="dk1"/>
-          </a:fillRef>
-          <a:effectRef idx="2">
-            <a:schemeClr val="dk1"/>
-          </a:effectRef>
-          <a:fontRef idx="minor">
-            <a:schemeClr val="tx1"/>
-          </a:fontRef>
-        </p:style>
-      </p:cxnSp>
-      <p:grpSp>
-        <p:nvGrpSpPr>
-          <p:cNvPr id="61" name="组合 60">
-            <a:extLst>
-              <a:ext uri="{FF2B5EF4-FFF2-40B4-BE49-F238E27FC236}">
-                <a16:creationId xmlns:a16="http://schemas.microsoft.com/office/drawing/2014/main" id="{69FEDA8E-D52D-AE38-EB27-27069878F201}"/>
-              </a:ext>
-            </a:extLst>
-          </p:cNvPr>
-          <p:cNvGrpSpPr/>
-          <p:nvPr/>
-        </p:nvGrpSpPr>
-        <p:grpSpPr>
-          <a:xfrm>
-            <a:off x="4180935" y="-3857415"/>
-            <a:ext cx="2975146" cy="1028305"/>
-            <a:chOff x="6221518" y="4180567"/>
-            <a:chExt cx="2975146" cy="1028305"/>
-          </a:xfrm>
-        </p:grpSpPr>
-        <p:sp>
-          <p:nvSpPr>
-            <p:cNvPr id="62" name="圆角矩形 61">
-              <a:extLst>
-                <a:ext uri="{FF2B5EF4-FFF2-40B4-BE49-F238E27FC236}">
-                  <a16:creationId xmlns:a16="http://schemas.microsoft.com/office/drawing/2014/main" id="{78EF5320-DC46-46D6-BFB2-3F078ED28136}"/>
-                </a:ext>
-              </a:extLst>
-            </p:cNvPr>
-            <p:cNvSpPr/>
-            <p:nvPr/>
-          </p:nvSpPr>
-          <p:spPr>
-            <a:xfrm>
-              <a:off x="6221518" y="4180567"/>
-              <a:ext cx="2975146" cy="1028305"/>
-            </a:xfrm>
-            <a:prstGeom prst="roundRect">
-              <a:avLst>
-                <a:gd name="adj" fmla="val 13606"/>
-              </a:avLst>
-            </a:prstGeom>
-            <a:solidFill>
-              <a:srgbClr val="F3F3F3"/>
-            </a:solidFill>
-            <a:ln>
-              <a:noFill/>
-            </a:ln>
-          </p:spPr>
-          <p:style>
-            <a:lnRef idx="2">
-              <a:schemeClr val="accent1">
-                <a:shade val="15000"/>
-              </a:schemeClr>
-            </a:lnRef>
-            <a:fillRef idx="1">
-              <a:schemeClr val="accent1"/>
-            </a:fillRef>
-            <a:effectRef idx="0">
-              <a:schemeClr val="accent1"/>
-            </a:effectRef>
-            <a:fontRef idx="minor">
-              <a:schemeClr val="lt1"/>
-            </a:fontRef>
-          </p:style>
-          <p:txBody>
-            <a:bodyPr rtlCol="0" anchor="ctr"/>
-            <a:lstStyle/>
-            <a:p>
-              <a:pPr algn="ctr"/>
-              <a:endParaRPr kumimoji="1" lang="zh-CN" altLang="en-US" sz="2000">
-                <a:solidFill>
-                  <a:schemeClr val="tx1"/>
-                </a:solidFill>
-                <a:latin typeface="Calibri" panose="020F0502020204030204" pitchFamily="34" charset="0"/>
-                <a:cs typeface="Calibri" panose="020F0502020204030204" pitchFamily="34" charset="0"/>
-              </a:endParaRPr>
-            </a:p>
-          </p:txBody>
-        </p:sp>
-        <p:sp>
-          <p:nvSpPr>
-            <p:cNvPr id="63" name="文本框 62">
-              <a:extLst>
-                <a:ext uri="{FF2B5EF4-FFF2-40B4-BE49-F238E27FC236}">
-                  <a16:creationId xmlns:a16="http://schemas.microsoft.com/office/drawing/2014/main" id="{F91D340B-A3C1-D7F8-E9B1-2A086AB77D1C}"/>
-                </a:ext>
-              </a:extLst>
-            </p:cNvPr>
-            <p:cNvSpPr txBox="1"/>
-            <p:nvPr/>
-          </p:nvSpPr>
-          <p:spPr>
-            <a:xfrm>
-              <a:off x="6439207" y="4190095"/>
-              <a:ext cx="2440817" cy="892552"/>
-            </a:xfrm>
-            <a:prstGeom prst="rect">
-              <a:avLst/>
-            </a:prstGeom>
-            <a:noFill/>
-          </p:spPr>
-          <p:txBody>
-            <a:bodyPr wrap="square" rtlCol="0">
-              <a:spAutoFit/>
-            </a:bodyPr>
-            <a:lstStyle/>
-            <a:p>
-              <a:pPr algn="ctr"/>
-              <a:r>
-                <a:rPr kumimoji="1" lang="en-US" altLang="zh-CN" sz="2800" b="1" dirty="0">
-                  <a:latin typeface="Calibri" panose="020F0502020204030204" pitchFamily="34" charset="0"/>
-                  <a:ea typeface="Helvetica Neue" panose="02000503000000020004" pitchFamily="2" charset="0"/>
-                  <a:cs typeface="Calibri" panose="020F0502020204030204" pitchFamily="34" charset="0"/>
-                </a:rPr>
-                <a:t>Scan</a:t>
-              </a:r>
-              <a:r>
-                <a:rPr kumimoji="1" lang="zh-CN" altLang="en-US" sz="2400" b="1" dirty="0">
-                  <a:latin typeface="Calibri" panose="020F0502020204030204" pitchFamily="34" charset="0"/>
-                  <a:ea typeface="Helvetica Neue" panose="02000503000000020004" pitchFamily="2" charset="0"/>
-                  <a:cs typeface="Calibri" panose="020F0502020204030204" pitchFamily="34" charset="0"/>
-                </a:rPr>
-                <a:t>  </a:t>
-              </a:r>
-              <a:endParaRPr kumimoji="1" lang="en-US" altLang="zh-CN" sz="2400" b="1" dirty="0">
-                <a:latin typeface="Calibri" panose="020F0502020204030204" pitchFamily="34" charset="0"/>
-                <a:ea typeface="Helvetica Neue" panose="02000503000000020004" pitchFamily="2" charset="0"/>
-                <a:cs typeface="Calibri" panose="020F0502020204030204" pitchFamily="34" charset="0"/>
-              </a:endParaRPr>
-            </a:p>
-            <a:p>
-              <a:pPr algn="ctr"/>
-              <a:r>
-                <a:rPr kumimoji="1" lang="en-US" altLang="zh-CN" sz="2400" dirty="0">
-                  <a:latin typeface="Calibri" panose="020F0502020204030204" pitchFamily="34" charset="0"/>
-                  <a:ea typeface="Helvetica Neue" panose="02000503000000020004" pitchFamily="2" charset="0"/>
-                  <a:cs typeface="Calibri" panose="020F0502020204030204" pitchFamily="34" charset="0"/>
-                </a:rPr>
-                <a:t>NAME</a:t>
-              </a:r>
-              <a:endParaRPr kumimoji="1" lang="zh-CN" altLang="en-US" sz="2400" dirty="0">
-                <a:latin typeface="Calibri" panose="020F0502020204030204" pitchFamily="34" charset="0"/>
-                <a:cs typeface="Calibri" panose="020F0502020204030204" pitchFamily="34" charset="0"/>
-              </a:endParaRPr>
-            </a:p>
-          </p:txBody>
-        </p:sp>
-      </p:grpSp>
-      <p:grpSp>
-        <p:nvGrpSpPr>
-          <p:cNvPr id="65" name="组合 64">
-            <a:extLst>
-              <a:ext uri="{FF2B5EF4-FFF2-40B4-BE49-F238E27FC236}">
-                <a16:creationId xmlns:a16="http://schemas.microsoft.com/office/drawing/2014/main" id="{D06C053B-4BD9-3DEB-E7D3-D041964BC3B0}"/>
-              </a:ext>
-            </a:extLst>
-          </p:cNvPr>
-          <p:cNvGrpSpPr/>
-          <p:nvPr/>
-        </p:nvGrpSpPr>
-        <p:grpSpPr>
-          <a:xfrm>
-            <a:off x="4198865" y="-2536347"/>
-            <a:ext cx="2975146" cy="1028305"/>
-            <a:chOff x="6221518" y="4180567"/>
-            <a:chExt cx="2975146" cy="1028305"/>
-          </a:xfrm>
-        </p:grpSpPr>
-        <p:sp>
-          <p:nvSpPr>
-            <p:cNvPr id="66" name="圆角矩形 65">
-              <a:extLst>
-                <a:ext uri="{FF2B5EF4-FFF2-40B4-BE49-F238E27FC236}">
-                  <a16:creationId xmlns:a16="http://schemas.microsoft.com/office/drawing/2014/main" id="{49D1940B-057E-0540-3D05-717DC2AB5C3E}"/>
-                </a:ext>
-              </a:extLst>
-            </p:cNvPr>
-            <p:cNvSpPr/>
-            <p:nvPr/>
-          </p:nvSpPr>
-          <p:spPr>
-            <a:xfrm>
-              <a:off x="6221518" y="4180567"/>
-              <a:ext cx="2975146" cy="1028305"/>
-            </a:xfrm>
-            <a:prstGeom prst="roundRect">
-              <a:avLst>
-                <a:gd name="adj" fmla="val 13606"/>
-              </a:avLst>
-            </a:prstGeom>
-            <a:solidFill>
-              <a:srgbClr val="F3F3F3"/>
-            </a:solidFill>
-            <a:ln>
-              <a:noFill/>
-            </a:ln>
-          </p:spPr>
-          <p:style>
-            <a:lnRef idx="2">
-              <a:schemeClr val="accent1">
-                <a:shade val="15000"/>
-              </a:schemeClr>
-            </a:lnRef>
-            <a:fillRef idx="1">
-              <a:schemeClr val="accent1"/>
-            </a:fillRef>
-            <a:effectRef idx="0">
-              <a:schemeClr val="accent1"/>
-            </a:effectRef>
-            <a:fontRef idx="minor">
-              <a:schemeClr val="lt1"/>
-            </a:fontRef>
-          </p:style>
-          <p:txBody>
-            <a:bodyPr rtlCol="0" anchor="ctr"/>
-            <a:lstStyle/>
-            <a:p>
-              <a:pPr algn="ctr"/>
-              <a:endParaRPr kumimoji="1" lang="zh-CN" altLang="en-US" sz="2000">
-                <a:solidFill>
-                  <a:schemeClr val="tx1"/>
-                </a:solidFill>
-                <a:latin typeface="Calibri" panose="020F0502020204030204" pitchFamily="34" charset="0"/>
-                <a:cs typeface="Calibri" panose="020F0502020204030204" pitchFamily="34" charset="0"/>
-              </a:endParaRPr>
-            </a:p>
-          </p:txBody>
-        </p:sp>
-        <p:sp>
-          <p:nvSpPr>
-            <p:cNvPr id="67" name="文本框 66">
-              <a:extLst>
-                <a:ext uri="{FF2B5EF4-FFF2-40B4-BE49-F238E27FC236}">
-                  <a16:creationId xmlns:a16="http://schemas.microsoft.com/office/drawing/2014/main" id="{12291D9D-3A78-8B56-E155-49DEDFDA73D4}"/>
-                </a:ext>
-              </a:extLst>
-            </p:cNvPr>
-            <p:cNvSpPr txBox="1"/>
-            <p:nvPr/>
-          </p:nvSpPr>
-          <p:spPr>
-            <a:xfrm>
-              <a:off x="6455506" y="4196513"/>
-              <a:ext cx="2471311" cy="769441"/>
-            </a:xfrm>
-            <a:prstGeom prst="rect">
-              <a:avLst/>
-            </a:prstGeom>
-            <a:noFill/>
-          </p:spPr>
-          <p:txBody>
-            <a:bodyPr wrap="square" rtlCol="0">
-              <a:spAutoFit/>
-            </a:bodyPr>
-            <a:lstStyle/>
-            <a:p>
-              <a:pPr algn="ctr"/>
-              <a:r>
-                <a:rPr kumimoji="1" lang="en-US" altLang="zh-CN" sz="2800" b="1" dirty="0">
-                  <a:latin typeface="Calibri" panose="020F0502020204030204" pitchFamily="34" charset="0"/>
-                  <a:ea typeface="Helvetica Neue" panose="02000503000000020004" pitchFamily="2" charset="0"/>
-                  <a:cs typeface="Calibri" panose="020F0502020204030204" pitchFamily="34" charset="0"/>
-                </a:rPr>
-                <a:t>Selection</a:t>
-              </a:r>
-              <a:r>
-                <a:rPr kumimoji="1" lang="zh-CN" altLang="en-US" sz="2400" b="1" dirty="0">
-                  <a:latin typeface="Calibri" panose="020F0502020204030204" pitchFamily="34" charset="0"/>
-                  <a:ea typeface="Helvetica Neue" panose="02000503000000020004" pitchFamily="2" charset="0"/>
-                  <a:cs typeface="Calibri" panose="020F0502020204030204" pitchFamily="34" charset="0"/>
-                </a:rPr>
-                <a:t>  </a:t>
-              </a:r>
-              <a:endParaRPr kumimoji="1" lang="en-US" altLang="zh-CN" sz="2400" b="1" dirty="0">
-                <a:latin typeface="Calibri" panose="020F0502020204030204" pitchFamily="34" charset="0"/>
-                <a:ea typeface="Helvetica Neue" panose="02000503000000020004" pitchFamily="2" charset="0"/>
-                <a:cs typeface="Calibri" panose="020F0502020204030204" pitchFamily="34" charset="0"/>
-              </a:endParaRPr>
-            </a:p>
-            <a:p>
-              <a:pPr algn="ctr"/>
-              <a:r>
-                <a:rPr kumimoji="1" lang="en" altLang="zh-CN" sz="1600" i="1" u="sng" dirty="0">
-                  <a:latin typeface="Calibri" panose="020F0502020204030204" pitchFamily="34" charset="0"/>
-                  <a:ea typeface="Menlo" panose="020B0609030804020204" pitchFamily="49" charset="0"/>
-                  <a:cs typeface="Calibri" panose="020F0502020204030204" pitchFamily="34" charset="0"/>
-                </a:rPr>
-                <a:t>name STARTS WITH ‘B’</a:t>
-              </a:r>
-            </a:p>
-          </p:txBody>
-        </p:sp>
-      </p:grpSp>
-      <p:cxnSp>
-        <p:nvCxnSpPr>
-          <p:cNvPr id="76" name="直线箭头连接符 75">
-            <a:extLst>
-              <a:ext uri="{FF2B5EF4-FFF2-40B4-BE49-F238E27FC236}">
-                <a16:creationId xmlns:a16="http://schemas.microsoft.com/office/drawing/2014/main" id="{A7543FC5-8AB9-7B77-9AB0-6D494235FF8C}"/>
-              </a:ext>
-            </a:extLst>
-          </p:cNvPr>
-          <p:cNvCxnSpPr>
-            <a:cxnSpLocks/>
-            <a:stCxn id="62" idx="2"/>
-            <a:endCxn id="67" idx="0"/>
-          </p:cNvCxnSpPr>
-          <p:nvPr/>
-        </p:nvCxnSpPr>
-        <p:spPr>
-          <a:xfrm>
-            <a:off x="5668508" y="-2829110"/>
-            <a:ext cx="1" cy="308709"/>
-          </a:xfrm>
-          <a:prstGeom prst="straightConnector1">
-            <a:avLst/>
-          </a:prstGeom>
-          <a:ln w="28575">
-            <a:solidFill>
-              <a:srgbClr val="8B649D"/>
-            </a:solidFill>
-            <a:tailEnd type="triangle"/>
-          </a:ln>
-        </p:spPr>
-        <p:style>
-          <a:lnRef idx="3">
-            <a:schemeClr val="dk1"/>
-          </a:lnRef>
-          <a:fillRef idx="0">
-            <a:schemeClr val="dk1"/>
-          </a:fillRef>
-          <a:effectRef idx="2">
-            <a:schemeClr val="dk1"/>
-          </a:effectRef>
-          <a:fontRef idx="minor">
-            <a:schemeClr val="tx1"/>
-          </a:fontRef>
-        </p:style>
-      </p:cxnSp>
-      <p:sp>
-        <p:nvSpPr>
-          <p:cNvPr id="82" name="圆角矩形 81">
-            <a:extLst>
-              <a:ext uri="{FF2B5EF4-FFF2-40B4-BE49-F238E27FC236}">
-                <a16:creationId xmlns:a16="http://schemas.microsoft.com/office/drawing/2014/main" id="{6102D9FE-0ADC-637B-51D4-2F22473B7BC8}"/>
-              </a:ext>
-            </a:extLst>
-          </p:cNvPr>
-          <p:cNvSpPr/>
-          <p:nvPr/>
-        </p:nvSpPr>
-        <p:spPr>
-          <a:xfrm>
-            <a:off x="7519098" y="-2542045"/>
-            <a:ext cx="2975146" cy="1028305"/>
-          </a:xfrm>
-          <a:prstGeom prst="roundRect">
-            <a:avLst>
-              <a:gd name="adj" fmla="val 13606"/>
-            </a:avLst>
-          </a:prstGeom>
-          <a:solidFill>
-            <a:srgbClr val="F3F3F3"/>
-          </a:solidFill>
-          <a:ln>
-            <a:noFill/>
-          </a:ln>
-        </p:spPr>
-        <p:style>
-          <a:lnRef idx="2">
-            <a:schemeClr val="accent1">
-              <a:shade val="15000"/>
-            </a:schemeClr>
-          </a:lnRef>
-          <a:fillRef idx="1">
-            <a:schemeClr val="accent1"/>
-          </a:fillRef>
-          <a:effectRef idx="0">
-            <a:schemeClr val="accent1"/>
-          </a:effectRef>
-          <a:fontRef idx="minor">
-            <a:schemeClr val="lt1"/>
-          </a:fontRef>
-        </p:style>
-        <p:txBody>
-          <a:bodyPr rtlCol="0" anchor="ctr"/>
-          <a:lstStyle/>
-          <a:p>
-            <a:pPr algn="ctr"/>
-            <a:endParaRPr kumimoji="1" lang="zh-CN" altLang="en-US" sz="2000">
-              <a:solidFill>
-                <a:schemeClr val="tx1"/>
-              </a:solidFill>
-              <a:latin typeface="Calibri" panose="020F0502020204030204" pitchFamily="34" charset="0"/>
-              <a:cs typeface="Calibri" panose="020F0502020204030204" pitchFamily="34" charset="0"/>
-            </a:endParaRPr>
-          </a:p>
-        </p:txBody>
-      </p:sp>
-      <p:cxnSp>
-        <p:nvCxnSpPr>
-          <p:cNvPr id="84" name="直线箭头连接符 83">
-            <a:extLst>
-              <a:ext uri="{FF2B5EF4-FFF2-40B4-BE49-F238E27FC236}">
-                <a16:creationId xmlns:a16="http://schemas.microsoft.com/office/drawing/2014/main" id="{A9009225-4D62-7342-CB0F-F5E84C4D0DCA}"/>
-              </a:ext>
-            </a:extLst>
-          </p:cNvPr>
-          <p:cNvCxnSpPr>
-            <a:cxnSpLocks/>
-            <a:stCxn id="66" idx="3"/>
-            <a:endCxn id="82" idx="1"/>
-          </p:cNvCxnSpPr>
-          <p:nvPr/>
-        </p:nvCxnSpPr>
-        <p:spPr>
-          <a:xfrm flipV="1">
-            <a:off x="7174011" y="-2027892"/>
-            <a:ext cx="345087" cy="5698"/>
-          </a:xfrm>
-          <a:prstGeom prst="straightConnector1">
-            <a:avLst/>
-          </a:prstGeom>
-          <a:ln w="28575">
-            <a:solidFill>
-              <a:srgbClr val="8B649D"/>
-            </a:solidFill>
-            <a:tailEnd type="triangle"/>
-          </a:ln>
-        </p:spPr>
-        <p:style>
-          <a:lnRef idx="3">
-            <a:schemeClr val="dk1"/>
-          </a:lnRef>
-          <a:fillRef idx="0">
-            <a:schemeClr val="dk1"/>
-          </a:fillRef>
-          <a:effectRef idx="2">
-            <a:schemeClr val="dk1"/>
-          </a:effectRef>
-          <a:fontRef idx="minor">
-            <a:schemeClr val="tx1"/>
-          </a:fontRef>
-        </p:style>
-      </p:cxnSp>
-      <p:cxnSp>
-        <p:nvCxnSpPr>
-          <p:cNvPr id="87" name="直线箭头连接符 86">
-            <a:extLst>
-              <a:ext uri="{FF2B5EF4-FFF2-40B4-BE49-F238E27FC236}">
-                <a16:creationId xmlns:a16="http://schemas.microsoft.com/office/drawing/2014/main" id="{E66561C3-1641-704C-C5B3-EBB989099E44}"/>
-              </a:ext>
-            </a:extLst>
-          </p:cNvPr>
-          <p:cNvCxnSpPr>
-            <a:cxnSpLocks/>
-            <a:stCxn id="47" idx="0"/>
-            <a:endCxn id="82" idx="2"/>
-          </p:cNvCxnSpPr>
-          <p:nvPr/>
-        </p:nvCxnSpPr>
-        <p:spPr>
-          <a:xfrm flipV="1">
-            <a:off x="9006671" y="-1513740"/>
-            <a:ext cx="0" cy="193206"/>
-          </a:xfrm>
-          <a:prstGeom prst="straightConnector1">
-            <a:avLst/>
-          </a:prstGeom>
-          <a:ln w="28575">
-            <a:solidFill>
-              <a:srgbClr val="8B649D"/>
-            </a:solidFill>
-            <a:tailEnd type="triangle"/>
-          </a:ln>
-        </p:spPr>
-        <p:style>
-          <a:lnRef idx="3">
-            <a:schemeClr val="dk1"/>
-          </a:lnRef>
-          <a:fillRef idx="0">
-            <a:schemeClr val="dk1"/>
-          </a:fillRef>
-          <a:effectRef idx="2">
-            <a:schemeClr val="dk1"/>
-          </a:effectRef>
-          <a:fontRef idx="minor">
-            <a:schemeClr val="tx1"/>
-          </a:fontRef>
-        </p:style>
-      </p:cxnSp>
-      <p:sp>
-        <p:nvSpPr>
-          <p:cNvPr id="96" name="圆角矩形 95">
-            <a:extLst>
-              <a:ext uri="{FF2B5EF4-FFF2-40B4-BE49-F238E27FC236}">
-                <a16:creationId xmlns:a16="http://schemas.microsoft.com/office/drawing/2014/main" id="{8F7366EB-8B98-D946-78AB-E6EEB4E1DD1E}"/>
-              </a:ext>
-            </a:extLst>
-          </p:cNvPr>
-          <p:cNvSpPr/>
-          <p:nvPr/>
-        </p:nvSpPr>
-        <p:spPr>
-          <a:xfrm>
-            <a:off x="7329494" y="-3847862"/>
-            <a:ext cx="3972911" cy="1018006"/>
-          </a:xfrm>
-          <a:prstGeom prst="roundRect">
-            <a:avLst>
-              <a:gd name="adj" fmla="val 16118"/>
-            </a:avLst>
-          </a:prstGeom>
-          <a:solidFill>
-            <a:srgbClr val="F3F3F3"/>
-          </a:solidFill>
-          <a:ln>
-            <a:noFill/>
-          </a:ln>
-        </p:spPr>
-        <p:style>
-          <a:lnRef idx="2">
-            <a:schemeClr val="accent1">
-              <a:shade val="15000"/>
-            </a:schemeClr>
-          </a:lnRef>
-          <a:fillRef idx="1">
-            <a:schemeClr val="accent1"/>
-          </a:fillRef>
-          <a:effectRef idx="0">
-            <a:schemeClr val="accent1"/>
-          </a:effectRef>
-          <a:fontRef idx="minor">
-            <a:schemeClr val="lt1"/>
-          </a:fontRef>
-        </p:style>
-        <p:txBody>
-          <a:bodyPr rtlCol="0" anchor="ctr"/>
-          <a:lstStyle/>
-          <a:p>
-            <a:pPr algn="ctr"/>
-            <a:endParaRPr kumimoji="1" lang="zh-CN" altLang="en-US" sz="2000" dirty="0">
-              <a:solidFill>
-                <a:schemeClr val="tx1"/>
-              </a:solidFill>
-              <a:latin typeface="Calibri" panose="020F0502020204030204" pitchFamily="34" charset="0"/>
-              <a:cs typeface="Calibri" panose="020F0502020204030204" pitchFamily="34" charset="0"/>
-            </a:endParaRPr>
-          </a:p>
-        </p:txBody>
-      </p:sp>
-      <p:sp>
-        <p:nvSpPr>
-          <p:cNvPr id="97" name="文本框 96">
-            <a:extLst>
-              <a:ext uri="{FF2B5EF4-FFF2-40B4-BE49-F238E27FC236}">
-                <a16:creationId xmlns:a16="http://schemas.microsoft.com/office/drawing/2014/main" id="{F0F4915A-C0AC-FFB3-9BD3-2F8EE1957398}"/>
-              </a:ext>
-            </a:extLst>
-          </p:cNvPr>
-          <p:cNvSpPr txBox="1"/>
-          <p:nvPr/>
-        </p:nvSpPr>
-        <p:spPr>
-          <a:xfrm>
-            <a:off x="7057130" y="-3854574"/>
-            <a:ext cx="4513745" cy="1015663"/>
-          </a:xfrm>
-          <a:prstGeom prst="rect">
-            <a:avLst/>
-          </a:prstGeom>
-          <a:noFill/>
-        </p:spPr>
-        <p:txBody>
-          <a:bodyPr wrap="square" rtlCol="0">
-            <a:spAutoFit/>
-          </a:bodyPr>
-          <a:lstStyle/>
-          <a:p>
-            <a:pPr algn="ctr"/>
-            <a:r>
-              <a:rPr kumimoji="1" lang="en-US" altLang="zh-CN" sz="2800" b="1" dirty="0">
-                <a:latin typeface="Calibri" panose="020F0502020204030204" pitchFamily="34" charset="0"/>
-                <a:ea typeface="Helvetica Neue" panose="02000503000000020004" pitchFamily="2" charset="0"/>
-                <a:cs typeface="Calibri" panose="020F0502020204030204" pitchFamily="34" charset="0"/>
-              </a:rPr>
-              <a:t>Projection</a:t>
-            </a:r>
-          </a:p>
-          <a:p>
-            <a:pPr algn="ctr"/>
-            <a:r>
-              <a:rPr kumimoji="1" lang="en" altLang="zh-CN" sz="1600" i="1" u="sng" dirty="0" err="1">
-                <a:latin typeface="Calibri" panose="020F0502020204030204" pitchFamily="34" charset="0"/>
-                <a:ea typeface="Menlo" panose="020B0609030804020204" pitchFamily="49" charset="0"/>
-                <a:cs typeface="Calibri" panose="020F0502020204030204" pitchFamily="34" charset="0"/>
-              </a:rPr>
-              <a:t>member_in_charnamed_american_movie</a:t>
-            </a:r>
-            <a:r>
-              <a:rPr kumimoji="1" lang="en" altLang="zh-CN" sz="1600" i="1" u="sng" dirty="0">
-                <a:latin typeface="Calibri" panose="020F0502020204030204" pitchFamily="34" charset="0"/>
-                <a:ea typeface="Menlo" panose="020B0609030804020204" pitchFamily="49" charset="0"/>
-                <a:cs typeface="Calibri" panose="020F0502020204030204" pitchFamily="34" charset="0"/>
-              </a:rPr>
-              <a:t>,</a:t>
-            </a:r>
-          </a:p>
-          <a:p>
-            <a:pPr algn="ctr"/>
-            <a:r>
-              <a:rPr kumimoji="1" lang="en" altLang="zh-CN" sz="1600" i="1" u="sng" dirty="0">
-                <a:latin typeface="Calibri" panose="020F0502020204030204" pitchFamily="34" charset="0"/>
-                <a:ea typeface="Menlo" panose="020B0609030804020204" pitchFamily="49" charset="0"/>
-                <a:cs typeface="Calibri" panose="020F0502020204030204" pitchFamily="34" charset="0"/>
-              </a:rPr>
-              <a:t>a1</a:t>
-            </a:r>
-            <a:r>
-              <a:rPr kumimoji="1" lang="zh-CN" altLang="en-US" sz="1600" i="1" u="sng" dirty="0">
-                <a:latin typeface="Calibri" panose="020F0502020204030204" pitchFamily="34" charset="0"/>
-                <a:cs typeface="Calibri" panose="020F0502020204030204" pitchFamily="34" charset="0"/>
-              </a:rPr>
-              <a:t>  </a:t>
-            </a:r>
-            <a:endParaRPr kumimoji="1" lang="en-US" altLang="zh-CN" sz="1600" i="1" u="sng" dirty="0">
-              <a:latin typeface="Calibri" panose="020F0502020204030204" pitchFamily="34" charset="0"/>
-              <a:ea typeface="Menlo" panose="020B0609030804020204" pitchFamily="49" charset="0"/>
-              <a:cs typeface="Calibri" panose="020F0502020204030204" pitchFamily="34" charset="0"/>
-            </a:endParaRPr>
-          </a:p>
-        </p:txBody>
-      </p:sp>
-      <p:cxnSp>
-        <p:nvCxnSpPr>
-          <p:cNvPr id="98" name="直线箭头连接符 97">
-            <a:extLst>
-              <a:ext uri="{FF2B5EF4-FFF2-40B4-BE49-F238E27FC236}">
-                <a16:creationId xmlns:a16="http://schemas.microsoft.com/office/drawing/2014/main" id="{C799F94A-B5EF-AF71-6C6D-A1F8A26161D3}"/>
-              </a:ext>
-            </a:extLst>
-          </p:cNvPr>
-          <p:cNvCxnSpPr>
-            <a:cxnSpLocks/>
-            <a:stCxn id="82" idx="0"/>
-          </p:cNvCxnSpPr>
-          <p:nvPr/>
-        </p:nvCxnSpPr>
-        <p:spPr>
-          <a:xfrm flipV="1">
-            <a:off x="9006671" y="-2860926"/>
-            <a:ext cx="0" cy="318881"/>
-          </a:xfrm>
-          <a:prstGeom prst="straightConnector1">
-            <a:avLst/>
-          </a:prstGeom>
-          <a:ln w="28575">
-            <a:solidFill>
-              <a:srgbClr val="8B649D"/>
-            </a:solidFill>
-            <a:tailEnd type="triangle"/>
-          </a:ln>
-        </p:spPr>
-        <p:style>
-          <a:lnRef idx="3">
-            <a:schemeClr val="dk1"/>
-          </a:lnRef>
-          <a:fillRef idx="0">
-            <a:schemeClr val="dk1"/>
-          </a:fillRef>
-          <a:effectRef idx="2">
-            <a:schemeClr val="dk1"/>
-          </a:effectRef>
-          <a:fontRef idx="minor">
-            <a:schemeClr val="tx1"/>
-          </a:fontRef>
-        </p:style>
-      </p:cxnSp>
-      <p:sp>
-        <p:nvSpPr>
-          <p:cNvPr id="138" name="文本框 137">
-            <a:extLst>
-              <a:ext uri="{FF2B5EF4-FFF2-40B4-BE49-F238E27FC236}">
-                <a16:creationId xmlns:a16="http://schemas.microsoft.com/office/drawing/2014/main" id="{7B4DD947-1173-1F6D-0D62-EC76E3EC806C}"/>
-              </a:ext>
-            </a:extLst>
-          </p:cNvPr>
-          <p:cNvSpPr txBox="1"/>
-          <p:nvPr/>
-        </p:nvSpPr>
-        <p:spPr>
-          <a:xfrm>
-            <a:off x="7874755" y="1401463"/>
-            <a:ext cx="2248750" cy="523220"/>
-          </a:xfrm>
-          <a:prstGeom prst="rect">
-            <a:avLst/>
-          </a:prstGeom>
-          <a:noFill/>
-        </p:spPr>
-        <p:txBody>
-          <a:bodyPr wrap="square" rtlCol="0">
-            <a:spAutoFit/>
-          </a:bodyPr>
-          <a:lstStyle/>
-          <a:p>
-            <a:pPr algn="ctr"/>
-            <a:r>
-              <a:rPr kumimoji="1" lang="en-US" altLang="zh-CN" sz="2800" b="1" dirty="0">
-                <a:latin typeface="Calibri" panose="020F0502020204030204" pitchFamily="34" charset="0"/>
-                <a:ea typeface="Helvetica Neue" panose="02000503000000020004" pitchFamily="2" charset="0"/>
-                <a:cs typeface="Calibri" panose="020F0502020204030204" pitchFamily="34" charset="0"/>
-              </a:rPr>
-              <a:t>JOIN</a:t>
-            </a:r>
-            <a:r>
-              <a:rPr kumimoji="1" lang="zh-CN" altLang="en-US" sz="2400" b="1" dirty="0">
-                <a:latin typeface="Calibri" panose="020F0502020204030204" pitchFamily="34" charset="0"/>
-                <a:ea typeface="Helvetica Neue" panose="02000503000000020004" pitchFamily="2" charset="0"/>
-                <a:cs typeface="Calibri" panose="020F0502020204030204" pitchFamily="34" charset="0"/>
-              </a:rPr>
-              <a:t>  </a:t>
-            </a:r>
-            <a:endParaRPr kumimoji="1" lang="en-US" altLang="zh-CN" sz="2400" b="1" dirty="0">
-              <a:latin typeface="Calibri" panose="020F0502020204030204" pitchFamily="34" charset="0"/>
-              <a:ea typeface="Helvetica Neue" panose="02000503000000020004" pitchFamily="2" charset="0"/>
-              <a:cs typeface="Calibri" panose="020F0502020204030204" pitchFamily="34" charset="0"/>
-            </a:endParaRPr>
-          </a:p>
-        </p:txBody>
-      </p:sp>
-      <p:sp>
-        <p:nvSpPr>
-          <p:cNvPr id="139" name="文本框 138">
-            <a:extLst>
-              <a:ext uri="{FF2B5EF4-FFF2-40B4-BE49-F238E27FC236}">
-                <a16:creationId xmlns:a16="http://schemas.microsoft.com/office/drawing/2014/main" id="{F935FAE2-EA35-64D5-B745-9287EC966F14}"/>
-              </a:ext>
-            </a:extLst>
-          </p:cNvPr>
-          <p:cNvSpPr txBox="1"/>
-          <p:nvPr/>
-        </p:nvSpPr>
-        <p:spPr>
-          <a:xfrm>
-            <a:off x="7913295" y="-2261893"/>
-            <a:ext cx="2248750" cy="523220"/>
-          </a:xfrm>
-          <a:prstGeom prst="rect">
-            <a:avLst/>
-          </a:prstGeom>
-          <a:noFill/>
-        </p:spPr>
-        <p:txBody>
-          <a:bodyPr wrap="square" rtlCol="0">
-            <a:spAutoFit/>
-          </a:bodyPr>
-          <a:lstStyle/>
-          <a:p>
-            <a:pPr algn="ctr"/>
-            <a:r>
-              <a:rPr kumimoji="1" lang="en-US" altLang="zh-CN" sz="2800" b="1" dirty="0">
-                <a:latin typeface="Calibri" panose="020F0502020204030204" pitchFamily="34" charset="0"/>
-                <a:ea typeface="Helvetica Neue" panose="02000503000000020004" pitchFamily="2" charset="0"/>
-                <a:cs typeface="Calibri" panose="020F0502020204030204" pitchFamily="34" charset="0"/>
-              </a:rPr>
-              <a:t>JOIN</a:t>
-            </a:r>
-            <a:r>
-              <a:rPr kumimoji="1" lang="zh-CN" altLang="en-US" sz="2400" b="1" dirty="0">
-                <a:latin typeface="Calibri" panose="020F0502020204030204" pitchFamily="34" charset="0"/>
-                <a:ea typeface="Helvetica Neue" panose="02000503000000020004" pitchFamily="2" charset="0"/>
-                <a:cs typeface="Calibri" panose="020F0502020204030204" pitchFamily="34" charset="0"/>
-              </a:rPr>
-              <a:t>  </a:t>
-            </a:r>
-            <a:endParaRPr kumimoji="1" lang="en-US" altLang="zh-CN" sz="2400" b="1" dirty="0">
-              <a:latin typeface="Calibri" panose="020F0502020204030204" pitchFamily="34" charset="0"/>
-              <a:ea typeface="Helvetica Neue" panose="02000503000000020004" pitchFamily="2" charset="0"/>
-              <a:cs typeface="Calibri" panose="020F0502020204030204" pitchFamily="34" charset="0"/>
-            </a:endParaRPr>
-          </a:p>
-        </p:txBody>
-      </p:sp>
-      <p:sp>
-        <p:nvSpPr>
-          <p:cNvPr id="2" name="文本框 1">
-            <a:extLst>
-              <a:ext uri="{FF2B5EF4-FFF2-40B4-BE49-F238E27FC236}">
-                <a16:creationId xmlns:a16="http://schemas.microsoft.com/office/drawing/2014/main" id="{865B23F8-B0B1-57F9-A4ED-67D4313EE044}"/>
-              </a:ext>
-            </a:extLst>
-          </p:cNvPr>
-          <p:cNvSpPr txBox="1"/>
-          <p:nvPr/>
-        </p:nvSpPr>
-        <p:spPr>
-          <a:xfrm>
-            <a:off x="5181600" y="5843752"/>
-            <a:ext cx="1675459" cy="646331"/>
-          </a:xfrm>
-          <a:prstGeom prst="rect">
-            <a:avLst/>
-          </a:prstGeom>
-          <a:noFill/>
-        </p:spPr>
-        <p:txBody>
-          <a:bodyPr wrap="none" rtlCol="0">
-            <a:spAutoFit/>
-          </a:bodyPr>
-          <a:lstStyle/>
-          <a:p>
-            <a:r>
-              <a:rPr kumimoji="1" lang="en" altLang="zh-CN" dirty="0"/>
-              <a:t>EXPAND_EDGE</a:t>
-            </a:r>
-          </a:p>
-          <a:p>
-            <a:r>
-              <a:rPr kumimoji="1" lang="en" altLang="zh-CN" dirty="0"/>
-              <a:t>GET_VERTEX</a:t>
-            </a:r>
-            <a:endParaRPr kumimoji="1" lang="zh-CN" altLang="en-US" dirty="0"/>
-          </a:p>
-        </p:txBody>
-      </p:sp>
       <p:grpSp>
         <p:nvGrpSpPr>
           <p:cNvPr id="4" name="组合 3">
@@ -8860,7 +11049,7 @@
                   <a:ea typeface="Helvetica Neue" panose="02000503000000020004" pitchFamily="2" charset="0"/>
                   <a:cs typeface="Calibri" panose="020F0502020204030204" pitchFamily="34" charset="0"/>
                 </a:rPr>
-                <a:t>MOVIE_COMPANIES</a:t>
+                <a:t>CAST_INFO</a:t>
               </a:r>
               <a:endParaRPr kumimoji="1" lang="zh-CN" altLang="en-US" sz="2400" dirty="0">
                 <a:latin typeface="Calibri" panose="020F0502020204030204" pitchFamily="34" charset="0"/>
@@ -8882,14 +11071,14 @@
           <p:cNvCxnSpPr>
             <a:cxnSpLocks/>
             <a:stCxn id="5" idx="0"/>
-            <a:endCxn id="43" idx="2"/>
+            <a:endCxn id="82" idx="2"/>
           </p:cNvCxnSpPr>
           <p:nvPr/>
         </p:nvCxnSpPr>
         <p:spPr>
-          <a:xfrm flipV="1">
-            <a:off x="9002496" y="2212637"/>
-            <a:ext cx="2177" cy="290752"/>
+          <a:xfrm flipH="1" flipV="1">
+            <a:off x="9000318" y="2244247"/>
+            <a:ext cx="2178" cy="259142"/>
           </a:xfrm>
           <a:prstGeom prst="straightConnector1">
             <a:avLst/>
@@ -8930,7 +11119,7 @@
         </p:nvGrpSpPr>
         <p:grpSpPr>
           <a:xfrm>
-            <a:off x="7519098" y="-108357"/>
+            <a:off x="7520298" y="-2734742"/>
             <a:ext cx="2975146" cy="1028305"/>
             <a:chOff x="859809" y="3795168"/>
             <a:chExt cx="2975146" cy="1028305"/>
@@ -9060,8 +11249,8 @@
         </p:nvCxnSpPr>
         <p:spPr>
           <a:xfrm>
-            <a:off x="7160256" y="403732"/>
-            <a:ext cx="358842" cy="2064"/>
+            <a:off x="7138010" y="-2222653"/>
+            <a:ext cx="382288" cy="2064"/>
           </a:xfrm>
           <a:prstGeom prst="straightConnector1">
             <a:avLst/>
@@ -9102,7 +11291,7 @@
         </p:nvGrpSpPr>
         <p:grpSpPr>
           <a:xfrm>
-            <a:off x="4081602" y="-110421"/>
+            <a:off x="4059356" y="-2736806"/>
             <a:ext cx="3182162" cy="1028305"/>
             <a:chOff x="6118010" y="4180567"/>
             <a:chExt cx="3182162" cy="1028305"/>
@@ -9255,8 +11444,8 @@
         </p:nvCxnSpPr>
         <p:spPr>
           <a:xfrm flipV="1">
-            <a:off x="9004673" y="919948"/>
-            <a:ext cx="1998" cy="264384"/>
+            <a:off x="9007871" y="-1706437"/>
+            <a:ext cx="0" cy="244910"/>
           </a:xfrm>
           <a:prstGeom prst="straightConnector1">
             <a:avLst/>
@@ -9297,7 +11486,7 @@
         </p:nvGrpSpPr>
         <p:grpSpPr>
           <a:xfrm>
-            <a:off x="7519098" y="-1320534"/>
+            <a:off x="7514923" y="-151280"/>
             <a:ext cx="2975146" cy="1028305"/>
             <a:chOff x="859809" y="3795168"/>
             <a:chExt cx="2975146" cy="1028305"/>
@@ -9427,7 +11616,7 @@
         </p:nvCxnSpPr>
         <p:spPr>
           <a:xfrm>
-            <a:off x="7160256" y="-808445"/>
+            <a:off x="7156081" y="360809"/>
             <a:ext cx="358842" cy="2064"/>
           </a:xfrm>
           <a:prstGeom prst="straightConnector1">
@@ -9469,10 +11658,10 @@
         </p:nvGrpSpPr>
         <p:grpSpPr>
           <a:xfrm>
-            <a:off x="4185110" y="-1322598"/>
-            <a:ext cx="2975146" cy="1028305"/>
-            <a:chOff x="6221518" y="4180567"/>
-            <a:chExt cx="2975146" cy="1028305"/>
+            <a:off x="4151583" y="-153344"/>
+            <a:ext cx="3004498" cy="1028305"/>
+            <a:chOff x="6192166" y="4180567"/>
+            <a:chExt cx="3004498" cy="1028305"/>
           </a:xfrm>
         </p:grpSpPr>
         <p:sp>
@@ -9549,8 +11738,2001 @@
           </p:nvSpPr>
           <p:spPr>
             <a:xfrm>
-              <a:off x="6755552" y="4270496"/>
-              <a:ext cx="2072693" cy="892552"/>
+              <a:off x="6192166" y="4270496"/>
+              <a:ext cx="2975146" cy="892552"/>
+            </a:xfrm>
+            <a:prstGeom prst="rect">
+              <a:avLst/>
+            </a:prstGeom>
+            <a:noFill/>
+          </p:spPr>
+          <p:txBody>
+            <a:bodyPr wrap="square" rtlCol="0">
+              <a:spAutoFit/>
+            </a:bodyPr>
+            <a:lstStyle/>
+            <a:p>
+              <a:pPr algn="ctr"/>
+              <a:r>
+                <a:rPr kumimoji="1" lang="en-US" altLang="zh-CN" sz="2800" b="1" dirty="0">
+                  <a:latin typeface="Calibri" panose="020F0502020204030204" pitchFamily="34" charset="0"/>
+                  <a:ea typeface="Helvetica Neue" panose="02000503000000020004" pitchFamily="2" charset="0"/>
+                  <a:cs typeface="Calibri" panose="020F0502020204030204" pitchFamily="34" charset="0"/>
+                </a:rPr>
+                <a:t>Scan</a:t>
+              </a:r>
+              <a:r>
+                <a:rPr kumimoji="1" lang="zh-CN" altLang="en-US" sz="2400" b="1" dirty="0">
+                  <a:latin typeface="Calibri" panose="020F0502020204030204" pitchFamily="34" charset="0"/>
+                  <a:ea typeface="Helvetica Neue" panose="02000503000000020004" pitchFamily="2" charset="0"/>
+                  <a:cs typeface="Calibri" panose="020F0502020204030204" pitchFamily="34" charset="0"/>
+                </a:rPr>
+                <a:t>  </a:t>
+              </a:r>
+              <a:endParaRPr kumimoji="1" lang="en-US" altLang="zh-CN" sz="2400" b="1" dirty="0">
+                <a:latin typeface="Calibri" panose="020F0502020204030204" pitchFamily="34" charset="0"/>
+                <a:ea typeface="Helvetica Neue" panose="02000503000000020004" pitchFamily="2" charset="0"/>
+                <a:cs typeface="Calibri" panose="020F0502020204030204" pitchFamily="34" charset="0"/>
+              </a:endParaRPr>
+            </a:p>
+            <a:p>
+              <a:pPr algn="ctr"/>
+              <a:r>
+                <a:rPr kumimoji="1" lang="en-US" altLang="zh-CN" sz="2400" dirty="0">
+                  <a:latin typeface="Calibri" panose="020F0502020204030204" pitchFamily="34" charset="0"/>
+                  <a:ea typeface="Helvetica Neue" panose="02000503000000020004" pitchFamily="2" charset="0"/>
+                  <a:cs typeface="Calibri" panose="020F0502020204030204" pitchFamily="34" charset="0"/>
+                </a:rPr>
+                <a:t>MOVIE_COMPANIES</a:t>
+              </a:r>
+              <a:endParaRPr kumimoji="1" lang="zh-CN" altLang="en-US" sz="2400" dirty="0">
+                <a:latin typeface="Calibri" panose="020F0502020204030204" pitchFamily="34" charset="0"/>
+                <a:cs typeface="Calibri" panose="020F0502020204030204" pitchFamily="34" charset="0"/>
+              </a:endParaRPr>
+            </a:p>
+          </p:txBody>
+        </p:sp>
+      </p:grpSp>
+      <p:cxnSp>
+        <p:nvCxnSpPr>
+          <p:cNvPr id="55" name="直线箭头连接符 54">
+            <a:extLst>
+              <a:ext uri="{FF2B5EF4-FFF2-40B4-BE49-F238E27FC236}">
+                <a16:creationId xmlns:a16="http://schemas.microsoft.com/office/drawing/2014/main" id="{88C41CBF-EEC3-2C6C-BDB2-8A88C1FE2D42}"/>
+              </a:ext>
+            </a:extLst>
+          </p:cNvPr>
+          <p:cNvCxnSpPr>
+            <a:cxnSpLocks/>
+            <a:stCxn id="22" idx="0"/>
+            <a:endCxn id="97" idx="2"/>
+          </p:cNvCxnSpPr>
+          <p:nvPr/>
+        </p:nvCxnSpPr>
+        <p:spPr>
+          <a:xfrm flipH="1" flipV="1">
+            <a:off x="8998168" y="-2981803"/>
+            <a:ext cx="9703" cy="247061"/>
+          </a:xfrm>
+          <a:prstGeom prst="straightConnector1">
+            <a:avLst/>
+          </a:prstGeom>
+          <a:ln w="28575">
+            <a:solidFill>
+              <a:srgbClr val="8B649D"/>
+            </a:solidFill>
+            <a:tailEnd type="triangle"/>
+          </a:ln>
+        </p:spPr>
+        <p:style>
+          <a:lnRef idx="3">
+            <a:schemeClr val="dk1"/>
+          </a:lnRef>
+          <a:fillRef idx="0">
+            <a:schemeClr val="dk1"/>
+          </a:fillRef>
+          <a:effectRef idx="2">
+            <a:schemeClr val="dk1"/>
+          </a:effectRef>
+          <a:fontRef idx="minor">
+            <a:schemeClr val="tx1"/>
+          </a:fontRef>
+        </p:style>
+      </p:cxnSp>
+      <p:grpSp>
+        <p:nvGrpSpPr>
+          <p:cNvPr id="74" name="组合 73">
+            <a:extLst>
+              <a:ext uri="{FF2B5EF4-FFF2-40B4-BE49-F238E27FC236}">
+                <a16:creationId xmlns:a16="http://schemas.microsoft.com/office/drawing/2014/main" id="{75A7F941-5CED-A493-2DA9-D2C02043AFDB}"/>
+              </a:ext>
+            </a:extLst>
+          </p:cNvPr>
+          <p:cNvGrpSpPr/>
+          <p:nvPr/>
+        </p:nvGrpSpPr>
+        <p:grpSpPr>
+          <a:xfrm>
+            <a:off x="-4676411" y="4131853"/>
+            <a:ext cx="2975146" cy="868196"/>
+            <a:chOff x="859809" y="3955277"/>
+            <a:chExt cx="2975146" cy="868196"/>
+          </a:xfrm>
+        </p:grpSpPr>
+        <p:sp>
+          <p:nvSpPr>
+            <p:cNvPr id="75" name="圆角矩形 74">
+              <a:extLst>
+                <a:ext uri="{FF2B5EF4-FFF2-40B4-BE49-F238E27FC236}">
+                  <a16:creationId xmlns:a16="http://schemas.microsoft.com/office/drawing/2014/main" id="{1D0A5FA9-1D4E-CC0F-2248-42CB9EACC6A6}"/>
+                </a:ext>
+              </a:extLst>
+            </p:cNvPr>
+            <p:cNvSpPr/>
+            <p:nvPr/>
+          </p:nvSpPr>
+          <p:spPr>
+            <a:xfrm>
+              <a:off x="859809" y="3955277"/>
+              <a:ext cx="2975146" cy="868196"/>
+            </a:xfrm>
+            <a:prstGeom prst="roundRect">
+              <a:avLst>
+                <a:gd name="adj" fmla="val 13606"/>
+              </a:avLst>
+            </a:prstGeom>
+            <a:solidFill>
+              <a:srgbClr val="F3F3F3"/>
+            </a:solidFill>
+            <a:ln>
+              <a:noFill/>
+            </a:ln>
+          </p:spPr>
+          <p:style>
+            <a:lnRef idx="2">
+              <a:schemeClr val="accent1">
+                <a:shade val="15000"/>
+              </a:schemeClr>
+            </a:lnRef>
+            <a:fillRef idx="1">
+              <a:schemeClr val="accent1"/>
+            </a:fillRef>
+            <a:effectRef idx="0">
+              <a:schemeClr val="accent1"/>
+            </a:effectRef>
+            <a:fontRef idx="minor">
+              <a:schemeClr val="lt1"/>
+            </a:fontRef>
+          </p:style>
+          <p:txBody>
+            <a:bodyPr rtlCol="0" anchor="ctr"/>
+            <a:lstStyle/>
+            <a:p>
+              <a:pPr algn="ctr"/>
+              <a:endParaRPr kumimoji="1" lang="zh-CN" altLang="en-US" sz="2000">
+                <a:solidFill>
+                  <a:schemeClr val="tx1"/>
+                </a:solidFill>
+                <a:latin typeface="Calibri" panose="020F0502020204030204" pitchFamily="34" charset="0"/>
+                <a:cs typeface="Calibri" panose="020F0502020204030204" pitchFamily="34" charset="0"/>
+              </a:endParaRPr>
+            </a:p>
+          </p:txBody>
+        </p:sp>
+        <p:sp>
+          <p:nvSpPr>
+            <p:cNvPr id="77" name="文本框 76">
+              <a:extLst>
+                <a:ext uri="{FF2B5EF4-FFF2-40B4-BE49-F238E27FC236}">
+                  <a16:creationId xmlns:a16="http://schemas.microsoft.com/office/drawing/2014/main" id="{6258ADAE-91E2-F48C-69F8-75CC029D4721}"/>
+                </a:ext>
+              </a:extLst>
+            </p:cNvPr>
+            <p:cNvSpPr txBox="1"/>
+            <p:nvPr/>
+          </p:nvSpPr>
+          <p:spPr>
+            <a:xfrm>
+              <a:off x="1187121" y="4078209"/>
+              <a:ext cx="2432526" cy="523220"/>
+            </a:xfrm>
+            <a:prstGeom prst="rect">
+              <a:avLst/>
+            </a:prstGeom>
+            <a:noFill/>
+          </p:spPr>
+          <p:txBody>
+            <a:bodyPr wrap="square" rtlCol="0">
+              <a:spAutoFit/>
+            </a:bodyPr>
+            <a:lstStyle/>
+            <a:p>
+              <a:pPr algn="ctr"/>
+              <a:r>
+                <a:rPr kumimoji="1" lang="en-US" altLang="zh-CN" sz="2800" b="1" dirty="0">
+                  <a:latin typeface="Calibri" panose="020F0502020204030204" pitchFamily="34" charset="0"/>
+                  <a:ea typeface="Helvetica Neue" panose="02000503000000020004" pitchFamily="2" charset="0"/>
+                  <a:cs typeface="Calibri" panose="020F0502020204030204" pitchFamily="34" charset="0"/>
+                </a:rPr>
+                <a:t>Join</a:t>
+              </a:r>
+              <a:endParaRPr kumimoji="1" lang="en-US" altLang="zh-CN" sz="2400" b="1" dirty="0">
+                <a:latin typeface="Calibri" panose="020F0502020204030204" pitchFamily="34" charset="0"/>
+                <a:ea typeface="Helvetica Neue" panose="02000503000000020004" pitchFamily="2" charset="0"/>
+                <a:cs typeface="Calibri" panose="020F0502020204030204" pitchFamily="34" charset="0"/>
+              </a:endParaRPr>
+            </a:p>
+          </p:txBody>
+        </p:sp>
+      </p:grpSp>
+      <p:cxnSp>
+        <p:nvCxnSpPr>
+          <p:cNvPr id="78" name="直线箭头连接符 77">
+            <a:extLst>
+              <a:ext uri="{FF2B5EF4-FFF2-40B4-BE49-F238E27FC236}">
+                <a16:creationId xmlns:a16="http://schemas.microsoft.com/office/drawing/2014/main" id="{A719F279-2B12-4103-5E71-712281FE82B2}"/>
+              </a:ext>
+            </a:extLst>
+          </p:cNvPr>
+          <p:cNvCxnSpPr>
+            <a:cxnSpLocks/>
+            <a:stCxn id="85" idx="3"/>
+            <a:endCxn id="75" idx="1"/>
+          </p:cNvCxnSpPr>
+          <p:nvPr/>
+        </p:nvCxnSpPr>
+        <p:spPr>
+          <a:xfrm>
+            <a:off x="-5035253" y="4562219"/>
+            <a:ext cx="358842" cy="3732"/>
+          </a:xfrm>
+          <a:prstGeom prst="straightConnector1">
+            <a:avLst/>
+          </a:prstGeom>
+          <a:ln w="28575">
+            <a:solidFill>
+              <a:srgbClr val="8B649D"/>
+            </a:solidFill>
+            <a:tailEnd type="triangle"/>
+          </a:ln>
+        </p:spPr>
+        <p:style>
+          <a:lnRef idx="3">
+            <a:schemeClr val="dk1"/>
+          </a:lnRef>
+          <a:fillRef idx="0">
+            <a:schemeClr val="dk1"/>
+          </a:fillRef>
+          <a:effectRef idx="2">
+            <a:schemeClr val="dk1"/>
+          </a:effectRef>
+          <a:fontRef idx="minor">
+            <a:schemeClr val="tx1"/>
+          </a:fontRef>
+        </p:style>
+      </p:cxnSp>
+      <p:grpSp>
+        <p:nvGrpSpPr>
+          <p:cNvPr id="79" name="组合 78">
+            <a:extLst>
+              <a:ext uri="{FF2B5EF4-FFF2-40B4-BE49-F238E27FC236}">
+                <a16:creationId xmlns:a16="http://schemas.microsoft.com/office/drawing/2014/main" id="{62258638-6589-9EC5-0BBE-7AC469C79410}"/>
+              </a:ext>
+            </a:extLst>
+          </p:cNvPr>
+          <p:cNvGrpSpPr/>
+          <p:nvPr/>
+        </p:nvGrpSpPr>
+        <p:grpSpPr>
+          <a:xfrm>
+            <a:off x="-4728166" y="5178656"/>
+            <a:ext cx="3085007" cy="1581620"/>
+            <a:chOff x="6171941" y="4078366"/>
+            <a:chExt cx="3085007" cy="1581620"/>
+          </a:xfrm>
+        </p:grpSpPr>
+        <p:sp>
+          <p:nvSpPr>
+            <p:cNvPr id="80" name="圆角矩形 79">
+              <a:extLst>
+                <a:ext uri="{FF2B5EF4-FFF2-40B4-BE49-F238E27FC236}">
+                  <a16:creationId xmlns:a16="http://schemas.microsoft.com/office/drawing/2014/main" id="{2B6DDCBB-A1FC-A75A-66EA-3C45D03F16BC}"/>
+                </a:ext>
+              </a:extLst>
+            </p:cNvPr>
+            <p:cNvSpPr/>
+            <p:nvPr/>
+          </p:nvSpPr>
+          <p:spPr>
+            <a:xfrm>
+              <a:off x="6221518" y="4180567"/>
+              <a:ext cx="2975146" cy="1479419"/>
+            </a:xfrm>
+            <a:prstGeom prst="roundRect">
+              <a:avLst>
+                <a:gd name="adj" fmla="val 13606"/>
+              </a:avLst>
+            </a:prstGeom>
+            <a:solidFill>
+              <a:srgbClr val="F3F3F3"/>
+            </a:solidFill>
+            <a:ln>
+              <a:noFill/>
+            </a:ln>
+          </p:spPr>
+          <p:style>
+            <a:lnRef idx="2">
+              <a:schemeClr val="accent1">
+                <a:shade val="15000"/>
+              </a:schemeClr>
+            </a:lnRef>
+            <a:fillRef idx="1">
+              <a:schemeClr val="accent1"/>
+            </a:fillRef>
+            <a:effectRef idx="0">
+              <a:schemeClr val="accent1"/>
+            </a:effectRef>
+            <a:fontRef idx="minor">
+              <a:schemeClr val="lt1"/>
+            </a:fontRef>
+          </p:style>
+          <p:txBody>
+            <a:bodyPr rtlCol="0" anchor="ctr"/>
+            <a:lstStyle/>
+            <a:p>
+              <a:pPr algn="ctr"/>
+              <a:endParaRPr kumimoji="1" lang="zh-CN" altLang="en-US" sz="2000">
+                <a:solidFill>
+                  <a:schemeClr val="tx1"/>
+                </a:solidFill>
+                <a:latin typeface="Calibri" panose="020F0502020204030204" pitchFamily="34" charset="0"/>
+                <a:cs typeface="Calibri" panose="020F0502020204030204" pitchFamily="34" charset="0"/>
+              </a:endParaRPr>
+            </a:p>
+          </p:txBody>
+        </p:sp>
+        <p:sp>
+          <p:nvSpPr>
+            <p:cNvPr id="81" name="文本框 80">
+              <a:extLst>
+                <a:ext uri="{FF2B5EF4-FFF2-40B4-BE49-F238E27FC236}">
+                  <a16:creationId xmlns:a16="http://schemas.microsoft.com/office/drawing/2014/main" id="{AC1609D3-C81F-4ABD-1656-DD4C4DA47DF0}"/>
+                </a:ext>
+              </a:extLst>
+            </p:cNvPr>
+            <p:cNvSpPr txBox="1"/>
+            <p:nvPr/>
+          </p:nvSpPr>
+          <p:spPr>
+            <a:xfrm>
+              <a:off x="6171941" y="4078366"/>
+              <a:ext cx="3085007" cy="1508105"/>
+            </a:xfrm>
+            <a:prstGeom prst="rect">
+              <a:avLst/>
+            </a:prstGeom>
+            <a:noFill/>
+          </p:spPr>
+          <p:txBody>
+            <a:bodyPr wrap="square" rtlCol="0">
+              <a:spAutoFit/>
+            </a:bodyPr>
+            <a:lstStyle/>
+            <a:p>
+              <a:pPr algn="ctr"/>
+              <a:r>
+                <a:rPr kumimoji="1" lang="en-US" altLang="zh-CN" sz="2800" b="1" dirty="0">
+                  <a:latin typeface="Calibri" panose="020F0502020204030204" pitchFamily="34" charset="0"/>
+                  <a:ea typeface="Helvetica Neue" panose="02000503000000020004" pitchFamily="2" charset="0"/>
+                  <a:cs typeface="Calibri" panose="020F0502020204030204" pitchFamily="34" charset="0"/>
+                </a:rPr>
+                <a:t>Scan</a:t>
+              </a:r>
+              <a:r>
+                <a:rPr kumimoji="1" lang="zh-CN" altLang="en-US" sz="2400" b="1" dirty="0">
+                  <a:latin typeface="Calibri" panose="020F0502020204030204" pitchFamily="34" charset="0"/>
+                  <a:ea typeface="Helvetica Neue" panose="02000503000000020004" pitchFamily="2" charset="0"/>
+                  <a:cs typeface="Calibri" panose="020F0502020204030204" pitchFamily="34" charset="0"/>
+                </a:rPr>
+                <a:t>  </a:t>
+              </a:r>
+              <a:endParaRPr kumimoji="1" lang="en-US" altLang="zh-CN" sz="2400" b="1" dirty="0">
+                <a:latin typeface="Calibri" panose="020F0502020204030204" pitchFamily="34" charset="0"/>
+                <a:ea typeface="Helvetica Neue" panose="02000503000000020004" pitchFamily="2" charset="0"/>
+                <a:cs typeface="Calibri" panose="020F0502020204030204" pitchFamily="34" charset="0"/>
+              </a:endParaRPr>
+            </a:p>
+            <a:p>
+              <a:pPr algn="ctr"/>
+              <a:r>
+                <a:rPr kumimoji="1" lang="en-US" altLang="zh-CN" sz="2400" dirty="0">
+                  <a:latin typeface="Calibri" panose="020F0502020204030204" pitchFamily="34" charset="0"/>
+                  <a:ea typeface="Helvetica Neue" panose="02000503000000020004" pitchFamily="2" charset="0"/>
+                  <a:cs typeface="Calibri" panose="020F0502020204030204" pitchFamily="34" charset="0"/>
+                </a:rPr>
+                <a:t>KEYWORD</a:t>
+              </a:r>
+            </a:p>
+            <a:p>
+              <a:pPr algn="ctr"/>
+              <a:r>
+                <a:rPr kumimoji="1" lang="en" altLang="zh-CN" sz="2000" dirty="0">
+                  <a:latin typeface="Calibri" panose="020F0502020204030204" pitchFamily="34" charset="0"/>
+                  <a:ea typeface="Menlo" panose="020B0609030804020204" pitchFamily="49" charset="0"/>
+                  <a:cs typeface="Calibri" panose="020F0502020204030204" pitchFamily="34" charset="0"/>
+                </a:rPr>
+                <a:t>(keyword = “character-name-in-title”)</a:t>
+              </a:r>
+            </a:p>
+          </p:txBody>
+        </p:sp>
+      </p:grpSp>
+      <p:grpSp>
+        <p:nvGrpSpPr>
+          <p:cNvPr id="83" name="组合 82">
+            <a:extLst>
+              <a:ext uri="{FF2B5EF4-FFF2-40B4-BE49-F238E27FC236}">
+                <a16:creationId xmlns:a16="http://schemas.microsoft.com/office/drawing/2014/main" id="{6AE25D2A-74AC-7C78-06F7-CE680B7CD87C}"/>
+              </a:ext>
+            </a:extLst>
+          </p:cNvPr>
+          <p:cNvGrpSpPr/>
+          <p:nvPr/>
+        </p:nvGrpSpPr>
+        <p:grpSpPr>
+          <a:xfrm>
+            <a:off x="-8113907" y="4070119"/>
+            <a:ext cx="3182162" cy="938376"/>
+            <a:chOff x="6118010" y="4270496"/>
+            <a:chExt cx="3182162" cy="938376"/>
+          </a:xfrm>
+        </p:grpSpPr>
+        <p:sp>
+          <p:nvSpPr>
+            <p:cNvPr id="85" name="圆角矩形 84">
+              <a:extLst>
+                <a:ext uri="{FF2B5EF4-FFF2-40B4-BE49-F238E27FC236}">
+                  <a16:creationId xmlns:a16="http://schemas.microsoft.com/office/drawing/2014/main" id="{BB948851-6162-D065-E215-43DC3B5C75CB}"/>
+                </a:ext>
+              </a:extLst>
+            </p:cNvPr>
+            <p:cNvSpPr/>
+            <p:nvPr/>
+          </p:nvSpPr>
+          <p:spPr>
+            <a:xfrm>
+              <a:off x="6221518" y="4316320"/>
+              <a:ext cx="2975146" cy="892552"/>
+            </a:xfrm>
+            <a:prstGeom prst="roundRect">
+              <a:avLst>
+                <a:gd name="adj" fmla="val 13606"/>
+              </a:avLst>
+            </a:prstGeom>
+            <a:solidFill>
+              <a:srgbClr val="F3F3F3"/>
+            </a:solidFill>
+            <a:ln>
+              <a:noFill/>
+            </a:ln>
+          </p:spPr>
+          <p:style>
+            <a:lnRef idx="2">
+              <a:schemeClr val="accent1">
+                <a:shade val="15000"/>
+              </a:schemeClr>
+            </a:lnRef>
+            <a:fillRef idx="1">
+              <a:schemeClr val="accent1"/>
+            </a:fillRef>
+            <a:effectRef idx="0">
+              <a:schemeClr val="accent1"/>
+            </a:effectRef>
+            <a:fontRef idx="minor">
+              <a:schemeClr val="lt1"/>
+            </a:fontRef>
+          </p:style>
+          <p:txBody>
+            <a:bodyPr rtlCol="0" anchor="ctr"/>
+            <a:lstStyle/>
+            <a:p>
+              <a:pPr algn="ctr"/>
+              <a:endParaRPr kumimoji="1" lang="zh-CN" altLang="en-US" sz="2000">
+                <a:solidFill>
+                  <a:schemeClr val="tx1"/>
+                </a:solidFill>
+                <a:latin typeface="Calibri" panose="020F0502020204030204" pitchFamily="34" charset="0"/>
+                <a:cs typeface="Calibri" panose="020F0502020204030204" pitchFamily="34" charset="0"/>
+              </a:endParaRPr>
+            </a:p>
+          </p:txBody>
+        </p:sp>
+        <p:sp>
+          <p:nvSpPr>
+            <p:cNvPr id="86" name="文本框 85">
+              <a:extLst>
+                <a:ext uri="{FF2B5EF4-FFF2-40B4-BE49-F238E27FC236}">
+                  <a16:creationId xmlns:a16="http://schemas.microsoft.com/office/drawing/2014/main" id="{8B1AB9D4-31E7-3CD0-AA49-56FB1ECA6783}"/>
+                </a:ext>
+              </a:extLst>
+            </p:cNvPr>
+            <p:cNvSpPr txBox="1"/>
+            <p:nvPr/>
+          </p:nvSpPr>
+          <p:spPr>
+            <a:xfrm>
+              <a:off x="6118010" y="4270496"/>
+              <a:ext cx="3182162" cy="892552"/>
+            </a:xfrm>
+            <a:prstGeom prst="rect">
+              <a:avLst/>
+            </a:prstGeom>
+            <a:noFill/>
+          </p:spPr>
+          <p:txBody>
+            <a:bodyPr wrap="square" rtlCol="0">
+              <a:spAutoFit/>
+            </a:bodyPr>
+            <a:lstStyle/>
+            <a:p>
+              <a:pPr algn="ctr"/>
+              <a:r>
+                <a:rPr kumimoji="1" lang="en-US" altLang="zh-CN" sz="2800" b="1" dirty="0">
+                  <a:latin typeface="Calibri" panose="020F0502020204030204" pitchFamily="34" charset="0"/>
+                  <a:ea typeface="Helvetica Neue" panose="02000503000000020004" pitchFamily="2" charset="0"/>
+                  <a:cs typeface="Calibri" panose="020F0502020204030204" pitchFamily="34" charset="0"/>
+                </a:rPr>
+                <a:t>Scan</a:t>
+              </a:r>
+              <a:r>
+                <a:rPr kumimoji="1" lang="zh-CN" altLang="en-US" sz="2400" b="1" dirty="0">
+                  <a:latin typeface="Calibri" panose="020F0502020204030204" pitchFamily="34" charset="0"/>
+                  <a:ea typeface="Helvetica Neue" panose="02000503000000020004" pitchFamily="2" charset="0"/>
+                  <a:cs typeface="Calibri" panose="020F0502020204030204" pitchFamily="34" charset="0"/>
+                </a:rPr>
+                <a:t>  </a:t>
+              </a:r>
+              <a:endParaRPr kumimoji="1" lang="en-US" altLang="zh-CN" sz="2400" b="1" dirty="0">
+                <a:latin typeface="Calibri" panose="020F0502020204030204" pitchFamily="34" charset="0"/>
+                <a:ea typeface="Helvetica Neue" panose="02000503000000020004" pitchFamily="2" charset="0"/>
+                <a:cs typeface="Calibri" panose="020F0502020204030204" pitchFamily="34" charset="0"/>
+              </a:endParaRPr>
+            </a:p>
+            <a:p>
+              <a:pPr algn="ctr"/>
+              <a:r>
+                <a:rPr kumimoji="1" lang="en-US" altLang="zh-CN" sz="2400" dirty="0">
+                  <a:latin typeface="Calibri" panose="020F0502020204030204" pitchFamily="34" charset="0"/>
+                  <a:ea typeface="Helvetica Neue" panose="02000503000000020004" pitchFamily="2" charset="0"/>
+                  <a:cs typeface="Calibri" panose="020F0502020204030204" pitchFamily="34" charset="0"/>
+                </a:rPr>
+                <a:t>MOVIE_KEYWORD</a:t>
+              </a:r>
+              <a:endParaRPr kumimoji="1" lang="zh-CN" altLang="en-US" sz="2400" dirty="0">
+                <a:latin typeface="Calibri" panose="020F0502020204030204" pitchFamily="34" charset="0"/>
+                <a:cs typeface="Calibri" panose="020F0502020204030204" pitchFamily="34" charset="0"/>
+              </a:endParaRPr>
+            </a:p>
+          </p:txBody>
+        </p:sp>
+      </p:grpSp>
+      <p:grpSp>
+        <p:nvGrpSpPr>
+          <p:cNvPr id="88" name="组合 87">
+            <a:extLst>
+              <a:ext uri="{FF2B5EF4-FFF2-40B4-BE49-F238E27FC236}">
+                <a16:creationId xmlns:a16="http://schemas.microsoft.com/office/drawing/2014/main" id="{69441AE1-B7A0-769E-02EF-EB7CB2EB10C0}"/>
+              </a:ext>
+            </a:extLst>
+          </p:cNvPr>
+          <p:cNvGrpSpPr/>
+          <p:nvPr/>
+        </p:nvGrpSpPr>
+        <p:grpSpPr>
+          <a:xfrm>
+            <a:off x="-1583373" y="-647863"/>
+            <a:ext cx="3330820" cy="1302844"/>
+            <a:chOff x="5983100" y="4180568"/>
+            <a:chExt cx="3330820" cy="1302844"/>
+          </a:xfrm>
+        </p:grpSpPr>
+        <p:sp>
+          <p:nvSpPr>
+            <p:cNvPr id="89" name="圆角矩形 88">
+              <a:extLst>
+                <a:ext uri="{FF2B5EF4-FFF2-40B4-BE49-F238E27FC236}">
+                  <a16:creationId xmlns:a16="http://schemas.microsoft.com/office/drawing/2014/main" id="{ABE9FE6C-5DC3-9AB8-50A4-D2DFB24CA75E}"/>
+                </a:ext>
+              </a:extLst>
+            </p:cNvPr>
+            <p:cNvSpPr/>
+            <p:nvPr/>
+          </p:nvSpPr>
+          <p:spPr>
+            <a:xfrm>
+              <a:off x="6221518" y="4180568"/>
+              <a:ext cx="2975146" cy="1302844"/>
+            </a:xfrm>
+            <a:prstGeom prst="roundRect">
+              <a:avLst>
+                <a:gd name="adj" fmla="val 13606"/>
+              </a:avLst>
+            </a:prstGeom>
+            <a:solidFill>
+              <a:srgbClr val="F3F3F3"/>
+            </a:solidFill>
+            <a:ln>
+              <a:noFill/>
+            </a:ln>
+          </p:spPr>
+          <p:style>
+            <a:lnRef idx="2">
+              <a:schemeClr val="accent1">
+                <a:shade val="15000"/>
+              </a:schemeClr>
+            </a:lnRef>
+            <a:fillRef idx="1">
+              <a:schemeClr val="accent1"/>
+            </a:fillRef>
+            <a:effectRef idx="0">
+              <a:schemeClr val="accent1"/>
+            </a:effectRef>
+            <a:fontRef idx="minor">
+              <a:schemeClr val="lt1"/>
+            </a:fontRef>
+          </p:style>
+          <p:txBody>
+            <a:bodyPr rtlCol="0" anchor="ctr"/>
+            <a:lstStyle/>
+            <a:p>
+              <a:pPr algn="ctr"/>
+              <a:endParaRPr kumimoji="1" lang="zh-CN" altLang="en-US" sz="2000">
+                <a:solidFill>
+                  <a:schemeClr val="tx1"/>
+                </a:solidFill>
+                <a:latin typeface="Calibri" panose="020F0502020204030204" pitchFamily="34" charset="0"/>
+                <a:cs typeface="Calibri" panose="020F0502020204030204" pitchFamily="34" charset="0"/>
+              </a:endParaRPr>
+            </a:p>
+          </p:txBody>
+        </p:sp>
+        <p:sp>
+          <p:nvSpPr>
+            <p:cNvPr id="90" name="文本框 89">
+              <a:extLst>
+                <a:ext uri="{FF2B5EF4-FFF2-40B4-BE49-F238E27FC236}">
+                  <a16:creationId xmlns:a16="http://schemas.microsoft.com/office/drawing/2014/main" id="{75A9F5E4-2500-14DB-00D9-5D28842C00B8}"/>
+                </a:ext>
+              </a:extLst>
+            </p:cNvPr>
+            <p:cNvSpPr txBox="1"/>
+            <p:nvPr/>
+          </p:nvSpPr>
+          <p:spPr>
+            <a:xfrm>
+              <a:off x="5983100" y="4180928"/>
+              <a:ext cx="3330820" cy="1200329"/>
+            </a:xfrm>
+            <a:prstGeom prst="rect">
+              <a:avLst/>
+            </a:prstGeom>
+            <a:noFill/>
+          </p:spPr>
+          <p:txBody>
+            <a:bodyPr wrap="square" rtlCol="0">
+              <a:spAutoFit/>
+            </a:bodyPr>
+            <a:lstStyle/>
+            <a:p>
+              <a:pPr algn="ctr"/>
+              <a:r>
+                <a:rPr kumimoji="1" lang="en-US" altLang="zh-CN" sz="2800" b="1" dirty="0">
+                  <a:latin typeface="Calibri" panose="020F0502020204030204" pitchFamily="34" charset="0"/>
+                  <a:ea typeface="Helvetica Neue" panose="02000503000000020004" pitchFamily="2" charset="0"/>
+                  <a:cs typeface="Calibri" panose="020F0502020204030204" pitchFamily="34" charset="0"/>
+                </a:rPr>
+                <a:t>Scan</a:t>
+              </a:r>
+              <a:r>
+                <a:rPr kumimoji="1" lang="zh-CN" altLang="en-US" sz="2400" b="1" dirty="0">
+                  <a:latin typeface="Calibri" panose="020F0502020204030204" pitchFamily="34" charset="0"/>
+                  <a:ea typeface="Helvetica Neue" panose="02000503000000020004" pitchFamily="2" charset="0"/>
+                  <a:cs typeface="Calibri" panose="020F0502020204030204" pitchFamily="34" charset="0"/>
+                </a:rPr>
+                <a:t>  </a:t>
+              </a:r>
+              <a:endParaRPr kumimoji="1" lang="en-US" altLang="zh-CN" sz="2400" b="1" dirty="0">
+                <a:latin typeface="Calibri" panose="020F0502020204030204" pitchFamily="34" charset="0"/>
+                <a:ea typeface="Helvetica Neue" panose="02000503000000020004" pitchFamily="2" charset="0"/>
+                <a:cs typeface="Calibri" panose="020F0502020204030204" pitchFamily="34" charset="0"/>
+              </a:endParaRPr>
+            </a:p>
+            <a:p>
+              <a:pPr algn="ctr"/>
+              <a:r>
+                <a:rPr kumimoji="1" lang="en-US" altLang="zh-CN" sz="2400" dirty="0">
+                  <a:latin typeface="Calibri" panose="020F0502020204030204" pitchFamily="34" charset="0"/>
+                  <a:ea typeface="Helvetica Neue" panose="02000503000000020004" pitchFamily="2" charset="0"/>
+                  <a:cs typeface="Calibri" panose="020F0502020204030204" pitchFamily="34" charset="0"/>
+                </a:rPr>
+                <a:t>COMPANY_NAME</a:t>
+              </a:r>
+            </a:p>
+            <a:p>
+              <a:pPr algn="ctr"/>
+              <a:r>
+                <a:rPr kumimoji="1" lang="en" altLang="zh-CN" sz="2000" dirty="0">
+                  <a:latin typeface="Calibri" panose="020F0502020204030204" pitchFamily="34" charset="0"/>
+                  <a:ea typeface="Menlo" panose="020B0609030804020204" pitchFamily="49" charset="0"/>
+                  <a:cs typeface="Calibri" panose="020F0502020204030204" pitchFamily="34" charset="0"/>
+                </a:rPr>
+                <a:t>(</a:t>
+              </a:r>
+              <a:r>
+                <a:rPr kumimoji="1" lang="en" altLang="zh-CN" sz="2000" dirty="0" err="1">
+                  <a:latin typeface="Calibri" panose="020F0502020204030204" pitchFamily="34" charset="0"/>
+                  <a:ea typeface="Menlo" panose="020B0609030804020204" pitchFamily="49" charset="0"/>
+                  <a:cs typeface="Calibri" panose="020F0502020204030204" pitchFamily="34" charset="0"/>
+                </a:rPr>
+                <a:t>country_code</a:t>
+              </a:r>
+              <a:r>
+                <a:rPr kumimoji="1" lang="en" altLang="zh-CN" sz="2000" dirty="0">
+                  <a:latin typeface="Calibri" panose="020F0502020204030204" pitchFamily="34" charset="0"/>
+                  <a:ea typeface="Menlo" panose="020B0609030804020204" pitchFamily="49" charset="0"/>
+                  <a:cs typeface="Calibri" panose="020F0502020204030204" pitchFamily="34" charset="0"/>
+                </a:rPr>
+                <a:t> = “[us]”)</a:t>
+              </a:r>
+              <a:endParaRPr kumimoji="1" lang="zh-CN" altLang="en-US" sz="2000" dirty="0">
+                <a:latin typeface="Calibri" panose="020F0502020204030204" pitchFamily="34" charset="0"/>
+                <a:cs typeface="Calibri" panose="020F0502020204030204" pitchFamily="34" charset="0"/>
+              </a:endParaRPr>
+            </a:p>
+          </p:txBody>
+        </p:sp>
+      </p:grpSp>
+      <p:sp>
+        <p:nvSpPr>
+          <p:cNvPr id="91" name="圆角矩形 90">
+            <a:extLst>
+              <a:ext uri="{FF2B5EF4-FFF2-40B4-BE49-F238E27FC236}">
+                <a16:creationId xmlns:a16="http://schemas.microsoft.com/office/drawing/2014/main" id="{9662B9A4-6514-0B46-08FC-6732A0933170}"/>
+              </a:ext>
+            </a:extLst>
+          </p:cNvPr>
+          <p:cNvSpPr/>
+          <p:nvPr/>
+        </p:nvSpPr>
+        <p:spPr>
+          <a:xfrm>
+            <a:off x="-4678589" y="1815447"/>
+            <a:ext cx="2975146" cy="795366"/>
+          </a:xfrm>
+          <a:prstGeom prst="roundRect">
+            <a:avLst>
+              <a:gd name="adj" fmla="val 13606"/>
+            </a:avLst>
+          </a:prstGeom>
+          <a:solidFill>
+            <a:srgbClr val="F3F3F3"/>
+          </a:solidFill>
+          <a:ln>
+            <a:noFill/>
+          </a:ln>
+        </p:spPr>
+        <p:style>
+          <a:lnRef idx="2">
+            <a:schemeClr val="accent1">
+              <a:shade val="15000"/>
+            </a:schemeClr>
+          </a:lnRef>
+          <a:fillRef idx="1">
+            <a:schemeClr val="accent1"/>
+          </a:fillRef>
+          <a:effectRef idx="0">
+            <a:schemeClr val="accent1"/>
+          </a:effectRef>
+          <a:fontRef idx="minor">
+            <a:schemeClr val="lt1"/>
+          </a:fontRef>
+        </p:style>
+        <p:txBody>
+          <a:bodyPr rtlCol="0" anchor="ctr"/>
+          <a:lstStyle/>
+          <a:p>
+            <a:pPr algn="ctr"/>
+            <a:endParaRPr kumimoji="1" lang="zh-CN" altLang="en-US" sz="2000">
+              <a:solidFill>
+                <a:schemeClr val="tx1"/>
+              </a:solidFill>
+              <a:latin typeface="Calibri" panose="020F0502020204030204" pitchFamily="34" charset="0"/>
+              <a:cs typeface="Calibri" panose="020F0502020204030204" pitchFamily="34" charset="0"/>
+            </a:endParaRPr>
+          </a:p>
+        </p:txBody>
+      </p:sp>
+      <p:cxnSp>
+        <p:nvCxnSpPr>
+          <p:cNvPr id="92" name="直线箭头连接符 91">
+            <a:extLst>
+              <a:ext uri="{FF2B5EF4-FFF2-40B4-BE49-F238E27FC236}">
+                <a16:creationId xmlns:a16="http://schemas.microsoft.com/office/drawing/2014/main" id="{EAB1BEB7-E54B-B601-301F-CF9305B88148}"/>
+              </a:ext>
+            </a:extLst>
+          </p:cNvPr>
+          <p:cNvCxnSpPr>
+            <a:cxnSpLocks/>
+            <a:stCxn id="89" idx="1"/>
+            <a:endCxn id="130" idx="3"/>
+          </p:cNvCxnSpPr>
+          <p:nvPr/>
+        </p:nvCxnSpPr>
+        <p:spPr>
+          <a:xfrm flipH="1" flipV="1">
+            <a:off x="-1708327" y="1462"/>
+            <a:ext cx="363372" cy="2097"/>
+          </a:xfrm>
+          <a:prstGeom prst="straightConnector1">
+            <a:avLst/>
+          </a:prstGeom>
+          <a:ln w="28575">
+            <a:solidFill>
+              <a:srgbClr val="8B649D"/>
+            </a:solidFill>
+            <a:tailEnd type="triangle"/>
+          </a:ln>
+        </p:spPr>
+        <p:style>
+          <a:lnRef idx="3">
+            <a:schemeClr val="dk1"/>
+          </a:lnRef>
+          <a:fillRef idx="0">
+            <a:schemeClr val="dk1"/>
+          </a:fillRef>
+          <a:effectRef idx="2">
+            <a:schemeClr val="dk1"/>
+          </a:effectRef>
+          <a:fontRef idx="minor">
+            <a:schemeClr val="tx1"/>
+          </a:fontRef>
+        </p:style>
+      </p:cxnSp>
+      <p:cxnSp>
+        <p:nvCxnSpPr>
+          <p:cNvPr id="93" name="直线箭头连接符 92">
+            <a:extLst>
+              <a:ext uri="{FF2B5EF4-FFF2-40B4-BE49-F238E27FC236}">
+                <a16:creationId xmlns:a16="http://schemas.microsoft.com/office/drawing/2014/main" id="{EAB7D5CF-BB00-0562-B0C9-C1BFFC12A375}"/>
+              </a:ext>
+            </a:extLst>
+          </p:cNvPr>
+          <p:cNvCxnSpPr>
+            <a:cxnSpLocks/>
+            <a:stCxn id="80" idx="0"/>
+            <a:endCxn id="75" idx="2"/>
+          </p:cNvCxnSpPr>
+          <p:nvPr/>
+        </p:nvCxnSpPr>
+        <p:spPr>
+          <a:xfrm flipV="1">
+            <a:off x="-3191016" y="5000049"/>
+            <a:ext cx="2178" cy="280808"/>
+          </a:xfrm>
+          <a:prstGeom prst="straightConnector1">
+            <a:avLst/>
+          </a:prstGeom>
+          <a:ln w="28575">
+            <a:solidFill>
+              <a:srgbClr val="8B649D"/>
+            </a:solidFill>
+            <a:tailEnd type="triangle"/>
+          </a:ln>
+        </p:spPr>
+        <p:style>
+          <a:lnRef idx="3">
+            <a:schemeClr val="dk1"/>
+          </a:lnRef>
+          <a:fillRef idx="0">
+            <a:schemeClr val="dk1"/>
+          </a:fillRef>
+          <a:effectRef idx="2">
+            <a:schemeClr val="dk1"/>
+          </a:effectRef>
+          <a:fontRef idx="minor">
+            <a:schemeClr val="tx1"/>
+          </a:fontRef>
+        </p:style>
+      </p:cxnSp>
+      <p:cxnSp>
+        <p:nvCxnSpPr>
+          <p:cNvPr id="94" name="直线箭头连接符 93">
+            <a:extLst>
+              <a:ext uri="{FF2B5EF4-FFF2-40B4-BE49-F238E27FC236}">
+                <a16:creationId xmlns:a16="http://schemas.microsoft.com/office/drawing/2014/main" id="{06258A5B-E8BE-C81B-FD07-721CD3FD9204}"/>
+              </a:ext>
+            </a:extLst>
+          </p:cNvPr>
+          <p:cNvCxnSpPr>
+            <a:cxnSpLocks/>
+            <a:stCxn id="75" idx="0"/>
+            <a:endCxn id="114" idx="2"/>
+          </p:cNvCxnSpPr>
+          <p:nvPr/>
+        </p:nvCxnSpPr>
+        <p:spPr>
+          <a:xfrm flipV="1">
+            <a:off x="-3188838" y="3871882"/>
+            <a:ext cx="0" cy="259971"/>
+          </a:xfrm>
+          <a:prstGeom prst="straightConnector1">
+            <a:avLst/>
+          </a:prstGeom>
+          <a:ln w="28575">
+            <a:solidFill>
+              <a:srgbClr val="8B649D"/>
+            </a:solidFill>
+            <a:tailEnd type="triangle"/>
+          </a:ln>
+        </p:spPr>
+        <p:style>
+          <a:lnRef idx="3">
+            <a:schemeClr val="dk1"/>
+          </a:lnRef>
+          <a:fillRef idx="0">
+            <a:schemeClr val="dk1"/>
+          </a:fillRef>
+          <a:effectRef idx="2">
+            <a:schemeClr val="dk1"/>
+          </a:effectRef>
+          <a:fontRef idx="minor">
+            <a:schemeClr val="tx1"/>
+          </a:fontRef>
+        </p:style>
+      </p:cxnSp>
+      <p:grpSp>
+        <p:nvGrpSpPr>
+          <p:cNvPr id="95" name="组合 94">
+            <a:extLst>
+              <a:ext uri="{FF2B5EF4-FFF2-40B4-BE49-F238E27FC236}">
+                <a16:creationId xmlns:a16="http://schemas.microsoft.com/office/drawing/2014/main" id="{A9AB4FDF-5D3F-1A7F-CB52-BA22459A793A}"/>
+              </a:ext>
+            </a:extLst>
+          </p:cNvPr>
+          <p:cNvGrpSpPr/>
+          <p:nvPr/>
+        </p:nvGrpSpPr>
+        <p:grpSpPr>
+          <a:xfrm>
+            <a:off x="-11309105" y="1824671"/>
+            <a:ext cx="2975146" cy="758341"/>
+            <a:chOff x="6221518" y="4450531"/>
+            <a:chExt cx="2975146" cy="758341"/>
+          </a:xfrm>
+        </p:grpSpPr>
+        <p:sp>
+          <p:nvSpPr>
+            <p:cNvPr id="99" name="圆角矩形 98">
+              <a:extLst>
+                <a:ext uri="{FF2B5EF4-FFF2-40B4-BE49-F238E27FC236}">
+                  <a16:creationId xmlns:a16="http://schemas.microsoft.com/office/drawing/2014/main" id="{E402DF83-053F-5D86-BAAF-BA8604DB7413}"/>
+                </a:ext>
+              </a:extLst>
+            </p:cNvPr>
+            <p:cNvSpPr/>
+            <p:nvPr/>
+          </p:nvSpPr>
+          <p:spPr>
+            <a:xfrm>
+              <a:off x="6221518" y="4450531"/>
+              <a:ext cx="2975146" cy="758341"/>
+            </a:xfrm>
+            <a:prstGeom prst="roundRect">
+              <a:avLst>
+                <a:gd name="adj" fmla="val 13606"/>
+              </a:avLst>
+            </a:prstGeom>
+            <a:solidFill>
+              <a:srgbClr val="F3F3F3"/>
+            </a:solidFill>
+            <a:ln>
+              <a:noFill/>
+            </a:ln>
+          </p:spPr>
+          <p:style>
+            <a:lnRef idx="2">
+              <a:schemeClr val="accent1">
+                <a:shade val="15000"/>
+              </a:schemeClr>
+            </a:lnRef>
+            <a:fillRef idx="1">
+              <a:schemeClr val="accent1"/>
+            </a:fillRef>
+            <a:effectRef idx="0">
+              <a:schemeClr val="accent1"/>
+            </a:effectRef>
+            <a:fontRef idx="minor">
+              <a:schemeClr val="lt1"/>
+            </a:fontRef>
+          </p:style>
+          <p:txBody>
+            <a:bodyPr rtlCol="0" anchor="ctr"/>
+            <a:lstStyle/>
+            <a:p>
+              <a:pPr algn="ctr"/>
+              <a:endParaRPr kumimoji="1" lang="zh-CN" altLang="en-US" sz="2000">
+                <a:solidFill>
+                  <a:schemeClr val="tx1"/>
+                </a:solidFill>
+                <a:latin typeface="Calibri" panose="020F0502020204030204" pitchFamily="34" charset="0"/>
+                <a:cs typeface="Calibri" panose="020F0502020204030204" pitchFamily="34" charset="0"/>
+              </a:endParaRPr>
+            </a:p>
+          </p:txBody>
+        </p:sp>
+        <p:sp>
+          <p:nvSpPr>
+            <p:cNvPr id="100" name="文本框 99">
+              <a:extLst>
+                <a:ext uri="{FF2B5EF4-FFF2-40B4-BE49-F238E27FC236}">
+                  <a16:creationId xmlns:a16="http://schemas.microsoft.com/office/drawing/2014/main" id="{861C3875-328C-A071-3F5A-38F77780BB66}"/>
+                </a:ext>
+              </a:extLst>
+            </p:cNvPr>
+            <p:cNvSpPr txBox="1"/>
+            <p:nvPr/>
+          </p:nvSpPr>
+          <p:spPr>
+            <a:xfrm>
+              <a:off x="6474613" y="4539271"/>
+              <a:ext cx="2440817" cy="523220"/>
+            </a:xfrm>
+            <a:prstGeom prst="rect">
+              <a:avLst/>
+            </a:prstGeom>
+            <a:noFill/>
+          </p:spPr>
+          <p:txBody>
+            <a:bodyPr wrap="square" rtlCol="0">
+              <a:spAutoFit/>
+            </a:bodyPr>
+            <a:lstStyle/>
+            <a:p>
+              <a:pPr algn="ctr"/>
+              <a:r>
+                <a:rPr kumimoji="1" lang="en-US" altLang="zh-CN" sz="2800" b="1" dirty="0">
+                  <a:latin typeface="Calibri" panose="020F0502020204030204" pitchFamily="34" charset="0"/>
+                  <a:ea typeface="Helvetica Neue" panose="02000503000000020004" pitchFamily="2" charset="0"/>
+                  <a:cs typeface="Calibri" panose="020F0502020204030204" pitchFamily="34" charset="0"/>
+                </a:rPr>
+                <a:t>Scan</a:t>
+              </a:r>
+              <a:r>
+                <a:rPr kumimoji="1" lang="zh-CN" altLang="en-US" sz="2400" b="1" dirty="0">
+                  <a:latin typeface="Calibri" panose="020F0502020204030204" pitchFamily="34" charset="0"/>
+                  <a:ea typeface="Helvetica Neue" panose="02000503000000020004" pitchFamily="2" charset="0"/>
+                  <a:cs typeface="Calibri" panose="020F0502020204030204" pitchFamily="34" charset="0"/>
+                </a:rPr>
+                <a:t>  </a:t>
+              </a:r>
+              <a:r>
+                <a:rPr kumimoji="1" lang="en-US" altLang="zh-CN" sz="2400" dirty="0">
+                  <a:latin typeface="Calibri" panose="020F0502020204030204" pitchFamily="34" charset="0"/>
+                  <a:ea typeface="Helvetica Neue" panose="02000503000000020004" pitchFamily="2" charset="0"/>
+                  <a:cs typeface="Calibri" panose="020F0502020204030204" pitchFamily="34" charset="0"/>
+                </a:rPr>
+                <a:t>NAME</a:t>
+              </a:r>
+              <a:endParaRPr kumimoji="1" lang="zh-CN" altLang="en-US" sz="2400" dirty="0">
+                <a:latin typeface="Calibri" panose="020F0502020204030204" pitchFamily="34" charset="0"/>
+                <a:cs typeface="Calibri" panose="020F0502020204030204" pitchFamily="34" charset="0"/>
+              </a:endParaRPr>
+            </a:p>
+          </p:txBody>
+        </p:sp>
+      </p:grpSp>
+      <p:grpSp>
+        <p:nvGrpSpPr>
+          <p:cNvPr id="101" name="组合 100">
+            <a:extLst>
+              <a:ext uri="{FF2B5EF4-FFF2-40B4-BE49-F238E27FC236}">
+                <a16:creationId xmlns:a16="http://schemas.microsoft.com/office/drawing/2014/main" id="{6433F949-B4BD-4C70-9B2E-A06E85E6BF5E}"/>
+              </a:ext>
+            </a:extLst>
+          </p:cNvPr>
+          <p:cNvGrpSpPr/>
+          <p:nvPr/>
+        </p:nvGrpSpPr>
+        <p:grpSpPr>
+          <a:xfrm>
+            <a:off x="-8025030" y="1698977"/>
+            <a:ext cx="2975146" cy="1028305"/>
+            <a:chOff x="6221518" y="4180567"/>
+            <a:chExt cx="2975146" cy="1028305"/>
+          </a:xfrm>
+        </p:grpSpPr>
+        <p:sp>
+          <p:nvSpPr>
+            <p:cNvPr id="102" name="圆角矩形 101">
+              <a:extLst>
+                <a:ext uri="{FF2B5EF4-FFF2-40B4-BE49-F238E27FC236}">
+                  <a16:creationId xmlns:a16="http://schemas.microsoft.com/office/drawing/2014/main" id="{0D4CDFA8-BECA-81EE-66D6-9A5D48201E55}"/>
+                </a:ext>
+              </a:extLst>
+            </p:cNvPr>
+            <p:cNvSpPr/>
+            <p:nvPr/>
+          </p:nvSpPr>
+          <p:spPr>
+            <a:xfrm>
+              <a:off x="6221518" y="4180567"/>
+              <a:ext cx="2975146" cy="1028305"/>
+            </a:xfrm>
+            <a:prstGeom prst="roundRect">
+              <a:avLst>
+                <a:gd name="adj" fmla="val 13606"/>
+              </a:avLst>
+            </a:prstGeom>
+            <a:solidFill>
+              <a:srgbClr val="F3F3F3"/>
+            </a:solidFill>
+            <a:ln>
+              <a:noFill/>
+            </a:ln>
+          </p:spPr>
+          <p:style>
+            <a:lnRef idx="2">
+              <a:schemeClr val="accent1">
+                <a:shade val="15000"/>
+              </a:schemeClr>
+            </a:lnRef>
+            <a:fillRef idx="1">
+              <a:schemeClr val="accent1"/>
+            </a:fillRef>
+            <a:effectRef idx="0">
+              <a:schemeClr val="accent1"/>
+            </a:effectRef>
+            <a:fontRef idx="minor">
+              <a:schemeClr val="lt1"/>
+            </a:fontRef>
+          </p:style>
+          <p:txBody>
+            <a:bodyPr rtlCol="0" anchor="ctr"/>
+            <a:lstStyle/>
+            <a:p>
+              <a:pPr algn="ctr"/>
+              <a:endParaRPr kumimoji="1" lang="zh-CN" altLang="en-US" sz="2000">
+                <a:solidFill>
+                  <a:schemeClr val="tx1"/>
+                </a:solidFill>
+                <a:latin typeface="Calibri" panose="020F0502020204030204" pitchFamily="34" charset="0"/>
+                <a:cs typeface="Calibri" panose="020F0502020204030204" pitchFamily="34" charset="0"/>
+              </a:endParaRPr>
+            </a:p>
+          </p:txBody>
+        </p:sp>
+        <p:sp>
+          <p:nvSpPr>
+            <p:cNvPr id="103" name="文本框 102">
+              <a:extLst>
+                <a:ext uri="{FF2B5EF4-FFF2-40B4-BE49-F238E27FC236}">
+                  <a16:creationId xmlns:a16="http://schemas.microsoft.com/office/drawing/2014/main" id="{4CBE435D-C4BE-E947-0A09-99E3BF8F6D76}"/>
+                </a:ext>
+              </a:extLst>
+            </p:cNvPr>
+            <p:cNvSpPr txBox="1"/>
+            <p:nvPr/>
+          </p:nvSpPr>
+          <p:spPr>
+            <a:xfrm>
+              <a:off x="6336715" y="4312175"/>
+              <a:ext cx="2708891" cy="830997"/>
+            </a:xfrm>
+            <a:prstGeom prst="rect">
+              <a:avLst/>
+            </a:prstGeom>
+            <a:noFill/>
+          </p:spPr>
+          <p:txBody>
+            <a:bodyPr wrap="square" rtlCol="0">
+              <a:spAutoFit/>
+            </a:bodyPr>
+            <a:lstStyle/>
+            <a:p>
+              <a:pPr algn="ctr"/>
+              <a:r>
+                <a:rPr kumimoji="1" lang="en-US" altLang="zh-CN" sz="2800" b="1" dirty="0">
+                  <a:latin typeface="Calibri" panose="020F0502020204030204" pitchFamily="34" charset="0"/>
+                  <a:ea typeface="Helvetica Neue" panose="02000503000000020004" pitchFamily="2" charset="0"/>
+                  <a:cs typeface="Calibri" panose="020F0502020204030204" pitchFamily="34" charset="0"/>
+                </a:rPr>
+                <a:t>Selection</a:t>
+              </a:r>
+              <a:r>
+                <a:rPr kumimoji="1" lang="zh-CN" altLang="en-US" sz="2400" b="1" dirty="0">
+                  <a:latin typeface="Calibri" panose="020F0502020204030204" pitchFamily="34" charset="0"/>
+                  <a:ea typeface="Helvetica Neue" panose="02000503000000020004" pitchFamily="2" charset="0"/>
+                  <a:cs typeface="Calibri" panose="020F0502020204030204" pitchFamily="34" charset="0"/>
+                </a:rPr>
+                <a:t>  </a:t>
+              </a:r>
+              <a:endParaRPr kumimoji="1" lang="en-US" altLang="zh-CN" sz="2400" b="1" dirty="0">
+                <a:latin typeface="Calibri" panose="020F0502020204030204" pitchFamily="34" charset="0"/>
+                <a:ea typeface="Helvetica Neue" panose="02000503000000020004" pitchFamily="2" charset="0"/>
+                <a:cs typeface="Calibri" panose="020F0502020204030204" pitchFamily="34" charset="0"/>
+              </a:endParaRPr>
+            </a:p>
+            <a:p>
+              <a:pPr algn="ctr"/>
+              <a:r>
+                <a:rPr kumimoji="1" lang="en" altLang="zh-CN" sz="2000" dirty="0">
+                  <a:latin typeface="Calibri" panose="020F0502020204030204" pitchFamily="34" charset="0"/>
+                  <a:ea typeface="Menlo" panose="020B0609030804020204" pitchFamily="49" charset="0"/>
+                  <a:cs typeface="Calibri" panose="020F0502020204030204" pitchFamily="34" charset="0"/>
+                </a:rPr>
+                <a:t>(name STARTS WITH “B”)</a:t>
+              </a:r>
+            </a:p>
+          </p:txBody>
+        </p:sp>
+      </p:grpSp>
+      <p:cxnSp>
+        <p:nvCxnSpPr>
+          <p:cNvPr id="104" name="直线箭头连接符 103">
+            <a:extLst>
+              <a:ext uri="{FF2B5EF4-FFF2-40B4-BE49-F238E27FC236}">
+                <a16:creationId xmlns:a16="http://schemas.microsoft.com/office/drawing/2014/main" id="{4469BE5C-D911-5362-B271-EF55D528F1E8}"/>
+              </a:ext>
+            </a:extLst>
+          </p:cNvPr>
+          <p:cNvCxnSpPr>
+            <a:cxnSpLocks/>
+            <a:stCxn id="99" idx="3"/>
+            <a:endCxn id="102" idx="1"/>
+          </p:cNvCxnSpPr>
+          <p:nvPr/>
+        </p:nvCxnSpPr>
+        <p:spPr>
+          <a:xfrm>
+            <a:off x="-8333959" y="2203842"/>
+            <a:ext cx="308929" cy="9288"/>
+          </a:xfrm>
+          <a:prstGeom prst="straightConnector1">
+            <a:avLst/>
+          </a:prstGeom>
+          <a:ln w="28575">
+            <a:solidFill>
+              <a:srgbClr val="8B649D"/>
+            </a:solidFill>
+            <a:tailEnd type="triangle"/>
+          </a:ln>
+        </p:spPr>
+        <p:style>
+          <a:lnRef idx="3">
+            <a:schemeClr val="dk1"/>
+          </a:lnRef>
+          <a:fillRef idx="0">
+            <a:schemeClr val="dk1"/>
+          </a:fillRef>
+          <a:effectRef idx="2">
+            <a:schemeClr val="dk1"/>
+          </a:effectRef>
+          <a:fontRef idx="minor">
+            <a:schemeClr val="tx1"/>
+          </a:fontRef>
+        </p:style>
+      </p:cxnSp>
+      <p:sp>
+        <p:nvSpPr>
+          <p:cNvPr id="105" name="圆角矩形 104">
+            <a:extLst>
+              <a:ext uri="{FF2B5EF4-FFF2-40B4-BE49-F238E27FC236}">
+                <a16:creationId xmlns:a16="http://schemas.microsoft.com/office/drawing/2014/main" id="{B45C5F27-B481-938F-C375-5A34A734DDC8}"/>
+              </a:ext>
+            </a:extLst>
+          </p:cNvPr>
+          <p:cNvSpPr/>
+          <p:nvPr/>
+        </p:nvSpPr>
+        <p:spPr>
+          <a:xfrm>
+            <a:off x="-4686304" y="-1455197"/>
+            <a:ext cx="2975146" cy="725306"/>
+          </a:xfrm>
+          <a:prstGeom prst="roundRect">
+            <a:avLst>
+              <a:gd name="adj" fmla="val 13606"/>
+            </a:avLst>
+          </a:prstGeom>
+          <a:solidFill>
+            <a:srgbClr val="F3F3F3"/>
+          </a:solidFill>
+          <a:ln>
+            <a:noFill/>
+          </a:ln>
+        </p:spPr>
+        <p:style>
+          <a:lnRef idx="2">
+            <a:schemeClr val="accent1">
+              <a:shade val="15000"/>
+            </a:schemeClr>
+          </a:lnRef>
+          <a:fillRef idx="1">
+            <a:schemeClr val="accent1"/>
+          </a:fillRef>
+          <a:effectRef idx="0">
+            <a:schemeClr val="accent1"/>
+          </a:effectRef>
+          <a:fontRef idx="minor">
+            <a:schemeClr val="lt1"/>
+          </a:fontRef>
+        </p:style>
+        <p:txBody>
+          <a:bodyPr rtlCol="0" anchor="ctr"/>
+          <a:lstStyle/>
+          <a:p>
+            <a:pPr algn="ctr"/>
+            <a:endParaRPr kumimoji="1" lang="zh-CN" altLang="en-US" sz="2000">
+              <a:solidFill>
+                <a:schemeClr val="tx1"/>
+              </a:solidFill>
+              <a:latin typeface="Calibri" panose="020F0502020204030204" pitchFamily="34" charset="0"/>
+              <a:cs typeface="Calibri" panose="020F0502020204030204" pitchFamily="34" charset="0"/>
+            </a:endParaRPr>
+          </a:p>
+        </p:txBody>
+      </p:sp>
+      <p:cxnSp>
+        <p:nvCxnSpPr>
+          <p:cNvPr id="106" name="直线箭头连接符 105">
+            <a:extLst>
+              <a:ext uri="{FF2B5EF4-FFF2-40B4-BE49-F238E27FC236}">
+                <a16:creationId xmlns:a16="http://schemas.microsoft.com/office/drawing/2014/main" id="{BC6D2625-2211-B86B-EA85-5C22E7DB9CE7}"/>
+              </a:ext>
+            </a:extLst>
+          </p:cNvPr>
+          <p:cNvCxnSpPr>
+            <a:cxnSpLocks/>
+            <a:stCxn id="102" idx="3"/>
+            <a:endCxn id="91" idx="1"/>
+          </p:cNvCxnSpPr>
+          <p:nvPr/>
+        </p:nvCxnSpPr>
+        <p:spPr>
+          <a:xfrm>
+            <a:off x="-5049884" y="2213130"/>
+            <a:ext cx="371295" cy="0"/>
+          </a:xfrm>
+          <a:prstGeom prst="straightConnector1">
+            <a:avLst/>
+          </a:prstGeom>
+          <a:ln w="28575">
+            <a:solidFill>
+              <a:srgbClr val="8B649D"/>
+            </a:solidFill>
+            <a:tailEnd type="triangle"/>
+          </a:ln>
+        </p:spPr>
+        <p:style>
+          <a:lnRef idx="3">
+            <a:schemeClr val="dk1"/>
+          </a:lnRef>
+          <a:fillRef idx="0">
+            <a:schemeClr val="dk1"/>
+          </a:fillRef>
+          <a:effectRef idx="2">
+            <a:schemeClr val="dk1"/>
+          </a:effectRef>
+          <a:fontRef idx="minor">
+            <a:schemeClr val="tx1"/>
+          </a:fontRef>
+        </p:style>
+      </p:cxnSp>
+      <p:cxnSp>
+        <p:nvCxnSpPr>
+          <p:cNvPr id="107" name="直线箭头连接符 106">
+            <a:extLst>
+              <a:ext uri="{FF2B5EF4-FFF2-40B4-BE49-F238E27FC236}">
+                <a16:creationId xmlns:a16="http://schemas.microsoft.com/office/drawing/2014/main" id="{9579CE06-F2CC-BC21-B8B3-A95FF212C3D6}"/>
+              </a:ext>
+            </a:extLst>
+          </p:cNvPr>
+          <p:cNvCxnSpPr>
+            <a:cxnSpLocks/>
+            <a:stCxn id="130" idx="0"/>
+            <a:endCxn id="105" idx="2"/>
+          </p:cNvCxnSpPr>
+          <p:nvPr/>
+        </p:nvCxnSpPr>
+        <p:spPr>
+          <a:xfrm flipH="1" flipV="1">
+            <a:off x="-3198731" y="-729891"/>
+            <a:ext cx="2831" cy="337168"/>
+          </a:xfrm>
+          <a:prstGeom prst="straightConnector1">
+            <a:avLst/>
+          </a:prstGeom>
+          <a:ln w="28575">
+            <a:solidFill>
+              <a:srgbClr val="8B649D"/>
+            </a:solidFill>
+            <a:tailEnd type="triangle"/>
+          </a:ln>
+        </p:spPr>
+        <p:style>
+          <a:lnRef idx="3">
+            <a:schemeClr val="dk1"/>
+          </a:lnRef>
+          <a:fillRef idx="0">
+            <a:schemeClr val="dk1"/>
+          </a:fillRef>
+          <a:effectRef idx="2">
+            <a:schemeClr val="dk1"/>
+          </a:effectRef>
+          <a:fontRef idx="minor">
+            <a:schemeClr val="tx1"/>
+          </a:fontRef>
+        </p:style>
+      </p:cxnSp>
+      <p:sp>
+        <p:nvSpPr>
+          <p:cNvPr id="108" name="圆角矩形 107">
+            <a:extLst>
+              <a:ext uri="{FF2B5EF4-FFF2-40B4-BE49-F238E27FC236}">
+                <a16:creationId xmlns:a16="http://schemas.microsoft.com/office/drawing/2014/main" id="{ADFCB62E-8E55-C3F1-52C1-94063CB0BD69}"/>
+              </a:ext>
+            </a:extLst>
+          </p:cNvPr>
+          <p:cNvSpPr/>
+          <p:nvPr/>
+        </p:nvSpPr>
+        <p:spPr>
+          <a:xfrm>
+            <a:off x="-4739893" y="-2695636"/>
+            <a:ext cx="3078654" cy="895280"/>
+          </a:xfrm>
+          <a:prstGeom prst="roundRect">
+            <a:avLst>
+              <a:gd name="adj" fmla="val 16118"/>
+            </a:avLst>
+          </a:prstGeom>
+          <a:solidFill>
+            <a:srgbClr val="F3F3F3"/>
+          </a:solidFill>
+          <a:ln>
+            <a:noFill/>
+          </a:ln>
+        </p:spPr>
+        <p:style>
+          <a:lnRef idx="2">
+            <a:schemeClr val="accent1">
+              <a:shade val="15000"/>
+            </a:schemeClr>
+          </a:lnRef>
+          <a:fillRef idx="1">
+            <a:schemeClr val="accent1"/>
+          </a:fillRef>
+          <a:effectRef idx="0">
+            <a:schemeClr val="accent1"/>
+          </a:effectRef>
+          <a:fontRef idx="minor">
+            <a:schemeClr val="lt1"/>
+          </a:fontRef>
+        </p:style>
+        <p:txBody>
+          <a:bodyPr rtlCol="0" anchor="ctr"/>
+          <a:lstStyle/>
+          <a:p>
+            <a:pPr algn="ctr"/>
+            <a:endParaRPr kumimoji="1" lang="zh-CN" altLang="en-US" sz="2000" dirty="0">
+              <a:solidFill>
+                <a:schemeClr val="tx1"/>
+              </a:solidFill>
+              <a:latin typeface="Calibri" panose="020F0502020204030204" pitchFamily="34" charset="0"/>
+              <a:cs typeface="Calibri" panose="020F0502020204030204" pitchFamily="34" charset="0"/>
+            </a:endParaRPr>
+          </a:p>
+        </p:txBody>
+      </p:sp>
+      <p:sp>
+        <p:nvSpPr>
+          <p:cNvPr id="109" name="文本框 108">
+            <a:extLst>
+              <a:ext uri="{FF2B5EF4-FFF2-40B4-BE49-F238E27FC236}">
+                <a16:creationId xmlns:a16="http://schemas.microsoft.com/office/drawing/2014/main" id="{1E68473E-FB7F-00D4-4EDD-C43FE878E650}"/>
+              </a:ext>
+            </a:extLst>
+          </p:cNvPr>
+          <p:cNvSpPr txBox="1"/>
+          <p:nvPr/>
+        </p:nvSpPr>
+        <p:spPr>
+          <a:xfrm>
+            <a:off x="-4464687" y="-2695636"/>
+            <a:ext cx="2649578" cy="892552"/>
+          </a:xfrm>
+          <a:prstGeom prst="rect">
+            <a:avLst/>
+          </a:prstGeom>
+          <a:noFill/>
+        </p:spPr>
+        <p:txBody>
+          <a:bodyPr wrap="square" rtlCol="0">
+            <a:spAutoFit/>
+          </a:bodyPr>
+          <a:lstStyle/>
+          <a:p>
+            <a:pPr algn="ctr"/>
+            <a:r>
+              <a:rPr kumimoji="1" lang="en-US" altLang="zh-CN" sz="2800" b="1" dirty="0">
+                <a:latin typeface="Calibri" panose="020F0502020204030204" pitchFamily="34" charset="0"/>
+                <a:ea typeface="Helvetica Neue" panose="02000503000000020004" pitchFamily="2" charset="0"/>
+                <a:cs typeface="Calibri" panose="020F0502020204030204" pitchFamily="34" charset="0"/>
+              </a:rPr>
+              <a:t>Projection</a:t>
+            </a:r>
+          </a:p>
+          <a:p>
+            <a:pPr algn="ctr"/>
+            <a:r>
+              <a:rPr kumimoji="1" lang="en" altLang="zh-CN" sz="2400" dirty="0" err="1">
+                <a:latin typeface="Calibri" panose="020F0502020204030204" pitchFamily="34" charset="0"/>
+                <a:ea typeface="Menlo" panose="020B0609030804020204" pitchFamily="49" charset="0"/>
+                <a:cs typeface="Calibri" panose="020F0502020204030204" pitchFamily="34" charset="0"/>
+              </a:rPr>
+              <a:t>n.name</a:t>
+            </a:r>
+            <a:r>
+              <a:rPr kumimoji="1" lang="en" altLang="zh-CN" sz="2400" i="1" dirty="0">
+                <a:latin typeface="Calibri" panose="020F0502020204030204" pitchFamily="34" charset="0"/>
+                <a:ea typeface="Menlo" panose="020B0609030804020204" pitchFamily="49" charset="0"/>
+                <a:cs typeface="Calibri" panose="020F0502020204030204" pitchFamily="34" charset="0"/>
+              </a:rPr>
+              <a:t>    </a:t>
+            </a:r>
+            <a:r>
+              <a:rPr kumimoji="1" lang="en" altLang="zh-CN" sz="2400" dirty="0" err="1">
+                <a:latin typeface="Calibri" panose="020F0502020204030204" pitchFamily="34" charset="0"/>
+                <a:ea typeface="Menlo" panose="020B0609030804020204" pitchFamily="49" charset="0"/>
+                <a:cs typeface="Calibri" panose="020F0502020204030204" pitchFamily="34" charset="0"/>
+              </a:rPr>
+              <a:t>n.name</a:t>
+            </a:r>
+            <a:r>
+              <a:rPr kumimoji="1" lang="zh-CN" altLang="en-US" sz="2400" i="1" u="sng" dirty="0">
+                <a:latin typeface="Calibri" panose="020F0502020204030204" pitchFamily="34" charset="0"/>
+                <a:cs typeface="Calibri" panose="020F0502020204030204" pitchFamily="34" charset="0"/>
+              </a:rPr>
+              <a:t>  </a:t>
+            </a:r>
+            <a:endParaRPr kumimoji="1" lang="en-US" altLang="zh-CN" sz="2400" i="1" u="sng" dirty="0">
+              <a:latin typeface="Calibri" panose="020F0502020204030204" pitchFamily="34" charset="0"/>
+              <a:ea typeface="Menlo" panose="020B0609030804020204" pitchFamily="49" charset="0"/>
+              <a:cs typeface="Calibri" panose="020F0502020204030204" pitchFamily="34" charset="0"/>
+            </a:endParaRPr>
+          </a:p>
+        </p:txBody>
+      </p:sp>
+      <p:cxnSp>
+        <p:nvCxnSpPr>
+          <p:cNvPr id="110" name="直线箭头连接符 109">
+            <a:extLst>
+              <a:ext uri="{FF2B5EF4-FFF2-40B4-BE49-F238E27FC236}">
+                <a16:creationId xmlns:a16="http://schemas.microsoft.com/office/drawing/2014/main" id="{7AF30B66-ACFF-3D44-0CAF-D3F0CC91940E}"/>
+              </a:ext>
+            </a:extLst>
+          </p:cNvPr>
+          <p:cNvCxnSpPr>
+            <a:cxnSpLocks/>
+            <a:stCxn id="105" idx="0"/>
+            <a:endCxn id="108" idx="2"/>
+          </p:cNvCxnSpPr>
+          <p:nvPr/>
+        </p:nvCxnSpPr>
+        <p:spPr>
+          <a:xfrm flipH="1" flipV="1">
+            <a:off x="-3200566" y="-1800356"/>
+            <a:ext cx="1835" cy="345159"/>
+          </a:xfrm>
+          <a:prstGeom prst="straightConnector1">
+            <a:avLst/>
+          </a:prstGeom>
+          <a:ln w="28575">
+            <a:solidFill>
+              <a:srgbClr val="8B649D"/>
+            </a:solidFill>
+            <a:tailEnd type="triangle"/>
+          </a:ln>
+        </p:spPr>
+        <p:style>
+          <a:lnRef idx="3">
+            <a:schemeClr val="dk1"/>
+          </a:lnRef>
+          <a:fillRef idx="0">
+            <a:schemeClr val="dk1"/>
+          </a:fillRef>
+          <a:effectRef idx="2">
+            <a:schemeClr val="dk1"/>
+          </a:effectRef>
+          <a:fontRef idx="minor">
+            <a:schemeClr val="tx1"/>
+          </a:fontRef>
+        </p:style>
+      </p:cxnSp>
+      <p:sp>
+        <p:nvSpPr>
+          <p:cNvPr id="111" name="文本框 110">
+            <a:extLst>
+              <a:ext uri="{FF2B5EF4-FFF2-40B4-BE49-F238E27FC236}">
+                <a16:creationId xmlns:a16="http://schemas.microsoft.com/office/drawing/2014/main" id="{666EEE0D-3E67-F1D7-D1D1-D454E803E5D6}"/>
+              </a:ext>
+            </a:extLst>
+          </p:cNvPr>
+          <p:cNvSpPr txBox="1"/>
+          <p:nvPr/>
+        </p:nvSpPr>
+        <p:spPr>
+          <a:xfrm>
+            <a:off x="-4315391" y="1912407"/>
+            <a:ext cx="2248750" cy="523220"/>
+          </a:xfrm>
+          <a:prstGeom prst="rect">
+            <a:avLst/>
+          </a:prstGeom>
+          <a:noFill/>
+        </p:spPr>
+        <p:txBody>
+          <a:bodyPr wrap="square" rtlCol="0">
+            <a:spAutoFit/>
+          </a:bodyPr>
+          <a:lstStyle/>
+          <a:p>
+            <a:pPr algn="ctr"/>
+            <a:r>
+              <a:rPr kumimoji="1" lang="en-US" altLang="zh-CN" sz="2800" b="1" dirty="0">
+                <a:latin typeface="Calibri" panose="020F0502020204030204" pitchFamily="34" charset="0"/>
+                <a:ea typeface="Helvetica Neue" panose="02000503000000020004" pitchFamily="2" charset="0"/>
+                <a:cs typeface="Calibri" panose="020F0502020204030204" pitchFamily="34" charset="0"/>
+              </a:rPr>
+              <a:t>Join</a:t>
+            </a:r>
+            <a:r>
+              <a:rPr kumimoji="1" lang="zh-CN" altLang="en-US" sz="2400" b="1" dirty="0">
+                <a:latin typeface="Calibri" panose="020F0502020204030204" pitchFamily="34" charset="0"/>
+                <a:ea typeface="Helvetica Neue" panose="02000503000000020004" pitchFamily="2" charset="0"/>
+                <a:cs typeface="Calibri" panose="020F0502020204030204" pitchFamily="34" charset="0"/>
+              </a:rPr>
+              <a:t>  </a:t>
+            </a:r>
+            <a:endParaRPr kumimoji="1" lang="en-US" altLang="zh-CN" sz="2400" b="1" dirty="0">
+              <a:latin typeface="Calibri" panose="020F0502020204030204" pitchFamily="34" charset="0"/>
+              <a:ea typeface="Helvetica Neue" panose="02000503000000020004" pitchFamily="2" charset="0"/>
+              <a:cs typeface="Calibri" panose="020F0502020204030204" pitchFamily="34" charset="0"/>
+            </a:endParaRPr>
+          </a:p>
+        </p:txBody>
+      </p:sp>
+      <p:sp>
+        <p:nvSpPr>
+          <p:cNvPr id="112" name="文本框 111">
+            <a:extLst>
+              <a:ext uri="{FF2B5EF4-FFF2-40B4-BE49-F238E27FC236}">
+                <a16:creationId xmlns:a16="http://schemas.microsoft.com/office/drawing/2014/main" id="{224480D0-C016-922B-36DC-B247D30CD5E5}"/>
+              </a:ext>
+            </a:extLst>
+          </p:cNvPr>
+          <p:cNvSpPr txBox="1"/>
+          <p:nvPr/>
+        </p:nvSpPr>
+        <p:spPr>
+          <a:xfrm>
+            <a:off x="-4292107" y="-1344934"/>
+            <a:ext cx="2248750" cy="523220"/>
+          </a:xfrm>
+          <a:prstGeom prst="rect">
+            <a:avLst/>
+          </a:prstGeom>
+          <a:noFill/>
+        </p:spPr>
+        <p:txBody>
+          <a:bodyPr wrap="square" rtlCol="0">
+            <a:spAutoFit/>
+          </a:bodyPr>
+          <a:lstStyle/>
+          <a:p>
+            <a:pPr algn="ctr"/>
+            <a:r>
+              <a:rPr kumimoji="1" lang="en-US" altLang="zh-CN" sz="2800" b="1" dirty="0">
+                <a:latin typeface="Calibri" panose="020F0502020204030204" pitchFamily="34" charset="0"/>
+                <a:ea typeface="Helvetica Neue" panose="02000503000000020004" pitchFamily="2" charset="0"/>
+                <a:cs typeface="Calibri" panose="020F0502020204030204" pitchFamily="34" charset="0"/>
+              </a:rPr>
+              <a:t>Join</a:t>
+            </a:r>
+            <a:r>
+              <a:rPr kumimoji="1" lang="zh-CN" altLang="en-US" sz="2400" b="1" dirty="0">
+                <a:latin typeface="Calibri" panose="020F0502020204030204" pitchFamily="34" charset="0"/>
+                <a:ea typeface="Helvetica Neue" panose="02000503000000020004" pitchFamily="2" charset="0"/>
+                <a:cs typeface="Calibri" panose="020F0502020204030204" pitchFamily="34" charset="0"/>
+              </a:rPr>
+              <a:t>  </a:t>
+            </a:r>
+            <a:endParaRPr kumimoji="1" lang="en-US" altLang="zh-CN" sz="2400" b="1" dirty="0">
+              <a:latin typeface="Calibri" panose="020F0502020204030204" pitchFamily="34" charset="0"/>
+              <a:ea typeface="Helvetica Neue" panose="02000503000000020004" pitchFamily="2" charset="0"/>
+              <a:cs typeface="Calibri" panose="020F0502020204030204" pitchFamily="34" charset="0"/>
+            </a:endParaRPr>
+          </a:p>
+        </p:txBody>
+      </p:sp>
+      <p:grpSp>
+        <p:nvGrpSpPr>
+          <p:cNvPr id="113" name="组合 112">
+            <a:extLst>
+              <a:ext uri="{FF2B5EF4-FFF2-40B4-BE49-F238E27FC236}">
+                <a16:creationId xmlns:a16="http://schemas.microsoft.com/office/drawing/2014/main" id="{CCD14518-5650-DC32-B133-567C40DA5CA3}"/>
+              </a:ext>
+            </a:extLst>
+          </p:cNvPr>
+          <p:cNvGrpSpPr/>
+          <p:nvPr/>
+        </p:nvGrpSpPr>
+        <p:grpSpPr>
+          <a:xfrm>
+            <a:off x="-4676411" y="3078854"/>
+            <a:ext cx="2975146" cy="793028"/>
+            <a:chOff x="859809" y="4030445"/>
+            <a:chExt cx="2975146" cy="793028"/>
+          </a:xfrm>
+        </p:grpSpPr>
+        <p:sp>
+          <p:nvSpPr>
+            <p:cNvPr id="114" name="圆角矩形 113">
+              <a:extLst>
+                <a:ext uri="{FF2B5EF4-FFF2-40B4-BE49-F238E27FC236}">
+                  <a16:creationId xmlns:a16="http://schemas.microsoft.com/office/drawing/2014/main" id="{0B9DB3CD-4DD8-14AC-DDEB-B3DDC4BF87EC}"/>
+                </a:ext>
+              </a:extLst>
+            </p:cNvPr>
+            <p:cNvSpPr/>
+            <p:nvPr/>
+          </p:nvSpPr>
+          <p:spPr>
+            <a:xfrm>
+              <a:off x="859809" y="4030445"/>
+              <a:ext cx="2975146" cy="793028"/>
+            </a:xfrm>
+            <a:prstGeom prst="roundRect">
+              <a:avLst>
+                <a:gd name="adj" fmla="val 13606"/>
+              </a:avLst>
+            </a:prstGeom>
+            <a:solidFill>
+              <a:srgbClr val="F3F3F3"/>
+            </a:solidFill>
+            <a:ln>
+              <a:noFill/>
+            </a:ln>
+          </p:spPr>
+          <p:style>
+            <a:lnRef idx="2">
+              <a:schemeClr val="accent1">
+                <a:shade val="15000"/>
+              </a:schemeClr>
+            </a:lnRef>
+            <a:fillRef idx="1">
+              <a:schemeClr val="accent1"/>
+            </a:fillRef>
+            <a:effectRef idx="0">
+              <a:schemeClr val="accent1"/>
+            </a:effectRef>
+            <a:fontRef idx="minor">
+              <a:schemeClr val="lt1"/>
+            </a:fontRef>
+          </p:style>
+          <p:txBody>
+            <a:bodyPr rtlCol="0" anchor="ctr"/>
+            <a:lstStyle/>
+            <a:p>
+              <a:pPr algn="ctr"/>
+              <a:endParaRPr kumimoji="1" lang="zh-CN" altLang="en-US" sz="2000">
+                <a:solidFill>
+                  <a:schemeClr val="tx1"/>
+                </a:solidFill>
+                <a:latin typeface="Calibri" panose="020F0502020204030204" pitchFamily="34" charset="0"/>
+                <a:cs typeface="Calibri" panose="020F0502020204030204" pitchFamily="34" charset="0"/>
+              </a:endParaRPr>
+            </a:p>
+          </p:txBody>
+        </p:sp>
+        <p:sp>
+          <p:nvSpPr>
+            <p:cNvPr id="115" name="文本框 114">
+              <a:extLst>
+                <a:ext uri="{FF2B5EF4-FFF2-40B4-BE49-F238E27FC236}">
+                  <a16:creationId xmlns:a16="http://schemas.microsoft.com/office/drawing/2014/main" id="{A8987AB9-5C99-CC73-6FB0-3287AC170144}"/>
+                </a:ext>
+              </a:extLst>
+            </p:cNvPr>
+            <p:cNvSpPr txBox="1"/>
+            <p:nvPr/>
+          </p:nvSpPr>
+          <p:spPr>
+            <a:xfrm>
+              <a:off x="1187121" y="4134481"/>
+              <a:ext cx="2432526" cy="523220"/>
+            </a:xfrm>
+            <a:prstGeom prst="rect">
+              <a:avLst/>
+            </a:prstGeom>
+            <a:noFill/>
+          </p:spPr>
+          <p:txBody>
+            <a:bodyPr wrap="square" rtlCol="0">
+              <a:spAutoFit/>
+            </a:bodyPr>
+            <a:lstStyle/>
+            <a:p>
+              <a:pPr algn="ctr"/>
+              <a:r>
+                <a:rPr kumimoji="1" lang="en-US" altLang="zh-CN" sz="2800" b="1" dirty="0">
+                  <a:latin typeface="Calibri" panose="020F0502020204030204" pitchFamily="34" charset="0"/>
+                  <a:ea typeface="Helvetica Neue" panose="02000503000000020004" pitchFamily="2" charset="0"/>
+                  <a:cs typeface="Calibri" panose="020F0502020204030204" pitchFamily="34" charset="0"/>
+                </a:rPr>
+                <a:t>Join</a:t>
+              </a:r>
+              <a:endParaRPr kumimoji="1" lang="en-US" altLang="zh-CN" sz="2400" b="1" dirty="0">
+                <a:latin typeface="Calibri" panose="020F0502020204030204" pitchFamily="34" charset="0"/>
+                <a:ea typeface="Helvetica Neue" panose="02000503000000020004" pitchFamily="2" charset="0"/>
+                <a:cs typeface="Calibri" panose="020F0502020204030204" pitchFamily="34" charset="0"/>
+              </a:endParaRPr>
+            </a:p>
+          </p:txBody>
+        </p:sp>
+      </p:grpSp>
+      <p:cxnSp>
+        <p:nvCxnSpPr>
+          <p:cNvPr id="116" name="直线箭头连接符 115">
+            <a:extLst>
+              <a:ext uri="{FF2B5EF4-FFF2-40B4-BE49-F238E27FC236}">
+                <a16:creationId xmlns:a16="http://schemas.microsoft.com/office/drawing/2014/main" id="{0DF7EC6B-9D41-8671-6748-69B745534F10}"/>
+              </a:ext>
+            </a:extLst>
+          </p:cNvPr>
+          <p:cNvCxnSpPr>
+            <a:cxnSpLocks/>
+            <a:stCxn id="118" idx="3"/>
+            <a:endCxn id="114" idx="1"/>
+          </p:cNvCxnSpPr>
+          <p:nvPr/>
+        </p:nvCxnSpPr>
+        <p:spPr>
+          <a:xfrm>
+            <a:off x="-5035253" y="3473546"/>
+            <a:ext cx="358842" cy="1822"/>
+          </a:xfrm>
+          <a:prstGeom prst="straightConnector1">
+            <a:avLst/>
+          </a:prstGeom>
+          <a:ln w="28575">
+            <a:solidFill>
+              <a:srgbClr val="8B649D"/>
+            </a:solidFill>
+            <a:tailEnd type="triangle"/>
+          </a:ln>
+        </p:spPr>
+        <p:style>
+          <a:lnRef idx="3">
+            <a:schemeClr val="dk1"/>
+          </a:lnRef>
+          <a:fillRef idx="0">
+            <a:schemeClr val="dk1"/>
+          </a:fillRef>
+          <a:effectRef idx="2">
+            <a:schemeClr val="dk1"/>
+          </a:effectRef>
+          <a:fontRef idx="minor">
+            <a:schemeClr val="tx1"/>
+          </a:fontRef>
+        </p:style>
+      </p:cxnSp>
+      <p:grpSp>
+        <p:nvGrpSpPr>
+          <p:cNvPr id="117" name="组合 116">
+            <a:extLst>
+              <a:ext uri="{FF2B5EF4-FFF2-40B4-BE49-F238E27FC236}">
+                <a16:creationId xmlns:a16="http://schemas.microsoft.com/office/drawing/2014/main" id="{850ED88B-961C-9767-CC1C-51B4240A19DF}"/>
+              </a:ext>
+            </a:extLst>
+          </p:cNvPr>
+          <p:cNvGrpSpPr/>
+          <p:nvPr/>
+        </p:nvGrpSpPr>
+        <p:grpSpPr>
+          <a:xfrm>
+            <a:off x="-8113907" y="2959574"/>
+            <a:ext cx="3182162" cy="938376"/>
+            <a:chOff x="6118010" y="4270496"/>
+            <a:chExt cx="3182162" cy="938376"/>
+          </a:xfrm>
+        </p:grpSpPr>
+        <p:sp>
+          <p:nvSpPr>
+            <p:cNvPr id="118" name="圆角矩形 117">
+              <a:extLst>
+                <a:ext uri="{FF2B5EF4-FFF2-40B4-BE49-F238E27FC236}">
+                  <a16:creationId xmlns:a16="http://schemas.microsoft.com/office/drawing/2014/main" id="{2EA86C37-7E05-C9D9-CCDF-19CA550C0B76}"/>
+                </a:ext>
+              </a:extLst>
+            </p:cNvPr>
+            <p:cNvSpPr/>
+            <p:nvPr/>
+          </p:nvSpPr>
+          <p:spPr>
+            <a:xfrm>
+              <a:off x="6221518" y="4360063"/>
+              <a:ext cx="2975146" cy="848809"/>
+            </a:xfrm>
+            <a:prstGeom prst="roundRect">
+              <a:avLst>
+                <a:gd name="adj" fmla="val 13606"/>
+              </a:avLst>
+            </a:prstGeom>
+            <a:solidFill>
+              <a:srgbClr val="F3F3F3"/>
+            </a:solidFill>
+            <a:ln>
+              <a:noFill/>
+            </a:ln>
+          </p:spPr>
+          <p:style>
+            <a:lnRef idx="2">
+              <a:schemeClr val="accent1">
+                <a:shade val="15000"/>
+              </a:schemeClr>
+            </a:lnRef>
+            <a:fillRef idx="1">
+              <a:schemeClr val="accent1"/>
+            </a:fillRef>
+            <a:effectRef idx="0">
+              <a:schemeClr val="accent1"/>
+            </a:effectRef>
+            <a:fontRef idx="minor">
+              <a:schemeClr val="lt1"/>
+            </a:fontRef>
+          </p:style>
+          <p:txBody>
+            <a:bodyPr rtlCol="0" anchor="ctr"/>
+            <a:lstStyle/>
+            <a:p>
+              <a:pPr algn="ctr"/>
+              <a:endParaRPr kumimoji="1" lang="zh-CN" altLang="en-US" sz="2000">
+                <a:solidFill>
+                  <a:schemeClr val="tx1"/>
+                </a:solidFill>
+                <a:latin typeface="Calibri" panose="020F0502020204030204" pitchFamily="34" charset="0"/>
+                <a:cs typeface="Calibri" panose="020F0502020204030204" pitchFamily="34" charset="0"/>
+              </a:endParaRPr>
+            </a:p>
+          </p:txBody>
+        </p:sp>
+        <p:sp>
+          <p:nvSpPr>
+            <p:cNvPr id="119" name="文本框 118">
+              <a:extLst>
+                <a:ext uri="{FF2B5EF4-FFF2-40B4-BE49-F238E27FC236}">
+                  <a16:creationId xmlns:a16="http://schemas.microsoft.com/office/drawing/2014/main" id="{CA6F841B-3FF1-32B6-E628-3BC590566B01}"/>
+                </a:ext>
+              </a:extLst>
+            </p:cNvPr>
+            <p:cNvSpPr txBox="1"/>
+            <p:nvPr/>
+          </p:nvSpPr>
+          <p:spPr>
+            <a:xfrm>
+              <a:off x="6118010" y="4270496"/>
+              <a:ext cx="3182162" cy="892552"/>
             </a:xfrm>
             <a:prstGeom prst="rect">
               <a:avLst/>
@@ -9606,24 +13788,742 @@
       </p:grpSp>
       <p:cxnSp>
         <p:nvCxnSpPr>
-          <p:cNvPr id="55" name="直线箭头连接符 54">
-            <a:extLst>
-              <a:ext uri="{FF2B5EF4-FFF2-40B4-BE49-F238E27FC236}">
-                <a16:creationId xmlns:a16="http://schemas.microsoft.com/office/drawing/2014/main" id="{88C41CBF-EEC3-2C6C-BDB2-8A88C1FE2D42}"/>
+          <p:cNvPr id="120" name="直线箭头连接符 119">
+            <a:extLst>
+              <a:ext uri="{FF2B5EF4-FFF2-40B4-BE49-F238E27FC236}">
+                <a16:creationId xmlns:a16="http://schemas.microsoft.com/office/drawing/2014/main" id="{C966C99D-EF31-52F9-4DD3-F4E60F5B9AE9}"/>
               </a:ext>
             </a:extLst>
           </p:cNvPr>
           <p:cNvCxnSpPr>
             <a:cxnSpLocks/>
-            <a:stCxn id="22" idx="0"/>
-            <a:endCxn id="47" idx="2"/>
+            <a:stCxn id="114" idx="0"/>
+            <a:endCxn id="91" idx="2"/>
+          </p:cNvCxnSpPr>
+          <p:nvPr/>
+        </p:nvCxnSpPr>
+        <p:spPr>
+          <a:xfrm flipH="1" flipV="1">
+            <a:off x="-3191016" y="2610813"/>
+            <a:ext cx="2178" cy="468041"/>
+          </a:xfrm>
+          <a:prstGeom prst="straightConnector1">
+            <a:avLst/>
+          </a:prstGeom>
+          <a:ln w="28575">
+            <a:solidFill>
+              <a:srgbClr val="8B649D"/>
+            </a:solidFill>
+            <a:tailEnd type="triangle"/>
+          </a:ln>
+        </p:spPr>
+        <p:style>
+          <a:lnRef idx="3">
+            <a:schemeClr val="dk1"/>
+          </a:lnRef>
+          <a:fillRef idx="0">
+            <a:schemeClr val="dk1"/>
+          </a:fillRef>
+          <a:effectRef idx="2">
+            <a:schemeClr val="dk1"/>
+          </a:effectRef>
+          <a:fontRef idx="minor">
+            <a:schemeClr val="tx1"/>
+          </a:fontRef>
+        </p:style>
+      </p:cxnSp>
+      <p:grpSp>
+        <p:nvGrpSpPr>
+          <p:cNvPr id="121" name="组合 120">
+            <a:extLst>
+              <a:ext uri="{FF2B5EF4-FFF2-40B4-BE49-F238E27FC236}">
+                <a16:creationId xmlns:a16="http://schemas.microsoft.com/office/drawing/2014/main" id="{201B2B97-42BF-F718-E7BC-741CD2423FBE}"/>
+              </a:ext>
+            </a:extLst>
+          </p:cNvPr>
+          <p:cNvGrpSpPr/>
+          <p:nvPr/>
+        </p:nvGrpSpPr>
+        <p:grpSpPr>
+          <a:xfrm>
+            <a:off x="-4678589" y="653309"/>
+            <a:ext cx="2975146" cy="732560"/>
+            <a:chOff x="859809" y="4090913"/>
+            <a:chExt cx="2975146" cy="732560"/>
+          </a:xfrm>
+        </p:grpSpPr>
+        <p:sp>
+          <p:nvSpPr>
+            <p:cNvPr id="122" name="圆角矩形 121">
+              <a:extLst>
+                <a:ext uri="{FF2B5EF4-FFF2-40B4-BE49-F238E27FC236}">
+                  <a16:creationId xmlns:a16="http://schemas.microsoft.com/office/drawing/2014/main" id="{0F68FA82-C34C-5125-4997-41701B8B4ED3}"/>
+                </a:ext>
+              </a:extLst>
+            </p:cNvPr>
+            <p:cNvSpPr/>
+            <p:nvPr/>
+          </p:nvSpPr>
+          <p:spPr>
+            <a:xfrm>
+              <a:off x="859809" y="4090913"/>
+              <a:ext cx="2975146" cy="732560"/>
+            </a:xfrm>
+            <a:prstGeom prst="roundRect">
+              <a:avLst>
+                <a:gd name="adj" fmla="val 13606"/>
+              </a:avLst>
+            </a:prstGeom>
+            <a:solidFill>
+              <a:srgbClr val="F3F3F3"/>
+            </a:solidFill>
+            <a:ln>
+              <a:noFill/>
+            </a:ln>
+          </p:spPr>
+          <p:style>
+            <a:lnRef idx="2">
+              <a:schemeClr val="accent1">
+                <a:shade val="15000"/>
+              </a:schemeClr>
+            </a:lnRef>
+            <a:fillRef idx="1">
+              <a:schemeClr val="accent1"/>
+            </a:fillRef>
+            <a:effectRef idx="0">
+              <a:schemeClr val="accent1"/>
+            </a:effectRef>
+            <a:fontRef idx="minor">
+              <a:schemeClr val="lt1"/>
+            </a:fontRef>
+          </p:style>
+          <p:txBody>
+            <a:bodyPr rtlCol="0" anchor="ctr"/>
+            <a:lstStyle/>
+            <a:p>
+              <a:pPr algn="ctr"/>
+              <a:endParaRPr kumimoji="1" lang="zh-CN" altLang="en-US" sz="2000">
+                <a:solidFill>
+                  <a:schemeClr val="tx1"/>
+                </a:solidFill>
+                <a:latin typeface="Calibri" panose="020F0502020204030204" pitchFamily="34" charset="0"/>
+                <a:cs typeface="Calibri" panose="020F0502020204030204" pitchFamily="34" charset="0"/>
+              </a:endParaRPr>
+            </a:p>
+          </p:txBody>
+        </p:sp>
+        <p:sp>
+          <p:nvSpPr>
+            <p:cNvPr id="123" name="文本框 122">
+              <a:extLst>
+                <a:ext uri="{FF2B5EF4-FFF2-40B4-BE49-F238E27FC236}">
+                  <a16:creationId xmlns:a16="http://schemas.microsoft.com/office/drawing/2014/main" id="{D07D8F69-8701-ED65-164A-F72404A35911}"/>
+                </a:ext>
+              </a:extLst>
+            </p:cNvPr>
+            <p:cNvSpPr txBox="1"/>
+            <p:nvPr/>
+          </p:nvSpPr>
+          <p:spPr>
+            <a:xfrm>
+              <a:off x="1187121" y="4148549"/>
+              <a:ext cx="2432526" cy="523220"/>
+            </a:xfrm>
+            <a:prstGeom prst="rect">
+              <a:avLst/>
+            </a:prstGeom>
+            <a:noFill/>
+          </p:spPr>
+          <p:txBody>
+            <a:bodyPr wrap="square" rtlCol="0">
+              <a:spAutoFit/>
+            </a:bodyPr>
+            <a:lstStyle/>
+            <a:p>
+              <a:pPr algn="ctr"/>
+              <a:r>
+                <a:rPr kumimoji="1" lang="en-US" altLang="zh-CN" sz="2800" b="1" dirty="0">
+                  <a:latin typeface="Calibri" panose="020F0502020204030204" pitchFamily="34" charset="0"/>
+                  <a:ea typeface="Helvetica Neue" panose="02000503000000020004" pitchFamily="2" charset="0"/>
+                  <a:cs typeface="Calibri" panose="020F0502020204030204" pitchFamily="34" charset="0"/>
+                </a:rPr>
+                <a:t>Join</a:t>
+              </a:r>
+              <a:endParaRPr kumimoji="1" lang="en-US" altLang="zh-CN" sz="2400" b="1" dirty="0">
+                <a:latin typeface="Calibri" panose="020F0502020204030204" pitchFamily="34" charset="0"/>
+                <a:ea typeface="Helvetica Neue" panose="02000503000000020004" pitchFamily="2" charset="0"/>
+                <a:cs typeface="Calibri" panose="020F0502020204030204" pitchFamily="34" charset="0"/>
+              </a:endParaRPr>
+            </a:p>
+          </p:txBody>
+        </p:sp>
+      </p:grpSp>
+      <p:cxnSp>
+        <p:nvCxnSpPr>
+          <p:cNvPr id="124" name="直线箭头连接符 123">
+            <a:extLst>
+              <a:ext uri="{FF2B5EF4-FFF2-40B4-BE49-F238E27FC236}">
+                <a16:creationId xmlns:a16="http://schemas.microsoft.com/office/drawing/2014/main" id="{6056DF67-FF79-AC5D-3760-3F4B7B56E5AA}"/>
+              </a:ext>
+            </a:extLst>
+          </p:cNvPr>
+          <p:cNvCxnSpPr>
+            <a:cxnSpLocks/>
+            <a:stCxn id="126" idx="3"/>
+            <a:endCxn id="122" idx="1"/>
           </p:cNvCxnSpPr>
           <p:nvPr/>
         </p:nvCxnSpPr>
         <p:spPr>
           <a:xfrm flipV="1">
-            <a:off x="9006671" y="-292229"/>
-            <a:ext cx="0" cy="183872"/>
+            <a:off x="-5037431" y="1019589"/>
+            <a:ext cx="358842" cy="9402"/>
+          </a:xfrm>
+          <a:prstGeom prst="straightConnector1">
+            <a:avLst/>
+          </a:prstGeom>
+          <a:ln w="28575">
+            <a:solidFill>
+              <a:srgbClr val="8B649D"/>
+            </a:solidFill>
+            <a:tailEnd type="triangle"/>
+          </a:ln>
+        </p:spPr>
+        <p:style>
+          <a:lnRef idx="3">
+            <a:schemeClr val="dk1"/>
+          </a:lnRef>
+          <a:fillRef idx="0">
+            <a:schemeClr val="dk1"/>
+          </a:fillRef>
+          <a:effectRef idx="2">
+            <a:schemeClr val="dk1"/>
+          </a:effectRef>
+          <a:fontRef idx="minor">
+            <a:schemeClr val="tx1"/>
+          </a:fontRef>
+        </p:style>
+      </p:cxnSp>
+      <p:grpSp>
+        <p:nvGrpSpPr>
+          <p:cNvPr id="125" name="组合 124">
+            <a:extLst>
+              <a:ext uri="{FF2B5EF4-FFF2-40B4-BE49-F238E27FC236}">
+                <a16:creationId xmlns:a16="http://schemas.microsoft.com/office/drawing/2014/main" id="{CD174357-35C3-D610-70D4-498622BAA455}"/>
+              </a:ext>
+            </a:extLst>
+          </p:cNvPr>
+          <p:cNvGrpSpPr/>
+          <p:nvPr/>
+        </p:nvGrpSpPr>
+        <p:grpSpPr>
+          <a:xfrm>
+            <a:off x="-8120260" y="553112"/>
+            <a:ext cx="3182162" cy="892552"/>
+            <a:chOff x="6113835" y="4350043"/>
+            <a:chExt cx="3182162" cy="892552"/>
+          </a:xfrm>
+        </p:grpSpPr>
+        <p:sp>
+          <p:nvSpPr>
+            <p:cNvPr id="126" name="圆角矩形 125">
+              <a:extLst>
+                <a:ext uri="{FF2B5EF4-FFF2-40B4-BE49-F238E27FC236}">
+                  <a16:creationId xmlns:a16="http://schemas.microsoft.com/office/drawing/2014/main" id="{9D38FF30-AD92-2D4F-BFBA-761CC546BFD7}"/>
+                </a:ext>
+              </a:extLst>
+            </p:cNvPr>
+            <p:cNvSpPr/>
+            <p:nvPr/>
+          </p:nvSpPr>
+          <p:spPr>
+            <a:xfrm>
+              <a:off x="6221518" y="4442971"/>
+              <a:ext cx="2975146" cy="765901"/>
+            </a:xfrm>
+            <a:prstGeom prst="roundRect">
+              <a:avLst>
+                <a:gd name="adj" fmla="val 13606"/>
+              </a:avLst>
+            </a:prstGeom>
+            <a:solidFill>
+              <a:srgbClr val="F3F3F3"/>
+            </a:solidFill>
+            <a:ln>
+              <a:noFill/>
+            </a:ln>
+          </p:spPr>
+          <p:style>
+            <a:lnRef idx="2">
+              <a:schemeClr val="accent1">
+                <a:shade val="15000"/>
+              </a:schemeClr>
+            </a:lnRef>
+            <a:fillRef idx="1">
+              <a:schemeClr val="accent1"/>
+            </a:fillRef>
+            <a:effectRef idx="0">
+              <a:schemeClr val="accent1"/>
+            </a:effectRef>
+            <a:fontRef idx="minor">
+              <a:schemeClr val="lt1"/>
+            </a:fontRef>
+          </p:style>
+          <p:txBody>
+            <a:bodyPr rtlCol="0" anchor="ctr"/>
+            <a:lstStyle/>
+            <a:p>
+              <a:pPr algn="ctr"/>
+              <a:endParaRPr kumimoji="1" lang="zh-CN" altLang="en-US" sz="2000">
+                <a:solidFill>
+                  <a:schemeClr val="tx1"/>
+                </a:solidFill>
+                <a:latin typeface="Calibri" panose="020F0502020204030204" pitchFamily="34" charset="0"/>
+                <a:cs typeface="Calibri" panose="020F0502020204030204" pitchFamily="34" charset="0"/>
+              </a:endParaRPr>
+            </a:p>
+          </p:txBody>
+        </p:sp>
+        <p:sp>
+          <p:nvSpPr>
+            <p:cNvPr id="127" name="文本框 126">
+              <a:extLst>
+                <a:ext uri="{FF2B5EF4-FFF2-40B4-BE49-F238E27FC236}">
+                  <a16:creationId xmlns:a16="http://schemas.microsoft.com/office/drawing/2014/main" id="{EFC1D79D-2734-8EF5-EC78-2241E8203D1E}"/>
+                </a:ext>
+              </a:extLst>
+            </p:cNvPr>
+            <p:cNvSpPr txBox="1"/>
+            <p:nvPr/>
+          </p:nvSpPr>
+          <p:spPr>
+            <a:xfrm>
+              <a:off x="6113835" y="4350043"/>
+              <a:ext cx="3182162" cy="892552"/>
+            </a:xfrm>
+            <a:prstGeom prst="rect">
+              <a:avLst/>
+            </a:prstGeom>
+            <a:noFill/>
+          </p:spPr>
+          <p:txBody>
+            <a:bodyPr wrap="square" rtlCol="0">
+              <a:spAutoFit/>
+            </a:bodyPr>
+            <a:lstStyle/>
+            <a:p>
+              <a:pPr algn="ctr"/>
+              <a:r>
+                <a:rPr kumimoji="1" lang="en-US" altLang="zh-CN" sz="2800" b="1" dirty="0">
+                  <a:latin typeface="Calibri" panose="020F0502020204030204" pitchFamily="34" charset="0"/>
+                  <a:ea typeface="Helvetica Neue" panose="02000503000000020004" pitchFamily="2" charset="0"/>
+                  <a:cs typeface="Calibri" panose="020F0502020204030204" pitchFamily="34" charset="0"/>
+                </a:rPr>
+                <a:t>Scan</a:t>
+              </a:r>
+              <a:r>
+                <a:rPr kumimoji="1" lang="zh-CN" altLang="en-US" sz="2400" b="1" dirty="0">
+                  <a:latin typeface="Calibri" panose="020F0502020204030204" pitchFamily="34" charset="0"/>
+                  <a:ea typeface="Helvetica Neue" panose="02000503000000020004" pitchFamily="2" charset="0"/>
+                  <a:cs typeface="Calibri" panose="020F0502020204030204" pitchFamily="34" charset="0"/>
+                </a:rPr>
+                <a:t>  </a:t>
+              </a:r>
+              <a:r>
+                <a:rPr kumimoji="1" lang="en-US" altLang="zh-CN" sz="2400" dirty="0">
+                  <a:latin typeface="Calibri" panose="020F0502020204030204" pitchFamily="34" charset="0"/>
+                  <a:ea typeface="Helvetica Neue" panose="02000503000000020004" pitchFamily="2" charset="0"/>
+                  <a:cs typeface="Calibri" panose="020F0502020204030204" pitchFamily="34" charset="0"/>
+                </a:rPr>
+                <a:t>MOVIE_COMPANIES</a:t>
+              </a:r>
+              <a:endParaRPr kumimoji="1" lang="zh-CN" altLang="en-US" sz="2400" dirty="0">
+                <a:latin typeface="Calibri" panose="020F0502020204030204" pitchFamily="34" charset="0"/>
+                <a:cs typeface="Calibri" panose="020F0502020204030204" pitchFamily="34" charset="0"/>
+              </a:endParaRPr>
+            </a:p>
+          </p:txBody>
+        </p:sp>
+      </p:grpSp>
+      <p:cxnSp>
+        <p:nvCxnSpPr>
+          <p:cNvPr id="128" name="直线箭头连接符 127">
+            <a:extLst>
+              <a:ext uri="{FF2B5EF4-FFF2-40B4-BE49-F238E27FC236}">
+                <a16:creationId xmlns:a16="http://schemas.microsoft.com/office/drawing/2014/main" id="{4C1218CC-EE56-B126-CA9C-EFD5288ABEE8}"/>
+              </a:ext>
+            </a:extLst>
+          </p:cNvPr>
+          <p:cNvCxnSpPr>
+            <a:cxnSpLocks/>
+            <a:stCxn id="91" idx="0"/>
+            <a:endCxn id="122" idx="2"/>
+          </p:cNvCxnSpPr>
+          <p:nvPr/>
+        </p:nvCxnSpPr>
+        <p:spPr>
+          <a:xfrm flipV="1">
+            <a:off x="-3191016" y="1385869"/>
+            <a:ext cx="0" cy="429578"/>
+          </a:xfrm>
+          <a:prstGeom prst="straightConnector1">
+            <a:avLst/>
+          </a:prstGeom>
+          <a:ln w="28575">
+            <a:solidFill>
+              <a:srgbClr val="8B649D"/>
+            </a:solidFill>
+            <a:tailEnd type="triangle"/>
+          </a:ln>
+        </p:spPr>
+        <p:style>
+          <a:lnRef idx="3">
+            <a:schemeClr val="dk1"/>
+          </a:lnRef>
+          <a:fillRef idx="0">
+            <a:schemeClr val="dk1"/>
+          </a:fillRef>
+          <a:effectRef idx="2">
+            <a:schemeClr val="dk1"/>
+          </a:effectRef>
+          <a:fontRef idx="minor">
+            <a:schemeClr val="tx1"/>
+          </a:fontRef>
+        </p:style>
+      </p:cxnSp>
+      <p:grpSp>
+        <p:nvGrpSpPr>
+          <p:cNvPr id="129" name="组合 128">
+            <a:extLst>
+              <a:ext uri="{FF2B5EF4-FFF2-40B4-BE49-F238E27FC236}">
+                <a16:creationId xmlns:a16="http://schemas.microsoft.com/office/drawing/2014/main" id="{6E13E261-F134-987A-E831-A8AF191A42F7}"/>
+              </a:ext>
+            </a:extLst>
+          </p:cNvPr>
+          <p:cNvGrpSpPr/>
+          <p:nvPr/>
+        </p:nvGrpSpPr>
+        <p:grpSpPr>
+          <a:xfrm>
+            <a:off x="-4683473" y="-392723"/>
+            <a:ext cx="2975146" cy="788370"/>
+            <a:chOff x="859809" y="4035103"/>
+            <a:chExt cx="2975146" cy="788370"/>
+          </a:xfrm>
+        </p:grpSpPr>
+        <p:sp>
+          <p:nvSpPr>
+            <p:cNvPr id="130" name="圆角矩形 129">
+              <a:extLst>
+                <a:ext uri="{FF2B5EF4-FFF2-40B4-BE49-F238E27FC236}">
+                  <a16:creationId xmlns:a16="http://schemas.microsoft.com/office/drawing/2014/main" id="{54CC8FF0-DD1D-725C-C462-F63381CEA6DD}"/>
+                </a:ext>
+              </a:extLst>
+            </p:cNvPr>
+            <p:cNvSpPr/>
+            <p:nvPr/>
+          </p:nvSpPr>
+          <p:spPr>
+            <a:xfrm>
+              <a:off x="859809" y="4035103"/>
+              <a:ext cx="2975146" cy="788370"/>
+            </a:xfrm>
+            <a:prstGeom prst="roundRect">
+              <a:avLst>
+                <a:gd name="adj" fmla="val 13606"/>
+              </a:avLst>
+            </a:prstGeom>
+            <a:solidFill>
+              <a:srgbClr val="F3F3F3"/>
+            </a:solidFill>
+            <a:ln>
+              <a:noFill/>
+            </a:ln>
+          </p:spPr>
+          <p:style>
+            <a:lnRef idx="2">
+              <a:schemeClr val="accent1">
+                <a:shade val="15000"/>
+              </a:schemeClr>
+            </a:lnRef>
+            <a:fillRef idx="1">
+              <a:schemeClr val="accent1"/>
+            </a:fillRef>
+            <a:effectRef idx="0">
+              <a:schemeClr val="accent1"/>
+            </a:effectRef>
+            <a:fontRef idx="minor">
+              <a:schemeClr val="lt1"/>
+            </a:fontRef>
+          </p:style>
+          <p:txBody>
+            <a:bodyPr rtlCol="0" anchor="ctr"/>
+            <a:lstStyle/>
+            <a:p>
+              <a:pPr algn="ctr"/>
+              <a:endParaRPr kumimoji="1" lang="zh-CN" altLang="en-US" sz="2000">
+                <a:solidFill>
+                  <a:schemeClr val="tx1"/>
+                </a:solidFill>
+                <a:latin typeface="Calibri" panose="020F0502020204030204" pitchFamily="34" charset="0"/>
+                <a:cs typeface="Calibri" panose="020F0502020204030204" pitchFamily="34" charset="0"/>
+              </a:endParaRPr>
+            </a:p>
+          </p:txBody>
+        </p:sp>
+        <p:sp>
+          <p:nvSpPr>
+            <p:cNvPr id="131" name="文本框 130">
+              <a:extLst>
+                <a:ext uri="{FF2B5EF4-FFF2-40B4-BE49-F238E27FC236}">
+                  <a16:creationId xmlns:a16="http://schemas.microsoft.com/office/drawing/2014/main" id="{90DBC8A6-617F-CC19-72D8-B9F1B6916B4E}"/>
+                </a:ext>
+              </a:extLst>
+            </p:cNvPr>
+            <p:cNvSpPr txBox="1"/>
+            <p:nvPr/>
+          </p:nvSpPr>
+          <p:spPr>
+            <a:xfrm>
+              <a:off x="1187121" y="4120413"/>
+              <a:ext cx="2432526" cy="523220"/>
+            </a:xfrm>
+            <a:prstGeom prst="rect">
+              <a:avLst/>
+            </a:prstGeom>
+            <a:noFill/>
+          </p:spPr>
+          <p:txBody>
+            <a:bodyPr wrap="square" rtlCol="0">
+              <a:spAutoFit/>
+            </a:bodyPr>
+            <a:lstStyle/>
+            <a:p>
+              <a:pPr algn="ctr"/>
+              <a:r>
+                <a:rPr kumimoji="1" lang="en-US" altLang="zh-CN" sz="2800" b="1" dirty="0">
+                  <a:latin typeface="Calibri" panose="020F0502020204030204" pitchFamily="34" charset="0"/>
+                  <a:ea typeface="Helvetica Neue" panose="02000503000000020004" pitchFamily="2" charset="0"/>
+                  <a:cs typeface="Calibri" panose="020F0502020204030204" pitchFamily="34" charset="0"/>
+                </a:rPr>
+                <a:t>Join</a:t>
+              </a:r>
+              <a:endParaRPr kumimoji="1" lang="en-US" altLang="zh-CN" sz="2400" b="1" dirty="0">
+                <a:latin typeface="Calibri" panose="020F0502020204030204" pitchFamily="34" charset="0"/>
+                <a:ea typeface="Helvetica Neue" panose="02000503000000020004" pitchFamily="2" charset="0"/>
+                <a:cs typeface="Calibri" panose="020F0502020204030204" pitchFamily="34" charset="0"/>
+              </a:endParaRPr>
+            </a:p>
+          </p:txBody>
+        </p:sp>
+      </p:grpSp>
+      <p:cxnSp>
+        <p:nvCxnSpPr>
+          <p:cNvPr id="132" name="直线箭头连接符 131">
+            <a:extLst>
+              <a:ext uri="{FF2B5EF4-FFF2-40B4-BE49-F238E27FC236}">
+                <a16:creationId xmlns:a16="http://schemas.microsoft.com/office/drawing/2014/main" id="{4098DEBD-4604-E605-5579-B883E2250729}"/>
+              </a:ext>
+            </a:extLst>
+          </p:cNvPr>
+          <p:cNvCxnSpPr>
+            <a:cxnSpLocks/>
+            <a:stCxn id="134" idx="3"/>
+            <a:endCxn id="105" idx="1"/>
+          </p:cNvCxnSpPr>
+          <p:nvPr/>
+        </p:nvCxnSpPr>
+        <p:spPr>
+          <a:xfrm flipV="1">
+            <a:off x="-5138761" y="-1092544"/>
+            <a:ext cx="452457" cy="11504"/>
+          </a:xfrm>
+          <a:prstGeom prst="straightConnector1">
+            <a:avLst/>
+          </a:prstGeom>
+          <a:ln w="28575">
+            <a:solidFill>
+              <a:srgbClr val="8B649D"/>
+            </a:solidFill>
+            <a:tailEnd type="triangle"/>
+          </a:ln>
+        </p:spPr>
+        <p:style>
+          <a:lnRef idx="3">
+            <a:schemeClr val="dk1"/>
+          </a:lnRef>
+          <a:fillRef idx="0">
+            <a:schemeClr val="dk1"/>
+          </a:fillRef>
+          <a:effectRef idx="2">
+            <a:schemeClr val="dk1"/>
+          </a:effectRef>
+          <a:fontRef idx="minor">
+            <a:schemeClr val="tx1"/>
+          </a:fontRef>
+        </p:style>
+      </p:cxnSp>
+      <p:grpSp>
+        <p:nvGrpSpPr>
+          <p:cNvPr id="133" name="组合 132">
+            <a:extLst>
+              <a:ext uri="{FF2B5EF4-FFF2-40B4-BE49-F238E27FC236}">
+                <a16:creationId xmlns:a16="http://schemas.microsoft.com/office/drawing/2014/main" id="{059FFAF3-C5D4-AB41-04AB-C59F5482F9E6}"/>
+              </a:ext>
+            </a:extLst>
+          </p:cNvPr>
+          <p:cNvGrpSpPr/>
+          <p:nvPr/>
+        </p:nvGrpSpPr>
+        <p:grpSpPr>
+          <a:xfrm>
+            <a:off x="-8113907" y="-1508653"/>
+            <a:ext cx="2975146" cy="855225"/>
+            <a:chOff x="6221518" y="4353647"/>
+            <a:chExt cx="2975146" cy="855225"/>
+          </a:xfrm>
+        </p:grpSpPr>
+        <p:sp>
+          <p:nvSpPr>
+            <p:cNvPr id="134" name="圆角矩形 133">
+              <a:extLst>
+                <a:ext uri="{FF2B5EF4-FFF2-40B4-BE49-F238E27FC236}">
+                  <a16:creationId xmlns:a16="http://schemas.microsoft.com/office/drawing/2014/main" id="{C0EE5A31-7CD6-BCE6-DBCF-7DD15B7BD6FC}"/>
+                </a:ext>
+              </a:extLst>
+            </p:cNvPr>
+            <p:cNvSpPr/>
+            <p:nvPr/>
+          </p:nvSpPr>
+          <p:spPr>
+            <a:xfrm>
+              <a:off x="6221518" y="4353647"/>
+              <a:ext cx="2975146" cy="855225"/>
+            </a:xfrm>
+            <a:prstGeom prst="roundRect">
+              <a:avLst>
+                <a:gd name="adj" fmla="val 13606"/>
+              </a:avLst>
+            </a:prstGeom>
+            <a:solidFill>
+              <a:srgbClr val="F3F3F3"/>
+            </a:solidFill>
+            <a:ln>
+              <a:noFill/>
+            </a:ln>
+          </p:spPr>
+          <p:style>
+            <a:lnRef idx="2">
+              <a:schemeClr val="accent1">
+                <a:shade val="15000"/>
+              </a:schemeClr>
+            </a:lnRef>
+            <a:fillRef idx="1">
+              <a:schemeClr val="accent1"/>
+            </a:fillRef>
+            <a:effectRef idx="0">
+              <a:schemeClr val="accent1"/>
+            </a:effectRef>
+            <a:fontRef idx="minor">
+              <a:schemeClr val="lt1"/>
+            </a:fontRef>
+          </p:style>
+          <p:txBody>
+            <a:bodyPr rtlCol="0" anchor="ctr"/>
+            <a:lstStyle/>
+            <a:p>
+              <a:pPr algn="ctr"/>
+              <a:endParaRPr kumimoji="1" lang="zh-CN" altLang="en-US" sz="2000" dirty="0">
+                <a:solidFill>
+                  <a:schemeClr val="tx1"/>
+                </a:solidFill>
+                <a:latin typeface="Calibri" panose="020F0502020204030204" pitchFamily="34" charset="0"/>
+                <a:cs typeface="Calibri" panose="020F0502020204030204" pitchFamily="34" charset="0"/>
+              </a:endParaRPr>
+            </a:p>
+          </p:txBody>
+        </p:sp>
+        <p:sp>
+          <p:nvSpPr>
+            <p:cNvPr id="135" name="文本框 134">
+              <a:extLst>
+                <a:ext uri="{FF2B5EF4-FFF2-40B4-BE49-F238E27FC236}">
+                  <a16:creationId xmlns:a16="http://schemas.microsoft.com/office/drawing/2014/main" id="{463E4DBC-E87B-2AEF-432B-A9A1A34D2468}"/>
+                </a:ext>
+              </a:extLst>
+            </p:cNvPr>
+            <p:cNvSpPr txBox="1"/>
+            <p:nvPr/>
+          </p:nvSpPr>
+          <p:spPr>
+            <a:xfrm>
+              <a:off x="6462797" y="4505733"/>
+              <a:ext cx="2596564" cy="523220"/>
+            </a:xfrm>
+            <a:prstGeom prst="rect">
+              <a:avLst/>
+            </a:prstGeom>
+            <a:noFill/>
+          </p:spPr>
+          <p:txBody>
+            <a:bodyPr wrap="square" rtlCol="0">
+              <a:spAutoFit/>
+            </a:bodyPr>
+            <a:lstStyle/>
+            <a:p>
+              <a:pPr algn="ctr"/>
+              <a:r>
+                <a:rPr kumimoji="1" lang="en-US" altLang="zh-CN" sz="2800" b="1" dirty="0">
+                  <a:latin typeface="Calibri" panose="020F0502020204030204" pitchFamily="34" charset="0"/>
+                  <a:ea typeface="Helvetica Neue" panose="02000503000000020004" pitchFamily="2" charset="0"/>
+                  <a:cs typeface="Calibri" panose="020F0502020204030204" pitchFamily="34" charset="0"/>
+                </a:rPr>
+                <a:t>Scan</a:t>
+              </a:r>
+              <a:r>
+                <a:rPr kumimoji="1" lang="en-US" altLang="zh-CN" sz="2400" b="1" dirty="0">
+                  <a:latin typeface="Calibri" panose="020F0502020204030204" pitchFamily="34" charset="0"/>
+                  <a:ea typeface="Helvetica Neue" panose="02000503000000020004" pitchFamily="2" charset="0"/>
+                  <a:cs typeface="Calibri" panose="020F0502020204030204" pitchFamily="34" charset="0"/>
+                </a:rPr>
+                <a:t> </a:t>
+              </a:r>
+              <a:r>
+                <a:rPr kumimoji="1" lang="en-US" altLang="zh-CN" sz="2400" dirty="0">
+                  <a:latin typeface="Calibri" panose="020F0502020204030204" pitchFamily="34" charset="0"/>
+                  <a:ea typeface="Helvetica Neue" panose="02000503000000020004" pitchFamily="2" charset="0"/>
+                  <a:cs typeface="Calibri" panose="020F0502020204030204" pitchFamily="34" charset="0"/>
+                </a:rPr>
+                <a:t>TITLE</a:t>
+              </a:r>
+              <a:endParaRPr kumimoji="1" lang="zh-CN" altLang="en-US" sz="2400" dirty="0">
+                <a:latin typeface="Calibri" panose="020F0502020204030204" pitchFamily="34" charset="0"/>
+                <a:cs typeface="Calibri" panose="020F0502020204030204" pitchFamily="34" charset="0"/>
+              </a:endParaRPr>
+            </a:p>
+          </p:txBody>
+        </p:sp>
+      </p:grpSp>
+      <p:cxnSp>
+        <p:nvCxnSpPr>
+          <p:cNvPr id="136" name="直线箭头连接符 135">
+            <a:extLst>
+              <a:ext uri="{FF2B5EF4-FFF2-40B4-BE49-F238E27FC236}">
+                <a16:creationId xmlns:a16="http://schemas.microsoft.com/office/drawing/2014/main" id="{2EA3EFC6-C33D-69DE-41CD-139613436321}"/>
+              </a:ext>
+            </a:extLst>
+          </p:cNvPr>
+          <p:cNvCxnSpPr>
+            <a:cxnSpLocks/>
+            <a:stCxn id="122" idx="0"/>
+            <a:endCxn id="130" idx="2"/>
+          </p:cNvCxnSpPr>
+          <p:nvPr/>
+        </p:nvCxnSpPr>
+        <p:spPr>
+          <a:xfrm flipH="1" flipV="1">
+            <a:off x="-3195900" y="395647"/>
+            <a:ext cx="4884" cy="257662"/>
           </a:xfrm>
           <a:prstGeom prst="straightConnector1">
             <a:avLst/>
@@ -9653,7 +14553,7 @@
     </p:spTree>
     <p:extLst>
       <p:ext uri="{BB962C8B-B14F-4D97-AF65-F5344CB8AC3E}">
-        <p14:creationId xmlns:p14="http://schemas.microsoft.com/office/powerpoint/2010/main" val="2681851304"/>
+        <p14:creationId xmlns:p14="http://schemas.microsoft.com/office/powerpoint/2010/main" val="744361930"/>
       </p:ext>
     </p:extLst>
   </p:cSld>

--- a/revise.pptx
+++ b/revise.pptx
@@ -5,14 +5,16 @@
     <p:sldMasterId id="2147483648" r:id="rId1"/>
   </p:sldMasterIdLst>
   <p:notesMasterIdLst>
-    <p:notesMasterId r:id="rId7"/>
+    <p:notesMasterId r:id="rId9"/>
   </p:notesMasterIdLst>
   <p:sldIdLst>
     <p:sldId id="256" r:id="rId2"/>
-    <p:sldId id="257" r:id="rId3"/>
-    <p:sldId id="258" r:id="rId4"/>
-    <p:sldId id="259" r:id="rId5"/>
-    <p:sldId id="260" r:id="rId6"/>
+    <p:sldId id="261" r:id="rId3"/>
+    <p:sldId id="257" r:id="rId4"/>
+    <p:sldId id="258" r:id="rId5"/>
+    <p:sldId id="259" r:id="rId6"/>
+    <p:sldId id="260" r:id="rId7"/>
+    <p:sldId id="262" r:id="rId8"/>
   </p:sldIdLst>
   <p:sldSz cx="12192000" cy="6858000"/>
   <p:notesSz cx="6858000" cy="9144000"/>
@@ -621,7 +623,7 @@
     </p:spTree>
     <p:extLst>
       <p:ext uri="{BB962C8B-B14F-4D97-AF65-F5344CB8AC3E}">
-        <p14:creationId xmlns:p14="http://schemas.microsoft.com/office/powerpoint/2010/main" val="2392887492"/>
+        <p14:creationId xmlns:p14="http://schemas.microsoft.com/office/powerpoint/2010/main" val="2977967956"/>
       </p:ext>
     </p:extLst>
   </p:cSld>
@@ -705,7 +707,7 @@
     </p:spTree>
     <p:extLst>
       <p:ext uri="{BB962C8B-B14F-4D97-AF65-F5344CB8AC3E}">
-        <p14:creationId xmlns:p14="http://schemas.microsoft.com/office/powerpoint/2010/main" val="82235621"/>
+        <p14:creationId xmlns:p14="http://schemas.microsoft.com/office/powerpoint/2010/main" val="2392887492"/>
       </p:ext>
     </p:extLst>
   </p:cSld>
@@ -789,7 +791,7 @@
     </p:spTree>
     <p:extLst>
       <p:ext uri="{BB962C8B-B14F-4D97-AF65-F5344CB8AC3E}">
-        <p14:creationId xmlns:p14="http://schemas.microsoft.com/office/powerpoint/2010/main" val="1943393103"/>
+        <p14:creationId xmlns:p14="http://schemas.microsoft.com/office/powerpoint/2010/main" val="82235621"/>
       </p:ext>
     </p:extLst>
   </p:cSld>
@@ -873,7 +875,175 @@
     </p:spTree>
     <p:extLst>
       <p:ext uri="{BB962C8B-B14F-4D97-AF65-F5344CB8AC3E}">
+        <p14:creationId xmlns:p14="http://schemas.microsoft.com/office/powerpoint/2010/main" val="1943393103"/>
+      </p:ext>
+    </p:extLst>
+  </p:cSld>
+  <p:clrMapOvr>
+    <a:masterClrMapping/>
+  </p:clrMapOvr>
+</p:notes>
+</file>
+
+<file path=ppt/notesSlides/notesSlide6.xml><?xml version="1.0" encoding="utf-8"?>
+<p:notes xmlns:a="http://schemas.openxmlformats.org/drawingml/2006/main" xmlns:r="http://schemas.openxmlformats.org/officeDocument/2006/relationships" xmlns:p="http://schemas.openxmlformats.org/presentationml/2006/main">
+  <p:cSld>
+    <p:spTree>
+      <p:nvGrpSpPr>
+        <p:cNvPr id="1" name=""/>
+        <p:cNvGrpSpPr/>
+        <p:nvPr/>
+      </p:nvGrpSpPr>
+      <p:grpSpPr>
+        <a:xfrm>
+          <a:off x="0" y="0"/>
+          <a:ext cx="0" cy="0"/>
+          <a:chOff x="0" y="0"/>
+          <a:chExt cx="0" cy="0"/>
+        </a:xfrm>
+      </p:grpSpPr>
+      <p:sp>
+        <p:nvSpPr>
+          <p:cNvPr id="2" name="幻灯片图像占位符 1"/>
+          <p:cNvSpPr>
+            <a:spLocks noGrp="1" noRot="1" noChangeAspect="1"/>
+          </p:cNvSpPr>
+          <p:nvPr>
+            <p:ph type="sldImg"/>
+          </p:nvPr>
+        </p:nvSpPr>
+        <p:spPr/>
+      </p:sp>
+      <p:sp>
+        <p:nvSpPr>
+          <p:cNvPr id="3" name="备注占位符 2"/>
+          <p:cNvSpPr>
+            <a:spLocks noGrp="1"/>
+          </p:cNvSpPr>
+          <p:nvPr>
+            <p:ph type="body" idx="1"/>
+          </p:nvPr>
+        </p:nvSpPr>
+        <p:spPr/>
+        <p:txBody>
+          <a:bodyPr/>
+          <a:lstStyle/>
+          <a:p>
+            <a:endParaRPr kumimoji="1" lang="zh-CN" altLang="en-US"/>
+          </a:p>
+        </p:txBody>
+      </p:sp>
+      <p:sp>
+        <p:nvSpPr>
+          <p:cNvPr id="4" name="灯片编号占位符 3"/>
+          <p:cNvSpPr>
+            <a:spLocks noGrp="1"/>
+          </p:cNvSpPr>
+          <p:nvPr>
+            <p:ph type="sldNum" sz="quarter" idx="5"/>
+          </p:nvPr>
+        </p:nvSpPr>
+        <p:spPr/>
+        <p:txBody>
+          <a:bodyPr/>
+          <a:lstStyle/>
+          <a:p>
+            <a:fld id="{0CAE096D-6E2E-424E-A546-D424D2042FE9}" type="slidenum">
+              <a:rPr kumimoji="1" lang="zh-CN" altLang="en-US" smtClean="0"/>
+              <a:t>6</a:t>
+            </a:fld>
+            <a:endParaRPr kumimoji="1" lang="zh-CN" altLang="en-US"/>
+          </a:p>
+        </p:txBody>
+      </p:sp>
+    </p:spTree>
+    <p:extLst>
+      <p:ext uri="{BB962C8B-B14F-4D97-AF65-F5344CB8AC3E}">
         <p14:creationId xmlns:p14="http://schemas.microsoft.com/office/powerpoint/2010/main" val="768240690"/>
+      </p:ext>
+    </p:extLst>
+  </p:cSld>
+  <p:clrMapOvr>
+    <a:masterClrMapping/>
+  </p:clrMapOvr>
+</p:notes>
+</file>
+
+<file path=ppt/notesSlides/notesSlide7.xml><?xml version="1.0" encoding="utf-8"?>
+<p:notes xmlns:a="http://schemas.openxmlformats.org/drawingml/2006/main" xmlns:r="http://schemas.openxmlformats.org/officeDocument/2006/relationships" xmlns:p="http://schemas.openxmlformats.org/presentationml/2006/main">
+  <p:cSld>
+    <p:spTree>
+      <p:nvGrpSpPr>
+        <p:cNvPr id="1" name=""/>
+        <p:cNvGrpSpPr/>
+        <p:nvPr/>
+      </p:nvGrpSpPr>
+      <p:grpSpPr>
+        <a:xfrm>
+          <a:off x="0" y="0"/>
+          <a:ext cx="0" cy="0"/>
+          <a:chOff x="0" y="0"/>
+          <a:chExt cx="0" cy="0"/>
+        </a:xfrm>
+      </p:grpSpPr>
+      <p:sp>
+        <p:nvSpPr>
+          <p:cNvPr id="2" name="幻灯片图像占位符 1"/>
+          <p:cNvSpPr>
+            <a:spLocks noGrp="1" noRot="1" noChangeAspect="1"/>
+          </p:cNvSpPr>
+          <p:nvPr>
+            <p:ph type="sldImg"/>
+          </p:nvPr>
+        </p:nvSpPr>
+        <p:spPr/>
+      </p:sp>
+      <p:sp>
+        <p:nvSpPr>
+          <p:cNvPr id="3" name="备注占位符 2"/>
+          <p:cNvSpPr>
+            <a:spLocks noGrp="1"/>
+          </p:cNvSpPr>
+          <p:nvPr>
+            <p:ph type="body" idx="1"/>
+          </p:nvPr>
+        </p:nvSpPr>
+        <p:spPr/>
+        <p:txBody>
+          <a:bodyPr/>
+          <a:lstStyle/>
+          <a:p>
+            <a:endParaRPr kumimoji="1" lang="zh-CN" altLang="en-US"/>
+          </a:p>
+        </p:txBody>
+      </p:sp>
+      <p:sp>
+        <p:nvSpPr>
+          <p:cNvPr id="4" name="灯片编号占位符 3"/>
+          <p:cNvSpPr>
+            <a:spLocks noGrp="1"/>
+          </p:cNvSpPr>
+          <p:nvPr>
+            <p:ph type="sldNum" sz="quarter" idx="5"/>
+          </p:nvPr>
+        </p:nvSpPr>
+        <p:spPr/>
+        <p:txBody>
+          <a:bodyPr/>
+          <a:lstStyle/>
+          <a:p>
+            <a:fld id="{0CAE096D-6E2E-424E-A546-D424D2042FE9}" type="slidenum">
+              <a:rPr kumimoji="1" lang="zh-CN" altLang="en-US" smtClean="0"/>
+              <a:t>7</a:t>
+            </a:fld>
+            <a:endParaRPr kumimoji="1" lang="zh-CN" altLang="en-US"/>
+          </a:p>
+        </p:txBody>
+      </p:sp>
+    </p:spTree>
+    <p:extLst>
+      <p:ext uri="{BB962C8B-B14F-4D97-AF65-F5344CB8AC3E}">
+        <p14:creationId xmlns:p14="http://schemas.microsoft.com/office/powerpoint/2010/main" val="4274228432"/>
       </p:ext>
     </p:extLst>
   </p:cSld>
@@ -4516,6 +4686,5511 @@
 </file>
 
 <file path=ppt/slides/slide2.xml><?xml version="1.0" encoding="utf-8"?>
+<p:sld xmlns:a="http://schemas.openxmlformats.org/drawingml/2006/main" xmlns:r="http://schemas.openxmlformats.org/officeDocument/2006/relationships" xmlns:p="http://schemas.openxmlformats.org/presentationml/2006/main">
+  <p:cSld>
+    <p:spTree>
+      <p:nvGrpSpPr>
+        <p:cNvPr id="1" name=""/>
+        <p:cNvGrpSpPr/>
+        <p:nvPr/>
+      </p:nvGrpSpPr>
+      <p:grpSpPr>
+        <a:xfrm>
+          <a:off x="0" y="0"/>
+          <a:ext cx="0" cy="0"/>
+          <a:chOff x="0" y="0"/>
+          <a:chExt cx="0" cy="0"/>
+        </a:xfrm>
+      </p:grpSpPr>
+      <p:grpSp>
+        <p:nvGrpSpPr>
+          <p:cNvPr id="33" name="组合 32">
+            <a:extLst>
+              <a:ext uri="{FF2B5EF4-FFF2-40B4-BE49-F238E27FC236}">
+                <a16:creationId xmlns:a16="http://schemas.microsoft.com/office/drawing/2014/main" id="{6354450E-E6DA-4942-9A3F-1A677263A85C}"/>
+              </a:ext>
+            </a:extLst>
+          </p:cNvPr>
+          <p:cNvGrpSpPr/>
+          <p:nvPr/>
+        </p:nvGrpSpPr>
+        <p:grpSpPr>
+          <a:xfrm>
+            <a:off x="7514923" y="3772236"/>
+            <a:ext cx="2975146" cy="1028305"/>
+            <a:chOff x="859809" y="3795168"/>
+            <a:chExt cx="2975146" cy="1028305"/>
+          </a:xfrm>
+        </p:grpSpPr>
+        <p:sp>
+          <p:nvSpPr>
+            <p:cNvPr id="19" name="圆角矩形 18">
+              <a:extLst>
+                <a:ext uri="{FF2B5EF4-FFF2-40B4-BE49-F238E27FC236}">
+                  <a16:creationId xmlns:a16="http://schemas.microsoft.com/office/drawing/2014/main" id="{AC357B37-BF54-37E2-C5C4-1F3FFE985A09}"/>
+                </a:ext>
+              </a:extLst>
+            </p:cNvPr>
+            <p:cNvSpPr/>
+            <p:nvPr/>
+          </p:nvSpPr>
+          <p:spPr>
+            <a:xfrm>
+              <a:off x="859809" y="3795168"/>
+              <a:ext cx="2975146" cy="1028305"/>
+            </a:xfrm>
+            <a:prstGeom prst="roundRect">
+              <a:avLst>
+                <a:gd name="adj" fmla="val 13606"/>
+              </a:avLst>
+            </a:prstGeom>
+            <a:solidFill>
+              <a:srgbClr val="F3F3F3"/>
+            </a:solidFill>
+            <a:ln>
+              <a:noFill/>
+            </a:ln>
+          </p:spPr>
+          <p:style>
+            <a:lnRef idx="2">
+              <a:schemeClr val="accent1">
+                <a:shade val="15000"/>
+              </a:schemeClr>
+            </a:lnRef>
+            <a:fillRef idx="1">
+              <a:schemeClr val="accent1"/>
+            </a:fillRef>
+            <a:effectRef idx="0">
+              <a:schemeClr val="accent1"/>
+            </a:effectRef>
+            <a:fontRef idx="minor">
+              <a:schemeClr val="lt1"/>
+            </a:fontRef>
+          </p:style>
+          <p:txBody>
+            <a:bodyPr rtlCol="0" anchor="ctr"/>
+            <a:lstStyle/>
+            <a:p>
+              <a:pPr algn="ctr"/>
+              <a:endParaRPr kumimoji="1" lang="zh-CN" altLang="en-US" sz="2000">
+                <a:solidFill>
+                  <a:schemeClr val="tx1"/>
+                </a:solidFill>
+                <a:latin typeface="Calibri" panose="020F0502020204030204" pitchFamily="34" charset="0"/>
+                <a:cs typeface="Calibri" panose="020F0502020204030204" pitchFamily="34" charset="0"/>
+              </a:endParaRPr>
+            </a:p>
+          </p:txBody>
+        </p:sp>
+        <p:sp>
+          <p:nvSpPr>
+            <p:cNvPr id="20" name="文本框 19">
+              <a:extLst>
+                <a:ext uri="{FF2B5EF4-FFF2-40B4-BE49-F238E27FC236}">
+                  <a16:creationId xmlns:a16="http://schemas.microsoft.com/office/drawing/2014/main" id="{98507CE8-C5F9-CCA6-F1BD-F9677274B281}"/>
+                </a:ext>
+              </a:extLst>
+            </p:cNvPr>
+            <p:cNvSpPr txBox="1"/>
+            <p:nvPr/>
+          </p:nvSpPr>
+          <p:spPr>
+            <a:xfrm>
+              <a:off x="1187121" y="4078209"/>
+              <a:ext cx="2432526" cy="523220"/>
+            </a:xfrm>
+            <a:prstGeom prst="rect">
+              <a:avLst/>
+            </a:prstGeom>
+            <a:noFill/>
+          </p:spPr>
+          <p:txBody>
+            <a:bodyPr wrap="square" rtlCol="0">
+              <a:spAutoFit/>
+            </a:bodyPr>
+            <a:lstStyle/>
+            <a:p>
+              <a:pPr algn="ctr"/>
+              <a:r>
+                <a:rPr kumimoji="1" lang="en-US" altLang="zh-CN" sz="2800" b="1" dirty="0">
+                  <a:latin typeface="Calibri" panose="020F0502020204030204" pitchFamily="34" charset="0"/>
+                  <a:ea typeface="Helvetica Neue" panose="02000503000000020004" pitchFamily="2" charset="0"/>
+                  <a:cs typeface="Calibri" panose="020F0502020204030204" pitchFamily="34" charset="0"/>
+                </a:rPr>
+                <a:t>JOIN</a:t>
+              </a:r>
+              <a:endParaRPr kumimoji="1" lang="en-US" altLang="zh-CN" sz="2400" b="1" dirty="0">
+                <a:latin typeface="Calibri" panose="020F0502020204030204" pitchFamily="34" charset="0"/>
+                <a:ea typeface="Helvetica Neue" panose="02000503000000020004" pitchFamily="2" charset="0"/>
+                <a:cs typeface="Calibri" panose="020F0502020204030204" pitchFamily="34" charset="0"/>
+              </a:endParaRPr>
+            </a:p>
+          </p:txBody>
+        </p:sp>
+      </p:grpSp>
+      <p:cxnSp>
+        <p:nvCxnSpPr>
+          <p:cNvPr id="23" name="直线箭头连接符 22">
+            <a:extLst>
+              <a:ext uri="{FF2B5EF4-FFF2-40B4-BE49-F238E27FC236}">
+                <a16:creationId xmlns:a16="http://schemas.microsoft.com/office/drawing/2014/main" id="{E631E204-5BEA-ECF4-F82E-79363C84C2DB}"/>
+              </a:ext>
+            </a:extLst>
+          </p:cNvPr>
+          <p:cNvCxnSpPr>
+            <a:cxnSpLocks/>
+            <a:stCxn id="31" idx="3"/>
+            <a:endCxn id="19" idx="1"/>
+          </p:cNvCxnSpPr>
+          <p:nvPr/>
+        </p:nvCxnSpPr>
+        <p:spPr>
+          <a:xfrm flipV="1">
+            <a:off x="7156081" y="4286389"/>
+            <a:ext cx="358842" cy="8446"/>
+          </a:xfrm>
+          <a:prstGeom prst="straightConnector1">
+            <a:avLst/>
+          </a:prstGeom>
+          <a:ln w="28575">
+            <a:solidFill>
+              <a:srgbClr val="8B649D"/>
+            </a:solidFill>
+            <a:tailEnd type="triangle"/>
+          </a:ln>
+        </p:spPr>
+        <p:style>
+          <a:lnRef idx="3">
+            <a:schemeClr val="dk1"/>
+          </a:lnRef>
+          <a:fillRef idx="0">
+            <a:schemeClr val="dk1"/>
+          </a:fillRef>
+          <a:effectRef idx="2">
+            <a:schemeClr val="dk1"/>
+          </a:effectRef>
+          <a:fontRef idx="minor">
+            <a:schemeClr val="tx1"/>
+          </a:fontRef>
+        </p:style>
+      </p:cxnSp>
+      <p:grpSp>
+        <p:nvGrpSpPr>
+          <p:cNvPr id="29" name="组合 28">
+            <a:extLst>
+              <a:ext uri="{FF2B5EF4-FFF2-40B4-BE49-F238E27FC236}">
+                <a16:creationId xmlns:a16="http://schemas.microsoft.com/office/drawing/2014/main" id="{585C126F-9509-70CF-AFE8-7ADC76505082}"/>
+              </a:ext>
+            </a:extLst>
+          </p:cNvPr>
+          <p:cNvGrpSpPr/>
+          <p:nvPr/>
+        </p:nvGrpSpPr>
+        <p:grpSpPr>
+          <a:xfrm>
+            <a:off x="7409237" y="4970888"/>
+            <a:ext cx="3182162" cy="1249234"/>
+            <a:chOff x="6118010" y="4070106"/>
+            <a:chExt cx="3182162" cy="1249234"/>
+          </a:xfrm>
+        </p:grpSpPr>
+        <p:sp>
+          <p:nvSpPr>
+            <p:cNvPr id="27" name="圆角矩形 26">
+              <a:extLst>
+                <a:ext uri="{FF2B5EF4-FFF2-40B4-BE49-F238E27FC236}">
+                  <a16:creationId xmlns:a16="http://schemas.microsoft.com/office/drawing/2014/main" id="{F36DBDEB-58E9-53B2-6F51-53C79BE6C9E0}"/>
+                </a:ext>
+              </a:extLst>
+            </p:cNvPr>
+            <p:cNvSpPr/>
+            <p:nvPr/>
+          </p:nvSpPr>
+          <p:spPr>
+            <a:xfrm>
+              <a:off x="6221518" y="4180567"/>
+              <a:ext cx="2975146" cy="1138773"/>
+            </a:xfrm>
+            <a:prstGeom prst="roundRect">
+              <a:avLst>
+                <a:gd name="adj" fmla="val 13606"/>
+              </a:avLst>
+            </a:prstGeom>
+            <a:solidFill>
+              <a:srgbClr val="F3F3F3"/>
+            </a:solidFill>
+            <a:ln>
+              <a:noFill/>
+            </a:ln>
+          </p:spPr>
+          <p:style>
+            <a:lnRef idx="2">
+              <a:schemeClr val="accent1">
+                <a:shade val="15000"/>
+              </a:schemeClr>
+            </a:lnRef>
+            <a:fillRef idx="1">
+              <a:schemeClr val="accent1"/>
+            </a:fillRef>
+            <a:effectRef idx="0">
+              <a:schemeClr val="accent1"/>
+            </a:effectRef>
+            <a:fontRef idx="minor">
+              <a:schemeClr val="lt1"/>
+            </a:fontRef>
+          </p:style>
+          <p:txBody>
+            <a:bodyPr rtlCol="0" anchor="ctr"/>
+            <a:lstStyle/>
+            <a:p>
+              <a:pPr algn="ctr"/>
+              <a:endParaRPr kumimoji="1" lang="zh-CN" altLang="en-US" sz="2000">
+                <a:solidFill>
+                  <a:schemeClr val="tx1"/>
+                </a:solidFill>
+                <a:latin typeface="Calibri" panose="020F0502020204030204" pitchFamily="34" charset="0"/>
+                <a:cs typeface="Calibri" panose="020F0502020204030204" pitchFamily="34" charset="0"/>
+              </a:endParaRPr>
+            </a:p>
+          </p:txBody>
+        </p:sp>
+        <p:sp>
+          <p:nvSpPr>
+            <p:cNvPr id="28" name="文本框 27">
+              <a:extLst>
+                <a:ext uri="{FF2B5EF4-FFF2-40B4-BE49-F238E27FC236}">
+                  <a16:creationId xmlns:a16="http://schemas.microsoft.com/office/drawing/2014/main" id="{DE8C043C-C900-B743-6817-57F63F65249F}"/>
+                </a:ext>
+              </a:extLst>
+            </p:cNvPr>
+            <p:cNvSpPr txBox="1"/>
+            <p:nvPr/>
+          </p:nvSpPr>
+          <p:spPr>
+            <a:xfrm>
+              <a:off x="6118010" y="4070106"/>
+              <a:ext cx="3182162" cy="1138773"/>
+            </a:xfrm>
+            <a:prstGeom prst="rect">
+              <a:avLst/>
+            </a:prstGeom>
+            <a:noFill/>
+          </p:spPr>
+          <p:txBody>
+            <a:bodyPr wrap="square" rtlCol="0">
+              <a:spAutoFit/>
+            </a:bodyPr>
+            <a:lstStyle/>
+            <a:p>
+              <a:pPr algn="ctr"/>
+              <a:r>
+                <a:rPr kumimoji="1" lang="en-US" altLang="zh-CN" sz="2800" b="1" dirty="0">
+                  <a:latin typeface="Calibri" panose="020F0502020204030204" pitchFamily="34" charset="0"/>
+                  <a:ea typeface="Helvetica Neue" panose="02000503000000020004" pitchFamily="2" charset="0"/>
+                  <a:cs typeface="Calibri" panose="020F0502020204030204" pitchFamily="34" charset="0"/>
+                </a:rPr>
+                <a:t>Scan</a:t>
+              </a:r>
+              <a:r>
+                <a:rPr kumimoji="1" lang="zh-CN" altLang="en-US" sz="2400" b="1" dirty="0">
+                  <a:latin typeface="Calibri" panose="020F0502020204030204" pitchFamily="34" charset="0"/>
+                  <a:ea typeface="Helvetica Neue" panose="02000503000000020004" pitchFamily="2" charset="0"/>
+                  <a:cs typeface="Calibri" panose="020F0502020204030204" pitchFamily="34" charset="0"/>
+                </a:rPr>
+                <a:t>  </a:t>
+              </a:r>
+              <a:endParaRPr kumimoji="1" lang="en-US" altLang="zh-CN" sz="2400" b="1" dirty="0">
+                <a:latin typeface="Calibri" panose="020F0502020204030204" pitchFamily="34" charset="0"/>
+                <a:ea typeface="Helvetica Neue" panose="02000503000000020004" pitchFamily="2" charset="0"/>
+                <a:cs typeface="Calibri" panose="020F0502020204030204" pitchFamily="34" charset="0"/>
+              </a:endParaRPr>
+            </a:p>
+            <a:p>
+              <a:pPr algn="ctr"/>
+              <a:r>
+                <a:rPr kumimoji="1" lang="en-US" altLang="zh-CN" sz="2400" dirty="0">
+                  <a:latin typeface="Calibri" panose="020F0502020204030204" pitchFamily="34" charset="0"/>
+                  <a:ea typeface="Helvetica Neue" panose="02000503000000020004" pitchFamily="2" charset="0"/>
+                  <a:cs typeface="Calibri" panose="020F0502020204030204" pitchFamily="34" charset="0"/>
+                </a:rPr>
+                <a:t>KEYWORD</a:t>
+              </a:r>
+            </a:p>
+            <a:p>
+              <a:pPr algn="ctr"/>
+              <a:r>
+                <a:rPr kumimoji="1" lang="en" altLang="zh-CN" sz="1600" i="1" u="sng" dirty="0">
+                  <a:latin typeface="Calibri" panose="020F0502020204030204" pitchFamily="34" charset="0"/>
+                  <a:ea typeface="Menlo" panose="020B0609030804020204" pitchFamily="49" charset="0"/>
+                  <a:cs typeface="Calibri" panose="020F0502020204030204" pitchFamily="34" charset="0"/>
+                </a:rPr>
+                <a:t>keyword = 'character-name-in-title’</a:t>
+              </a:r>
+            </a:p>
+          </p:txBody>
+        </p:sp>
+      </p:grpSp>
+      <p:grpSp>
+        <p:nvGrpSpPr>
+          <p:cNvPr id="30" name="组合 29">
+            <a:extLst>
+              <a:ext uri="{FF2B5EF4-FFF2-40B4-BE49-F238E27FC236}">
+                <a16:creationId xmlns:a16="http://schemas.microsoft.com/office/drawing/2014/main" id="{1EEFB9C9-BB26-90E4-6663-0B72691F7CA4}"/>
+              </a:ext>
+            </a:extLst>
+          </p:cNvPr>
+          <p:cNvGrpSpPr/>
+          <p:nvPr/>
+        </p:nvGrpSpPr>
+        <p:grpSpPr>
+          <a:xfrm>
+            <a:off x="4077427" y="3780682"/>
+            <a:ext cx="3182162" cy="1028305"/>
+            <a:chOff x="6118010" y="4180567"/>
+            <a:chExt cx="3182162" cy="1028305"/>
+          </a:xfrm>
+        </p:grpSpPr>
+        <p:sp>
+          <p:nvSpPr>
+            <p:cNvPr id="31" name="圆角矩形 30">
+              <a:extLst>
+                <a:ext uri="{FF2B5EF4-FFF2-40B4-BE49-F238E27FC236}">
+                  <a16:creationId xmlns:a16="http://schemas.microsoft.com/office/drawing/2014/main" id="{7E79EDC9-5E81-4B54-B85F-48675AF12D60}"/>
+                </a:ext>
+              </a:extLst>
+            </p:cNvPr>
+            <p:cNvSpPr/>
+            <p:nvPr/>
+          </p:nvSpPr>
+          <p:spPr>
+            <a:xfrm>
+              <a:off x="6221518" y="4180567"/>
+              <a:ext cx="2975146" cy="1028305"/>
+            </a:xfrm>
+            <a:prstGeom prst="roundRect">
+              <a:avLst>
+                <a:gd name="adj" fmla="val 13606"/>
+              </a:avLst>
+            </a:prstGeom>
+            <a:solidFill>
+              <a:srgbClr val="F3F3F3"/>
+            </a:solidFill>
+            <a:ln>
+              <a:noFill/>
+            </a:ln>
+          </p:spPr>
+          <p:style>
+            <a:lnRef idx="2">
+              <a:schemeClr val="accent1">
+                <a:shade val="15000"/>
+              </a:schemeClr>
+            </a:lnRef>
+            <a:fillRef idx="1">
+              <a:schemeClr val="accent1"/>
+            </a:fillRef>
+            <a:effectRef idx="0">
+              <a:schemeClr val="accent1"/>
+            </a:effectRef>
+            <a:fontRef idx="minor">
+              <a:schemeClr val="lt1"/>
+            </a:fontRef>
+          </p:style>
+          <p:txBody>
+            <a:bodyPr rtlCol="0" anchor="ctr"/>
+            <a:lstStyle/>
+            <a:p>
+              <a:pPr algn="ctr"/>
+              <a:endParaRPr kumimoji="1" lang="zh-CN" altLang="en-US" sz="2000">
+                <a:solidFill>
+                  <a:schemeClr val="tx1"/>
+                </a:solidFill>
+                <a:latin typeface="Calibri" panose="020F0502020204030204" pitchFamily="34" charset="0"/>
+                <a:cs typeface="Calibri" panose="020F0502020204030204" pitchFamily="34" charset="0"/>
+              </a:endParaRPr>
+            </a:p>
+          </p:txBody>
+        </p:sp>
+        <p:sp>
+          <p:nvSpPr>
+            <p:cNvPr id="32" name="文本框 31">
+              <a:extLst>
+                <a:ext uri="{FF2B5EF4-FFF2-40B4-BE49-F238E27FC236}">
+                  <a16:creationId xmlns:a16="http://schemas.microsoft.com/office/drawing/2014/main" id="{8E1F3894-646C-E8D2-E872-315081CDA533}"/>
+                </a:ext>
+              </a:extLst>
+            </p:cNvPr>
+            <p:cNvSpPr txBox="1"/>
+            <p:nvPr/>
+          </p:nvSpPr>
+          <p:spPr>
+            <a:xfrm>
+              <a:off x="6118010" y="4270496"/>
+              <a:ext cx="3182162" cy="892552"/>
+            </a:xfrm>
+            <a:prstGeom prst="rect">
+              <a:avLst/>
+            </a:prstGeom>
+            <a:noFill/>
+          </p:spPr>
+          <p:txBody>
+            <a:bodyPr wrap="square" rtlCol="0">
+              <a:spAutoFit/>
+            </a:bodyPr>
+            <a:lstStyle/>
+            <a:p>
+              <a:pPr algn="ctr"/>
+              <a:r>
+                <a:rPr kumimoji="1" lang="en-US" altLang="zh-CN" sz="2800" b="1" dirty="0">
+                  <a:latin typeface="Calibri" panose="020F0502020204030204" pitchFamily="34" charset="0"/>
+                  <a:ea typeface="Helvetica Neue" panose="02000503000000020004" pitchFamily="2" charset="0"/>
+                  <a:cs typeface="Calibri" panose="020F0502020204030204" pitchFamily="34" charset="0"/>
+                </a:rPr>
+                <a:t>Scan</a:t>
+              </a:r>
+              <a:r>
+                <a:rPr kumimoji="1" lang="zh-CN" altLang="en-US" sz="2400" b="1" dirty="0">
+                  <a:latin typeface="Calibri" panose="020F0502020204030204" pitchFamily="34" charset="0"/>
+                  <a:ea typeface="Helvetica Neue" panose="02000503000000020004" pitchFamily="2" charset="0"/>
+                  <a:cs typeface="Calibri" panose="020F0502020204030204" pitchFamily="34" charset="0"/>
+                </a:rPr>
+                <a:t>  </a:t>
+              </a:r>
+              <a:endParaRPr kumimoji="1" lang="en-US" altLang="zh-CN" sz="2400" b="1" dirty="0">
+                <a:latin typeface="Calibri" panose="020F0502020204030204" pitchFamily="34" charset="0"/>
+                <a:ea typeface="Helvetica Neue" panose="02000503000000020004" pitchFamily="2" charset="0"/>
+                <a:cs typeface="Calibri" panose="020F0502020204030204" pitchFamily="34" charset="0"/>
+              </a:endParaRPr>
+            </a:p>
+            <a:p>
+              <a:pPr algn="ctr"/>
+              <a:r>
+                <a:rPr kumimoji="1" lang="en-US" altLang="zh-CN" sz="2400" dirty="0">
+                  <a:latin typeface="Calibri" panose="020F0502020204030204" pitchFamily="34" charset="0"/>
+                  <a:ea typeface="Helvetica Neue" panose="02000503000000020004" pitchFamily="2" charset="0"/>
+                  <a:cs typeface="Calibri" panose="020F0502020204030204" pitchFamily="34" charset="0"/>
+                </a:rPr>
+                <a:t>MOVIE_KEYWORD</a:t>
+              </a:r>
+              <a:endParaRPr kumimoji="1" lang="zh-CN" altLang="en-US" sz="2400" dirty="0">
+                <a:latin typeface="Calibri" panose="020F0502020204030204" pitchFamily="34" charset="0"/>
+                <a:cs typeface="Calibri" panose="020F0502020204030204" pitchFamily="34" charset="0"/>
+              </a:endParaRPr>
+            </a:p>
+          </p:txBody>
+        </p:sp>
+      </p:grpSp>
+      <p:grpSp>
+        <p:nvGrpSpPr>
+          <p:cNvPr id="39" name="组合 38">
+            <a:extLst>
+              <a:ext uri="{FF2B5EF4-FFF2-40B4-BE49-F238E27FC236}">
+                <a16:creationId xmlns:a16="http://schemas.microsoft.com/office/drawing/2014/main" id="{29DA42A0-F158-6FDD-CFD0-3EBA35C21119}"/>
+              </a:ext>
+            </a:extLst>
+          </p:cNvPr>
+          <p:cNvGrpSpPr/>
+          <p:nvPr/>
+        </p:nvGrpSpPr>
+        <p:grpSpPr>
+          <a:xfrm>
+            <a:off x="10718353" y="-1587316"/>
+            <a:ext cx="3330820" cy="1302844"/>
+            <a:chOff x="6106508" y="4180568"/>
+            <a:chExt cx="3330820" cy="1302844"/>
+          </a:xfrm>
+        </p:grpSpPr>
+        <p:sp>
+          <p:nvSpPr>
+            <p:cNvPr id="40" name="圆角矩形 39">
+              <a:extLst>
+                <a:ext uri="{FF2B5EF4-FFF2-40B4-BE49-F238E27FC236}">
+                  <a16:creationId xmlns:a16="http://schemas.microsoft.com/office/drawing/2014/main" id="{4AE73B48-D8C9-1642-FAFC-8E37D7B5DA93}"/>
+                </a:ext>
+              </a:extLst>
+            </p:cNvPr>
+            <p:cNvSpPr/>
+            <p:nvPr/>
+          </p:nvSpPr>
+          <p:spPr>
+            <a:xfrm>
+              <a:off x="6221518" y="4180568"/>
+              <a:ext cx="2975146" cy="1302844"/>
+            </a:xfrm>
+            <a:prstGeom prst="roundRect">
+              <a:avLst>
+                <a:gd name="adj" fmla="val 13606"/>
+              </a:avLst>
+            </a:prstGeom>
+            <a:solidFill>
+              <a:srgbClr val="F3F3F3"/>
+            </a:solidFill>
+            <a:ln>
+              <a:noFill/>
+            </a:ln>
+          </p:spPr>
+          <p:style>
+            <a:lnRef idx="2">
+              <a:schemeClr val="accent1">
+                <a:shade val="15000"/>
+              </a:schemeClr>
+            </a:lnRef>
+            <a:fillRef idx="1">
+              <a:schemeClr val="accent1"/>
+            </a:fillRef>
+            <a:effectRef idx="0">
+              <a:schemeClr val="accent1"/>
+            </a:effectRef>
+            <a:fontRef idx="minor">
+              <a:schemeClr val="lt1"/>
+            </a:fontRef>
+          </p:style>
+          <p:txBody>
+            <a:bodyPr rtlCol="0" anchor="ctr"/>
+            <a:lstStyle/>
+            <a:p>
+              <a:pPr algn="ctr"/>
+              <a:endParaRPr kumimoji="1" lang="zh-CN" altLang="en-US" sz="2000">
+                <a:solidFill>
+                  <a:schemeClr val="tx1"/>
+                </a:solidFill>
+                <a:latin typeface="Calibri" panose="020F0502020204030204" pitchFamily="34" charset="0"/>
+                <a:cs typeface="Calibri" panose="020F0502020204030204" pitchFamily="34" charset="0"/>
+              </a:endParaRPr>
+            </a:p>
+          </p:txBody>
+        </p:sp>
+        <p:sp>
+          <p:nvSpPr>
+            <p:cNvPr id="41" name="文本框 40">
+              <a:extLst>
+                <a:ext uri="{FF2B5EF4-FFF2-40B4-BE49-F238E27FC236}">
+                  <a16:creationId xmlns:a16="http://schemas.microsoft.com/office/drawing/2014/main" id="{05F7C4ED-91D3-27C5-FA35-11788FA21CD8}"/>
+                </a:ext>
+              </a:extLst>
+            </p:cNvPr>
+            <p:cNvSpPr txBox="1"/>
+            <p:nvPr/>
+          </p:nvSpPr>
+          <p:spPr>
+            <a:xfrm>
+              <a:off x="6106508" y="4192265"/>
+              <a:ext cx="3330820" cy="1138773"/>
+            </a:xfrm>
+            <a:prstGeom prst="rect">
+              <a:avLst/>
+            </a:prstGeom>
+            <a:noFill/>
+          </p:spPr>
+          <p:txBody>
+            <a:bodyPr wrap="square" rtlCol="0">
+              <a:spAutoFit/>
+            </a:bodyPr>
+            <a:lstStyle/>
+            <a:p>
+              <a:pPr algn="ctr"/>
+              <a:r>
+                <a:rPr kumimoji="1" lang="en-US" altLang="zh-CN" sz="2800" b="1" dirty="0">
+                  <a:latin typeface="Calibri" panose="020F0502020204030204" pitchFamily="34" charset="0"/>
+                  <a:ea typeface="Helvetica Neue" panose="02000503000000020004" pitchFamily="2" charset="0"/>
+                  <a:cs typeface="Calibri" panose="020F0502020204030204" pitchFamily="34" charset="0"/>
+                </a:rPr>
+                <a:t>Scan</a:t>
+              </a:r>
+              <a:r>
+                <a:rPr kumimoji="1" lang="zh-CN" altLang="en-US" sz="2400" b="1" dirty="0">
+                  <a:latin typeface="Calibri" panose="020F0502020204030204" pitchFamily="34" charset="0"/>
+                  <a:ea typeface="Helvetica Neue" panose="02000503000000020004" pitchFamily="2" charset="0"/>
+                  <a:cs typeface="Calibri" panose="020F0502020204030204" pitchFamily="34" charset="0"/>
+                </a:rPr>
+                <a:t>  </a:t>
+              </a:r>
+              <a:endParaRPr kumimoji="1" lang="en-US" altLang="zh-CN" sz="2400" b="1" dirty="0">
+                <a:latin typeface="Calibri" panose="020F0502020204030204" pitchFamily="34" charset="0"/>
+                <a:ea typeface="Helvetica Neue" panose="02000503000000020004" pitchFamily="2" charset="0"/>
+                <a:cs typeface="Calibri" panose="020F0502020204030204" pitchFamily="34" charset="0"/>
+              </a:endParaRPr>
+            </a:p>
+            <a:p>
+              <a:pPr algn="ctr"/>
+              <a:r>
+                <a:rPr kumimoji="1" lang="en-US" altLang="zh-CN" sz="2400" dirty="0">
+                  <a:latin typeface="Calibri" panose="020F0502020204030204" pitchFamily="34" charset="0"/>
+                  <a:ea typeface="Helvetica Neue" panose="02000503000000020004" pitchFamily="2" charset="0"/>
+                  <a:cs typeface="Calibri" panose="020F0502020204030204" pitchFamily="34" charset="0"/>
+                </a:rPr>
+                <a:t>COMPANY_NAME</a:t>
+              </a:r>
+            </a:p>
+            <a:p>
+              <a:pPr algn="ctr"/>
+              <a:r>
+                <a:rPr kumimoji="1" lang="en" altLang="zh-CN" sz="1600" i="1" u="sng" dirty="0" err="1">
+                  <a:latin typeface="Calibri" panose="020F0502020204030204" pitchFamily="34" charset="0"/>
+                  <a:ea typeface="Menlo" panose="020B0609030804020204" pitchFamily="49" charset="0"/>
+                  <a:cs typeface="Calibri" panose="020F0502020204030204" pitchFamily="34" charset="0"/>
+                </a:rPr>
+                <a:t>country_code</a:t>
+              </a:r>
+              <a:r>
+                <a:rPr kumimoji="1" lang="en" altLang="zh-CN" sz="1600" i="1" u="sng" dirty="0">
+                  <a:latin typeface="Calibri" panose="020F0502020204030204" pitchFamily="34" charset="0"/>
+                  <a:ea typeface="Menlo" panose="020B0609030804020204" pitchFamily="49" charset="0"/>
+                  <a:cs typeface="Calibri" panose="020F0502020204030204" pitchFamily="34" charset="0"/>
+                </a:rPr>
+                <a:t> = '[us]’</a:t>
+              </a:r>
+              <a:endParaRPr kumimoji="1" lang="zh-CN" altLang="en-US" sz="1600" i="1" u="sng" dirty="0">
+                <a:latin typeface="Calibri" panose="020F0502020204030204" pitchFamily="34" charset="0"/>
+                <a:cs typeface="Calibri" panose="020F0502020204030204" pitchFamily="34" charset="0"/>
+              </a:endParaRPr>
+            </a:p>
+          </p:txBody>
+        </p:sp>
+      </p:grpSp>
+      <p:cxnSp>
+        <p:nvCxnSpPr>
+          <p:cNvPr id="45" name="直线箭头连接符 44">
+            <a:extLst>
+              <a:ext uri="{FF2B5EF4-FFF2-40B4-BE49-F238E27FC236}">
+                <a16:creationId xmlns:a16="http://schemas.microsoft.com/office/drawing/2014/main" id="{D184CFD5-2511-12DC-020E-E84868D85AC3}"/>
+              </a:ext>
+            </a:extLst>
+          </p:cNvPr>
+          <p:cNvCxnSpPr>
+            <a:cxnSpLocks/>
+            <a:stCxn id="40" idx="1"/>
+            <a:endCxn id="43" idx="3"/>
+          </p:cNvCxnSpPr>
+          <p:nvPr/>
+        </p:nvCxnSpPr>
+        <p:spPr>
+          <a:xfrm flipH="1" flipV="1">
+            <a:off x="10495444" y="-947374"/>
+            <a:ext cx="337919" cy="11480"/>
+          </a:xfrm>
+          <a:prstGeom prst="straightConnector1">
+            <a:avLst/>
+          </a:prstGeom>
+          <a:ln w="28575">
+            <a:solidFill>
+              <a:srgbClr val="8B649D"/>
+            </a:solidFill>
+            <a:tailEnd type="triangle"/>
+          </a:ln>
+        </p:spPr>
+        <p:style>
+          <a:lnRef idx="3">
+            <a:schemeClr val="dk1"/>
+          </a:lnRef>
+          <a:fillRef idx="0">
+            <a:schemeClr val="dk1"/>
+          </a:fillRef>
+          <a:effectRef idx="2">
+            <a:schemeClr val="dk1"/>
+          </a:effectRef>
+          <a:fontRef idx="minor">
+            <a:schemeClr val="tx1"/>
+          </a:fontRef>
+        </p:style>
+      </p:cxnSp>
+      <p:cxnSp>
+        <p:nvCxnSpPr>
+          <p:cNvPr id="54" name="直线箭头连接符 53">
+            <a:extLst>
+              <a:ext uri="{FF2B5EF4-FFF2-40B4-BE49-F238E27FC236}">
+                <a16:creationId xmlns:a16="http://schemas.microsoft.com/office/drawing/2014/main" id="{9B175CA8-DF5E-0D50-4E32-4538A8AABF59}"/>
+              </a:ext>
+            </a:extLst>
+          </p:cNvPr>
+          <p:cNvCxnSpPr>
+            <a:cxnSpLocks/>
+            <a:stCxn id="27" idx="0"/>
+            <a:endCxn id="19" idx="2"/>
+          </p:cNvCxnSpPr>
+          <p:nvPr/>
+        </p:nvCxnSpPr>
+        <p:spPr>
+          <a:xfrm flipV="1">
+            <a:off x="9000318" y="4800541"/>
+            <a:ext cx="2178" cy="280808"/>
+          </a:xfrm>
+          <a:prstGeom prst="straightConnector1">
+            <a:avLst/>
+          </a:prstGeom>
+          <a:ln w="28575">
+            <a:solidFill>
+              <a:srgbClr val="8B649D"/>
+            </a:solidFill>
+            <a:tailEnd type="triangle"/>
+          </a:ln>
+        </p:spPr>
+        <p:style>
+          <a:lnRef idx="3">
+            <a:schemeClr val="dk1"/>
+          </a:lnRef>
+          <a:fillRef idx="0">
+            <a:schemeClr val="dk1"/>
+          </a:fillRef>
+          <a:effectRef idx="2">
+            <a:schemeClr val="dk1"/>
+          </a:effectRef>
+          <a:fontRef idx="minor">
+            <a:schemeClr val="tx1"/>
+          </a:fontRef>
+        </p:style>
+      </p:cxnSp>
+      <p:cxnSp>
+        <p:nvCxnSpPr>
+          <p:cNvPr id="58" name="直线箭头连接符 57">
+            <a:extLst>
+              <a:ext uri="{FF2B5EF4-FFF2-40B4-BE49-F238E27FC236}">
+                <a16:creationId xmlns:a16="http://schemas.microsoft.com/office/drawing/2014/main" id="{F3A67C09-4ED8-9095-7651-34F53BC5E2CB}"/>
+              </a:ext>
+            </a:extLst>
+          </p:cNvPr>
+          <p:cNvCxnSpPr>
+            <a:cxnSpLocks/>
+            <a:stCxn id="19" idx="0"/>
+            <a:endCxn id="5" idx="2"/>
+          </p:cNvCxnSpPr>
+          <p:nvPr/>
+        </p:nvCxnSpPr>
+        <p:spPr>
+          <a:xfrm flipV="1">
+            <a:off x="9002496" y="3531694"/>
+            <a:ext cx="0" cy="240542"/>
+          </a:xfrm>
+          <a:prstGeom prst="straightConnector1">
+            <a:avLst/>
+          </a:prstGeom>
+          <a:ln w="28575">
+            <a:solidFill>
+              <a:srgbClr val="8B649D"/>
+            </a:solidFill>
+            <a:tailEnd type="triangle"/>
+          </a:ln>
+        </p:spPr>
+        <p:style>
+          <a:lnRef idx="3">
+            <a:schemeClr val="dk1"/>
+          </a:lnRef>
+          <a:fillRef idx="0">
+            <a:schemeClr val="dk1"/>
+          </a:fillRef>
+          <a:effectRef idx="2">
+            <a:schemeClr val="dk1"/>
+          </a:effectRef>
+          <a:fontRef idx="minor">
+            <a:schemeClr val="tx1"/>
+          </a:fontRef>
+        </p:style>
+      </p:cxnSp>
+      <p:grpSp>
+        <p:nvGrpSpPr>
+          <p:cNvPr id="61" name="组合 60">
+            <a:extLst>
+              <a:ext uri="{FF2B5EF4-FFF2-40B4-BE49-F238E27FC236}">
+                <a16:creationId xmlns:a16="http://schemas.microsoft.com/office/drawing/2014/main" id="{69FEDA8E-D52D-AE38-EB27-27069878F201}"/>
+              </a:ext>
+            </a:extLst>
+          </p:cNvPr>
+          <p:cNvGrpSpPr/>
+          <p:nvPr/>
+        </p:nvGrpSpPr>
+        <p:grpSpPr>
+          <a:xfrm>
+            <a:off x="1518377" y="1439040"/>
+            <a:ext cx="2440817" cy="580274"/>
+            <a:chOff x="6890770" y="4414116"/>
+            <a:chExt cx="2440817" cy="580274"/>
+          </a:xfrm>
+        </p:grpSpPr>
+        <p:sp>
+          <p:nvSpPr>
+            <p:cNvPr id="62" name="圆角矩形 61">
+              <a:extLst>
+                <a:ext uri="{FF2B5EF4-FFF2-40B4-BE49-F238E27FC236}">
+                  <a16:creationId xmlns:a16="http://schemas.microsoft.com/office/drawing/2014/main" id="{78EF5320-DC46-46D6-BFB2-3F078ED28136}"/>
+                </a:ext>
+              </a:extLst>
+            </p:cNvPr>
+            <p:cNvSpPr/>
+            <p:nvPr/>
+          </p:nvSpPr>
+          <p:spPr>
+            <a:xfrm>
+              <a:off x="7076502" y="4414116"/>
+              <a:ext cx="2120162" cy="580274"/>
+            </a:xfrm>
+            <a:prstGeom prst="roundRect">
+              <a:avLst>
+                <a:gd name="adj" fmla="val 13606"/>
+              </a:avLst>
+            </a:prstGeom>
+            <a:solidFill>
+              <a:srgbClr val="F3F3F3"/>
+            </a:solidFill>
+            <a:ln>
+              <a:noFill/>
+            </a:ln>
+          </p:spPr>
+          <p:style>
+            <a:lnRef idx="2">
+              <a:schemeClr val="accent1">
+                <a:shade val="15000"/>
+              </a:schemeClr>
+            </a:lnRef>
+            <a:fillRef idx="1">
+              <a:schemeClr val="accent1"/>
+            </a:fillRef>
+            <a:effectRef idx="0">
+              <a:schemeClr val="accent1"/>
+            </a:effectRef>
+            <a:fontRef idx="minor">
+              <a:schemeClr val="lt1"/>
+            </a:fontRef>
+          </p:style>
+          <p:txBody>
+            <a:bodyPr rtlCol="0" anchor="ctr"/>
+            <a:lstStyle/>
+            <a:p>
+              <a:pPr algn="ctr"/>
+              <a:endParaRPr kumimoji="1" lang="zh-CN" altLang="en-US" sz="2000">
+                <a:solidFill>
+                  <a:schemeClr val="tx1"/>
+                </a:solidFill>
+                <a:latin typeface="Calibri" panose="020F0502020204030204" pitchFamily="34" charset="0"/>
+                <a:cs typeface="Calibri" panose="020F0502020204030204" pitchFamily="34" charset="0"/>
+              </a:endParaRPr>
+            </a:p>
+          </p:txBody>
+        </p:sp>
+        <p:sp>
+          <p:nvSpPr>
+            <p:cNvPr id="63" name="文本框 62">
+              <a:extLst>
+                <a:ext uri="{FF2B5EF4-FFF2-40B4-BE49-F238E27FC236}">
+                  <a16:creationId xmlns:a16="http://schemas.microsoft.com/office/drawing/2014/main" id="{F91D340B-A3C1-D7F8-E9B1-2A086AB77D1C}"/>
+                </a:ext>
+              </a:extLst>
+            </p:cNvPr>
+            <p:cNvSpPr txBox="1"/>
+            <p:nvPr/>
+          </p:nvSpPr>
+          <p:spPr>
+            <a:xfrm>
+              <a:off x="6890770" y="4414116"/>
+              <a:ext cx="2440817" cy="523220"/>
+            </a:xfrm>
+            <a:prstGeom prst="rect">
+              <a:avLst/>
+            </a:prstGeom>
+            <a:noFill/>
+          </p:spPr>
+          <p:txBody>
+            <a:bodyPr wrap="square" rtlCol="0">
+              <a:spAutoFit/>
+            </a:bodyPr>
+            <a:lstStyle/>
+            <a:p>
+              <a:pPr algn="ctr"/>
+              <a:r>
+                <a:rPr kumimoji="1" lang="en-US" altLang="zh-CN" sz="2800" b="1" dirty="0">
+                  <a:latin typeface="Calibri" panose="020F0502020204030204" pitchFamily="34" charset="0"/>
+                  <a:ea typeface="Helvetica Neue" panose="02000503000000020004" pitchFamily="2" charset="0"/>
+                  <a:cs typeface="Calibri" panose="020F0502020204030204" pitchFamily="34" charset="0"/>
+                </a:rPr>
+                <a:t>Scan</a:t>
+              </a:r>
+              <a:r>
+                <a:rPr kumimoji="1" lang="zh-CN" altLang="en-US" sz="2400" b="1" dirty="0">
+                  <a:latin typeface="Calibri" panose="020F0502020204030204" pitchFamily="34" charset="0"/>
+                  <a:ea typeface="Helvetica Neue" panose="02000503000000020004" pitchFamily="2" charset="0"/>
+                  <a:cs typeface="Calibri" panose="020F0502020204030204" pitchFamily="34" charset="0"/>
+                </a:rPr>
+                <a:t>  </a:t>
+              </a:r>
+              <a:r>
+                <a:rPr kumimoji="1" lang="en-US" altLang="zh-CN" sz="2400" dirty="0">
+                  <a:latin typeface="Calibri" panose="020F0502020204030204" pitchFamily="34" charset="0"/>
+                  <a:ea typeface="Helvetica Neue" panose="02000503000000020004" pitchFamily="2" charset="0"/>
+                  <a:cs typeface="Calibri" panose="020F0502020204030204" pitchFamily="34" charset="0"/>
+                </a:rPr>
+                <a:t>NAME</a:t>
+              </a:r>
+              <a:endParaRPr kumimoji="1" lang="zh-CN" altLang="en-US" sz="2400" dirty="0">
+                <a:latin typeface="Calibri" panose="020F0502020204030204" pitchFamily="34" charset="0"/>
+                <a:cs typeface="Calibri" panose="020F0502020204030204" pitchFamily="34" charset="0"/>
+              </a:endParaRPr>
+            </a:p>
+          </p:txBody>
+        </p:sp>
+      </p:grpSp>
+      <p:grpSp>
+        <p:nvGrpSpPr>
+          <p:cNvPr id="65" name="组合 64">
+            <a:extLst>
+              <a:ext uri="{FF2B5EF4-FFF2-40B4-BE49-F238E27FC236}">
+                <a16:creationId xmlns:a16="http://schemas.microsoft.com/office/drawing/2014/main" id="{D06C053B-4BD9-3DEB-E7D3-D041964BC3B0}"/>
+              </a:ext>
+            </a:extLst>
+          </p:cNvPr>
+          <p:cNvGrpSpPr/>
+          <p:nvPr/>
+        </p:nvGrpSpPr>
+        <p:grpSpPr>
+          <a:xfrm>
+            <a:off x="4180935" y="1215943"/>
+            <a:ext cx="2975146" cy="1028305"/>
+            <a:chOff x="6221518" y="4180567"/>
+            <a:chExt cx="2975146" cy="1028305"/>
+          </a:xfrm>
+        </p:grpSpPr>
+        <p:sp>
+          <p:nvSpPr>
+            <p:cNvPr id="66" name="圆角矩形 65">
+              <a:extLst>
+                <a:ext uri="{FF2B5EF4-FFF2-40B4-BE49-F238E27FC236}">
+                  <a16:creationId xmlns:a16="http://schemas.microsoft.com/office/drawing/2014/main" id="{49D1940B-057E-0540-3D05-717DC2AB5C3E}"/>
+                </a:ext>
+              </a:extLst>
+            </p:cNvPr>
+            <p:cNvSpPr/>
+            <p:nvPr/>
+          </p:nvSpPr>
+          <p:spPr>
+            <a:xfrm>
+              <a:off x="6221518" y="4180567"/>
+              <a:ext cx="2975146" cy="1028305"/>
+            </a:xfrm>
+            <a:prstGeom prst="roundRect">
+              <a:avLst>
+                <a:gd name="adj" fmla="val 13606"/>
+              </a:avLst>
+            </a:prstGeom>
+            <a:solidFill>
+              <a:srgbClr val="F3F3F3"/>
+            </a:solidFill>
+            <a:ln>
+              <a:noFill/>
+            </a:ln>
+          </p:spPr>
+          <p:style>
+            <a:lnRef idx="2">
+              <a:schemeClr val="accent1">
+                <a:shade val="15000"/>
+              </a:schemeClr>
+            </a:lnRef>
+            <a:fillRef idx="1">
+              <a:schemeClr val="accent1"/>
+            </a:fillRef>
+            <a:effectRef idx="0">
+              <a:schemeClr val="accent1"/>
+            </a:effectRef>
+            <a:fontRef idx="minor">
+              <a:schemeClr val="lt1"/>
+            </a:fontRef>
+          </p:style>
+          <p:txBody>
+            <a:bodyPr rtlCol="0" anchor="ctr"/>
+            <a:lstStyle/>
+            <a:p>
+              <a:pPr algn="ctr"/>
+              <a:endParaRPr kumimoji="1" lang="zh-CN" altLang="en-US" sz="2000">
+                <a:solidFill>
+                  <a:schemeClr val="tx1"/>
+                </a:solidFill>
+                <a:latin typeface="Calibri" panose="020F0502020204030204" pitchFamily="34" charset="0"/>
+                <a:cs typeface="Calibri" panose="020F0502020204030204" pitchFamily="34" charset="0"/>
+              </a:endParaRPr>
+            </a:p>
+          </p:txBody>
+        </p:sp>
+        <p:sp>
+          <p:nvSpPr>
+            <p:cNvPr id="67" name="文本框 66">
+              <a:extLst>
+                <a:ext uri="{FF2B5EF4-FFF2-40B4-BE49-F238E27FC236}">
+                  <a16:creationId xmlns:a16="http://schemas.microsoft.com/office/drawing/2014/main" id="{12291D9D-3A78-8B56-E155-49DEDFDA73D4}"/>
+                </a:ext>
+              </a:extLst>
+            </p:cNvPr>
+            <p:cNvSpPr txBox="1"/>
+            <p:nvPr/>
+          </p:nvSpPr>
+          <p:spPr>
+            <a:xfrm>
+              <a:off x="6455506" y="4196513"/>
+              <a:ext cx="2471311" cy="769441"/>
+            </a:xfrm>
+            <a:prstGeom prst="rect">
+              <a:avLst/>
+            </a:prstGeom>
+            <a:noFill/>
+          </p:spPr>
+          <p:txBody>
+            <a:bodyPr wrap="square" rtlCol="0">
+              <a:spAutoFit/>
+            </a:bodyPr>
+            <a:lstStyle/>
+            <a:p>
+              <a:pPr algn="ctr"/>
+              <a:r>
+                <a:rPr kumimoji="1" lang="en-US" altLang="zh-CN" sz="2800" b="1" dirty="0">
+                  <a:latin typeface="Calibri" panose="020F0502020204030204" pitchFamily="34" charset="0"/>
+                  <a:ea typeface="Helvetica Neue" panose="02000503000000020004" pitchFamily="2" charset="0"/>
+                  <a:cs typeface="Calibri" panose="020F0502020204030204" pitchFamily="34" charset="0"/>
+                </a:rPr>
+                <a:t>Selection</a:t>
+              </a:r>
+              <a:r>
+                <a:rPr kumimoji="1" lang="zh-CN" altLang="en-US" sz="2400" b="1" dirty="0">
+                  <a:latin typeface="Calibri" panose="020F0502020204030204" pitchFamily="34" charset="0"/>
+                  <a:ea typeface="Helvetica Neue" panose="02000503000000020004" pitchFamily="2" charset="0"/>
+                  <a:cs typeface="Calibri" panose="020F0502020204030204" pitchFamily="34" charset="0"/>
+                </a:rPr>
+                <a:t>  </a:t>
+              </a:r>
+              <a:endParaRPr kumimoji="1" lang="en-US" altLang="zh-CN" sz="2400" b="1" dirty="0">
+                <a:latin typeface="Calibri" panose="020F0502020204030204" pitchFamily="34" charset="0"/>
+                <a:ea typeface="Helvetica Neue" panose="02000503000000020004" pitchFamily="2" charset="0"/>
+                <a:cs typeface="Calibri" panose="020F0502020204030204" pitchFamily="34" charset="0"/>
+              </a:endParaRPr>
+            </a:p>
+            <a:p>
+              <a:pPr algn="ctr"/>
+              <a:r>
+                <a:rPr kumimoji="1" lang="en" altLang="zh-CN" sz="1600" i="1" u="sng" dirty="0">
+                  <a:latin typeface="Calibri" panose="020F0502020204030204" pitchFamily="34" charset="0"/>
+                  <a:ea typeface="Menlo" panose="020B0609030804020204" pitchFamily="49" charset="0"/>
+                  <a:cs typeface="Calibri" panose="020F0502020204030204" pitchFamily="34" charset="0"/>
+                </a:rPr>
+                <a:t>name STARTS WITH ‘B’</a:t>
+              </a:r>
+            </a:p>
+          </p:txBody>
+        </p:sp>
+      </p:grpSp>
+      <p:cxnSp>
+        <p:nvCxnSpPr>
+          <p:cNvPr id="76" name="直线箭头连接符 75">
+            <a:extLst>
+              <a:ext uri="{FF2B5EF4-FFF2-40B4-BE49-F238E27FC236}">
+                <a16:creationId xmlns:a16="http://schemas.microsoft.com/office/drawing/2014/main" id="{A7543FC5-8AB9-7B77-9AB0-6D494235FF8C}"/>
+              </a:ext>
+            </a:extLst>
+          </p:cNvPr>
+          <p:cNvCxnSpPr>
+            <a:cxnSpLocks/>
+            <a:stCxn id="62" idx="3"/>
+            <a:endCxn id="66" idx="1"/>
+          </p:cNvCxnSpPr>
+          <p:nvPr/>
+        </p:nvCxnSpPr>
+        <p:spPr>
+          <a:xfrm>
+            <a:off x="3824271" y="1729177"/>
+            <a:ext cx="356664" cy="919"/>
+          </a:xfrm>
+          <a:prstGeom prst="straightConnector1">
+            <a:avLst/>
+          </a:prstGeom>
+          <a:ln w="28575">
+            <a:solidFill>
+              <a:srgbClr val="8B649D"/>
+            </a:solidFill>
+            <a:tailEnd type="triangle"/>
+          </a:ln>
+        </p:spPr>
+        <p:style>
+          <a:lnRef idx="3">
+            <a:schemeClr val="dk1"/>
+          </a:lnRef>
+          <a:fillRef idx="0">
+            <a:schemeClr val="dk1"/>
+          </a:fillRef>
+          <a:effectRef idx="2">
+            <a:schemeClr val="dk1"/>
+          </a:effectRef>
+          <a:fontRef idx="minor">
+            <a:schemeClr val="tx1"/>
+          </a:fontRef>
+        </p:style>
+      </p:cxnSp>
+      <p:cxnSp>
+        <p:nvCxnSpPr>
+          <p:cNvPr id="84" name="直线箭头连接符 83">
+            <a:extLst>
+              <a:ext uri="{FF2B5EF4-FFF2-40B4-BE49-F238E27FC236}">
+                <a16:creationId xmlns:a16="http://schemas.microsoft.com/office/drawing/2014/main" id="{A9009225-4D62-7342-CB0F-F5E84C4D0DCA}"/>
+              </a:ext>
+            </a:extLst>
+          </p:cNvPr>
+          <p:cNvCxnSpPr>
+            <a:cxnSpLocks/>
+            <a:stCxn id="66" idx="3"/>
+            <a:endCxn id="82" idx="1"/>
+          </p:cNvCxnSpPr>
+          <p:nvPr/>
+        </p:nvCxnSpPr>
+        <p:spPr>
+          <a:xfrm flipV="1">
+            <a:off x="7156081" y="1730095"/>
+            <a:ext cx="356664" cy="1"/>
+          </a:xfrm>
+          <a:prstGeom prst="straightConnector1">
+            <a:avLst/>
+          </a:prstGeom>
+          <a:ln w="28575">
+            <a:solidFill>
+              <a:srgbClr val="8B649D"/>
+            </a:solidFill>
+            <a:tailEnd type="triangle"/>
+          </a:ln>
+        </p:spPr>
+        <p:style>
+          <a:lnRef idx="3">
+            <a:schemeClr val="dk1"/>
+          </a:lnRef>
+          <a:fillRef idx="0">
+            <a:schemeClr val="dk1"/>
+          </a:fillRef>
+          <a:effectRef idx="2">
+            <a:schemeClr val="dk1"/>
+          </a:effectRef>
+          <a:fontRef idx="minor">
+            <a:schemeClr val="tx1"/>
+          </a:fontRef>
+        </p:style>
+      </p:cxnSp>
+      <p:cxnSp>
+        <p:nvCxnSpPr>
+          <p:cNvPr id="87" name="直线箭头连接符 86">
+            <a:extLst>
+              <a:ext uri="{FF2B5EF4-FFF2-40B4-BE49-F238E27FC236}">
+                <a16:creationId xmlns:a16="http://schemas.microsoft.com/office/drawing/2014/main" id="{E66561C3-1641-704C-C5B3-EBB989099E44}"/>
+              </a:ext>
+            </a:extLst>
+          </p:cNvPr>
+          <p:cNvCxnSpPr>
+            <a:cxnSpLocks/>
+            <a:stCxn id="47" idx="0"/>
+            <a:endCxn id="43" idx="2"/>
+          </p:cNvCxnSpPr>
+          <p:nvPr/>
+        </p:nvCxnSpPr>
+        <p:spPr>
+          <a:xfrm flipV="1">
+            <a:off x="9002496" y="-433222"/>
+            <a:ext cx="5375" cy="281942"/>
+          </a:xfrm>
+          <a:prstGeom prst="straightConnector1">
+            <a:avLst/>
+          </a:prstGeom>
+          <a:ln w="28575">
+            <a:solidFill>
+              <a:srgbClr val="8B649D"/>
+            </a:solidFill>
+            <a:tailEnd type="triangle"/>
+          </a:ln>
+        </p:spPr>
+        <p:style>
+          <a:lnRef idx="3">
+            <a:schemeClr val="dk1"/>
+          </a:lnRef>
+          <a:fillRef idx="0">
+            <a:schemeClr val="dk1"/>
+          </a:fillRef>
+          <a:effectRef idx="2">
+            <a:schemeClr val="dk1"/>
+          </a:effectRef>
+          <a:fontRef idx="minor">
+            <a:schemeClr val="tx1"/>
+          </a:fontRef>
+        </p:style>
+      </p:cxnSp>
+      <p:sp>
+        <p:nvSpPr>
+          <p:cNvPr id="96" name="圆角矩形 95">
+            <a:extLst>
+              <a:ext uri="{FF2B5EF4-FFF2-40B4-BE49-F238E27FC236}">
+                <a16:creationId xmlns:a16="http://schemas.microsoft.com/office/drawing/2014/main" id="{8F7366EB-8B98-D946-78AB-E6EEB4E1DD1E}"/>
+              </a:ext>
+            </a:extLst>
+          </p:cNvPr>
+          <p:cNvSpPr/>
+          <p:nvPr/>
+        </p:nvSpPr>
+        <p:spPr>
+          <a:xfrm>
+            <a:off x="7013659" y="-3990754"/>
+            <a:ext cx="3972911" cy="1018006"/>
+          </a:xfrm>
+          <a:prstGeom prst="roundRect">
+            <a:avLst>
+              <a:gd name="adj" fmla="val 16118"/>
+            </a:avLst>
+          </a:prstGeom>
+          <a:solidFill>
+            <a:srgbClr val="F3F3F3"/>
+          </a:solidFill>
+          <a:ln>
+            <a:noFill/>
+          </a:ln>
+        </p:spPr>
+        <p:style>
+          <a:lnRef idx="2">
+            <a:schemeClr val="accent1">
+              <a:shade val="15000"/>
+            </a:schemeClr>
+          </a:lnRef>
+          <a:fillRef idx="1">
+            <a:schemeClr val="accent1"/>
+          </a:fillRef>
+          <a:effectRef idx="0">
+            <a:schemeClr val="accent1"/>
+          </a:effectRef>
+          <a:fontRef idx="minor">
+            <a:schemeClr val="lt1"/>
+          </a:fontRef>
+        </p:style>
+        <p:txBody>
+          <a:bodyPr rtlCol="0" anchor="ctr"/>
+          <a:lstStyle/>
+          <a:p>
+            <a:pPr algn="ctr"/>
+            <a:endParaRPr kumimoji="1" lang="zh-CN" altLang="en-US" sz="2000" dirty="0">
+              <a:solidFill>
+                <a:schemeClr val="tx1"/>
+              </a:solidFill>
+              <a:latin typeface="Calibri" panose="020F0502020204030204" pitchFamily="34" charset="0"/>
+              <a:cs typeface="Calibri" panose="020F0502020204030204" pitchFamily="34" charset="0"/>
+            </a:endParaRPr>
+          </a:p>
+        </p:txBody>
+      </p:sp>
+      <p:sp>
+        <p:nvSpPr>
+          <p:cNvPr id="97" name="文本框 96">
+            <a:extLst>
+              <a:ext uri="{FF2B5EF4-FFF2-40B4-BE49-F238E27FC236}">
+                <a16:creationId xmlns:a16="http://schemas.microsoft.com/office/drawing/2014/main" id="{F0F4915A-C0AC-FFB3-9BD3-2F8EE1957398}"/>
+              </a:ext>
+            </a:extLst>
+          </p:cNvPr>
+          <p:cNvSpPr txBox="1"/>
+          <p:nvPr/>
+        </p:nvSpPr>
+        <p:spPr>
+          <a:xfrm>
+            <a:off x="6741295" y="-3997466"/>
+            <a:ext cx="4513745" cy="1015663"/>
+          </a:xfrm>
+          <a:prstGeom prst="rect">
+            <a:avLst/>
+          </a:prstGeom>
+          <a:noFill/>
+        </p:spPr>
+        <p:txBody>
+          <a:bodyPr wrap="square" rtlCol="0">
+            <a:spAutoFit/>
+          </a:bodyPr>
+          <a:lstStyle/>
+          <a:p>
+            <a:pPr algn="ctr"/>
+            <a:r>
+              <a:rPr kumimoji="1" lang="en-US" altLang="zh-CN" sz="2800" b="1" dirty="0">
+                <a:latin typeface="Calibri" panose="020F0502020204030204" pitchFamily="34" charset="0"/>
+                <a:ea typeface="Helvetica Neue" panose="02000503000000020004" pitchFamily="2" charset="0"/>
+                <a:cs typeface="Calibri" panose="020F0502020204030204" pitchFamily="34" charset="0"/>
+              </a:rPr>
+              <a:t>Projection</a:t>
+            </a:r>
+          </a:p>
+          <a:p>
+            <a:pPr algn="ctr"/>
+            <a:r>
+              <a:rPr kumimoji="1" lang="en" altLang="zh-CN" sz="1600" i="1" u="sng" dirty="0" err="1">
+                <a:latin typeface="Calibri" panose="020F0502020204030204" pitchFamily="34" charset="0"/>
+                <a:ea typeface="Menlo" panose="020B0609030804020204" pitchFamily="49" charset="0"/>
+                <a:cs typeface="Calibri" panose="020F0502020204030204" pitchFamily="34" charset="0"/>
+              </a:rPr>
+              <a:t>member_in_charnamed_american_movie</a:t>
+            </a:r>
+            <a:r>
+              <a:rPr kumimoji="1" lang="en" altLang="zh-CN" sz="1600" i="1" u="sng" dirty="0">
+                <a:latin typeface="Calibri" panose="020F0502020204030204" pitchFamily="34" charset="0"/>
+                <a:ea typeface="Menlo" panose="020B0609030804020204" pitchFamily="49" charset="0"/>
+                <a:cs typeface="Calibri" panose="020F0502020204030204" pitchFamily="34" charset="0"/>
+              </a:rPr>
+              <a:t>,</a:t>
+            </a:r>
+          </a:p>
+          <a:p>
+            <a:pPr algn="ctr"/>
+            <a:r>
+              <a:rPr kumimoji="1" lang="en" altLang="zh-CN" sz="1600" i="1" u="sng" dirty="0">
+                <a:latin typeface="Calibri" panose="020F0502020204030204" pitchFamily="34" charset="0"/>
+                <a:ea typeface="Menlo" panose="020B0609030804020204" pitchFamily="49" charset="0"/>
+                <a:cs typeface="Calibri" panose="020F0502020204030204" pitchFamily="34" charset="0"/>
+              </a:rPr>
+              <a:t>a1</a:t>
+            </a:r>
+            <a:r>
+              <a:rPr kumimoji="1" lang="zh-CN" altLang="en-US" sz="1600" i="1" u="sng" dirty="0">
+                <a:latin typeface="Calibri" panose="020F0502020204030204" pitchFamily="34" charset="0"/>
+                <a:cs typeface="Calibri" panose="020F0502020204030204" pitchFamily="34" charset="0"/>
+              </a:rPr>
+              <a:t>  </a:t>
+            </a:r>
+            <a:endParaRPr kumimoji="1" lang="en-US" altLang="zh-CN" sz="1600" i="1" u="sng" dirty="0">
+              <a:latin typeface="Calibri" panose="020F0502020204030204" pitchFamily="34" charset="0"/>
+              <a:ea typeface="Menlo" panose="020B0609030804020204" pitchFamily="49" charset="0"/>
+              <a:cs typeface="Calibri" panose="020F0502020204030204" pitchFamily="34" charset="0"/>
+            </a:endParaRPr>
+          </a:p>
+        </p:txBody>
+      </p:sp>
+      <p:cxnSp>
+        <p:nvCxnSpPr>
+          <p:cNvPr id="98" name="直线箭头连接符 97">
+            <a:extLst>
+              <a:ext uri="{FF2B5EF4-FFF2-40B4-BE49-F238E27FC236}">
+                <a16:creationId xmlns:a16="http://schemas.microsoft.com/office/drawing/2014/main" id="{C799F94A-B5EF-AF71-6C6D-A1F8A26161D3}"/>
+              </a:ext>
+            </a:extLst>
+          </p:cNvPr>
+          <p:cNvCxnSpPr>
+            <a:cxnSpLocks/>
+            <a:stCxn id="82" idx="0"/>
+            <a:endCxn id="47" idx="2"/>
+          </p:cNvCxnSpPr>
+          <p:nvPr/>
+        </p:nvCxnSpPr>
+        <p:spPr>
+          <a:xfrm flipV="1">
+            <a:off x="9000318" y="877025"/>
+            <a:ext cx="2178" cy="338917"/>
+          </a:xfrm>
+          <a:prstGeom prst="straightConnector1">
+            <a:avLst/>
+          </a:prstGeom>
+          <a:ln w="28575">
+            <a:solidFill>
+              <a:srgbClr val="8B649D"/>
+            </a:solidFill>
+            <a:tailEnd type="triangle"/>
+          </a:ln>
+        </p:spPr>
+        <p:style>
+          <a:lnRef idx="3">
+            <a:schemeClr val="dk1"/>
+          </a:lnRef>
+          <a:fillRef idx="0">
+            <a:schemeClr val="dk1"/>
+          </a:fillRef>
+          <a:effectRef idx="2">
+            <a:schemeClr val="dk1"/>
+          </a:effectRef>
+          <a:fontRef idx="minor">
+            <a:schemeClr val="tx1"/>
+          </a:fontRef>
+        </p:style>
+      </p:cxnSp>
+      <p:grpSp>
+        <p:nvGrpSpPr>
+          <p:cNvPr id="38" name="组合 37">
+            <a:extLst>
+              <a:ext uri="{FF2B5EF4-FFF2-40B4-BE49-F238E27FC236}">
+                <a16:creationId xmlns:a16="http://schemas.microsoft.com/office/drawing/2014/main" id="{106E1601-4621-5736-4540-24B3D824B396}"/>
+              </a:ext>
+            </a:extLst>
+          </p:cNvPr>
+          <p:cNvGrpSpPr/>
+          <p:nvPr/>
+        </p:nvGrpSpPr>
+        <p:grpSpPr>
+          <a:xfrm>
+            <a:off x="7520298" y="-1461527"/>
+            <a:ext cx="2975146" cy="1028305"/>
+            <a:chOff x="-855451" y="6881565"/>
+            <a:chExt cx="2975146" cy="1028305"/>
+          </a:xfrm>
+        </p:grpSpPr>
+        <p:sp>
+          <p:nvSpPr>
+            <p:cNvPr id="43" name="圆角矩形 42">
+              <a:extLst>
+                <a:ext uri="{FF2B5EF4-FFF2-40B4-BE49-F238E27FC236}">
+                  <a16:creationId xmlns:a16="http://schemas.microsoft.com/office/drawing/2014/main" id="{E9AF77FE-0118-816D-2B32-22A37C1AC897}"/>
+                </a:ext>
+              </a:extLst>
+            </p:cNvPr>
+            <p:cNvSpPr/>
+            <p:nvPr/>
+          </p:nvSpPr>
+          <p:spPr>
+            <a:xfrm>
+              <a:off x="-855451" y="6881565"/>
+              <a:ext cx="2975146" cy="1028305"/>
+            </a:xfrm>
+            <a:prstGeom prst="roundRect">
+              <a:avLst>
+                <a:gd name="adj" fmla="val 13606"/>
+              </a:avLst>
+            </a:prstGeom>
+            <a:solidFill>
+              <a:srgbClr val="F3F3F3"/>
+            </a:solidFill>
+            <a:ln>
+              <a:noFill/>
+            </a:ln>
+          </p:spPr>
+          <p:style>
+            <a:lnRef idx="2">
+              <a:schemeClr val="accent1">
+                <a:shade val="15000"/>
+              </a:schemeClr>
+            </a:lnRef>
+            <a:fillRef idx="1">
+              <a:schemeClr val="accent1"/>
+            </a:fillRef>
+            <a:effectRef idx="0">
+              <a:schemeClr val="accent1"/>
+            </a:effectRef>
+            <a:fontRef idx="minor">
+              <a:schemeClr val="lt1"/>
+            </a:fontRef>
+          </p:style>
+          <p:txBody>
+            <a:bodyPr rtlCol="0" anchor="ctr"/>
+            <a:lstStyle/>
+            <a:p>
+              <a:pPr algn="ctr"/>
+              <a:endParaRPr kumimoji="1" lang="zh-CN" altLang="en-US" sz="2000">
+                <a:solidFill>
+                  <a:schemeClr val="tx1"/>
+                </a:solidFill>
+                <a:latin typeface="Calibri" panose="020F0502020204030204" pitchFamily="34" charset="0"/>
+                <a:cs typeface="Calibri" panose="020F0502020204030204" pitchFamily="34" charset="0"/>
+              </a:endParaRPr>
+            </a:p>
+          </p:txBody>
+        </p:sp>
+        <p:sp>
+          <p:nvSpPr>
+            <p:cNvPr id="138" name="文本框 137">
+              <a:extLst>
+                <a:ext uri="{FF2B5EF4-FFF2-40B4-BE49-F238E27FC236}">
+                  <a16:creationId xmlns:a16="http://schemas.microsoft.com/office/drawing/2014/main" id="{7B4DD947-1173-1F6D-0D62-EC76E3EC806C}"/>
+                </a:ext>
+              </a:extLst>
+            </p:cNvPr>
+            <p:cNvSpPr txBox="1"/>
+            <p:nvPr/>
+          </p:nvSpPr>
+          <p:spPr>
+            <a:xfrm>
+              <a:off x="-497796" y="7098696"/>
+              <a:ext cx="2248750" cy="523220"/>
+            </a:xfrm>
+            <a:prstGeom prst="rect">
+              <a:avLst/>
+            </a:prstGeom>
+            <a:noFill/>
+          </p:spPr>
+          <p:txBody>
+            <a:bodyPr wrap="square" rtlCol="0">
+              <a:spAutoFit/>
+            </a:bodyPr>
+            <a:lstStyle/>
+            <a:p>
+              <a:pPr algn="ctr"/>
+              <a:r>
+                <a:rPr kumimoji="1" lang="en-US" altLang="zh-CN" sz="2800" b="1" dirty="0">
+                  <a:latin typeface="Calibri" panose="020F0502020204030204" pitchFamily="34" charset="0"/>
+                  <a:ea typeface="Helvetica Neue" panose="02000503000000020004" pitchFamily="2" charset="0"/>
+                  <a:cs typeface="Calibri" panose="020F0502020204030204" pitchFamily="34" charset="0"/>
+                </a:rPr>
+                <a:t>JOIN</a:t>
+              </a:r>
+              <a:r>
+                <a:rPr kumimoji="1" lang="zh-CN" altLang="en-US" sz="2400" b="1" dirty="0">
+                  <a:latin typeface="Calibri" panose="020F0502020204030204" pitchFamily="34" charset="0"/>
+                  <a:ea typeface="Helvetica Neue" panose="02000503000000020004" pitchFamily="2" charset="0"/>
+                  <a:cs typeface="Calibri" panose="020F0502020204030204" pitchFamily="34" charset="0"/>
+                </a:rPr>
+                <a:t>  </a:t>
+              </a:r>
+              <a:endParaRPr kumimoji="1" lang="en-US" altLang="zh-CN" sz="2400" b="1" dirty="0">
+                <a:latin typeface="Calibri" panose="020F0502020204030204" pitchFamily="34" charset="0"/>
+                <a:ea typeface="Helvetica Neue" panose="02000503000000020004" pitchFamily="2" charset="0"/>
+                <a:cs typeface="Calibri" panose="020F0502020204030204" pitchFamily="34" charset="0"/>
+              </a:endParaRPr>
+            </a:p>
+          </p:txBody>
+        </p:sp>
+      </p:grpSp>
+      <p:grpSp>
+        <p:nvGrpSpPr>
+          <p:cNvPr id="13" name="组合 12">
+            <a:extLst>
+              <a:ext uri="{FF2B5EF4-FFF2-40B4-BE49-F238E27FC236}">
+                <a16:creationId xmlns:a16="http://schemas.microsoft.com/office/drawing/2014/main" id="{7D2BBD7F-BA85-53E1-C18D-608AE59183EA}"/>
+              </a:ext>
+            </a:extLst>
+          </p:cNvPr>
+          <p:cNvGrpSpPr/>
+          <p:nvPr/>
+        </p:nvGrpSpPr>
+        <p:grpSpPr>
+          <a:xfrm>
+            <a:off x="7512745" y="1215942"/>
+            <a:ext cx="2975146" cy="1028305"/>
+            <a:chOff x="7519098" y="-2542045"/>
+            <a:chExt cx="2975146" cy="1028305"/>
+          </a:xfrm>
+        </p:grpSpPr>
+        <p:sp>
+          <p:nvSpPr>
+            <p:cNvPr id="82" name="圆角矩形 81">
+              <a:extLst>
+                <a:ext uri="{FF2B5EF4-FFF2-40B4-BE49-F238E27FC236}">
+                  <a16:creationId xmlns:a16="http://schemas.microsoft.com/office/drawing/2014/main" id="{6102D9FE-0ADC-637B-51D4-2F22473B7BC8}"/>
+                </a:ext>
+              </a:extLst>
+            </p:cNvPr>
+            <p:cNvSpPr/>
+            <p:nvPr/>
+          </p:nvSpPr>
+          <p:spPr>
+            <a:xfrm>
+              <a:off x="7519098" y="-2542045"/>
+              <a:ext cx="2975146" cy="1028305"/>
+            </a:xfrm>
+            <a:prstGeom prst="roundRect">
+              <a:avLst>
+                <a:gd name="adj" fmla="val 13606"/>
+              </a:avLst>
+            </a:prstGeom>
+            <a:solidFill>
+              <a:srgbClr val="F3F3F3"/>
+            </a:solidFill>
+            <a:ln>
+              <a:noFill/>
+            </a:ln>
+          </p:spPr>
+          <p:style>
+            <a:lnRef idx="2">
+              <a:schemeClr val="accent1">
+                <a:shade val="15000"/>
+              </a:schemeClr>
+            </a:lnRef>
+            <a:fillRef idx="1">
+              <a:schemeClr val="accent1"/>
+            </a:fillRef>
+            <a:effectRef idx="0">
+              <a:schemeClr val="accent1"/>
+            </a:effectRef>
+            <a:fontRef idx="minor">
+              <a:schemeClr val="lt1"/>
+            </a:fontRef>
+          </p:style>
+          <p:txBody>
+            <a:bodyPr rtlCol="0" anchor="ctr"/>
+            <a:lstStyle/>
+            <a:p>
+              <a:pPr algn="ctr"/>
+              <a:endParaRPr kumimoji="1" lang="zh-CN" altLang="en-US" sz="2000">
+                <a:solidFill>
+                  <a:schemeClr val="tx1"/>
+                </a:solidFill>
+                <a:latin typeface="Calibri" panose="020F0502020204030204" pitchFamily="34" charset="0"/>
+                <a:cs typeface="Calibri" panose="020F0502020204030204" pitchFamily="34" charset="0"/>
+              </a:endParaRPr>
+            </a:p>
+          </p:txBody>
+        </p:sp>
+        <p:sp>
+          <p:nvSpPr>
+            <p:cNvPr id="139" name="文本框 138">
+              <a:extLst>
+                <a:ext uri="{FF2B5EF4-FFF2-40B4-BE49-F238E27FC236}">
+                  <a16:creationId xmlns:a16="http://schemas.microsoft.com/office/drawing/2014/main" id="{F935FAE2-EA35-64D5-B745-9287EC966F14}"/>
+                </a:ext>
+              </a:extLst>
+            </p:cNvPr>
+            <p:cNvSpPr txBox="1"/>
+            <p:nvPr/>
+          </p:nvSpPr>
+          <p:spPr>
+            <a:xfrm>
+              <a:off x="7913295" y="-2261893"/>
+              <a:ext cx="2248750" cy="523220"/>
+            </a:xfrm>
+            <a:prstGeom prst="rect">
+              <a:avLst/>
+            </a:prstGeom>
+            <a:noFill/>
+          </p:spPr>
+          <p:txBody>
+            <a:bodyPr wrap="square" rtlCol="0">
+              <a:spAutoFit/>
+            </a:bodyPr>
+            <a:lstStyle/>
+            <a:p>
+              <a:pPr algn="ctr"/>
+              <a:r>
+                <a:rPr kumimoji="1" lang="en-US" altLang="zh-CN" sz="2800" b="1" dirty="0">
+                  <a:latin typeface="Calibri" panose="020F0502020204030204" pitchFamily="34" charset="0"/>
+                  <a:ea typeface="Helvetica Neue" panose="02000503000000020004" pitchFamily="2" charset="0"/>
+                  <a:cs typeface="Calibri" panose="020F0502020204030204" pitchFamily="34" charset="0"/>
+                </a:rPr>
+                <a:t>JOIN</a:t>
+              </a:r>
+              <a:r>
+                <a:rPr kumimoji="1" lang="zh-CN" altLang="en-US" sz="2400" b="1" dirty="0">
+                  <a:latin typeface="Calibri" panose="020F0502020204030204" pitchFamily="34" charset="0"/>
+                  <a:ea typeface="Helvetica Neue" panose="02000503000000020004" pitchFamily="2" charset="0"/>
+                  <a:cs typeface="Calibri" panose="020F0502020204030204" pitchFamily="34" charset="0"/>
+                </a:rPr>
+                <a:t>  </a:t>
+              </a:r>
+              <a:endParaRPr kumimoji="1" lang="en-US" altLang="zh-CN" sz="2400" b="1" dirty="0">
+                <a:latin typeface="Calibri" panose="020F0502020204030204" pitchFamily="34" charset="0"/>
+                <a:ea typeface="Helvetica Neue" panose="02000503000000020004" pitchFamily="2" charset="0"/>
+                <a:cs typeface="Calibri" panose="020F0502020204030204" pitchFamily="34" charset="0"/>
+              </a:endParaRPr>
+            </a:p>
+          </p:txBody>
+        </p:sp>
+      </p:grpSp>
+      <p:grpSp>
+        <p:nvGrpSpPr>
+          <p:cNvPr id="4" name="组合 3">
+            <a:extLst>
+              <a:ext uri="{FF2B5EF4-FFF2-40B4-BE49-F238E27FC236}">
+                <a16:creationId xmlns:a16="http://schemas.microsoft.com/office/drawing/2014/main" id="{83DE5D0E-3E9F-12E2-F2AB-C1CFC1525306}"/>
+              </a:ext>
+            </a:extLst>
+          </p:cNvPr>
+          <p:cNvGrpSpPr/>
+          <p:nvPr/>
+        </p:nvGrpSpPr>
+        <p:grpSpPr>
+          <a:xfrm>
+            <a:off x="7514923" y="2503389"/>
+            <a:ext cx="2975146" cy="1028305"/>
+            <a:chOff x="859809" y="3795168"/>
+            <a:chExt cx="2975146" cy="1028305"/>
+          </a:xfrm>
+        </p:grpSpPr>
+        <p:sp>
+          <p:nvSpPr>
+            <p:cNvPr id="5" name="圆角矩形 4">
+              <a:extLst>
+                <a:ext uri="{FF2B5EF4-FFF2-40B4-BE49-F238E27FC236}">
+                  <a16:creationId xmlns:a16="http://schemas.microsoft.com/office/drawing/2014/main" id="{ABE82AEB-592A-0668-9EB0-3533CC4B5BC1}"/>
+                </a:ext>
+              </a:extLst>
+            </p:cNvPr>
+            <p:cNvSpPr/>
+            <p:nvPr/>
+          </p:nvSpPr>
+          <p:spPr>
+            <a:xfrm>
+              <a:off x="859809" y="3795168"/>
+              <a:ext cx="2975146" cy="1028305"/>
+            </a:xfrm>
+            <a:prstGeom prst="roundRect">
+              <a:avLst>
+                <a:gd name="adj" fmla="val 13606"/>
+              </a:avLst>
+            </a:prstGeom>
+            <a:solidFill>
+              <a:srgbClr val="F3F3F3"/>
+            </a:solidFill>
+            <a:ln>
+              <a:noFill/>
+            </a:ln>
+          </p:spPr>
+          <p:style>
+            <a:lnRef idx="2">
+              <a:schemeClr val="accent1">
+                <a:shade val="15000"/>
+              </a:schemeClr>
+            </a:lnRef>
+            <a:fillRef idx="1">
+              <a:schemeClr val="accent1"/>
+            </a:fillRef>
+            <a:effectRef idx="0">
+              <a:schemeClr val="accent1"/>
+            </a:effectRef>
+            <a:fontRef idx="minor">
+              <a:schemeClr val="lt1"/>
+            </a:fontRef>
+          </p:style>
+          <p:txBody>
+            <a:bodyPr rtlCol="0" anchor="ctr"/>
+            <a:lstStyle/>
+            <a:p>
+              <a:pPr algn="ctr"/>
+              <a:endParaRPr kumimoji="1" lang="zh-CN" altLang="en-US" sz="2000">
+                <a:solidFill>
+                  <a:schemeClr val="tx1"/>
+                </a:solidFill>
+                <a:latin typeface="Calibri" panose="020F0502020204030204" pitchFamily="34" charset="0"/>
+                <a:cs typeface="Calibri" panose="020F0502020204030204" pitchFamily="34" charset="0"/>
+              </a:endParaRPr>
+            </a:p>
+          </p:txBody>
+        </p:sp>
+        <p:sp>
+          <p:nvSpPr>
+            <p:cNvPr id="6" name="文本框 5">
+              <a:extLst>
+                <a:ext uri="{FF2B5EF4-FFF2-40B4-BE49-F238E27FC236}">
+                  <a16:creationId xmlns:a16="http://schemas.microsoft.com/office/drawing/2014/main" id="{F72BF73F-7EDE-F627-0380-EAF91C95ECB2}"/>
+                </a:ext>
+              </a:extLst>
+            </p:cNvPr>
+            <p:cNvSpPr txBox="1"/>
+            <p:nvPr/>
+          </p:nvSpPr>
+          <p:spPr>
+            <a:xfrm>
+              <a:off x="1187121" y="4078209"/>
+              <a:ext cx="2432526" cy="523220"/>
+            </a:xfrm>
+            <a:prstGeom prst="rect">
+              <a:avLst/>
+            </a:prstGeom>
+            <a:noFill/>
+          </p:spPr>
+          <p:txBody>
+            <a:bodyPr wrap="square" rtlCol="0">
+              <a:spAutoFit/>
+            </a:bodyPr>
+            <a:lstStyle/>
+            <a:p>
+              <a:pPr algn="ctr"/>
+              <a:r>
+                <a:rPr kumimoji="1" lang="en-US" altLang="zh-CN" sz="2800" b="1" dirty="0">
+                  <a:latin typeface="Calibri" panose="020F0502020204030204" pitchFamily="34" charset="0"/>
+                  <a:ea typeface="Helvetica Neue" panose="02000503000000020004" pitchFamily="2" charset="0"/>
+                  <a:cs typeface="Calibri" panose="020F0502020204030204" pitchFamily="34" charset="0"/>
+                </a:rPr>
+                <a:t>JOIN</a:t>
+              </a:r>
+              <a:endParaRPr kumimoji="1" lang="en-US" altLang="zh-CN" sz="2400" b="1" dirty="0">
+                <a:latin typeface="Calibri" panose="020F0502020204030204" pitchFamily="34" charset="0"/>
+                <a:ea typeface="Helvetica Neue" panose="02000503000000020004" pitchFamily="2" charset="0"/>
+                <a:cs typeface="Calibri" panose="020F0502020204030204" pitchFamily="34" charset="0"/>
+              </a:endParaRPr>
+            </a:p>
+          </p:txBody>
+        </p:sp>
+      </p:grpSp>
+      <p:cxnSp>
+        <p:nvCxnSpPr>
+          <p:cNvPr id="7" name="直线箭头连接符 6">
+            <a:extLst>
+              <a:ext uri="{FF2B5EF4-FFF2-40B4-BE49-F238E27FC236}">
+                <a16:creationId xmlns:a16="http://schemas.microsoft.com/office/drawing/2014/main" id="{571D8388-2E73-D090-14D6-1417225CFAB1}"/>
+              </a:ext>
+            </a:extLst>
+          </p:cNvPr>
+          <p:cNvCxnSpPr>
+            <a:cxnSpLocks/>
+            <a:stCxn id="9" idx="3"/>
+            <a:endCxn id="5" idx="1"/>
+          </p:cNvCxnSpPr>
+          <p:nvPr/>
+        </p:nvCxnSpPr>
+        <p:spPr>
+          <a:xfrm>
+            <a:off x="7156081" y="3015478"/>
+            <a:ext cx="358842" cy="2064"/>
+          </a:xfrm>
+          <a:prstGeom prst="straightConnector1">
+            <a:avLst/>
+          </a:prstGeom>
+          <a:ln w="28575">
+            <a:solidFill>
+              <a:srgbClr val="8B649D"/>
+            </a:solidFill>
+            <a:tailEnd type="triangle"/>
+          </a:ln>
+        </p:spPr>
+        <p:style>
+          <a:lnRef idx="3">
+            <a:schemeClr val="dk1"/>
+          </a:lnRef>
+          <a:fillRef idx="0">
+            <a:schemeClr val="dk1"/>
+          </a:fillRef>
+          <a:effectRef idx="2">
+            <a:schemeClr val="dk1"/>
+          </a:effectRef>
+          <a:fontRef idx="minor">
+            <a:schemeClr val="tx1"/>
+          </a:fontRef>
+        </p:style>
+      </p:cxnSp>
+      <p:grpSp>
+        <p:nvGrpSpPr>
+          <p:cNvPr id="8" name="组合 7">
+            <a:extLst>
+              <a:ext uri="{FF2B5EF4-FFF2-40B4-BE49-F238E27FC236}">
+                <a16:creationId xmlns:a16="http://schemas.microsoft.com/office/drawing/2014/main" id="{D8E3ACE1-25FC-7504-3BCC-1C9EBCA23CBB}"/>
+              </a:ext>
+            </a:extLst>
+          </p:cNvPr>
+          <p:cNvGrpSpPr/>
+          <p:nvPr/>
+        </p:nvGrpSpPr>
+        <p:grpSpPr>
+          <a:xfrm>
+            <a:off x="4077427" y="2501325"/>
+            <a:ext cx="3182162" cy="1028305"/>
+            <a:chOff x="6118010" y="4180567"/>
+            <a:chExt cx="3182162" cy="1028305"/>
+          </a:xfrm>
+        </p:grpSpPr>
+        <p:sp>
+          <p:nvSpPr>
+            <p:cNvPr id="9" name="圆角矩形 8">
+              <a:extLst>
+                <a:ext uri="{FF2B5EF4-FFF2-40B4-BE49-F238E27FC236}">
+                  <a16:creationId xmlns:a16="http://schemas.microsoft.com/office/drawing/2014/main" id="{614B3042-207B-9E3D-9F8F-822580656B7D}"/>
+                </a:ext>
+              </a:extLst>
+            </p:cNvPr>
+            <p:cNvSpPr/>
+            <p:nvPr/>
+          </p:nvSpPr>
+          <p:spPr>
+            <a:xfrm>
+              <a:off x="6221518" y="4180567"/>
+              <a:ext cx="2975146" cy="1028305"/>
+            </a:xfrm>
+            <a:prstGeom prst="roundRect">
+              <a:avLst>
+                <a:gd name="adj" fmla="val 13606"/>
+              </a:avLst>
+            </a:prstGeom>
+            <a:solidFill>
+              <a:srgbClr val="F3F3F3"/>
+            </a:solidFill>
+            <a:ln>
+              <a:noFill/>
+            </a:ln>
+          </p:spPr>
+          <p:style>
+            <a:lnRef idx="2">
+              <a:schemeClr val="accent1">
+                <a:shade val="15000"/>
+              </a:schemeClr>
+            </a:lnRef>
+            <a:fillRef idx="1">
+              <a:schemeClr val="accent1"/>
+            </a:fillRef>
+            <a:effectRef idx="0">
+              <a:schemeClr val="accent1"/>
+            </a:effectRef>
+            <a:fontRef idx="minor">
+              <a:schemeClr val="lt1"/>
+            </a:fontRef>
+          </p:style>
+          <p:txBody>
+            <a:bodyPr rtlCol="0" anchor="ctr"/>
+            <a:lstStyle/>
+            <a:p>
+              <a:pPr algn="ctr"/>
+              <a:endParaRPr kumimoji="1" lang="zh-CN" altLang="en-US" sz="2000">
+                <a:solidFill>
+                  <a:schemeClr val="tx1"/>
+                </a:solidFill>
+                <a:latin typeface="Calibri" panose="020F0502020204030204" pitchFamily="34" charset="0"/>
+                <a:cs typeface="Calibri" panose="020F0502020204030204" pitchFamily="34" charset="0"/>
+              </a:endParaRPr>
+            </a:p>
+          </p:txBody>
+        </p:sp>
+        <p:sp>
+          <p:nvSpPr>
+            <p:cNvPr id="10" name="文本框 9">
+              <a:extLst>
+                <a:ext uri="{FF2B5EF4-FFF2-40B4-BE49-F238E27FC236}">
+                  <a16:creationId xmlns:a16="http://schemas.microsoft.com/office/drawing/2014/main" id="{E830C311-8133-3662-240C-41D38C86EF56}"/>
+                </a:ext>
+              </a:extLst>
+            </p:cNvPr>
+            <p:cNvSpPr txBox="1"/>
+            <p:nvPr/>
+          </p:nvSpPr>
+          <p:spPr>
+            <a:xfrm>
+              <a:off x="6118010" y="4270496"/>
+              <a:ext cx="3182162" cy="892552"/>
+            </a:xfrm>
+            <a:prstGeom prst="rect">
+              <a:avLst/>
+            </a:prstGeom>
+            <a:noFill/>
+          </p:spPr>
+          <p:txBody>
+            <a:bodyPr wrap="square" rtlCol="0">
+              <a:spAutoFit/>
+            </a:bodyPr>
+            <a:lstStyle/>
+            <a:p>
+              <a:pPr algn="ctr"/>
+              <a:r>
+                <a:rPr kumimoji="1" lang="en-US" altLang="zh-CN" sz="2800" b="1" dirty="0">
+                  <a:latin typeface="Calibri" panose="020F0502020204030204" pitchFamily="34" charset="0"/>
+                  <a:ea typeface="Helvetica Neue" panose="02000503000000020004" pitchFamily="2" charset="0"/>
+                  <a:cs typeface="Calibri" panose="020F0502020204030204" pitchFamily="34" charset="0"/>
+                </a:rPr>
+                <a:t>Scan</a:t>
+              </a:r>
+              <a:r>
+                <a:rPr kumimoji="1" lang="zh-CN" altLang="en-US" sz="2400" b="1" dirty="0">
+                  <a:latin typeface="Calibri" panose="020F0502020204030204" pitchFamily="34" charset="0"/>
+                  <a:ea typeface="Helvetica Neue" panose="02000503000000020004" pitchFamily="2" charset="0"/>
+                  <a:cs typeface="Calibri" panose="020F0502020204030204" pitchFamily="34" charset="0"/>
+                </a:rPr>
+                <a:t>  </a:t>
+              </a:r>
+              <a:endParaRPr kumimoji="1" lang="en-US" altLang="zh-CN" sz="2400" b="1" dirty="0">
+                <a:latin typeface="Calibri" panose="020F0502020204030204" pitchFamily="34" charset="0"/>
+                <a:ea typeface="Helvetica Neue" panose="02000503000000020004" pitchFamily="2" charset="0"/>
+                <a:cs typeface="Calibri" panose="020F0502020204030204" pitchFamily="34" charset="0"/>
+              </a:endParaRPr>
+            </a:p>
+            <a:p>
+              <a:pPr algn="ctr"/>
+              <a:r>
+                <a:rPr kumimoji="1" lang="en-US" altLang="zh-CN" sz="2400" dirty="0">
+                  <a:latin typeface="Calibri" panose="020F0502020204030204" pitchFamily="34" charset="0"/>
+                  <a:ea typeface="Helvetica Neue" panose="02000503000000020004" pitchFamily="2" charset="0"/>
+                  <a:cs typeface="Calibri" panose="020F0502020204030204" pitchFamily="34" charset="0"/>
+                </a:rPr>
+                <a:t>CAST_INFO</a:t>
+              </a:r>
+              <a:endParaRPr kumimoji="1" lang="zh-CN" altLang="en-US" sz="2400" dirty="0">
+                <a:latin typeface="Calibri" panose="020F0502020204030204" pitchFamily="34" charset="0"/>
+                <a:cs typeface="Calibri" panose="020F0502020204030204" pitchFamily="34" charset="0"/>
+              </a:endParaRPr>
+            </a:p>
+          </p:txBody>
+        </p:sp>
+      </p:grpSp>
+      <p:cxnSp>
+        <p:nvCxnSpPr>
+          <p:cNvPr id="12" name="直线箭头连接符 11">
+            <a:extLst>
+              <a:ext uri="{FF2B5EF4-FFF2-40B4-BE49-F238E27FC236}">
+                <a16:creationId xmlns:a16="http://schemas.microsoft.com/office/drawing/2014/main" id="{94061CAD-C359-F690-4E8D-D87D47A5826F}"/>
+              </a:ext>
+            </a:extLst>
+          </p:cNvPr>
+          <p:cNvCxnSpPr>
+            <a:cxnSpLocks/>
+            <a:stCxn id="5" idx="0"/>
+            <a:endCxn id="82" idx="2"/>
+          </p:cNvCxnSpPr>
+          <p:nvPr/>
+        </p:nvCxnSpPr>
+        <p:spPr>
+          <a:xfrm flipH="1" flipV="1">
+            <a:off x="9000318" y="2244247"/>
+            <a:ext cx="2178" cy="259142"/>
+          </a:xfrm>
+          <a:prstGeom prst="straightConnector1">
+            <a:avLst/>
+          </a:prstGeom>
+          <a:ln w="28575">
+            <a:solidFill>
+              <a:srgbClr val="8B649D"/>
+            </a:solidFill>
+            <a:tailEnd type="triangle"/>
+          </a:ln>
+        </p:spPr>
+        <p:style>
+          <a:lnRef idx="3">
+            <a:schemeClr val="dk1"/>
+          </a:lnRef>
+          <a:fillRef idx="0">
+            <a:schemeClr val="dk1"/>
+          </a:fillRef>
+          <a:effectRef idx="2">
+            <a:schemeClr val="dk1"/>
+          </a:effectRef>
+          <a:fontRef idx="minor">
+            <a:schemeClr val="tx1"/>
+          </a:fontRef>
+        </p:style>
+      </p:cxnSp>
+      <p:grpSp>
+        <p:nvGrpSpPr>
+          <p:cNvPr id="21" name="组合 20">
+            <a:extLst>
+              <a:ext uri="{FF2B5EF4-FFF2-40B4-BE49-F238E27FC236}">
+                <a16:creationId xmlns:a16="http://schemas.microsoft.com/office/drawing/2014/main" id="{32E0076B-B3EB-686F-C6B4-3EF7E2DC4DC4}"/>
+              </a:ext>
+            </a:extLst>
+          </p:cNvPr>
+          <p:cNvGrpSpPr/>
+          <p:nvPr/>
+        </p:nvGrpSpPr>
+        <p:grpSpPr>
+          <a:xfrm>
+            <a:off x="7520298" y="-2734742"/>
+            <a:ext cx="2975146" cy="1028305"/>
+            <a:chOff x="859809" y="3795168"/>
+            <a:chExt cx="2975146" cy="1028305"/>
+          </a:xfrm>
+        </p:grpSpPr>
+        <p:sp>
+          <p:nvSpPr>
+            <p:cNvPr id="22" name="圆角矩形 21">
+              <a:extLst>
+                <a:ext uri="{FF2B5EF4-FFF2-40B4-BE49-F238E27FC236}">
+                  <a16:creationId xmlns:a16="http://schemas.microsoft.com/office/drawing/2014/main" id="{4F94E768-AA52-87CD-3B5F-0D7CA57B27AA}"/>
+                </a:ext>
+              </a:extLst>
+            </p:cNvPr>
+            <p:cNvSpPr/>
+            <p:nvPr/>
+          </p:nvSpPr>
+          <p:spPr>
+            <a:xfrm>
+              <a:off x="859809" y="3795168"/>
+              <a:ext cx="2975146" cy="1028305"/>
+            </a:xfrm>
+            <a:prstGeom prst="roundRect">
+              <a:avLst>
+                <a:gd name="adj" fmla="val 13606"/>
+              </a:avLst>
+            </a:prstGeom>
+            <a:solidFill>
+              <a:srgbClr val="F3F3F3"/>
+            </a:solidFill>
+            <a:ln>
+              <a:noFill/>
+            </a:ln>
+          </p:spPr>
+          <p:style>
+            <a:lnRef idx="2">
+              <a:schemeClr val="accent1">
+                <a:shade val="15000"/>
+              </a:schemeClr>
+            </a:lnRef>
+            <a:fillRef idx="1">
+              <a:schemeClr val="accent1"/>
+            </a:fillRef>
+            <a:effectRef idx="0">
+              <a:schemeClr val="accent1"/>
+            </a:effectRef>
+            <a:fontRef idx="minor">
+              <a:schemeClr val="lt1"/>
+            </a:fontRef>
+          </p:style>
+          <p:txBody>
+            <a:bodyPr rtlCol="0" anchor="ctr"/>
+            <a:lstStyle/>
+            <a:p>
+              <a:pPr algn="ctr"/>
+              <a:endParaRPr kumimoji="1" lang="zh-CN" altLang="en-US" sz="2000">
+                <a:solidFill>
+                  <a:schemeClr val="tx1"/>
+                </a:solidFill>
+                <a:latin typeface="Calibri" panose="020F0502020204030204" pitchFamily="34" charset="0"/>
+                <a:cs typeface="Calibri" panose="020F0502020204030204" pitchFamily="34" charset="0"/>
+              </a:endParaRPr>
+            </a:p>
+          </p:txBody>
+        </p:sp>
+        <p:sp>
+          <p:nvSpPr>
+            <p:cNvPr id="24" name="文本框 23">
+              <a:extLst>
+                <a:ext uri="{FF2B5EF4-FFF2-40B4-BE49-F238E27FC236}">
+                  <a16:creationId xmlns:a16="http://schemas.microsoft.com/office/drawing/2014/main" id="{A27D8284-1F99-6034-A5AD-BB91FA77D278}"/>
+                </a:ext>
+              </a:extLst>
+            </p:cNvPr>
+            <p:cNvSpPr txBox="1"/>
+            <p:nvPr/>
+          </p:nvSpPr>
+          <p:spPr>
+            <a:xfrm>
+              <a:off x="1187121" y="4078209"/>
+              <a:ext cx="2432526" cy="523220"/>
+            </a:xfrm>
+            <a:prstGeom prst="rect">
+              <a:avLst/>
+            </a:prstGeom>
+            <a:noFill/>
+          </p:spPr>
+          <p:txBody>
+            <a:bodyPr wrap="square" rtlCol="0">
+              <a:spAutoFit/>
+            </a:bodyPr>
+            <a:lstStyle/>
+            <a:p>
+              <a:pPr algn="ctr"/>
+              <a:r>
+                <a:rPr kumimoji="1" lang="en-US" altLang="zh-CN" sz="2800" b="1" dirty="0">
+                  <a:latin typeface="Calibri" panose="020F0502020204030204" pitchFamily="34" charset="0"/>
+                  <a:ea typeface="Helvetica Neue" panose="02000503000000020004" pitchFamily="2" charset="0"/>
+                  <a:cs typeface="Calibri" panose="020F0502020204030204" pitchFamily="34" charset="0"/>
+                </a:rPr>
+                <a:t>JOIN</a:t>
+              </a:r>
+              <a:endParaRPr kumimoji="1" lang="en-US" altLang="zh-CN" sz="2400" b="1" dirty="0">
+                <a:latin typeface="Calibri" panose="020F0502020204030204" pitchFamily="34" charset="0"/>
+                <a:ea typeface="Helvetica Neue" panose="02000503000000020004" pitchFamily="2" charset="0"/>
+                <a:cs typeface="Calibri" panose="020F0502020204030204" pitchFamily="34" charset="0"/>
+              </a:endParaRPr>
+            </a:p>
+          </p:txBody>
+        </p:sp>
+      </p:grpSp>
+      <p:cxnSp>
+        <p:nvCxnSpPr>
+          <p:cNvPr id="25" name="直线箭头连接符 24">
+            <a:extLst>
+              <a:ext uri="{FF2B5EF4-FFF2-40B4-BE49-F238E27FC236}">
+                <a16:creationId xmlns:a16="http://schemas.microsoft.com/office/drawing/2014/main" id="{2C541A22-1FDA-5419-63BA-8C8EA8FAAE2F}"/>
+              </a:ext>
+            </a:extLst>
+          </p:cNvPr>
+          <p:cNvCxnSpPr>
+            <a:cxnSpLocks/>
+            <a:stCxn id="34" idx="3"/>
+            <a:endCxn id="22" idx="1"/>
+          </p:cNvCxnSpPr>
+          <p:nvPr/>
+        </p:nvCxnSpPr>
+        <p:spPr>
+          <a:xfrm>
+            <a:off x="7138010" y="-2222653"/>
+            <a:ext cx="382288" cy="2064"/>
+          </a:xfrm>
+          <a:prstGeom prst="straightConnector1">
+            <a:avLst/>
+          </a:prstGeom>
+          <a:ln w="28575">
+            <a:solidFill>
+              <a:srgbClr val="8B649D"/>
+            </a:solidFill>
+            <a:tailEnd type="triangle"/>
+          </a:ln>
+        </p:spPr>
+        <p:style>
+          <a:lnRef idx="3">
+            <a:schemeClr val="dk1"/>
+          </a:lnRef>
+          <a:fillRef idx="0">
+            <a:schemeClr val="dk1"/>
+          </a:fillRef>
+          <a:effectRef idx="2">
+            <a:schemeClr val="dk1"/>
+          </a:effectRef>
+          <a:fontRef idx="minor">
+            <a:schemeClr val="tx1"/>
+          </a:fontRef>
+        </p:style>
+      </p:cxnSp>
+      <p:grpSp>
+        <p:nvGrpSpPr>
+          <p:cNvPr id="26" name="组合 25">
+            <a:extLst>
+              <a:ext uri="{FF2B5EF4-FFF2-40B4-BE49-F238E27FC236}">
+                <a16:creationId xmlns:a16="http://schemas.microsoft.com/office/drawing/2014/main" id="{10A5A1D5-CFAC-3E8A-835D-E35185694496}"/>
+              </a:ext>
+            </a:extLst>
+          </p:cNvPr>
+          <p:cNvGrpSpPr/>
+          <p:nvPr/>
+        </p:nvGrpSpPr>
+        <p:grpSpPr>
+          <a:xfrm>
+            <a:off x="4059356" y="-2736806"/>
+            <a:ext cx="3182162" cy="1028305"/>
+            <a:chOff x="6118010" y="4180567"/>
+            <a:chExt cx="3182162" cy="1028305"/>
+          </a:xfrm>
+        </p:grpSpPr>
+        <p:sp>
+          <p:nvSpPr>
+            <p:cNvPr id="34" name="圆角矩形 33">
+              <a:extLst>
+                <a:ext uri="{FF2B5EF4-FFF2-40B4-BE49-F238E27FC236}">
+                  <a16:creationId xmlns:a16="http://schemas.microsoft.com/office/drawing/2014/main" id="{8C22A571-198A-A63F-C562-B24E39E891B2}"/>
+                </a:ext>
+              </a:extLst>
+            </p:cNvPr>
+            <p:cNvSpPr/>
+            <p:nvPr/>
+          </p:nvSpPr>
+          <p:spPr>
+            <a:xfrm>
+              <a:off x="6221518" y="4180567"/>
+              <a:ext cx="2975146" cy="1028305"/>
+            </a:xfrm>
+            <a:prstGeom prst="roundRect">
+              <a:avLst>
+                <a:gd name="adj" fmla="val 13606"/>
+              </a:avLst>
+            </a:prstGeom>
+            <a:solidFill>
+              <a:srgbClr val="F3F3F3"/>
+            </a:solidFill>
+            <a:ln>
+              <a:noFill/>
+            </a:ln>
+          </p:spPr>
+          <p:style>
+            <a:lnRef idx="2">
+              <a:schemeClr val="accent1">
+                <a:shade val="15000"/>
+              </a:schemeClr>
+            </a:lnRef>
+            <a:fillRef idx="1">
+              <a:schemeClr val="accent1"/>
+            </a:fillRef>
+            <a:effectRef idx="0">
+              <a:schemeClr val="accent1"/>
+            </a:effectRef>
+            <a:fontRef idx="minor">
+              <a:schemeClr val="lt1"/>
+            </a:fontRef>
+          </p:style>
+          <p:txBody>
+            <a:bodyPr rtlCol="0" anchor="ctr"/>
+            <a:lstStyle/>
+            <a:p>
+              <a:pPr algn="ctr"/>
+              <a:endParaRPr kumimoji="1" lang="zh-CN" altLang="en-US" sz="2000">
+                <a:solidFill>
+                  <a:schemeClr val="tx1"/>
+                </a:solidFill>
+                <a:latin typeface="Calibri" panose="020F0502020204030204" pitchFamily="34" charset="0"/>
+                <a:cs typeface="Calibri" panose="020F0502020204030204" pitchFamily="34" charset="0"/>
+              </a:endParaRPr>
+            </a:p>
+          </p:txBody>
+        </p:sp>
+        <p:sp>
+          <p:nvSpPr>
+            <p:cNvPr id="35" name="文本框 34">
+              <a:extLst>
+                <a:ext uri="{FF2B5EF4-FFF2-40B4-BE49-F238E27FC236}">
+                  <a16:creationId xmlns:a16="http://schemas.microsoft.com/office/drawing/2014/main" id="{C2DCC4A6-5419-5A59-5BF5-8F142BB1DFD4}"/>
+                </a:ext>
+              </a:extLst>
+            </p:cNvPr>
+            <p:cNvSpPr txBox="1"/>
+            <p:nvPr/>
+          </p:nvSpPr>
+          <p:spPr>
+            <a:xfrm>
+              <a:off x="6118010" y="4270496"/>
+              <a:ext cx="3182162" cy="892552"/>
+            </a:xfrm>
+            <a:prstGeom prst="rect">
+              <a:avLst/>
+            </a:prstGeom>
+            <a:noFill/>
+          </p:spPr>
+          <p:txBody>
+            <a:bodyPr wrap="square" rtlCol="0">
+              <a:spAutoFit/>
+            </a:bodyPr>
+            <a:lstStyle/>
+            <a:p>
+              <a:pPr algn="ctr"/>
+              <a:r>
+                <a:rPr kumimoji="1" lang="en-US" altLang="zh-CN" sz="2800" b="1" dirty="0">
+                  <a:latin typeface="Calibri" panose="020F0502020204030204" pitchFamily="34" charset="0"/>
+                  <a:ea typeface="Helvetica Neue" panose="02000503000000020004" pitchFamily="2" charset="0"/>
+                  <a:cs typeface="Calibri" panose="020F0502020204030204" pitchFamily="34" charset="0"/>
+                </a:rPr>
+                <a:t>Scan</a:t>
+              </a:r>
+              <a:r>
+                <a:rPr kumimoji="1" lang="zh-CN" altLang="en-US" sz="2400" b="1" dirty="0">
+                  <a:latin typeface="Calibri" panose="020F0502020204030204" pitchFamily="34" charset="0"/>
+                  <a:ea typeface="Helvetica Neue" panose="02000503000000020004" pitchFamily="2" charset="0"/>
+                  <a:cs typeface="Calibri" panose="020F0502020204030204" pitchFamily="34" charset="0"/>
+                </a:rPr>
+                <a:t>  </a:t>
+              </a:r>
+              <a:endParaRPr kumimoji="1" lang="en-US" altLang="zh-CN" sz="2400" b="1" dirty="0">
+                <a:latin typeface="Calibri" panose="020F0502020204030204" pitchFamily="34" charset="0"/>
+                <a:ea typeface="Helvetica Neue" panose="02000503000000020004" pitchFamily="2" charset="0"/>
+                <a:cs typeface="Calibri" panose="020F0502020204030204" pitchFamily="34" charset="0"/>
+              </a:endParaRPr>
+            </a:p>
+            <a:p>
+              <a:pPr algn="ctr"/>
+              <a:r>
+                <a:rPr kumimoji="1" lang="en-US" altLang="zh-CN" sz="2400" dirty="0">
+                  <a:latin typeface="Calibri" panose="020F0502020204030204" pitchFamily="34" charset="0"/>
+                  <a:ea typeface="Helvetica Neue" panose="02000503000000020004" pitchFamily="2" charset="0"/>
+                  <a:cs typeface="Calibri" panose="020F0502020204030204" pitchFamily="34" charset="0"/>
+                </a:rPr>
+                <a:t>TITLE</a:t>
+              </a:r>
+              <a:endParaRPr kumimoji="1" lang="zh-CN" altLang="en-US" sz="2400" dirty="0">
+                <a:latin typeface="Calibri" panose="020F0502020204030204" pitchFamily="34" charset="0"/>
+                <a:cs typeface="Calibri" panose="020F0502020204030204" pitchFamily="34" charset="0"/>
+              </a:endParaRPr>
+            </a:p>
+          </p:txBody>
+        </p:sp>
+      </p:grpSp>
+      <p:cxnSp>
+        <p:nvCxnSpPr>
+          <p:cNvPr id="37" name="直线箭头连接符 36">
+            <a:extLst>
+              <a:ext uri="{FF2B5EF4-FFF2-40B4-BE49-F238E27FC236}">
+                <a16:creationId xmlns:a16="http://schemas.microsoft.com/office/drawing/2014/main" id="{44107BC1-11CD-8A92-BA7B-B77FA254CB53}"/>
+              </a:ext>
+            </a:extLst>
+          </p:cNvPr>
+          <p:cNvCxnSpPr>
+            <a:cxnSpLocks/>
+            <a:stCxn id="43" idx="0"/>
+            <a:endCxn id="22" idx="2"/>
+          </p:cNvCxnSpPr>
+          <p:nvPr/>
+        </p:nvCxnSpPr>
+        <p:spPr>
+          <a:xfrm flipV="1">
+            <a:off x="9007871" y="-1706437"/>
+            <a:ext cx="0" cy="244910"/>
+          </a:xfrm>
+          <a:prstGeom prst="straightConnector1">
+            <a:avLst/>
+          </a:prstGeom>
+          <a:ln w="28575">
+            <a:solidFill>
+              <a:srgbClr val="8B649D"/>
+            </a:solidFill>
+            <a:tailEnd type="triangle"/>
+          </a:ln>
+        </p:spPr>
+        <p:style>
+          <a:lnRef idx="3">
+            <a:schemeClr val="dk1"/>
+          </a:lnRef>
+          <a:fillRef idx="0">
+            <a:schemeClr val="dk1"/>
+          </a:fillRef>
+          <a:effectRef idx="2">
+            <a:schemeClr val="dk1"/>
+          </a:effectRef>
+          <a:fontRef idx="minor">
+            <a:schemeClr val="tx1"/>
+          </a:fontRef>
+        </p:style>
+      </p:cxnSp>
+      <p:grpSp>
+        <p:nvGrpSpPr>
+          <p:cNvPr id="46" name="组合 45">
+            <a:extLst>
+              <a:ext uri="{FF2B5EF4-FFF2-40B4-BE49-F238E27FC236}">
+                <a16:creationId xmlns:a16="http://schemas.microsoft.com/office/drawing/2014/main" id="{989B086F-4763-74BA-39AE-0F1FC6AF26C6}"/>
+              </a:ext>
+            </a:extLst>
+          </p:cNvPr>
+          <p:cNvGrpSpPr/>
+          <p:nvPr/>
+        </p:nvGrpSpPr>
+        <p:grpSpPr>
+          <a:xfrm>
+            <a:off x="7514923" y="-151280"/>
+            <a:ext cx="2975146" cy="1028305"/>
+            <a:chOff x="859809" y="3795168"/>
+            <a:chExt cx="2975146" cy="1028305"/>
+          </a:xfrm>
+        </p:grpSpPr>
+        <p:sp>
+          <p:nvSpPr>
+            <p:cNvPr id="47" name="圆角矩形 46">
+              <a:extLst>
+                <a:ext uri="{FF2B5EF4-FFF2-40B4-BE49-F238E27FC236}">
+                  <a16:creationId xmlns:a16="http://schemas.microsoft.com/office/drawing/2014/main" id="{6FF94952-7650-7B90-DBA1-57BC6D90A295}"/>
+                </a:ext>
+              </a:extLst>
+            </p:cNvPr>
+            <p:cNvSpPr/>
+            <p:nvPr/>
+          </p:nvSpPr>
+          <p:spPr>
+            <a:xfrm>
+              <a:off x="859809" y="3795168"/>
+              <a:ext cx="2975146" cy="1028305"/>
+            </a:xfrm>
+            <a:prstGeom prst="roundRect">
+              <a:avLst>
+                <a:gd name="adj" fmla="val 13606"/>
+              </a:avLst>
+            </a:prstGeom>
+            <a:solidFill>
+              <a:srgbClr val="F3F3F3"/>
+            </a:solidFill>
+            <a:ln>
+              <a:noFill/>
+            </a:ln>
+          </p:spPr>
+          <p:style>
+            <a:lnRef idx="2">
+              <a:schemeClr val="accent1">
+                <a:shade val="15000"/>
+              </a:schemeClr>
+            </a:lnRef>
+            <a:fillRef idx="1">
+              <a:schemeClr val="accent1"/>
+            </a:fillRef>
+            <a:effectRef idx="0">
+              <a:schemeClr val="accent1"/>
+            </a:effectRef>
+            <a:fontRef idx="minor">
+              <a:schemeClr val="lt1"/>
+            </a:fontRef>
+          </p:style>
+          <p:txBody>
+            <a:bodyPr rtlCol="0" anchor="ctr"/>
+            <a:lstStyle/>
+            <a:p>
+              <a:pPr algn="ctr"/>
+              <a:endParaRPr kumimoji="1" lang="zh-CN" altLang="en-US" sz="2000">
+                <a:solidFill>
+                  <a:schemeClr val="tx1"/>
+                </a:solidFill>
+                <a:latin typeface="Calibri" panose="020F0502020204030204" pitchFamily="34" charset="0"/>
+                <a:cs typeface="Calibri" panose="020F0502020204030204" pitchFamily="34" charset="0"/>
+              </a:endParaRPr>
+            </a:p>
+          </p:txBody>
+        </p:sp>
+        <p:sp>
+          <p:nvSpPr>
+            <p:cNvPr id="48" name="文本框 47">
+              <a:extLst>
+                <a:ext uri="{FF2B5EF4-FFF2-40B4-BE49-F238E27FC236}">
+                  <a16:creationId xmlns:a16="http://schemas.microsoft.com/office/drawing/2014/main" id="{3926B22B-8241-5C8F-5982-10A6F955380B}"/>
+                </a:ext>
+              </a:extLst>
+            </p:cNvPr>
+            <p:cNvSpPr txBox="1"/>
+            <p:nvPr/>
+          </p:nvSpPr>
+          <p:spPr>
+            <a:xfrm>
+              <a:off x="1187121" y="4078209"/>
+              <a:ext cx="2432526" cy="523220"/>
+            </a:xfrm>
+            <a:prstGeom prst="rect">
+              <a:avLst/>
+            </a:prstGeom>
+            <a:noFill/>
+          </p:spPr>
+          <p:txBody>
+            <a:bodyPr wrap="square" rtlCol="0">
+              <a:spAutoFit/>
+            </a:bodyPr>
+            <a:lstStyle/>
+            <a:p>
+              <a:pPr algn="ctr"/>
+              <a:r>
+                <a:rPr kumimoji="1" lang="en-US" altLang="zh-CN" sz="2800" b="1" dirty="0">
+                  <a:latin typeface="Calibri" panose="020F0502020204030204" pitchFamily="34" charset="0"/>
+                  <a:ea typeface="Helvetica Neue" panose="02000503000000020004" pitchFamily="2" charset="0"/>
+                  <a:cs typeface="Calibri" panose="020F0502020204030204" pitchFamily="34" charset="0"/>
+                </a:rPr>
+                <a:t>JOIN</a:t>
+              </a:r>
+              <a:endParaRPr kumimoji="1" lang="en-US" altLang="zh-CN" sz="2400" b="1" dirty="0">
+                <a:latin typeface="Calibri" panose="020F0502020204030204" pitchFamily="34" charset="0"/>
+                <a:ea typeface="Helvetica Neue" panose="02000503000000020004" pitchFamily="2" charset="0"/>
+                <a:cs typeface="Calibri" panose="020F0502020204030204" pitchFamily="34" charset="0"/>
+              </a:endParaRPr>
+            </a:p>
+          </p:txBody>
+        </p:sp>
+      </p:grpSp>
+      <p:cxnSp>
+        <p:nvCxnSpPr>
+          <p:cNvPr id="49" name="直线箭头连接符 48">
+            <a:extLst>
+              <a:ext uri="{FF2B5EF4-FFF2-40B4-BE49-F238E27FC236}">
+                <a16:creationId xmlns:a16="http://schemas.microsoft.com/office/drawing/2014/main" id="{93BCBD8F-384A-5B2E-860F-65C1ACFAB25E}"/>
+              </a:ext>
+            </a:extLst>
+          </p:cNvPr>
+          <p:cNvCxnSpPr>
+            <a:cxnSpLocks/>
+            <a:stCxn id="51" idx="3"/>
+            <a:endCxn id="47" idx="1"/>
+          </p:cNvCxnSpPr>
+          <p:nvPr/>
+        </p:nvCxnSpPr>
+        <p:spPr>
+          <a:xfrm>
+            <a:off x="7156081" y="360809"/>
+            <a:ext cx="358842" cy="2064"/>
+          </a:xfrm>
+          <a:prstGeom prst="straightConnector1">
+            <a:avLst/>
+          </a:prstGeom>
+          <a:ln w="28575">
+            <a:solidFill>
+              <a:srgbClr val="8B649D"/>
+            </a:solidFill>
+            <a:tailEnd type="triangle"/>
+          </a:ln>
+        </p:spPr>
+        <p:style>
+          <a:lnRef idx="3">
+            <a:schemeClr val="dk1"/>
+          </a:lnRef>
+          <a:fillRef idx="0">
+            <a:schemeClr val="dk1"/>
+          </a:fillRef>
+          <a:effectRef idx="2">
+            <a:schemeClr val="dk1"/>
+          </a:effectRef>
+          <a:fontRef idx="minor">
+            <a:schemeClr val="tx1"/>
+          </a:fontRef>
+        </p:style>
+      </p:cxnSp>
+      <p:grpSp>
+        <p:nvGrpSpPr>
+          <p:cNvPr id="50" name="组合 49">
+            <a:extLst>
+              <a:ext uri="{FF2B5EF4-FFF2-40B4-BE49-F238E27FC236}">
+                <a16:creationId xmlns:a16="http://schemas.microsoft.com/office/drawing/2014/main" id="{F3684F33-E671-8C74-3E5C-D961D64DDBD0}"/>
+              </a:ext>
+            </a:extLst>
+          </p:cNvPr>
+          <p:cNvGrpSpPr/>
+          <p:nvPr/>
+        </p:nvGrpSpPr>
+        <p:grpSpPr>
+          <a:xfrm>
+            <a:off x="4151583" y="-153344"/>
+            <a:ext cx="3004498" cy="1028305"/>
+            <a:chOff x="6192166" y="4180567"/>
+            <a:chExt cx="3004498" cy="1028305"/>
+          </a:xfrm>
+        </p:grpSpPr>
+        <p:sp>
+          <p:nvSpPr>
+            <p:cNvPr id="51" name="圆角矩形 50">
+              <a:extLst>
+                <a:ext uri="{FF2B5EF4-FFF2-40B4-BE49-F238E27FC236}">
+                  <a16:creationId xmlns:a16="http://schemas.microsoft.com/office/drawing/2014/main" id="{0A364913-4415-E615-3157-C900449F1AF3}"/>
+                </a:ext>
+              </a:extLst>
+            </p:cNvPr>
+            <p:cNvSpPr/>
+            <p:nvPr/>
+          </p:nvSpPr>
+          <p:spPr>
+            <a:xfrm>
+              <a:off x="6221518" y="4180567"/>
+              <a:ext cx="2975146" cy="1028305"/>
+            </a:xfrm>
+            <a:prstGeom prst="roundRect">
+              <a:avLst>
+                <a:gd name="adj" fmla="val 13606"/>
+              </a:avLst>
+            </a:prstGeom>
+            <a:solidFill>
+              <a:srgbClr val="F3F3F3"/>
+            </a:solidFill>
+            <a:ln>
+              <a:noFill/>
+            </a:ln>
+          </p:spPr>
+          <p:style>
+            <a:lnRef idx="2">
+              <a:schemeClr val="accent1">
+                <a:shade val="15000"/>
+              </a:schemeClr>
+            </a:lnRef>
+            <a:fillRef idx="1">
+              <a:schemeClr val="accent1"/>
+            </a:fillRef>
+            <a:effectRef idx="0">
+              <a:schemeClr val="accent1"/>
+            </a:effectRef>
+            <a:fontRef idx="minor">
+              <a:schemeClr val="lt1"/>
+            </a:fontRef>
+          </p:style>
+          <p:txBody>
+            <a:bodyPr rtlCol="0" anchor="ctr"/>
+            <a:lstStyle/>
+            <a:p>
+              <a:pPr algn="ctr"/>
+              <a:endParaRPr kumimoji="1" lang="zh-CN" altLang="en-US" sz="2000">
+                <a:solidFill>
+                  <a:schemeClr val="tx1"/>
+                </a:solidFill>
+                <a:latin typeface="Calibri" panose="020F0502020204030204" pitchFamily="34" charset="0"/>
+                <a:cs typeface="Calibri" panose="020F0502020204030204" pitchFamily="34" charset="0"/>
+              </a:endParaRPr>
+            </a:p>
+          </p:txBody>
+        </p:sp>
+        <p:sp>
+          <p:nvSpPr>
+            <p:cNvPr id="52" name="文本框 51">
+              <a:extLst>
+                <a:ext uri="{FF2B5EF4-FFF2-40B4-BE49-F238E27FC236}">
+                  <a16:creationId xmlns:a16="http://schemas.microsoft.com/office/drawing/2014/main" id="{CF7A0F69-99AD-E431-F649-CA4EEBF0385A}"/>
+                </a:ext>
+              </a:extLst>
+            </p:cNvPr>
+            <p:cNvSpPr txBox="1"/>
+            <p:nvPr/>
+          </p:nvSpPr>
+          <p:spPr>
+            <a:xfrm>
+              <a:off x="6192166" y="4270496"/>
+              <a:ext cx="2975146" cy="892552"/>
+            </a:xfrm>
+            <a:prstGeom prst="rect">
+              <a:avLst/>
+            </a:prstGeom>
+            <a:noFill/>
+          </p:spPr>
+          <p:txBody>
+            <a:bodyPr wrap="square" rtlCol="0">
+              <a:spAutoFit/>
+            </a:bodyPr>
+            <a:lstStyle/>
+            <a:p>
+              <a:pPr algn="ctr"/>
+              <a:r>
+                <a:rPr kumimoji="1" lang="en-US" altLang="zh-CN" sz="2800" b="1" dirty="0">
+                  <a:latin typeface="Calibri" panose="020F0502020204030204" pitchFamily="34" charset="0"/>
+                  <a:ea typeface="Helvetica Neue" panose="02000503000000020004" pitchFamily="2" charset="0"/>
+                  <a:cs typeface="Calibri" panose="020F0502020204030204" pitchFamily="34" charset="0"/>
+                </a:rPr>
+                <a:t>Scan</a:t>
+              </a:r>
+              <a:r>
+                <a:rPr kumimoji="1" lang="zh-CN" altLang="en-US" sz="2400" b="1" dirty="0">
+                  <a:latin typeface="Calibri" panose="020F0502020204030204" pitchFamily="34" charset="0"/>
+                  <a:ea typeface="Helvetica Neue" panose="02000503000000020004" pitchFamily="2" charset="0"/>
+                  <a:cs typeface="Calibri" panose="020F0502020204030204" pitchFamily="34" charset="0"/>
+                </a:rPr>
+                <a:t>  </a:t>
+              </a:r>
+              <a:endParaRPr kumimoji="1" lang="en-US" altLang="zh-CN" sz="2400" b="1" dirty="0">
+                <a:latin typeface="Calibri" panose="020F0502020204030204" pitchFamily="34" charset="0"/>
+                <a:ea typeface="Helvetica Neue" panose="02000503000000020004" pitchFamily="2" charset="0"/>
+                <a:cs typeface="Calibri" panose="020F0502020204030204" pitchFamily="34" charset="0"/>
+              </a:endParaRPr>
+            </a:p>
+            <a:p>
+              <a:pPr algn="ctr"/>
+              <a:r>
+                <a:rPr kumimoji="1" lang="en-US" altLang="zh-CN" sz="2400" dirty="0">
+                  <a:latin typeface="Calibri" panose="020F0502020204030204" pitchFamily="34" charset="0"/>
+                  <a:ea typeface="Helvetica Neue" panose="02000503000000020004" pitchFamily="2" charset="0"/>
+                  <a:cs typeface="Calibri" panose="020F0502020204030204" pitchFamily="34" charset="0"/>
+                </a:rPr>
+                <a:t>MOVIE_COMPANIES</a:t>
+              </a:r>
+              <a:endParaRPr kumimoji="1" lang="zh-CN" altLang="en-US" sz="2400" dirty="0">
+                <a:latin typeface="Calibri" panose="020F0502020204030204" pitchFamily="34" charset="0"/>
+                <a:cs typeface="Calibri" panose="020F0502020204030204" pitchFamily="34" charset="0"/>
+              </a:endParaRPr>
+            </a:p>
+          </p:txBody>
+        </p:sp>
+      </p:grpSp>
+      <p:cxnSp>
+        <p:nvCxnSpPr>
+          <p:cNvPr id="55" name="直线箭头连接符 54">
+            <a:extLst>
+              <a:ext uri="{FF2B5EF4-FFF2-40B4-BE49-F238E27FC236}">
+                <a16:creationId xmlns:a16="http://schemas.microsoft.com/office/drawing/2014/main" id="{88C41CBF-EEC3-2C6C-BDB2-8A88C1FE2D42}"/>
+              </a:ext>
+            </a:extLst>
+          </p:cNvPr>
+          <p:cNvCxnSpPr>
+            <a:cxnSpLocks/>
+            <a:stCxn id="22" idx="0"/>
+            <a:endCxn id="97" idx="2"/>
+          </p:cNvCxnSpPr>
+          <p:nvPr/>
+        </p:nvCxnSpPr>
+        <p:spPr>
+          <a:xfrm flipH="1" flipV="1">
+            <a:off x="8998168" y="-2981803"/>
+            <a:ext cx="9703" cy="247061"/>
+          </a:xfrm>
+          <a:prstGeom prst="straightConnector1">
+            <a:avLst/>
+          </a:prstGeom>
+          <a:ln w="28575">
+            <a:solidFill>
+              <a:srgbClr val="8B649D"/>
+            </a:solidFill>
+            <a:tailEnd type="triangle"/>
+          </a:ln>
+        </p:spPr>
+        <p:style>
+          <a:lnRef idx="3">
+            <a:schemeClr val="dk1"/>
+          </a:lnRef>
+          <a:fillRef idx="0">
+            <a:schemeClr val="dk1"/>
+          </a:fillRef>
+          <a:effectRef idx="2">
+            <a:schemeClr val="dk1"/>
+          </a:effectRef>
+          <a:fontRef idx="minor">
+            <a:schemeClr val="tx1"/>
+          </a:fontRef>
+        </p:style>
+      </p:cxnSp>
+      <p:grpSp>
+        <p:nvGrpSpPr>
+          <p:cNvPr id="74" name="组合 73">
+            <a:extLst>
+              <a:ext uri="{FF2B5EF4-FFF2-40B4-BE49-F238E27FC236}">
+                <a16:creationId xmlns:a16="http://schemas.microsoft.com/office/drawing/2014/main" id="{75A7F941-5CED-A493-2DA9-D2C02043AFDB}"/>
+              </a:ext>
+            </a:extLst>
+          </p:cNvPr>
+          <p:cNvGrpSpPr/>
+          <p:nvPr/>
+        </p:nvGrpSpPr>
+        <p:grpSpPr>
+          <a:xfrm>
+            <a:off x="-4676411" y="4131853"/>
+            <a:ext cx="2975146" cy="868196"/>
+            <a:chOff x="859809" y="3955277"/>
+            <a:chExt cx="2975146" cy="868196"/>
+          </a:xfrm>
+        </p:grpSpPr>
+        <p:sp>
+          <p:nvSpPr>
+            <p:cNvPr id="75" name="圆角矩形 74">
+              <a:extLst>
+                <a:ext uri="{FF2B5EF4-FFF2-40B4-BE49-F238E27FC236}">
+                  <a16:creationId xmlns:a16="http://schemas.microsoft.com/office/drawing/2014/main" id="{1D0A5FA9-1D4E-CC0F-2248-42CB9EACC6A6}"/>
+                </a:ext>
+              </a:extLst>
+            </p:cNvPr>
+            <p:cNvSpPr/>
+            <p:nvPr/>
+          </p:nvSpPr>
+          <p:spPr>
+            <a:xfrm>
+              <a:off x="859809" y="3955277"/>
+              <a:ext cx="2975146" cy="868196"/>
+            </a:xfrm>
+            <a:prstGeom prst="roundRect">
+              <a:avLst>
+                <a:gd name="adj" fmla="val 13606"/>
+              </a:avLst>
+            </a:prstGeom>
+            <a:solidFill>
+              <a:srgbClr val="F3F3F3"/>
+            </a:solidFill>
+            <a:ln>
+              <a:noFill/>
+            </a:ln>
+          </p:spPr>
+          <p:style>
+            <a:lnRef idx="2">
+              <a:schemeClr val="accent1">
+                <a:shade val="15000"/>
+              </a:schemeClr>
+            </a:lnRef>
+            <a:fillRef idx="1">
+              <a:schemeClr val="accent1"/>
+            </a:fillRef>
+            <a:effectRef idx="0">
+              <a:schemeClr val="accent1"/>
+            </a:effectRef>
+            <a:fontRef idx="minor">
+              <a:schemeClr val="lt1"/>
+            </a:fontRef>
+          </p:style>
+          <p:txBody>
+            <a:bodyPr rtlCol="0" anchor="ctr"/>
+            <a:lstStyle/>
+            <a:p>
+              <a:pPr algn="ctr"/>
+              <a:endParaRPr kumimoji="1" lang="zh-CN" altLang="en-US" sz="2000">
+                <a:solidFill>
+                  <a:schemeClr val="tx1"/>
+                </a:solidFill>
+                <a:latin typeface="Calibri" panose="020F0502020204030204" pitchFamily="34" charset="0"/>
+                <a:cs typeface="Calibri" panose="020F0502020204030204" pitchFamily="34" charset="0"/>
+              </a:endParaRPr>
+            </a:p>
+          </p:txBody>
+        </p:sp>
+        <p:sp>
+          <p:nvSpPr>
+            <p:cNvPr id="77" name="文本框 76">
+              <a:extLst>
+                <a:ext uri="{FF2B5EF4-FFF2-40B4-BE49-F238E27FC236}">
+                  <a16:creationId xmlns:a16="http://schemas.microsoft.com/office/drawing/2014/main" id="{6258ADAE-91E2-F48C-69F8-75CC029D4721}"/>
+                </a:ext>
+              </a:extLst>
+            </p:cNvPr>
+            <p:cNvSpPr txBox="1"/>
+            <p:nvPr/>
+          </p:nvSpPr>
+          <p:spPr>
+            <a:xfrm>
+              <a:off x="1187121" y="4078209"/>
+              <a:ext cx="2432526" cy="523220"/>
+            </a:xfrm>
+            <a:prstGeom prst="rect">
+              <a:avLst/>
+            </a:prstGeom>
+            <a:noFill/>
+          </p:spPr>
+          <p:txBody>
+            <a:bodyPr wrap="square" rtlCol="0">
+              <a:spAutoFit/>
+            </a:bodyPr>
+            <a:lstStyle/>
+            <a:p>
+              <a:pPr algn="ctr"/>
+              <a:r>
+                <a:rPr kumimoji="1" lang="en-US" altLang="zh-CN" sz="2800" b="1" dirty="0">
+                  <a:latin typeface="Calibri" panose="020F0502020204030204" pitchFamily="34" charset="0"/>
+                  <a:ea typeface="Helvetica Neue" panose="02000503000000020004" pitchFamily="2" charset="0"/>
+                  <a:cs typeface="Calibri" panose="020F0502020204030204" pitchFamily="34" charset="0"/>
+                </a:rPr>
+                <a:t>Join</a:t>
+              </a:r>
+              <a:endParaRPr kumimoji="1" lang="en-US" altLang="zh-CN" sz="2400" b="1" dirty="0">
+                <a:latin typeface="Calibri" panose="020F0502020204030204" pitchFamily="34" charset="0"/>
+                <a:ea typeface="Helvetica Neue" panose="02000503000000020004" pitchFamily="2" charset="0"/>
+                <a:cs typeface="Calibri" panose="020F0502020204030204" pitchFamily="34" charset="0"/>
+              </a:endParaRPr>
+            </a:p>
+          </p:txBody>
+        </p:sp>
+      </p:grpSp>
+      <p:cxnSp>
+        <p:nvCxnSpPr>
+          <p:cNvPr id="78" name="直线箭头连接符 77">
+            <a:extLst>
+              <a:ext uri="{FF2B5EF4-FFF2-40B4-BE49-F238E27FC236}">
+                <a16:creationId xmlns:a16="http://schemas.microsoft.com/office/drawing/2014/main" id="{A719F279-2B12-4103-5E71-712281FE82B2}"/>
+              </a:ext>
+            </a:extLst>
+          </p:cNvPr>
+          <p:cNvCxnSpPr>
+            <a:cxnSpLocks/>
+            <a:stCxn id="85" idx="3"/>
+            <a:endCxn id="75" idx="1"/>
+          </p:cNvCxnSpPr>
+          <p:nvPr/>
+        </p:nvCxnSpPr>
+        <p:spPr>
+          <a:xfrm>
+            <a:off x="-5035253" y="4562219"/>
+            <a:ext cx="358842" cy="3732"/>
+          </a:xfrm>
+          <a:prstGeom prst="straightConnector1">
+            <a:avLst/>
+          </a:prstGeom>
+          <a:ln w="28575">
+            <a:solidFill>
+              <a:srgbClr val="8B649D"/>
+            </a:solidFill>
+            <a:tailEnd type="triangle"/>
+          </a:ln>
+        </p:spPr>
+        <p:style>
+          <a:lnRef idx="3">
+            <a:schemeClr val="dk1"/>
+          </a:lnRef>
+          <a:fillRef idx="0">
+            <a:schemeClr val="dk1"/>
+          </a:fillRef>
+          <a:effectRef idx="2">
+            <a:schemeClr val="dk1"/>
+          </a:effectRef>
+          <a:fontRef idx="minor">
+            <a:schemeClr val="tx1"/>
+          </a:fontRef>
+        </p:style>
+      </p:cxnSp>
+      <p:grpSp>
+        <p:nvGrpSpPr>
+          <p:cNvPr id="79" name="组合 78">
+            <a:extLst>
+              <a:ext uri="{FF2B5EF4-FFF2-40B4-BE49-F238E27FC236}">
+                <a16:creationId xmlns:a16="http://schemas.microsoft.com/office/drawing/2014/main" id="{62258638-6589-9EC5-0BBE-7AC469C79410}"/>
+              </a:ext>
+            </a:extLst>
+          </p:cNvPr>
+          <p:cNvGrpSpPr/>
+          <p:nvPr/>
+        </p:nvGrpSpPr>
+        <p:grpSpPr>
+          <a:xfrm>
+            <a:off x="-1526641" y="3729115"/>
+            <a:ext cx="3109537" cy="1578090"/>
+            <a:chOff x="6087127" y="4081896"/>
+            <a:chExt cx="3109537" cy="1578090"/>
+          </a:xfrm>
+        </p:grpSpPr>
+        <p:sp>
+          <p:nvSpPr>
+            <p:cNvPr id="80" name="圆角矩形 79">
+              <a:extLst>
+                <a:ext uri="{FF2B5EF4-FFF2-40B4-BE49-F238E27FC236}">
+                  <a16:creationId xmlns:a16="http://schemas.microsoft.com/office/drawing/2014/main" id="{2B6DDCBB-A1FC-A75A-66EA-3C45D03F16BC}"/>
+                </a:ext>
+              </a:extLst>
+            </p:cNvPr>
+            <p:cNvSpPr/>
+            <p:nvPr/>
+          </p:nvSpPr>
+          <p:spPr>
+            <a:xfrm>
+              <a:off x="6221518" y="4180567"/>
+              <a:ext cx="2975146" cy="1479419"/>
+            </a:xfrm>
+            <a:prstGeom prst="roundRect">
+              <a:avLst>
+                <a:gd name="adj" fmla="val 13606"/>
+              </a:avLst>
+            </a:prstGeom>
+            <a:solidFill>
+              <a:srgbClr val="F3F3F3"/>
+            </a:solidFill>
+            <a:ln>
+              <a:noFill/>
+            </a:ln>
+          </p:spPr>
+          <p:style>
+            <a:lnRef idx="2">
+              <a:schemeClr val="accent1">
+                <a:shade val="15000"/>
+              </a:schemeClr>
+            </a:lnRef>
+            <a:fillRef idx="1">
+              <a:schemeClr val="accent1"/>
+            </a:fillRef>
+            <a:effectRef idx="0">
+              <a:schemeClr val="accent1"/>
+            </a:effectRef>
+            <a:fontRef idx="minor">
+              <a:schemeClr val="lt1"/>
+            </a:fontRef>
+          </p:style>
+          <p:txBody>
+            <a:bodyPr rtlCol="0" anchor="ctr"/>
+            <a:lstStyle/>
+            <a:p>
+              <a:pPr algn="ctr"/>
+              <a:endParaRPr kumimoji="1" lang="zh-CN" altLang="en-US" sz="2000">
+                <a:solidFill>
+                  <a:schemeClr val="tx1"/>
+                </a:solidFill>
+                <a:latin typeface="Calibri" panose="020F0502020204030204" pitchFamily="34" charset="0"/>
+                <a:cs typeface="Calibri" panose="020F0502020204030204" pitchFamily="34" charset="0"/>
+              </a:endParaRPr>
+            </a:p>
+          </p:txBody>
+        </p:sp>
+        <p:sp>
+          <p:nvSpPr>
+            <p:cNvPr id="81" name="文本框 80">
+              <a:extLst>
+                <a:ext uri="{FF2B5EF4-FFF2-40B4-BE49-F238E27FC236}">
+                  <a16:creationId xmlns:a16="http://schemas.microsoft.com/office/drawing/2014/main" id="{AC1609D3-C81F-4ABD-1656-DD4C4DA47DF0}"/>
+                </a:ext>
+              </a:extLst>
+            </p:cNvPr>
+            <p:cNvSpPr txBox="1"/>
+            <p:nvPr/>
+          </p:nvSpPr>
+          <p:spPr>
+            <a:xfrm>
+              <a:off x="6087127" y="4081896"/>
+              <a:ext cx="3085007" cy="1508105"/>
+            </a:xfrm>
+            <a:prstGeom prst="rect">
+              <a:avLst/>
+            </a:prstGeom>
+            <a:noFill/>
+          </p:spPr>
+          <p:txBody>
+            <a:bodyPr wrap="square" rtlCol="0">
+              <a:spAutoFit/>
+            </a:bodyPr>
+            <a:lstStyle/>
+            <a:p>
+              <a:pPr algn="ctr"/>
+              <a:r>
+                <a:rPr kumimoji="1" lang="en-US" altLang="zh-CN" sz="2800" b="1" dirty="0">
+                  <a:latin typeface="Calibri" panose="020F0502020204030204" pitchFamily="34" charset="0"/>
+                  <a:ea typeface="Helvetica Neue" panose="02000503000000020004" pitchFamily="2" charset="0"/>
+                  <a:cs typeface="Calibri" panose="020F0502020204030204" pitchFamily="34" charset="0"/>
+                </a:rPr>
+                <a:t>Scan</a:t>
+              </a:r>
+              <a:r>
+                <a:rPr kumimoji="1" lang="zh-CN" altLang="en-US" sz="2400" b="1" dirty="0">
+                  <a:latin typeface="Calibri" panose="020F0502020204030204" pitchFamily="34" charset="0"/>
+                  <a:ea typeface="Helvetica Neue" panose="02000503000000020004" pitchFamily="2" charset="0"/>
+                  <a:cs typeface="Calibri" panose="020F0502020204030204" pitchFamily="34" charset="0"/>
+                </a:rPr>
+                <a:t>  </a:t>
+              </a:r>
+              <a:endParaRPr kumimoji="1" lang="en-US" altLang="zh-CN" sz="2400" b="1" dirty="0">
+                <a:latin typeface="Calibri" panose="020F0502020204030204" pitchFamily="34" charset="0"/>
+                <a:ea typeface="Helvetica Neue" panose="02000503000000020004" pitchFamily="2" charset="0"/>
+                <a:cs typeface="Calibri" panose="020F0502020204030204" pitchFamily="34" charset="0"/>
+              </a:endParaRPr>
+            </a:p>
+            <a:p>
+              <a:pPr algn="ctr"/>
+              <a:r>
+                <a:rPr kumimoji="1" lang="en-US" altLang="zh-CN" sz="2400" dirty="0">
+                  <a:latin typeface="Calibri" panose="020F0502020204030204" pitchFamily="34" charset="0"/>
+                  <a:ea typeface="Helvetica Neue" panose="02000503000000020004" pitchFamily="2" charset="0"/>
+                  <a:cs typeface="Calibri" panose="020F0502020204030204" pitchFamily="34" charset="0"/>
+                </a:rPr>
+                <a:t>KEYWORD</a:t>
+              </a:r>
+            </a:p>
+            <a:p>
+              <a:pPr algn="ctr"/>
+              <a:r>
+                <a:rPr kumimoji="1" lang="en" altLang="zh-CN" sz="2000" dirty="0">
+                  <a:latin typeface="Calibri" panose="020F0502020204030204" pitchFamily="34" charset="0"/>
+                  <a:ea typeface="Menlo" panose="020B0609030804020204" pitchFamily="49" charset="0"/>
+                  <a:cs typeface="Calibri" panose="020F0502020204030204" pitchFamily="34" charset="0"/>
+                </a:rPr>
+                <a:t>(keyword = “character-name-in-title”)</a:t>
+              </a:r>
+            </a:p>
+          </p:txBody>
+        </p:sp>
+      </p:grpSp>
+      <p:grpSp>
+        <p:nvGrpSpPr>
+          <p:cNvPr id="83" name="组合 82">
+            <a:extLst>
+              <a:ext uri="{FF2B5EF4-FFF2-40B4-BE49-F238E27FC236}">
+                <a16:creationId xmlns:a16="http://schemas.microsoft.com/office/drawing/2014/main" id="{6AE25D2A-74AC-7C78-06F7-CE680B7CD87C}"/>
+              </a:ext>
+            </a:extLst>
+          </p:cNvPr>
+          <p:cNvGrpSpPr/>
+          <p:nvPr/>
+        </p:nvGrpSpPr>
+        <p:grpSpPr>
+          <a:xfrm>
+            <a:off x="-8113907" y="4070119"/>
+            <a:ext cx="3182162" cy="938376"/>
+            <a:chOff x="6118010" y="4270496"/>
+            <a:chExt cx="3182162" cy="938376"/>
+          </a:xfrm>
+        </p:grpSpPr>
+        <p:sp>
+          <p:nvSpPr>
+            <p:cNvPr id="85" name="圆角矩形 84">
+              <a:extLst>
+                <a:ext uri="{FF2B5EF4-FFF2-40B4-BE49-F238E27FC236}">
+                  <a16:creationId xmlns:a16="http://schemas.microsoft.com/office/drawing/2014/main" id="{BB948851-6162-D065-E215-43DC3B5C75CB}"/>
+                </a:ext>
+              </a:extLst>
+            </p:cNvPr>
+            <p:cNvSpPr/>
+            <p:nvPr/>
+          </p:nvSpPr>
+          <p:spPr>
+            <a:xfrm>
+              <a:off x="6221518" y="4316320"/>
+              <a:ext cx="2975146" cy="892552"/>
+            </a:xfrm>
+            <a:prstGeom prst="roundRect">
+              <a:avLst>
+                <a:gd name="adj" fmla="val 13606"/>
+              </a:avLst>
+            </a:prstGeom>
+            <a:solidFill>
+              <a:srgbClr val="F3F3F3"/>
+            </a:solidFill>
+            <a:ln>
+              <a:noFill/>
+            </a:ln>
+          </p:spPr>
+          <p:style>
+            <a:lnRef idx="2">
+              <a:schemeClr val="accent1">
+                <a:shade val="15000"/>
+              </a:schemeClr>
+            </a:lnRef>
+            <a:fillRef idx="1">
+              <a:schemeClr val="accent1"/>
+            </a:fillRef>
+            <a:effectRef idx="0">
+              <a:schemeClr val="accent1"/>
+            </a:effectRef>
+            <a:fontRef idx="minor">
+              <a:schemeClr val="lt1"/>
+            </a:fontRef>
+          </p:style>
+          <p:txBody>
+            <a:bodyPr rtlCol="0" anchor="ctr"/>
+            <a:lstStyle/>
+            <a:p>
+              <a:pPr algn="ctr"/>
+              <a:endParaRPr kumimoji="1" lang="zh-CN" altLang="en-US" sz="2000">
+                <a:solidFill>
+                  <a:schemeClr val="tx1"/>
+                </a:solidFill>
+                <a:latin typeface="Calibri" panose="020F0502020204030204" pitchFamily="34" charset="0"/>
+                <a:cs typeface="Calibri" panose="020F0502020204030204" pitchFamily="34" charset="0"/>
+              </a:endParaRPr>
+            </a:p>
+          </p:txBody>
+        </p:sp>
+        <p:sp>
+          <p:nvSpPr>
+            <p:cNvPr id="86" name="文本框 85">
+              <a:extLst>
+                <a:ext uri="{FF2B5EF4-FFF2-40B4-BE49-F238E27FC236}">
+                  <a16:creationId xmlns:a16="http://schemas.microsoft.com/office/drawing/2014/main" id="{8B1AB9D4-31E7-3CD0-AA49-56FB1ECA6783}"/>
+                </a:ext>
+              </a:extLst>
+            </p:cNvPr>
+            <p:cNvSpPr txBox="1"/>
+            <p:nvPr/>
+          </p:nvSpPr>
+          <p:spPr>
+            <a:xfrm>
+              <a:off x="6118010" y="4270496"/>
+              <a:ext cx="3182162" cy="892552"/>
+            </a:xfrm>
+            <a:prstGeom prst="rect">
+              <a:avLst/>
+            </a:prstGeom>
+            <a:noFill/>
+          </p:spPr>
+          <p:txBody>
+            <a:bodyPr wrap="square" rtlCol="0">
+              <a:spAutoFit/>
+            </a:bodyPr>
+            <a:lstStyle/>
+            <a:p>
+              <a:pPr algn="ctr"/>
+              <a:r>
+                <a:rPr kumimoji="1" lang="en-US" altLang="zh-CN" sz="2800" b="1" dirty="0">
+                  <a:latin typeface="Calibri" panose="020F0502020204030204" pitchFamily="34" charset="0"/>
+                  <a:ea typeface="Helvetica Neue" panose="02000503000000020004" pitchFamily="2" charset="0"/>
+                  <a:cs typeface="Calibri" panose="020F0502020204030204" pitchFamily="34" charset="0"/>
+                </a:rPr>
+                <a:t>Scan</a:t>
+              </a:r>
+              <a:r>
+                <a:rPr kumimoji="1" lang="zh-CN" altLang="en-US" sz="2400" b="1" dirty="0">
+                  <a:latin typeface="Calibri" panose="020F0502020204030204" pitchFamily="34" charset="0"/>
+                  <a:ea typeface="Helvetica Neue" panose="02000503000000020004" pitchFamily="2" charset="0"/>
+                  <a:cs typeface="Calibri" panose="020F0502020204030204" pitchFamily="34" charset="0"/>
+                </a:rPr>
+                <a:t>  </a:t>
+              </a:r>
+              <a:endParaRPr kumimoji="1" lang="en-US" altLang="zh-CN" sz="2400" b="1" dirty="0">
+                <a:latin typeface="Calibri" panose="020F0502020204030204" pitchFamily="34" charset="0"/>
+                <a:ea typeface="Helvetica Neue" panose="02000503000000020004" pitchFamily="2" charset="0"/>
+                <a:cs typeface="Calibri" panose="020F0502020204030204" pitchFamily="34" charset="0"/>
+              </a:endParaRPr>
+            </a:p>
+            <a:p>
+              <a:pPr algn="ctr"/>
+              <a:r>
+                <a:rPr kumimoji="1" lang="en-US" altLang="zh-CN" sz="2400" dirty="0">
+                  <a:latin typeface="Calibri" panose="020F0502020204030204" pitchFamily="34" charset="0"/>
+                  <a:ea typeface="Helvetica Neue" panose="02000503000000020004" pitchFamily="2" charset="0"/>
+                  <a:cs typeface="Calibri" panose="020F0502020204030204" pitchFamily="34" charset="0"/>
+                </a:rPr>
+                <a:t>MOVIE_KEYWORD</a:t>
+              </a:r>
+              <a:endParaRPr kumimoji="1" lang="zh-CN" altLang="en-US" sz="2400" dirty="0">
+                <a:latin typeface="Calibri" panose="020F0502020204030204" pitchFamily="34" charset="0"/>
+                <a:cs typeface="Calibri" panose="020F0502020204030204" pitchFamily="34" charset="0"/>
+              </a:endParaRPr>
+            </a:p>
+          </p:txBody>
+        </p:sp>
+      </p:grpSp>
+      <p:grpSp>
+        <p:nvGrpSpPr>
+          <p:cNvPr id="88" name="组合 87">
+            <a:extLst>
+              <a:ext uri="{FF2B5EF4-FFF2-40B4-BE49-F238E27FC236}">
+                <a16:creationId xmlns:a16="http://schemas.microsoft.com/office/drawing/2014/main" id="{69441AE1-B7A0-769E-02EF-EB7CB2EB10C0}"/>
+              </a:ext>
+            </a:extLst>
+          </p:cNvPr>
+          <p:cNvGrpSpPr/>
+          <p:nvPr/>
+        </p:nvGrpSpPr>
+        <p:grpSpPr>
+          <a:xfrm>
+            <a:off x="-1583373" y="-647863"/>
+            <a:ext cx="3330820" cy="1302844"/>
+            <a:chOff x="5983100" y="4180568"/>
+            <a:chExt cx="3330820" cy="1302844"/>
+          </a:xfrm>
+        </p:grpSpPr>
+        <p:sp>
+          <p:nvSpPr>
+            <p:cNvPr id="89" name="圆角矩形 88">
+              <a:extLst>
+                <a:ext uri="{FF2B5EF4-FFF2-40B4-BE49-F238E27FC236}">
+                  <a16:creationId xmlns:a16="http://schemas.microsoft.com/office/drawing/2014/main" id="{ABE9FE6C-5DC3-9AB8-50A4-D2DFB24CA75E}"/>
+                </a:ext>
+              </a:extLst>
+            </p:cNvPr>
+            <p:cNvSpPr/>
+            <p:nvPr/>
+          </p:nvSpPr>
+          <p:spPr>
+            <a:xfrm>
+              <a:off x="6221518" y="4180568"/>
+              <a:ext cx="2975146" cy="1302844"/>
+            </a:xfrm>
+            <a:prstGeom prst="roundRect">
+              <a:avLst>
+                <a:gd name="adj" fmla="val 13606"/>
+              </a:avLst>
+            </a:prstGeom>
+            <a:solidFill>
+              <a:srgbClr val="F3F3F3"/>
+            </a:solidFill>
+            <a:ln>
+              <a:noFill/>
+            </a:ln>
+          </p:spPr>
+          <p:style>
+            <a:lnRef idx="2">
+              <a:schemeClr val="accent1">
+                <a:shade val="15000"/>
+              </a:schemeClr>
+            </a:lnRef>
+            <a:fillRef idx="1">
+              <a:schemeClr val="accent1"/>
+            </a:fillRef>
+            <a:effectRef idx="0">
+              <a:schemeClr val="accent1"/>
+            </a:effectRef>
+            <a:fontRef idx="minor">
+              <a:schemeClr val="lt1"/>
+            </a:fontRef>
+          </p:style>
+          <p:txBody>
+            <a:bodyPr rtlCol="0" anchor="ctr"/>
+            <a:lstStyle/>
+            <a:p>
+              <a:pPr algn="ctr"/>
+              <a:endParaRPr kumimoji="1" lang="zh-CN" altLang="en-US" sz="2000">
+                <a:solidFill>
+                  <a:schemeClr val="tx1"/>
+                </a:solidFill>
+                <a:latin typeface="Calibri" panose="020F0502020204030204" pitchFamily="34" charset="0"/>
+                <a:cs typeface="Calibri" panose="020F0502020204030204" pitchFamily="34" charset="0"/>
+              </a:endParaRPr>
+            </a:p>
+          </p:txBody>
+        </p:sp>
+        <p:sp>
+          <p:nvSpPr>
+            <p:cNvPr id="90" name="文本框 89">
+              <a:extLst>
+                <a:ext uri="{FF2B5EF4-FFF2-40B4-BE49-F238E27FC236}">
+                  <a16:creationId xmlns:a16="http://schemas.microsoft.com/office/drawing/2014/main" id="{75A9F5E4-2500-14DB-00D9-5D28842C00B8}"/>
+                </a:ext>
+              </a:extLst>
+            </p:cNvPr>
+            <p:cNvSpPr txBox="1"/>
+            <p:nvPr/>
+          </p:nvSpPr>
+          <p:spPr>
+            <a:xfrm>
+              <a:off x="5983100" y="4180928"/>
+              <a:ext cx="3330820" cy="1200329"/>
+            </a:xfrm>
+            <a:prstGeom prst="rect">
+              <a:avLst/>
+            </a:prstGeom>
+            <a:noFill/>
+          </p:spPr>
+          <p:txBody>
+            <a:bodyPr wrap="square" rtlCol="0">
+              <a:spAutoFit/>
+            </a:bodyPr>
+            <a:lstStyle/>
+            <a:p>
+              <a:pPr algn="ctr"/>
+              <a:r>
+                <a:rPr kumimoji="1" lang="en-US" altLang="zh-CN" sz="2800" b="1" dirty="0">
+                  <a:latin typeface="Calibri" panose="020F0502020204030204" pitchFamily="34" charset="0"/>
+                  <a:ea typeface="Helvetica Neue" panose="02000503000000020004" pitchFamily="2" charset="0"/>
+                  <a:cs typeface="Calibri" panose="020F0502020204030204" pitchFamily="34" charset="0"/>
+                </a:rPr>
+                <a:t>Scan</a:t>
+              </a:r>
+              <a:r>
+                <a:rPr kumimoji="1" lang="zh-CN" altLang="en-US" sz="2400" b="1" dirty="0">
+                  <a:latin typeface="Calibri" panose="020F0502020204030204" pitchFamily="34" charset="0"/>
+                  <a:ea typeface="Helvetica Neue" panose="02000503000000020004" pitchFamily="2" charset="0"/>
+                  <a:cs typeface="Calibri" panose="020F0502020204030204" pitchFamily="34" charset="0"/>
+                </a:rPr>
+                <a:t>  </a:t>
+              </a:r>
+              <a:endParaRPr kumimoji="1" lang="en-US" altLang="zh-CN" sz="2400" b="1" dirty="0">
+                <a:latin typeface="Calibri" panose="020F0502020204030204" pitchFamily="34" charset="0"/>
+                <a:ea typeface="Helvetica Neue" panose="02000503000000020004" pitchFamily="2" charset="0"/>
+                <a:cs typeface="Calibri" panose="020F0502020204030204" pitchFamily="34" charset="0"/>
+              </a:endParaRPr>
+            </a:p>
+            <a:p>
+              <a:pPr algn="ctr"/>
+              <a:r>
+                <a:rPr kumimoji="1" lang="en-US" altLang="zh-CN" sz="2400" dirty="0">
+                  <a:latin typeface="Calibri" panose="020F0502020204030204" pitchFamily="34" charset="0"/>
+                  <a:ea typeface="Helvetica Neue" panose="02000503000000020004" pitchFamily="2" charset="0"/>
+                  <a:cs typeface="Calibri" panose="020F0502020204030204" pitchFamily="34" charset="0"/>
+                </a:rPr>
+                <a:t>COMPANY_NAME</a:t>
+              </a:r>
+            </a:p>
+            <a:p>
+              <a:pPr algn="ctr"/>
+              <a:r>
+                <a:rPr kumimoji="1" lang="en" altLang="zh-CN" sz="2000" dirty="0">
+                  <a:latin typeface="Calibri" panose="020F0502020204030204" pitchFamily="34" charset="0"/>
+                  <a:ea typeface="Menlo" panose="020B0609030804020204" pitchFamily="49" charset="0"/>
+                  <a:cs typeface="Calibri" panose="020F0502020204030204" pitchFamily="34" charset="0"/>
+                </a:rPr>
+                <a:t>(</a:t>
+              </a:r>
+              <a:r>
+                <a:rPr kumimoji="1" lang="en" altLang="zh-CN" sz="2000" dirty="0" err="1">
+                  <a:latin typeface="Calibri" panose="020F0502020204030204" pitchFamily="34" charset="0"/>
+                  <a:ea typeface="Menlo" panose="020B0609030804020204" pitchFamily="49" charset="0"/>
+                  <a:cs typeface="Calibri" panose="020F0502020204030204" pitchFamily="34" charset="0"/>
+                </a:rPr>
+                <a:t>country_code</a:t>
+              </a:r>
+              <a:r>
+                <a:rPr kumimoji="1" lang="en" altLang="zh-CN" sz="2000" dirty="0">
+                  <a:latin typeface="Calibri" panose="020F0502020204030204" pitchFamily="34" charset="0"/>
+                  <a:ea typeface="Menlo" panose="020B0609030804020204" pitchFamily="49" charset="0"/>
+                  <a:cs typeface="Calibri" panose="020F0502020204030204" pitchFamily="34" charset="0"/>
+                </a:rPr>
+                <a:t> = “[us]”)</a:t>
+              </a:r>
+              <a:endParaRPr kumimoji="1" lang="zh-CN" altLang="en-US" sz="2000" dirty="0">
+                <a:latin typeface="Calibri" panose="020F0502020204030204" pitchFamily="34" charset="0"/>
+                <a:cs typeface="Calibri" panose="020F0502020204030204" pitchFamily="34" charset="0"/>
+              </a:endParaRPr>
+            </a:p>
+          </p:txBody>
+        </p:sp>
+      </p:grpSp>
+      <p:sp>
+        <p:nvSpPr>
+          <p:cNvPr id="91" name="圆角矩形 90">
+            <a:extLst>
+              <a:ext uri="{FF2B5EF4-FFF2-40B4-BE49-F238E27FC236}">
+                <a16:creationId xmlns:a16="http://schemas.microsoft.com/office/drawing/2014/main" id="{9662B9A4-6514-0B46-08FC-6732A0933170}"/>
+              </a:ext>
+            </a:extLst>
+          </p:cNvPr>
+          <p:cNvSpPr/>
+          <p:nvPr/>
+        </p:nvSpPr>
+        <p:spPr>
+          <a:xfrm>
+            <a:off x="-4678589" y="1815447"/>
+            <a:ext cx="2975146" cy="795366"/>
+          </a:xfrm>
+          <a:prstGeom prst="roundRect">
+            <a:avLst>
+              <a:gd name="adj" fmla="val 13606"/>
+            </a:avLst>
+          </a:prstGeom>
+          <a:solidFill>
+            <a:srgbClr val="F3F3F3"/>
+          </a:solidFill>
+          <a:ln>
+            <a:noFill/>
+          </a:ln>
+        </p:spPr>
+        <p:style>
+          <a:lnRef idx="2">
+            <a:schemeClr val="accent1">
+              <a:shade val="15000"/>
+            </a:schemeClr>
+          </a:lnRef>
+          <a:fillRef idx="1">
+            <a:schemeClr val="accent1"/>
+          </a:fillRef>
+          <a:effectRef idx="0">
+            <a:schemeClr val="accent1"/>
+          </a:effectRef>
+          <a:fontRef idx="minor">
+            <a:schemeClr val="lt1"/>
+          </a:fontRef>
+        </p:style>
+        <p:txBody>
+          <a:bodyPr rtlCol="0" anchor="ctr"/>
+          <a:lstStyle/>
+          <a:p>
+            <a:pPr algn="ctr"/>
+            <a:endParaRPr kumimoji="1" lang="zh-CN" altLang="en-US" sz="2000">
+              <a:solidFill>
+                <a:schemeClr val="tx1"/>
+              </a:solidFill>
+              <a:latin typeface="Calibri" panose="020F0502020204030204" pitchFamily="34" charset="0"/>
+              <a:cs typeface="Calibri" panose="020F0502020204030204" pitchFamily="34" charset="0"/>
+            </a:endParaRPr>
+          </a:p>
+        </p:txBody>
+      </p:sp>
+      <p:cxnSp>
+        <p:nvCxnSpPr>
+          <p:cNvPr id="92" name="直线箭头连接符 91">
+            <a:extLst>
+              <a:ext uri="{FF2B5EF4-FFF2-40B4-BE49-F238E27FC236}">
+                <a16:creationId xmlns:a16="http://schemas.microsoft.com/office/drawing/2014/main" id="{EAB1BEB7-E54B-B601-301F-CF9305B88148}"/>
+              </a:ext>
+            </a:extLst>
+          </p:cNvPr>
+          <p:cNvCxnSpPr>
+            <a:cxnSpLocks/>
+            <a:stCxn id="89" idx="1"/>
+            <a:endCxn id="130" idx="3"/>
+          </p:cNvCxnSpPr>
+          <p:nvPr/>
+        </p:nvCxnSpPr>
+        <p:spPr>
+          <a:xfrm flipH="1" flipV="1">
+            <a:off x="-1708327" y="1462"/>
+            <a:ext cx="363372" cy="2097"/>
+          </a:xfrm>
+          <a:prstGeom prst="straightConnector1">
+            <a:avLst/>
+          </a:prstGeom>
+          <a:ln w="28575">
+            <a:solidFill>
+              <a:srgbClr val="8B649D"/>
+            </a:solidFill>
+            <a:tailEnd type="triangle"/>
+          </a:ln>
+        </p:spPr>
+        <p:style>
+          <a:lnRef idx="3">
+            <a:schemeClr val="dk1"/>
+          </a:lnRef>
+          <a:fillRef idx="0">
+            <a:schemeClr val="dk1"/>
+          </a:fillRef>
+          <a:effectRef idx="2">
+            <a:schemeClr val="dk1"/>
+          </a:effectRef>
+          <a:fontRef idx="minor">
+            <a:schemeClr val="tx1"/>
+          </a:fontRef>
+        </p:style>
+      </p:cxnSp>
+      <p:cxnSp>
+        <p:nvCxnSpPr>
+          <p:cNvPr id="93" name="直线箭头连接符 92">
+            <a:extLst>
+              <a:ext uri="{FF2B5EF4-FFF2-40B4-BE49-F238E27FC236}">
+                <a16:creationId xmlns:a16="http://schemas.microsoft.com/office/drawing/2014/main" id="{EAB7D5CF-BB00-0562-B0C9-C1BFFC12A375}"/>
+              </a:ext>
+            </a:extLst>
+          </p:cNvPr>
+          <p:cNvCxnSpPr>
+            <a:cxnSpLocks/>
+            <a:stCxn id="80" idx="1"/>
+            <a:endCxn id="75" idx="3"/>
+          </p:cNvCxnSpPr>
+          <p:nvPr/>
+        </p:nvCxnSpPr>
+        <p:spPr>
+          <a:xfrm flipH="1" flipV="1">
+            <a:off x="-1701265" y="4565951"/>
+            <a:ext cx="309015" cy="1545"/>
+          </a:xfrm>
+          <a:prstGeom prst="straightConnector1">
+            <a:avLst/>
+          </a:prstGeom>
+          <a:ln w="28575">
+            <a:solidFill>
+              <a:srgbClr val="8B649D"/>
+            </a:solidFill>
+            <a:tailEnd type="triangle"/>
+          </a:ln>
+        </p:spPr>
+        <p:style>
+          <a:lnRef idx="3">
+            <a:schemeClr val="dk1"/>
+          </a:lnRef>
+          <a:fillRef idx="0">
+            <a:schemeClr val="dk1"/>
+          </a:fillRef>
+          <a:effectRef idx="2">
+            <a:schemeClr val="dk1"/>
+          </a:effectRef>
+          <a:fontRef idx="minor">
+            <a:schemeClr val="tx1"/>
+          </a:fontRef>
+        </p:style>
+      </p:cxnSp>
+      <p:cxnSp>
+        <p:nvCxnSpPr>
+          <p:cNvPr id="94" name="直线箭头连接符 93">
+            <a:extLst>
+              <a:ext uri="{FF2B5EF4-FFF2-40B4-BE49-F238E27FC236}">
+                <a16:creationId xmlns:a16="http://schemas.microsoft.com/office/drawing/2014/main" id="{06258A5B-E8BE-C81B-FD07-721CD3FD9204}"/>
+              </a:ext>
+            </a:extLst>
+          </p:cNvPr>
+          <p:cNvCxnSpPr>
+            <a:cxnSpLocks/>
+            <a:stCxn id="75" idx="0"/>
+            <a:endCxn id="114" idx="2"/>
+          </p:cNvCxnSpPr>
+          <p:nvPr/>
+        </p:nvCxnSpPr>
+        <p:spPr>
+          <a:xfrm flipV="1">
+            <a:off x="-3188838" y="3871882"/>
+            <a:ext cx="0" cy="259971"/>
+          </a:xfrm>
+          <a:prstGeom prst="straightConnector1">
+            <a:avLst/>
+          </a:prstGeom>
+          <a:ln w="28575">
+            <a:solidFill>
+              <a:srgbClr val="8B649D"/>
+            </a:solidFill>
+            <a:tailEnd type="triangle"/>
+          </a:ln>
+        </p:spPr>
+        <p:style>
+          <a:lnRef idx="3">
+            <a:schemeClr val="dk1"/>
+          </a:lnRef>
+          <a:fillRef idx="0">
+            <a:schemeClr val="dk1"/>
+          </a:fillRef>
+          <a:effectRef idx="2">
+            <a:schemeClr val="dk1"/>
+          </a:effectRef>
+          <a:fontRef idx="minor">
+            <a:schemeClr val="tx1"/>
+          </a:fontRef>
+        </p:style>
+      </p:cxnSp>
+      <p:grpSp>
+        <p:nvGrpSpPr>
+          <p:cNvPr id="95" name="组合 94">
+            <a:extLst>
+              <a:ext uri="{FF2B5EF4-FFF2-40B4-BE49-F238E27FC236}">
+                <a16:creationId xmlns:a16="http://schemas.microsoft.com/office/drawing/2014/main" id="{A9AB4FDF-5D3F-1A7F-CB52-BA22459A793A}"/>
+              </a:ext>
+            </a:extLst>
+          </p:cNvPr>
+          <p:cNvGrpSpPr/>
+          <p:nvPr/>
+        </p:nvGrpSpPr>
+        <p:grpSpPr>
+          <a:xfrm>
+            <a:off x="-11309105" y="1824671"/>
+            <a:ext cx="2975146" cy="758341"/>
+            <a:chOff x="6221518" y="4450531"/>
+            <a:chExt cx="2975146" cy="758341"/>
+          </a:xfrm>
+        </p:grpSpPr>
+        <p:sp>
+          <p:nvSpPr>
+            <p:cNvPr id="99" name="圆角矩形 98">
+              <a:extLst>
+                <a:ext uri="{FF2B5EF4-FFF2-40B4-BE49-F238E27FC236}">
+                  <a16:creationId xmlns:a16="http://schemas.microsoft.com/office/drawing/2014/main" id="{E402DF83-053F-5D86-BAAF-BA8604DB7413}"/>
+                </a:ext>
+              </a:extLst>
+            </p:cNvPr>
+            <p:cNvSpPr/>
+            <p:nvPr/>
+          </p:nvSpPr>
+          <p:spPr>
+            <a:xfrm>
+              <a:off x="6221518" y="4450531"/>
+              <a:ext cx="2975146" cy="758341"/>
+            </a:xfrm>
+            <a:prstGeom prst="roundRect">
+              <a:avLst>
+                <a:gd name="adj" fmla="val 13606"/>
+              </a:avLst>
+            </a:prstGeom>
+            <a:solidFill>
+              <a:srgbClr val="F3F3F3"/>
+            </a:solidFill>
+            <a:ln>
+              <a:noFill/>
+            </a:ln>
+          </p:spPr>
+          <p:style>
+            <a:lnRef idx="2">
+              <a:schemeClr val="accent1">
+                <a:shade val="15000"/>
+              </a:schemeClr>
+            </a:lnRef>
+            <a:fillRef idx="1">
+              <a:schemeClr val="accent1"/>
+            </a:fillRef>
+            <a:effectRef idx="0">
+              <a:schemeClr val="accent1"/>
+            </a:effectRef>
+            <a:fontRef idx="minor">
+              <a:schemeClr val="lt1"/>
+            </a:fontRef>
+          </p:style>
+          <p:txBody>
+            <a:bodyPr rtlCol="0" anchor="ctr"/>
+            <a:lstStyle/>
+            <a:p>
+              <a:pPr algn="ctr"/>
+              <a:endParaRPr kumimoji="1" lang="zh-CN" altLang="en-US" sz="2000">
+                <a:solidFill>
+                  <a:schemeClr val="tx1"/>
+                </a:solidFill>
+                <a:latin typeface="Calibri" panose="020F0502020204030204" pitchFamily="34" charset="0"/>
+                <a:cs typeface="Calibri" panose="020F0502020204030204" pitchFamily="34" charset="0"/>
+              </a:endParaRPr>
+            </a:p>
+          </p:txBody>
+        </p:sp>
+        <p:sp>
+          <p:nvSpPr>
+            <p:cNvPr id="100" name="文本框 99">
+              <a:extLst>
+                <a:ext uri="{FF2B5EF4-FFF2-40B4-BE49-F238E27FC236}">
+                  <a16:creationId xmlns:a16="http://schemas.microsoft.com/office/drawing/2014/main" id="{861C3875-328C-A071-3F5A-38F77780BB66}"/>
+                </a:ext>
+              </a:extLst>
+            </p:cNvPr>
+            <p:cNvSpPr txBox="1"/>
+            <p:nvPr/>
+          </p:nvSpPr>
+          <p:spPr>
+            <a:xfrm>
+              <a:off x="6474613" y="4539271"/>
+              <a:ext cx="2440817" cy="523220"/>
+            </a:xfrm>
+            <a:prstGeom prst="rect">
+              <a:avLst/>
+            </a:prstGeom>
+            <a:noFill/>
+          </p:spPr>
+          <p:txBody>
+            <a:bodyPr wrap="square" rtlCol="0">
+              <a:spAutoFit/>
+            </a:bodyPr>
+            <a:lstStyle/>
+            <a:p>
+              <a:pPr algn="ctr"/>
+              <a:r>
+                <a:rPr kumimoji="1" lang="en-US" altLang="zh-CN" sz="2800" b="1" dirty="0">
+                  <a:latin typeface="Calibri" panose="020F0502020204030204" pitchFamily="34" charset="0"/>
+                  <a:ea typeface="Helvetica Neue" panose="02000503000000020004" pitchFamily="2" charset="0"/>
+                  <a:cs typeface="Calibri" panose="020F0502020204030204" pitchFamily="34" charset="0"/>
+                </a:rPr>
+                <a:t>Scan</a:t>
+              </a:r>
+              <a:r>
+                <a:rPr kumimoji="1" lang="zh-CN" altLang="en-US" sz="2400" b="1" dirty="0">
+                  <a:latin typeface="Calibri" panose="020F0502020204030204" pitchFamily="34" charset="0"/>
+                  <a:ea typeface="Helvetica Neue" panose="02000503000000020004" pitchFamily="2" charset="0"/>
+                  <a:cs typeface="Calibri" panose="020F0502020204030204" pitchFamily="34" charset="0"/>
+                </a:rPr>
+                <a:t>  </a:t>
+              </a:r>
+              <a:r>
+                <a:rPr kumimoji="1" lang="en-US" altLang="zh-CN" sz="2400" dirty="0">
+                  <a:latin typeface="Calibri" panose="020F0502020204030204" pitchFamily="34" charset="0"/>
+                  <a:ea typeface="Helvetica Neue" panose="02000503000000020004" pitchFamily="2" charset="0"/>
+                  <a:cs typeface="Calibri" panose="020F0502020204030204" pitchFamily="34" charset="0"/>
+                </a:rPr>
+                <a:t>NAME</a:t>
+              </a:r>
+              <a:endParaRPr kumimoji="1" lang="zh-CN" altLang="en-US" sz="2400" dirty="0">
+                <a:latin typeface="Calibri" panose="020F0502020204030204" pitchFamily="34" charset="0"/>
+                <a:cs typeface="Calibri" panose="020F0502020204030204" pitchFamily="34" charset="0"/>
+              </a:endParaRPr>
+            </a:p>
+          </p:txBody>
+        </p:sp>
+      </p:grpSp>
+      <p:grpSp>
+        <p:nvGrpSpPr>
+          <p:cNvPr id="101" name="组合 100">
+            <a:extLst>
+              <a:ext uri="{FF2B5EF4-FFF2-40B4-BE49-F238E27FC236}">
+                <a16:creationId xmlns:a16="http://schemas.microsoft.com/office/drawing/2014/main" id="{6433F949-B4BD-4C70-9B2E-A06E85E6BF5E}"/>
+              </a:ext>
+            </a:extLst>
+          </p:cNvPr>
+          <p:cNvGrpSpPr/>
+          <p:nvPr/>
+        </p:nvGrpSpPr>
+        <p:grpSpPr>
+          <a:xfrm>
+            <a:off x="-8025030" y="1698977"/>
+            <a:ext cx="2975146" cy="1028305"/>
+            <a:chOff x="6221518" y="4180567"/>
+            <a:chExt cx="2975146" cy="1028305"/>
+          </a:xfrm>
+        </p:grpSpPr>
+        <p:sp>
+          <p:nvSpPr>
+            <p:cNvPr id="102" name="圆角矩形 101">
+              <a:extLst>
+                <a:ext uri="{FF2B5EF4-FFF2-40B4-BE49-F238E27FC236}">
+                  <a16:creationId xmlns:a16="http://schemas.microsoft.com/office/drawing/2014/main" id="{0D4CDFA8-BECA-81EE-66D6-9A5D48201E55}"/>
+                </a:ext>
+              </a:extLst>
+            </p:cNvPr>
+            <p:cNvSpPr/>
+            <p:nvPr/>
+          </p:nvSpPr>
+          <p:spPr>
+            <a:xfrm>
+              <a:off x="6221518" y="4180567"/>
+              <a:ext cx="2975146" cy="1028305"/>
+            </a:xfrm>
+            <a:prstGeom prst="roundRect">
+              <a:avLst>
+                <a:gd name="adj" fmla="val 13606"/>
+              </a:avLst>
+            </a:prstGeom>
+            <a:solidFill>
+              <a:srgbClr val="F3F3F3"/>
+            </a:solidFill>
+            <a:ln>
+              <a:noFill/>
+            </a:ln>
+          </p:spPr>
+          <p:style>
+            <a:lnRef idx="2">
+              <a:schemeClr val="accent1">
+                <a:shade val="15000"/>
+              </a:schemeClr>
+            </a:lnRef>
+            <a:fillRef idx="1">
+              <a:schemeClr val="accent1"/>
+            </a:fillRef>
+            <a:effectRef idx="0">
+              <a:schemeClr val="accent1"/>
+            </a:effectRef>
+            <a:fontRef idx="minor">
+              <a:schemeClr val="lt1"/>
+            </a:fontRef>
+          </p:style>
+          <p:txBody>
+            <a:bodyPr rtlCol="0" anchor="ctr"/>
+            <a:lstStyle/>
+            <a:p>
+              <a:pPr algn="ctr"/>
+              <a:endParaRPr kumimoji="1" lang="zh-CN" altLang="en-US" sz="2000">
+                <a:solidFill>
+                  <a:schemeClr val="tx1"/>
+                </a:solidFill>
+                <a:latin typeface="Calibri" panose="020F0502020204030204" pitchFamily="34" charset="0"/>
+                <a:cs typeface="Calibri" panose="020F0502020204030204" pitchFamily="34" charset="0"/>
+              </a:endParaRPr>
+            </a:p>
+          </p:txBody>
+        </p:sp>
+        <p:sp>
+          <p:nvSpPr>
+            <p:cNvPr id="103" name="文本框 102">
+              <a:extLst>
+                <a:ext uri="{FF2B5EF4-FFF2-40B4-BE49-F238E27FC236}">
+                  <a16:creationId xmlns:a16="http://schemas.microsoft.com/office/drawing/2014/main" id="{4CBE435D-C4BE-E947-0A09-99E3BF8F6D76}"/>
+                </a:ext>
+              </a:extLst>
+            </p:cNvPr>
+            <p:cNvSpPr txBox="1"/>
+            <p:nvPr/>
+          </p:nvSpPr>
+          <p:spPr>
+            <a:xfrm>
+              <a:off x="6336715" y="4312175"/>
+              <a:ext cx="2708891" cy="830997"/>
+            </a:xfrm>
+            <a:prstGeom prst="rect">
+              <a:avLst/>
+            </a:prstGeom>
+            <a:noFill/>
+          </p:spPr>
+          <p:txBody>
+            <a:bodyPr wrap="square" rtlCol="0">
+              <a:spAutoFit/>
+            </a:bodyPr>
+            <a:lstStyle/>
+            <a:p>
+              <a:pPr algn="ctr"/>
+              <a:r>
+                <a:rPr kumimoji="1" lang="en-US" altLang="zh-CN" sz="2800" b="1" dirty="0">
+                  <a:latin typeface="Calibri" panose="020F0502020204030204" pitchFamily="34" charset="0"/>
+                  <a:ea typeface="Helvetica Neue" panose="02000503000000020004" pitchFamily="2" charset="0"/>
+                  <a:cs typeface="Calibri" panose="020F0502020204030204" pitchFamily="34" charset="0"/>
+                </a:rPr>
+                <a:t>Selection</a:t>
+              </a:r>
+              <a:r>
+                <a:rPr kumimoji="1" lang="zh-CN" altLang="en-US" sz="2400" b="1" dirty="0">
+                  <a:latin typeface="Calibri" panose="020F0502020204030204" pitchFamily="34" charset="0"/>
+                  <a:ea typeface="Helvetica Neue" panose="02000503000000020004" pitchFamily="2" charset="0"/>
+                  <a:cs typeface="Calibri" panose="020F0502020204030204" pitchFamily="34" charset="0"/>
+                </a:rPr>
+                <a:t>  </a:t>
+              </a:r>
+              <a:endParaRPr kumimoji="1" lang="en-US" altLang="zh-CN" sz="2400" b="1" dirty="0">
+                <a:latin typeface="Calibri" panose="020F0502020204030204" pitchFamily="34" charset="0"/>
+                <a:ea typeface="Helvetica Neue" panose="02000503000000020004" pitchFamily="2" charset="0"/>
+                <a:cs typeface="Calibri" panose="020F0502020204030204" pitchFamily="34" charset="0"/>
+              </a:endParaRPr>
+            </a:p>
+            <a:p>
+              <a:pPr algn="ctr"/>
+              <a:r>
+                <a:rPr kumimoji="1" lang="en" altLang="zh-CN" sz="2000" dirty="0">
+                  <a:latin typeface="Calibri" panose="020F0502020204030204" pitchFamily="34" charset="0"/>
+                  <a:ea typeface="Menlo" panose="020B0609030804020204" pitchFamily="49" charset="0"/>
+                  <a:cs typeface="Calibri" panose="020F0502020204030204" pitchFamily="34" charset="0"/>
+                </a:rPr>
+                <a:t>(name STARTS WITH “B”)</a:t>
+              </a:r>
+            </a:p>
+          </p:txBody>
+        </p:sp>
+      </p:grpSp>
+      <p:cxnSp>
+        <p:nvCxnSpPr>
+          <p:cNvPr id="104" name="直线箭头连接符 103">
+            <a:extLst>
+              <a:ext uri="{FF2B5EF4-FFF2-40B4-BE49-F238E27FC236}">
+                <a16:creationId xmlns:a16="http://schemas.microsoft.com/office/drawing/2014/main" id="{4469BE5C-D911-5362-B271-EF55D528F1E8}"/>
+              </a:ext>
+            </a:extLst>
+          </p:cNvPr>
+          <p:cNvCxnSpPr>
+            <a:cxnSpLocks/>
+            <a:stCxn id="99" idx="3"/>
+            <a:endCxn id="102" idx="1"/>
+          </p:cNvCxnSpPr>
+          <p:nvPr/>
+        </p:nvCxnSpPr>
+        <p:spPr>
+          <a:xfrm>
+            <a:off x="-8333959" y="2203842"/>
+            <a:ext cx="308929" cy="9288"/>
+          </a:xfrm>
+          <a:prstGeom prst="straightConnector1">
+            <a:avLst/>
+          </a:prstGeom>
+          <a:ln w="28575">
+            <a:solidFill>
+              <a:srgbClr val="8B649D"/>
+            </a:solidFill>
+            <a:tailEnd type="triangle"/>
+          </a:ln>
+        </p:spPr>
+        <p:style>
+          <a:lnRef idx="3">
+            <a:schemeClr val="dk1"/>
+          </a:lnRef>
+          <a:fillRef idx="0">
+            <a:schemeClr val="dk1"/>
+          </a:fillRef>
+          <a:effectRef idx="2">
+            <a:schemeClr val="dk1"/>
+          </a:effectRef>
+          <a:fontRef idx="minor">
+            <a:schemeClr val="tx1"/>
+          </a:fontRef>
+        </p:style>
+      </p:cxnSp>
+      <p:sp>
+        <p:nvSpPr>
+          <p:cNvPr id="105" name="圆角矩形 104">
+            <a:extLst>
+              <a:ext uri="{FF2B5EF4-FFF2-40B4-BE49-F238E27FC236}">
+                <a16:creationId xmlns:a16="http://schemas.microsoft.com/office/drawing/2014/main" id="{B45C5F27-B481-938F-C375-5A34A734DDC8}"/>
+              </a:ext>
+            </a:extLst>
+          </p:cNvPr>
+          <p:cNvSpPr/>
+          <p:nvPr/>
+        </p:nvSpPr>
+        <p:spPr>
+          <a:xfrm>
+            <a:off x="-4686304" y="-1455197"/>
+            <a:ext cx="2975146" cy="725306"/>
+          </a:xfrm>
+          <a:prstGeom prst="roundRect">
+            <a:avLst>
+              <a:gd name="adj" fmla="val 13606"/>
+            </a:avLst>
+          </a:prstGeom>
+          <a:solidFill>
+            <a:srgbClr val="F3F3F3"/>
+          </a:solidFill>
+          <a:ln>
+            <a:noFill/>
+          </a:ln>
+        </p:spPr>
+        <p:style>
+          <a:lnRef idx="2">
+            <a:schemeClr val="accent1">
+              <a:shade val="15000"/>
+            </a:schemeClr>
+          </a:lnRef>
+          <a:fillRef idx="1">
+            <a:schemeClr val="accent1"/>
+          </a:fillRef>
+          <a:effectRef idx="0">
+            <a:schemeClr val="accent1"/>
+          </a:effectRef>
+          <a:fontRef idx="minor">
+            <a:schemeClr val="lt1"/>
+          </a:fontRef>
+        </p:style>
+        <p:txBody>
+          <a:bodyPr rtlCol="0" anchor="ctr"/>
+          <a:lstStyle/>
+          <a:p>
+            <a:pPr algn="ctr"/>
+            <a:endParaRPr kumimoji="1" lang="zh-CN" altLang="en-US" sz="2000">
+              <a:solidFill>
+                <a:schemeClr val="tx1"/>
+              </a:solidFill>
+              <a:latin typeface="Calibri" panose="020F0502020204030204" pitchFamily="34" charset="0"/>
+              <a:cs typeface="Calibri" panose="020F0502020204030204" pitchFamily="34" charset="0"/>
+            </a:endParaRPr>
+          </a:p>
+        </p:txBody>
+      </p:sp>
+      <p:cxnSp>
+        <p:nvCxnSpPr>
+          <p:cNvPr id="106" name="直线箭头连接符 105">
+            <a:extLst>
+              <a:ext uri="{FF2B5EF4-FFF2-40B4-BE49-F238E27FC236}">
+                <a16:creationId xmlns:a16="http://schemas.microsoft.com/office/drawing/2014/main" id="{BC6D2625-2211-B86B-EA85-5C22E7DB9CE7}"/>
+              </a:ext>
+            </a:extLst>
+          </p:cNvPr>
+          <p:cNvCxnSpPr>
+            <a:cxnSpLocks/>
+            <a:stCxn id="102" idx="3"/>
+            <a:endCxn id="91" idx="1"/>
+          </p:cNvCxnSpPr>
+          <p:nvPr/>
+        </p:nvCxnSpPr>
+        <p:spPr>
+          <a:xfrm>
+            <a:off x="-5049884" y="2213130"/>
+            <a:ext cx="371295" cy="0"/>
+          </a:xfrm>
+          <a:prstGeom prst="straightConnector1">
+            <a:avLst/>
+          </a:prstGeom>
+          <a:ln w="28575">
+            <a:solidFill>
+              <a:srgbClr val="8B649D"/>
+            </a:solidFill>
+            <a:tailEnd type="triangle"/>
+          </a:ln>
+        </p:spPr>
+        <p:style>
+          <a:lnRef idx="3">
+            <a:schemeClr val="dk1"/>
+          </a:lnRef>
+          <a:fillRef idx="0">
+            <a:schemeClr val="dk1"/>
+          </a:fillRef>
+          <a:effectRef idx="2">
+            <a:schemeClr val="dk1"/>
+          </a:effectRef>
+          <a:fontRef idx="minor">
+            <a:schemeClr val="tx1"/>
+          </a:fontRef>
+        </p:style>
+      </p:cxnSp>
+      <p:cxnSp>
+        <p:nvCxnSpPr>
+          <p:cNvPr id="107" name="直线箭头连接符 106">
+            <a:extLst>
+              <a:ext uri="{FF2B5EF4-FFF2-40B4-BE49-F238E27FC236}">
+                <a16:creationId xmlns:a16="http://schemas.microsoft.com/office/drawing/2014/main" id="{9579CE06-F2CC-BC21-B8B3-A95FF212C3D6}"/>
+              </a:ext>
+            </a:extLst>
+          </p:cNvPr>
+          <p:cNvCxnSpPr>
+            <a:cxnSpLocks/>
+            <a:stCxn id="130" idx="0"/>
+            <a:endCxn id="105" idx="2"/>
+          </p:cNvCxnSpPr>
+          <p:nvPr/>
+        </p:nvCxnSpPr>
+        <p:spPr>
+          <a:xfrm flipH="1" flipV="1">
+            <a:off x="-3198731" y="-729891"/>
+            <a:ext cx="2831" cy="337168"/>
+          </a:xfrm>
+          <a:prstGeom prst="straightConnector1">
+            <a:avLst/>
+          </a:prstGeom>
+          <a:ln w="28575">
+            <a:solidFill>
+              <a:srgbClr val="8B649D"/>
+            </a:solidFill>
+            <a:tailEnd type="triangle"/>
+          </a:ln>
+        </p:spPr>
+        <p:style>
+          <a:lnRef idx="3">
+            <a:schemeClr val="dk1"/>
+          </a:lnRef>
+          <a:fillRef idx="0">
+            <a:schemeClr val="dk1"/>
+          </a:fillRef>
+          <a:effectRef idx="2">
+            <a:schemeClr val="dk1"/>
+          </a:effectRef>
+          <a:fontRef idx="minor">
+            <a:schemeClr val="tx1"/>
+          </a:fontRef>
+        </p:style>
+      </p:cxnSp>
+      <p:sp>
+        <p:nvSpPr>
+          <p:cNvPr id="108" name="圆角矩形 107">
+            <a:extLst>
+              <a:ext uri="{FF2B5EF4-FFF2-40B4-BE49-F238E27FC236}">
+                <a16:creationId xmlns:a16="http://schemas.microsoft.com/office/drawing/2014/main" id="{ADFCB62E-8E55-C3F1-52C1-94063CB0BD69}"/>
+              </a:ext>
+            </a:extLst>
+          </p:cNvPr>
+          <p:cNvSpPr/>
+          <p:nvPr/>
+        </p:nvSpPr>
+        <p:spPr>
+          <a:xfrm>
+            <a:off x="-4739893" y="-2695636"/>
+            <a:ext cx="3078654" cy="895280"/>
+          </a:xfrm>
+          <a:prstGeom prst="roundRect">
+            <a:avLst>
+              <a:gd name="adj" fmla="val 16118"/>
+            </a:avLst>
+          </a:prstGeom>
+          <a:solidFill>
+            <a:srgbClr val="F3F3F3"/>
+          </a:solidFill>
+          <a:ln>
+            <a:noFill/>
+          </a:ln>
+        </p:spPr>
+        <p:style>
+          <a:lnRef idx="2">
+            <a:schemeClr val="accent1">
+              <a:shade val="15000"/>
+            </a:schemeClr>
+          </a:lnRef>
+          <a:fillRef idx="1">
+            <a:schemeClr val="accent1"/>
+          </a:fillRef>
+          <a:effectRef idx="0">
+            <a:schemeClr val="accent1"/>
+          </a:effectRef>
+          <a:fontRef idx="minor">
+            <a:schemeClr val="lt1"/>
+          </a:fontRef>
+        </p:style>
+        <p:txBody>
+          <a:bodyPr rtlCol="0" anchor="ctr"/>
+          <a:lstStyle/>
+          <a:p>
+            <a:pPr algn="ctr"/>
+            <a:endParaRPr kumimoji="1" lang="zh-CN" altLang="en-US" sz="2000" dirty="0">
+              <a:solidFill>
+                <a:schemeClr val="tx1"/>
+              </a:solidFill>
+              <a:latin typeface="Calibri" panose="020F0502020204030204" pitchFamily="34" charset="0"/>
+              <a:cs typeface="Calibri" panose="020F0502020204030204" pitchFamily="34" charset="0"/>
+            </a:endParaRPr>
+          </a:p>
+        </p:txBody>
+      </p:sp>
+      <p:sp>
+        <p:nvSpPr>
+          <p:cNvPr id="109" name="文本框 108">
+            <a:extLst>
+              <a:ext uri="{FF2B5EF4-FFF2-40B4-BE49-F238E27FC236}">
+                <a16:creationId xmlns:a16="http://schemas.microsoft.com/office/drawing/2014/main" id="{1E68473E-FB7F-00D4-4EDD-C43FE878E650}"/>
+              </a:ext>
+            </a:extLst>
+          </p:cNvPr>
+          <p:cNvSpPr txBox="1"/>
+          <p:nvPr/>
+        </p:nvSpPr>
+        <p:spPr>
+          <a:xfrm>
+            <a:off x="-4464687" y="-2695636"/>
+            <a:ext cx="2649578" cy="892552"/>
+          </a:xfrm>
+          <a:prstGeom prst="rect">
+            <a:avLst/>
+          </a:prstGeom>
+          <a:noFill/>
+        </p:spPr>
+        <p:txBody>
+          <a:bodyPr wrap="square" rtlCol="0">
+            <a:spAutoFit/>
+          </a:bodyPr>
+          <a:lstStyle/>
+          <a:p>
+            <a:pPr algn="ctr"/>
+            <a:r>
+              <a:rPr kumimoji="1" lang="en-US" altLang="zh-CN" sz="2800" b="1" dirty="0">
+                <a:latin typeface="Calibri" panose="020F0502020204030204" pitchFamily="34" charset="0"/>
+                <a:ea typeface="Helvetica Neue" panose="02000503000000020004" pitchFamily="2" charset="0"/>
+                <a:cs typeface="Calibri" panose="020F0502020204030204" pitchFamily="34" charset="0"/>
+              </a:rPr>
+              <a:t>Projection</a:t>
+            </a:r>
+          </a:p>
+          <a:p>
+            <a:pPr algn="ctr"/>
+            <a:r>
+              <a:rPr kumimoji="1" lang="en" altLang="zh-CN" sz="2400" dirty="0" err="1">
+                <a:latin typeface="Calibri" panose="020F0502020204030204" pitchFamily="34" charset="0"/>
+                <a:ea typeface="Menlo" panose="020B0609030804020204" pitchFamily="49" charset="0"/>
+                <a:cs typeface="Calibri" panose="020F0502020204030204" pitchFamily="34" charset="0"/>
+              </a:rPr>
+              <a:t>n.name</a:t>
+            </a:r>
+            <a:r>
+              <a:rPr kumimoji="1" lang="en" altLang="zh-CN" sz="2400" i="1" dirty="0">
+                <a:latin typeface="Calibri" panose="020F0502020204030204" pitchFamily="34" charset="0"/>
+                <a:ea typeface="Menlo" panose="020B0609030804020204" pitchFamily="49" charset="0"/>
+                <a:cs typeface="Calibri" panose="020F0502020204030204" pitchFamily="34" charset="0"/>
+              </a:rPr>
+              <a:t>    </a:t>
+            </a:r>
+            <a:r>
+              <a:rPr kumimoji="1" lang="en" altLang="zh-CN" sz="2400" dirty="0" err="1">
+                <a:latin typeface="Calibri" panose="020F0502020204030204" pitchFamily="34" charset="0"/>
+                <a:ea typeface="Menlo" panose="020B0609030804020204" pitchFamily="49" charset="0"/>
+                <a:cs typeface="Calibri" panose="020F0502020204030204" pitchFamily="34" charset="0"/>
+              </a:rPr>
+              <a:t>n.name</a:t>
+            </a:r>
+            <a:r>
+              <a:rPr kumimoji="1" lang="zh-CN" altLang="en-US" sz="2400" i="1" u="sng" dirty="0">
+                <a:latin typeface="Calibri" panose="020F0502020204030204" pitchFamily="34" charset="0"/>
+                <a:cs typeface="Calibri" panose="020F0502020204030204" pitchFamily="34" charset="0"/>
+              </a:rPr>
+              <a:t>  </a:t>
+            </a:r>
+            <a:endParaRPr kumimoji="1" lang="en-US" altLang="zh-CN" sz="2400" i="1" u="sng" dirty="0">
+              <a:latin typeface="Calibri" panose="020F0502020204030204" pitchFamily="34" charset="0"/>
+              <a:ea typeface="Menlo" panose="020B0609030804020204" pitchFamily="49" charset="0"/>
+              <a:cs typeface="Calibri" panose="020F0502020204030204" pitchFamily="34" charset="0"/>
+            </a:endParaRPr>
+          </a:p>
+        </p:txBody>
+      </p:sp>
+      <p:cxnSp>
+        <p:nvCxnSpPr>
+          <p:cNvPr id="110" name="直线箭头连接符 109">
+            <a:extLst>
+              <a:ext uri="{FF2B5EF4-FFF2-40B4-BE49-F238E27FC236}">
+                <a16:creationId xmlns:a16="http://schemas.microsoft.com/office/drawing/2014/main" id="{7AF30B66-ACFF-3D44-0CAF-D3F0CC91940E}"/>
+              </a:ext>
+            </a:extLst>
+          </p:cNvPr>
+          <p:cNvCxnSpPr>
+            <a:cxnSpLocks/>
+            <a:stCxn id="105" idx="0"/>
+            <a:endCxn id="108" idx="2"/>
+          </p:cNvCxnSpPr>
+          <p:nvPr/>
+        </p:nvCxnSpPr>
+        <p:spPr>
+          <a:xfrm flipH="1" flipV="1">
+            <a:off x="-3200566" y="-1800356"/>
+            <a:ext cx="1835" cy="345159"/>
+          </a:xfrm>
+          <a:prstGeom prst="straightConnector1">
+            <a:avLst/>
+          </a:prstGeom>
+          <a:ln w="28575">
+            <a:solidFill>
+              <a:srgbClr val="8B649D"/>
+            </a:solidFill>
+            <a:tailEnd type="triangle"/>
+          </a:ln>
+        </p:spPr>
+        <p:style>
+          <a:lnRef idx="3">
+            <a:schemeClr val="dk1"/>
+          </a:lnRef>
+          <a:fillRef idx="0">
+            <a:schemeClr val="dk1"/>
+          </a:fillRef>
+          <a:effectRef idx="2">
+            <a:schemeClr val="dk1"/>
+          </a:effectRef>
+          <a:fontRef idx="minor">
+            <a:schemeClr val="tx1"/>
+          </a:fontRef>
+        </p:style>
+      </p:cxnSp>
+      <p:sp>
+        <p:nvSpPr>
+          <p:cNvPr id="111" name="文本框 110">
+            <a:extLst>
+              <a:ext uri="{FF2B5EF4-FFF2-40B4-BE49-F238E27FC236}">
+                <a16:creationId xmlns:a16="http://schemas.microsoft.com/office/drawing/2014/main" id="{666EEE0D-3E67-F1D7-D1D1-D454E803E5D6}"/>
+              </a:ext>
+            </a:extLst>
+          </p:cNvPr>
+          <p:cNvSpPr txBox="1"/>
+          <p:nvPr/>
+        </p:nvSpPr>
+        <p:spPr>
+          <a:xfrm>
+            <a:off x="-4315391" y="1912407"/>
+            <a:ext cx="2248750" cy="523220"/>
+          </a:xfrm>
+          <a:prstGeom prst="rect">
+            <a:avLst/>
+          </a:prstGeom>
+          <a:noFill/>
+        </p:spPr>
+        <p:txBody>
+          <a:bodyPr wrap="square" rtlCol="0">
+            <a:spAutoFit/>
+          </a:bodyPr>
+          <a:lstStyle/>
+          <a:p>
+            <a:pPr algn="ctr"/>
+            <a:r>
+              <a:rPr kumimoji="1" lang="en-US" altLang="zh-CN" sz="2800" b="1" dirty="0">
+                <a:latin typeface="Calibri" panose="020F0502020204030204" pitchFamily="34" charset="0"/>
+                <a:ea typeface="Helvetica Neue" panose="02000503000000020004" pitchFamily="2" charset="0"/>
+                <a:cs typeface="Calibri" panose="020F0502020204030204" pitchFamily="34" charset="0"/>
+              </a:rPr>
+              <a:t>Join</a:t>
+            </a:r>
+            <a:r>
+              <a:rPr kumimoji="1" lang="zh-CN" altLang="en-US" sz="2400" b="1" dirty="0">
+                <a:latin typeface="Calibri" panose="020F0502020204030204" pitchFamily="34" charset="0"/>
+                <a:ea typeface="Helvetica Neue" panose="02000503000000020004" pitchFamily="2" charset="0"/>
+                <a:cs typeface="Calibri" panose="020F0502020204030204" pitchFamily="34" charset="0"/>
+              </a:rPr>
+              <a:t>  </a:t>
+            </a:r>
+            <a:endParaRPr kumimoji="1" lang="en-US" altLang="zh-CN" sz="2400" b="1" dirty="0">
+              <a:latin typeface="Calibri" panose="020F0502020204030204" pitchFamily="34" charset="0"/>
+              <a:ea typeface="Helvetica Neue" panose="02000503000000020004" pitchFamily="2" charset="0"/>
+              <a:cs typeface="Calibri" panose="020F0502020204030204" pitchFamily="34" charset="0"/>
+            </a:endParaRPr>
+          </a:p>
+        </p:txBody>
+      </p:sp>
+      <p:sp>
+        <p:nvSpPr>
+          <p:cNvPr id="112" name="文本框 111">
+            <a:extLst>
+              <a:ext uri="{FF2B5EF4-FFF2-40B4-BE49-F238E27FC236}">
+                <a16:creationId xmlns:a16="http://schemas.microsoft.com/office/drawing/2014/main" id="{224480D0-C016-922B-36DC-B247D30CD5E5}"/>
+              </a:ext>
+            </a:extLst>
+          </p:cNvPr>
+          <p:cNvSpPr txBox="1"/>
+          <p:nvPr/>
+        </p:nvSpPr>
+        <p:spPr>
+          <a:xfrm>
+            <a:off x="-4292107" y="-1344934"/>
+            <a:ext cx="2248750" cy="523220"/>
+          </a:xfrm>
+          <a:prstGeom prst="rect">
+            <a:avLst/>
+          </a:prstGeom>
+          <a:noFill/>
+        </p:spPr>
+        <p:txBody>
+          <a:bodyPr wrap="square" rtlCol="0">
+            <a:spAutoFit/>
+          </a:bodyPr>
+          <a:lstStyle/>
+          <a:p>
+            <a:pPr algn="ctr"/>
+            <a:r>
+              <a:rPr kumimoji="1" lang="en-US" altLang="zh-CN" sz="2800" b="1" dirty="0">
+                <a:latin typeface="Calibri" panose="020F0502020204030204" pitchFamily="34" charset="0"/>
+                <a:ea typeface="Helvetica Neue" panose="02000503000000020004" pitchFamily="2" charset="0"/>
+                <a:cs typeface="Calibri" panose="020F0502020204030204" pitchFamily="34" charset="0"/>
+              </a:rPr>
+              <a:t>Join</a:t>
+            </a:r>
+            <a:r>
+              <a:rPr kumimoji="1" lang="zh-CN" altLang="en-US" sz="2400" b="1" dirty="0">
+                <a:latin typeface="Calibri" panose="020F0502020204030204" pitchFamily="34" charset="0"/>
+                <a:ea typeface="Helvetica Neue" panose="02000503000000020004" pitchFamily="2" charset="0"/>
+                <a:cs typeface="Calibri" panose="020F0502020204030204" pitchFamily="34" charset="0"/>
+              </a:rPr>
+              <a:t>  </a:t>
+            </a:r>
+            <a:endParaRPr kumimoji="1" lang="en-US" altLang="zh-CN" sz="2400" b="1" dirty="0">
+              <a:latin typeface="Calibri" panose="020F0502020204030204" pitchFamily="34" charset="0"/>
+              <a:ea typeface="Helvetica Neue" panose="02000503000000020004" pitchFamily="2" charset="0"/>
+              <a:cs typeface="Calibri" panose="020F0502020204030204" pitchFamily="34" charset="0"/>
+            </a:endParaRPr>
+          </a:p>
+        </p:txBody>
+      </p:sp>
+      <p:grpSp>
+        <p:nvGrpSpPr>
+          <p:cNvPr id="113" name="组合 112">
+            <a:extLst>
+              <a:ext uri="{FF2B5EF4-FFF2-40B4-BE49-F238E27FC236}">
+                <a16:creationId xmlns:a16="http://schemas.microsoft.com/office/drawing/2014/main" id="{CCD14518-5650-DC32-B133-567C40DA5CA3}"/>
+              </a:ext>
+            </a:extLst>
+          </p:cNvPr>
+          <p:cNvGrpSpPr/>
+          <p:nvPr/>
+        </p:nvGrpSpPr>
+        <p:grpSpPr>
+          <a:xfrm>
+            <a:off x="-4676411" y="3078854"/>
+            <a:ext cx="2975146" cy="793028"/>
+            <a:chOff x="859809" y="4030445"/>
+            <a:chExt cx="2975146" cy="793028"/>
+          </a:xfrm>
+        </p:grpSpPr>
+        <p:sp>
+          <p:nvSpPr>
+            <p:cNvPr id="114" name="圆角矩形 113">
+              <a:extLst>
+                <a:ext uri="{FF2B5EF4-FFF2-40B4-BE49-F238E27FC236}">
+                  <a16:creationId xmlns:a16="http://schemas.microsoft.com/office/drawing/2014/main" id="{0B9DB3CD-4DD8-14AC-DDEB-B3DDC4BF87EC}"/>
+                </a:ext>
+              </a:extLst>
+            </p:cNvPr>
+            <p:cNvSpPr/>
+            <p:nvPr/>
+          </p:nvSpPr>
+          <p:spPr>
+            <a:xfrm>
+              <a:off x="859809" y="4030445"/>
+              <a:ext cx="2975146" cy="793028"/>
+            </a:xfrm>
+            <a:prstGeom prst="roundRect">
+              <a:avLst>
+                <a:gd name="adj" fmla="val 13606"/>
+              </a:avLst>
+            </a:prstGeom>
+            <a:solidFill>
+              <a:srgbClr val="F3F3F3"/>
+            </a:solidFill>
+            <a:ln>
+              <a:noFill/>
+            </a:ln>
+          </p:spPr>
+          <p:style>
+            <a:lnRef idx="2">
+              <a:schemeClr val="accent1">
+                <a:shade val="15000"/>
+              </a:schemeClr>
+            </a:lnRef>
+            <a:fillRef idx="1">
+              <a:schemeClr val="accent1"/>
+            </a:fillRef>
+            <a:effectRef idx="0">
+              <a:schemeClr val="accent1"/>
+            </a:effectRef>
+            <a:fontRef idx="minor">
+              <a:schemeClr val="lt1"/>
+            </a:fontRef>
+          </p:style>
+          <p:txBody>
+            <a:bodyPr rtlCol="0" anchor="ctr"/>
+            <a:lstStyle/>
+            <a:p>
+              <a:pPr algn="ctr"/>
+              <a:endParaRPr kumimoji="1" lang="zh-CN" altLang="en-US" sz="2000">
+                <a:solidFill>
+                  <a:schemeClr val="tx1"/>
+                </a:solidFill>
+                <a:latin typeface="Calibri" panose="020F0502020204030204" pitchFamily="34" charset="0"/>
+                <a:cs typeface="Calibri" panose="020F0502020204030204" pitchFamily="34" charset="0"/>
+              </a:endParaRPr>
+            </a:p>
+          </p:txBody>
+        </p:sp>
+        <p:sp>
+          <p:nvSpPr>
+            <p:cNvPr id="115" name="文本框 114">
+              <a:extLst>
+                <a:ext uri="{FF2B5EF4-FFF2-40B4-BE49-F238E27FC236}">
+                  <a16:creationId xmlns:a16="http://schemas.microsoft.com/office/drawing/2014/main" id="{A8987AB9-5C99-CC73-6FB0-3287AC170144}"/>
+                </a:ext>
+              </a:extLst>
+            </p:cNvPr>
+            <p:cNvSpPr txBox="1"/>
+            <p:nvPr/>
+          </p:nvSpPr>
+          <p:spPr>
+            <a:xfrm>
+              <a:off x="1187121" y="4134481"/>
+              <a:ext cx="2432526" cy="523220"/>
+            </a:xfrm>
+            <a:prstGeom prst="rect">
+              <a:avLst/>
+            </a:prstGeom>
+            <a:noFill/>
+          </p:spPr>
+          <p:txBody>
+            <a:bodyPr wrap="square" rtlCol="0">
+              <a:spAutoFit/>
+            </a:bodyPr>
+            <a:lstStyle/>
+            <a:p>
+              <a:pPr algn="ctr"/>
+              <a:r>
+                <a:rPr kumimoji="1" lang="en-US" altLang="zh-CN" sz="2800" b="1" dirty="0">
+                  <a:latin typeface="Calibri" panose="020F0502020204030204" pitchFamily="34" charset="0"/>
+                  <a:ea typeface="Helvetica Neue" panose="02000503000000020004" pitchFamily="2" charset="0"/>
+                  <a:cs typeface="Calibri" panose="020F0502020204030204" pitchFamily="34" charset="0"/>
+                </a:rPr>
+                <a:t>Join</a:t>
+              </a:r>
+              <a:endParaRPr kumimoji="1" lang="en-US" altLang="zh-CN" sz="2400" b="1" dirty="0">
+                <a:latin typeface="Calibri" panose="020F0502020204030204" pitchFamily="34" charset="0"/>
+                <a:ea typeface="Helvetica Neue" panose="02000503000000020004" pitchFamily="2" charset="0"/>
+                <a:cs typeface="Calibri" panose="020F0502020204030204" pitchFamily="34" charset="0"/>
+              </a:endParaRPr>
+            </a:p>
+          </p:txBody>
+        </p:sp>
+      </p:grpSp>
+      <p:cxnSp>
+        <p:nvCxnSpPr>
+          <p:cNvPr id="116" name="直线箭头连接符 115">
+            <a:extLst>
+              <a:ext uri="{FF2B5EF4-FFF2-40B4-BE49-F238E27FC236}">
+                <a16:creationId xmlns:a16="http://schemas.microsoft.com/office/drawing/2014/main" id="{0DF7EC6B-9D41-8671-6748-69B745534F10}"/>
+              </a:ext>
+            </a:extLst>
+          </p:cNvPr>
+          <p:cNvCxnSpPr>
+            <a:cxnSpLocks/>
+            <a:stCxn id="118" idx="3"/>
+            <a:endCxn id="114" idx="1"/>
+          </p:cNvCxnSpPr>
+          <p:nvPr/>
+        </p:nvCxnSpPr>
+        <p:spPr>
+          <a:xfrm>
+            <a:off x="-5035253" y="3473546"/>
+            <a:ext cx="358842" cy="1822"/>
+          </a:xfrm>
+          <a:prstGeom prst="straightConnector1">
+            <a:avLst/>
+          </a:prstGeom>
+          <a:ln w="28575">
+            <a:solidFill>
+              <a:srgbClr val="8B649D"/>
+            </a:solidFill>
+            <a:tailEnd type="triangle"/>
+          </a:ln>
+        </p:spPr>
+        <p:style>
+          <a:lnRef idx="3">
+            <a:schemeClr val="dk1"/>
+          </a:lnRef>
+          <a:fillRef idx="0">
+            <a:schemeClr val="dk1"/>
+          </a:fillRef>
+          <a:effectRef idx="2">
+            <a:schemeClr val="dk1"/>
+          </a:effectRef>
+          <a:fontRef idx="minor">
+            <a:schemeClr val="tx1"/>
+          </a:fontRef>
+        </p:style>
+      </p:cxnSp>
+      <p:grpSp>
+        <p:nvGrpSpPr>
+          <p:cNvPr id="117" name="组合 116">
+            <a:extLst>
+              <a:ext uri="{FF2B5EF4-FFF2-40B4-BE49-F238E27FC236}">
+                <a16:creationId xmlns:a16="http://schemas.microsoft.com/office/drawing/2014/main" id="{850ED88B-961C-9767-CC1C-51B4240A19DF}"/>
+              </a:ext>
+            </a:extLst>
+          </p:cNvPr>
+          <p:cNvGrpSpPr/>
+          <p:nvPr/>
+        </p:nvGrpSpPr>
+        <p:grpSpPr>
+          <a:xfrm>
+            <a:off x="-8113907" y="2959574"/>
+            <a:ext cx="3182162" cy="938376"/>
+            <a:chOff x="6118010" y="4270496"/>
+            <a:chExt cx="3182162" cy="938376"/>
+          </a:xfrm>
+        </p:grpSpPr>
+        <p:sp>
+          <p:nvSpPr>
+            <p:cNvPr id="118" name="圆角矩形 117">
+              <a:extLst>
+                <a:ext uri="{FF2B5EF4-FFF2-40B4-BE49-F238E27FC236}">
+                  <a16:creationId xmlns:a16="http://schemas.microsoft.com/office/drawing/2014/main" id="{2EA86C37-7E05-C9D9-CCDF-19CA550C0B76}"/>
+                </a:ext>
+              </a:extLst>
+            </p:cNvPr>
+            <p:cNvSpPr/>
+            <p:nvPr/>
+          </p:nvSpPr>
+          <p:spPr>
+            <a:xfrm>
+              <a:off x="6221518" y="4360063"/>
+              <a:ext cx="2975146" cy="848809"/>
+            </a:xfrm>
+            <a:prstGeom prst="roundRect">
+              <a:avLst>
+                <a:gd name="adj" fmla="val 13606"/>
+              </a:avLst>
+            </a:prstGeom>
+            <a:solidFill>
+              <a:srgbClr val="F3F3F3"/>
+            </a:solidFill>
+            <a:ln>
+              <a:noFill/>
+            </a:ln>
+          </p:spPr>
+          <p:style>
+            <a:lnRef idx="2">
+              <a:schemeClr val="accent1">
+                <a:shade val="15000"/>
+              </a:schemeClr>
+            </a:lnRef>
+            <a:fillRef idx="1">
+              <a:schemeClr val="accent1"/>
+            </a:fillRef>
+            <a:effectRef idx="0">
+              <a:schemeClr val="accent1"/>
+            </a:effectRef>
+            <a:fontRef idx="minor">
+              <a:schemeClr val="lt1"/>
+            </a:fontRef>
+          </p:style>
+          <p:txBody>
+            <a:bodyPr rtlCol="0" anchor="ctr"/>
+            <a:lstStyle/>
+            <a:p>
+              <a:pPr algn="ctr"/>
+              <a:endParaRPr kumimoji="1" lang="zh-CN" altLang="en-US" sz="2000">
+                <a:solidFill>
+                  <a:schemeClr val="tx1"/>
+                </a:solidFill>
+                <a:latin typeface="Calibri" panose="020F0502020204030204" pitchFamily="34" charset="0"/>
+                <a:cs typeface="Calibri" panose="020F0502020204030204" pitchFamily="34" charset="0"/>
+              </a:endParaRPr>
+            </a:p>
+          </p:txBody>
+        </p:sp>
+        <p:sp>
+          <p:nvSpPr>
+            <p:cNvPr id="119" name="文本框 118">
+              <a:extLst>
+                <a:ext uri="{FF2B5EF4-FFF2-40B4-BE49-F238E27FC236}">
+                  <a16:creationId xmlns:a16="http://schemas.microsoft.com/office/drawing/2014/main" id="{CA6F841B-3FF1-32B6-E628-3BC590566B01}"/>
+                </a:ext>
+              </a:extLst>
+            </p:cNvPr>
+            <p:cNvSpPr txBox="1"/>
+            <p:nvPr/>
+          </p:nvSpPr>
+          <p:spPr>
+            <a:xfrm>
+              <a:off x="6118010" y="4270496"/>
+              <a:ext cx="3182162" cy="892552"/>
+            </a:xfrm>
+            <a:prstGeom prst="rect">
+              <a:avLst/>
+            </a:prstGeom>
+            <a:noFill/>
+          </p:spPr>
+          <p:txBody>
+            <a:bodyPr wrap="square" rtlCol="0">
+              <a:spAutoFit/>
+            </a:bodyPr>
+            <a:lstStyle/>
+            <a:p>
+              <a:pPr algn="ctr"/>
+              <a:r>
+                <a:rPr kumimoji="1" lang="en-US" altLang="zh-CN" sz="2800" b="1" dirty="0">
+                  <a:latin typeface="Calibri" panose="020F0502020204030204" pitchFamily="34" charset="0"/>
+                  <a:ea typeface="Helvetica Neue" panose="02000503000000020004" pitchFamily="2" charset="0"/>
+                  <a:cs typeface="Calibri" panose="020F0502020204030204" pitchFamily="34" charset="0"/>
+                </a:rPr>
+                <a:t>Scan</a:t>
+              </a:r>
+              <a:r>
+                <a:rPr kumimoji="1" lang="zh-CN" altLang="en-US" sz="2400" b="1" dirty="0">
+                  <a:latin typeface="Calibri" panose="020F0502020204030204" pitchFamily="34" charset="0"/>
+                  <a:ea typeface="Helvetica Neue" panose="02000503000000020004" pitchFamily="2" charset="0"/>
+                  <a:cs typeface="Calibri" panose="020F0502020204030204" pitchFamily="34" charset="0"/>
+                </a:rPr>
+                <a:t>  </a:t>
+              </a:r>
+              <a:endParaRPr kumimoji="1" lang="en-US" altLang="zh-CN" sz="2400" b="1" dirty="0">
+                <a:latin typeface="Calibri" panose="020F0502020204030204" pitchFamily="34" charset="0"/>
+                <a:ea typeface="Helvetica Neue" panose="02000503000000020004" pitchFamily="2" charset="0"/>
+                <a:cs typeface="Calibri" panose="020F0502020204030204" pitchFamily="34" charset="0"/>
+              </a:endParaRPr>
+            </a:p>
+            <a:p>
+              <a:pPr algn="ctr"/>
+              <a:r>
+                <a:rPr kumimoji="1" lang="en-US" altLang="zh-CN" sz="2400" dirty="0">
+                  <a:latin typeface="Calibri" panose="020F0502020204030204" pitchFamily="34" charset="0"/>
+                  <a:ea typeface="Helvetica Neue" panose="02000503000000020004" pitchFamily="2" charset="0"/>
+                  <a:cs typeface="Calibri" panose="020F0502020204030204" pitchFamily="34" charset="0"/>
+                </a:rPr>
+                <a:t>CAST_INFO</a:t>
+              </a:r>
+              <a:endParaRPr kumimoji="1" lang="zh-CN" altLang="en-US" sz="2400" dirty="0">
+                <a:latin typeface="Calibri" panose="020F0502020204030204" pitchFamily="34" charset="0"/>
+                <a:cs typeface="Calibri" panose="020F0502020204030204" pitchFamily="34" charset="0"/>
+              </a:endParaRPr>
+            </a:p>
+          </p:txBody>
+        </p:sp>
+      </p:grpSp>
+      <p:cxnSp>
+        <p:nvCxnSpPr>
+          <p:cNvPr id="120" name="直线箭头连接符 119">
+            <a:extLst>
+              <a:ext uri="{FF2B5EF4-FFF2-40B4-BE49-F238E27FC236}">
+                <a16:creationId xmlns:a16="http://schemas.microsoft.com/office/drawing/2014/main" id="{C966C99D-EF31-52F9-4DD3-F4E60F5B9AE9}"/>
+              </a:ext>
+            </a:extLst>
+          </p:cNvPr>
+          <p:cNvCxnSpPr>
+            <a:cxnSpLocks/>
+            <a:stCxn id="114" idx="0"/>
+            <a:endCxn id="91" idx="2"/>
+          </p:cNvCxnSpPr>
+          <p:nvPr/>
+        </p:nvCxnSpPr>
+        <p:spPr>
+          <a:xfrm flipH="1" flipV="1">
+            <a:off x="-3191016" y="2610813"/>
+            <a:ext cx="2178" cy="468041"/>
+          </a:xfrm>
+          <a:prstGeom prst="straightConnector1">
+            <a:avLst/>
+          </a:prstGeom>
+          <a:ln w="28575">
+            <a:solidFill>
+              <a:srgbClr val="8B649D"/>
+            </a:solidFill>
+            <a:tailEnd type="triangle"/>
+          </a:ln>
+        </p:spPr>
+        <p:style>
+          <a:lnRef idx="3">
+            <a:schemeClr val="dk1"/>
+          </a:lnRef>
+          <a:fillRef idx="0">
+            <a:schemeClr val="dk1"/>
+          </a:fillRef>
+          <a:effectRef idx="2">
+            <a:schemeClr val="dk1"/>
+          </a:effectRef>
+          <a:fontRef idx="minor">
+            <a:schemeClr val="tx1"/>
+          </a:fontRef>
+        </p:style>
+      </p:cxnSp>
+      <p:grpSp>
+        <p:nvGrpSpPr>
+          <p:cNvPr id="121" name="组合 120">
+            <a:extLst>
+              <a:ext uri="{FF2B5EF4-FFF2-40B4-BE49-F238E27FC236}">
+                <a16:creationId xmlns:a16="http://schemas.microsoft.com/office/drawing/2014/main" id="{201B2B97-42BF-F718-E7BC-741CD2423FBE}"/>
+              </a:ext>
+            </a:extLst>
+          </p:cNvPr>
+          <p:cNvGrpSpPr/>
+          <p:nvPr/>
+        </p:nvGrpSpPr>
+        <p:grpSpPr>
+          <a:xfrm>
+            <a:off x="-4678589" y="653309"/>
+            <a:ext cx="2975146" cy="732560"/>
+            <a:chOff x="859809" y="4090913"/>
+            <a:chExt cx="2975146" cy="732560"/>
+          </a:xfrm>
+        </p:grpSpPr>
+        <p:sp>
+          <p:nvSpPr>
+            <p:cNvPr id="122" name="圆角矩形 121">
+              <a:extLst>
+                <a:ext uri="{FF2B5EF4-FFF2-40B4-BE49-F238E27FC236}">
+                  <a16:creationId xmlns:a16="http://schemas.microsoft.com/office/drawing/2014/main" id="{0F68FA82-C34C-5125-4997-41701B8B4ED3}"/>
+                </a:ext>
+              </a:extLst>
+            </p:cNvPr>
+            <p:cNvSpPr/>
+            <p:nvPr/>
+          </p:nvSpPr>
+          <p:spPr>
+            <a:xfrm>
+              <a:off x="859809" y="4090913"/>
+              <a:ext cx="2975146" cy="732560"/>
+            </a:xfrm>
+            <a:prstGeom prst="roundRect">
+              <a:avLst>
+                <a:gd name="adj" fmla="val 13606"/>
+              </a:avLst>
+            </a:prstGeom>
+            <a:solidFill>
+              <a:srgbClr val="F3F3F3"/>
+            </a:solidFill>
+            <a:ln>
+              <a:noFill/>
+            </a:ln>
+          </p:spPr>
+          <p:style>
+            <a:lnRef idx="2">
+              <a:schemeClr val="accent1">
+                <a:shade val="15000"/>
+              </a:schemeClr>
+            </a:lnRef>
+            <a:fillRef idx="1">
+              <a:schemeClr val="accent1"/>
+            </a:fillRef>
+            <a:effectRef idx="0">
+              <a:schemeClr val="accent1"/>
+            </a:effectRef>
+            <a:fontRef idx="minor">
+              <a:schemeClr val="lt1"/>
+            </a:fontRef>
+          </p:style>
+          <p:txBody>
+            <a:bodyPr rtlCol="0" anchor="ctr"/>
+            <a:lstStyle/>
+            <a:p>
+              <a:pPr algn="ctr"/>
+              <a:endParaRPr kumimoji="1" lang="zh-CN" altLang="en-US" sz="2000">
+                <a:solidFill>
+                  <a:schemeClr val="tx1"/>
+                </a:solidFill>
+                <a:latin typeface="Calibri" panose="020F0502020204030204" pitchFamily="34" charset="0"/>
+                <a:cs typeface="Calibri" panose="020F0502020204030204" pitchFamily="34" charset="0"/>
+              </a:endParaRPr>
+            </a:p>
+          </p:txBody>
+        </p:sp>
+        <p:sp>
+          <p:nvSpPr>
+            <p:cNvPr id="123" name="文本框 122">
+              <a:extLst>
+                <a:ext uri="{FF2B5EF4-FFF2-40B4-BE49-F238E27FC236}">
+                  <a16:creationId xmlns:a16="http://schemas.microsoft.com/office/drawing/2014/main" id="{D07D8F69-8701-ED65-164A-F72404A35911}"/>
+                </a:ext>
+              </a:extLst>
+            </p:cNvPr>
+            <p:cNvSpPr txBox="1"/>
+            <p:nvPr/>
+          </p:nvSpPr>
+          <p:spPr>
+            <a:xfrm>
+              <a:off x="1187121" y="4148549"/>
+              <a:ext cx="2432526" cy="523220"/>
+            </a:xfrm>
+            <a:prstGeom prst="rect">
+              <a:avLst/>
+            </a:prstGeom>
+            <a:noFill/>
+          </p:spPr>
+          <p:txBody>
+            <a:bodyPr wrap="square" rtlCol="0">
+              <a:spAutoFit/>
+            </a:bodyPr>
+            <a:lstStyle/>
+            <a:p>
+              <a:pPr algn="ctr"/>
+              <a:r>
+                <a:rPr kumimoji="1" lang="en-US" altLang="zh-CN" sz="2800" b="1" dirty="0">
+                  <a:latin typeface="Calibri" panose="020F0502020204030204" pitchFamily="34" charset="0"/>
+                  <a:ea typeface="Helvetica Neue" panose="02000503000000020004" pitchFamily="2" charset="0"/>
+                  <a:cs typeface="Calibri" panose="020F0502020204030204" pitchFamily="34" charset="0"/>
+                </a:rPr>
+                <a:t>Join</a:t>
+              </a:r>
+              <a:endParaRPr kumimoji="1" lang="en-US" altLang="zh-CN" sz="2400" b="1" dirty="0">
+                <a:latin typeface="Calibri" panose="020F0502020204030204" pitchFamily="34" charset="0"/>
+                <a:ea typeface="Helvetica Neue" panose="02000503000000020004" pitchFamily="2" charset="0"/>
+                <a:cs typeface="Calibri" panose="020F0502020204030204" pitchFamily="34" charset="0"/>
+              </a:endParaRPr>
+            </a:p>
+          </p:txBody>
+        </p:sp>
+      </p:grpSp>
+      <p:cxnSp>
+        <p:nvCxnSpPr>
+          <p:cNvPr id="124" name="直线箭头连接符 123">
+            <a:extLst>
+              <a:ext uri="{FF2B5EF4-FFF2-40B4-BE49-F238E27FC236}">
+                <a16:creationId xmlns:a16="http://schemas.microsoft.com/office/drawing/2014/main" id="{6056DF67-FF79-AC5D-3760-3F4B7B56E5AA}"/>
+              </a:ext>
+            </a:extLst>
+          </p:cNvPr>
+          <p:cNvCxnSpPr>
+            <a:cxnSpLocks/>
+            <a:stCxn id="126" idx="3"/>
+            <a:endCxn id="122" idx="1"/>
+          </p:cNvCxnSpPr>
+          <p:nvPr/>
+        </p:nvCxnSpPr>
+        <p:spPr>
+          <a:xfrm flipV="1">
+            <a:off x="-5037431" y="1019589"/>
+            <a:ext cx="358842" cy="9402"/>
+          </a:xfrm>
+          <a:prstGeom prst="straightConnector1">
+            <a:avLst/>
+          </a:prstGeom>
+          <a:ln w="28575">
+            <a:solidFill>
+              <a:srgbClr val="8B649D"/>
+            </a:solidFill>
+            <a:tailEnd type="triangle"/>
+          </a:ln>
+        </p:spPr>
+        <p:style>
+          <a:lnRef idx="3">
+            <a:schemeClr val="dk1"/>
+          </a:lnRef>
+          <a:fillRef idx="0">
+            <a:schemeClr val="dk1"/>
+          </a:fillRef>
+          <a:effectRef idx="2">
+            <a:schemeClr val="dk1"/>
+          </a:effectRef>
+          <a:fontRef idx="minor">
+            <a:schemeClr val="tx1"/>
+          </a:fontRef>
+        </p:style>
+      </p:cxnSp>
+      <p:grpSp>
+        <p:nvGrpSpPr>
+          <p:cNvPr id="125" name="组合 124">
+            <a:extLst>
+              <a:ext uri="{FF2B5EF4-FFF2-40B4-BE49-F238E27FC236}">
+                <a16:creationId xmlns:a16="http://schemas.microsoft.com/office/drawing/2014/main" id="{CD174357-35C3-D610-70D4-498622BAA455}"/>
+              </a:ext>
+            </a:extLst>
+          </p:cNvPr>
+          <p:cNvGrpSpPr/>
+          <p:nvPr/>
+        </p:nvGrpSpPr>
+        <p:grpSpPr>
+          <a:xfrm>
+            <a:off x="-8120260" y="553112"/>
+            <a:ext cx="3182162" cy="892552"/>
+            <a:chOff x="6113835" y="4350043"/>
+            <a:chExt cx="3182162" cy="892552"/>
+          </a:xfrm>
+        </p:grpSpPr>
+        <p:sp>
+          <p:nvSpPr>
+            <p:cNvPr id="126" name="圆角矩形 125">
+              <a:extLst>
+                <a:ext uri="{FF2B5EF4-FFF2-40B4-BE49-F238E27FC236}">
+                  <a16:creationId xmlns:a16="http://schemas.microsoft.com/office/drawing/2014/main" id="{9D38FF30-AD92-2D4F-BFBA-761CC546BFD7}"/>
+                </a:ext>
+              </a:extLst>
+            </p:cNvPr>
+            <p:cNvSpPr/>
+            <p:nvPr/>
+          </p:nvSpPr>
+          <p:spPr>
+            <a:xfrm>
+              <a:off x="6221518" y="4442971"/>
+              <a:ext cx="2975146" cy="765901"/>
+            </a:xfrm>
+            <a:prstGeom prst="roundRect">
+              <a:avLst>
+                <a:gd name="adj" fmla="val 13606"/>
+              </a:avLst>
+            </a:prstGeom>
+            <a:solidFill>
+              <a:srgbClr val="F3F3F3"/>
+            </a:solidFill>
+            <a:ln>
+              <a:noFill/>
+            </a:ln>
+          </p:spPr>
+          <p:style>
+            <a:lnRef idx="2">
+              <a:schemeClr val="accent1">
+                <a:shade val="15000"/>
+              </a:schemeClr>
+            </a:lnRef>
+            <a:fillRef idx="1">
+              <a:schemeClr val="accent1"/>
+            </a:fillRef>
+            <a:effectRef idx="0">
+              <a:schemeClr val="accent1"/>
+            </a:effectRef>
+            <a:fontRef idx="minor">
+              <a:schemeClr val="lt1"/>
+            </a:fontRef>
+          </p:style>
+          <p:txBody>
+            <a:bodyPr rtlCol="0" anchor="ctr"/>
+            <a:lstStyle/>
+            <a:p>
+              <a:pPr algn="ctr"/>
+              <a:endParaRPr kumimoji="1" lang="zh-CN" altLang="en-US" sz="2000">
+                <a:solidFill>
+                  <a:schemeClr val="tx1"/>
+                </a:solidFill>
+                <a:latin typeface="Calibri" panose="020F0502020204030204" pitchFamily="34" charset="0"/>
+                <a:cs typeface="Calibri" panose="020F0502020204030204" pitchFamily="34" charset="0"/>
+              </a:endParaRPr>
+            </a:p>
+          </p:txBody>
+        </p:sp>
+        <p:sp>
+          <p:nvSpPr>
+            <p:cNvPr id="127" name="文本框 126">
+              <a:extLst>
+                <a:ext uri="{FF2B5EF4-FFF2-40B4-BE49-F238E27FC236}">
+                  <a16:creationId xmlns:a16="http://schemas.microsoft.com/office/drawing/2014/main" id="{EFC1D79D-2734-8EF5-EC78-2241E8203D1E}"/>
+                </a:ext>
+              </a:extLst>
+            </p:cNvPr>
+            <p:cNvSpPr txBox="1"/>
+            <p:nvPr/>
+          </p:nvSpPr>
+          <p:spPr>
+            <a:xfrm>
+              <a:off x="6113835" y="4350043"/>
+              <a:ext cx="3182162" cy="892552"/>
+            </a:xfrm>
+            <a:prstGeom prst="rect">
+              <a:avLst/>
+            </a:prstGeom>
+            <a:noFill/>
+          </p:spPr>
+          <p:txBody>
+            <a:bodyPr wrap="square" rtlCol="0">
+              <a:spAutoFit/>
+            </a:bodyPr>
+            <a:lstStyle/>
+            <a:p>
+              <a:pPr algn="ctr"/>
+              <a:r>
+                <a:rPr kumimoji="1" lang="en-US" altLang="zh-CN" sz="2800" b="1" dirty="0">
+                  <a:latin typeface="Calibri" panose="020F0502020204030204" pitchFamily="34" charset="0"/>
+                  <a:ea typeface="Helvetica Neue" panose="02000503000000020004" pitchFamily="2" charset="0"/>
+                  <a:cs typeface="Calibri" panose="020F0502020204030204" pitchFamily="34" charset="0"/>
+                </a:rPr>
+                <a:t>Scan</a:t>
+              </a:r>
+              <a:r>
+                <a:rPr kumimoji="1" lang="zh-CN" altLang="en-US" sz="2400" b="1" dirty="0">
+                  <a:latin typeface="Calibri" panose="020F0502020204030204" pitchFamily="34" charset="0"/>
+                  <a:ea typeface="Helvetica Neue" panose="02000503000000020004" pitchFamily="2" charset="0"/>
+                  <a:cs typeface="Calibri" panose="020F0502020204030204" pitchFamily="34" charset="0"/>
+                </a:rPr>
+                <a:t>  </a:t>
+              </a:r>
+              <a:r>
+                <a:rPr kumimoji="1" lang="en-US" altLang="zh-CN" sz="2400" dirty="0">
+                  <a:latin typeface="Calibri" panose="020F0502020204030204" pitchFamily="34" charset="0"/>
+                  <a:ea typeface="Helvetica Neue" panose="02000503000000020004" pitchFamily="2" charset="0"/>
+                  <a:cs typeface="Calibri" panose="020F0502020204030204" pitchFamily="34" charset="0"/>
+                </a:rPr>
+                <a:t>MOVIE_COMPANIES</a:t>
+              </a:r>
+              <a:endParaRPr kumimoji="1" lang="zh-CN" altLang="en-US" sz="2400" dirty="0">
+                <a:latin typeface="Calibri" panose="020F0502020204030204" pitchFamily="34" charset="0"/>
+                <a:cs typeface="Calibri" panose="020F0502020204030204" pitchFamily="34" charset="0"/>
+              </a:endParaRPr>
+            </a:p>
+          </p:txBody>
+        </p:sp>
+      </p:grpSp>
+      <p:cxnSp>
+        <p:nvCxnSpPr>
+          <p:cNvPr id="128" name="直线箭头连接符 127">
+            <a:extLst>
+              <a:ext uri="{FF2B5EF4-FFF2-40B4-BE49-F238E27FC236}">
+                <a16:creationId xmlns:a16="http://schemas.microsoft.com/office/drawing/2014/main" id="{4C1218CC-EE56-B126-CA9C-EFD5288ABEE8}"/>
+              </a:ext>
+            </a:extLst>
+          </p:cNvPr>
+          <p:cNvCxnSpPr>
+            <a:cxnSpLocks/>
+            <a:stCxn id="91" idx="0"/>
+            <a:endCxn id="122" idx="2"/>
+          </p:cNvCxnSpPr>
+          <p:nvPr/>
+        </p:nvCxnSpPr>
+        <p:spPr>
+          <a:xfrm flipV="1">
+            <a:off x="-3191016" y="1385869"/>
+            <a:ext cx="0" cy="429578"/>
+          </a:xfrm>
+          <a:prstGeom prst="straightConnector1">
+            <a:avLst/>
+          </a:prstGeom>
+          <a:ln w="28575">
+            <a:solidFill>
+              <a:srgbClr val="8B649D"/>
+            </a:solidFill>
+            <a:tailEnd type="triangle"/>
+          </a:ln>
+        </p:spPr>
+        <p:style>
+          <a:lnRef idx="3">
+            <a:schemeClr val="dk1"/>
+          </a:lnRef>
+          <a:fillRef idx="0">
+            <a:schemeClr val="dk1"/>
+          </a:fillRef>
+          <a:effectRef idx="2">
+            <a:schemeClr val="dk1"/>
+          </a:effectRef>
+          <a:fontRef idx="minor">
+            <a:schemeClr val="tx1"/>
+          </a:fontRef>
+        </p:style>
+      </p:cxnSp>
+      <p:grpSp>
+        <p:nvGrpSpPr>
+          <p:cNvPr id="129" name="组合 128">
+            <a:extLst>
+              <a:ext uri="{FF2B5EF4-FFF2-40B4-BE49-F238E27FC236}">
+                <a16:creationId xmlns:a16="http://schemas.microsoft.com/office/drawing/2014/main" id="{6E13E261-F134-987A-E831-A8AF191A42F7}"/>
+              </a:ext>
+            </a:extLst>
+          </p:cNvPr>
+          <p:cNvGrpSpPr/>
+          <p:nvPr/>
+        </p:nvGrpSpPr>
+        <p:grpSpPr>
+          <a:xfrm>
+            <a:off x="-4683473" y="-392723"/>
+            <a:ext cx="2975146" cy="788370"/>
+            <a:chOff x="859809" y="4035103"/>
+            <a:chExt cx="2975146" cy="788370"/>
+          </a:xfrm>
+        </p:grpSpPr>
+        <p:sp>
+          <p:nvSpPr>
+            <p:cNvPr id="130" name="圆角矩形 129">
+              <a:extLst>
+                <a:ext uri="{FF2B5EF4-FFF2-40B4-BE49-F238E27FC236}">
+                  <a16:creationId xmlns:a16="http://schemas.microsoft.com/office/drawing/2014/main" id="{54CC8FF0-DD1D-725C-C462-F63381CEA6DD}"/>
+                </a:ext>
+              </a:extLst>
+            </p:cNvPr>
+            <p:cNvSpPr/>
+            <p:nvPr/>
+          </p:nvSpPr>
+          <p:spPr>
+            <a:xfrm>
+              <a:off x="859809" y="4035103"/>
+              <a:ext cx="2975146" cy="788370"/>
+            </a:xfrm>
+            <a:prstGeom prst="roundRect">
+              <a:avLst>
+                <a:gd name="adj" fmla="val 13606"/>
+              </a:avLst>
+            </a:prstGeom>
+            <a:solidFill>
+              <a:srgbClr val="F3F3F3"/>
+            </a:solidFill>
+            <a:ln>
+              <a:noFill/>
+            </a:ln>
+          </p:spPr>
+          <p:style>
+            <a:lnRef idx="2">
+              <a:schemeClr val="accent1">
+                <a:shade val="15000"/>
+              </a:schemeClr>
+            </a:lnRef>
+            <a:fillRef idx="1">
+              <a:schemeClr val="accent1"/>
+            </a:fillRef>
+            <a:effectRef idx="0">
+              <a:schemeClr val="accent1"/>
+            </a:effectRef>
+            <a:fontRef idx="minor">
+              <a:schemeClr val="lt1"/>
+            </a:fontRef>
+          </p:style>
+          <p:txBody>
+            <a:bodyPr rtlCol="0" anchor="ctr"/>
+            <a:lstStyle/>
+            <a:p>
+              <a:pPr algn="ctr"/>
+              <a:endParaRPr kumimoji="1" lang="zh-CN" altLang="en-US" sz="2000">
+                <a:solidFill>
+                  <a:schemeClr val="tx1"/>
+                </a:solidFill>
+                <a:latin typeface="Calibri" panose="020F0502020204030204" pitchFamily="34" charset="0"/>
+                <a:cs typeface="Calibri" panose="020F0502020204030204" pitchFamily="34" charset="0"/>
+              </a:endParaRPr>
+            </a:p>
+          </p:txBody>
+        </p:sp>
+        <p:sp>
+          <p:nvSpPr>
+            <p:cNvPr id="131" name="文本框 130">
+              <a:extLst>
+                <a:ext uri="{FF2B5EF4-FFF2-40B4-BE49-F238E27FC236}">
+                  <a16:creationId xmlns:a16="http://schemas.microsoft.com/office/drawing/2014/main" id="{90DBC8A6-617F-CC19-72D8-B9F1B6916B4E}"/>
+                </a:ext>
+              </a:extLst>
+            </p:cNvPr>
+            <p:cNvSpPr txBox="1"/>
+            <p:nvPr/>
+          </p:nvSpPr>
+          <p:spPr>
+            <a:xfrm>
+              <a:off x="1187121" y="4120413"/>
+              <a:ext cx="2432526" cy="523220"/>
+            </a:xfrm>
+            <a:prstGeom prst="rect">
+              <a:avLst/>
+            </a:prstGeom>
+            <a:noFill/>
+          </p:spPr>
+          <p:txBody>
+            <a:bodyPr wrap="square" rtlCol="0">
+              <a:spAutoFit/>
+            </a:bodyPr>
+            <a:lstStyle/>
+            <a:p>
+              <a:pPr algn="ctr"/>
+              <a:r>
+                <a:rPr kumimoji="1" lang="en-US" altLang="zh-CN" sz="2800" b="1" dirty="0">
+                  <a:latin typeface="Calibri" panose="020F0502020204030204" pitchFamily="34" charset="0"/>
+                  <a:ea typeface="Helvetica Neue" panose="02000503000000020004" pitchFamily="2" charset="0"/>
+                  <a:cs typeface="Calibri" panose="020F0502020204030204" pitchFamily="34" charset="0"/>
+                </a:rPr>
+                <a:t>Join</a:t>
+              </a:r>
+              <a:endParaRPr kumimoji="1" lang="en-US" altLang="zh-CN" sz="2400" b="1" dirty="0">
+                <a:latin typeface="Calibri" panose="020F0502020204030204" pitchFamily="34" charset="0"/>
+                <a:ea typeface="Helvetica Neue" panose="02000503000000020004" pitchFamily="2" charset="0"/>
+                <a:cs typeface="Calibri" panose="020F0502020204030204" pitchFamily="34" charset="0"/>
+              </a:endParaRPr>
+            </a:p>
+          </p:txBody>
+        </p:sp>
+      </p:grpSp>
+      <p:cxnSp>
+        <p:nvCxnSpPr>
+          <p:cNvPr id="132" name="直线箭头连接符 131">
+            <a:extLst>
+              <a:ext uri="{FF2B5EF4-FFF2-40B4-BE49-F238E27FC236}">
+                <a16:creationId xmlns:a16="http://schemas.microsoft.com/office/drawing/2014/main" id="{4098DEBD-4604-E605-5579-B883E2250729}"/>
+              </a:ext>
+            </a:extLst>
+          </p:cNvPr>
+          <p:cNvCxnSpPr>
+            <a:cxnSpLocks/>
+            <a:stCxn id="134" idx="3"/>
+            <a:endCxn id="105" idx="1"/>
+          </p:cNvCxnSpPr>
+          <p:nvPr/>
+        </p:nvCxnSpPr>
+        <p:spPr>
+          <a:xfrm flipV="1">
+            <a:off x="-5138761" y="-1092544"/>
+            <a:ext cx="452457" cy="11504"/>
+          </a:xfrm>
+          <a:prstGeom prst="straightConnector1">
+            <a:avLst/>
+          </a:prstGeom>
+          <a:ln w="28575">
+            <a:solidFill>
+              <a:srgbClr val="8B649D"/>
+            </a:solidFill>
+            <a:tailEnd type="triangle"/>
+          </a:ln>
+        </p:spPr>
+        <p:style>
+          <a:lnRef idx="3">
+            <a:schemeClr val="dk1"/>
+          </a:lnRef>
+          <a:fillRef idx="0">
+            <a:schemeClr val="dk1"/>
+          </a:fillRef>
+          <a:effectRef idx="2">
+            <a:schemeClr val="dk1"/>
+          </a:effectRef>
+          <a:fontRef idx="minor">
+            <a:schemeClr val="tx1"/>
+          </a:fontRef>
+        </p:style>
+      </p:cxnSp>
+      <p:grpSp>
+        <p:nvGrpSpPr>
+          <p:cNvPr id="133" name="组合 132">
+            <a:extLst>
+              <a:ext uri="{FF2B5EF4-FFF2-40B4-BE49-F238E27FC236}">
+                <a16:creationId xmlns:a16="http://schemas.microsoft.com/office/drawing/2014/main" id="{059FFAF3-C5D4-AB41-04AB-C59F5482F9E6}"/>
+              </a:ext>
+            </a:extLst>
+          </p:cNvPr>
+          <p:cNvGrpSpPr/>
+          <p:nvPr/>
+        </p:nvGrpSpPr>
+        <p:grpSpPr>
+          <a:xfrm>
+            <a:off x="-8113907" y="-1508653"/>
+            <a:ext cx="2975146" cy="855225"/>
+            <a:chOff x="6221518" y="4353647"/>
+            <a:chExt cx="2975146" cy="855225"/>
+          </a:xfrm>
+        </p:grpSpPr>
+        <p:sp>
+          <p:nvSpPr>
+            <p:cNvPr id="134" name="圆角矩形 133">
+              <a:extLst>
+                <a:ext uri="{FF2B5EF4-FFF2-40B4-BE49-F238E27FC236}">
+                  <a16:creationId xmlns:a16="http://schemas.microsoft.com/office/drawing/2014/main" id="{C0EE5A31-7CD6-BCE6-DBCF-7DD15B7BD6FC}"/>
+                </a:ext>
+              </a:extLst>
+            </p:cNvPr>
+            <p:cNvSpPr/>
+            <p:nvPr/>
+          </p:nvSpPr>
+          <p:spPr>
+            <a:xfrm>
+              <a:off x="6221518" y="4353647"/>
+              <a:ext cx="2975146" cy="855225"/>
+            </a:xfrm>
+            <a:prstGeom prst="roundRect">
+              <a:avLst>
+                <a:gd name="adj" fmla="val 13606"/>
+              </a:avLst>
+            </a:prstGeom>
+            <a:solidFill>
+              <a:srgbClr val="F3F3F3"/>
+            </a:solidFill>
+            <a:ln>
+              <a:noFill/>
+            </a:ln>
+          </p:spPr>
+          <p:style>
+            <a:lnRef idx="2">
+              <a:schemeClr val="accent1">
+                <a:shade val="15000"/>
+              </a:schemeClr>
+            </a:lnRef>
+            <a:fillRef idx="1">
+              <a:schemeClr val="accent1"/>
+            </a:fillRef>
+            <a:effectRef idx="0">
+              <a:schemeClr val="accent1"/>
+            </a:effectRef>
+            <a:fontRef idx="minor">
+              <a:schemeClr val="lt1"/>
+            </a:fontRef>
+          </p:style>
+          <p:txBody>
+            <a:bodyPr rtlCol="0" anchor="ctr"/>
+            <a:lstStyle/>
+            <a:p>
+              <a:pPr algn="ctr"/>
+              <a:endParaRPr kumimoji="1" lang="zh-CN" altLang="en-US" sz="2000" dirty="0">
+                <a:solidFill>
+                  <a:schemeClr val="tx1"/>
+                </a:solidFill>
+                <a:latin typeface="Calibri" panose="020F0502020204030204" pitchFamily="34" charset="0"/>
+                <a:cs typeface="Calibri" panose="020F0502020204030204" pitchFamily="34" charset="0"/>
+              </a:endParaRPr>
+            </a:p>
+          </p:txBody>
+        </p:sp>
+        <p:sp>
+          <p:nvSpPr>
+            <p:cNvPr id="135" name="文本框 134">
+              <a:extLst>
+                <a:ext uri="{FF2B5EF4-FFF2-40B4-BE49-F238E27FC236}">
+                  <a16:creationId xmlns:a16="http://schemas.microsoft.com/office/drawing/2014/main" id="{463E4DBC-E87B-2AEF-432B-A9A1A34D2468}"/>
+                </a:ext>
+              </a:extLst>
+            </p:cNvPr>
+            <p:cNvSpPr txBox="1"/>
+            <p:nvPr/>
+          </p:nvSpPr>
+          <p:spPr>
+            <a:xfrm>
+              <a:off x="6462797" y="4505733"/>
+              <a:ext cx="2596564" cy="523220"/>
+            </a:xfrm>
+            <a:prstGeom prst="rect">
+              <a:avLst/>
+            </a:prstGeom>
+            <a:noFill/>
+          </p:spPr>
+          <p:txBody>
+            <a:bodyPr wrap="square" rtlCol="0">
+              <a:spAutoFit/>
+            </a:bodyPr>
+            <a:lstStyle/>
+            <a:p>
+              <a:pPr algn="ctr"/>
+              <a:r>
+                <a:rPr kumimoji="1" lang="en-US" altLang="zh-CN" sz="2800" b="1" dirty="0">
+                  <a:latin typeface="Calibri" panose="020F0502020204030204" pitchFamily="34" charset="0"/>
+                  <a:ea typeface="Helvetica Neue" panose="02000503000000020004" pitchFamily="2" charset="0"/>
+                  <a:cs typeface="Calibri" panose="020F0502020204030204" pitchFamily="34" charset="0"/>
+                </a:rPr>
+                <a:t>Scan</a:t>
+              </a:r>
+              <a:r>
+                <a:rPr kumimoji="1" lang="en-US" altLang="zh-CN" sz="2400" b="1" dirty="0">
+                  <a:latin typeface="Calibri" panose="020F0502020204030204" pitchFamily="34" charset="0"/>
+                  <a:ea typeface="Helvetica Neue" panose="02000503000000020004" pitchFamily="2" charset="0"/>
+                  <a:cs typeface="Calibri" panose="020F0502020204030204" pitchFamily="34" charset="0"/>
+                </a:rPr>
+                <a:t> </a:t>
+              </a:r>
+              <a:r>
+                <a:rPr kumimoji="1" lang="en-US" altLang="zh-CN" sz="2400" dirty="0">
+                  <a:latin typeface="Calibri" panose="020F0502020204030204" pitchFamily="34" charset="0"/>
+                  <a:ea typeface="Helvetica Neue" panose="02000503000000020004" pitchFamily="2" charset="0"/>
+                  <a:cs typeface="Calibri" panose="020F0502020204030204" pitchFamily="34" charset="0"/>
+                </a:rPr>
+                <a:t>TITLE</a:t>
+              </a:r>
+              <a:endParaRPr kumimoji="1" lang="zh-CN" altLang="en-US" sz="2400" dirty="0">
+                <a:latin typeface="Calibri" panose="020F0502020204030204" pitchFamily="34" charset="0"/>
+                <a:cs typeface="Calibri" panose="020F0502020204030204" pitchFamily="34" charset="0"/>
+              </a:endParaRPr>
+            </a:p>
+          </p:txBody>
+        </p:sp>
+      </p:grpSp>
+      <p:cxnSp>
+        <p:nvCxnSpPr>
+          <p:cNvPr id="136" name="直线箭头连接符 135">
+            <a:extLst>
+              <a:ext uri="{FF2B5EF4-FFF2-40B4-BE49-F238E27FC236}">
+                <a16:creationId xmlns:a16="http://schemas.microsoft.com/office/drawing/2014/main" id="{2EA3EFC6-C33D-69DE-41CD-139613436321}"/>
+              </a:ext>
+            </a:extLst>
+          </p:cNvPr>
+          <p:cNvCxnSpPr>
+            <a:cxnSpLocks/>
+            <a:stCxn id="122" idx="0"/>
+            <a:endCxn id="130" idx="2"/>
+          </p:cNvCxnSpPr>
+          <p:nvPr/>
+        </p:nvCxnSpPr>
+        <p:spPr>
+          <a:xfrm flipH="1" flipV="1">
+            <a:off x="-3195900" y="395647"/>
+            <a:ext cx="4884" cy="257662"/>
+          </a:xfrm>
+          <a:prstGeom prst="straightConnector1">
+            <a:avLst/>
+          </a:prstGeom>
+          <a:ln w="28575">
+            <a:solidFill>
+              <a:srgbClr val="8B649D"/>
+            </a:solidFill>
+            <a:tailEnd type="triangle"/>
+          </a:ln>
+        </p:spPr>
+        <p:style>
+          <a:lnRef idx="3">
+            <a:schemeClr val="dk1"/>
+          </a:lnRef>
+          <a:fillRef idx="0">
+            <a:schemeClr val="dk1"/>
+          </a:fillRef>
+          <a:effectRef idx="2">
+            <a:schemeClr val="dk1"/>
+          </a:effectRef>
+          <a:fontRef idx="minor">
+            <a:schemeClr val="tx1"/>
+          </a:fontRef>
+        </p:style>
+      </p:cxnSp>
+    </p:spTree>
+    <p:extLst>
+      <p:ext uri="{BB962C8B-B14F-4D97-AF65-F5344CB8AC3E}">
+        <p14:creationId xmlns:p14="http://schemas.microsoft.com/office/powerpoint/2010/main" val="3027565597"/>
+      </p:ext>
+    </p:extLst>
+  </p:cSld>
+  <p:clrMapOvr>
+    <a:masterClrMapping/>
+  </p:clrMapOvr>
+</p:sld>
+</file>
+
+<file path=ppt/slides/slide3.xml><?xml version="1.0" encoding="utf-8"?>
 <p:sld xmlns:a="http://schemas.openxmlformats.org/drawingml/2006/main" xmlns:r="http://schemas.openxmlformats.org/officeDocument/2006/relationships" xmlns:p="http://schemas.openxmlformats.org/presentationml/2006/main">
   <p:cSld>
     <p:spTree>
@@ -5179,7 +10854,7 @@
 </p:sld>
 </file>
 
-<file path=ppt/slides/slide3.xml><?xml version="1.0" encoding="utf-8"?>
+<file path=ppt/slides/slide4.xml><?xml version="1.0" encoding="utf-8"?>
 <p:sld xmlns:a="http://schemas.openxmlformats.org/drawingml/2006/main" xmlns:r="http://schemas.openxmlformats.org/officeDocument/2006/relationships" xmlns:p="http://schemas.openxmlformats.org/presentationml/2006/main">
   <p:cSld>
     <p:spTree>
@@ -6317,7 +11992,7 @@
 </p:sld>
 </file>
 
-<file path=ppt/slides/slide4.xml><?xml version="1.0" encoding="utf-8"?>
+<file path=ppt/slides/slide5.xml><?xml version="1.0" encoding="utf-8"?>
 <p:sld xmlns:a="http://schemas.openxmlformats.org/drawingml/2006/main" xmlns:r="http://schemas.openxmlformats.org/officeDocument/2006/relationships" xmlns:p="http://schemas.openxmlformats.org/presentationml/2006/main">
   <p:cSld>
     <p:spTree>
@@ -9058,7 +14733,2925 @@
 </p:sld>
 </file>
 
-<file path=ppt/slides/slide5.xml><?xml version="1.0" encoding="utf-8"?>
+<file path=ppt/slides/slide6.xml><?xml version="1.0" encoding="utf-8"?>
+<p:sld xmlns:a="http://schemas.openxmlformats.org/drawingml/2006/main" xmlns:r="http://schemas.openxmlformats.org/officeDocument/2006/relationships" xmlns:p="http://schemas.openxmlformats.org/presentationml/2006/main">
+  <p:cSld>
+    <p:spTree>
+      <p:nvGrpSpPr>
+        <p:cNvPr id="1" name=""/>
+        <p:cNvGrpSpPr/>
+        <p:nvPr/>
+      </p:nvGrpSpPr>
+      <p:grpSpPr>
+        <a:xfrm>
+          <a:off x="0" y="0"/>
+          <a:ext cx="0" cy="0"/>
+          <a:chOff x="0" y="0"/>
+          <a:chExt cx="0" cy="0"/>
+        </a:xfrm>
+      </p:grpSpPr>
+      <p:grpSp>
+        <p:nvGrpSpPr>
+          <p:cNvPr id="74" name="组合 73">
+            <a:extLst>
+              <a:ext uri="{FF2B5EF4-FFF2-40B4-BE49-F238E27FC236}">
+                <a16:creationId xmlns:a16="http://schemas.microsoft.com/office/drawing/2014/main" id="{75A7F941-5CED-A493-2DA9-D2C02043AFDB}"/>
+              </a:ext>
+            </a:extLst>
+          </p:cNvPr>
+          <p:cNvGrpSpPr/>
+          <p:nvPr/>
+        </p:nvGrpSpPr>
+        <p:grpSpPr>
+          <a:xfrm>
+            <a:off x="324183" y="4072218"/>
+            <a:ext cx="1767191" cy="868196"/>
+            <a:chOff x="859809" y="3955277"/>
+            <a:chExt cx="2975146" cy="868196"/>
+          </a:xfrm>
+        </p:grpSpPr>
+        <p:sp>
+          <p:nvSpPr>
+            <p:cNvPr id="75" name="圆角矩形 74">
+              <a:extLst>
+                <a:ext uri="{FF2B5EF4-FFF2-40B4-BE49-F238E27FC236}">
+                  <a16:creationId xmlns:a16="http://schemas.microsoft.com/office/drawing/2014/main" id="{1D0A5FA9-1D4E-CC0F-2248-42CB9EACC6A6}"/>
+                </a:ext>
+              </a:extLst>
+            </p:cNvPr>
+            <p:cNvSpPr/>
+            <p:nvPr/>
+          </p:nvSpPr>
+          <p:spPr>
+            <a:xfrm>
+              <a:off x="859809" y="3955277"/>
+              <a:ext cx="2975146" cy="868196"/>
+            </a:xfrm>
+            <a:prstGeom prst="roundRect">
+              <a:avLst>
+                <a:gd name="adj" fmla="val 13606"/>
+              </a:avLst>
+            </a:prstGeom>
+            <a:solidFill>
+              <a:srgbClr val="F3F3F3"/>
+            </a:solidFill>
+            <a:ln>
+              <a:noFill/>
+            </a:ln>
+          </p:spPr>
+          <p:style>
+            <a:lnRef idx="2">
+              <a:schemeClr val="accent1">
+                <a:shade val="15000"/>
+              </a:schemeClr>
+            </a:lnRef>
+            <a:fillRef idx="1">
+              <a:schemeClr val="accent1"/>
+            </a:fillRef>
+            <a:effectRef idx="0">
+              <a:schemeClr val="accent1"/>
+            </a:effectRef>
+            <a:fontRef idx="minor">
+              <a:schemeClr val="lt1"/>
+            </a:fontRef>
+          </p:style>
+          <p:txBody>
+            <a:bodyPr rtlCol="0" anchor="ctr"/>
+            <a:lstStyle/>
+            <a:p>
+              <a:pPr algn="ctr"/>
+              <a:endParaRPr kumimoji="1" lang="zh-CN" altLang="en-US" sz="2000">
+                <a:solidFill>
+                  <a:schemeClr val="tx1"/>
+                </a:solidFill>
+                <a:latin typeface="Calibri" panose="020F0502020204030204" pitchFamily="34" charset="0"/>
+                <a:cs typeface="Calibri" panose="020F0502020204030204" pitchFamily="34" charset="0"/>
+              </a:endParaRPr>
+            </a:p>
+          </p:txBody>
+        </p:sp>
+        <p:sp>
+          <p:nvSpPr>
+            <p:cNvPr id="77" name="文本框 76">
+              <a:extLst>
+                <a:ext uri="{FF2B5EF4-FFF2-40B4-BE49-F238E27FC236}">
+                  <a16:creationId xmlns:a16="http://schemas.microsoft.com/office/drawing/2014/main" id="{6258ADAE-91E2-F48C-69F8-75CC029D4721}"/>
+                </a:ext>
+              </a:extLst>
+            </p:cNvPr>
+            <p:cNvSpPr txBox="1"/>
+            <p:nvPr/>
+          </p:nvSpPr>
+          <p:spPr>
+            <a:xfrm>
+              <a:off x="1187121" y="4078209"/>
+              <a:ext cx="2432526" cy="523220"/>
+            </a:xfrm>
+            <a:prstGeom prst="rect">
+              <a:avLst/>
+            </a:prstGeom>
+            <a:noFill/>
+          </p:spPr>
+          <p:txBody>
+            <a:bodyPr wrap="square" rtlCol="0">
+              <a:spAutoFit/>
+            </a:bodyPr>
+            <a:lstStyle/>
+            <a:p>
+              <a:pPr algn="ctr"/>
+              <a:r>
+                <a:rPr kumimoji="1" lang="en-US" altLang="zh-CN" sz="2800" b="1" dirty="0">
+                  <a:latin typeface="Calibri" panose="020F0502020204030204" pitchFamily="34" charset="0"/>
+                  <a:ea typeface="Helvetica Neue" panose="02000503000000020004" pitchFamily="2" charset="0"/>
+                  <a:cs typeface="Calibri" panose="020F0502020204030204" pitchFamily="34" charset="0"/>
+                </a:rPr>
+                <a:t>Join</a:t>
+              </a:r>
+              <a:endParaRPr kumimoji="1" lang="en-US" altLang="zh-CN" sz="2400" b="1" dirty="0">
+                <a:latin typeface="Calibri" panose="020F0502020204030204" pitchFamily="34" charset="0"/>
+                <a:ea typeface="Helvetica Neue" panose="02000503000000020004" pitchFamily="2" charset="0"/>
+                <a:cs typeface="Calibri" panose="020F0502020204030204" pitchFamily="34" charset="0"/>
+              </a:endParaRPr>
+            </a:p>
+          </p:txBody>
+        </p:sp>
+      </p:grpSp>
+      <p:cxnSp>
+        <p:nvCxnSpPr>
+          <p:cNvPr id="78" name="直线箭头连接符 77">
+            <a:extLst>
+              <a:ext uri="{FF2B5EF4-FFF2-40B4-BE49-F238E27FC236}">
+                <a16:creationId xmlns:a16="http://schemas.microsoft.com/office/drawing/2014/main" id="{A719F279-2B12-4103-5E71-712281FE82B2}"/>
+              </a:ext>
+            </a:extLst>
+          </p:cNvPr>
+          <p:cNvCxnSpPr>
+            <a:cxnSpLocks/>
+            <a:stCxn id="85" idx="3"/>
+            <a:endCxn id="75" idx="1"/>
+          </p:cNvCxnSpPr>
+          <p:nvPr/>
+        </p:nvCxnSpPr>
+        <p:spPr>
+          <a:xfrm>
+            <a:off x="-45810" y="4502584"/>
+            <a:ext cx="369993" cy="3732"/>
+          </a:xfrm>
+          <a:prstGeom prst="straightConnector1">
+            <a:avLst/>
+          </a:prstGeom>
+          <a:ln w="28575">
+            <a:solidFill>
+              <a:srgbClr val="8B649D"/>
+            </a:solidFill>
+            <a:tailEnd type="triangle"/>
+          </a:ln>
+        </p:spPr>
+        <p:style>
+          <a:lnRef idx="3">
+            <a:schemeClr val="dk1"/>
+          </a:lnRef>
+          <a:fillRef idx="0">
+            <a:schemeClr val="dk1"/>
+          </a:fillRef>
+          <a:effectRef idx="2">
+            <a:schemeClr val="dk1"/>
+          </a:effectRef>
+          <a:fontRef idx="minor">
+            <a:schemeClr val="tx1"/>
+          </a:fontRef>
+        </p:style>
+      </p:cxnSp>
+      <p:grpSp>
+        <p:nvGrpSpPr>
+          <p:cNvPr id="79" name="组合 78">
+            <a:extLst>
+              <a:ext uri="{FF2B5EF4-FFF2-40B4-BE49-F238E27FC236}">
+                <a16:creationId xmlns:a16="http://schemas.microsoft.com/office/drawing/2014/main" id="{62258638-6589-9EC5-0BBE-7AC469C79410}"/>
+              </a:ext>
+            </a:extLst>
+          </p:cNvPr>
+          <p:cNvGrpSpPr/>
+          <p:nvPr/>
+        </p:nvGrpSpPr>
+        <p:grpSpPr>
+          <a:xfrm>
+            <a:off x="2274724" y="3669480"/>
+            <a:ext cx="3109537" cy="1578090"/>
+            <a:chOff x="6087127" y="4081896"/>
+            <a:chExt cx="3109537" cy="1578090"/>
+          </a:xfrm>
+        </p:grpSpPr>
+        <p:sp>
+          <p:nvSpPr>
+            <p:cNvPr id="80" name="圆角矩形 79">
+              <a:extLst>
+                <a:ext uri="{FF2B5EF4-FFF2-40B4-BE49-F238E27FC236}">
+                  <a16:creationId xmlns:a16="http://schemas.microsoft.com/office/drawing/2014/main" id="{2B6DDCBB-A1FC-A75A-66EA-3C45D03F16BC}"/>
+                </a:ext>
+              </a:extLst>
+            </p:cNvPr>
+            <p:cNvSpPr/>
+            <p:nvPr/>
+          </p:nvSpPr>
+          <p:spPr>
+            <a:xfrm>
+              <a:off x="6221518" y="4180567"/>
+              <a:ext cx="2975146" cy="1479419"/>
+            </a:xfrm>
+            <a:prstGeom prst="roundRect">
+              <a:avLst>
+                <a:gd name="adj" fmla="val 13606"/>
+              </a:avLst>
+            </a:prstGeom>
+            <a:solidFill>
+              <a:srgbClr val="F3F3F3"/>
+            </a:solidFill>
+            <a:ln>
+              <a:noFill/>
+            </a:ln>
+          </p:spPr>
+          <p:style>
+            <a:lnRef idx="2">
+              <a:schemeClr val="accent1">
+                <a:shade val="15000"/>
+              </a:schemeClr>
+            </a:lnRef>
+            <a:fillRef idx="1">
+              <a:schemeClr val="accent1"/>
+            </a:fillRef>
+            <a:effectRef idx="0">
+              <a:schemeClr val="accent1"/>
+            </a:effectRef>
+            <a:fontRef idx="minor">
+              <a:schemeClr val="lt1"/>
+            </a:fontRef>
+          </p:style>
+          <p:txBody>
+            <a:bodyPr rtlCol="0" anchor="ctr"/>
+            <a:lstStyle/>
+            <a:p>
+              <a:pPr algn="ctr"/>
+              <a:endParaRPr kumimoji="1" lang="zh-CN" altLang="en-US" sz="2000">
+                <a:solidFill>
+                  <a:schemeClr val="tx1"/>
+                </a:solidFill>
+                <a:latin typeface="Calibri" panose="020F0502020204030204" pitchFamily="34" charset="0"/>
+                <a:cs typeface="Calibri" panose="020F0502020204030204" pitchFamily="34" charset="0"/>
+              </a:endParaRPr>
+            </a:p>
+          </p:txBody>
+        </p:sp>
+        <p:sp>
+          <p:nvSpPr>
+            <p:cNvPr id="81" name="文本框 80">
+              <a:extLst>
+                <a:ext uri="{FF2B5EF4-FFF2-40B4-BE49-F238E27FC236}">
+                  <a16:creationId xmlns:a16="http://schemas.microsoft.com/office/drawing/2014/main" id="{AC1609D3-C81F-4ABD-1656-DD4C4DA47DF0}"/>
+                </a:ext>
+              </a:extLst>
+            </p:cNvPr>
+            <p:cNvSpPr txBox="1"/>
+            <p:nvPr/>
+          </p:nvSpPr>
+          <p:spPr>
+            <a:xfrm>
+              <a:off x="6087127" y="4081896"/>
+              <a:ext cx="3085007" cy="1508105"/>
+            </a:xfrm>
+            <a:prstGeom prst="rect">
+              <a:avLst/>
+            </a:prstGeom>
+            <a:noFill/>
+          </p:spPr>
+          <p:txBody>
+            <a:bodyPr wrap="square" rtlCol="0">
+              <a:spAutoFit/>
+            </a:bodyPr>
+            <a:lstStyle/>
+            <a:p>
+              <a:pPr algn="ctr"/>
+              <a:r>
+                <a:rPr kumimoji="1" lang="en-US" altLang="zh-CN" sz="2800" b="1" dirty="0">
+                  <a:latin typeface="Calibri" panose="020F0502020204030204" pitchFamily="34" charset="0"/>
+                  <a:ea typeface="Helvetica Neue" panose="02000503000000020004" pitchFamily="2" charset="0"/>
+                  <a:cs typeface="Calibri" panose="020F0502020204030204" pitchFamily="34" charset="0"/>
+                </a:rPr>
+                <a:t>Scan</a:t>
+              </a:r>
+              <a:r>
+                <a:rPr kumimoji="1" lang="zh-CN" altLang="en-US" sz="2400" b="1" dirty="0">
+                  <a:latin typeface="Calibri" panose="020F0502020204030204" pitchFamily="34" charset="0"/>
+                  <a:ea typeface="Helvetica Neue" panose="02000503000000020004" pitchFamily="2" charset="0"/>
+                  <a:cs typeface="Calibri" panose="020F0502020204030204" pitchFamily="34" charset="0"/>
+                </a:rPr>
+                <a:t>  </a:t>
+              </a:r>
+              <a:endParaRPr kumimoji="1" lang="en-US" altLang="zh-CN" sz="2400" b="1" dirty="0">
+                <a:latin typeface="Calibri" panose="020F0502020204030204" pitchFamily="34" charset="0"/>
+                <a:ea typeface="Helvetica Neue" panose="02000503000000020004" pitchFamily="2" charset="0"/>
+                <a:cs typeface="Calibri" panose="020F0502020204030204" pitchFamily="34" charset="0"/>
+              </a:endParaRPr>
+            </a:p>
+            <a:p>
+              <a:pPr algn="ctr"/>
+              <a:r>
+                <a:rPr kumimoji="1" lang="en-US" altLang="zh-CN" sz="2400" dirty="0">
+                  <a:latin typeface="Calibri" panose="020F0502020204030204" pitchFamily="34" charset="0"/>
+                  <a:ea typeface="Helvetica Neue" panose="02000503000000020004" pitchFamily="2" charset="0"/>
+                  <a:cs typeface="Calibri" panose="020F0502020204030204" pitchFamily="34" charset="0"/>
+                </a:rPr>
+                <a:t>KEYWORD</a:t>
+              </a:r>
+            </a:p>
+            <a:p>
+              <a:pPr algn="ctr"/>
+              <a:r>
+                <a:rPr kumimoji="1" lang="en" altLang="zh-CN" sz="2000" dirty="0">
+                  <a:latin typeface="Calibri" panose="020F0502020204030204" pitchFamily="34" charset="0"/>
+                  <a:ea typeface="Menlo" panose="020B0609030804020204" pitchFamily="49" charset="0"/>
+                  <a:cs typeface="Calibri" panose="020F0502020204030204" pitchFamily="34" charset="0"/>
+                </a:rPr>
+                <a:t>(keyword = “character-name-in-title”)</a:t>
+              </a:r>
+            </a:p>
+          </p:txBody>
+        </p:sp>
+      </p:grpSp>
+      <p:grpSp>
+        <p:nvGrpSpPr>
+          <p:cNvPr id="83" name="组合 82">
+            <a:extLst>
+              <a:ext uri="{FF2B5EF4-FFF2-40B4-BE49-F238E27FC236}">
+                <a16:creationId xmlns:a16="http://schemas.microsoft.com/office/drawing/2014/main" id="{6AE25D2A-74AC-7C78-06F7-CE680B7CD87C}"/>
+              </a:ext>
+            </a:extLst>
+          </p:cNvPr>
+          <p:cNvGrpSpPr/>
+          <p:nvPr/>
+        </p:nvGrpSpPr>
+        <p:grpSpPr>
+          <a:xfrm>
+            <a:off x="-3124464" y="4010484"/>
+            <a:ext cx="3182162" cy="938376"/>
+            <a:chOff x="6118010" y="4270496"/>
+            <a:chExt cx="3182162" cy="938376"/>
+          </a:xfrm>
+        </p:grpSpPr>
+        <p:sp>
+          <p:nvSpPr>
+            <p:cNvPr id="85" name="圆角矩形 84">
+              <a:extLst>
+                <a:ext uri="{FF2B5EF4-FFF2-40B4-BE49-F238E27FC236}">
+                  <a16:creationId xmlns:a16="http://schemas.microsoft.com/office/drawing/2014/main" id="{BB948851-6162-D065-E215-43DC3B5C75CB}"/>
+                </a:ext>
+              </a:extLst>
+            </p:cNvPr>
+            <p:cNvSpPr/>
+            <p:nvPr/>
+          </p:nvSpPr>
+          <p:spPr>
+            <a:xfrm>
+              <a:off x="6221518" y="4316320"/>
+              <a:ext cx="2975146" cy="892552"/>
+            </a:xfrm>
+            <a:prstGeom prst="roundRect">
+              <a:avLst>
+                <a:gd name="adj" fmla="val 13606"/>
+              </a:avLst>
+            </a:prstGeom>
+            <a:solidFill>
+              <a:srgbClr val="F3F3F3"/>
+            </a:solidFill>
+            <a:ln>
+              <a:noFill/>
+            </a:ln>
+          </p:spPr>
+          <p:style>
+            <a:lnRef idx="2">
+              <a:schemeClr val="accent1">
+                <a:shade val="15000"/>
+              </a:schemeClr>
+            </a:lnRef>
+            <a:fillRef idx="1">
+              <a:schemeClr val="accent1"/>
+            </a:fillRef>
+            <a:effectRef idx="0">
+              <a:schemeClr val="accent1"/>
+            </a:effectRef>
+            <a:fontRef idx="minor">
+              <a:schemeClr val="lt1"/>
+            </a:fontRef>
+          </p:style>
+          <p:txBody>
+            <a:bodyPr rtlCol="0" anchor="ctr"/>
+            <a:lstStyle/>
+            <a:p>
+              <a:pPr algn="ctr"/>
+              <a:endParaRPr kumimoji="1" lang="zh-CN" altLang="en-US" sz="2000">
+                <a:solidFill>
+                  <a:schemeClr val="tx1"/>
+                </a:solidFill>
+                <a:latin typeface="Calibri" panose="020F0502020204030204" pitchFamily="34" charset="0"/>
+                <a:cs typeface="Calibri" panose="020F0502020204030204" pitchFamily="34" charset="0"/>
+              </a:endParaRPr>
+            </a:p>
+          </p:txBody>
+        </p:sp>
+        <p:sp>
+          <p:nvSpPr>
+            <p:cNvPr id="86" name="文本框 85">
+              <a:extLst>
+                <a:ext uri="{FF2B5EF4-FFF2-40B4-BE49-F238E27FC236}">
+                  <a16:creationId xmlns:a16="http://schemas.microsoft.com/office/drawing/2014/main" id="{8B1AB9D4-31E7-3CD0-AA49-56FB1ECA6783}"/>
+                </a:ext>
+              </a:extLst>
+            </p:cNvPr>
+            <p:cNvSpPr txBox="1"/>
+            <p:nvPr/>
+          </p:nvSpPr>
+          <p:spPr>
+            <a:xfrm>
+              <a:off x="6118010" y="4270496"/>
+              <a:ext cx="3182162" cy="892552"/>
+            </a:xfrm>
+            <a:prstGeom prst="rect">
+              <a:avLst/>
+            </a:prstGeom>
+            <a:noFill/>
+          </p:spPr>
+          <p:txBody>
+            <a:bodyPr wrap="square" rtlCol="0">
+              <a:spAutoFit/>
+            </a:bodyPr>
+            <a:lstStyle/>
+            <a:p>
+              <a:pPr algn="ctr"/>
+              <a:r>
+                <a:rPr kumimoji="1" lang="en-US" altLang="zh-CN" sz="2800" b="1" dirty="0">
+                  <a:latin typeface="Calibri" panose="020F0502020204030204" pitchFamily="34" charset="0"/>
+                  <a:ea typeface="Helvetica Neue" panose="02000503000000020004" pitchFamily="2" charset="0"/>
+                  <a:cs typeface="Calibri" panose="020F0502020204030204" pitchFamily="34" charset="0"/>
+                </a:rPr>
+                <a:t>Scan</a:t>
+              </a:r>
+              <a:r>
+                <a:rPr kumimoji="1" lang="zh-CN" altLang="en-US" sz="2400" b="1" dirty="0">
+                  <a:latin typeface="Calibri" panose="020F0502020204030204" pitchFamily="34" charset="0"/>
+                  <a:ea typeface="Helvetica Neue" panose="02000503000000020004" pitchFamily="2" charset="0"/>
+                  <a:cs typeface="Calibri" panose="020F0502020204030204" pitchFamily="34" charset="0"/>
+                </a:rPr>
+                <a:t>  </a:t>
+              </a:r>
+              <a:endParaRPr kumimoji="1" lang="en-US" altLang="zh-CN" sz="2400" b="1" dirty="0">
+                <a:latin typeface="Calibri" panose="020F0502020204030204" pitchFamily="34" charset="0"/>
+                <a:ea typeface="Helvetica Neue" panose="02000503000000020004" pitchFamily="2" charset="0"/>
+                <a:cs typeface="Calibri" panose="020F0502020204030204" pitchFamily="34" charset="0"/>
+              </a:endParaRPr>
+            </a:p>
+            <a:p>
+              <a:pPr algn="ctr"/>
+              <a:r>
+                <a:rPr kumimoji="1" lang="en-US" altLang="zh-CN" sz="2400" dirty="0">
+                  <a:latin typeface="Calibri" panose="020F0502020204030204" pitchFamily="34" charset="0"/>
+                  <a:ea typeface="Helvetica Neue" panose="02000503000000020004" pitchFamily="2" charset="0"/>
+                  <a:cs typeface="Calibri" panose="020F0502020204030204" pitchFamily="34" charset="0"/>
+                </a:rPr>
+                <a:t>MOVIE_KEYWORD</a:t>
+              </a:r>
+              <a:endParaRPr kumimoji="1" lang="zh-CN" altLang="en-US" sz="2400" dirty="0">
+                <a:latin typeface="Calibri" panose="020F0502020204030204" pitchFamily="34" charset="0"/>
+                <a:cs typeface="Calibri" panose="020F0502020204030204" pitchFamily="34" charset="0"/>
+              </a:endParaRPr>
+            </a:p>
+          </p:txBody>
+        </p:sp>
+      </p:grpSp>
+      <p:grpSp>
+        <p:nvGrpSpPr>
+          <p:cNvPr id="88" name="组合 87">
+            <a:extLst>
+              <a:ext uri="{FF2B5EF4-FFF2-40B4-BE49-F238E27FC236}">
+                <a16:creationId xmlns:a16="http://schemas.microsoft.com/office/drawing/2014/main" id="{69441AE1-B7A0-769E-02EF-EB7CB2EB10C0}"/>
+              </a:ext>
+            </a:extLst>
+          </p:cNvPr>
+          <p:cNvGrpSpPr/>
+          <p:nvPr/>
+        </p:nvGrpSpPr>
+        <p:grpSpPr>
+          <a:xfrm>
+            <a:off x="10827191" y="2869283"/>
+            <a:ext cx="3330820" cy="1302844"/>
+            <a:chOff x="5983100" y="4180568"/>
+            <a:chExt cx="3330820" cy="1302844"/>
+          </a:xfrm>
+        </p:grpSpPr>
+        <p:sp>
+          <p:nvSpPr>
+            <p:cNvPr id="89" name="圆角矩形 88">
+              <a:extLst>
+                <a:ext uri="{FF2B5EF4-FFF2-40B4-BE49-F238E27FC236}">
+                  <a16:creationId xmlns:a16="http://schemas.microsoft.com/office/drawing/2014/main" id="{ABE9FE6C-5DC3-9AB8-50A4-D2DFB24CA75E}"/>
+                </a:ext>
+              </a:extLst>
+            </p:cNvPr>
+            <p:cNvSpPr/>
+            <p:nvPr/>
+          </p:nvSpPr>
+          <p:spPr>
+            <a:xfrm>
+              <a:off x="6221518" y="4180568"/>
+              <a:ext cx="2975146" cy="1302844"/>
+            </a:xfrm>
+            <a:prstGeom prst="roundRect">
+              <a:avLst>
+                <a:gd name="adj" fmla="val 13606"/>
+              </a:avLst>
+            </a:prstGeom>
+            <a:solidFill>
+              <a:srgbClr val="F3F3F3"/>
+            </a:solidFill>
+            <a:ln>
+              <a:noFill/>
+            </a:ln>
+          </p:spPr>
+          <p:style>
+            <a:lnRef idx="2">
+              <a:schemeClr val="accent1">
+                <a:shade val="15000"/>
+              </a:schemeClr>
+            </a:lnRef>
+            <a:fillRef idx="1">
+              <a:schemeClr val="accent1"/>
+            </a:fillRef>
+            <a:effectRef idx="0">
+              <a:schemeClr val="accent1"/>
+            </a:effectRef>
+            <a:fontRef idx="minor">
+              <a:schemeClr val="lt1"/>
+            </a:fontRef>
+          </p:style>
+          <p:txBody>
+            <a:bodyPr rtlCol="0" anchor="ctr"/>
+            <a:lstStyle/>
+            <a:p>
+              <a:pPr algn="ctr"/>
+              <a:endParaRPr kumimoji="1" lang="zh-CN" altLang="en-US" sz="2000">
+                <a:solidFill>
+                  <a:schemeClr val="tx1"/>
+                </a:solidFill>
+                <a:latin typeface="Calibri" panose="020F0502020204030204" pitchFamily="34" charset="0"/>
+                <a:cs typeface="Calibri" panose="020F0502020204030204" pitchFamily="34" charset="0"/>
+              </a:endParaRPr>
+            </a:p>
+          </p:txBody>
+        </p:sp>
+        <p:sp>
+          <p:nvSpPr>
+            <p:cNvPr id="90" name="文本框 89">
+              <a:extLst>
+                <a:ext uri="{FF2B5EF4-FFF2-40B4-BE49-F238E27FC236}">
+                  <a16:creationId xmlns:a16="http://schemas.microsoft.com/office/drawing/2014/main" id="{75A9F5E4-2500-14DB-00D9-5D28842C00B8}"/>
+                </a:ext>
+              </a:extLst>
+            </p:cNvPr>
+            <p:cNvSpPr txBox="1"/>
+            <p:nvPr/>
+          </p:nvSpPr>
+          <p:spPr>
+            <a:xfrm>
+              <a:off x="5983100" y="4180928"/>
+              <a:ext cx="3330820" cy="1200329"/>
+            </a:xfrm>
+            <a:prstGeom prst="rect">
+              <a:avLst/>
+            </a:prstGeom>
+            <a:noFill/>
+          </p:spPr>
+          <p:txBody>
+            <a:bodyPr wrap="square" rtlCol="0">
+              <a:spAutoFit/>
+            </a:bodyPr>
+            <a:lstStyle/>
+            <a:p>
+              <a:pPr algn="ctr"/>
+              <a:r>
+                <a:rPr kumimoji="1" lang="en-US" altLang="zh-CN" sz="2800" b="1" dirty="0">
+                  <a:latin typeface="Calibri" panose="020F0502020204030204" pitchFamily="34" charset="0"/>
+                  <a:ea typeface="Helvetica Neue" panose="02000503000000020004" pitchFamily="2" charset="0"/>
+                  <a:cs typeface="Calibri" panose="020F0502020204030204" pitchFamily="34" charset="0"/>
+                </a:rPr>
+                <a:t>Scan</a:t>
+              </a:r>
+              <a:r>
+                <a:rPr kumimoji="1" lang="zh-CN" altLang="en-US" sz="2400" b="1" dirty="0">
+                  <a:latin typeface="Calibri" panose="020F0502020204030204" pitchFamily="34" charset="0"/>
+                  <a:ea typeface="Helvetica Neue" panose="02000503000000020004" pitchFamily="2" charset="0"/>
+                  <a:cs typeface="Calibri" panose="020F0502020204030204" pitchFamily="34" charset="0"/>
+                </a:rPr>
+                <a:t>  </a:t>
+              </a:r>
+              <a:endParaRPr kumimoji="1" lang="en-US" altLang="zh-CN" sz="2400" b="1" dirty="0">
+                <a:latin typeface="Calibri" panose="020F0502020204030204" pitchFamily="34" charset="0"/>
+                <a:ea typeface="Helvetica Neue" panose="02000503000000020004" pitchFamily="2" charset="0"/>
+                <a:cs typeface="Calibri" panose="020F0502020204030204" pitchFamily="34" charset="0"/>
+              </a:endParaRPr>
+            </a:p>
+            <a:p>
+              <a:pPr algn="ctr"/>
+              <a:r>
+                <a:rPr kumimoji="1" lang="en-US" altLang="zh-CN" sz="2400" dirty="0">
+                  <a:latin typeface="Calibri" panose="020F0502020204030204" pitchFamily="34" charset="0"/>
+                  <a:ea typeface="Helvetica Neue" panose="02000503000000020004" pitchFamily="2" charset="0"/>
+                  <a:cs typeface="Calibri" panose="020F0502020204030204" pitchFamily="34" charset="0"/>
+                </a:rPr>
+                <a:t>COMPANY_NAME</a:t>
+              </a:r>
+            </a:p>
+            <a:p>
+              <a:pPr algn="ctr"/>
+              <a:r>
+                <a:rPr kumimoji="1" lang="en" altLang="zh-CN" sz="2000" dirty="0">
+                  <a:latin typeface="Calibri" panose="020F0502020204030204" pitchFamily="34" charset="0"/>
+                  <a:ea typeface="Menlo" panose="020B0609030804020204" pitchFamily="49" charset="0"/>
+                  <a:cs typeface="Calibri" panose="020F0502020204030204" pitchFamily="34" charset="0"/>
+                </a:rPr>
+                <a:t>(</a:t>
+              </a:r>
+              <a:r>
+                <a:rPr kumimoji="1" lang="en" altLang="zh-CN" sz="2000" dirty="0" err="1">
+                  <a:latin typeface="Calibri" panose="020F0502020204030204" pitchFamily="34" charset="0"/>
+                  <a:ea typeface="Menlo" panose="020B0609030804020204" pitchFamily="49" charset="0"/>
+                  <a:cs typeface="Calibri" panose="020F0502020204030204" pitchFamily="34" charset="0"/>
+                </a:rPr>
+                <a:t>country_code</a:t>
+              </a:r>
+              <a:r>
+                <a:rPr kumimoji="1" lang="en" altLang="zh-CN" sz="2000" dirty="0">
+                  <a:latin typeface="Calibri" panose="020F0502020204030204" pitchFamily="34" charset="0"/>
+                  <a:ea typeface="Menlo" panose="020B0609030804020204" pitchFamily="49" charset="0"/>
+                  <a:cs typeface="Calibri" panose="020F0502020204030204" pitchFamily="34" charset="0"/>
+                </a:rPr>
+                <a:t> = “[us]”)</a:t>
+              </a:r>
+              <a:endParaRPr kumimoji="1" lang="zh-CN" altLang="en-US" sz="2000" dirty="0">
+                <a:latin typeface="Calibri" panose="020F0502020204030204" pitchFamily="34" charset="0"/>
+                <a:cs typeface="Calibri" panose="020F0502020204030204" pitchFamily="34" charset="0"/>
+              </a:endParaRPr>
+            </a:p>
+          </p:txBody>
+        </p:sp>
+      </p:grpSp>
+      <p:sp>
+        <p:nvSpPr>
+          <p:cNvPr id="91" name="圆角矩形 90">
+            <a:extLst>
+              <a:ext uri="{FF2B5EF4-FFF2-40B4-BE49-F238E27FC236}">
+                <a16:creationId xmlns:a16="http://schemas.microsoft.com/office/drawing/2014/main" id="{9662B9A4-6514-0B46-08FC-6732A0933170}"/>
+              </a:ext>
+            </a:extLst>
+          </p:cNvPr>
+          <p:cNvSpPr/>
+          <p:nvPr/>
+        </p:nvSpPr>
+        <p:spPr>
+          <a:xfrm>
+            <a:off x="333156" y="1755812"/>
+            <a:ext cx="1769369" cy="795366"/>
+          </a:xfrm>
+          <a:prstGeom prst="roundRect">
+            <a:avLst>
+              <a:gd name="adj" fmla="val 13606"/>
+            </a:avLst>
+          </a:prstGeom>
+          <a:solidFill>
+            <a:srgbClr val="F3F3F3"/>
+          </a:solidFill>
+          <a:ln>
+            <a:noFill/>
+          </a:ln>
+        </p:spPr>
+        <p:style>
+          <a:lnRef idx="2">
+            <a:schemeClr val="accent1">
+              <a:shade val="15000"/>
+            </a:schemeClr>
+          </a:lnRef>
+          <a:fillRef idx="1">
+            <a:schemeClr val="accent1"/>
+          </a:fillRef>
+          <a:effectRef idx="0">
+            <a:schemeClr val="accent1"/>
+          </a:effectRef>
+          <a:fontRef idx="minor">
+            <a:schemeClr val="lt1"/>
+          </a:fontRef>
+        </p:style>
+        <p:txBody>
+          <a:bodyPr rtlCol="0" anchor="ctr"/>
+          <a:lstStyle/>
+          <a:p>
+            <a:pPr algn="ctr"/>
+            <a:endParaRPr kumimoji="1" lang="zh-CN" altLang="en-US" sz="2000">
+              <a:solidFill>
+                <a:schemeClr val="tx1"/>
+              </a:solidFill>
+              <a:latin typeface="Calibri" panose="020F0502020204030204" pitchFamily="34" charset="0"/>
+              <a:cs typeface="Calibri" panose="020F0502020204030204" pitchFamily="34" charset="0"/>
+            </a:endParaRPr>
+          </a:p>
+        </p:txBody>
+      </p:sp>
+      <p:cxnSp>
+        <p:nvCxnSpPr>
+          <p:cNvPr id="92" name="直线箭头连接符 91">
+            <a:extLst>
+              <a:ext uri="{FF2B5EF4-FFF2-40B4-BE49-F238E27FC236}">
+                <a16:creationId xmlns:a16="http://schemas.microsoft.com/office/drawing/2014/main" id="{EAB1BEB7-E54B-B601-301F-CF9305B88148}"/>
+              </a:ext>
+            </a:extLst>
+          </p:cNvPr>
+          <p:cNvCxnSpPr>
+            <a:cxnSpLocks/>
+            <a:stCxn id="89" idx="1"/>
+            <a:endCxn id="130" idx="3"/>
+          </p:cNvCxnSpPr>
+          <p:nvPr/>
+        </p:nvCxnSpPr>
+        <p:spPr>
+          <a:xfrm flipH="1" flipV="1">
+            <a:off x="10730748" y="3518629"/>
+            <a:ext cx="334861" cy="2076"/>
+          </a:xfrm>
+          <a:prstGeom prst="straightConnector1">
+            <a:avLst/>
+          </a:prstGeom>
+          <a:ln w="28575">
+            <a:solidFill>
+              <a:srgbClr val="8B649D"/>
+            </a:solidFill>
+            <a:tailEnd type="triangle"/>
+          </a:ln>
+        </p:spPr>
+        <p:style>
+          <a:lnRef idx="3">
+            <a:schemeClr val="dk1"/>
+          </a:lnRef>
+          <a:fillRef idx="0">
+            <a:schemeClr val="dk1"/>
+          </a:fillRef>
+          <a:effectRef idx="2">
+            <a:schemeClr val="dk1"/>
+          </a:effectRef>
+          <a:fontRef idx="minor">
+            <a:schemeClr val="tx1"/>
+          </a:fontRef>
+        </p:style>
+      </p:cxnSp>
+      <p:cxnSp>
+        <p:nvCxnSpPr>
+          <p:cNvPr id="93" name="直线箭头连接符 92">
+            <a:extLst>
+              <a:ext uri="{FF2B5EF4-FFF2-40B4-BE49-F238E27FC236}">
+                <a16:creationId xmlns:a16="http://schemas.microsoft.com/office/drawing/2014/main" id="{EAB7D5CF-BB00-0562-B0C9-C1BFFC12A375}"/>
+              </a:ext>
+            </a:extLst>
+          </p:cNvPr>
+          <p:cNvCxnSpPr>
+            <a:cxnSpLocks/>
+            <a:stCxn id="80" idx="1"/>
+            <a:endCxn id="75" idx="3"/>
+          </p:cNvCxnSpPr>
+          <p:nvPr/>
+        </p:nvCxnSpPr>
+        <p:spPr>
+          <a:xfrm flipH="1" flipV="1">
+            <a:off x="2091374" y="4506316"/>
+            <a:ext cx="317741" cy="1545"/>
+          </a:xfrm>
+          <a:prstGeom prst="straightConnector1">
+            <a:avLst/>
+          </a:prstGeom>
+          <a:ln w="28575">
+            <a:solidFill>
+              <a:srgbClr val="8B649D"/>
+            </a:solidFill>
+            <a:tailEnd type="triangle"/>
+          </a:ln>
+        </p:spPr>
+        <p:style>
+          <a:lnRef idx="3">
+            <a:schemeClr val="dk1"/>
+          </a:lnRef>
+          <a:fillRef idx="0">
+            <a:schemeClr val="dk1"/>
+          </a:fillRef>
+          <a:effectRef idx="2">
+            <a:schemeClr val="dk1"/>
+          </a:effectRef>
+          <a:fontRef idx="minor">
+            <a:schemeClr val="tx1"/>
+          </a:fontRef>
+        </p:style>
+      </p:cxnSp>
+      <p:cxnSp>
+        <p:nvCxnSpPr>
+          <p:cNvPr id="94" name="直线箭头连接符 93">
+            <a:extLst>
+              <a:ext uri="{FF2B5EF4-FFF2-40B4-BE49-F238E27FC236}">
+                <a16:creationId xmlns:a16="http://schemas.microsoft.com/office/drawing/2014/main" id="{06258A5B-E8BE-C81B-FD07-721CD3FD9204}"/>
+              </a:ext>
+            </a:extLst>
+          </p:cNvPr>
+          <p:cNvCxnSpPr>
+            <a:cxnSpLocks/>
+            <a:stCxn id="75" idx="0"/>
+            <a:endCxn id="114" idx="2"/>
+          </p:cNvCxnSpPr>
+          <p:nvPr/>
+        </p:nvCxnSpPr>
+        <p:spPr>
+          <a:xfrm flipV="1">
+            <a:off x="1207779" y="3812247"/>
+            <a:ext cx="3545" cy="259971"/>
+          </a:xfrm>
+          <a:prstGeom prst="straightConnector1">
+            <a:avLst/>
+          </a:prstGeom>
+          <a:ln w="28575">
+            <a:solidFill>
+              <a:srgbClr val="8B649D"/>
+            </a:solidFill>
+            <a:tailEnd type="triangle"/>
+          </a:ln>
+        </p:spPr>
+        <p:style>
+          <a:lnRef idx="3">
+            <a:schemeClr val="dk1"/>
+          </a:lnRef>
+          <a:fillRef idx="0">
+            <a:schemeClr val="dk1"/>
+          </a:fillRef>
+          <a:effectRef idx="2">
+            <a:schemeClr val="dk1"/>
+          </a:effectRef>
+          <a:fontRef idx="minor">
+            <a:schemeClr val="tx1"/>
+          </a:fontRef>
+        </p:style>
+      </p:cxnSp>
+      <p:grpSp>
+        <p:nvGrpSpPr>
+          <p:cNvPr id="95" name="组合 94">
+            <a:extLst>
+              <a:ext uri="{FF2B5EF4-FFF2-40B4-BE49-F238E27FC236}">
+                <a16:creationId xmlns:a16="http://schemas.microsoft.com/office/drawing/2014/main" id="{A9AB4FDF-5D3F-1A7F-CB52-BA22459A793A}"/>
+              </a:ext>
+            </a:extLst>
+          </p:cNvPr>
+          <p:cNvGrpSpPr/>
+          <p:nvPr/>
+        </p:nvGrpSpPr>
+        <p:grpSpPr>
+          <a:xfrm>
+            <a:off x="-2847241" y="524442"/>
+            <a:ext cx="2600732" cy="758341"/>
+            <a:chOff x="6221518" y="4450531"/>
+            <a:chExt cx="2975146" cy="758341"/>
+          </a:xfrm>
+        </p:grpSpPr>
+        <p:sp>
+          <p:nvSpPr>
+            <p:cNvPr id="99" name="圆角矩形 98">
+              <a:extLst>
+                <a:ext uri="{FF2B5EF4-FFF2-40B4-BE49-F238E27FC236}">
+                  <a16:creationId xmlns:a16="http://schemas.microsoft.com/office/drawing/2014/main" id="{E402DF83-053F-5D86-BAAF-BA8604DB7413}"/>
+                </a:ext>
+              </a:extLst>
+            </p:cNvPr>
+            <p:cNvSpPr/>
+            <p:nvPr/>
+          </p:nvSpPr>
+          <p:spPr>
+            <a:xfrm>
+              <a:off x="6221518" y="4450531"/>
+              <a:ext cx="2975146" cy="758341"/>
+            </a:xfrm>
+            <a:prstGeom prst="roundRect">
+              <a:avLst>
+                <a:gd name="adj" fmla="val 13606"/>
+              </a:avLst>
+            </a:prstGeom>
+            <a:solidFill>
+              <a:srgbClr val="F3F3F3"/>
+            </a:solidFill>
+            <a:ln>
+              <a:noFill/>
+            </a:ln>
+          </p:spPr>
+          <p:style>
+            <a:lnRef idx="2">
+              <a:schemeClr val="accent1">
+                <a:shade val="15000"/>
+              </a:schemeClr>
+            </a:lnRef>
+            <a:fillRef idx="1">
+              <a:schemeClr val="accent1"/>
+            </a:fillRef>
+            <a:effectRef idx="0">
+              <a:schemeClr val="accent1"/>
+            </a:effectRef>
+            <a:fontRef idx="minor">
+              <a:schemeClr val="lt1"/>
+            </a:fontRef>
+          </p:style>
+          <p:txBody>
+            <a:bodyPr rtlCol="0" anchor="ctr"/>
+            <a:lstStyle/>
+            <a:p>
+              <a:pPr algn="ctr"/>
+              <a:endParaRPr kumimoji="1" lang="zh-CN" altLang="en-US" sz="2000">
+                <a:solidFill>
+                  <a:schemeClr val="tx1"/>
+                </a:solidFill>
+                <a:latin typeface="Calibri" panose="020F0502020204030204" pitchFamily="34" charset="0"/>
+                <a:cs typeface="Calibri" panose="020F0502020204030204" pitchFamily="34" charset="0"/>
+              </a:endParaRPr>
+            </a:p>
+          </p:txBody>
+        </p:sp>
+        <p:sp>
+          <p:nvSpPr>
+            <p:cNvPr id="100" name="文本框 99">
+              <a:extLst>
+                <a:ext uri="{FF2B5EF4-FFF2-40B4-BE49-F238E27FC236}">
+                  <a16:creationId xmlns:a16="http://schemas.microsoft.com/office/drawing/2014/main" id="{861C3875-328C-A071-3F5A-38F77780BB66}"/>
+                </a:ext>
+              </a:extLst>
+            </p:cNvPr>
+            <p:cNvSpPr txBox="1"/>
+            <p:nvPr/>
+          </p:nvSpPr>
+          <p:spPr>
+            <a:xfrm>
+              <a:off x="6474613" y="4539271"/>
+              <a:ext cx="2440817" cy="523220"/>
+            </a:xfrm>
+            <a:prstGeom prst="rect">
+              <a:avLst/>
+            </a:prstGeom>
+            <a:noFill/>
+          </p:spPr>
+          <p:txBody>
+            <a:bodyPr wrap="square" rtlCol="0">
+              <a:spAutoFit/>
+            </a:bodyPr>
+            <a:lstStyle/>
+            <a:p>
+              <a:pPr algn="ctr"/>
+              <a:r>
+                <a:rPr kumimoji="1" lang="en-US" altLang="zh-CN" sz="2800" b="1" dirty="0">
+                  <a:latin typeface="Calibri" panose="020F0502020204030204" pitchFamily="34" charset="0"/>
+                  <a:ea typeface="Helvetica Neue" panose="02000503000000020004" pitchFamily="2" charset="0"/>
+                  <a:cs typeface="Calibri" panose="020F0502020204030204" pitchFamily="34" charset="0"/>
+                </a:rPr>
+                <a:t>Scan</a:t>
+              </a:r>
+              <a:r>
+                <a:rPr kumimoji="1" lang="zh-CN" altLang="en-US" sz="2400" b="1" dirty="0">
+                  <a:latin typeface="Calibri" panose="020F0502020204030204" pitchFamily="34" charset="0"/>
+                  <a:ea typeface="Helvetica Neue" panose="02000503000000020004" pitchFamily="2" charset="0"/>
+                  <a:cs typeface="Calibri" panose="020F0502020204030204" pitchFamily="34" charset="0"/>
+                </a:rPr>
+                <a:t>  </a:t>
+              </a:r>
+              <a:r>
+                <a:rPr kumimoji="1" lang="en-US" altLang="zh-CN" sz="2400" dirty="0">
+                  <a:latin typeface="Calibri" panose="020F0502020204030204" pitchFamily="34" charset="0"/>
+                  <a:ea typeface="Helvetica Neue" panose="02000503000000020004" pitchFamily="2" charset="0"/>
+                  <a:cs typeface="Calibri" panose="020F0502020204030204" pitchFamily="34" charset="0"/>
+                </a:rPr>
+                <a:t>NAME</a:t>
+              </a:r>
+              <a:endParaRPr kumimoji="1" lang="zh-CN" altLang="en-US" sz="2400" dirty="0">
+                <a:latin typeface="Calibri" panose="020F0502020204030204" pitchFamily="34" charset="0"/>
+                <a:cs typeface="Calibri" panose="020F0502020204030204" pitchFamily="34" charset="0"/>
+              </a:endParaRPr>
+            </a:p>
+          </p:txBody>
+        </p:sp>
+      </p:grpSp>
+      <p:grpSp>
+        <p:nvGrpSpPr>
+          <p:cNvPr id="101" name="组合 100">
+            <a:extLst>
+              <a:ext uri="{FF2B5EF4-FFF2-40B4-BE49-F238E27FC236}">
+                <a16:creationId xmlns:a16="http://schemas.microsoft.com/office/drawing/2014/main" id="{6433F949-B4BD-4C70-9B2E-A06E85E6BF5E}"/>
+              </a:ext>
+            </a:extLst>
+          </p:cNvPr>
+          <p:cNvGrpSpPr/>
+          <p:nvPr/>
+        </p:nvGrpSpPr>
+        <p:grpSpPr>
+          <a:xfrm>
+            <a:off x="-3035587" y="1639342"/>
+            <a:ext cx="2975146" cy="1028305"/>
+            <a:chOff x="6221518" y="4180567"/>
+            <a:chExt cx="2975146" cy="1028305"/>
+          </a:xfrm>
+        </p:grpSpPr>
+        <p:sp>
+          <p:nvSpPr>
+            <p:cNvPr id="102" name="圆角矩形 101">
+              <a:extLst>
+                <a:ext uri="{FF2B5EF4-FFF2-40B4-BE49-F238E27FC236}">
+                  <a16:creationId xmlns:a16="http://schemas.microsoft.com/office/drawing/2014/main" id="{0D4CDFA8-BECA-81EE-66D6-9A5D48201E55}"/>
+                </a:ext>
+              </a:extLst>
+            </p:cNvPr>
+            <p:cNvSpPr/>
+            <p:nvPr/>
+          </p:nvSpPr>
+          <p:spPr>
+            <a:xfrm>
+              <a:off x="6221518" y="4180567"/>
+              <a:ext cx="2975146" cy="1028305"/>
+            </a:xfrm>
+            <a:prstGeom prst="roundRect">
+              <a:avLst>
+                <a:gd name="adj" fmla="val 13606"/>
+              </a:avLst>
+            </a:prstGeom>
+            <a:solidFill>
+              <a:srgbClr val="F3F3F3"/>
+            </a:solidFill>
+            <a:ln>
+              <a:noFill/>
+            </a:ln>
+          </p:spPr>
+          <p:style>
+            <a:lnRef idx="2">
+              <a:schemeClr val="accent1">
+                <a:shade val="15000"/>
+              </a:schemeClr>
+            </a:lnRef>
+            <a:fillRef idx="1">
+              <a:schemeClr val="accent1"/>
+            </a:fillRef>
+            <a:effectRef idx="0">
+              <a:schemeClr val="accent1"/>
+            </a:effectRef>
+            <a:fontRef idx="minor">
+              <a:schemeClr val="lt1"/>
+            </a:fontRef>
+          </p:style>
+          <p:txBody>
+            <a:bodyPr rtlCol="0" anchor="ctr"/>
+            <a:lstStyle/>
+            <a:p>
+              <a:pPr algn="ctr"/>
+              <a:endParaRPr kumimoji="1" lang="zh-CN" altLang="en-US" sz="2000">
+                <a:solidFill>
+                  <a:schemeClr val="tx1"/>
+                </a:solidFill>
+                <a:latin typeface="Calibri" panose="020F0502020204030204" pitchFamily="34" charset="0"/>
+                <a:cs typeface="Calibri" panose="020F0502020204030204" pitchFamily="34" charset="0"/>
+              </a:endParaRPr>
+            </a:p>
+          </p:txBody>
+        </p:sp>
+        <p:sp>
+          <p:nvSpPr>
+            <p:cNvPr id="103" name="文本框 102">
+              <a:extLst>
+                <a:ext uri="{FF2B5EF4-FFF2-40B4-BE49-F238E27FC236}">
+                  <a16:creationId xmlns:a16="http://schemas.microsoft.com/office/drawing/2014/main" id="{4CBE435D-C4BE-E947-0A09-99E3BF8F6D76}"/>
+                </a:ext>
+              </a:extLst>
+            </p:cNvPr>
+            <p:cNvSpPr txBox="1"/>
+            <p:nvPr/>
+          </p:nvSpPr>
+          <p:spPr>
+            <a:xfrm>
+              <a:off x="6336715" y="4312175"/>
+              <a:ext cx="2708891" cy="830997"/>
+            </a:xfrm>
+            <a:prstGeom prst="rect">
+              <a:avLst/>
+            </a:prstGeom>
+            <a:noFill/>
+          </p:spPr>
+          <p:txBody>
+            <a:bodyPr wrap="square" rtlCol="0">
+              <a:spAutoFit/>
+            </a:bodyPr>
+            <a:lstStyle/>
+            <a:p>
+              <a:pPr algn="ctr"/>
+              <a:r>
+                <a:rPr kumimoji="1" lang="en-US" altLang="zh-CN" sz="2800" b="1" dirty="0">
+                  <a:latin typeface="Calibri" panose="020F0502020204030204" pitchFamily="34" charset="0"/>
+                  <a:ea typeface="Helvetica Neue" panose="02000503000000020004" pitchFamily="2" charset="0"/>
+                  <a:cs typeface="Calibri" panose="020F0502020204030204" pitchFamily="34" charset="0"/>
+                </a:rPr>
+                <a:t>Selection</a:t>
+              </a:r>
+              <a:r>
+                <a:rPr kumimoji="1" lang="zh-CN" altLang="en-US" sz="2400" b="1" dirty="0">
+                  <a:latin typeface="Calibri" panose="020F0502020204030204" pitchFamily="34" charset="0"/>
+                  <a:ea typeface="Helvetica Neue" panose="02000503000000020004" pitchFamily="2" charset="0"/>
+                  <a:cs typeface="Calibri" panose="020F0502020204030204" pitchFamily="34" charset="0"/>
+                </a:rPr>
+                <a:t>  </a:t>
+              </a:r>
+              <a:endParaRPr kumimoji="1" lang="en-US" altLang="zh-CN" sz="2400" b="1" dirty="0">
+                <a:latin typeface="Calibri" panose="020F0502020204030204" pitchFamily="34" charset="0"/>
+                <a:ea typeface="Helvetica Neue" panose="02000503000000020004" pitchFamily="2" charset="0"/>
+                <a:cs typeface="Calibri" panose="020F0502020204030204" pitchFamily="34" charset="0"/>
+              </a:endParaRPr>
+            </a:p>
+            <a:p>
+              <a:pPr algn="ctr"/>
+              <a:r>
+                <a:rPr kumimoji="1" lang="en" altLang="zh-CN" sz="2000" dirty="0">
+                  <a:latin typeface="Calibri" panose="020F0502020204030204" pitchFamily="34" charset="0"/>
+                  <a:ea typeface="Menlo" panose="020B0609030804020204" pitchFamily="49" charset="0"/>
+                  <a:cs typeface="Calibri" panose="020F0502020204030204" pitchFamily="34" charset="0"/>
+                </a:rPr>
+                <a:t>(name STARTS WITH “B”)</a:t>
+              </a:r>
+            </a:p>
+          </p:txBody>
+        </p:sp>
+      </p:grpSp>
+      <p:cxnSp>
+        <p:nvCxnSpPr>
+          <p:cNvPr id="104" name="直线箭头连接符 103">
+            <a:extLst>
+              <a:ext uri="{FF2B5EF4-FFF2-40B4-BE49-F238E27FC236}">
+                <a16:creationId xmlns:a16="http://schemas.microsoft.com/office/drawing/2014/main" id="{4469BE5C-D911-5362-B271-EF55D528F1E8}"/>
+              </a:ext>
+            </a:extLst>
+          </p:cNvPr>
+          <p:cNvCxnSpPr>
+            <a:cxnSpLocks/>
+            <a:stCxn id="99" idx="2"/>
+            <a:endCxn id="102" idx="0"/>
+          </p:cNvCxnSpPr>
+          <p:nvPr/>
+        </p:nvCxnSpPr>
+        <p:spPr>
+          <a:xfrm flipH="1">
+            <a:off x="-1548014" y="1282783"/>
+            <a:ext cx="1139" cy="356559"/>
+          </a:xfrm>
+          <a:prstGeom prst="straightConnector1">
+            <a:avLst/>
+          </a:prstGeom>
+          <a:ln w="28575">
+            <a:solidFill>
+              <a:srgbClr val="8B649D"/>
+            </a:solidFill>
+            <a:tailEnd type="triangle"/>
+          </a:ln>
+        </p:spPr>
+        <p:style>
+          <a:lnRef idx="3">
+            <a:schemeClr val="dk1"/>
+          </a:lnRef>
+          <a:fillRef idx="0">
+            <a:schemeClr val="dk1"/>
+          </a:fillRef>
+          <a:effectRef idx="2">
+            <a:schemeClr val="dk1"/>
+          </a:effectRef>
+          <a:fontRef idx="minor">
+            <a:schemeClr val="tx1"/>
+          </a:fontRef>
+        </p:style>
+      </p:cxnSp>
+      <p:sp>
+        <p:nvSpPr>
+          <p:cNvPr id="105" name="圆角矩形 104">
+            <a:extLst>
+              <a:ext uri="{FF2B5EF4-FFF2-40B4-BE49-F238E27FC236}">
+                <a16:creationId xmlns:a16="http://schemas.microsoft.com/office/drawing/2014/main" id="{B45C5F27-B481-938F-C375-5A34A734DDC8}"/>
+              </a:ext>
+            </a:extLst>
+          </p:cNvPr>
+          <p:cNvSpPr/>
+          <p:nvPr/>
+        </p:nvSpPr>
+        <p:spPr>
+          <a:xfrm>
+            <a:off x="9396733" y="2061970"/>
+            <a:ext cx="1334020" cy="725306"/>
+          </a:xfrm>
+          <a:prstGeom prst="roundRect">
+            <a:avLst>
+              <a:gd name="adj" fmla="val 13606"/>
+            </a:avLst>
+          </a:prstGeom>
+          <a:solidFill>
+            <a:srgbClr val="F3F3F3"/>
+          </a:solidFill>
+          <a:ln>
+            <a:noFill/>
+          </a:ln>
+        </p:spPr>
+        <p:style>
+          <a:lnRef idx="2">
+            <a:schemeClr val="accent1">
+              <a:shade val="15000"/>
+            </a:schemeClr>
+          </a:lnRef>
+          <a:fillRef idx="1">
+            <a:schemeClr val="accent1"/>
+          </a:fillRef>
+          <a:effectRef idx="0">
+            <a:schemeClr val="accent1"/>
+          </a:effectRef>
+          <a:fontRef idx="minor">
+            <a:schemeClr val="lt1"/>
+          </a:fontRef>
+        </p:style>
+        <p:txBody>
+          <a:bodyPr rtlCol="0" anchor="ctr"/>
+          <a:lstStyle/>
+          <a:p>
+            <a:pPr algn="ctr"/>
+            <a:endParaRPr kumimoji="1" lang="zh-CN" altLang="en-US" sz="2000">
+              <a:solidFill>
+                <a:schemeClr val="tx1"/>
+              </a:solidFill>
+              <a:latin typeface="Calibri" panose="020F0502020204030204" pitchFamily="34" charset="0"/>
+              <a:cs typeface="Calibri" panose="020F0502020204030204" pitchFamily="34" charset="0"/>
+            </a:endParaRPr>
+          </a:p>
+        </p:txBody>
+      </p:sp>
+      <p:cxnSp>
+        <p:nvCxnSpPr>
+          <p:cNvPr id="106" name="直线箭头连接符 105">
+            <a:extLst>
+              <a:ext uri="{FF2B5EF4-FFF2-40B4-BE49-F238E27FC236}">
+                <a16:creationId xmlns:a16="http://schemas.microsoft.com/office/drawing/2014/main" id="{BC6D2625-2211-B86B-EA85-5C22E7DB9CE7}"/>
+              </a:ext>
+            </a:extLst>
+          </p:cNvPr>
+          <p:cNvCxnSpPr>
+            <a:cxnSpLocks/>
+            <a:stCxn id="102" idx="3"/>
+            <a:endCxn id="91" idx="1"/>
+          </p:cNvCxnSpPr>
+          <p:nvPr/>
+        </p:nvCxnSpPr>
+        <p:spPr>
+          <a:xfrm>
+            <a:off x="-60441" y="2153495"/>
+            <a:ext cx="393597" cy="0"/>
+          </a:xfrm>
+          <a:prstGeom prst="straightConnector1">
+            <a:avLst/>
+          </a:prstGeom>
+          <a:ln w="28575">
+            <a:solidFill>
+              <a:srgbClr val="8B649D"/>
+            </a:solidFill>
+            <a:tailEnd type="triangle"/>
+          </a:ln>
+        </p:spPr>
+        <p:style>
+          <a:lnRef idx="3">
+            <a:schemeClr val="dk1"/>
+          </a:lnRef>
+          <a:fillRef idx="0">
+            <a:schemeClr val="dk1"/>
+          </a:fillRef>
+          <a:effectRef idx="2">
+            <a:schemeClr val="dk1"/>
+          </a:effectRef>
+          <a:fontRef idx="minor">
+            <a:schemeClr val="tx1"/>
+          </a:fontRef>
+        </p:style>
+      </p:cxnSp>
+      <p:cxnSp>
+        <p:nvCxnSpPr>
+          <p:cNvPr id="107" name="直线箭头连接符 106">
+            <a:extLst>
+              <a:ext uri="{FF2B5EF4-FFF2-40B4-BE49-F238E27FC236}">
+                <a16:creationId xmlns:a16="http://schemas.microsoft.com/office/drawing/2014/main" id="{9579CE06-F2CC-BC21-B8B3-A95FF212C3D6}"/>
+              </a:ext>
+            </a:extLst>
+          </p:cNvPr>
+          <p:cNvCxnSpPr>
+            <a:cxnSpLocks/>
+            <a:stCxn id="130" idx="0"/>
+            <a:endCxn id="105" idx="2"/>
+          </p:cNvCxnSpPr>
+          <p:nvPr/>
+        </p:nvCxnSpPr>
+        <p:spPr>
+          <a:xfrm flipH="1" flipV="1">
+            <a:off x="10063743" y="2787276"/>
+            <a:ext cx="1413" cy="337168"/>
+          </a:xfrm>
+          <a:prstGeom prst="straightConnector1">
+            <a:avLst/>
+          </a:prstGeom>
+          <a:ln w="28575">
+            <a:solidFill>
+              <a:srgbClr val="8B649D"/>
+            </a:solidFill>
+            <a:tailEnd type="triangle"/>
+          </a:ln>
+        </p:spPr>
+        <p:style>
+          <a:lnRef idx="3">
+            <a:schemeClr val="dk1"/>
+          </a:lnRef>
+          <a:fillRef idx="0">
+            <a:schemeClr val="dk1"/>
+          </a:fillRef>
+          <a:effectRef idx="2">
+            <a:schemeClr val="dk1"/>
+          </a:effectRef>
+          <a:fontRef idx="minor">
+            <a:schemeClr val="tx1"/>
+          </a:fontRef>
+        </p:style>
+      </p:cxnSp>
+      <p:sp>
+        <p:nvSpPr>
+          <p:cNvPr id="108" name="圆角矩形 107">
+            <a:extLst>
+              <a:ext uri="{FF2B5EF4-FFF2-40B4-BE49-F238E27FC236}">
+                <a16:creationId xmlns:a16="http://schemas.microsoft.com/office/drawing/2014/main" id="{ADFCB62E-8E55-C3F1-52C1-94063CB0BD69}"/>
+              </a:ext>
+            </a:extLst>
+          </p:cNvPr>
+          <p:cNvSpPr/>
+          <p:nvPr/>
+        </p:nvSpPr>
+        <p:spPr>
+          <a:xfrm>
+            <a:off x="8463748" y="974930"/>
+            <a:ext cx="3078654" cy="895280"/>
+          </a:xfrm>
+          <a:prstGeom prst="roundRect">
+            <a:avLst>
+              <a:gd name="adj" fmla="val 16118"/>
+            </a:avLst>
+          </a:prstGeom>
+          <a:solidFill>
+            <a:srgbClr val="F3F3F3"/>
+          </a:solidFill>
+          <a:ln>
+            <a:noFill/>
+          </a:ln>
+        </p:spPr>
+        <p:style>
+          <a:lnRef idx="2">
+            <a:schemeClr val="accent1">
+              <a:shade val="15000"/>
+            </a:schemeClr>
+          </a:lnRef>
+          <a:fillRef idx="1">
+            <a:schemeClr val="accent1"/>
+          </a:fillRef>
+          <a:effectRef idx="0">
+            <a:schemeClr val="accent1"/>
+          </a:effectRef>
+          <a:fontRef idx="minor">
+            <a:schemeClr val="lt1"/>
+          </a:fontRef>
+        </p:style>
+        <p:txBody>
+          <a:bodyPr rtlCol="0" anchor="ctr"/>
+          <a:lstStyle/>
+          <a:p>
+            <a:pPr algn="ctr"/>
+            <a:endParaRPr kumimoji="1" lang="zh-CN" altLang="en-US" sz="2000" dirty="0">
+              <a:solidFill>
+                <a:schemeClr val="tx1"/>
+              </a:solidFill>
+              <a:latin typeface="Calibri" panose="020F0502020204030204" pitchFamily="34" charset="0"/>
+              <a:cs typeface="Calibri" panose="020F0502020204030204" pitchFamily="34" charset="0"/>
+            </a:endParaRPr>
+          </a:p>
+        </p:txBody>
+      </p:sp>
+      <p:sp>
+        <p:nvSpPr>
+          <p:cNvPr id="109" name="文本框 108">
+            <a:extLst>
+              <a:ext uri="{FF2B5EF4-FFF2-40B4-BE49-F238E27FC236}">
+                <a16:creationId xmlns:a16="http://schemas.microsoft.com/office/drawing/2014/main" id="{1E68473E-FB7F-00D4-4EDD-C43FE878E650}"/>
+              </a:ext>
+            </a:extLst>
+          </p:cNvPr>
+          <p:cNvSpPr txBox="1"/>
+          <p:nvPr/>
+        </p:nvSpPr>
+        <p:spPr>
+          <a:xfrm>
+            <a:off x="8738954" y="974930"/>
+            <a:ext cx="2649578" cy="892552"/>
+          </a:xfrm>
+          <a:prstGeom prst="rect">
+            <a:avLst/>
+          </a:prstGeom>
+          <a:noFill/>
+        </p:spPr>
+        <p:txBody>
+          <a:bodyPr wrap="square" rtlCol="0">
+            <a:spAutoFit/>
+          </a:bodyPr>
+          <a:lstStyle/>
+          <a:p>
+            <a:pPr algn="ctr"/>
+            <a:r>
+              <a:rPr kumimoji="1" lang="en-US" altLang="zh-CN" sz="2800" b="1" dirty="0">
+                <a:latin typeface="Calibri" panose="020F0502020204030204" pitchFamily="34" charset="0"/>
+                <a:ea typeface="Helvetica Neue" panose="02000503000000020004" pitchFamily="2" charset="0"/>
+                <a:cs typeface="Calibri" panose="020F0502020204030204" pitchFamily="34" charset="0"/>
+              </a:rPr>
+              <a:t>Projection</a:t>
+            </a:r>
+          </a:p>
+          <a:p>
+            <a:pPr algn="ctr"/>
+            <a:r>
+              <a:rPr kumimoji="1" lang="en" altLang="zh-CN" sz="2400" dirty="0" err="1">
+                <a:latin typeface="Calibri" panose="020F0502020204030204" pitchFamily="34" charset="0"/>
+                <a:ea typeface="Menlo" panose="020B0609030804020204" pitchFamily="49" charset="0"/>
+                <a:cs typeface="Calibri" panose="020F0502020204030204" pitchFamily="34" charset="0"/>
+              </a:rPr>
+              <a:t>n.name</a:t>
+            </a:r>
+            <a:r>
+              <a:rPr kumimoji="1" lang="en" altLang="zh-CN" sz="2400" i="1" dirty="0">
+                <a:latin typeface="Calibri" panose="020F0502020204030204" pitchFamily="34" charset="0"/>
+                <a:ea typeface="Menlo" panose="020B0609030804020204" pitchFamily="49" charset="0"/>
+                <a:cs typeface="Calibri" panose="020F0502020204030204" pitchFamily="34" charset="0"/>
+              </a:rPr>
+              <a:t>    </a:t>
+            </a:r>
+            <a:r>
+              <a:rPr kumimoji="1" lang="en" altLang="zh-CN" sz="2400" dirty="0" err="1">
+                <a:latin typeface="Calibri" panose="020F0502020204030204" pitchFamily="34" charset="0"/>
+                <a:ea typeface="Menlo" panose="020B0609030804020204" pitchFamily="49" charset="0"/>
+                <a:cs typeface="Calibri" panose="020F0502020204030204" pitchFamily="34" charset="0"/>
+              </a:rPr>
+              <a:t>n.name</a:t>
+            </a:r>
+            <a:r>
+              <a:rPr kumimoji="1" lang="zh-CN" altLang="en-US" sz="2400" i="1" u="sng" dirty="0">
+                <a:latin typeface="Calibri" panose="020F0502020204030204" pitchFamily="34" charset="0"/>
+                <a:cs typeface="Calibri" panose="020F0502020204030204" pitchFamily="34" charset="0"/>
+              </a:rPr>
+              <a:t>  </a:t>
+            </a:r>
+            <a:endParaRPr kumimoji="1" lang="en-US" altLang="zh-CN" sz="2400" i="1" u="sng" dirty="0">
+              <a:latin typeface="Calibri" panose="020F0502020204030204" pitchFamily="34" charset="0"/>
+              <a:ea typeface="Menlo" panose="020B0609030804020204" pitchFamily="49" charset="0"/>
+              <a:cs typeface="Calibri" panose="020F0502020204030204" pitchFamily="34" charset="0"/>
+            </a:endParaRPr>
+          </a:p>
+        </p:txBody>
+      </p:sp>
+      <p:cxnSp>
+        <p:nvCxnSpPr>
+          <p:cNvPr id="110" name="直线箭头连接符 109">
+            <a:extLst>
+              <a:ext uri="{FF2B5EF4-FFF2-40B4-BE49-F238E27FC236}">
+                <a16:creationId xmlns:a16="http://schemas.microsoft.com/office/drawing/2014/main" id="{7AF30B66-ACFF-3D44-0CAF-D3F0CC91940E}"/>
+              </a:ext>
+            </a:extLst>
+          </p:cNvPr>
+          <p:cNvCxnSpPr>
+            <a:cxnSpLocks/>
+            <a:stCxn id="105" idx="0"/>
+            <a:endCxn id="109" idx="2"/>
+          </p:cNvCxnSpPr>
+          <p:nvPr/>
+        </p:nvCxnSpPr>
+        <p:spPr>
+          <a:xfrm flipV="1">
+            <a:off x="10063743" y="1867482"/>
+            <a:ext cx="0" cy="194488"/>
+          </a:xfrm>
+          <a:prstGeom prst="straightConnector1">
+            <a:avLst/>
+          </a:prstGeom>
+          <a:ln w="28575">
+            <a:solidFill>
+              <a:srgbClr val="8B649D"/>
+            </a:solidFill>
+            <a:tailEnd type="triangle"/>
+          </a:ln>
+        </p:spPr>
+        <p:style>
+          <a:lnRef idx="3">
+            <a:schemeClr val="dk1"/>
+          </a:lnRef>
+          <a:fillRef idx="0">
+            <a:schemeClr val="dk1"/>
+          </a:fillRef>
+          <a:effectRef idx="2">
+            <a:schemeClr val="dk1"/>
+          </a:effectRef>
+          <a:fontRef idx="minor">
+            <a:schemeClr val="tx1"/>
+          </a:fontRef>
+        </p:style>
+      </p:cxnSp>
+      <p:sp>
+        <p:nvSpPr>
+          <p:cNvPr id="111" name="文本框 110">
+            <a:extLst>
+              <a:ext uri="{FF2B5EF4-FFF2-40B4-BE49-F238E27FC236}">
+                <a16:creationId xmlns:a16="http://schemas.microsoft.com/office/drawing/2014/main" id="{666EEE0D-3E67-F1D7-D1D1-D454E803E5D6}"/>
+              </a:ext>
+            </a:extLst>
+          </p:cNvPr>
+          <p:cNvSpPr txBox="1"/>
+          <p:nvPr/>
+        </p:nvSpPr>
+        <p:spPr>
+          <a:xfrm>
+            <a:off x="71164" y="1905026"/>
+            <a:ext cx="2248750" cy="523220"/>
+          </a:xfrm>
+          <a:prstGeom prst="rect">
+            <a:avLst/>
+          </a:prstGeom>
+          <a:noFill/>
+        </p:spPr>
+        <p:txBody>
+          <a:bodyPr wrap="square" rtlCol="0">
+            <a:spAutoFit/>
+          </a:bodyPr>
+          <a:lstStyle/>
+          <a:p>
+            <a:pPr algn="ctr"/>
+            <a:r>
+              <a:rPr kumimoji="1" lang="en-US" altLang="zh-CN" sz="2800" b="1" dirty="0">
+                <a:latin typeface="Calibri" panose="020F0502020204030204" pitchFamily="34" charset="0"/>
+                <a:ea typeface="Helvetica Neue" panose="02000503000000020004" pitchFamily="2" charset="0"/>
+                <a:cs typeface="Calibri" panose="020F0502020204030204" pitchFamily="34" charset="0"/>
+              </a:rPr>
+              <a:t>Join</a:t>
+            </a:r>
+            <a:r>
+              <a:rPr kumimoji="1" lang="zh-CN" altLang="en-US" sz="2400" b="1" dirty="0">
+                <a:latin typeface="Calibri" panose="020F0502020204030204" pitchFamily="34" charset="0"/>
+                <a:ea typeface="Helvetica Neue" panose="02000503000000020004" pitchFamily="2" charset="0"/>
+                <a:cs typeface="Calibri" panose="020F0502020204030204" pitchFamily="34" charset="0"/>
+              </a:rPr>
+              <a:t>  </a:t>
+            </a:r>
+            <a:endParaRPr kumimoji="1" lang="en-US" altLang="zh-CN" sz="2400" b="1" dirty="0">
+              <a:latin typeface="Calibri" panose="020F0502020204030204" pitchFamily="34" charset="0"/>
+              <a:ea typeface="Helvetica Neue" panose="02000503000000020004" pitchFamily="2" charset="0"/>
+              <a:cs typeface="Calibri" panose="020F0502020204030204" pitchFamily="34" charset="0"/>
+            </a:endParaRPr>
+          </a:p>
+        </p:txBody>
+      </p:sp>
+      <p:sp>
+        <p:nvSpPr>
+          <p:cNvPr id="112" name="文本框 111">
+            <a:extLst>
+              <a:ext uri="{FF2B5EF4-FFF2-40B4-BE49-F238E27FC236}">
+                <a16:creationId xmlns:a16="http://schemas.microsoft.com/office/drawing/2014/main" id="{224480D0-C016-922B-36DC-B247D30CD5E5}"/>
+              </a:ext>
+            </a:extLst>
+          </p:cNvPr>
+          <p:cNvSpPr txBox="1"/>
+          <p:nvPr/>
+        </p:nvSpPr>
+        <p:spPr>
+          <a:xfrm>
+            <a:off x="8944276" y="2144427"/>
+            <a:ext cx="2248750" cy="523220"/>
+          </a:xfrm>
+          <a:prstGeom prst="rect">
+            <a:avLst/>
+          </a:prstGeom>
+          <a:noFill/>
+        </p:spPr>
+        <p:txBody>
+          <a:bodyPr wrap="square" rtlCol="0">
+            <a:spAutoFit/>
+          </a:bodyPr>
+          <a:lstStyle/>
+          <a:p>
+            <a:pPr algn="ctr"/>
+            <a:r>
+              <a:rPr kumimoji="1" lang="en-US" altLang="zh-CN" sz="2800" b="1" dirty="0">
+                <a:latin typeface="Calibri" panose="020F0502020204030204" pitchFamily="34" charset="0"/>
+                <a:ea typeface="Helvetica Neue" panose="02000503000000020004" pitchFamily="2" charset="0"/>
+                <a:cs typeface="Calibri" panose="020F0502020204030204" pitchFamily="34" charset="0"/>
+              </a:rPr>
+              <a:t>Join</a:t>
+            </a:r>
+            <a:r>
+              <a:rPr kumimoji="1" lang="zh-CN" altLang="en-US" sz="2400" b="1" dirty="0">
+                <a:latin typeface="Calibri" panose="020F0502020204030204" pitchFamily="34" charset="0"/>
+                <a:ea typeface="Helvetica Neue" panose="02000503000000020004" pitchFamily="2" charset="0"/>
+                <a:cs typeface="Calibri" panose="020F0502020204030204" pitchFamily="34" charset="0"/>
+              </a:rPr>
+              <a:t>  </a:t>
+            </a:r>
+            <a:endParaRPr kumimoji="1" lang="en-US" altLang="zh-CN" sz="2400" b="1" dirty="0">
+              <a:latin typeface="Calibri" panose="020F0502020204030204" pitchFamily="34" charset="0"/>
+              <a:ea typeface="Helvetica Neue" panose="02000503000000020004" pitchFamily="2" charset="0"/>
+              <a:cs typeface="Calibri" panose="020F0502020204030204" pitchFamily="34" charset="0"/>
+            </a:endParaRPr>
+          </a:p>
+        </p:txBody>
+      </p:sp>
+      <p:grpSp>
+        <p:nvGrpSpPr>
+          <p:cNvPr id="113" name="组合 112">
+            <a:extLst>
+              <a:ext uri="{FF2B5EF4-FFF2-40B4-BE49-F238E27FC236}">
+                <a16:creationId xmlns:a16="http://schemas.microsoft.com/office/drawing/2014/main" id="{CCD14518-5650-DC32-B133-567C40DA5CA3}"/>
+              </a:ext>
+            </a:extLst>
+          </p:cNvPr>
+          <p:cNvGrpSpPr/>
+          <p:nvPr/>
+        </p:nvGrpSpPr>
+        <p:grpSpPr>
+          <a:xfrm>
+            <a:off x="313032" y="3019219"/>
+            <a:ext cx="1796584" cy="793028"/>
+            <a:chOff x="859809" y="4030445"/>
+            <a:chExt cx="2975146" cy="793028"/>
+          </a:xfrm>
+        </p:grpSpPr>
+        <p:sp>
+          <p:nvSpPr>
+            <p:cNvPr id="114" name="圆角矩形 113">
+              <a:extLst>
+                <a:ext uri="{FF2B5EF4-FFF2-40B4-BE49-F238E27FC236}">
+                  <a16:creationId xmlns:a16="http://schemas.microsoft.com/office/drawing/2014/main" id="{0B9DB3CD-4DD8-14AC-DDEB-B3DDC4BF87EC}"/>
+                </a:ext>
+              </a:extLst>
+            </p:cNvPr>
+            <p:cNvSpPr/>
+            <p:nvPr/>
+          </p:nvSpPr>
+          <p:spPr>
+            <a:xfrm>
+              <a:off x="859809" y="4030445"/>
+              <a:ext cx="2975146" cy="793028"/>
+            </a:xfrm>
+            <a:prstGeom prst="roundRect">
+              <a:avLst>
+                <a:gd name="adj" fmla="val 13606"/>
+              </a:avLst>
+            </a:prstGeom>
+            <a:solidFill>
+              <a:srgbClr val="F3F3F3"/>
+            </a:solidFill>
+            <a:ln>
+              <a:noFill/>
+            </a:ln>
+          </p:spPr>
+          <p:style>
+            <a:lnRef idx="2">
+              <a:schemeClr val="accent1">
+                <a:shade val="15000"/>
+              </a:schemeClr>
+            </a:lnRef>
+            <a:fillRef idx="1">
+              <a:schemeClr val="accent1"/>
+            </a:fillRef>
+            <a:effectRef idx="0">
+              <a:schemeClr val="accent1"/>
+            </a:effectRef>
+            <a:fontRef idx="minor">
+              <a:schemeClr val="lt1"/>
+            </a:fontRef>
+          </p:style>
+          <p:txBody>
+            <a:bodyPr rtlCol="0" anchor="ctr"/>
+            <a:lstStyle/>
+            <a:p>
+              <a:pPr algn="ctr"/>
+              <a:endParaRPr kumimoji="1" lang="zh-CN" altLang="en-US" sz="2000">
+                <a:solidFill>
+                  <a:schemeClr val="tx1"/>
+                </a:solidFill>
+                <a:latin typeface="Calibri" panose="020F0502020204030204" pitchFamily="34" charset="0"/>
+                <a:cs typeface="Calibri" panose="020F0502020204030204" pitchFamily="34" charset="0"/>
+              </a:endParaRPr>
+            </a:p>
+          </p:txBody>
+        </p:sp>
+        <p:sp>
+          <p:nvSpPr>
+            <p:cNvPr id="115" name="文本框 114">
+              <a:extLst>
+                <a:ext uri="{FF2B5EF4-FFF2-40B4-BE49-F238E27FC236}">
+                  <a16:creationId xmlns:a16="http://schemas.microsoft.com/office/drawing/2014/main" id="{A8987AB9-5C99-CC73-6FB0-3287AC170144}"/>
+                </a:ext>
+              </a:extLst>
+            </p:cNvPr>
+            <p:cNvSpPr txBox="1"/>
+            <p:nvPr/>
+          </p:nvSpPr>
+          <p:spPr>
+            <a:xfrm>
+              <a:off x="1187121" y="4134481"/>
+              <a:ext cx="2432526" cy="523220"/>
+            </a:xfrm>
+            <a:prstGeom prst="rect">
+              <a:avLst/>
+            </a:prstGeom>
+            <a:noFill/>
+          </p:spPr>
+          <p:txBody>
+            <a:bodyPr wrap="square" rtlCol="0">
+              <a:spAutoFit/>
+            </a:bodyPr>
+            <a:lstStyle/>
+            <a:p>
+              <a:pPr algn="ctr"/>
+              <a:r>
+                <a:rPr kumimoji="1" lang="en-US" altLang="zh-CN" sz="2800" b="1" dirty="0">
+                  <a:latin typeface="Calibri" panose="020F0502020204030204" pitchFamily="34" charset="0"/>
+                  <a:ea typeface="Helvetica Neue" panose="02000503000000020004" pitchFamily="2" charset="0"/>
+                  <a:cs typeface="Calibri" panose="020F0502020204030204" pitchFamily="34" charset="0"/>
+                </a:rPr>
+                <a:t>Join</a:t>
+              </a:r>
+              <a:endParaRPr kumimoji="1" lang="en-US" altLang="zh-CN" sz="2400" b="1" dirty="0">
+                <a:latin typeface="Calibri" panose="020F0502020204030204" pitchFamily="34" charset="0"/>
+                <a:ea typeface="Helvetica Neue" panose="02000503000000020004" pitchFamily="2" charset="0"/>
+                <a:cs typeface="Calibri" panose="020F0502020204030204" pitchFamily="34" charset="0"/>
+              </a:endParaRPr>
+            </a:p>
+          </p:txBody>
+        </p:sp>
+      </p:grpSp>
+      <p:cxnSp>
+        <p:nvCxnSpPr>
+          <p:cNvPr id="116" name="直线箭头连接符 115">
+            <a:extLst>
+              <a:ext uri="{FF2B5EF4-FFF2-40B4-BE49-F238E27FC236}">
+                <a16:creationId xmlns:a16="http://schemas.microsoft.com/office/drawing/2014/main" id="{0DF7EC6B-9D41-8671-6748-69B745534F10}"/>
+              </a:ext>
+            </a:extLst>
+          </p:cNvPr>
+          <p:cNvCxnSpPr>
+            <a:cxnSpLocks/>
+            <a:stCxn id="118" idx="3"/>
+            <a:endCxn id="114" idx="1"/>
+          </p:cNvCxnSpPr>
+          <p:nvPr/>
+        </p:nvCxnSpPr>
+        <p:spPr>
+          <a:xfrm>
+            <a:off x="-45810" y="3413911"/>
+            <a:ext cx="358842" cy="1822"/>
+          </a:xfrm>
+          <a:prstGeom prst="straightConnector1">
+            <a:avLst/>
+          </a:prstGeom>
+          <a:ln w="28575">
+            <a:solidFill>
+              <a:srgbClr val="8B649D"/>
+            </a:solidFill>
+            <a:tailEnd type="triangle"/>
+          </a:ln>
+        </p:spPr>
+        <p:style>
+          <a:lnRef idx="3">
+            <a:schemeClr val="dk1"/>
+          </a:lnRef>
+          <a:fillRef idx="0">
+            <a:schemeClr val="dk1"/>
+          </a:fillRef>
+          <a:effectRef idx="2">
+            <a:schemeClr val="dk1"/>
+          </a:effectRef>
+          <a:fontRef idx="minor">
+            <a:schemeClr val="tx1"/>
+          </a:fontRef>
+        </p:style>
+      </p:cxnSp>
+      <p:grpSp>
+        <p:nvGrpSpPr>
+          <p:cNvPr id="117" name="组合 116">
+            <a:extLst>
+              <a:ext uri="{FF2B5EF4-FFF2-40B4-BE49-F238E27FC236}">
+                <a16:creationId xmlns:a16="http://schemas.microsoft.com/office/drawing/2014/main" id="{850ED88B-961C-9767-CC1C-51B4240A19DF}"/>
+              </a:ext>
+            </a:extLst>
+          </p:cNvPr>
+          <p:cNvGrpSpPr/>
+          <p:nvPr/>
+        </p:nvGrpSpPr>
+        <p:grpSpPr>
+          <a:xfrm>
+            <a:off x="-3124464" y="2899939"/>
+            <a:ext cx="3182162" cy="938376"/>
+            <a:chOff x="6118010" y="4270496"/>
+            <a:chExt cx="3182162" cy="938376"/>
+          </a:xfrm>
+        </p:grpSpPr>
+        <p:sp>
+          <p:nvSpPr>
+            <p:cNvPr id="118" name="圆角矩形 117">
+              <a:extLst>
+                <a:ext uri="{FF2B5EF4-FFF2-40B4-BE49-F238E27FC236}">
+                  <a16:creationId xmlns:a16="http://schemas.microsoft.com/office/drawing/2014/main" id="{2EA86C37-7E05-C9D9-CCDF-19CA550C0B76}"/>
+                </a:ext>
+              </a:extLst>
+            </p:cNvPr>
+            <p:cNvSpPr/>
+            <p:nvPr/>
+          </p:nvSpPr>
+          <p:spPr>
+            <a:xfrm>
+              <a:off x="6221518" y="4360063"/>
+              <a:ext cx="2975146" cy="848809"/>
+            </a:xfrm>
+            <a:prstGeom prst="roundRect">
+              <a:avLst>
+                <a:gd name="adj" fmla="val 13606"/>
+              </a:avLst>
+            </a:prstGeom>
+            <a:solidFill>
+              <a:srgbClr val="F3F3F3"/>
+            </a:solidFill>
+            <a:ln>
+              <a:noFill/>
+            </a:ln>
+          </p:spPr>
+          <p:style>
+            <a:lnRef idx="2">
+              <a:schemeClr val="accent1">
+                <a:shade val="15000"/>
+              </a:schemeClr>
+            </a:lnRef>
+            <a:fillRef idx="1">
+              <a:schemeClr val="accent1"/>
+            </a:fillRef>
+            <a:effectRef idx="0">
+              <a:schemeClr val="accent1"/>
+            </a:effectRef>
+            <a:fontRef idx="minor">
+              <a:schemeClr val="lt1"/>
+            </a:fontRef>
+          </p:style>
+          <p:txBody>
+            <a:bodyPr rtlCol="0" anchor="ctr"/>
+            <a:lstStyle/>
+            <a:p>
+              <a:pPr algn="ctr"/>
+              <a:endParaRPr kumimoji="1" lang="zh-CN" altLang="en-US" sz="2000">
+                <a:solidFill>
+                  <a:schemeClr val="tx1"/>
+                </a:solidFill>
+                <a:latin typeface="Calibri" panose="020F0502020204030204" pitchFamily="34" charset="0"/>
+                <a:cs typeface="Calibri" panose="020F0502020204030204" pitchFamily="34" charset="0"/>
+              </a:endParaRPr>
+            </a:p>
+          </p:txBody>
+        </p:sp>
+        <p:sp>
+          <p:nvSpPr>
+            <p:cNvPr id="119" name="文本框 118">
+              <a:extLst>
+                <a:ext uri="{FF2B5EF4-FFF2-40B4-BE49-F238E27FC236}">
+                  <a16:creationId xmlns:a16="http://schemas.microsoft.com/office/drawing/2014/main" id="{CA6F841B-3FF1-32B6-E628-3BC590566B01}"/>
+                </a:ext>
+              </a:extLst>
+            </p:cNvPr>
+            <p:cNvSpPr txBox="1"/>
+            <p:nvPr/>
+          </p:nvSpPr>
+          <p:spPr>
+            <a:xfrm>
+              <a:off x="6118010" y="4270496"/>
+              <a:ext cx="3182162" cy="892552"/>
+            </a:xfrm>
+            <a:prstGeom prst="rect">
+              <a:avLst/>
+            </a:prstGeom>
+            <a:noFill/>
+          </p:spPr>
+          <p:txBody>
+            <a:bodyPr wrap="square" rtlCol="0">
+              <a:spAutoFit/>
+            </a:bodyPr>
+            <a:lstStyle/>
+            <a:p>
+              <a:pPr algn="ctr"/>
+              <a:r>
+                <a:rPr kumimoji="1" lang="en-US" altLang="zh-CN" sz="2800" b="1" dirty="0">
+                  <a:latin typeface="Calibri" panose="020F0502020204030204" pitchFamily="34" charset="0"/>
+                  <a:ea typeface="Helvetica Neue" panose="02000503000000020004" pitchFamily="2" charset="0"/>
+                  <a:cs typeface="Calibri" panose="020F0502020204030204" pitchFamily="34" charset="0"/>
+                </a:rPr>
+                <a:t>Scan</a:t>
+              </a:r>
+              <a:r>
+                <a:rPr kumimoji="1" lang="zh-CN" altLang="en-US" sz="2400" b="1" dirty="0">
+                  <a:latin typeface="Calibri" panose="020F0502020204030204" pitchFamily="34" charset="0"/>
+                  <a:ea typeface="Helvetica Neue" panose="02000503000000020004" pitchFamily="2" charset="0"/>
+                  <a:cs typeface="Calibri" panose="020F0502020204030204" pitchFamily="34" charset="0"/>
+                </a:rPr>
+                <a:t>  </a:t>
+              </a:r>
+              <a:endParaRPr kumimoji="1" lang="en-US" altLang="zh-CN" sz="2400" b="1" dirty="0">
+                <a:latin typeface="Calibri" panose="020F0502020204030204" pitchFamily="34" charset="0"/>
+                <a:ea typeface="Helvetica Neue" panose="02000503000000020004" pitchFamily="2" charset="0"/>
+                <a:cs typeface="Calibri" panose="020F0502020204030204" pitchFamily="34" charset="0"/>
+              </a:endParaRPr>
+            </a:p>
+            <a:p>
+              <a:pPr algn="ctr"/>
+              <a:r>
+                <a:rPr kumimoji="1" lang="en-US" altLang="zh-CN" sz="2400" dirty="0">
+                  <a:latin typeface="Calibri" panose="020F0502020204030204" pitchFamily="34" charset="0"/>
+                  <a:ea typeface="Helvetica Neue" panose="02000503000000020004" pitchFamily="2" charset="0"/>
+                  <a:cs typeface="Calibri" panose="020F0502020204030204" pitchFamily="34" charset="0"/>
+                </a:rPr>
+                <a:t>CAST_INFO</a:t>
+              </a:r>
+              <a:endParaRPr kumimoji="1" lang="zh-CN" altLang="en-US" sz="2400" dirty="0">
+                <a:latin typeface="Calibri" panose="020F0502020204030204" pitchFamily="34" charset="0"/>
+                <a:cs typeface="Calibri" panose="020F0502020204030204" pitchFamily="34" charset="0"/>
+              </a:endParaRPr>
+            </a:p>
+          </p:txBody>
+        </p:sp>
+      </p:grpSp>
+      <p:cxnSp>
+        <p:nvCxnSpPr>
+          <p:cNvPr id="120" name="直线箭头连接符 119">
+            <a:extLst>
+              <a:ext uri="{FF2B5EF4-FFF2-40B4-BE49-F238E27FC236}">
+                <a16:creationId xmlns:a16="http://schemas.microsoft.com/office/drawing/2014/main" id="{C966C99D-EF31-52F9-4DD3-F4E60F5B9AE9}"/>
+              </a:ext>
+            </a:extLst>
+          </p:cNvPr>
+          <p:cNvCxnSpPr>
+            <a:cxnSpLocks/>
+            <a:stCxn id="114" idx="0"/>
+            <a:endCxn id="91" idx="2"/>
+          </p:cNvCxnSpPr>
+          <p:nvPr/>
+        </p:nvCxnSpPr>
+        <p:spPr>
+          <a:xfrm flipV="1">
+            <a:off x="1211324" y="2551178"/>
+            <a:ext cx="6517" cy="468041"/>
+          </a:xfrm>
+          <a:prstGeom prst="straightConnector1">
+            <a:avLst/>
+          </a:prstGeom>
+          <a:ln w="28575">
+            <a:solidFill>
+              <a:srgbClr val="8B649D"/>
+            </a:solidFill>
+            <a:tailEnd type="triangle"/>
+          </a:ln>
+        </p:spPr>
+        <p:style>
+          <a:lnRef idx="3">
+            <a:schemeClr val="dk1"/>
+          </a:lnRef>
+          <a:fillRef idx="0">
+            <a:schemeClr val="dk1"/>
+          </a:fillRef>
+          <a:effectRef idx="2">
+            <a:schemeClr val="dk1"/>
+          </a:effectRef>
+          <a:fontRef idx="minor">
+            <a:schemeClr val="tx1"/>
+          </a:fontRef>
+        </p:style>
+      </p:cxnSp>
+      <p:grpSp>
+        <p:nvGrpSpPr>
+          <p:cNvPr id="121" name="组合 120">
+            <a:extLst>
+              <a:ext uri="{FF2B5EF4-FFF2-40B4-BE49-F238E27FC236}">
+                <a16:creationId xmlns:a16="http://schemas.microsoft.com/office/drawing/2014/main" id="{201B2B97-42BF-F718-E7BC-741CD2423FBE}"/>
+              </a:ext>
+            </a:extLst>
+          </p:cNvPr>
+          <p:cNvGrpSpPr/>
+          <p:nvPr/>
+        </p:nvGrpSpPr>
+        <p:grpSpPr>
+          <a:xfrm>
+            <a:off x="9404448" y="4170476"/>
+            <a:ext cx="1326300" cy="732560"/>
+            <a:chOff x="859809" y="4090913"/>
+            <a:chExt cx="2975146" cy="732560"/>
+          </a:xfrm>
+        </p:grpSpPr>
+        <p:sp>
+          <p:nvSpPr>
+            <p:cNvPr id="122" name="圆角矩形 121">
+              <a:extLst>
+                <a:ext uri="{FF2B5EF4-FFF2-40B4-BE49-F238E27FC236}">
+                  <a16:creationId xmlns:a16="http://schemas.microsoft.com/office/drawing/2014/main" id="{0F68FA82-C34C-5125-4997-41701B8B4ED3}"/>
+                </a:ext>
+              </a:extLst>
+            </p:cNvPr>
+            <p:cNvSpPr/>
+            <p:nvPr/>
+          </p:nvSpPr>
+          <p:spPr>
+            <a:xfrm>
+              <a:off x="859809" y="4090913"/>
+              <a:ext cx="2975146" cy="732560"/>
+            </a:xfrm>
+            <a:prstGeom prst="roundRect">
+              <a:avLst>
+                <a:gd name="adj" fmla="val 13606"/>
+              </a:avLst>
+            </a:prstGeom>
+            <a:solidFill>
+              <a:srgbClr val="F3F3F3"/>
+            </a:solidFill>
+            <a:ln>
+              <a:noFill/>
+            </a:ln>
+          </p:spPr>
+          <p:style>
+            <a:lnRef idx="2">
+              <a:schemeClr val="accent1">
+                <a:shade val="15000"/>
+              </a:schemeClr>
+            </a:lnRef>
+            <a:fillRef idx="1">
+              <a:schemeClr val="accent1"/>
+            </a:fillRef>
+            <a:effectRef idx="0">
+              <a:schemeClr val="accent1"/>
+            </a:effectRef>
+            <a:fontRef idx="minor">
+              <a:schemeClr val="lt1"/>
+            </a:fontRef>
+          </p:style>
+          <p:txBody>
+            <a:bodyPr rtlCol="0" anchor="ctr"/>
+            <a:lstStyle/>
+            <a:p>
+              <a:pPr algn="ctr"/>
+              <a:endParaRPr kumimoji="1" lang="zh-CN" altLang="en-US" sz="2000">
+                <a:solidFill>
+                  <a:schemeClr val="tx1"/>
+                </a:solidFill>
+                <a:latin typeface="Calibri" panose="020F0502020204030204" pitchFamily="34" charset="0"/>
+                <a:cs typeface="Calibri" panose="020F0502020204030204" pitchFamily="34" charset="0"/>
+              </a:endParaRPr>
+            </a:p>
+          </p:txBody>
+        </p:sp>
+        <p:sp>
+          <p:nvSpPr>
+            <p:cNvPr id="123" name="文本框 122">
+              <a:extLst>
+                <a:ext uri="{FF2B5EF4-FFF2-40B4-BE49-F238E27FC236}">
+                  <a16:creationId xmlns:a16="http://schemas.microsoft.com/office/drawing/2014/main" id="{D07D8F69-8701-ED65-164A-F72404A35911}"/>
+                </a:ext>
+              </a:extLst>
+            </p:cNvPr>
+            <p:cNvSpPr txBox="1"/>
+            <p:nvPr/>
+          </p:nvSpPr>
+          <p:spPr>
+            <a:xfrm>
+              <a:off x="1187121" y="4148549"/>
+              <a:ext cx="2432526" cy="523220"/>
+            </a:xfrm>
+            <a:prstGeom prst="rect">
+              <a:avLst/>
+            </a:prstGeom>
+            <a:noFill/>
+          </p:spPr>
+          <p:txBody>
+            <a:bodyPr wrap="square" rtlCol="0">
+              <a:spAutoFit/>
+            </a:bodyPr>
+            <a:lstStyle/>
+            <a:p>
+              <a:pPr algn="ctr"/>
+              <a:r>
+                <a:rPr kumimoji="1" lang="en-US" altLang="zh-CN" sz="2800" b="1" dirty="0">
+                  <a:latin typeface="Calibri" panose="020F0502020204030204" pitchFamily="34" charset="0"/>
+                  <a:ea typeface="Helvetica Neue" panose="02000503000000020004" pitchFamily="2" charset="0"/>
+                  <a:cs typeface="Calibri" panose="020F0502020204030204" pitchFamily="34" charset="0"/>
+                </a:rPr>
+                <a:t>Join</a:t>
+              </a:r>
+              <a:endParaRPr kumimoji="1" lang="en-US" altLang="zh-CN" sz="2400" b="1" dirty="0">
+                <a:latin typeface="Calibri" panose="020F0502020204030204" pitchFamily="34" charset="0"/>
+                <a:ea typeface="Helvetica Neue" panose="02000503000000020004" pitchFamily="2" charset="0"/>
+                <a:cs typeface="Calibri" panose="020F0502020204030204" pitchFamily="34" charset="0"/>
+              </a:endParaRPr>
+            </a:p>
+          </p:txBody>
+        </p:sp>
+      </p:grpSp>
+      <p:cxnSp>
+        <p:nvCxnSpPr>
+          <p:cNvPr id="124" name="直线箭头连接符 123">
+            <a:extLst>
+              <a:ext uri="{FF2B5EF4-FFF2-40B4-BE49-F238E27FC236}">
+                <a16:creationId xmlns:a16="http://schemas.microsoft.com/office/drawing/2014/main" id="{6056DF67-FF79-AC5D-3760-3F4B7B56E5AA}"/>
+              </a:ext>
+            </a:extLst>
+          </p:cNvPr>
+          <p:cNvCxnSpPr>
+            <a:cxnSpLocks/>
+            <a:stCxn id="126" idx="3"/>
+            <a:endCxn id="122" idx="1"/>
+          </p:cNvCxnSpPr>
+          <p:nvPr/>
+        </p:nvCxnSpPr>
+        <p:spPr>
+          <a:xfrm flipV="1">
+            <a:off x="9045606" y="4536756"/>
+            <a:ext cx="358842" cy="9402"/>
+          </a:xfrm>
+          <a:prstGeom prst="straightConnector1">
+            <a:avLst/>
+          </a:prstGeom>
+          <a:ln w="28575">
+            <a:solidFill>
+              <a:srgbClr val="8B649D"/>
+            </a:solidFill>
+            <a:tailEnd type="triangle"/>
+          </a:ln>
+        </p:spPr>
+        <p:style>
+          <a:lnRef idx="3">
+            <a:schemeClr val="dk1"/>
+          </a:lnRef>
+          <a:fillRef idx="0">
+            <a:schemeClr val="dk1"/>
+          </a:fillRef>
+          <a:effectRef idx="2">
+            <a:schemeClr val="dk1"/>
+          </a:effectRef>
+          <a:fontRef idx="minor">
+            <a:schemeClr val="tx1"/>
+          </a:fontRef>
+        </p:style>
+      </p:cxnSp>
+      <p:grpSp>
+        <p:nvGrpSpPr>
+          <p:cNvPr id="125" name="组合 124">
+            <a:extLst>
+              <a:ext uri="{FF2B5EF4-FFF2-40B4-BE49-F238E27FC236}">
+                <a16:creationId xmlns:a16="http://schemas.microsoft.com/office/drawing/2014/main" id="{CD174357-35C3-D610-70D4-498622BAA455}"/>
+              </a:ext>
+            </a:extLst>
+          </p:cNvPr>
+          <p:cNvGrpSpPr/>
+          <p:nvPr/>
+        </p:nvGrpSpPr>
+        <p:grpSpPr>
+          <a:xfrm>
+            <a:off x="5962777" y="4070279"/>
+            <a:ext cx="3182162" cy="892552"/>
+            <a:chOff x="6113835" y="4350043"/>
+            <a:chExt cx="3182162" cy="892552"/>
+          </a:xfrm>
+        </p:grpSpPr>
+        <p:sp>
+          <p:nvSpPr>
+            <p:cNvPr id="126" name="圆角矩形 125">
+              <a:extLst>
+                <a:ext uri="{FF2B5EF4-FFF2-40B4-BE49-F238E27FC236}">
+                  <a16:creationId xmlns:a16="http://schemas.microsoft.com/office/drawing/2014/main" id="{9D38FF30-AD92-2D4F-BFBA-761CC546BFD7}"/>
+                </a:ext>
+              </a:extLst>
+            </p:cNvPr>
+            <p:cNvSpPr/>
+            <p:nvPr/>
+          </p:nvSpPr>
+          <p:spPr>
+            <a:xfrm>
+              <a:off x="6221518" y="4442971"/>
+              <a:ext cx="2975146" cy="765901"/>
+            </a:xfrm>
+            <a:prstGeom prst="roundRect">
+              <a:avLst>
+                <a:gd name="adj" fmla="val 13606"/>
+              </a:avLst>
+            </a:prstGeom>
+            <a:solidFill>
+              <a:srgbClr val="F3F3F3"/>
+            </a:solidFill>
+            <a:ln>
+              <a:noFill/>
+            </a:ln>
+          </p:spPr>
+          <p:style>
+            <a:lnRef idx="2">
+              <a:schemeClr val="accent1">
+                <a:shade val="15000"/>
+              </a:schemeClr>
+            </a:lnRef>
+            <a:fillRef idx="1">
+              <a:schemeClr val="accent1"/>
+            </a:fillRef>
+            <a:effectRef idx="0">
+              <a:schemeClr val="accent1"/>
+            </a:effectRef>
+            <a:fontRef idx="minor">
+              <a:schemeClr val="lt1"/>
+            </a:fontRef>
+          </p:style>
+          <p:txBody>
+            <a:bodyPr rtlCol="0" anchor="ctr"/>
+            <a:lstStyle/>
+            <a:p>
+              <a:pPr algn="ctr"/>
+              <a:endParaRPr kumimoji="1" lang="zh-CN" altLang="en-US" sz="2000">
+                <a:solidFill>
+                  <a:schemeClr val="tx1"/>
+                </a:solidFill>
+                <a:latin typeface="Calibri" panose="020F0502020204030204" pitchFamily="34" charset="0"/>
+                <a:cs typeface="Calibri" panose="020F0502020204030204" pitchFamily="34" charset="0"/>
+              </a:endParaRPr>
+            </a:p>
+          </p:txBody>
+        </p:sp>
+        <p:sp>
+          <p:nvSpPr>
+            <p:cNvPr id="127" name="文本框 126">
+              <a:extLst>
+                <a:ext uri="{FF2B5EF4-FFF2-40B4-BE49-F238E27FC236}">
+                  <a16:creationId xmlns:a16="http://schemas.microsoft.com/office/drawing/2014/main" id="{EFC1D79D-2734-8EF5-EC78-2241E8203D1E}"/>
+                </a:ext>
+              </a:extLst>
+            </p:cNvPr>
+            <p:cNvSpPr txBox="1"/>
+            <p:nvPr/>
+          </p:nvSpPr>
+          <p:spPr>
+            <a:xfrm>
+              <a:off x="6113835" y="4350043"/>
+              <a:ext cx="3182162" cy="892552"/>
+            </a:xfrm>
+            <a:prstGeom prst="rect">
+              <a:avLst/>
+            </a:prstGeom>
+            <a:noFill/>
+          </p:spPr>
+          <p:txBody>
+            <a:bodyPr wrap="square" rtlCol="0">
+              <a:spAutoFit/>
+            </a:bodyPr>
+            <a:lstStyle/>
+            <a:p>
+              <a:pPr algn="ctr"/>
+              <a:r>
+                <a:rPr kumimoji="1" lang="en-US" altLang="zh-CN" sz="2800" b="1" dirty="0">
+                  <a:latin typeface="Calibri" panose="020F0502020204030204" pitchFamily="34" charset="0"/>
+                  <a:ea typeface="Helvetica Neue" panose="02000503000000020004" pitchFamily="2" charset="0"/>
+                  <a:cs typeface="Calibri" panose="020F0502020204030204" pitchFamily="34" charset="0"/>
+                </a:rPr>
+                <a:t>Scan</a:t>
+              </a:r>
+              <a:r>
+                <a:rPr kumimoji="1" lang="zh-CN" altLang="en-US" sz="2400" b="1" dirty="0">
+                  <a:latin typeface="Calibri" panose="020F0502020204030204" pitchFamily="34" charset="0"/>
+                  <a:ea typeface="Helvetica Neue" panose="02000503000000020004" pitchFamily="2" charset="0"/>
+                  <a:cs typeface="Calibri" panose="020F0502020204030204" pitchFamily="34" charset="0"/>
+                </a:rPr>
+                <a:t>  </a:t>
+              </a:r>
+              <a:r>
+                <a:rPr kumimoji="1" lang="en-US" altLang="zh-CN" sz="2400" dirty="0">
+                  <a:latin typeface="Calibri" panose="020F0502020204030204" pitchFamily="34" charset="0"/>
+                  <a:ea typeface="Helvetica Neue" panose="02000503000000020004" pitchFamily="2" charset="0"/>
+                  <a:cs typeface="Calibri" panose="020F0502020204030204" pitchFamily="34" charset="0"/>
+                </a:rPr>
+                <a:t>MOVIE_COMPANIES</a:t>
+              </a:r>
+              <a:endParaRPr kumimoji="1" lang="zh-CN" altLang="en-US" sz="2400" dirty="0">
+                <a:latin typeface="Calibri" panose="020F0502020204030204" pitchFamily="34" charset="0"/>
+                <a:cs typeface="Calibri" panose="020F0502020204030204" pitchFamily="34" charset="0"/>
+              </a:endParaRPr>
+            </a:p>
+          </p:txBody>
+        </p:sp>
+      </p:grpSp>
+      <p:cxnSp>
+        <p:nvCxnSpPr>
+          <p:cNvPr id="128" name="直线箭头连接符 127">
+            <a:extLst>
+              <a:ext uri="{FF2B5EF4-FFF2-40B4-BE49-F238E27FC236}">
+                <a16:creationId xmlns:a16="http://schemas.microsoft.com/office/drawing/2014/main" id="{4C1218CC-EE56-B126-CA9C-EFD5288ABEE8}"/>
+              </a:ext>
+            </a:extLst>
+          </p:cNvPr>
+          <p:cNvCxnSpPr>
+            <a:cxnSpLocks/>
+            <a:endCxn id="122" idx="2"/>
+          </p:cNvCxnSpPr>
+          <p:nvPr/>
+        </p:nvCxnSpPr>
+        <p:spPr>
+          <a:xfrm flipV="1">
+            <a:off x="10067598" y="4903036"/>
+            <a:ext cx="0" cy="371123"/>
+          </a:xfrm>
+          <a:prstGeom prst="straightConnector1">
+            <a:avLst/>
+          </a:prstGeom>
+          <a:ln w="28575" cap="flat">
+            <a:solidFill>
+              <a:srgbClr val="8B649D"/>
+            </a:solidFill>
+            <a:miter lim="800000"/>
+            <a:tailEnd type="triangle"/>
+          </a:ln>
+        </p:spPr>
+        <p:style>
+          <a:lnRef idx="3">
+            <a:schemeClr val="dk1"/>
+          </a:lnRef>
+          <a:fillRef idx="0">
+            <a:schemeClr val="dk1"/>
+          </a:fillRef>
+          <a:effectRef idx="2">
+            <a:schemeClr val="dk1"/>
+          </a:effectRef>
+          <a:fontRef idx="minor">
+            <a:schemeClr val="tx1"/>
+          </a:fontRef>
+        </p:style>
+      </p:cxnSp>
+      <p:grpSp>
+        <p:nvGrpSpPr>
+          <p:cNvPr id="129" name="组合 128">
+            <a:extLst>
+              <a:ext uri="{FF2B5EF4-FFF2-40B4-BE49-F238E27FC236}">
+                <a16:creationId xmlns:a16="http://schemas.microsoft.com/office/drawing/2014/main" id="{6E13E261-F134-987A-E831-A8AF191A42F7}"/>
+              </a:ext>
+            </a:extLst>
+          </p:cNvPr>
+          <p:cNvGrpSpPr/>
+          <p:nvPr/>
+        </p:nvGrpSpPr>
+        <p:grpSpPr>
+          <a:xfrm>
+            <a:off x="9399564" y="3124444"/>
+            <a:ext cx="1331184" cy="788370"/>
+            <a:chOff x="859809" y="4035103"/>
+            <a:chExt cx="2975146" cy="788370"/>
+          </a:xfrm>
+        </p:grpSpPr>
+        <p:sp>
+          <p:nvSpPr>
+            <p:cNvPr id="130" name="圆角矩形 129">
+              <a:extLst>
+                <a:ext uri="{FF2B5EF4-FFF2-40B4-BE49-F238E27FC236}">
+                  <a16:creationId xmlns:a16="http://schemas.microsoft.com/office/drawing/2014/main" id="{54CC8FF0-DD1D-725C-C462-F63381CEA6DD}"/>
+                </a:ext>
+              </a:extLst>
+            </p:cNvPr>
+            <p:cNvSpPr/>
+            <p:nvPr/>
+          </p:nvSpPr>
+          <p:spPr>
+            <a:xfrm>
+              <a:off x="859809" y="4035103"/>
+              <a:ext cx="2975146" cy="788370"/>
+            </a:xfrm>
+            <a:prstGeom prst="roundRect">
+              <a:avLst>
+                <a:gd name="adj" fmla="val 13606"/>
+              </a:avLst>
+            </a:prstGeom>
+            <a:solidFill>
+              <a:srgbClr val="F3F3F3"/>
+            </a:solidFill>
+            <a:ln>
+              <a:noFill/>
+            </a:ln>
+          </p:spPr>
+          <p:style>
+            <a:lnRef idx="2">
+              <a:schemeClr val="accent1">
+                <a:shade val="15000"/>
+              </a:schemeClr>
+            </a:lnRef>
+            <a:fillRef idx="1">
+              <a:schemeClr val="accent1"/>
+            </a:fillRef>
+            <a:effectRef idx="0">
+              <a:schemeClr val="accent1"/>
+            </a:effectRef>
+            <a:fontRef idx="minor">
+              <a:schemeClr val="lt1"/>
+            </a:fontRef>
+          </p:style>
+          <p:txBody>
+            <a:bodyPr rtlCol="0" anchor="ctr"/>
+            <a:lstStyle/>
+            <a:p>
+              <a:pPr algn="ctr"/>
+              <a:endParaRPr kumimoji="1" lang="zh-CN" altLang="en-US" sz="2000">
+                <a:solidFill>
+                  <a:schemeClr val="tx1"/>
+                </a:solidFill>
+                <a:latin typeface="Calibri" panose="020F0502020204030204" pitchFamily="34" charset="0"/>
+                <a:cs typeface="Calibri" panose="020F0502020204030204" pitchFamily="34" charset="0"/>
+              </a:endParaRPr>
+            </a:p>
+          </p:txBody>
+        </p:sp>
+        <p:sp>
+          <p:nvSpPr>
+            <p:cNvPr id="131" name="文本框 130">
+              <a:extLst>
+                <a:ext uri="{FF2B5EF4-FFF2-40B4-BE49-F238E27FC236}">
+                  <a16:creationId xmlns:a16="http://schemas.microsoft.com/office/drawing/2014/main" id="{90DBC8A6-617F-CC19-72D8-B9F1B6916B4E}"/>
+                </a:ext>
+              </a:extLst>
+            </p:cNvPr>
+            <p:cNvSpPr txBox="1"/>
+            <p:nvPr/>
+          </p:nvSpPr>
+          <p:spPr>
+            <a:xfrm>
+              <a:off x="1187121" y="4120413"/>
+              <a:ext cx="2432526" cy="523220"/>
+            </a:xfrm>
+            <a:prstGeom prst="rect">
+              <a:avLst/>
+            </a:prstGeom>
+            <a:noFill/>
+          </p:spPr>
+          <p:txBody>
+            <a:bodyPr wrap="square" rtlCol="0">
+              <a:spAutoFit/>
+            </a:bodyPr>
+            <a:lstStyle/>
+            <a:p>
+              <a:pPr algn="ctr"/>
+              <a:r>
+                <a:rPr kumimoji="1" lang="en-US" altLang="zh-CN" sz="2800" b="1" dirty="0">
+                  <a:latin typeface="Calibri" panose="020F0502020204030204" pitchFamily="34" charset="0"/>
+                  <a:ea typeface="Helvetica Neue" panose="02000503000000020004" pitchFamily="2" charset="0"/>
+                  <a:cs typeface="Calibri" panose="020F0502020204030204" pitchFamily="34" charset="0"/>
+                </a:rPr>
+                <a:t>Join</a:t>
+              </a:r>
+              <a:endParaRPr kumimoji="1" lang="en-US" altLang="zh-CN" sz="2400" b="1" dirty="0">
+                <a:latin typeface="Calibri" panose="020F0502020204030204" pitchFamily="34" charset="0"/>
+                <a:ea typeface="Helvetica Neue" panose="02000503000000020004" pitchFamily="2" charset="0"/>
+                <a:cs typeface="Calibri" panose="020F0502020204030204" pitchFamily="34" charset="0"/>
+              </a:endParaRPr>
+            </a:p>
+          </p:txBody>
+        </p:sp>
+      </p:grpSp>
+      <p:cxnSp>
+        <p:nvCxnSpPr>
+          <p:cNvPr id="132" name="直线箭头连接符 131">
+            <a:extLst>
+              <a:ext uri="{FF2B5EF4-FFF2-40B4-BE49-F238E27FC236}">
+                <a16:creationId xmlns:a16="http://schemas.microsoft.com/office/drawing/2014/main" id="{4098DEBD-4604-E605-5579-B883E2250729}"/>
+              </a:ext>
+            </a:extLst>
+          </p:cNvPr>
+          <p:cNvCxnSpPr>
+            <a:cxnSpLocks/>
+            <a:stCxn id="134" idx="3"/>
+            <a:endCxn id="105" idx="1"/>
+          </p:cNvCxnSpPr>
+          <p:nvPr/>
+        </p:nvCxnSpPr>
+        <p:spPr>
+          <a:xfrm flipV="1">
+            <a:off x="8944276" y="2424623"/>
+            <a:ext cx="452457" cy="11504"/>
+          </a:xfrm>
+          <a:prstGeom prst="straightConnector1">
+            <a:avLst/>
+          </a:prstGeom>
+          <a:ln w="28575">
+            <a:solidFill>
+              <a:srgbClr val="8B649D"/>
+            </a:solidFill>
+            <a:tailEnd type="triangle"/>
+          </a:ln>
+        </p:spPr>
+        <p:style>
+          <a:lnRef idx="3">
+            <a:schemeClr val="dk1"/>
+          </a:lnRef>
+          <a:fillRef idx="0">
+            <a:schemeClr val="dk1"/>
+          </a:fillRef>
+          <a:effectRef idx="2">
+            <a:schemeClr val="dk1"/>
+          </a:effectRef>
+          <a:fontRef idx="minor">
+            <a:schemeClr val="tx1"/>
+          </a:fontRef>
+        </p:style>
+      </p:cxnSp>
+      <p:grpSp>
+        <p:nvGrpSpPr>
+          <p:cNvPr id="133" name="组合 132">
+            <a:extLst>
+              <a:ext uri="{FF2B5EF4-FFF2-40B4-BE49-F238E27FC236}">
+                <a16:creationId xmlns:a16="http://schemas.microsoft.com/office/drawing/2014/main" id="{059FFAF3-C5D4-AB41-04AB-C59F5482F9E6}"/>
+              </a:ext>
+            </a:extLst>
+          </p:cNvPr>
+          <p:cNvGrpSpPr/>
+          <p:nvPr/>
+        </p:nvGrpSpPr>
+        <p:grpSpPr>
+          <a:xfrm>
+            <a:off x="5969130" y="2008514"/>
+            <a:ext cx="2975146" cy="855225"/>
+            <a:chOff x="6221518" y="4353647"/>
+            <a:chExt cx="2975146" cy="855225"/>
+          </a:xfrm>
+        </p:grpSpPr>
+        <p:sp>
+          <p:nvSpPr>
+            <p:cNvPr id="134" name="圆角矩形 133">
+              <a:extLst>
+                <a:ext uri="{FF2B5EF4-FFF2-40B4-BE49-F238E27FC236}">
+                  <a16:creationId xmlns:a16="http://schemas.microsoft.com/office/drawing/2014/main" id="{C0EE5A31-7CD6-BCE6-DBCF-7DD15B7BD6FC}"/>
+                </a:ext>
+              </a:extLst>
+            </p:cNvPr>
+            <p:cNvSpPr/>
+            <p:nvPr/>
+          </p:nvSpPr>
+          <p:spPr>
+            <a:xfrm>
+              <a:off x="6221518" y="4353647"/>
+              <a:ext cx="2975146" cy="855225"/>
+            </a:xfrm>
+            <a:prstGeom prst="roundRect">
+              <a:avLst>
+                <a:gd name="adj" fmla="val 13606"/>
+              </a:avLst>
+            </a:prstGeom>
+            <a:solidFill>
+              <a:srgbClr val="F3F3F3"/>
+            </a:solidFill>
+            <a:ln>
+              <a:noFill/>
+            </a:ln>
+          </p:spPr>
+          <p:style>
+            <a:lnRef idx="2">
+              <a:schemeClr val="accent1">
+                <a:shade val="15000"/>
+              </a:schemeClr>
+            </a:lnRef>
+            <a:fillRef idx="1">
+              <a:schemeClr val="accent1"/>
+            </a:fillRef>
+            <a:effectRef idx="0">
+              <a:schemeClr val="accent1"/>
+            </a:effectRef>
+            <a:fontRef idx="minor">
+              <a:schemeClr val="lt1"/>
+            </a:fontRef>
+          </p:style>
+          <p:txBody>
+            <a:bodyPr rtlCol="0" anchor="ctr"/>
+            <a:lstStyle/>
+            <a:p>
+              <a:pPr algn="ctr"/>
+              <a:endParaRPr kumimoji="1" lang="zh-CN" altLang="en-US" sz="2000" dirty="0">
+                <a:solidFill>
+                  <a:schemeClr val="tx1"/>
+                </a:solidFill>
+                <a:latin typeface="Calibri" panose="020F0502020204030204" pitchFamily="34" charset="0"/>
+                <a:cs typeface="Calibri" panose="020F0502020204030204" pitchFamily="34" charset="0"/>
+              </a:endParaRPr>
+            </a:p>
+          </p:txBody>
+        </p:sp>
+        <p:sp>
+          <p:nvSpPr>
+            <p:cNvPr id="135" name="文本框 134">
+              <a:extLst>
+                <a:ext uri="{FF2B5EF4-FFF2-40B4-BE49-F238E27FC236}">
+                  <a16:creationId xmlns:a16="http://schemas.microsoft.com/office/drawing/2014/main" id="{463E4DBC-E87B-2AEF-432B-A9A1A34D2468}"/>
+                </a:ext>
+              </a:extLst>
+            </p:cNvPr>
+            <p:cNvSpPr txBox="1"/>
+            <p:nvPr/>
+          </p:nvSpPr>
+          <p:spPr>
+            <a:xfrm>
+              <a:off x="6462797" y="4505733"/>
+              <a:ext cx="2596564" cy="523220"/>
+            </a:xfrm>
+            <a:prstGeom prst="rect">
+              <a:avLst/>
+            </a:prstGeom>
+            <a:noFill/>
+          </p:spPr>
+          <p:txBody>
+            <a:bodyPr wrap="square" rtlCol="0">
+              <a:spAutoFit/>
+            </a:bodyPr>
+            <a:lstStyle/>
+            <a:p>
+              <a:pPr algn="ctr"/>
+              <a:r>
+                <a:rPr kumimoji="1" lang="en-US" altLang="zh-CN" sz="2800" b="1" dirty="0">
+                  <a:latin typeface="Calibri" panose="020F0502020204030204" pitchFamily="34" charset="0"/>
+                  <a:ea typeface="Helvetica Neue" panose="02000503000000020004" pitchFamily="2" charset="0"/>
+                  <a:cs typeface="Calibri" panose="020F0502020204030204" pitchFamily="34" charset="0"/>
+                </a:rPr>
+                <a:t>Scan</a:t>
+              </a:r>
+              <a:r>
+                <a:rPr kumimoji="1" lang="en-US" altLang="zh-CN" sz="2400" b="1" dirty="0">
+                  <a:latin typeface="Calibri" panose="020F0502020204030204" pitchFamily="34" charset="0"/>
+                  <a:ea typeface="Helvetica Neue" panose="02000503000000020004" pitchFamily="2" charset="0"/>
+                  <a:cs typeface="Calibri" panose="020F0502020204030204" pitchFamily="34" charset="0"/>
+                </a:rPr>
+                <a:t> </a:t>
+              </a:r>
+              <a:r>
+                <a:rPr kumimoji="1" lang="en-US" altLang="zh-CN" sz="2400" dirty="0">
+                  <a:latin typeface="Calibri" panose="020F0502020204030204" pitchFamily="34" charset="0"/>
+                  <a:ea typeface="Helvetica Neue" panose="02000503000000020004" pitchFamily="2" charset="0"/>
+                  <a:cs typeface="Calibri" panose="020F0502020204030204" pitchFamily="34" charset="0"/>
+                </a:rPr>
+                <a:t>TITLE</a:t>
+              </a:r>
+              <a:endParaRPr kumimoji="1" lang="zh-CN" altLang="en-US" sz="2400" dirty="0">
+                <a:latin typeface="Calibri" panose="020F0502020204030204" pitchFamily="34" charset="0"/>
+                <a:cs typeface="Calibri" panose="020F0502020204030204" pitchFamily="34" charset="0"/>
+              </a:endParaRPr>
+            </a:p>
+          </p:txBody>
+        </p:sp>
+      </p:grpSp>
+      <p:cxnSp>
+        <p:nvCxnSpPr>
+          <p:cNvPr id="136" name="直线箭头连接符 135">
+            <a:extLst>
+              <a:ext uri="{FF2B5EF4-FFF2-40B4-BE49-F238E27FC236}">
+                <a16:creationId xmlns:a16="http://schemas.microsoft.com/office/drawing/2014/main" id="{2EA3EFC6-C33D-69DE-41CD-139613436321}"/>
+              </a:ext>
+            </a:extLst>
+          </p:cNvPr>
+          <p:cNvCxnSpPr>
+            <a:cxnSpLocks/>
+            <a:stCxn id="122" idx="0"/>
+            <a:endCxn id="130" idx="2"/>
+          </p:cNvCxnSpPr>
+          <p:nvPr/>
+        </p:nvCxnSpPr>
+        <p:spPr>
+          <a:xfrm flipH="1" flipV="1">
+            <a:off x="10065156" y="3912814"/>
+            <a:ext cx="2442" cy="257662"/>
+          </a:xfrm>
+          <a:prstGeom prst="straightConnector1">
+            <a:avLst/>
+          </a:prstGeom>
+          <a:ln w="28575">
+            <a:solidFill>
+              <a:srgbClr val="8B649D"/>
+            </a:solidFill>
+            <a:tailEnd type="triangle"/>
+          </a:ln>
+        </p:spPr>
+        <p:style>
+          <a:lnRef idx="3">
+            <a:schemeClr val="dk1"/>
+          </a:lnRef>
+          <a:fillRef idx="0">
+            <a:schemeClr val="dk1"/>
+          </a:fillRef>
+          <a:effectRef idx="2">
+            <a:schemeClr val="dk1"/>
+          </a:effectRef>
+          <a:fontRef idx="minor">
+            <a:schemeClr val="tx1"/>
+          </a:fontRef>
+        </p:style>
+      </p:cxnSp>
+      <p:cxnSp>
+        <p:nvCxnSpPr>
+          <p:cNvPr id="154" name="直线箭头连接符 153">
+            <a:extLst>
+              <a:ext uri="{FF2B5EF4-FFF2-40B4-BE49-F238E27FC236}">
+                <a16:creationId xmlns:a16="http://schemas.microsoft.com/office/drawing/2014/main" id="{78681C00-941A-3AAB-CA83-B71BE1C1B20C}"/>
+              </a:ext>
+            </a:extLst>
+          </p:cNvPr>
+          <p:cNvCxnSpPr>
+            <a:cxnSpLocks/>
+            <a:stCxn id="91" idx="0"/>
+          </p:cNvCxnSpPr>
+          <p:nvPr/>
+        </p:nvCxnSpPr>
+        <p:spPr>
+          <a:xfrm flipV="1">
+            <a:off x="1217841" y="1232592"/>
+            <a:ext cx="8141" cy="523220"/>
+          </a:xfrm>
+          <a:prstGeom prst="straightConnector1">
+            <a:avLst/>
+          </a:prstGeom>
+          <a:ln w="28575">
+            <a:solidFill>
+              <a:srgbClr val="8B649D"/>
+            </a:solidFill>
+            <a:tailEnd type="none"/>
+          </a:ln>
+        </p:spPr>
+        <p:style>
+          <a:lnRef idx="3">
+            <a:schemeClr val="dk1"/>
+          </a:lnRef>
+          <a:fillRef idx="0">
+            <a:schemeClr val="dk1"/>
+          </a:fillRef>
+          <a:effectRef idx="2">
+            <a:schemeClr val="dk1"/>
+          </a:effectRef>
+          <a:fontRef idx="minor">
+            <a:schemeClr val="tx1"/>
+          </a:fontRef>
+        </p:style>
+      </p:cxnSp>
+      <p:cxnSp>
+        <p:nvCxnSpPr>
+          <p:cNvPr id="157" name="直线箭头连接符 156">
+            <a:extLst>
+              <a:ext uri="{FF2B5EF4-FFF2-40B4-BE49-F238E27FC236}">
+                <a16:creationId xmlns:a16="http://schemas.microsoft.com/office/drawing/2014/main" id="{04FD5E91-353A-0C33-63C1-35B0C1A32BD8}"/>
+              </a:ext>
+            </a:extLst>
+          </p:cNvPr>
+          <p:cNvCxnSpPr>
+            <a:cxnSpLocks/>
+          </p:cNvCxnSpPr>
+          <p:nvPr/>
+        </p:nvCxnSpPr>
+        <p:spPr>
+          <a:xfrm>
+            <a:off x="1223661" y="1256656"/>
+            <a:ext cx="4390598" cy="31115"/>
+          </a:xfrm>
+          <a:prstGeom prst="straightConnector1">
+            <a:avLst/>
+          </a:prstGeom>
+          <a:ln w="28575">
+            <a:solidFill>
+              <a:srgbClr val="8B649D"/>
+            </a:solidFill>
+            <a:tailEnd type="none"/>
+          </a:ln>
+        </p:spPr>
+        <p:style>
+          <a:lnRef idx="3">
+            <a:schemeClr val="dk1"/>
+          </a:lnRef>
+          <a:fillRef idx="0">
+            <a:schemeClr val="dk1"/>
+          </a:fillRef>
+          <a:effectRef idx="2">
+            <a:schemeClr val="dk1"/>
+          </a:effectRef>
+          <a:fontRef idx="minor">
+            <a:schemeClr val="tx1"/>
+          </a:fontRef>
+        </p:style>
+      </p:cxnSp>
+      <p:cxnSp>
+        <p:nvCxnSpPr>
+          <p:cNvPr id="160" name="直线箭头连接符 159">
+            <a:extLst>
+              <a:ext uri="{FF2B5EF4-FFF2-40B4-BE49-F238E27FC236}">
+                <a16:creationId xmlns:a16="http://schemas.microsoft.com/office/drawing/2014/main" id="{EAA460DE-EA11-6D8D-DFA5-B3A589BE1483}"/>
+              </a:ext>
+            </a:extLst>
+          </p:cNvPr>
+          <p:cNvCxnSpPr>
+            <a:cxnSpLocks/>
+          </p:cNvCxnSpPr>
+          <p:nvPr/>
+        </p:nvCxnSpPr>
+        <p:spPr>
+          <a:xfrm flipV="1">
+            <a:off x="5614260" y="1287771"/>
+            <a:ext cx="0" cy="3988485"/>
+          </a:xfrm>
+          <a:prstGeom prst="straightConnector1">
+            <a:avLst/>
+          </a:prstGeom>
+          <a:ln w="28575">
+            <a:solidFill>
+              <a:srgbClr val="8B649D"/>
+            </a:solidFill>
+            <a:tailEnd type="none"/>
+          </a:ln>
+        </p:spPr>
+        <p:style>
+          <a:lnRef idx="3">
+            <a:schemeClr val="dk1"/>
+          </a:lnRef>
+          <a:fillRef idx="0">
+            <a:schemeClr val="dk1"/>
+          </a:fillRef>
+          <a:effectRef idx="2">
+            <a:schemeClr val="dk1"/>
+          </a:effectRef>
+          <a:fontRef idx="minor">
+            <a:schemeClr val="tx1"/>
+          </a:fontRef>
+        </p:style>
+      </p:cxnSp>
+      <p:cxnSp>
+        <p:nvCxnSpPr>
+          <p:cNvPr id="163" name="直线箭头连接符 162">
+            <a:extLst>
+              <a:ext uri="{FF2B5EF4-FFF2-40B4-BE49-F238E27FC236}">
+                <a16:creationId xmlns:a16="http://schemas.microsoft.com/office/drawing/2014/main" id="{EB93EE94-48A4-4D72-68B4-64191E01FCE6}"/>
+              </a:ext>
+            </a:extLst>
+          </p:cNvPr>
+          <p:cNvCxnSpPr>
+            <a:cxnSpLocks/>
+          </p:cNvCxnSpPr>
+          <p:nvPr/>
+        </p:nvCxnSpPr>
+        <p:spPr>
+          <a:xfrm>
+            <a:off x="5612924" y="5276256"/>
+            <a:ext cx="4472251" cy="0"/>
+          </a:xfrm>
+          <a:prstGeom prst="straightConnector1">
+            <a:avLst/>
+          </a:prstGeom>
+          <a:ln w="28575">
+            <a:solidFill>
+              <a:srgbClr val="8B649D"/>
+            </a:solidFill>
+            <a:tailEnd type="none"/>
+          </a:ln>
+        </p:spPr>
+        <p:style>
+          <a:lnRef idx="3">
+            <a:schemeClr val="dk1"/>
+          </a:lnRef>
+          <a:fillRef idx="0">
+            <a:schemeClr val="dk1"/>
+          </a:fillRef>
+          <a:effectRef idx="2">
+            <a:schemeClr val="dk1"/>
+          </a:effectRef>
+          <a:fontRef idx="minor">
+            <a:schemeClr val="tx1"/>
+          </a:fontRef>
+        </p:style>
+      </p:cxnSp>
+    </p:spTree>
+    <p:extLst>
+      <p:ext uri="{BB962C8B-B14F-4D97-AF65-F5344CB8AC3E}">
+        <p14:creationId xmlns:p14="http://schemas.microsoft.com/office/powerpoint/2010/main" val="744361930"/>
+      </p:ext>
+    </p:extLst>
+  </p:cSld>
+  <p:clrMapOvr>
+    <a:masterClrMapping/>
+  </p:clrMapOvr>
+</p:sld>
+</file>
+
+<file path=ppt/slides/slide7.xml><?xml version="1.0" encoding="utf-8"?>
 <p:sld xmlns:a="http://schemas.openxmlformats.org/drawingml/2006/main" xmlns:r="http://schemas.openxmlformats.org/officeDocument/2006/relationships" xmlns:p="http://schemas.openxmlformats.org/presentationml/2006/main">
   <p:cSld>
     <p:spTree>
@@ -12025,10 +20618,10 @@
         </p:nvGrpSpPr>
         <p:grpSpPr>
           <a:xfrm>
-            <a:off x="-4728166" y="5178656"/>
-            <a:ext cx="3085007" cy="1581620"/>
-            <a:chOff x="6171941" y="4078366"/>
-            <a:chExt cx="3085007" cy="1581620"/>
+            <a:off x="-1526641" y="3729115"/>
+            <a:ext cx="3109537" cy="1578090"/>
+            <a:chOff x="6087127" y="4081896"/>
+            <a:chExt cx="3109537" cy="1578090"/>
           </a:xfrm>
         </p:grpSpPr>
         <p:sp>
@@ -12105,7 +20698,7 @@
           </p:nvSpPr>
           <p:spPr>
             <a:xfrm>
-              <a:off x="6171941" y="4078366"/>
+              <a:off x="6087127" y="4081896"/>
               <a:ext cx="3085007" cy="1508105"/>
             </a:xfrm>
             <a:prstGeom prst="rect">
@@ -12609,15 +21202,15 @@
           </p:cNvPr>
           <p:cNvCxnSpPr>
             <a:cxnSpLocks/>
-            <a:stCxn id="80" idx="0"/>
-            <a:endCxn id="75" idx="2"/>
+            <a:stCxn id="80" idx="1"/>
+            <a:endCxn id="75" idx="3"/>
           </p:cNvCxnSpPr>
           <p:nvPr/>
         </p:nvCxnSpPr>
         <p:spPr>
-          <a:xfrm flipV="1">
-            <a:off x="-3191016" y="5000049"/>
-            <a:ext cx="2178" cy="280808"/>
+          <a:xfrm flipH="1" flipV="1">
+            <a:off x="-1701265" y="4565951"/>
+            <a:ext cx="309015" cy="1545"/>
           </a:xfrm>
           <a:prstGeom prst="straightConnector1">
             <a:avLst/>
@@ -14553,7 +23146,7 @@
     </p:spTree>
     <p:extLst>
       <p:ext uri="{BB962C8B-B14F-4D97-AF65-F5344CB8AC3E}">
-        <p14:creationId xmlns:p14="http://schemas.microsoft.com/office/powerpoint/2010/main" val="744361930"/>
+        <p14:creationId xmlns:p14="http://schemas.microsoft.com/office/powerpoint/2010/main" val="1495851293"/>
       </p:ext>
     </p:extLst>
   </p:cSld>

--- a/revise.pptx
+++ b/revise.pptx
@@ -113,6 +113,11 @@
       </a:defRPr>
     </a:lvl9pPr>
   </p:defaultTextStyle>
+  <p:extLst>
+    <p:ext uri="{EFAFB233-063F-42B5-8137-9DF3F51BA10A}">
+      <p15:sldGuideLst xmlns:p15="http://schemas.microsoft.com/office/powerpoint/2012/main"/>
+    </p:ext>
+  </p:extLst>
 </p:presentation>
 </file>
 
@@ -198,7 +203,7 @@
           <a:p>
             <a:fld id="{F5C0EDA8-1934-5A4C-9851-C20F892D67C3}" type="datetimeFigureOut">
               <a:rPr kumimoji="1" lang="zh-CN" altLang="en-US" smtClean="0"/>
-              <a:t>2024/7/18</a:t>
+              <a:t>2024/7/24</a:t>
             </a:fld>
             <a:endParaRPr kumimoji="1" lang="zh-CN" altLang="en-US"/>
           </a:p>
@@ -1200,7 +1205,7 @@
           <a:p>
             <a:fld id="{55120368-E719-EA48-BB9B-1E3652376A12}" type="datetimeFigureOut">
               <a:rPr kumimoji="1" lang="zh-CN" altLang="en-US" smtClean="0"/>
-              <a:t>2024/7/18</a:t>
+              <a:t>2024/7/24</a:t>
             </a:fld>
             <a:endParaRPr kumimoji="1" lang="zh-CN" altLang="en-US"/>
           </a:p>
@@ -1398,7 +1403,7 @@
           <a:p>
             <a:fld id="{55120368-E719-EA48-BB9B-1E3652376A12}" type="datetimeFigureOut">
               <a:rPr kumimoji="1" lang="zh-CN" altLang="en-US" smtClean="0"/>
-              <a:t>2024/7/18</a:t>
+              <a:t>2024/7/24</a:t>
             </a:fld>
             <a:endParaRPr kumimoji="1" lang="zh-CN" altLang="en-US"/>
           </a:p>
@@ -1606,7 +1611,7 @@
           <a:p>
             <a:fld id="{55120368-E719-EA48-BB9B-1E3652376A12}" type="datetimeFigureOut">
               <a:rPr kumimoji="1" lang="zh-CN" altLang="en-US" smtClean="0"/>
-              <a:t>2024/7/18</a:t>
+              <a:t>2024/7/24</a:t>
             </a:fld>
             <a:endParaRPr kumimoji="1" lang="zh-CN" altLang="en-US"/>
           </a:p>
@@ -1804,7 +1809,7 @@
           <a:p>
             <a:fld id="{55120368-E719-EA48-BB9B-1E3652376A12}" type="datetimeFigureOut">
               <a:rPr kumimoji="1" lang="zh-CN" altLang="en-US" smtClean="0"/>
-              <a:t>2024/7/18</a:t>
+              <a:t>2024/7/24</a:t>
             </a:fld>
             <a:endParaRPr kumimoji="1" lang="zh-CN" altLang="en-US"/>
           </a:p>
@@ -2079,7 +2084,7 @@
           <a:p>
             <a:fld id="{55120368-E719-EA48-BB9B-1E3652376A12}" type="datetimeFigureOut">
               <a:rPr kumimoji="1" lang="zh-CN" altLang="en-US" smtClean="0"/>
-              <a:t>2024/7/18</a:t>
+              <a:t>2024/7/24</a:t>
             </a:fld>
             <a:endParaRPr kumimoji="1" lang="zh-CN" altLang="en-US"/>
           </a:p>
@@ -2344,7 +2349,7 @@
           <a:p>
             <a:fld id="{55120368-E719-EA48-BB9B-1E3652376A12}" type="datetimeFigureOut">
               <a:rPr kumimoji="1" lang="zh-CN" altLang="en-US" smtClean="0"/>
-              <a:t>2024/7/18</a:t>
+              <a:t>2024/7/24</a:t>
             </a:fld>
             <a:endParaRPr kumimoji="1" lang="zh-CN" altLang="en-US"/>
           </a:p>
@@ -2756,7 +2761,7 @@
           <a:p>
             <a:fld id="{55120368-E719-EA48-BB9B-1E3652376A12}" type="datetimeFigureOut">
               <a:rPr kumimoji="1" lang="zh-CN" altLang="en-US" smtClean="0"/>
-              <a:t>2024/7/18</a:t>
+              <a:t>2024/7/24</a:t>
             </a:fld>
             <a:endParaRPr kumimoji="1" lang="zh-CN" altLang="en-US"/>
           </a:p>
@@ -2897,7 +2902,7 @@
           <a:p>
             <a:fld id="{55120368-E719-EA48-BB9B-1E3652376A12}" type="datetimeFigureOut">
               <a:rPr kumimoji="1" lang="zh-CN" altLang="en-US" smtClean="0"/>
-              <a:t>2024/7/18</a:t>
+              <a:t>2024/7/24</a:t>
             </a:fld>
             <a:endParaRPr kumimoji="1" lang="zh-CN" altLang="en-US"/>
           </a:p>
@@ -3010,7 +3015,7 @@
           <a:p>
             <a:fld id="{55120368-E719-EA48-BB9B-1E3652376A12}" type="datetimeFigureOut">
               <a:rPr kumimoji="1" lang="zh-CN" altLang="en-US" smtClean="0"/>
-              <a:t>2024/7/18</a:t>
+              <a:t>2024/7/24</a:t>
             </a:fld>
             <a:endParaRPr kumimoji="1" lang="zh-CN" altLang="en-US"/>
           </a:p>
@@ -3321,7 +3326,7 @@
           <a:p>
             <a:fld id="{55120368-E719-EA48-BB9B-1E3652376A12}" type="datetimeFigureOut">
               <a:rPr kumimoji="1" lang="zh-CN" altLang="en-US" smtClean="0"/>
-              <a:t>2024/7/18</a:t>
+              <a:t>2024/7/24</a:t>
             </a:fld>
             <a:endParaRPr kumimoji="1" lang="zh-CN" altLang="en-US"/>
           </a:p>
@@ -3609,7 +3614,7 @@
           <a:p>
             <a:fld id="{55120368-E719-EA48-BB9B-1E3652376A12}" type="datetimeFigureOut">
               <a:rPr kumimoji="1" lang="zh-CN" altLang="en-US" smtClean="0"/>
-              <a:t>2024/7/18</a:t>
+              <a:t>2024/7/24</a:t>
             </a:fld>
             <a:endParaRPr kumimoji="1" lang="zh-CN" altLang="en-US"/>
           </a:p>
@@ -3850,7 +3855,7 @@
           <a:p>
             <a:fld id="{55120368-E719-EA48-BB9B-1E3652376A12}" type="datetimeFigureOut">
               <a:rPr kumimoji="1" lang="zh-CN" altLang="en-US" smtClean="0"/>
-              <a:t>2024/7/18</a:t>
+              <a:t>2024/7/24</a:t>
             </a:fld>
             <a:endParaRPr kumimoji="1" lang="zh-CN" altLang="en-US"/>
           </a:p>
@@ -11546,7 +11551,7 @@
                 <a:ea typeface="Helvetica Neue" panose="02000503000000020004" pitchFamily="2" charset="0"/>
                 <a:cs typeface="Calibri" panose="020F0502020204030204" pitchFamily="34" charset="0"/>
               </a:rPr>
-              <a:t>Projection</a:t>
+              <a:t>PROJECTION</a:t>
             </a:r>
           </a:p>
           <a:p>
@@ -12124,7 +12129,7 @@
                   <a:ea typeface="Helvetica Neue" panose="02000503000000020004" pitchFamily="2" charset="0"/>
                   <a:cs typeface="Calibri" panose="020F0502020204030204" pitchFamily="34" charset="0"/>
                 </a:rPr>
-                <a:t>Join</a:t>
+                <a:t>JOIN</a:t>
               </a:r>
               <a:endParaRPr kumimoji="1" lang="en-US" altLang="zh-CN" sz="2400" b="1" dirty="0">
                 <a:latin typeface="Calibri" panose="020F0502020204030204" pitchFamily="34" charset="0"/>
@@ -12296,7 +12301,7 @@
                   <a:ea typeface="Helvetica Neue" panose="02000503000000020004" pitchFamily="2" charset="0"/>
                   <a:cs typeface="Calibri" panose="020F0502020204030204" pitchFamily="34" charset="0"/>
                 </a:rPr>
-                <a:t>Scan</a:t>
+                <a:t>SCAN</a:t>
               </a:r>
               <a:r>
                 <a:rPr kumimoji="1" lang="zh-CN" altLang="en-US" sz="2400" b="1" dirty="0">
@@ -12452,7 +12457,7 @@
                   <a:ea typeface="Helvetica Neue" panose="02000503000000020004" pitchFamily="2" charset="0"/>
                   <a:cs typeface="Calibri" panose="020F0502020204030204" pitchFamily="34" charset="0"/>
                 </a:rPr>
-                <a:t>Scan</a:t>
+                <a:t>SCAN</a:t>
               </a:r>
               <a:r>
                 <a:rPr kumimoji="1" lang="zh-CN" altLang="en-US" sz="2400" b="1" dirty="0">
@@ -12601,7 +12606,7 @@
                   <a:ea typeface="Helvetica Neue" panose="02000503000000020004" pitchFamily="2" charset="0"/>
                   <a:cs typeface="Calibri" panose="020F0502020204030204" pitchFamily="34" charset="0"/>
                 </a:rPr>
-                <a:t>Scan</a:t>
+                <a:t>SCAN</a:t>
               </a:r>
               <a:r>
                 <a:rPr kumimoji="1" lang="zh-CN" altLang="en-US" sz="2400" b="1" dirty="0">
@@ -12975,7 +12980,7 @@
                   <a:ea typeface="Helvetica Neue" panose="02000503000000020004" pitchFamily="2" charset="0"/>
                   <a:cs typeface="Calibri" panose="020F0502020204030204" pitchFamily="34" charset="0"/>
                 </a:rPr>
-                <a:t>Scan</a:t>
+                <a:t>SCAN</a:t>
               </a:r>
               <a:r>
                 <a:rPr kumimoji="1" lang="zh-CN" altLang="en-US" sz="2400" b="1" dirty="0">
@@ -13116,7 +13121,7 @@
                   <a:ea typeface="Helvetica Neue" panose="02000503000000020004" pitchFamily="2" charset="0"/>
                   <a:cs typeface="Calibri" panose="020F0502020204030204" pitchFamily="34" charset="0"/>
                 </a:rPr>
-                <a:t>Selection</a:t>
+                <a:t>SELECTION</a:t>
               </a:r>
               <a:r>
                 <a:rPr kumimoji="1" lang="zh-CN" altLang="en-US" sz="2400" b="1" dirty="0">
@@ -13439,7 +13444,7 @@
                 <a:ea typeface="Helvetica Neue" panose="02000503000000020004" pitchFamily="2" charset="0"/>
                 <a:cs typeface="Calibri" panose="020F0502020204030204" pitchFamily="34" charset="0"/>
               </a:rPr>
-              <a:t>Projection</a:t>
+              <a:t>PROJECTION</a:t>
             </a:r>
           </a:p>
           <a:p>
@@ -13564,7 +13569,7 @@
                 <a:ea typeface="Helvetica Neue" panose="02000503000000020004" pitchFamily="2" charset="0"/>
                 <a:cs typeface="Calibri" panose="020F0502020204030204" pitchFamily="34" charset="0"/>
               </a:rPr>
-              <a:t>Join</a:t>
+              <a:t>JOIN</a:t>
             </a:r>
             <a:r>
               <a:rPr kumimoji="1" lang="zh-CN" altLang="en-US" sz="2400" b="1" dirty="0">
@@ -13617,7 +13622,7 @@
                 <a:ea typeface="Helvetica Neue" panose="02000503000000020004" pitchFamily="2" charset="0"/>
                 <a:cs typeface="Calibri" panose="020F0502020204030204" pitchFamily="34" charset="0"/>
               </a:rPr>
-              <a:t>Join</a:t>
+              <a:t>JOIN</a:t>
             </a:r>
             <a:r>
               <a:rPr kumimoji="1" lang="zh-CN" altLang="en-US" sz="2400" b="1" dirty="0">
@@ -13750,7 +13755,7 @@
                   <a:ea typeface="Helvetica Neue" panose="02000503000000020004" pitchFamily="2" charset="0"/>
                   <a:cs typeface="Calibri" panose="020F0502020204030204" pitchFamily="34" charset="0"/>
                 </a:rPr>
-                <a:t>Join</a:t>
+                <a:t>JOIN</a:t>
               </a:r>
               <a:endParaRPr kumimoji="1" lang="en-US" altLang="zh-CN" sz="2400" b="1" dirty="0">
                 <a:latin typeface="Calibri" panose="020F0502020204030204" pitchFamily="34" charset="0"/>
@@ -13922,7 +13927,7 @@
                   <a:ea typeface="Helvetica Neue" panose="02000503000000020004" pitchFamily="2" charset="0"/>
                   <a:cs typeface="Calibri" panose="020F0502020204030204" pitchFamily="34" charset="0"/>
                 </a:rPr>
-                <a:t>Scan</a:t>
+                <a:t>SCAN</a:t>
               </a:r>
               <a:r>
                 <a:rPr kumimoji="1" lang="zh-CN" altLang="en-US" sz="2400" b="1" dirty="0">
@@ -14117,7 +14122,7 @@
                   <a:ea typeface="Helvetica Neue" panose="02000503000000020004" pitchFamily="2" charset="0"/>
                   <a:cs typeface="Calibri" panose="020F0502020204030204" pitchFamily="34" charset="0"/>
                 </a:rPr>
-                <a:t>Join</a:t>
+                <a:t>JOIN</a:t>
               </a:r>
               <a:endParaRPr kumimoji="1" lang="en-US" altLang="zh-CN" sz="2400" b="1" dirty="0">
                 <a:latin typeface="Calibri" panose="020F0502020204030204" pitchFamily="34" charset="0"/>
@@ -14289,7 +14294,7 @@
                   <a:ea typeface="Helvetica Neue" panose="02000503000000020004" pitchFamily="2" charset="0"/>
                   <a:cs typeface="Calibri" panose="020F0502020204030204" pitchFamily="34" charset="0"/>
                 </a:rPr>
-                <a:t>Scan</a:t>
+                <a:t>SCAN</a:t>
               </a:r>
               <a:r>
                 <a:rPr kumimoji="1" lang="zh-CN" altLang="en-US" sz="2400" b="1" dirty="0">
@@ -14476,7 +14481,7 @@
                   <a:ea typeface="Helvetica Neue" panose="02000503000000020004" pitchFamily="2" charset="0"/>
                   <a:cs typeface="Calibri" panose="020F0502020204030204" pitchFamily="34" charset="0"/>
                 </a:rPr>
-                <a:t>Join</a:t>
+                <a:t>JOIN</a:t>
               </a:r>
               <a:endParaRPr kumimoji="1" lang="en-US" altLang="zh-CN" sz="2400" b="1" dirty="0">
                 <a:latin typeface="Calibri" panose="020F0502020204030204" pitchFamily="34" charset="0"/>
@@ -14648,7 +14653,7 @@
                   <a:ea typeface="Helvetica Neue" panose="02000503000000020004" pitchFamily="2" charset="0"/>
                   <a:cs typeface="Calibri" panose="020F0502020204030204" pitchFamily="34" charset="0"/>
                 </a:rPr>
-                <a:t>Scan</a:t>
+                <a:t>SCAN</a:t>
               </a:r>
               <a:r>
                 <a:rPr kumimoji="1" lang="en-US" altLang="zh-CN" sz="2400" b="1" dirty="0">
@@ -14865,7 +14870,7 @@
                   <a:ea typeface="Helvetica Neue" panose="02000503000000020004" pitchFamily="2" charset="0"/>
                   <a:cs typeface="Calibri" panose="020F0502020204030204" pitchFamily="34" charset="0"/>
                 </a:rPr>
-                <a:t>Join</a:t>
+                <a:t>JOIN</a:t>
               </a:r>
               <a:endParaRPr kumimoji="1" lang="en-US" altLang="zh-CN" sz="2400" b="1" dirty="0">
                 <a:latin typeface="Calibri" panose="020F0502020204030204" pitchFamily="34" charset="0"/>
@@ -14936,10 +14941,10 @@
         </p:nvGrpSpPr>
         <p:grpSpPr>
           <a:xfrm>
-            <a:off x="2274724" y="3669480"/>
-            <a:ext cx="3109537" cy="1578090"/>
-            <a:chOff x="6087127" y="4081896"/>
-            <a:chExt cx="3109537" cy="1578090"/>
+            <a:off x="-327342" y="5159069"/>
+            <a:ext cx="3085007" cy="1768076"/>
+            <a:chOff x="6166587" y="4180567"/>
+            <a:chExt cx="3085007" cy="1768076"/>
           </a:xfrm>
         </p:grpSpPr>
         <p:sp>
@@ -15016,7 +15021,7 @@
           </p:nvSpPr>
           <p:spPr>
             <a:xfrm>
-              <a:off x="6087127" y="4081896"/>
+              <a:off x="6166587" y="4440538"/>
               <a:ext cx="3085007" cy="1508105"/>
             </a:xfrm>
             <a:prstGeom prst="rect">
@@ -15037,7 +15042,7 @@
                   <a:ea typeface="Helvetica Neue" panose="02000503000000020004" pitchFamily="2" charset="0"/>
                   <a:cs typeface="Calibri" panose="020F0502020204030204" pitchFamily="34" charset="0"/>
                 </a:rPr>
-                <a:t>Scan</a:t>
+                <a:t>SCAN</a:t>
               </a:r>
               <a:r>
                 <a:rPr kumimoji="1" lang="zh-CN" altLang="en-US" sz="2400" b="1" dirty="0">
@@ -15193,7 +15198,7 @@
                   <a:ea typeface="Helvetica Neue" panose="02000503000000020004" pitchFamily="2" charset="0"/>
                   <a:cs typeface="Calibri" panose="020F0502020204030204" pitchFamily="34" charset="0"/>
                 </a:rPr>
-                <a:t>Scan</a:t>
+                <a:t>SCAN</a:t>
               </a:r>
               <a:r>
                 <a:rPr kumimoji="1" lang="zh-CN" altLang="en-US" sz="2400" b="1" dirty="0">
@@ -15241,7 +15246,7 @@
         </p:nvGrpSpPr>
         <p:grpSpPr>
           <a:xfrm>
-            <a:off x="10827191" y="2869283"/>
+            <a:off x="7974263" y="2869283"/>
             <a:ext cx="3330820" cy="1302844"/>
             <a:chOff x="5983100" y="4180568"/>
             <a:chExt cx="3330820" cy="1302844"/>
@@ -15342,7 +15347,7 @@
                   <a:ea typeface="Helvetica Neue" panose="02000503000000020004" pitchFamily="2" charset="0"/>
                   <a:cs typeface="Calibri" panose="020F0502020204030204" pitchFamily="34" charset="0"/>
                 </a:rPr>
-                <a:t>Scan</a:t>
+                <a:t>SCAN</a:t>
               </a:r>
               <a:r>
                 <a:rPr kumimoji="1" lang="zh-CN" altLang="en-US" sz="2400" b="1" dirty="0">
@@ -15481,7 +15486,7 @@
         </p:nvCxnSpPr>
         <p:spPr>
           <a:xfrm flipH="1" flipV="1">
-            <a:off x="10730748" y="3518629"/>
+            <a:off x="7877820" y="3518629"/>
             <a:ext cx="334861" cy="2076"/>
           </a:xfrm>
           <a:prstGeom prst="straightConnector1">
@@ -15520,15 +15525,15 @@
           </p:cNvPr>
           <p:cNvCxnSpPr>
             <a:cxnSpLocks/>
-            <a:stCxn id="80" idx="1"/>
-            <a:endCxn id="75" idx="3"/>
+            <a:stCxn id="80" idx="0"/>
+            <a:endCxn id="75" idx="2"/>
           </p:cNvCxnSpPr>
           <p:nvPr/>
         </p:nvCxnSpPr>
         <p:spPr>
           <a:xfrm flipH="1" flipV="1">
-            <a:off x="2091374" y="4506316"/>
-            <a:ext cx="317741" cy="1545"/>
+            <a:off x="1207779" y="4940414"/>
+            <a:ext cx="7383" cy="218655"/>
           </a:xfrm>
           <a:prstGeom prst="straightConnector1">
             <a:avLst/>
@@ -15716,7 +15721,7 @@
                   <a:ea typeface="Helvetica Neue" panose="02000503000000020004" pitchFamily="2" charset="0"/>
                   <a:cs typeface="Calibri" panose="020F0502020204030204" pitchFamily="34" charset="0"/>
                 </a:rPr>
-                <a:t>Scan</a:t>
+                <a:t>SCAN</a:t>
               </a:r>
               <a:r>
                 <a:rPr kumimoji="1" lang="zh-CN" altLang="en-US" sz="2400" b="1" dirty="0">
@@ -15857,7 +15862,7 @@
                   <a:ea typeface="Helvetica Neue" panose="02000503000000020004" pitchFamily="2" charset="0"/>
                   <a:cs typeface="Calibri" panose="020F0502020204030204" pitchFamily="34" charset="0"/>
                 </a:rPr>
-                <a:t>Selection</a:t>
+                <a:t>SELECTION</a:t>
               </a:r>
               <a:r>
                 <a:rPr kumimoji="1" lang="zh-CN" altLang="en-US" sz="2400" b="1" dirty="0">
@@ -15947,7 +15952,7 @@
         </p:nvSpPr>
         <p:spPr>
           <a:xfrm>
-            <a:off x="9396733" y="2061970"/>
+            <a:off x="6543805" y="2061970"/>
             <a:ext cx="1334020" cy="725306"/>
           </a:xfrm>
           <a:prstGeom prst="roundRect">
@@ -16057,7 +16062,7 @@
         </p:nvCxnSpPr>
         <p:spPr>
           <a:xfrm flipH="1" flipV="1">
-            <a:off x="10063743" y="2787276"/>
+            <a:off x="7210815" y="2787276"/>
             <a:ext cx="1413" cy="337168"/>
           </a:xfrm>
           <a:prstGeom prst="straightConnector1">
@@ -16099,7 +16104,7 @@
         </p:nvSpPr>
         <p:spPr>
           <a:xfrm>
-            <a:off x="8463748" y="974930"/>
+            <a:off x="5610820" y="974930"/>
             <a:ext cx="3078654" cy="895280"/>
           </a:xfrm>
           <a:prstGeom prst="roundRect">
@@ -16159,7 +16164,7 @@
         </p:nvSpPr>
         <p:spPr>
           <a:xfrm>
-            <a:off x="8738954" y="974930"/>
+            <a:off x="5886026" y="974930"/>
             <a:ext cx="2649578" cy="892552"/>
           </a:xfrm>
           <a:prstGeom prst="rect">
@@ -16180,7 +16185,7 @@
                 <a:ea typeface="Helvetica Neue" panose="02000503000000020004" pitchFamily="2" charset="0"/>
                 <a:cs typeface="Calibri" panose="020F0502020204030204" pitchFamily="34" charset="0"/>
               </a:rPr>
-              <a:t>Projection</a:t>
+              <a:t>PROJECTION</a:t>
             </a:r>
           </a:p>
           <a:p>
@@ -16242,7 +16247,7 @@
         </p:nvCxnSpPr>
         <p:spPr>
           <a:xfrm flipV="1">
-            <a:off x="10063743" y="1867482"/>
+            <a:off x="7210815" y="1867482"/>
             <a:ext cx="0" cy="194488"/>
           </a:xfrm>
           <a:prstGeom prst="straightConnector1">
@@ -16305,7 +16310,7 @@
                 <a:ea typeface="Helvetica Neue" panose="02000503000000020004" pitchFamily="2" charset="0"/>
                 <a:cs typeface="Calibri" panose="020F0502020204030204" pitchFamily="34" charset="0"/>
               </a:rPr>
-              <a:t>Join</a:t>
+              <a:t>JOIN</a:t>
             </a:r>
             <a:r>
               <a:rPr kumimoji="1" lang="zh-CN" altLang="en-US" sz="2400" b="1" dirty="0">
@@ -16337,7 +16342,7 @@
         </p:nvSpPr>
         <p:spPr>
           <a:xfrm>
-            <a:off x="8944276" y="2144427"/>
+            <a:off x="6091348" y="2144427"/>
             <a:ext cx="2248750" cy="523220"/>
           </a:xfrm>
           <a:prstGeom prst="rect">
@@ -16358,7 +16363,7 @@
                 <a:ea typeface="Helvetica Neue" panose="02000503000000020004" pitchFamily="2" charset="0"/>
                 <a:cs typeface="Calibri" panose="020F0502020204030204" pitchFamily="34" charset="0"/>
               </a:rPr>
-              <a:t>Join</a:t>
+              <a:t>JOIN</a:t>
             </a:r>
             <a:r>
               <a:rPr kumimoji="1" lang="zh-CN" altLang="en-US" sz="2400" b="1" dirty="0">
@@ -16491,7 +16496,7 @@
                   <a:ea typeface="Helvetica Neue" panose="02000503000000020004" pitchFamily="2" charset="0"/>
                   <a:cs typeface="Calibri" panose="020F0502020204030204" pitchFamily="34" charset="0"/>
                 </a:rPr>
-                <a:t>Join</a:t>
+                <a:t>JOIN</a:t>
               </a:r>
               <a:endParaRPr kumimoji="1" lang="en-US" altLang="zh-CN" sz="2400" b="1" dirty="0">
                 <a:latin typeface="Calibri" panose="020F0502020204030204" pitchFamily="34" charset="0"/>
@@ -16663,7 +16668,7 @@
                   <a:ea typeface="Helvetica Neue" panose="02000503000000020004" pitchFamily="2" charset="0"/>
                   <a:cs typeface="Calibri" panose="020F0502020204030204" pitchFamily="34" charset="0"/>
                 </a:rPr>
-                <a:t>Scan</a:t>
+                <a:t>SCAN</a:t>
               </a:r>
               <a:r>
                 <a:rPr kumimoji="1" lang="zh-CN" altLang="en-US" sz="2400" b="1" dirty="0">
@@ -16757,7 +16762,7 @@
         </p:nvGrpSpPr>
         <p:grpSpPr>
           <a:xfrm>
-            <a:off x="9404448" y="4170476"/>
+            <a:off x="6551520" y="4170476"/>
             <a:ext cx="1326300" cy="732560"/>
             <a:chOff x="859809" y="4090913"/>
             <a:chExt cx="2975146" cy="732560"/>
@@ -16858,7 +16863,7 @@
                   <a:ea typeface="Helvetica Neue" panose="02000503000000020004" pitchFamily="2" charset="0"/>
                   <a:cs typeface="Calibri" panose="020F0502020204030204" pitchFamily="34" charset="0"/>
                 </a:rPr>
-                <a:t>Join</a:t>
+                <a:t>JOIN</a:t>
               </a:r>
               <a:endParaRPr kumimoji="1" lang="en-US" altLang="zh-CN" sz="2400" b="1" dirty="0">
                 <a:latin typeface="Calibri" panose="020F0502020204030204" pitchFamily="34" charset="0"/>
@@ -16887,7 +16892,7 @@
         </p:nvCxnSpPr>
         <p:spPr>
           <a:xfrm flipV="1">
-            <a:off x="9045606" y="4536756"/>
+            <a:off x="6192678" y="4536756"/>
             <a:ext cx="358842" cy="9402"/>
           </a:xfrm>
           <a:prstGeom prst="straightConnector1">
@@ -16929,7 +16934,7 @@
         </p:nvGrpSpPr>
         <p:grpSpPr>
           <a:xfrm>
-            <a:off x="5962777" y="4070279"/>
+            <a:off x="3109849" y="4070279"/>
             <a:ext cx="3182162" cy="892552"/>
             <a:chOff x="6113835" y="4350043"/>
             <a:chExt cx="3182162" cy="892552"/>
@@ -17030,7 +17035,7 @@
                   <a:ea typeface="Helvetica Neue" panose="02000503000000020004" pitchFamily="2" charset="0"/>
                   <a:cs typeface="Calibri" panose="020F0502020204030204" pitchFamily="34" charset="0"/>
                 </a:rPr>
-                <a:t>Scan</a:t>
+                <a:t>SCAN</a:t>
               </a:r>
               <a:r>
                 <a:rPr kumimoji="1" lang="zh-CN" altLang="en-US" sz="2400" b="1" dirty="0">
@@ -17073,7 +17078,7 @@
         </p:nvCxnSpPr>
         <p:spPr>
           <a:xfrm flipV="1">
-            <a:off x="10067598" y="4903036"/>
+            <a:off x="7214670" y="4903036"/>
             <a:ext cx="0" cy="371123"/>
           </a:xfrm>
           <a:prstGeom prst="straightConnector1">
@@ -17116,7 +17121,7 @@
         </p:nvGrpSpPr>
         <p:grpSpPr>
           <a:xfrm>
-            <a:off x="9399564" y="3124444"/>
+            <a:off x="6546636" y="3124444"/>
             <a:ext cx="1331184" cy="788370"/>
             <a:chOff x="859809" y="4035103"/>
             <a:chExt cx="2975146" cy="788370"/>
@@ -17217,7 +17222,7 @@
                   <a:ea typeface="Helvetica Neue" panose="02000503000000020004" pitchFamily="2" charset="0"/>
                   <a:cs typeface="Calibri" panose="020F0502020204030204" pitchFamily="34" charset="0"/>
                 </a:rPr>
-                <a:t>Join</a:t>
+                <a:t>JOIN</a:t>
               </a:r>
               <a:endParaRPr kumimoji="1" lang="en-US" altLang="zh-CN" sz="2400" b="1" dirty="0">
                 <a:latin typeface="Calibri" panose="020F0502020204030204" pitchFamily="34" charset="0"/>
@@ -17246,7 +17251,7 @@
         </p:nvCxnSpPr>
         <p:spPr>
           <a:xfrm flipV="1">
-            <a:off x="8944276" y="2424623"/>
+            <a:off x="6091348" y="2424623"/>
             <a:ext cx="452457" cy="11504"/>
           </a:xfrm>
           <a:prstGeom prst="straightConnector1">
@@ -17288,7 +17293,7 @@
         </p:nvGrpSpPr>
         <p:grpSpPr>
           <a:xfrm>
-            <a:off x="5969130" y="2008514"/>
+            <a:off x="3116202" y="2008514"/>
             <a:ext cx="2975146" cy="855225"/>
             <a:chOff x="6221518" y="4353647"/>
             <a:chExt cx="2975146" cy="855225"/>
@@ -17389,7 +17394,7 @@
                   <a:ea typeface="Helvetica Neue" panose="02000503000000020004" pitchFamily="2" charset="0"/>
                   <a:cs typeface="Calibri" panose="020F0502020204030204" pitchFamily="34" charset="0"/>
                 </a:rPr>
-                <a:t>Scan</a:t>
+                <a:t>SCAN</a:t>
               </a:r>
               <a:r>
                 <a:rPr kumimoji="1" lang="en-US" altLang="zh-CN" sz="2400" b="1" dirty="0">
@@ -17433,7 +17438,7 @@
         </p:nvCxnSpPr>
         <p:spPr>
           <a:xfrm flipH="1" flipV="1">
-            <a:off x="10065156" y="3912814"/>
+            <a:off x="7212228" y="3912814"/>
             <a:ext cx="2442" cy="257662"/>
           </a:xfrm>
           <a:prstGeom prst="straightConnector1">
@@ -17523,7 +17528,7 @@
         <p:spPr>
           <a:xfrm>
             <a:off x="1223661" y="1256656"/>
-            <a:ext cx="4390598" cy="31115"/>
+            <a:ext cx="1534004" cy="0"/>
           </a:xfrm>
           <a:prstGeom prst="straightConnector1">
             <a:avLst/>
@@ -17566,8 +17571,8 @@
         </p:nvCxnSpPr>
         <p:spPr>
           <a:xfrm flipV="1">
-            <a:off x="5614260" y="1287771"/>
-            <a:ext cx="0" cy="3988485"/>
+            <a:off x="2761332" y="1256656"/>
+            <a:ext cx="0" cy="4019600"/>
           </a:xfrm>
           <a:prstGeom prst="straightConnector1">
             <a:avLst/>
@@ -17610,7 +17615,7 @@
         </p:nvCxnSpPr>
         <p:spPr>
           <a:xfrm>
-            <a:off x="5612924" y="5276256"/>
+            <a:off x="2759996" y="5276256"/>
             <a:ext cx="4472251" cy="0"/>
           </a:xfrm>
           <a:prstGeom prst="straightConnector1">

--- a/revise.pptx
+++ b/revise.pptx
@@ -4456,7 +4456,7 @@
         </p:nvSpPr>
         <p:spPr>
           <a:xfrm>
-            <a:off x="1429407" y="609600"/>
+            <a:off x="-1008993" y="192505"/>
             <a:ext cx="5484194" cy="3970318"/>
           </a:xfrm>
           <a:prstGeom prst="rect">
@@ -4730,6 +4730,386 @@
                 <a:cs typeface="Menlo" panose="020B0609030804020204" pitchFamily="49" charset="0"/>
               </a:rPr>
               <a:t>    p2.name </a:t>
+            </a:r>
+            <a:r>
+              <a:rPr kumimoji="1" lang="en" altLang="zh-CN" dirty="0">
+                <a:solidFill>
+                  <a:srgbClr val="9A172B"/>
+                </a:solidFill>
+                <a:latin typeface="Menlo" panose="020B0609030804020204" pitchFamily="49" charset="0"/>
+                <a:ea typeface="Menlo" panose="020B0609030804020204" pitchFamily="49" charset="0"/>
+                <a:cs typeface="Menlo" panose="020B0609030804020204" pitchFamily="49" charset="0"/>
+              </a:rPr>
+              <a:t>AS</a:t>
+            </a:r>
+            <a:r>
+              <a:rPr kumimoji="1" lang="en" altLang="zh-CN" dirty="0">
+                <a:latin typeface="Menlo" panose="020B0609030804020204" pitchFamily="49" charset="0"/>
+                <a:ea typeface="Menlo" panose="020B0609030804020204" pitchFamily="49" charset="0"/>
+                <a:cs typeface="Menlo" panose="020B0609030804020204" pitchFamily="49" charset="0"/>
+              </a:rPr>
+              <a:t> p2_name</a:t>
+            </a:r>
+          </a:p>
+          <a:p>
+            <a:r>
+              <a:rPr kumimoji="1" lang="en" altLang="zh-CN" dirty="0">
+                <a:latin typeface="Menlo" panose="020B0609030804020204" pitchFamily="49" charset="0"/>
+                <a:ea typeface="Menlo" panose="020B0609030804020204" pitchFamily="49" charset="0"/>
+                <a:cs typeface="Menlo" panose="020B0609030804020204" pitchFamily="49" charset="0"/>
+              </a:rPr>
+              <a:t>  )</a:t>
+            </a:r>
+          </a:p>
+          <a:p>
+            <a:r>
+              <a:rPr kumimoji="1" lang="en" altLang="zh-CN" dirty="0">
+                <a:latin typeface="Menlo" panose="020B0609030804020204" pitchFamily="49" charset="0"/>
+                <a:ea typeface="Menlo" panose="020B0609030804020204" pitchFamily="49" charset="0"/>
+                <a:cs typeface="Menlo" panose="020B0609030804020204" pitchFamily="49" charset="0"/>
+              </a:rPr>
+              <a:t>) g </a:t>
+            </a:r>
+          </a:p>
+          <a:p>
+            <a:r>
+              <a:rPr kumimoji="1" lang="en" altLang="zh-CN" dirty="0">
+                <a:solidFill>
+                  <a:srgbClr val="9A172B"/>
+                </a:solidFill>
+                <a:latin typeface="Menlo" panose="020B0609030804020204" pitchFamily="49" charset="0"/>
+                <a:ea typeface="Menlo" panose="020B0609030804020204" pitchFamily="49" charset="0"/>
+                <a:cs typeface="Menlo" panose="020B0609030804020204" pitchFamily="49" charset="0"/>
+              </a:rPr>
+              <a:t>JOIN </a:t>
+            </a:r>
+            <a:r>
+              <a:rPr kumimoji="1" lang="en" altLang="zh-CN" dirty="0">
+                <a:latin typeface="Menlo" panose="020B0609030804020204" pitchFamily="49" charset="0"/>
+                <a:ea typeface="Menlo" panose="020B0609030804020204" pitchFamily="49" charset="0"/>
+                <a:cs typeface="Menlo" panose="020B0609030804020204" pitchFamily="49" charset="0"/>
+              </a:rPr>
+              <a:t>Place p</a:t>
+            </a:r>
+            <a:r>
+              <a:rPr kumimoji="1" lang="en" altLang="zh-CN" dirty="0">
+                <a:solidFill>
+                  <a:srgbClr val="9A172B"/>
+                </a:solidFill>
+                <a:latin typeface="Menlo" panose="020B0609030804020204" pitchFamily="49" charset="0"/>
+                <a:ea typeface="Menlo" panose="020B0609030804020204" pitchFamily="49" charset="0"/>
+                <a:cs typeface="Menlo" panose="020B0609030804020204" pitchFamily="49" charset="0"/>
+              </a:rPr>
+              <a:t> ON </a:t>
+            </a:r>
+            <a:r>
+              <a:rPr kumimoji="1" lang="en" altLang="zh-CN" dirty="0">
+                <a:latin typeface="Menlo" panose="020B0609030804020204" pitchFamily="49" charset="0"/>
+                <a:ea typeface="Menlo" panose="020B0609030804020204" pitchFamily="49" charset="0"/>
+                <a:cs typeface="Menlo" panose="020B0609030804020204" pitchFamily="49" charset="0"/>
+              </a:rPr>
+              <a:t>g.p1_place_id = </a:t>
+            </a:r>
+            <a:r>
+              <a:rPr kumimoji="1" lang="en" altLang="zh-CN" dirty="0" err="1">
+                <a:latin typeface="Menlo" panose="020B0609030804020204" pitchFamily="49" charset="0"/>
+                <a:ea typeface="Menlo" panose="020B0609030804020204" pitchFamily="49" charset="0"/>
+                <a:cs typeface="Menlo" panose="020B0609030804020204" pitchFamily="49" charset="0"/>
+              </a:rPr>
+              <a:t>p.id</a:t>
+            </a:r>
+            <a:endParaRPr kumimoji="1" lang="en" altLang="zh-CN" dirty="0">
+              <a:latin typeface="Menlo" panose="020B0609030804020204" pitchFamily="49" charset="0"/>
+              <a:ea typeface="Menlo" panose="020B0609030804020204" pitchFamily="49" charset="0"/>
+              <a:cs typeface="Menlo" panose="020B0609030804020204" pitchFamily="49" charset="0"/>
+            </a:endParaRPr>
+          </a:p>
+          <a:p>
+            <a:r>
+              <a:rPr kumimoji="1" lang="en" altLang="zh-CN" dirty="0">
+                <a:solidFill>
+                  <a:srgbClr val="9A172B"/>
+                </a:solidFill>
+                <a:latin typeface="Menlo" panose="020B0609030804020204" pitchFamily="49" charset="0"/>
+                <a:ea typeface="Menlo" panose="020B0609030804020204" pitchFamily="49" charset="0"/>
+                <a:cs typeface="Menlo" panose="020B0609030804020204" pitchFamily="49" charset="0"/>
+              </a:rPr>
+              <a:t>WHERE </a:t>
+            </a:r>
+            <a:r>
+              <a:rPr kumimoji="1" lang="en" altLang="zh-CN" dirty="0">
+                <a:latin typeface="Menlo" panose="020B0609030804020204" pitchFamily="49" charset="0"/>
+                <a:ea typeface="Menlo" panose="020B0609030804020204" pitchFamily="49" charset="0"/>
+                <a:cs typeface="Menlo" panose="020B0609030804020204" pitchFamily="49" charset="0"/>
+              </a:rPr>
+              <a:t>g.p1_name = 'Tom';</a:t>
+            </a:r>
+          </a:p>
+        </p:txBody>
+      </p:sp>
+      <p:sp>
+        <p:nvSpPr>
+          <p:cNvPr id="2" name="文本框 1">
+            <a:extLst>
+              <a:ext uri="{FF2B5EF4-FFF2-40B4-BE49-F238E27FC236}">
+                <a16:creationId xmlns:a16="http://schemas.microsoft.com/office/drawing/2014/main" id="{E4DF9811-8436-276F-FC6D-DB9082E10B60}"/>
+              </a:ext>
+            </a:extLst>
+          </p:cNvPr>
+          <p:cNvSpPr txBox="1"/>
+          <p:nvPr/>
+        </p:nvSpPr>
+        <p:spPr>
+          <a:xfrm>
+            <a:off x="5822738" y="360947"/>
+            <a:ext cx="9946954" cy="3139321"/>
+          </a:xfrm>
+          <a:prstGeom prst="rect">
+            <a:avLst/>
+          </a:prstGeom>
+          <a:noFill/>
+        </p:spPr>
+        <p:txBody>
+          <a:bodyPr wrap="none" rtlCol="0">
+            <a:spAutoFit/>
+          </a:bodyPr>
+          <a:lstStyle/>
+          <a:p>
+            <a:r>
+              <a:rPr kumimoji="1" lang="en" altLang="zh-CN" dirty="0">
+                <a:solidFill>
+                  <a:srgbClr val="9A172B"/>
+                </a:solidFill>
+                <a:latin typeface="Menlo" panose="020B0609030804020204" pitchFamily="49" charset="0"/>
+                <a:ea typeface="Menlo" panose="020B0609030804020204" pitchFamily="49" charset="0"/>
+                <a:cs typeface="Menlo" panose="020B0609030804020204" pitchFamily="49" charset="0"/>
+              </a:rPr>
+              <a:t>SELECT </a:t>
+            </a:r>
+            <a:r>
+              <a:rPr kumimoji="1" lang="en" altLang="zh-CN" dirty="0">
+                <a:latin typeface="Menlo" panose="020B0609030804020204" pitchFamily="49" charset="0"/>
+                <a:ea typeface="Menlo" panose="020B0609030804020204" pitchFamily="49" charset="0"/>
+                <a:cs typeface="Menlo" panose="020B0609030804020204" pitchFamily="49" charset="0"/>
+              </a:rPr>
+              <a:t>p2_name, </a:t>
+            </a:r>
+            <a:r>
+              <a:rPr kumimoji="1" lang="en" altLang="zh-CN" dirty="0" err="1">
+                <a:latin typeface="Menlo" panose="020B0609030804020204" pitchFamily="49" charset="0"/>
+                <a:ea typeface="Menlo" panose="020B0609030804020204" pitchFamily="49" charset="0"/>
+                <a:cs typeface="Menlo" panose="020B0609030804020204" pitchFamily="49" charset="0"/>
+              </a:rPr>
+              <a:t>place.name</a:t>
+            </a:r>
+            <a:endParaRPr kumimoji="1" lang="en" altLang="zh-CN" dirty="0">
+              <a:latin typeface="Menlo" panose="020B0609030804020204" pitchFamily="49" charset="0"/>
+              <a:ea typeface="Menlo" panose="020B0609030804020204" pitchFamily="49" charset="0"/>
+              <a:cs typeface="Menlo" panose="020B0609030804020204" pitchFamily="49" charset="0"/>
+            </a:endParaRPr>
+          </a:p>
+          <a:p>
+            <a:r>
+              <a:rPr kumimoji="1" lang="en" altLang="zh-CN" dirty="0">
+                <a:solidFill>
+                  <a:srgbClr val="9A172B"/>
+                </a:solidFill>
+                <a:latin typeface="Menlo" panose="020B0609030804020204" pitchFamily="49" charset="0"/>
+                <a:ea typeface="Menlo" panose="020B0609030804020204" pitchFamily="49" charset="0"/>
+                <a:cs typeface="Menlo" panose="020B0609030804020204" pitchFamily="49" charset="0"/>
+              </a:rPr>
+              <a:t>FROM GRAPH_TABLE </a:t>
+            </a:r>
+            <a:r>
+              <a:rPr kumimoji="1" lang="en" altLang="zh-CN" dirty="0">
+                <a:latin typeface="Menlo" panose="020B0609030804020204" pitchFamily="49" charset="0"/>
+                <a:ea typeface="Menlo" panose="020B0609030804020204" pitchFamily="49" charset="0"/>
+                <a:cs typeface="Menlo" panose="020B0609030804020204" pitchFamily="49" charset="0"/>
+              </a:rPr>
+              <a:t>(G</a:t>
+            </a:r>
+          </a:p>
+          <a:p>
+            <a:r>
+              <a:rPr kumimoji="1" lang="en" altLang="zh-CN" dirty="0">
+                <a:solidFill>
+                  <a:srgbClr val="9A172B"/>
+                </a:solidFill>
+                <a:latin typeface="Menlo" panose="020B0609030804020204" pitchFamily="49" charset="0"/>
+                <a:ea typeface="Menlo" panose="020B0609030804020204" pitchFamily="49" charset="0"/>
+                <a:cs typeface="Menlo" panose="020B0609030804020204" pitchFamily="49" charset="0"/>
+              </a:rPr>
+              <a:t>  MATCH </a:t>
+            </a:r>
+          </a:p>
+          <a:p>
+            <a:r>
+              <a:rPr kumimoji="1" lang="en" altLang="zh-CN" dirty="0">
+                <a:solidFill>
+                  <a:srgbClr val="9A172B"/>
+                </a:solidFill>
+                <a:latin typeface="Menlo" panose="020B0609030804020204" pitchFamily="49" charset="0"/>
+                <a:ea typeface="Menlo" panose="020B0609030804020204" pitchFamily="49" charset="0"/>
+                <a:cs typeface="Menlo" panose="020B0609030804020204" pitchFamily="49" charset="0"/>
+              </a:rPr>
+              <a:t>    </a:t>
+            </a:r>
+            <a:r>
+              <a:rPr kumimoji="1" lang="en" altLang="zh-CN" dirty="0">
+                <a:latin typeface="Menlo" panose="020B0609030804020204" pitchFamily="49" charset="0"/>
+                <a:ea typeface="Menlo" panose="020B0609030804020204" pitchFamily="49" charset="0"/>
+                <a:cs typeface="Menlo" panose="020B0609030804020204" pitchFamily="49" charset="0"/>
+              </a:rPr>
+              <a:t>(p1:Person)-[:Likes]-&gt;(</a:t>
+            </a:r>
+            <a:r>
+              <a:rPr kumimoji="1" lang="en" altLang="zh-CN" dirty="0" err="1">
+                <a:latin typeface="Menlo" panose="020B0609030804020204" pitchFamily="49" charset="0"/>
+                <a:ea typeface="Menlo" panose="020B0609030804020204" pitchFamily="49" charset="0"/>
+                <a:cs typeface="Menlo" panose="020B0609030804020204" pitchFamily="49" charset="0"/>
+              </a:rPr>
+              <a:t>m:Message</a:t>
+            </a:r>
+            <a:r>
+              <a:rPr kumimoji="1" lang="en" altLang="zh-CN" dirty="0">
+                <a:latin typeface="Menlo" panose="020B0609030804020204" pitchFamily="49" charset="0"/>
+                <a:ea typeface="Menlo" panose="020B0609030804020204" pitchFamily="49" charset="0"/>
+                <a:cs typeface="Menlo" panose="020B0609030804020204" pitchFamily="49" charset="0"/>
+              </a:rPr>
+              <a:t>), (p1)-[:Knows]-&gt;(p2)</a:t>
+            </a:r>
+          </a:p>
+          <a:p>
+            <a:r>
+              <a:rPr kumimoji="1" lang="en" altLang="zh-CN" dirty="0">
+                <a:solidFill>
+                  <a:srgbClr val="9A172B"/>
+                </a:solidFill>
+                <a:latin typeface="Menlo" panose="020B0609030804020204" pitchFamily="49" charset="0"/>
+                <a:ea typeface="Menlo" panose="020B0609030804020204" pitchFamily="49" charset="0"/>
+                <a:cs typeface="Menlo" panose="020B0609030804020204" pitchFamily="49" charset="0"/>
+              </a:rPr>
+              <a:t>    </a:t>
+            </a:r>
+            <a:r>
+              <a:rPr kumimoji="1" lang="en" altLang="zh-CN" dirty="0">
+                <a:latin typeface="Menlo" panose="020B0609030804020204" pitchFamily="49" charset="0"/>
+                <a:ea typeface="Menlo" panose="020B0609030804020204" pitchFamily="49" charset="0"/>
+                <a:cs typeface="Menlo" panose="020B0609030804020204" pitchFamily="49" charset="0"/>
+              </a:rPr>
+              <a:t>(p2:Person)-[:Likes]-&gt;(</a:t>
+            </a:r>
+            <a:r>
+              <a:rPr kumimoji="1" lang="en" altLang="zh-CN" dirty="0" err="1">
+                <a:latin typeface="Menlo" panose="020B0609030804020204" pitchFamily="49" charset="0"/>
+                <a:ea typeface="Menlo" panose="020B0609030804020204" pitchFamily="49" charset="0"/>
+                <a:cs typeface="Menlo" panose="020B0609030804020204" pitchFamily="49" charset="0"/>
+              </a:rPr>
+              <a:t>m:Message</a:t>
+            </a:r>
+            <a:r>
+              <a:rPr kumimoji="1" lang="en" altLang="zh-CN" dirty="0">
+                <a:latin typeface="Menlo" panose="020B0609030804020204" pitchFamily="49" charset="0"/>
+                <a:ea typeface="Menlo" panose="020B0609030804020204" pitchFamily="49" charset="0"/>
+                <a:cs typeface="Menlo" panose="020B0609030804020204" pitchFamily="49" charset="0"/>
+              </a:rPr>
+              <a:t>),</a:t>
+            </a:r>
+          </a:p>
+          <a:p>
+            <a:r>
+              <a:rPr kumimoji="1" lang="en" altLang="zh-CN" dirty="0">
+                <a:solidFill>
+                  <a:srgbClr val="9A172B"/>
+                </a:solidFill>
+                <a:latin typeface="Menlo" panose="020B0609030804020204" pitchFamily="49" charset="0"/>
+                <a:ea typeface="Menlo" panose="020B0609030804020204" pitchFamily="49" charset="0"/>
+                <a:cs typeface="Menlo" panose="020B0609030804020204" pitchFamily="49" charset="0"/>
+              </a:rPr>
+              <a:t>COLUMNS </a:t>
+            </a:r>
+            <a:r>
+              <a:rPr kumimoji="1" lang="en" altLang="zh-CN" dirty="0">
+                <a:latin typeface="Menlo" panose="020B0609030804020204" pitchFamily="49" charset="0"/>
+                <a:ea typeface="Menlo" panose="020B0609030804020204" pitchFamily="49" charset="0"/>
+                <a:cs typeface="Menlo" panose="020B0609030804020204" pitchFamily="49" charset="0"/>
+              </a:rPr>
+              <a:t>(</a:t>
+            </a:r>
+          </a:p>
+          <a:p>
+            <a:r>
+              <a:rPr kumimoji="1" lang="en" altLang="zh-CN" dirty="0">
+                <a:solidFill>
+                  <a:srgbClr val="9A172B"/>
+                </a:solidFill>
+                <a:latin typeface="Menlo" panose="020B0609030804020204" pitchFamily="49" charset="0"/>
+                <a:ea typeface="Menlo" panose="020B0609030804020204" pitchFamily="49" charset="0"/>
+                <a:cs typeface="Menlo" panose="020B0609030804020204" pitchFamily="49" charset="0"/>
+              </a:rPr>
+              <a:t>    </a:t>
+            </a:r>
+            <a:r>
+              <a:rPr kumimoji="1" lang="en" altLang="zh-CN" dirty="0">
+                <a:latin typeface="Menlo" panose="020B0609030804020204" pitchFamily="49" charset="0"/>
+                <a:ea typeface="Menlo" panose="020B0609030804020204" pitchFamily="49" charset="0"/>
+                <a:cs typeface="Menlo" panose="020B0609030804020204" pitchFamily="49" charset="0"/>
+              </a:rPr>
+              <a:t>p1.name </a:t>
+            </a:r>
+            <a:r>
+              <a:rPr kumimoji="1" lang="en" altLang="zh-CN" dirty="0">
+                <a:solidFill>
+                  <a:srgbClr val="9A172B"/>
+                </a:solidFill>
+                <a:latin typeface="Menlo" panose="020B0609030804020204" pitchFamily="49" charset="0"/>
+                <a:ea typeface="Menlo" panose="020B0609030804020204" pitchFamily="49" charset="0"/>
+                <a:cs typeface="Menlo" panose="020B0609030804020204" pitchFamily="49" charset="0"/>
+              </a:rPr>
+              <a:t>AS</a:t>
+            </a:r>
+            <a:r>
+              <a:rPr kumimoji="1" lang="en" altLang="zh-CN" dirty="0">
+                <a:latin typeface="Menlo" panose="020B0609030804020204" pitchFamily="49" charset="0"/>
+                <a:ea typeface="Menlo" panose="020B0609030804020204" pitchFamily="49" charset="0"/>
+                <a:cs typeface="Menlo" panose="020B0609030804020204" pitchFamily="49" charset="0"/>
+              </a:rPr>
+              <a:t> p1_name, p1.place_id </a:t>
+            </a:r>
+            <a:r>
+              <a:rPr kumimoji="1" lang="en" altLang="zh-CN" dirty="0">
+                <a:solidFill>
+                  <a:srgbClr val="9A172B"/>
+                </a:solidFill>
+                <a:latin typeface="Menlo" panose="020B0609030804020204" pitchFamily="49" charset="0"/>
+                <a:ea typeface="Menlo" panose="020B0609030804020204" pitchFamily="49" charset="0"/>
+                <a:cs typeface="Menlo" panose="020B0609030804020204" pitchFamily="49" charset="0"/>
+              </a:rPr>
+              <a:t>AS</a:t>
+            </a:r>
+            <a:r>
+              <a:rPr kumimoji="1" lang="en" altLang="zh-CN" dirty="0">
+                <a:latin typeface="Menlo" panose="020B0609030804020204" pitchFamily="49" charset="0"/>
+                <a:ea typeface="Menlo" panose="020B0609030804020204" pitchFamily="49" charset="0"/>
+                <a:cs typeface="Menlo" panose="020B0609030804020204" pitchFamily="49" charset="0"/>
+              </a:rPr>
+              <a:t> p1_place_</a:t>
+            </a:r>
+            <a:r>
+              <a:rPr kumimoji="1" lang="en" altLang="zh-CN">
+                <a:latin typeface="Menlo" panose="020B0609030804020204" pitchFamily="49" charset="0"/>
+                <a:ea typeface="Menlo" panose="020B0609030804020204" pitchFamily="49" charset="0"/>
+                <a:cs typeface="Menlo" panose="020B0609030804020204" pitchFamily="49" charset="0"/>
+              </a:rPr>
+              <a:t>id, p2</a:t>
+            </a:r>
+            <a:r>
+              <a:rPr kumimoji="1" lang="en" altLang="zh-CN" dirty="0">
+                <a:latin typeface="Menlo" panose="020B0609030804020204" pitchFamily="49" charset="0"/>
+                <a:ea typeface="Menlo" panose="020B0609030804020204" pitchFamily="49" charset="0"/>
+                <a:cs typeface="Menlo" panose="020B0609030804020204" pitchFamily="49" charset="0"/>
+              </a:rPr>
+              <a:t>.name </a:t>
             </a:r>
             <a:r>
               <a:rPr kumimoji="1" lang="en" altLang="zh-CN" dirty="0">
@@ -32789,411 +33169,6 @@
           </a:p>
         </p:txBody>
       </p:sp>
-      <p:sp>
-        <p:nvSpPr>
-          <p:cNvPr id="96" name="文本框 95">
-            <a:extLst>
-              <a:ext uri="{FF2B5EF4-FFF2-40B4-BE49-F238E27FC236}">
-                <a16:creationId xmlns:a16="http://schemas.microsoft.com/office/drawing/2014/main" id="{095BD49D-E1EC-A567-5653-4BF27423C3F6}"/>
-              </a:ext>
-            </a:extLst>
-          </p:cNvPr>
-          <p:cNvSpPr txBox="1"/>
-          <p:nvPr/>
-        </p:nvSpPr>
-        <p:spPr>
-          <a:xfrm>
-            <a:off x="-12458664" y="162460"/>
-            <a:ext cx="7250703" cy="5262979"/>
-          </a:xfrm>
-          <a:prstGeom prst="rect">
-            <a:avLst/>
-          </a:prstGeom>
-          <a:noFill/>
-        </p:spPr>
-        <p:txBody>
-          <a:bodyPr wrap="none" rtlCol="0">
-            <a:spAutoFit/>
-          </a:bodyPr>
-          <a:lstStyle/>
-          <a:p>
-            <a:r>
-              <a:rPr kumimoji="1" lang="en" altLang="zh-CN" sz="2400" dirty="0">
-                <a:solidFill>
-                  <a:srgbClr val="9A172B"/>
-                </a:solidFill>
-                <a:latin typeface="Menlo" panose="020B0609030804020204" pitchFamily="49" charset="0"/>
-                <a:ea typeface="Menlo" panose="020B0609030804020204" pitchFamily="49" charset="0"/>
-                <a:cs typeface="Menlo" panose="020B0609030804020204" pitchFamily="49" charset="0"/>
-              </a:rPr>
-              <a:t>SELECT </a:t>
-            </a:r>
-            <a:r>
-              <a:rPr kumimoji="1" lang="en" altLang="zh-CN" sz="2400" dirty="0">
-                <a:latin typeface="Menlo" panose="020B0609030804020204" pitchFamily="49" charset="0"/>
-                <a:ea typeface="Menlo" panose="020B0609030804020204" pitchFamily="49" charset="0"/>
-                <a:cs typeface="Menlo" panose="020B0609030804020204" pitchFamily="49" charset="0"/>
-              </a:rPr>
-              <a:t>p2_name, </a:t>
-            </a:r>
-            <a:r>
-              <a:rPr kumimoji="1" lang="en" altLang="zh-CN" sz="2400" dirty="0" err="1">
-                <a:latin typeface="Menlo" panose="020B0609030804020204" pitchFamily="49" charset="0"/>
-                <a:ea typeface="Menlo" panose="020B0609030804020204" pitchFamily="49" charset="0"/>
-                <a:cs typeface="Menlo" panose="020B0609030804020204" pitchFamily="49" charset="0"/>
-              </a:rPr>
-              <a:t>place.name</a:t>
-            </a:r>
-            <a:endParaRPr kumimoji="1" lang="en" altLang="zh-CN" sz="2400" dirty="0">
-              <a:latin typeface="Menlo" panose="020B0609030804020204" pitchFamily="49" charset="0"/>
-              <a:ea typeface="Menlo" panose="020B0609030804020204" pitchFamily="49" charset="0"/>
-              <a:cs typeface="Menlo" panose="020B0609030804020204" pitchFamily="49" charset="0"/>
-            </a:endParaRPr>
-          </a:p>
-          <a:p>
-            <a:r>
-              <a:rPr kumimoji="1" lang="en" altLang="zh-CN" sz="2400" dirty="0">
-                <a:solidFill>
-                  <a:srgbClr val="9A172B"/>
-                </a:solidFill>
-                <a:latin typeface="Menlo" panose="020B0609030804020204" pitchFamily="49" charset="0"/>
-                <a:ea typeface="Menlo" panose="020B0609030804020204" pitchFamily="49" charset="0"/>
-                <a:cs typeface="Menlo" panose="020B0609030804020204" pitchFamily="49" charset="0"/>
-              </a:rPr>
-              <a:t>FROM GRAPH_TABLE </a:t>
-            </a:r>
-            <a:r>
-              <a:rPr kumimoji="1" lang="en" altLang="zh-CN" sz="2400" dirty="0">
-                <a:latin typeface="Menlo" panose="020B0609030804020204" pitchFamily="49" charset="0"/>
-                <a:ea typeface="Menlo" panose="020B0609030804020204" pitchFamily="49" charset="0"/>
-                <a:cs typeface="Menlo" panose="020B0609030804020204" pitchFamily="49" charset="0"/>
-              </a:rPr>
-              <a:t>(G</a:t>
-            </a:r>
-          </a:p>
-          <a:p>
-            <a:r>
-              <a:rPr kumimoji="1" lang="en" altLang="zh-CN" sz="2400" dirty="0">
-                <a:solidFill>
-                  <a:srgbClr val="9A172B"/>
-                </a:solidFill>
-                <a:latin typeface="Menlo" panose="020B0609030804020204" pitchFamily="49" charset="0"/>
-                <a:ea typeface="Menlo" panose="020B0609030804020204" pitchFamily="49" charset="0"/>
-                <a:cs typeface="Menlo" panose="020B0609030804020204" pitchFamily="49" charset="0"/>
-              </a:rPr>
-              <a:t>  MATCH </a:t>
-            </a:r>
-          </a:p>
-          <a:p>
-            <a:r>
-              <a:rPr kumimoji="1" lang="en" altLang="zh-CN" sz="2400" dirty="0">
-                <a:solidFill>
-                  <a:srgbClr val="9A172B"/>
-                </a:solidFill>
-                <a:latin typeface="Menlo" panose="020B0609030804020204" pitchFamily="49" charset="0"/>
-                <a:ea typeface="Menlo" panose="020B0609030804020204" pitchFamily="49" charset="0"/>
-                <a:cs typeface="Menlo" panose="020B0609030804020204" pitchFamily="49" charset="0"/>
-              </a:rPr>
-              <a:t>    </a:t>
-            </a:r>
-            <a:r>
-              <a:rPr kumimoji="1" lang="en" altLang="zh-CN" sz="2400" dirty="0">
-                <a:latin typeface="Menlo" panose="020B0609030804020204" pitchFamily="49" charset="0"/>
-                <a:ea typeface="Menlo" panose="020B0609030804020204" pitchFamily="49" charset="0"/>
-                <a:cs typeface="Menlo" panose="020B0609030804020204" pitchFamily="49" charset="0"/>
-              </a:rPr>
-              <a:t>(p1:Person)-[:Likes]-&gt;(</a:t>
-            </a:r>
-            <a:r>
-              <a:rPr kumimoji="1" lang="en" altLang="zh-CN" sz="2400" dirty="0" err="1">
-                <a:latin typeface="Menlo" panose="020B0609030804020204" pitchFamily="49" charset="0"/>
-                <a:ea typeface="Menlo" panose="020B0609030804020204" pitchFamily="49" charset="0"/>
-                <a:cs typeface="Menlo" panose="020B0609030804020204" pitchFamily="49" charset="0"/>
-              </a:rPr>
-              <a:t>m:Message</a:t>
-            </a:r>
-            <a:r>
-              <a:rPr kumimoji="1" lang="en" altLang="zh-CN" sz="2400" dirty="0">
-                <a:latin typeface="Menlo" panose="020B0609030804020204" pitchFamily="49" charset="0"/>
-                <a:ea typeface="Menlo" panose="020B0609030804020204" pitchFamily="49" charset="0"/>
-                <a:cs typeface="Menlo" panose="020B0609030804020204" pitchFamily="49" charset="0"/>
-              </a:rPr>
-              <a:t>),</a:t>
-            </a:r>
-          </a:p>
-          <a:p>
-            <a:r>
-              <a:rPr kumimoji="1" lang="en" altLang="zh-CN" sz="2400" dirty="0">
-                <a:solidFill>
-                  <a:srgbClr val="9A172B"/>
-                </a:solidFill>
-                <a:latin typeface="Menlo" panose="020B0609030804020204" pitchFamily="49" charset="0"/>
-                <a:ea typeface="Menlo" panose="020B0609030804020204" pitchFamily="49" charset="0"/>
-                <a:cs typeface="Menlo" panose="020B0609030804020204" pitchFamily="49" charset="0"/>
-              </a:rPr>
-              <a:t>    </a:t>
-            </a:r>
-            <a:r>
-              <a:rPr kumimoji="1" lang="en" altLang="zh-CN" sz="2400" dirty="0">
-                <a:latin typeface="Menlo" panose="020B0609030804020204" pitchFamily="49" charset="0"/>
-                <a:ea typeface="Menlo" panose="020B0609030804020204" pitchFamily="49" charset="0"/>
-                <a:cs typeface="Menlo" panose="020B0609030804020204" pitchFamily="49" charset="0"/>
-              </a:rPr>
-              <a:t>(p2:Person)-[:Likes]-&gt;(</a:t>
-            </a:r>
-            <a:r>
-              <a:rPr kumimoji="1" lang="en" altLang="zh-CN" sz="2400" dirty="0" err="1">
-                <a:latin typeface="Menlo" panose="020B0609030804020204" pitchFamily="49" charset="0"/>
-                <a:ea typeface="Menlo" panose="020B0609030804020204" pitchFamily="49" charset="0"/>
-                <a:cs typeface="Menlo" panose="020B0609030804020204" pitchFamily="49" charset="0"/>
-              </a:rPr>
-              <a:t>m:Message</a:t>
-            </a:r>
-            <a:r>
-              <a:rPr kumimoji="1" lang="en" altLang="zh-CN" sz="2400" dirty="0">
-                <a:latin typeface="Menlo" panose="020B0609030804020204" pitchFamily="49" charset="0"/>
-                <a:ea typeface="Menlo" panose="020B0609030804020204" pitchFamily="49" charset="0"/>
-                <a:cs typeface="Menlo" panose="020B0609030804020204" pitchFamily="49" charset="0"/>
-              </a:rPr>
-              <a:t>),</a:t>
-            </a:r>
-          </a:p>
-          <a:p>
-            <a:r>
-              <a:rPr kumimoji="1" lang="en" altLang="zh-CN" sz="2400" dirty="0">
-                <a:solidFill>
-                  <a:srgbClr val="9A172B"/>
-                </a:solidFill>
-                <a:latin typeface="Menlo" panose="020B0609030804020204" pitchFamily="49" charset="0"/>
-                <a:ea typeface="Menlo" panose="020B0609030804020204" pitchFamily="49" charset="0"/>
-                <a:cs typeface="Menlo" panose="020B0609030804020204" pitchFamily="49" charset="0"/>
-              </a:rPr>
-              <a:t>    </a:t>
-            </a:r>
-            <a:r>
-              <a:rPr kumimoji="1" lang="en" altLang="zh-CN" sz="2400" dirty="0">
-                <a:latin typeface="Menlo" panose="020B0609030804020204" pitchFamily="49" charset="0"/>
-                <a:ea typeface="Menlo" panose="020B0609030804020204" pitchFamily="49" charset="0"/>
-                <a:cs typeface="Menlo" panose="020B0609030804020204" pitchFamily="49" charset="0"/>
-              </a:rPr>
-              <a:t>(p1)-[:Knows]-&gt;(p2)</a:t>
-            </a:r>
-          </a:p>
-          <a:p>
-            <a:r>
-              <a:rPr kumimoji="1" lang="en" altLang="zh-CN" sz="2400" dirty="0">
-                <a:solidFill>
-                  <a:srgbClr val="9A172B"/>
-                </a:solidFill>
-                <a:latin typeface="Menlo" panose="020B0609030804020204" pitchFamily="49" charset="0"/>
-                <a:ea typeface="Menlo" panose="020B0609030804020204" pitchFamily="49" charset="0"/>
-                <a:cs typeface="Menlo" panose="020B0609030804020204" pitchFamily="49" charset="0"/>
-              </a:rPr>
-              <a:t>  COLUMNS </a:t>
-            </a:r>
-            <a:r>
-              <a:rPr kumimoji="1" lang="en" altLang="zh-CN" sz="2400" dirty="0">
-                <a:latin typeface="Menlo" panose="020B0609030804020204" pitchFamily="49" charset="0"/>
-                <a:ea typeface="Menlo" panose="020B0609030804020204" pitchFamily="49" charset="0"/>
-                <a:cs typeface="Menlo" panose="020B0609030804020204" pitchFamily="49" charset="0"/>
-              </a:rPr>
-              <a:t>(</a:t>
-            </a:r>
-          </a:p>
-          <a:p>
-            <a:r>
-              <a:rPr kumimoji="1" lang="en" altLang="zh-CN" sz="2400" dirty="0">
-                <a:solidFill>
-                  <a:srgbClr val="9A172B"/>
-                </a:solidFill>
-                <a:latin typeface="Menlo" panose="020B0609030804020204" pitchFamily="49" charset="0"/>
-                <a:ea typeface="Menlo" panose="020B0609030804020204" pitchFamily="49" charset="0"/>
-                <a:cs typeface="Menlo" panose="020B0609030804020204" pitchFamily="49" charset="0"/>
-              </a:rPr>
-              <a:t>    </a:t>
-            </a:r>
-            <a:r>
-              <a:rPr kumimoji="1" lang="en" altLang="zh-CN" sz="2400" dirty="0">
-                <a:latin typeface="Menlo" panose="020B0609030804020204" pitchFamily="49" charset="0"/>
-                <a:ea typeface="Menlo" panose="020B0609030804020204" pitchFamily="49" charset="0"/>
-                <a:cs typeface="Menlo" panose="020B0609030804020204" pitchFamily="49" charset="0"/>
-              </a:rPr>
-              <a:t>p1.name </a:t>
-            </a:r>
-            <a:r>
-              <a:rPr kumimoji="1" lang="en" altLang="zh-CN" sz="2400" dirty="0">
-                <a:solidFill>
-                  <a:srgbClr val="9A172B"/>
-                </a:solidFill>
-                <a:latin typeface="Menlo" panose="020B0609030804020204" pitchFamily="49" charset="0"/>
-                <a:ea typeface="Menlo" panose="020B0609030804020204" pitchFamily="49" charset="0"/>
-                <a:cs typeface="Menlo" panose="020B0609030804020204" pitchFamily="49" charset="0"/>
-              </a:rPr>
-              <a:t>AS</a:t>
-            </a:r>
-            <a:r>
-              <a:rPr kumimoji="1" lang="en" altLang="zh-CN" sz="2400" dirty="0">
-                <a:latin typeface="Menlo" panose="020B0609030804020204" pitchFamily="49" charset="0"/>
-                <a:ea typeface="Menlo" panose="020B0609030804020204" pitchFamily="49" charset="0"/>
-                <a:cs typeface="Menlo" panose="020B0609030804020204" pitchFamily="49" charset="0"/>
-              </a:rPr>
-              <a:t> p1_name,</a:t>
-            </a:r>
-          </a:p>
-          <a:p>
-            <a:r>
-              <a:rPr kumimoji="1" lang="en" altLang="zh-CN" sz="2400" dirty="0">
-                <a:latin typeface="Menlo" panose="020B0609030804020204" pitchFamily="49" charset="0"/>
-                <a:ea typeface="Menlo" panose="020B0609030804020204" pitchFamily="49" charset="0"/>
-                <a:cs typeface="Menlo" panose="020B0609030804020204" pitchFamily="49" charset="0"/>
-              </a:rPr>
-              <a:t>    p1.place_id </a:t>
-            </a:r>
-            <a:r>
-              <a:rPr kumimoji="1" lang="en" altLang="zh-CN" sz="2400" dirty="0">
-                <a:solidFill>
-                  <a:srgbClr val="9A172B"/>
-                </a:solidFill>
-                <a:latin typeface="Menlo" panose="020B0609030804020204" pitchFamily="49" charset="0"/>
-                <a:ea typeface="Menlo" panose="020B0609030804020204" pitchFamily="49" charset="0"/>
-                <a:cs typeface="Menlo" panose="020B0609030804020204" pitchFamily="49" charset="0"/>
-              </a:rPr>
-              <a:t>AS</a:t>
-            </a:r>
-            <a:r>
-              <a:rPr kumimoji="1" lang="en" altLang="zh-CN" sz="2400" dirty="0">
-                <a:latin typeface="Menlo" panose="020B0609030804020204" pitchFamily="49" charset="0"/>
-                <a:ea typeface="Menlo" panose="020B0609030804020204" pitchFamily="49" charset="0"/>
-                <a:cs typeface="Menlo" panose="020B0609030804020204" pitchFamily="49" charset="0"/>
-              </a:rPr>
-              <a:t> p1_place_id,</a:t>
-            </a:r>
-          </a:p>
-          <a:p>
-            <a:r>
-              <a:rPr kumimoji="1" lang="en" altLang="zh-CN" sz="2400" dirty="0">
-                <a:latin typeface="Menlo" panose="020B0609030804020204" pitchFamily="49" charset="0"/>
-                <a:ea typeface="Menlo" panose="020B0609030804020204" pitchFamily="49" charset="0"/>
-                <a:cs typeface="Menlo" panose="020B0609030804020204" pitchFamily="49" charset="0"/>
-              </a:rPr>
-              <a:t>    p2.name </a:t>
-            </a:r>
-            <a:r>
-              <a:rPr kumimoji="1" lang="en" altLang="zh-CN" sz="2400" dirty="0">
-                <a:solidFill>
-                  <a:srgbClr val="9A172B"/>
-                </a:solidFill>
-                <a:latin typeface="Menlo" panose="020B0609030804020204" pitchFamily="49" charset="0"/>
-                <a:ea typeface="Menlo" panose="020B0609030804020204" pitchFamily="49" charset="0"/>
-                <a:cs typeface="Menlo" panose="020B0609030804020204" pitchFamily="49" charset="0"/>
-              </a:rPr>
-              <a:t>AS</a:t>
-            </a:r>
-            <a:r>
-              <a:rPr kumimoji="1" lang="en" altLang="zh-CN" sz="2400" dirty="0">
-                <a:latin typeface="Menlo" panose="020B0609030804020204" pitchFamily="49" charset="0"/>
-                <a:ea typeface="Menlo" panose="020B0609030804020204" pitchFamily="49" charset="0"/>
-                <a:cs typeface="Menlo" panose="020B0609030804020204" pitchFamily="49" charset="0"/>
-              </a:rPr>
-              <a:t> p2_name</a:t>
-            </a:r>
-          </a:p>
-          <a:p>
-            <a:r>
-              <a:rPr kumimoji="1" lang="en" altLang="zh-CN" sz="2400" dirty="0">
-                <a:latin typeface="Menlo" panose="020B0609030804020204" pitchFamily="49" charset="0"/>
-                <a:ea typeface="Menlo" panose="020B0609030804020204" pitchFamily="49" charset="0"/>
-                <a:cs typeface="Menlo" panose="020B0609030804020204" pitchFamily="49" charset="0"/>
-              </a:rPr>
-              <a:t>  )</a:t>
-            </a:r>
-          </a:p>
-          <a:p>
-            <a:r>
-              <a:rPr kumimoji="1" lang="en" altLang="zh-CN" sz="2400" dirty="0">
-                <a:latin typeface="Menlo" panose="020B0609030804020204" pitchFamily="49" charset="0"/>
-                <a:ea typeface="Menlo" panose="020B0609030804020204" pitchFamily="49" charset="0"/>
-                <a:cs typeface="Menlo" panose="020B0609030804020204" pitchFamily="49" charset="0"/>
-              </a:rPr>
-              <a:t>) g </a:t>
-            </a:r>
-          </a:p>
-          <a:p>
-            <a:r>
-              <a:rPr kumimoji="1" lang="en" altLang="zh-CN" sz="2400" dirty="0">
-                <a:solidFill>
-                  <a:srgbClr val="9A172B"/>
-                </a:solidFill>
-                <a:latin typeface="Menlo" panose="020B0609030804020204" pitchFamily="49" charset="0"/>
-                <a:ea typeface="Menlo" panose="020B0609030804020204" pitchFamily="49" charset="0"/>
-                <a:cs typeface="Menlo" panose="020B0609030804020204" pitchFamily="49" charset="0"/>
-              </a:rPr>
-              <a:t>JOIN </a:t>
-            </a:r>
-            <a:r>
-              <a:rPr kumimoji="1" lang="en" altLang="zh-CN" sz="2400" dirty="0">
-                <a:latin typeface="Menlo" panose="020B0609030804020204" pitchFamily="49" charset="0"/>
-                <a:ea typeface="Menlo" panose="020B0609030804020204" pitchFamily="49" charset="0"/>
-                <a:cs typeface="Menlo" panose="020B0609030804020204" pitchFamily="49" charset="0"/>
-              </a:rPr>
-              <a:t>Place p</a:t>
-            </a:r>
-            <a:r>
-              <a:rPr kumimoji="1" lang="en" altLang="zh-CN" sz="2400" dirty="0">
-                <a:solidFill>
-                  <a:srgbClr val="9A172B"/>
-                </a:solidFill>
-                <a:latin typeface="Menlo" panose="020B0609030804020204" pitchFamily="49" charset="0"/>
-                <a:ea typeface="Menlo" panose="020B0609030804020204" pitchFamily="49" charset="0"/>
-                <a:cs typeface="Menlo" panose="020B0609030804020204" pitchFamily="49" charset="0"/>
-              </a:rPr>
-              <a:t> ON </a:t>
-            </a:r>
-            <a:r>
-              <a:rPr kumimoji="1" lang="en" altLang="zh-CN" sz="2400" dirty="0">
-                <a:latin typeface="Menlo" panose="020B0609030804020204" pitchFamily="49" charset="0"/>
-                <a:ea typeface="Menlo" panose="020B0609030804020204" pitchFamily="49" charset="0"/>
-                <a:cs typeface="Menlo" panose="020B0609030804020204" pitchFamily="49" charset="0"/>
-              </a:rPr>
-              <a:t>g.p1_place_id = </a:t>
-            </a:r>
-            <a:r>
-              <a:rPr kumimoji="1" lang="en" altLang="zh-CN" sz="2400" dirty="0" err="1">
-                <a:latin typeface="Menlo" panose="020B0609030804020204" pitchFamily="49" charset="0"/>
-                <a:ea typeface="Menlo" panose="020B0609030804020204" pitchFamily="49" charset="0"/>
-                <a:cs typeface="Menlo" panose="020B0609030804020204" pitchFamily="49" charset="0"/>
-              </a:rPr>
-              <a:t>p.id</a:t>
-            </a:r>
-            <a:endParaRPr kumimoji="1" lang="en" altLang="zh-CN" sz="2400" dirty="0">
-              <a:latin typeface="Menlo" panose="020B0609030804020204" pitchFamily="49" charset="0"/>
-              <a:ea typeface="Menlo" panose="020B0609030804020204" pitchFamily="49" charset="0"/>
-              <a:cs typeface="Menlo" panose="020B0609030804020204" pitchFamily="49" charset="0"/>
-            </a:endParaRPr>
-          </a:p>
-          <a:p>
-            <a:r>
-              <a:rPr kumimoji="1" lang="en" altLang="zh-CN" sz="2400" dirty="0">
-                <a:solidFill>
-                  <a:srgbClr val="9A172B"/>
-                </a:solidFill>
-                <a:latin typeface="Menlo" panose="020B0609030804020204" pitchFamily="49" charset="0"/>
-                <a:ea typeface="Menlo" panose="020B0609030804020204" pitchFamily="49" charset="0"/>
-                <a:cs typeface="Menlo" panose="020B0609030804020204" pitchFamily="49" charset="0"/>
-              </a:rPr>
-              <a:t>WHERE </a:t>
-            </a:r>
-            <a:r>
-              <a:rPr kumimoji="1" lang="en" altLang="zh-CN" sz="2400" dirty="0">
-                <a:latin typeface="Menlo" panose="020B0609030804020204" pitchFamily="49" charset="0"/>
-                <a:ea typeface="Menlo" panose="020B0609030804020204" pitchFamily="49" charset="0"/>
-                <a:cs typeface="Menlo" panose="020B0609030804020204" pitchFamily="49" charset="0"/>
-              </a:rPr>
-              <a:t>g.p1_name = 'Tom';</a:t>
-            </a:r>
-          </a:p>
-        </p:txBody>
-      </p:sp>
       <mc:AlternateContent xmlns:mc="http://schemas.openxmlformats.org/markup-compatibility/2006">
         <mc:Choice xmlns:a14="http://schemas.microsoft.com/office/drawing/2010/main" Requires="a14">
           <p:sp>
@@ -33210,7 +33185,7 @@
             </p:nvSpPr>
             <p:spPr>
               <a:xfrm>
-                <a:off x="-11036944" y="7049313"/>
+                <a:off x="-12809734" y="7049313"/>
                 <a:ext cx="3412921" cy="707886"/>
               </a:xfrm>
               <a:prstGeom prst="rect">
@@ -33313,7 +33288,7 @@
             </p:nvSpPr>
             <p:spPr>
               <a:xfrm>
-                <a:off x="-11036944" y="7049313"/>
+                <a:off x="-12809734" y="7049313"/>
                 <a:ext cx="3412921" cy="707886"/>
               </a:xfrm>
               <a:prstGeom prst="rect">
@@ -33322,7 +33297,7 @@
               <a:blipFill>
                 <a:blip r:embed="rId3"/>
                 <a:stretch>
-                  <a:fillRect l="-5556" t="-13793" r="-5926" b="-32759"/>
+                  <a:fillRect l="-5926" t="-13793" r="-5556" b="-32759"/>
                 </a:stretch>
               </a:blipFill>
             </p:spPr>
@@ -33478,6 +33453,650 @@
             <a:endParaRPr kumimoji="1" lang="en-US" altLang="zh-CN" sz="4000" dirty="0">
               <a:cs typeface="Times New Roman" panose="02020603050405020304" pitchFamily="18" charset="0"/>
             </a:endParaRPr>
+          </a:p>
+        </p:txBody>
+      </p:sp>
+      <p:sp>
+        <p:nvSpPr>
+          <p:cNvPr id="106" name="文本框 105">
+            <a:extLst>
+              <a:ext uri="{FF2B5EF4-FFF2-40B4-BE49-F238E27FC236}">
+                <a16:creationId xmlns:a16="http://schemas.microsoft.com/office/drawing/2014/main" id="{E01DEA87-A63C-3682-8688-9A5172AE9EDD}"/>
+              </a:ext>
+            </a:extLst>
+          </p:cNvPr>
+          <p:cNvSpPr txBox="1"/>
+          <p:nvPr/>
+        </p:nvSpPr>
+        <p:spPr>
+          <a:xfrm>
+            <a:off x="-15675658" y="26267"/>
+            <a:ext cx="11009358" cy="6001643"/>
+          </a:xfrm>
+          <a:prstGeom prst="rect">
+            <a:avLst/>
+          </a:prstGeom>
+          <a:noFill/>
+        </p:spPr>
+        <p:txBody>
+          <a:bodyPr wrap="square" rtlCol="0">
+            <a:spAutoFit/>
+          </a:bodyPr>
+          <a:lstStyle/>
+          <a:p>
+            <a:r>
+              <a:rPr kumimoji="1" lang="en" altLang="zh-CN" sz="2400" dirty="0">
+                <a:solidFill>
+                  <a:srgbClr val="9A172B"/>
+                </a:solidFill>
+                <a:latin typeface="Menlo" panose="020B0609030804020204" pitchFamily="49" charset="0"/>
+                <a:ea typeface="Menlo" panose="020B0609030804020204" pitchFamily="49" charset="0"/>
+                <a:cs typeface="Menlo" panose="020B0609030804020204" pitchFamily="49" charset="0"/>
+              </a:rPr>
+              <a:t>SELECT</a:t>
+            </a:r>
+            <a:r>
+              <a:rPr kumimoji="1" lang="en" altLang="zh-CN" sz="2400" dirty="0">
+                <a:latin typeface="Menlo" panose="020B0609030804020204" pitchFamily="49" charset="0"/>
+                <a:ea typeface="Menlo" panose="020B0609030804020204" pitchFamily="49" charset="0"/>
+                <a:cs typeface="Menlo" panose="020B0609030804020204" pitchFamily="49" charset="0"/>
+              </a:rPr>
+              <a:t> </a:t>
+            </a:r>
+            <a:r>
+              <a:rPr kumimoji="1" lang="en" altLang="zh-CN" sz="2400" dirty="0">
+                <a:solidFill>
+                  <a:srgbClr val="9A172B"/>
+                </a:solidFill>
+                <a:latin typeface="Menlo" panose="020B0609030804020204" pitchFamily="49" charset="0"/>
+                <a:ea typeface="Menlo" panose="020B0609030804020204" pitchFamily="49" charset="0"/>
+                <a:cs typeface="Menlo" panose="020B0609030804020204" pitchFamily="49" charset="0"/>
+              </a:rPr>
+              <a:t>MIN</a:t>
+            </a:r>
+            <a:r>
+              <a:rPr kumimoji="1" lang="en" altLang="zh-CN" sz="2400" dirty="0">
+                <a:latin typeface="Menlo" panose="020B0609030804020204" pitchFamily="49" charset="0"/>
+                <a:ea typeface="Menlo" panose="020B0609030804020204" pitchFamily="49" charset="0"/>
+                <a:cs typeface="Menlo" panose="020B0609030804020204" pitchFamily="49" charset="0"/>
+              </a:rPr>
+              <a:t>(</a:t>
+            </a:r>
+            <a:r>
+              <a:rPr kumimoji="1" lang="en" altLang="zh-CN" sz="2400" dirty="0" err="1">
+                <a:latin typeface="Menlo" panose="020B0609030804020204" pitchFamily="49" charset="0"/>
+                <a:ea typeface="Menlo" panose="020B0609030804020204" pitchFamily="49" charset="0"/>
+                <a:cs typeface="Menlo" panose="020B0609030804020204" pitchFamily="49" charset="0"/>
+              </a:rPr>
+              <a:t>g.n_name</a:t>
+            </a:r>
+            <a:r>
+              <a:rPr kumimoji="1" lang="en" altLang="zh-CN" sz="2400" dirty="0">
+                <a:latin typeface="Menlo" panose="020B0609030804020204" pitchFamily="49" charset="0"/>
+                <a:ea typeface="Menlo" panose="020B0609030804020204" pitchFamily="49" charset="0"/>
+                <a:cs typeface="Menlo" panose="020B0609030804020204" pitchFamily="49" charset="0"/>
+              </a:rPr>
+              <a:t>) </a:t>
+            </a:r>
+            <a:r>
+              <a:rPr kumimoji="1" lang="en" altLang="zh-CN" sz="2400" dirty="0">
+                <a:solidFill>
+                  <a:srgbClr val="9A172B"/>
+                </a:solidFill>
+                <a:latin typeface="Menlo" panose="020B0609030804020204" pitchFamily="49" charset="0"/>
+                <a:ea typeface="Menlo" panose="020B0609030804020204" pitchFamily="49" charset="0"/>
+                <a:cs typeface="Menlo" panose="020B0609030804020204" pitchFamily="49" charset="0"/>
+              </a:rPr>
+              <a:t>AS</a:t>
+            </a:r>
+            <a:r>
+              <a:rPr kumimoji="1" lang="en" altLang="zh-CN" sz="2400" dirty="0">
+                <a:latin typeface="Menlo" panose="020B0609030804020204" pitchFamily="49" charset="0"/>
+                <a:ea typeface="Menlo" panose="020B0609030804020204" pitchFamily="49" charset="0"/>
+                <a:cs typeface="Menlo" panose="020B0609030804020204" pitchFamily="49" charset="0"/>
+              </a:rPr>
+              <a:t> </a:t>
+            </a:r>
+            <a:r>
+              <a:rPr kumimoji="1" lang="en" altLang="zh-CN" sz="2400" dirty="0" err="1">
+                <a:latin typeface="Menlo" panose="020B0609030804020204" pitchFamily="49" charset="0"/>
+                <a:ea typeface="Menlo" panose="020B0609030804020204" pitchFamily="49" charset="0"/>
+                <a:cs typeface="Menlo" panose="020B0609030804020204" pitchFamily="49" charset="0"/>
+              </a:rPr>
+              <a:t>member_in_charnamed_american_movie</a:t>
+            </a:r>
+            <a:r>
+              <a:rPr kumimoji="1" lang="en" altLang="zh-CN" sz="2400" dirty="0">
+                <a:latin typeface="Menlo" panose="020B0609030804020204" pitchFamily="49" charset="0"/>
+                <a:ea typeface="Menlo" panose="020B0609030804020204" pitchFamily="49" charset="0"/>
+                <a:cs typeface="Menlo" panose="020B0609030804020204" pitchFamily="49" charset="0"/>
+              </a:rPr>
+              <a:t>, </a:t>
+            </a:r>
+          </a:p>
+          <a:p>
+            <a:r>
+              <a:rPr kumimoji="1" lang="en" altLang="zh-CN" sz="2400" dirty="0">
+                <a:solidFill>
+                  <a:srgbClr val="9A172B"/>
+                </a:solidFill>
+                <a:latin typeface="Menlo" panose="020B0609030804020204" pitchFamily="49" charset="0"/>
+                <a:ea typeface="Menlo" panose="020B0609030804020204" pitchFamily="49" charset="0"/>
+                <a:cs typeface="Menlo" panose="020B0609030804020204" pitchFamily="49" charset="0"/>
+              </a:rPr>
+              <a:t>       MIN</a:t>
+            </a:r>
+            <a:r>
+              <a:rPr kumimoji="1" lang="en" altLang="zh-CN" sz="2400" dirty="0">
+                <a:latin typeface="Menlo" panose="020B0609030804020204" pitchFamily="49" charset="0"/>
+                <a:ea typeface="Menlo" panose="020B0609030804020204" pitchFamily="49" charset="0"/>
+                <a:cs typeface="Menlo" panose="020B0609030804020204" pitchFamily="49" charset="0"/>
+              </a:rPr>
+              <a:t>(</a:t>
+            </a:r>
+            <a:r>
+              <a:rPr kumimoji="1" lang="en" altLang="zh-CN" sz="2400" dirty="0" err="1">
+                <a:latin typeface="Menlo" panose="020B0609030804020204" pitchFamily="49" charset="0"/>
+                <a:ea typeface="Menlo" panose="020B0609030804020204" pitchFamily="49" charset="0"/>
+                <a:cs typeface="Menlo" panose="020B0609030804020204" pitchFamily="49" charset="0"/>
+              </a:rPr>
+              <a:t>g.n_name</a:t>
+            </a:r>
+            <a:r>
+              <a:rPr kumimoji="1" lang="en" altLang="zh-CN" sz="2400" dirty="0">
+                <a:latin typeface="Menlo" panose="020B0609030804020204" pitchFamily="49" charset="0"/>
+                <a:ea typeface="Menlo" panose="020B0609030804020204" pitchFamily="49" charset="0"/>
+                <a:cs typeface="Menlo" panose="020B0609030804020204" pitchFamily="49" charset="0"/>
+              </a:rPr>
+              <a:t>) </a:t>
+            </a:r>
+            <a:r>
+              <a:rPr kumimoji="1" lang="en" altLang="zh-CN" sz="2400" dirty="0">
+                <a:solidFill>
+                  <a:srgbClr val="9A172B"/>
+                </a:solidFill>
+                <a:latin typeface="Menlo" panose="020B0609030804020204" pitchFamily="49" charset="0"/>
+                <a:ea typeface="Menlo" panose="020B0609030804020204" pitchFamily="49" charset="0"/>
+                <a:cs typeface="Menlo" panose="020B0609030804020204" pitchFamily="49" charset="0"/>
+              </a:rPr>
+              <a:t>AS</a:t>
+            </a:r>
+            <a:r>
+              <a:rPr kumimoji="1" lang="en" altLang="zh-CN" sz="2400" dirty="0">
+                <a:latin typeface="Menlo" panose="020B0609030804020204" pitchFamily="49" charset="0"/>
+                <a:ea typeface="Menlo" panose="020B0609030804020204" pitchFamily="49" charset="0"/>
+                <a:cs typeface="Menlo" panose="020B0609030804020204" pitchFamily="49" charset="0"/>
+              </a:rPr>
+              <a:t> a1</a:t>
+            </a:r>
+          </a:p>
+          <a:p>
+            <a:r>
+              <a:rPr kumimoji="1" lang="en" altLang="zh-CN" sz="2400" dirty="0">
+                <a:solidFill>
+                  <a:srgbClr val="9A172B"/>
+                </a:solidFill>
+                <a:latin typeface="Menlo" panose="020B0609030804020204" pitchFamily="49" charset="0"/>
+                <a:ea typeface="Menlo" panose="020B0609030804020204" pitchFamily="49" charset="0"/>
+                <a:cs typeface="Menlo" panose="020B0609030804020204" pitchFamily="49" charset="0"/>
+              </a:rPr>
+              <a:t>FROM</a:t>
+            </a:r>
+            <a:r>
+              <a:rPr kumimoji="1" lang="en" altLang="zh-CN" sz="2400" dirty="0">
+                <a:latin typeface="Menlo" panose="020B0609030804020204" pitchFamily="49" charset="0"/>
+                <a:ea typeface="Menlo" panose="020B0609030804020204" pitchFamily="49" charset="0"/>
+                <a:cs typeface="Menlo" panose="020B0609030804020204" pitchFamily="49" charset="0"/>
+              </a:rPr>
+              <a:t> </a:t>
+            </a:r>
+            <a:r>
+              <a:rPr kumimoji="1" lang="en" altLang="zh-CN" sz="2400" dirty="0">
+                <a:solidFill>
+                  <a:srgbClr val="9A172B"/>
+                </a:solidFill>
+                <a:latin typeface="Menlo" panose="020B0609030804020204" pitchFamily="49" charset="0"/>
+                <a:ea typeface="Menlo" panose="020B0609030804020204" pitchFamily="49" charset="0"/>
+                <a:cs typeface="Menlo" panose="020B0609030804020204" pitchFamily="49" charset="0"/>
+              </a:rPr>
+              <a:t>GRAPH_TABLE</a:t>
+            </a:r>
+            <a:r>
+              <a:rPr kumimoji="1" lang="en" altLang="zh-CN" sz="2400" dirty="0">
+                <a:latin typeface="Menlo" panose="020B0609030804020204" pitchFamily="49" charset="0"/>
+                <a:ea typeface="Menlo" panose="020B0609030804020204" pitchFamily="49" charset="0"/>
+                <a:cs typeface="Menlo" panose="020B0609030804020204" pitchFamily="49" charset="0"/>
+              </a:rPr>
+              <a:t> (graph</a:t>
+            </a:r>
+          </a:p>
+          <a:p>
+            <a:r>
+              <a:rPr kumimoji="1" lang="en" altLang="zh-CN" sz="2400" dirty="0">
+                <a:latin typeface="Menlo" panose="020B0609030804020204" pitchFamily="49" charset="0"/>
+                <a:ea typeface="Menlo" panose="020B0609030804020204" pitchFamily="49" charset="0"/>
+                <a:cs typeface="Menlo" panose="020B0609030804020204" pitchFamily="49" charset="0"/>
+              </a:rPr>
+              <a:t> </a:t>
+            </a:r>
+            <a:r>
+              <a:rPr kumimoji="1" lang="en" altLang="zh-CN" sz="2400" dirty="0">
+                <a:solidFill>
+                  <a:srgbClr val="9A172B"/>
+                </a:solidFill>
+                <a:latin typeface="Menlo" panose="020B0609030804020204" pitchFamily="49" charset="0"/>
+                <a:ea typeface="Menlo" panose="020B0609030804020204" pitchFamily="49" charset="0"/>
+                <a:cs typeface="Menlo" panose="020B0609030804020204" pitchFamily="49" charset="0"/>
+              </a:rPr>
+              <a:t>MATCH</a:t>
+            </a:r>
+          </a:p>
+          <a:p>
+            <a:r>
+              <a:rPr kumimoji="1" lang="en" altLang="zh-CN" sz="2400" dirty="0">
+                <a:latin typeface="Menlo" panose="020B0609030804020204" pitchFamily="49" charset="0"/>
+                <a:ea typeface="Menlo" panose="020B0609030804020204" pitchFamily="49" charset="0"/>
+                <a:cs typeface="Menlo" panose="020B0609030804020204" pitchFamily="49" charset="0"/>
+              </a:rPr>
+              <a:t>  (</a:t>
+            </a:r>
+            <a:r>
+              <a:rPr kumimoji="1" lang="en" altLang="zh-CN" sz="2400" dirty="0" err="1">
+                <a:latin typeface="Menlo" panose="020B0609030804020204" pitchFamily="49" charset="0"/>
+                <a:ea typeface="Menlo" panose="020B0609030804020204" pitchFamily="49" charset="0"/>
+                <a:cs typeface="Menlo" panose="020B0609030804020204" pitchFamily="49" charset="0"/>
+              </a:rPr>
+              <a:t>ci:CAST_INFO</a:t>
+            </a:r>
+            <a:r>
+              <a:rPr kumimoji="1" lang="en" altLang="zh-CN" sz="2400" dirty="0">
+                <a:latin typeface="Menlo" panose="020B0609030804020204" pitchFamily="49" charset="0"/>
+                <a:ea typeface="Menlo" panose="020B0609030804020204" pitchFamily="49" charset="0"/>
+                <a:cs typeface="Menlo" panose="020B0609030804020204" pitchFamily="49" charset="0"/>
+              </a:rPr>
+              <a:t>)-[:CAST_INFO_NAME]-&gt;(</a:t>
+            </a:r>
+            <a:r>
+              <a:rPr kumimoji="1" lang="en" altLang="zh-CN" sz="2400" dirty="0" err="1">
+                <a:latin typeface="Menlo" panose="020B0609030804020204" pitchFamily="49" charset="0"/>
+                <a:ea typeface="Menlo" panose="020B0609030804020204" pitchFamily="49" charset="0"/>
+                <a:cs typeface="Menlo" panose="020B0609030804020204" pitchFamily="49" charset="0"/>
+              </a:rPr>
+              <a:t>n:NAME</a:t>
+            </a:r>
+            <a:r>
+              <a:rPr kumimoji="1" lang="en" altLang="zh-CN" sz="2400" dirty="0">
+                <a:latin typeface="Menlo" panose="020B0609030804020204" pitchFamily="49" charset="0"/>
+                <a:ea typeface="Menlo" panose="020B0609030804020204" pitchFamily="49" charset="0"/>
+                <a:cs typeface="Menlo" panose="020B0609030804020204" pitchFamily="49" charset="0"/>
+              </a:rPr>
+              <a:t>),</a:t>
+            </a:r>
+          </a:p>
+          <a:p>
+            <a:r>
+              <a:rPr kumimoji="1" lang="en" altLang="zh-CN" sz="2400" dirty="0">
+                <a:latin typeface="Menlo" panose="020B0609030804020204" pitchFamily="49" charset="0"/>
+                <a:ea typeface="Menlo" panose="020B0609030804020204" pitchFamily="49" charset="0"/>
+                <a:cs typeface="Menlo" panose="020B0609030804020204" pitchFamily="49" charset="0"/>
+              </a:rPr>
+              <a:t>  (ci)-[:CAST_INFO_TITLE]-&gt;(</a:t>
+            </a:r>
+            <a:r>
+              <a:rPr kumimoji="1" lang="en" altLang="zh-CN" sz="2400" dirty="0" err="1">
+                <a:latin typeface="Menlo" panose="020B0609030804020204" pitchFamily="49" charset="0"/>
+                <a:ea typeface="Menlo" panose="020B0609030804020204" pitchFamily="49" charset="0"/>
+                <a:cs typeface="Menlo" panose="020B0609030804020204" pitchFamily="49" charset="0"/>
+              </a:rPr>
+              <a:t>t:TITLE</a:t>
+            </a:r>
+            <a:r>
+              <a:rPr kumimoji="1" lang="en" altLang="zh-CN" sz="2400" dirty="0">
+                <a:latin typeface="Menlo" panose="020B0609030804020204" pitchFamily="49" charset="0"/>
+                <a:ea typeface="Menlo" panose="020B0609030804020204" pitchFamily="49" charset="0"/>
+                <a:cs typeface="Menlo" panose="020B0609030804020204" pitchFamily="49" charset="0"/>
+              </a:rPr>
+              <a:t>)</a:t>
+            </a:r>
+          </a:p>
+          <a:p>
+            <a:r>
+              <a:rPr kumimoji="1" lang="en" altLang="zh-CN" sz="2400" dirty="0">
+                <a:latin typeface="Menlo" panose="020B0609030804020204" pitchFamily="49" charset="0"/>
+                <a:ea typeface="Menlo" panose="020B0609030804020204" pitchFamily="49" charset="0"/>
+                <a:cs typeface="Menlo" panose="020B0609030804020204" pitchFamily="49" charset="0"/>
+              </a:rPr>
+              <a:t>  (t)-[:MOVIE_KEYWORD]-&gt;(</a:t>
+            </a:r>
+            <a:r>
+              <a:rPr kumimoji="1" lang="en" altLang="zh-CN" sz="2400" dirty="0" err="1">
+                <a:latin typeface="Menlo" panose="020B0609030804020204" pitchFamily="49" charset="0"/>
+                <a:ea typeface="Menlo" panose="020B0609030804020204" pitchFamily="49" charset="0"/>
+                <a:cs typeface="Menlo" panose="020B0609030804020204" pitchFamily="49" charset="0"/>
+              </a:rPr>
+              <a:t>k:KEYWORD</a:t>
+            </a:r>
+            <a:r>
+              <a:rPr kumimoji="1" lang="en" altLang="zh-CN" sz="2400" dirty="0">
+                <a:latin typeface="Menlo" panose="020B0609030804020204" pitchFamily="49" charset="0"/>
+                <a:ea typeface="Menlo" panose="020B0609030804020204" pitchFamily="49" charset="0"/>
+                <a:cs typeface="Menlo" panose="020B0609030804020204" pitchFamily="49" charset="0"/>
+              </a:rPr>
+              <a:t>),</a:t>
+            </a:r>
+          </a:p>
+          <a:p>
+            <a:r>
+              <a:rPr kumimoji="1" lang="en" altLang="zh-CN" sz="2400" dirty="0">
+                <a:latin typeface="Menlo" panose="020B0609030804020204" pitchFamily="49" charset="0"/>
+                <a:ea typeface="Menlo" panose="020B0609030804020204" pitchFamily="49" charset="0"/>
+                <a:cs typeface="Menlo" panose="020B0609030804020204" pitchFamily="49" charset="0"/>
+              </a:rPr>
+              <a:t>  (t)&lt;-[:MOVIE_COMPANIES_TITLE]-(</a:t>
+            </a:r>
+            <a:r>
+              <a:rPr kumimoji="1" lang="en" altLang="zh-CN" sz="2400" dirty="0" err="1">
+                <a:latin typeface="Menlo" panose="020B0609030804020204" pitchFamily="49" charset="0"/>
+                <a:ea typeface="Menlo" panose="020B0609030804020204" pitchFamily="49" charset="0"/>
+                <a:cs typeface="Menlo" panose="020B0609030804020204" pitchFamily="49" charset="0"/>
+              </a:rPr>
+              <a:t>mc:MOVIE_COMPANIES</a:t>
+            </a:r>
+            <a:r>
+              <a:rPr kumimoji="1" lang="en" altLang="zh-CN" sz="2400" dirty="0">
+                <a:latin typeface="Menlo" panose="020B0609030804020204" pitchFamily="49" charset="0"/>
+                <a:ea typeface="Menlo" panose="020B0609030804020204" pitchFamily="49" charset="0"/>
+                <a:cs typeface="Menlo" panose="020B0609030804020204" pitchFamily="49" charset="0"/>
+              </a:rPr>
+              <a:t>)</a:t>
+            </a:r>
+          </a:p>
+          <a:p>
+            <a:r>
+              <a:rPr kumimoji="1" lang="en" altLang="zh-CN" sz="2400" dirty="0">
+                <a:latin typeface="Menlo" panose="020B0609030804020204" pitchFamily="49" charset="0"/>
+                <a:ea typeface="Menlo" panose="020B0609030804020204" pitchFamily="49" charset="0"/>
+                <a:cs typeface="Menlo" panose="020B0609030804020204" pitchFamily="49" charset="0"/>
+              </a:rPr>
+              <a:t>  (mc)-[:MOVIE_COMPANIES_COMPANY_NAME]-&gt;(</a:t>
+            </a:r>
+            <a:r>
+              <a:rPr kumimoji="1" lang="en" altLang="zh-CN" sz="2400" dirty="0" err="1">
+                <a:latin typeface="Menlo" panose="020B0609030804020204" pitchFamily="49" charset="0"/>
+                <a:ea typeface="Menlo" panose="020B0609030804020204" pitchFamily="49" charset="0"/>
+                <a:cs typeface="Menlo" panose="020B0609030804020204" pitchFamily="49" charset="0"/>
+              </a:rPr>
+              <a:t>cn:COMPANY_NAME</a:t>
+            </a:r>
+            <a:r>
+              <a:rPr kumimoji="1" lang="en" altLang="zh-CN" sz="2400" dirty="0">
+                <a:latin typeface="Menlo" panose="020B0609030804020204" pitchFamily="49" charset="0"/>
+                <a:ea typeface="Menlo" panose="020B0609030804020204" pitchFamily="49" charset="0"/>
+                <a:cs typeface="Menlo" panose="020B0609030804020204" pitchFamily="49" charset="0"/>
+              </a:rPr>
+              <a:t>)</a:t>
+            </a:r>
+          </a:p>
+          <a:p>
+            <a:r>
+              <a:rPr kumimoji="1" lang="en" altLang="zh-CN" sz="2400" dirty="0">
+                <a:latin typeface="Menlo" panose="020B0609030804020204" pitchFamily="49" charset="0"/>
+                <a:ea typeface="Menlo" panose="020B0609030804020204" pitchFamily="49" charset="0"/>
+                <a:cs typeface="Menlo" panose="020B0609030804020204" pitchFamily="49" charset="0"/>
+              </a:rPr>
+              <a:t> </a:t>
+            </a:r>
+            <a:r>
+              <a:rPr kumimoji="1" lang="en" altLang="zh-CN" sz="2400" dirty="0">
+                <a:solidFill>
+                  <a:srgbClr val="9A172B"/>
+                </a:solidFill>
+                <a:latin typeface="Menlo" panose="020B0609030804020204" pitchFamily="49" charset="0"/>
+                <a:ea typeface="Menlo" panose="020B0609030804020204" pitchFamily="49" charset="0"/>
+                <a:cs typeface="Menlo" panose="020B0609030804020204" pitchFamily="49" charset="0"/>
+              </a:rPr>
+              <a:t>WHERE</a:t>
+            </a:r>
+            <a:r>
+              <a:rPr kumimoji="1" lang="en" altLang="zh-CN" sz="2400" dirty="0">
+                <a:latin typeface="Menlo" panose="020B0609030804020204" pitchFamily="49" charset="0"/>
+                <a:ea typeface="Menlo" panose="020B0609030804020204" pitchFamily="49" charset="0"/>
+                <a:cs typeface="Menlo" panose="020B0609030804020204" pitchFamily="49" charset="0"/>
+              </a:rPr>
+              <a:t> </a:t>
+            </a:r>
+            <a:r>
+              <a:rPr kumimoji="1" lang="en" altLang="zh-CN" sz="2400" dirty="0" err="1">
+                <a:latin typeface="Menlo" panose="020B0609030804020204" pitchFamily="49" charset="0"/>
+                <a:ea typeface="Menlo" panose="020B0609030804020204" pitchFamily="49" charset="0"/>
+                <a:cs typeface="Menlo" panose="020B0609030804020204" pitchFamily="49" charset="0"/>
+              </a:rPr>
+              <a:t>cn.country_code</a:t>
+            </a:r>
+            <a:r>
+              <a:rPr kumimoji="1" lang="en" altLang="zh-CN" sz="2400" dirty="0">
+                <a:latin typeface="Menlo" panose="020B0609030804020204" pitchFamily="49" charset="0"/>
+                <a:ea typeface="Menlo" panose="020B0609030804020204" pitchFamily="49" charset="0"/>
+                <a:cs typeface="Menlo" panose="020B0609030804020204" pitchFamily="49" charset="0"/>
+              </a:rPr>
+              <a:t> = '[us]’</a:t>
+            </a:r>
+          </a:p>
+          <a:p>
+            <a:r>
+              <a:rPr kumimoji="1" lang="en" altLang="zh-CN" sz="2400" dirty="0">
+                <a:latin typeface="Menlo" panose="020B0609030804020204" pitchFamily="49" charset="0"/>
+                <a:ea typeface="Menlo" panose="020B0609030804020204" pitchFamily="49" charset="0"/>
+                <a:cs typeface="Menlo" panose="020B0609030804020204" pitchFamily="49" charset="0"/>
+              </a:rPr>
+              <a:t>  </a:t>
+            </a:r>
+            <a:r>
+              <a:rPr kumimoji="1" lang="en" altLang="zh-CN" sz="2400" dirty="0">
+                <a:solidFill>
+                  <a:srgbClr val="9A172B"/>
+                </a:solidFill>
+                <a:latin typeface="Menlo" panose="020B0609030804020204" pitchFamily="49" charset="0"/>
+                <a:ea typeface="Menlo" panose="020B0609030804020204" pitchFamily="49" charset="0"/>
+                <a:cs typeface="Menlo" panose="020B0609030804020204" pitchFamily="49" charset="0"/>
+              </a:rPr>
+              <a:t>AND</a:t>
+            </a:r>
+            <a:r>
+              <a:rPr kumimoji="1" lang="en" altLang="zh-CN" sz="2400" dirty="0">
+                <a:latin typeface="Menlo" panose="020B0609030804020204" pitchFamily="49" charset="0"/>
+                <a:ea typeface="Menlo" panose="020B0609030804020204" pitchFamily="49" charset="0"/>
+                <a:cs typeface="Menlo" panose="020B0609030804020204" pitchFamily="49" charset="0"/>
+              </a:rPr>
+              <a:t> </a:t>
+            </a:r>
+            <a:r>
+              <a:rPr kumimoji="1" lang="en" altLang="zh-CN" sz="2400" dirty="0" err="1">
+                <a:latin typeface="Menlo" panose="020B0609030804020204" pitchFamily="49" charset="0"/>
+                <a:ea typeface="Menlo" panose="020B0609030804020204" pitchFamily="49" charset="0"/>
+                <a:cs typeface="Menlo" panose="020B0609030804020204" pitchFamily="49" charset="0"/>
+              </a:rPr>
+              <a:t>k.keyword</a:t>
+            </a:r>
+            <a:r>
+              <a:rPr kumimoji="1" lang="en" altLang="zh-CN" sz="2400" dirty="0">
+                <a:latin typeface="Menlo" panose="020B0609030804020204" pitchFamily="49" charset="0"/>
+                <a:ea typeface="Menlo" panose="020B0609030804020204" pitchFamily="49" charset="0"/>
+                <a:cs typeface="Menlo" panose="020B0609030804020204" pitchFamily="49" charset="0"/>
+              </a:rPr>
+              <a:t> = 'character-name-in-title’</a:t>
+            </a:r>
+          </a:p>
+          <a:p>
+            <a:r>
+              <a:rPr kumimoji="1" lang="en" altLang="zh-CN" sz="2400" dirty="0">
+                <a:latin typeface="Menlo" panose="020B0609030804020204" pitchFamily="49" charset="0"/>
+                <a:ea typeface="Menlo" panose="020B0609030804020204" pitchFamily="49" charset="0"/>
+                <a:cs typeface="Menlo" panose="020B0609030804020204" pitchFamily="49" charset="0"/>
+              </a:rPr>
+              <a:t>  </a:t>
+            </a:r>
+            <a:r>
+              <a:rPr kumimoji="1" lang="en" altLang="zh-CN" sz="2400" dirty="0">
+                <a:solidFill>
+                  <a:srgbClr val="9A172B"/>
+                </a:solidFill>
+                <a:latin typeface="Menlo" panose="020B0609030804020204" pitchFamily="49" charset="0"/>
+                <a:ea typeface="Menlo" panose="020B0609030804020204" pitchFamily="49" charset="0"/>
+                <a:cs typeface="Menlo" panose="020B0609030804020204" pitchFamily="49" charset="0"/>
+              </a:rPr>
+              <a:t>AND</a:t>
+            </a:r>
+            <a:r>
+              <a:rPr kumimoji="1" lang="en" altLang="zh-CN" sz="2400" dirty="0">
+                <a:latin typeface="Menlo" panose="020B0609030804020204" pitchFamily="49" charset="0"/>
+                <a:ea typeface="Menlo" panose="020B0609030804020204" pitchFamily="49" charset="0"/>
+                <a:cs typeface="Menlo" panose="020B0609030804020204" pitchFamily="49" charset="0"/>
+              </a:rPr>
+              <a:t> </a:t>
+            </a:r>
+            <a:r>
+              <a:rPr kumimoji="1" lang="en" altLang="zh-CN" sz="2400" dirty="0" err="1">
+                <a:latin typeface="Menlo" panose="020B0609030804020204" pitchFamily="49" charset="0"/>
+                <a:ea typeface="Menlo" panose="020B0609030804020204" pitchFamily="49" charset="0"/>
+                <a:cs typeface="Menlo" panose="020B0609030804020204" pitchFamily="49" charset="0"/>
+              </a:rPr>
+              <a:t>n.name</a:t>
+            </a:r>
+            <a:r>
+              <a:rPr kumimoji="1" lang="en" altLang="zh-CN" sz="2400" dirty="0">
+                <a:latin typeface="Menlo" panose="020B0609030804020204" pitchFamily="49" charset="0"/>
+                <a:ea typeface="Menlo" panose="020B0609030804020204" pitchFamily="49" charset="0"/>
+                <a:cs typeface="Menlo" panose="020B0609030804020204" pitchFamily="49" charset="0"/>
+              </a:rPr>
+              <a:t> </a:t>
+            </a:r>
+            <a:r>
+              <a:rPr kumimoji="1" lang="en" altLang="zh-CN" sz="2400" dirty="0">
+                <a:solidFill>
+                  <a:srgbClr val="9A172B"/>
+                </a:solidFill>
+                <a:latin typeface="Menlo" panose="020B0609030804020204" pitchFamily="49" charset="0"/>
+                <a:ea typeface="Menlo" panose="020B0609030804020204" pitchFamily="49" charset="0"/>
+                <a:cs typeface="Menlo" panose="020B0609030804020204" pitchFamily="49" charset="0"/>
+              </a:rPr>
+              <a:t>STARTS WITH </a:t>
+            </a:r>
+            <a:r>
+              <a:rPr kumimoji="1" lang="en" altLang="zh-CN" sz="2400" dirty="0">
+                <a:latin typeface="Menlo" panose="020B0609030804020204" pitchFamily="49" charset="0"/>
+                <a:ea typeface="Menlo" panose="020B0609030804020204" pitchFamily="49" charset="0"/>
+                <a:cs typeface="Menlo" panose="020B0609030804020204" pitchFamily="49" charset="0"/>
+              </a:rPr>
+              <a:t>‘B’</a:t>
+            </a:r>
+          </a:p>
+          <a:p>
+            <a:r>
+              <a:rPr kumimoji="1" lang="en" altLang="zh-CN" sz="2400" dirty="0">
+                <a:latin typeface="Menlo" panose="020B0609030804020204" pitchFamily="49" charset="0"/>
+                <a:ea typeface="Menlo" panose="020B0609030804020204" pitchFamily="49" charset="0"/>
+                <a:cs typeface="Menlo" panose="020B0609030804020204" pitchFamily="49" charset="0"/>
+              </a:rPr>
+              <a:t> </a:t>
+            </a:r>
+            <a:r>
+              <a:rPr kumimoji="1" lang="en" altLang="zh-CN" sz="2400" dirty="0">
+                <a:solidFill>
+                  <a:srgbClr val="9A172B"/>
+                </a:solidFill>
+                <a:latin typeface="Menlo" panose="020B0609030804020204" pitchFamily="49" charset="0"/>
+                <a:ea typeface="Menlo" panose="020B0609030804020204" pitchFamily="49" charset="0"/>
+                <a:cs typeface="Menlo" panose="020B0609030804020204" pitchFamily="49" charset="0"/>
+              </a:rPr>
+              <a:t>COLUMNS</a:t>
+            </a:r>
+            <a:r>
+              <a:rPr kumimoji="1" lang="en" altLang="zh-CN" sz="2400" dirty="0">
+                <a:latin typeface="Menlo" panose="020B0609030804020204" pitchFamily="49" charset="0"/>
+                <a:ea typeface="Menlo" panose="020B0609030804020204" pitchFamily="49" charset="0"/>
+                <a:cs typeface="Menlo" panose="020B0609030804020204" pitchFamily="49" charset="0"/>
+              </a:rPr>
+              <a:t> (</a:t>
+            </a:r>
+          </a:p>
+          <a:p>
+            <a:r>
+              <a:rPr kumimoji="1" lang="en" altLang="zh-CN" sz="2400" dirty="0">
+                <a:latin typeface="Menlo" panose="020B0609030804020204" pitchFamily="49" charset="0"/>
+                <a:ea typeface="Menlo" panose="020B0609030804020204" pitchFamily="49" charset="0"/>
+                <a:cs typeface="Menlo" panose="020B0609030804020204" pitchFamily="49" charset="0"/>
+              </a:rPr>
+              <a:t>  </a:t>
+            </a:r>
+            <a:r>
+              <a:rPr kumimoji="1" lang="en" altLang="zh-CN" sz="2400" dirty="0" err="1">
+                <a:latin typeface="Menlo" panose="020B0609030804020204" pitchFamily="49" charset="0"/>
+                <a:ea typeface="Menlo" panose="020B0609030804020204" pitchFamily="49" charset="0"/>
+                <a:cs typeface="Menlo" panose="020B0609030804020204" pitchFamily="49" charset="0"/>
+              </a:rPr>
+              <a:t>n.name</a:t>
+            </a:r>
+            <a:r>
+              <a:rPr kumimoji="1" lang="en" altLang="zh-CN" sz="2400" dirty="0">
+                <a:latin typeface="Menlo" panose="020B0609030804020204" pitchFamily="49" charset="0"/>
+                <a:ea typeface="Menlo" panose="020B0609030804020204" pitchFamily="49" charset="0"/>
+                <a:cs typeface="Menlo" panose="020B0609030804020204" pitchFamily="49" charset="0"/>
+              </a:rPr>
+              <a:t> </a:t>
+            </a:r>
+            <a:r>
+              <a:rPr kumimoji="1" lang="en" altLang="zh-CN" sz="2400" dirty="0">
+                <a:solidFill>
+                  <a:srgbClr val="9A172B"/>
+                </a:solidFill>
+                <a:latin typeface="Menlo" panose="020B0609030804020204" pitchFamily="49" charset="0"/>
+                <a:ea typeface="Menlo" panose="020B0609030804020204" pitchFamily="49" charset="0"/>
+                <a:cs typeface="Menlo" panose="020B0609030804020204" pitchFamily="49" charset="0"/>
+              </a:rPr>
+              <a:t>AS</a:t>
+            </a:r>
+            <a:r>
+              <a:rPr kumimoji="1" lang="en" altLang="zh-CN" sz="2400" dirty="0">
+                <a:latin typeface="Menlo" panose="020B0609030804020204" pitchFamily="49" charset="0"/>
+                <a:ea typeface="Menlo" panose="020B0609030804020204" pitchFamily="49" charset="0"/>
+                <a:cs typeface="Menlo" panose="020B0609030804020204" pitchFamily="49" charset="0"/>
+              </a:rPr>
+              <a:t> </a:t>
+            </a:r>
+            <a:r>
+              <a:rPr kumimoji="1" lang="en" altLang="zh-CN" sz="2400" dirty="0" err="1">
+                <a:latin typeface="Menlo" panose="020B0609030804020204" pitchFamily="49" charset="0"/>
+                <a:ea typeface="Menlo" panose="020B0609030804020204" pitchFamily="49" charset="0"/>
+                <a:cs typeface="Menlo" panose="020B0609030804020204" pitchFamily="49" charset="0"/>
+              </a:rPr>
+              <a:t>n_name</a:t>
+            </a:r>
+            <a:endParaRPr kumimoji="1" lang="en" altLang="zh-CN" sz="2400" dirty="0">
+              <a:latin typeface="Menlo" panose="020B0609030804020204" pitchFamily="49" charset="0"/>
+              <a:ea typeface="Menlo" panose="020B0609030804020204" pitchFamily="49" charset="0"/>
+              <a:cs typeface="Menlo" panose="020B0609030804020204" pitchFamily="49" charset="0"/>
+            </a:endParaRPr>
+          </a:p>
+          <a:p>
+            <a:r>
+              <a:rPr kumimoji="1" lang="en" altLang="zh-CN" sz="2400" dirty="0">
+                <a:latin typeface="Menlo" panose="020B0609030804020204" pitchFamily="49" charset="0"/>
+                <a:ea typeface="Menlo" panose="020B0609030804020204" pitchFamily="49" charset="0"/>
+                <a:cs typeface="Menlo" panose="020B0609030804020204" pitchFamily="49" charset="0"/>
+              </a:rPr>
+              <a:t> ) g</a:t>
+            </a:r>
+          </a:p>
+          <a:p>
+            <a:r>
+              <a:rPr kumimoji="1" lang="en" altLang="zh-CN" sz="2400" dirty="0">
+                <a:latin typeface="Menlo" panose="020B0609030804020204" pitchFamily="49" charset="0"/>
+                <a:ea typeface="Menlo" panose="020B0609030804020204" pitchFamily="49" charset="0"/>
+                <a:cs typeface="Menlo" panose="020B0609030804020204" pitchFamily="49" charset="0"/>
+              </a:rPr>
+              <a:t>)</a:t>
+            </a:r>
           </a:p>
         </p:txBody>
       </p:sp>

--- a/revise.pptx
+++ b/revise.pptx
@@ -4861,8 +4861,8 @@
         </p:nvSpPr>
         <p:spPr>
           <a:xfrm>
-            <a:off x="5822738" y="360947"/>
-            <a:ext cx="9946954" cy="3139321"/>
+            <a:off x="4860211" y="289679"/>
+            <a:ext cx="8273419" cy="3693319"/>
           </a:xfrm>
           <a:prstGeom prst="rect">
             <a:avLst/>
@@ -5074,7 +5074,17 @@
                 <a:ea typeface="Menlo" panose="020B0609030804020204" pitchFamily="49" charset="0"/>
                 <a:cs typeface="Menlo" panose="020B0609030804020204" pitchFamily="49" charset="0"/>
               </a:rPr>
-              <a:t> p1_name, p1.place_id </a:t>
+              <a:t> p1_name, </a:t>
+            </a:r>
+          </a:p>
+          <a:p>
+            <a:r>
+              <a:rPr kumimoji="1" lang="en" altLang="zh-CN" dirty="0">
+                <a:latin typeface="Menlo" panose="020B0609030804020204" pitchFamily="49" charset="0"/>
+                <a:ea typeface="Menlo" panose="020B0609030804020204" pitchFamily="49" charset="0"/>
+                <a:cs typeface="Menlo" panose="020B0609030804020204" pitchFamily="49" charset="0"/>
+              </a:rPr>
+              <a:t>p1.place_id </a:t>
             </a:r>
             <a:r>
               <a:rPr kumimoji="1" lang="en" altLang="zh-CN" dirty="0">
@@ -5093,23 +5103,17 @@
                 <a:ea typeface="Menlo" panose="020B0609030804020204" pitchFamily="49" charset="0"/>
                 <a:cs typeface="Menlo" panose="020B0609030804020204" pitchFamily="49" charset="0"/>
               </a:rPr>
-              <a:t> p1_place_</a:t>
-            </a:r>
-            <a:r>
-              <a:rPr kumimoji="1" lang="en" altLang="zh-CN">
-                <a:latin typeface="Menlo" panose="020B0609030804020204" pitchFamily="49" charset="0"/>
-                <a:ea typeface="Menlo" panose="020B0609030804020204" pitchFamily="49" charset="0"/>
-                <a:cs typeface="Menlo" panose="020B0609030804020204" pitchFamily="49" charset="0"/>
-              </a:rPr>
-              <a:t>id, p2</a:t>
-            </a:r>
+              <a:t> p1_place_id, </a:t>
+            </a:r>
+          </a:p>
+          <a:p>
             <a:r>
               <a:rPr kumimoji="1" lang="en" altLang="zh-CN" dirty="0">
                 <a:latin typeface="Menlo" panose="020B0609030804020204" pitchFamily="49" charset="0"/>
                 <a:ea typeface="Menlo" panose="020B0609030804020204" pitchFamily="49" charset="0"/>
                 <a:cs typeface="Menlo" panose="020B0609030804020204" pitchFamily="49" charset="0"/>
               </a:rPr>
-              <a:t>.name </a:t>
+              <a:t>    p2.name </a:t>
             </a:r>
             <a:r>
               <a:rPr kumimoji="1" lang="en" altLang="zh-CN" dirty="0">
@@ -29366,10 +29370,10 @@
         </p:nvGrpSpPr>
         <p:grpSpPr>
           <a:xfrm>
-            <a:off x="2941503" y="4432554"/>
-            <a:ext cx="2975146" cy="868196"/>
-            <a:chOff x="859809" y="3955277"/>
-            <a:chExt cx="2975146" cy="868196"/>
+            <a:off x="2941503" y="4651325"/>
+            <a:ext cx="2975146" cy="695384"/>
+            <a:chOff x="859809" y="4045095"/>
+            <a:chExt cx="2975146" cy="695384"/>
           </a:xfrm>
         </p:grpSpPr>
         <p:sp>
@@ -29386,8 +29390,8 @@
           </p:nvSpPr>
           <p:spPr>
             <a:xfrm>
-              <a:off x="859809" y="3955277"/>
-              <a:ext cx="2975146" cy="868196"/>
+              <a:off x="859809" y="4045095"/>
+              <a:ext cx="2975146" cy="695384"/>
             </a:xfrm>
             <a:prstGeom prst="roundRect">
               <a:avLst>
@@ -29446,7 +29450,7 @@
           </p:nvSpPr>
           <p:spPr>
             <a:xfrm>
-              <a:off x="1187121" y="4078209"/>
+              <a:off x="1119391" y="4137747"/>
               <a:ext cx="2432526" cy="523220"/>
             </a:xfrm>
             <a:prstGeom prst="rect">
@@ -29496,8 +29500,8 @@
         </p:nvCxnSpPr>
         <p:spPr>
           <a:xfrm>
-            <a:off x="2582661" y="4862920"/>
-            <a:ext cx="358842" cy="3732"/>
+            <a:off x="2571268" y="4999017"/>
+            <a:ext cx="370235" cy="0"/>
           </a:xfrm>
           <a:prstGeom prst="straightConnector1">
             <a:avLst/>
@@ -29694,10 +29698,10 @@
         </p:nvGrpSpPr>
         <p:grpSpPr>
           <a:xfrm>
-            <a:off x="-495993" y="4370820"/>
-            <a:ext cx="3182162" cy="938376"/>
-            <a:chOff x="6118010" y="4270496"/>
-            <a:chExt cx="3182162" cy="938376"/>
+            <a:off x="-1010788" y="4651325"/>
+            <a:ext cx="3625481" cy="695384"/>
+            <a:chOff x="5970081" y="4422048"/>
+            <a:chExt cx="3265698" cy="695384"/>
           </a:xfrm>
         </p:grpSpPr>
         <p:sp>
@@ -29714,8 +29718,8 @@
           </p:nvSpPr>
           <p:spPr>
             <a:xfrm>
-              <a:off x="6221518" y="4316320"/>
-              <a:ext cx="2975146" cy="892552"/>
+              <a:off x="5970081" y="4422048"/>
+              <a:ext cx="3226582" cy="695384"/>
             </a:xfrm>
             <a:prstGeom prst="roundRect">
               <a:avLst>
@@ -29774,8 +29778,8 @@
           </p:nvSpPr>
           <p:spPr>
             <a:xfrm>
-              <a:off x="6118010" y="4270496"/>
-              <a:ext cx="3182162" cy="892552"/>
+              <a:off x="6009197" y="4487519"/>
+              <a:ext cx="3226582" cy="523220"/>
             </a:xfrm>
             <a:prstGeom prst="rect">
               <a:avLst/>
@@ -29798,21 +29802,13 @@
                 <a:t>SCAN</a:t>
               </a:r>
               <a:r>
-                <a:rPr kumimoji="1" lang="zh-CN" altLang="en-US" sz="2400" b="1" dirty="0">
+                <a:rPr kumimoji="1" lang="en-US" altLang="zh-CN" sz="2400" b="1" dirty="0">
                   <a:latin typeface="Calibri" panose="020F0502020204030204" pitchFamily="34" charset="0"/>
                   <a:ea typeface="Helvetica Neue" panose="02000503000000020004" pitchFamily="2" charset="0"/>
                   <a:cs typeface="Calibri" panose="020F0502020204030204" pitchFamily="34" charset="0"/>
                 </a:rPr>
                 <a:t>  </a:t>
               </a:r>
-              <a:endParaRPr kumimoji="1" lang="en-US" altLang="zh-CN" sz="2400" b="1" dirty="0">
-                <a:latin typeface="Calibri" panose="020F0502020204030204" pitchFamily="34" charset="0"/>
-                <a:ea typeface="Helvetica Neue" panose="02000503000000020004" pitchFamily="2" charset="0"/>
-                <a:cs typeface="Calibri" panose="020F0502020204030204" pitchFamily="34" charset="0"/>
-              </a:endParaRPr>
-            </a:p>
-            <a:p>
-              <a:pPr algn="ctr"/>
               <a:r>
                 <a:rPr kumimoji="1" lang="en-US" altLang="zh-CN" sz="2400" dirty="0">
                   <a:latin typeface="Calibri" panose="020F0502020204030204" pitchFamily="34" charset="0"/>
@@ -29843,10 +29839,10 @@
         </p:nvGrpSpPr>
         <p:grpSpPr>
           <a:xfrm>
-            <a:off x="-802239" y="1954766"/>
-            <a:ext cx="3473934" cy="1302844"/>
-            <a:chOff x="5797426" y="4180568"/>
-            <a:chExt cx="3473934" cy="1302844"/>
+            <a:off x="-1010796" y="2271287"/>
+            <a:ext cx="3682491" cy="1302844"/>
+            <a:chOff x="5588869" y="4180568"/>
+            <a:chExt cx="3682491" cy="1302844"/>
           </a:xfrm>
         </p:grpSpPr>
         <p:sp>
@@ -29863,8 +29859,8 @@
           </p:nvSpPr>
           <p:spPr>
             <a:xfrm>
-              <a:off x="5797426" y="4180568"/>
-              <a:ext cx="3399238" cy="1302844"/>
+              <a:off x="5588869" y="4180568"/>
+              <a:ext cx="3607795" cy="1302844"/>
             </a:xfrm>
             <a:prstGeom prst="roundRect">
               <a:avLst>
@@ -29923,8 +29919,8 @@
           </p:nvSpPr>
           <p:spPr>
             <a:xfrm>
-              <a:off x="5808812" y="4398816"/>
-              <a:ext cx="3462548" cy="830997"/>
+              <a:off x="5726080" y="4398816"/>
+              <a:ext cx="3545280" cy="830997"/>
             </a:xfrm>
             <a:prstGeom prst="rect">
               <a:avLst/>
@@ -29945,14 +29941,6 @@
                   <a:cs typeface="Calibri" panose="020F0502020204030204" pitchFamily="34" charset="0"/>
                 </a:rPr>
                 <a:t>SCAN</a:t>
-              </a:r>
-              <a:r>
-                <a:rPr kumimoji="1" lang="zh-CN" altLang="en-US" sz="2400" b="1" dirty="0">
-                  <a:latin typeface="Calibri" panose="020F0502020204030204" pitchFamily="34" charset="0"/>
-                  <a:ea typeface="Helvetica Neue" panose="02000503000000020004" pitchFamily="2" charset="0"/>
-                  <a:cs typeface="Calibri" panose="020F0502020204030204" pitchFamily="34" charset="0"/>
-                </a:rPr>
-                <a:t>  </a:t>
               </a:r>
               <a:r>
                 <a:rPr kumimoji="1" lang="en-US" altLang="zh-CN" sz="2400" b="1" dirty="0">
@@ -30019,8 +30007,8 @@
         </p:nvSpPr>
         <p:spPr>
           <a:xfrm>
-            <a:off x="2939325" y="2233378"/>
-            <a:ext cx="2975146" cy="795366"/>
+            <a:off x="2939325" y="2635229"/>
+            <a:ext cx="2975146" cy="554751"/>
           </a:xfrm>
           <a:prstGeom prst="roundRect">
             <a:avLst>
@@ -30082,7 +30070,7 @@
         </p:nvCxnSpPr>
         <p:spPr>
           <a:xfrm>
-            <a:off x="2596999" y="2606188"/>
+            <a:off x="2596999" y="2922709"/>
             <a:ext cx="342326" cy="1427"/>
           </a:xfrm>
           <a:prstGeom prst="straightConnector1">
@@ -30128,8 +30116,8 @@
         </p:nvCxnSpPr>
         <p:spPr>
           <a:xfrm flipH="1" flipV="1">
-            <a:off x="4429076" y="5300750"/>
-            <a:ext cx="3007" cy="272219"/>
+            <a:off x="4429076" y="5346709"/>
+            <a:ext cx="3007" cy="226260"/>
           </a:xfrm>
           <a:prstGeom prst="straightConnector1">
             <a:avLst/>
@@ -30174,8 +30162,8 @@
         </p:nvCxnSpPr>
         <p:spPr>
           <a:xfrm flipV="1">
-            <a:off x="4429076" y="4172583"/>
-            <a:ext cx="0" cy="259971"/>
+            <a:off x="4429076" y="4390125"/>
+            <a:ext cx="0" cy="261200"/>
           </a:xfrm>
           <a:prstGeom prst="straightConnector1">
             <a:avLst/>
@@ -30216,10 +30204,10 @@
         </p:nvGrpSpPr>
         <p:grpSpPr>
           <a:xfrm>
-            <a:off x="-392485" y="-2013233"/>
-            <a:ext cx="2975146" cy="758341"/>
-            <a:chOff x="6221518" y="4450531"/>
-            <a:chExt cx="2975146" cy="758341"/>
+            <a:off x="-1010520" y="-1369068"/>
+            <a:ext cx="3593457" cy="620305"/>
+            <a:chOff x="5603483" y="4590607"/>
+            <a:chExt cx="3593457" cy="620305"/>
           </a:xfrm>
         </p:grpSpPr>
         <p:sp>
@@ -30236,8 +30224,8 @@
           </p:nvSpPr>
           <p:spPr>
             <a:xfrm>
-              <a:off x="6221518" y="4450531"/>
-              <a:ext cx="2975146" cy="758341"/>
+              <a:off x="5603483" y="4590607"/>
+              <a:ext cx="3593457" cy="620305"/>
             </a:xfrm>
             <a:prstGeom prst="roundRect">
               <a:avLst>
@@ -30296,7 +30284,7 @@
           </p:nvSpPr>
           <p:spPr>
             <a:xfrm>
-              <a:off x="6474613" y="4539271"/>
+              <a:off x="6230507" y="4632903"/>
               <a:ext cx="2440817" cy="523220"/>
             </a:xfrm>
             <a:prstGeom prst="rect">
@@ -30357,10 +30345,10 @@
         </p:nvGrpSpPr>
         <p:grpSpPr>
           <a:xfrm>
-            <a:off x="-388623" y="-1060985"/>
-            <a:ext cx="2975146" cy="1028305"/>
-            <a:chOff x="6221518" y="4180567"/>
-            <a:chExt cx="2975146" cy="1028305"/>
+            <a:off x="-1014106" y="-510112"/>
+            <a:ext cx="3600629" cy="911183"/>
+            <a:chOff x="5596035" y="4297689"/>
+            <a:chExt cx="3600629" cy="911183"/>
           </a:xfrm>
         </p:grpSpPr>
         <p:sp>
@@ -30377,8 +30365,8 @@
           </p:nvSpPr>
           <p:spPr>
             <a:xfrm>
-              <a:off x="6221518" y="4180567"/>
-              <a:ext cx="2975146" cy="1028305"/>
+              <a:off x="5596035" y="4297689"/>
+              <a:ext cx="3600629" cy="911183"/>
             </a:xfrm>
             <a:prstGeom prst="roundRect">
               <a:avLst>
@@ -30437,7 +30425,7 @@
           </p:nvSpPr>
           <p:spPr>
             <a:xfrm>
-              <a:off x="6336715" y="4312175"/>
+              <a:off x="6092609" y="4300264"/>
               <a:ext cx="2708891" cy="830997"/>
             </a:xfrm>
             <a:prstGeom prst="rect">
@@ -30506,8 +30494,8 @@
         </p:nvCxnSpPr>
         <p:spPr>
           <a:xfrm>
-            <a:off x="1095088" y="-1254892"/>
-            <a:ext cx="3862" cy="193907"/>
+            <a:off x="786209" y="-748763"/>
+            <a:ext cx="0" cy="238651"/>
           </a:xfrm>
           <a:prstGeom prst="straightConnector1">
             <a:avLst/>
@@ -30534,66 +30522,6 @@
           </a:fontRef>
         </p:style>
       </p:cxnSp>
-      <p:sp>
-        <p:nvSpPr>
-          <p:cNvPr id="29" name="圆角矩形 28">
-            <a:extLst>
-              <a:ext uri="{FF2B5EF4-FFF2-40B4-BE49-F238E27FC236}">
-                <a16:creationId xmlns:a16="http://schemas.microsoft.com/office/drawing/2014/main" id="{57FADB44-996D-ACD4-84B6-07B77F2647DB}"/>
-              </a:ext>
-            </a:extLst>
-          </p:cNvPr>
-          <p:cNvSpPr/>
-          <p:nvPr/>
-        </p:nvSpPr>
-        <p:spPr>
-          <a:xfrm>
-            <a:off x="2931610" y="-910862"/>
-            <a:ext cx="2975146" cy="725306"/>
-          </a:xfrm>
-          <a:prstGeom prst="roundRect">
-            <a:avLst>
-              <a:gd name="adj" fmla="val 13606"/>
-            </a:avLst>
-          </a:prstGeom>
-          <a:solidFill>
-            <a:srgbClr val="F3F3F3"/>
-          </a:solidFill>
-          <a:ln>
-            <a:noFill/>
-          </a:ln>
-        </p:spPr>
-        <p:style>
-          <a:lnRef idx="2">
-            <a:schemeClr val="accent1">
-              <a:shade val="15000"/>
-            </a:schemeClr>
-          </a:lnRef>
-          <a:fillRef idx="1">
-            <a:schemeClr val="accent1"/>
-          </a:fillRef>
-          <a:effectRef idx="0">
-            <a:schemeClr val="accent1"/>
-          </a:effectRef>
-          <a:fontRef idx="minor">
-            <a:schemeClr val="lt1"/>
-          </a:fontRef>
-        </p:style>
-        <p:txBody>
-          <a:bodyPr rtlCol="0" anchor="ctr"/>
-          <a:lstStyle/>
-          <a:p>
-            <a:pPr algn="ctr"/>
-            <a:endParaRPr kumimoji="1" lang="zh-CN" altLang="en-US" sz="2000">
-              <a:solidFill>
-                <a:schemeClr val="tx1"/>
-              </a:solidFill>
-              <a:latin typeface="Calibri" panose="020F0502020204030204" pitchFamily="34" charset="0"/>
-              <a:cs typeface="Calibri" panose="020F0502020204030204" pitchFamily="34" charset="0"/>
-            </a:endParaRPr>
-          </a:p>
-        </p:txBody>
-      </p:sp>
       <p:cxnSp>
         <p:nvCxnSpPr>
           <p:cNvPr id="30" name="直线箭头连接符 29">
@@ -30611,9 +30539,9 @@
           <p:nvPr/>
         </p:nvCxnSpPr>
         <p:spPr>
-          <a:xfrm flipV="1">
-            <a:off x="2586523" y="-548209"/>
-            <a:ext cx="345087" cy="1377"/>
+          <a:xfrm>
+            <a:off x="2586523" y="-54520"/>
+            <a:ext cx="360337" cy="2887"/>
           </a:xfrm>
           <a:prstGeom prst="straightConnector1">
             <a:avLst/>
@@ -30658,8 +30586,8 @@
         </p:nvCxnSpPr>
         <p:spPr>
           <a:xfrm flipH="1" flipV="1">
-            <a:off x="4419183" y="-185556"/>
-            <a:ext cx="2831" cy="270398"/>
+            <a:off x="4434433" y="209079"/>
+            <a:ext cx="4666" cy="451296"/>
           </a:xfrm>
           <a:prstGeom prst="straightConnector1">
             <a:avLst/>
@@ -30700,7 +30628,7 @@
         </p:nvSpPr>
         <p:spPr>
           <a:xfrm>
-            <a:off x="2878021" y="-2052445"/>
+            <a:off x="2889744" y="-1442849"/>
             <a:ext cx="3078654" cy="895280"/>
           </a:xfrm>
           <a:prstGeom prst="roundRect">
@@ -30760,7 +30688,7 @@
         </p:nvSpPr>
         <p:spPr>
           <a:xfrm>
-            <a:off x="3153227" y="-2052445"/>
+            <a:off x="3085440" y="-1405931"/>
             <a:ext cx="2649578" cy="892552"/>
           </a:xfrm>
           <a:prstGeom prst="rect">
@@ -30843,8 +30771,8 @@
         </p:nvCxnSpPr>
         <p:spPr>
           <a:xfrm flipH="1" flipV="1">
-            <a:off x="4417348" y="-1157165"/>
-            <a:ext cx="1835" cy="246303"/>
+            <a:off x="4429071" y="-547569"/>
+            <a:ext cx="5362" cy="235224"/>
           </a:xfrm>
           <a:prstGeom prst="straightConnector1">
             <a:avLst/>
@@ -30885,7 +30813,7 @@
         </p:nvSpPr>
         <p:spPr>
           <a:xfrm>
-            <a:off x="3302523" y="2330338"/>
+            <a:off x="3314246" y="2646859"/>
             <a:ext cx="2248750" cy="523220"/>
           </a:xfrm>
           <a:prstGeom prst="rect">
@@ -30924,65 +30852,12 @@
           </a:p>
         </p:txBody>
       </p:sp>
-      <p:sp>
-        <p:nvSpPr>
-          <p:cNvPr id="37" name="文本框 36">
-            <a:extLst>
-              <a:ext uri="{FF2B5EF4-FFF2-40B4-BE49-F238E27FC236}">
-                <a16:creationId xmlns:a16="http://schemas.microsoft.com/office/drawing/2014/main" id="{7D5BA4D4-5AB1-EA16-89D9-FE0536DE9213}"/>
-              </a:ext>
-            </a:extLst>
-          </p:cNvPr>
-          <p:cNvSpPr txBox="1"/>
-          <p:nvPr/>
-        </p:nvSpPr>
-        <p:spPr>
-          <a:xfrm>
-            <a:off x="3325807" y="-800599"/>
-            <a:ext cx="2248750" cy="523220"/>
-          </a:xfrm>
-          <a:prstGeom prst="rect">
-            <a:avLst/>
-          </a:prstGeom>
-          <a:noFill/>
-        </p:spPr>
-        <p:txBody>
-          <a:bodyPr wrap="square" rtlCol="0">
-            <a:spAutoFit/>
-          </a:bodyPr>
-          <a:lstStyle/>
-          <a:p>
-            <a:pPr algn="ctr"/>
-            <a:r>
-              <a:rPr kumimoji="1" lang="en-US" altLang="zh-CN" sz="2800" b="1" dirty="0">
-                <a:latin typeface="Calibri" panose="020F0502020204030204" pitchFamily="34" charset="0"/>
-                <a:ea typeface="Helvetica Neue" panose="02000503000000020004" pitchFamily="2" charset="0"/>
-                <a:cs typeface="Calibri" panose="020F0502020204030204" pitchFamily="34" charset="0"/>
-              </a:rPr>
-              <a:t>JOIN</a:t>
-            </a:r>
-            <a:r>
-              <a:rPr kumimoji="1" lang="zh-CN" altLang="en-US" sz="2400" b="1" dirty="0">
-                <a:latin typeface="Calibri" panose="020F0502020204030204" pitchFamily="34" charset="0"/>
-                <a:ea typeface="Helvetica Neue" panose="02000503000000020004" pitchFamily="2" charset="0"/>
-                <a:cs typeface="Calibri" panose="020F0502020204030204" pitchFamily="34" charset="0"/>
-              </a:rPr>
-              <a:t>  </a:t>
-            </a:r>
-            <a:endParaRPr kumimoji="1" lang="en-US" altLang="zh-CN" sz="2400" b="1" dirty="0">
-              <a:latin typeface="Calibri" panose="020F0502020204030204" pitchFamily="34" charset="0"/>
-              <a:ea typeface="Helvetica Neue" panose="02000503000000020004" pitchFamily="2" charset="0"/>
-              <a:cs typeface="Calibri" panose="020F0502020204030204" pitchFamily="34" charset="0"/>
-            </a:endParaRPr>
-          </a:p>
-        </p:txBody>
-      </p:sp>
       <p:grpSp>
         <p:nvGrpSpPr>
-          <p:cNvPr id="38" name="组合 37">
-            <a:extLst>
-              <a:ext uri="{FF2B5EF4-FFF2-40B4-BE49-F238E27FC236}">
-                <a16:creationId xmlns:a16="http://schemas.microsoft.com/office/drawing/2014/main" id="{16CA7E04-FB67-9FB3-4EBD-DFFDC63CD833}"/>
+          <p:cNvPr id="218" name="组合 217">
+            <a:extLst>
+              <a:ext uri="{FF2B5EF4-FFF2-40B4-BE49-F238E27FC236}">
+                <a16:creationId xmlns:a16="http://schemas.microsoft.com/office/drawing/2014/main" id="{3A83A792-6B58-D9AA-31DE-595FF6694F61}"/>
               </a:ext>
             </a:extLst>
           </p:cNvPr>
@@ -30991,10 +30866,144 @@
         </p:nvGrpSpPr>
         <p:grpSpPr>
           <a:xfrm>
-            <a:off x="2941503" y="3379555"/>
-            <a:ext cx="2975146" cy="793028"/>
-            <a:chOff x="859809" y="4030445"/>
-            <a:chExt cx="2975146" cy="793028"/>
+            <a:off x="2946860" y="-319956"/>
+            <a:ext cx="2975146" cy="529035"/>
+            <a:chOff x="2899968" y="-366848"/>
+            <a:chExt cx="2975146" cy="529035"/>
+          </a:xfrm>
+        </p:grpSpPr>
+        <p:sp>
+          <p:nvSpPr>
+            <p:cNvPr id="29" name="圆角矩形 28">
+              <a:extLst>
+                <a:ext uri="{FF2B5EF4-FFF2-40B4-BE49-F238E27FC236}">
+                  <a16:creationId xmlns:a16="http://schemas.microsoft.com/office/drawing/2014/main" id="{57FADB44-996D-ACD4-84B6-07B77F2647DB}"/>
+                </a:ext>
+              </a:extLst>
+            </p:cNvPr>
+            <p:cNvSpPr/>
+            <p:nvPr/>
+          </p:nvSpPr>
+          <p:spPr>
+            <a:xfrm>
+              <a:off x="2899968" y="-359237"/>
+              <a:ext cx="2975146" cy="521424"/>
+            </a:xfrm>
+            <a:prstGeom prst="roundRect">
+              <a:avLst>
+                <a:gd name="adj" fmla="val 13606"/>
+              </a:avLst>
+            </a:prstGeom>
+            <a:solidFill>
+              <a:srgbClr val="F3F3F3"/>
+            </a:solidFill>
+            <a:ln>
+              <a:noFill/>
+            </a:ln>
+          </p:spPr>
+          <p:style>
+            <a:lnRef idx="2">
+              <a:schemeClr val="accent1">
+                <a:shade val="15000"/>
+              </a:schemeClr>
+            </a:lnRef>
+            <a:fillRef idx="1">
+              <a:schemeClr val="accent1"/>
+            </a:fillRef>
+            <a:effectRef idx="0">
+              <a:schemeClr val="accent1"/>
+            </a:effectRef>
+            <a:fontRef idx="minor">
+              <a:schemeClr val="lt1"/>
+            </a:fontRef>
+          </p:style>
+          <p:txBody>
+            <a:bodyPr rtlCol="0" anchor="ctr"/>
+            <a:lstStyle/>
+            <a:p>
+              <a:pPr algn="ctr"/>
+              <a:endParaRPr kumimoji="1" lang="zh-CN" altLang="en-US" sz="2000">
+                <a:solidFill>
+                  <a:schemeClr val="tx1"/>
+                </a:solidFill>
+                <a:latin typeface="Calibri" panose="020F0502020204030204" pitchFamily="34" charset="0"/>
+                <a:cs typeface="Calibri" panose="020F0502020204030204" pitchFamily="34" charset="0"/>
+              </a:endParaRPr>
+            </a:p>
+          </p:txBody>
+        </p:sp>
+        <p:sp>
+          <p:nvSpPr>
+            <p:cNvPr id="37" name="文本框 36">
+              <a:extLst>
+                <a:ext uri="{FF2B5EF4-FFF2-40B4-BE49-F238E27FC236}">
+                  <a16:creationId xmlns:a16="http://schemas.microsoft.com/office/drawing/2014/main" id="{7D5BA4D4-5AB1-EA16-89D9-FE0536DE9213}"/>
+                </a:ext>
+              </a:extLst>
+            </p:cNvPr>
+            <p:cNvSpPr txBox="1"/>
+            <p:nvPr/>
+          </p:nvSpPr>
+          <p:spPr>
+            <a:xfrm>
+              <a:off x="3325807" y="-366848"/>
+              <a:ext cx="2248750" cy="523220"/>
+            </a:xfrm>
+            <a:prstGeom prst="rect">
+              <a:avLst/>
+            </a:prstGeom>
+            <a:noFill/>
+          </p:spPr>
+          <p:txBody>
+            <a:bodyPr wrap="square" rtlCol="0">
+              <a:spAutoFit/>
+            </a:bodyPr>
+            <a:lstStyle/>
+            <a:p>
+              <a:pPr algn="ctr"/>
+              <a:r>
+                <a:rPr kumimoji="1" lang="en-US" altLang="zh-CN" sz="2800" b="1" dirty="0">
+                  <a:latin typeface="Calibri" panose="020F0502020204030204" pitchFamily="34" charset="0"/>
+                  <a:ea typeface="Helvetica Neue" panose="02000503000000020004" pitchFamily="2" charset="0"/>
+                  <a:cs typeface="Calibri" panose="020F0502020204030204" pitchFamily="34" charset="0"/>
+                </a:rPr>
+                <a:t>JOIN</a:t>
+              </a:r>
+              <a:r>
+                <a:rPr kumimoji="1" lang="zh-CN" altLang="en-US" sz="2400" b="1" dirty="0">
+                  <a:latin typeface="Calibri" panose="020F0502020204030204" pitchFamily="34" charset="0"/>
+                  <a:ea typeface="Helvetica Neue" panose="02000503000000020004" pitchFamily="2" charset="0"/>
+                  <a:cs typeface="Calibri" panose="020F0502020204030204" pitchFamily="34" charset="0"/>
+                </a:rPr>
+                <a:t>  </a:t>
+              </a:r>
+              <a:endParaRPr kumimoji="1" lang="en-US" altLang="zh-CN" sz="2400" b="1" dirty="0">
+                <a:latin typeface="Calibri" panose="020F0502020204030204" pitchFamily="34" charset="0"/>
+                <a:ea typeface="Helvetica Neue" panose="02000503000000020004" pitchFamily="2" charset="0"/>
+                <a:cs typeface="Calibri" panose="020F0502020204030204" pitchFamily="34" charset="0"/>
+              </a:endParaRPr>
+            </a:p>
+          </p:txBody>
+        </p:sp>
+      </p:grpSp>
+      <p:grpSp>
+        <p:nvGrpSpPr>
+          <p:cNvPr id="38" name="组合 37">
+            <a:extLst>
+              <a:ext uri="{FF2B5EF4-FFF2-40B4-BE49-F238E27FC236}">
+                <a16:creationId xmlns:a16="http://schemas.microsoft.com/office/drawing/2014/main" id="{16CA7E04-FB67-9FB3-4EBD-DFFDC63CD833}"/>
+              </a:ext>
+            </a:extLst>
+          </p:cNvPr>
+          <p:cNvGrpSpPr/>
+          <p:nvPr/>
+        </p:nvGrpSpPr>
+        <p:grpSpPr>
+          <a:xfrm>
+            <a:off x="2941503" y="3776666"/>
+            <a:ext cx="2975146" cy="613459"/>
+            <a:chOff x="859809" y="4134481"/>
+            <a:chExt cx="2975146" cy="613459"/>
           </a:xfrm>
         </p:grpSpPr>
         <p:sp>
@@ -31011,8 +31020,8 @@
           </p:nvSpPr>
           <p:spPr>
             <a:xfrm>
-              <a:off x="859809" y="4030445"/>
-              <a:ext cx="2975146" cy="793028"/>
+              <a:off x="859809" y="4151771"/>
+              <a:ext cx="2975146" cy="596169"/>
             </a:xfrm>
             <a:prstGeom prst="roundRect">
               <a:avLst>
@@ -31121,8 +31130,8 @@
         </p:nvCxnSpPr>
         <p:spPr>
           <a:xfrm>
-            <a:off x="2582661" y="3774247"/>
-            <a:ext cx="358842" cy="1822"/>
+            <a:off x="2582661" y="4086842"/>
+            <a:ext cx="358842" cy="5199"/>
           </a:xfrm>
           <a:prstGeom prst="straightConnector1">
             <a:avLst/>
@@ -31163,10 +31172,10 @@
         </p:nvGrpSpPr>
         <p:grpSpPr>
           <a:xfrm>
-            <a:off x="-495993" y="3260275"/>
-            <a:ext cx="3182162" cy="938376"/>
-            <a:chOff x="6118010" y="4270496"/>
-            <a:chExt cx="3182162" cy="938376"/>
+            <a:off x="-1070641" y="3771836"/>
+            <a:ext cx="3770038" cy="630012"/>
+            <a:chOff x="5543362" y="4578860"/>
+            <a:chExt cx="3770038" cy="630012"/>
           </a:xfrm>
         </p:grpSpPr>
         <p:sp>
@@ -31183,8 +31192,8 @@
           </p:nvSpPr>
           <p:spPr>
             <a:xfrm>
-              <a:off x="6221518" y="4360063"/>
-              <a:ext cx="2975146" cy="848809"/>
+              <a:off x="5603207" y="4578860"/>
+              <a:ext cx="3593457" cy="630012"/>
             </a:xfrm>
             <a:prstGeom prst="roundRect">
               <a:avLst>
@@ -31243,8 +31252,8 @@
           </p:nvSpPr>
           <p:spPr>
             <a:xfrm>
-              <a:off x="6118010" y="4270496"/>
-              <a:ext cx="3182162" cy="892552"/>
+              <a:off x="5543362" y="4610036"/>
+              <a:ext cx="3770038" cy="523220"/>
             </a:xfrm>
             <a:prstGeom prst="rect">
               <a:avLst/>
@@ -31267,14 +31276,6 @@
                 <a:t>SCAN</a:t>
               </a:r>
               <a:r>
-                <a:rPr kumimoji="1" lang="zh-CN" altLang="en-US" sz="2400" b="1" dirty="0">
-                  <a:latin typeface="Calibri" panose="020F0502020204030204" pitchFamily="34" charset="0"/>
-                  <a:ea typeface="Helvetica Neue" panose="02000503000000020004" pitchFamily="2" charset="0"/>
-                  <a:cs typeface="Calibri" panose="020F0502020204030204" pitchFamily="34" charset="0"/>
-                </a:rPr>
-                <a:t>  </a:t>
-              </a:r>
-              <a:r>
                 <a:rPr kumimoji="1" lang="en-US" altLang="zh-CN" sz="2400" b="1" dirty="0">
                   <a:latin typeface="Calibri" panose="020F0502020204030204" pitchFamily="34" charset="0"/>
                   <a:ea typeface="Helvetica Neue" panose="02000503000000020004" pitchFamily="2" charset="0"/>
@@ -31316,8 +31317,8 @@
         </p:nvCxnSpPr>
         <p:spPr>
           <a:xfrm flipH="1" flipV="1">
-            <a:off x="4426898" y="3028744"/>
-            <a:ext cx="2178" cy="350811"/>
+            <a:off x="4426898" y="3189980"/>
+            <a:ext cx="2178" cy="603976"/>
           </a:xfrm>
           <a:prstGeom prst="straightConnector1">
             <a:avLst/>
@@ -31358,10 +31359,10 @@
         </p:nvGrpSpPr>
         <p:grpSpPr>
           <a:xfrm>
-            <a:off x="2939325" y="1071240"/>
-            <a:ext cx="2975146" cy="732560"/>
+            <a:off x="2949122" y="1503796"/>
+            <a:ext cx="2975146" cy="554751"/>
             <a:chOff x="859809" y="4090913"/>
-            <a:chExt cx="2975146" cy="732560"/>
+            <a:chExt cx="2975146" cy="554751"/>
           </a:xfrm>
         </p:grpSpPr>
         <p:sp>
@@ -31379,7 +31380,7 @@
           <p:spPr>
             <a:xfrm>
               <a:off x="859809" y="4090913"/>
-              <a:ext cx="2975146" cy="732560"/>
+              <a:ext cx="2975146" cy="554751"/>
             </a:xfrm>
             <a:prstGeom prst="roundRect">
               <a:avLst>
@@ -31438,7 +31439,7 @@
           </p:nvSpPr>
           <p:spPr>
             <a:xfrm>
-              <a:off x="1187121" y="4148549"/>
+              <a:off x="1156491" y="4112440"/>
               <a:ext cx="2432526" cy="523220"/>
             </a:xfrm>
             <a:prstGeom prst="rect">
@@ -31487,9 +31488,9 @@
           <p:nvPr/>
         </p:nvCxnSpPr>
         <p:spPr>
-          <a:xfrm flipV="1">
-            <a:off x="2580483" y="1437520"/>
-            <a:ext cx="358842" cy="9402"/>
+          <a:xfrm>
+            <a:off x="2588605" y="1780770"/>
+            <a:ext cx="360517" cy="402"/>
           </a:xfrm>
           <a:prstGeom prst="straightConnector1">
             <a:avLst/>
@@ -31530,10 +31531,10 @@
         </p:nvGrpSpPr>
         <p:grpSpPr>
           <a:xfrm>
-            <a:off x="-502346" y="1063971"/>
-            <a:ext cx="3182162" cy="765901"/>
-            <a:chOff x="6113835" y="4442971"/>
-            <a:chExt cx="3182162" cy="765901"/>
+            <a:off x="-1005984" y="1468179"/>
+            <a:ext cx="3594589" cy="625182"/>
+            <a:chOff x="5610197" y="4507212"/>
+            <a:chExt cx="3594589" cy="625182"/>
           </a:xfrm>
         </p:grpSpPr>
         <p:sp>
@@ -31550,8 +31551,8 @@
           </p:nvSpPr>
           <p:spPr>
             <a:xfrm>
-              <a:off x="6221518" y="4442971"/>
-              <a:ext cx="2975146" cy="765901"/>
+              <a:off x="5610197" y="4507212"/>
+              <a:ext cx="3594589" cy="625182"/>
             </a:xfrm>
             <a:prstGeom prst="roundRect">
               <a:avLst>
@@ -31610,7 +31611,7 @@
           </p:nvSpPr>
           <p:spPr>
             <a:xfrm>
-              <a:off x="6113835" y="4568701"/>
+              <a:off x="5805340" y="4578688"/>
               <a:ext cx="3182162" cy="523220"/>
             </a:xfrm>
             <a:prstGeom prst="rect">
@@ -31668,15 +31669,15 @@
           </p:cNvPr>
           <p:cNvCxnSpPr>
             <a:cxnSpLocks/>
-            <a:stCxn id="15" idx="0"/>
+            <a:stCxn id="35" idx="0"/>
             <a:endCxn id="49" idx="2"/>
           </p:cNvCxnSpPr>
           <p:nvPr/>
         </p:nvCxnSpPr>
         <p:spPr>
-          <a:xfrm flipV="1">
-            <a:off x="4426898" y="1803800"/>
-            <a:ext cx="0" cy="429578"/>
+          <a:xfrm flipH="1" flipV="1">
+            <a:off x="4436695" y="2058547"/>
+            <a:ext cx="1926" cy="588312"/>
           </a:xfrm>
           <a:prstGeom prst="straightConnector1">
             <a:avLst/>
@@ -31717,10 +31718,10 @@
         </p:nvGrpSpPr>
         <p:grpSpPr>
           <a:xfrm>
-            <a:off x="2934441" y="84842"/>
-            <a:ext cx="2975146" cy="788370"/>
-            <a:chOff x="859809" y="4035103"/>
-            <a:chExt cx="2975146" cy="788370"/>
+            <a:off x="2951526" y="641818"/>
+            <a:ext cx="2975146" cy="567405"/>
+            <a:chOff x="859809" y="4120413"/>
+            <a:chExt cx="2975146" cy="567405"/>
           </a:xfrm>
         </p:grpSpPr>
         <p:sp>
@@ -31737,8 +31738,8 @@
           </p:nvSpPr>
           <p:spPr>
             <a:xfrm>
-              <a:off x="859809" y="4035103"/>
-              <a:ext cx="2975146" cy="788370"/>
+              <a:off x="859809" y="4138970"/>
+              <a:ext cx="2975146" cy="548848"/>
             </a:xfrm>
             <a:prstGeom prst="roundRect">
               <a:avLst>
@@ -31846,9 +31847,9 @@
           <p:nvPr/>
         </p:nvCxnSpPr>
         <p:spPr>
-          <a:xfrm>
-            <a:off x="2596729" y="478876"/>
-            <a:ext cx="337712" cy="151"/>
+          <a:xfrm flipV="1">
+            <a:off x="2604851" y="934799"/>
+            <a:ext cx="346675" cy="534"/>
           </a:xfrm>
           <a:prstGeom prst="straightConnector1">
             <a:avLst/>
@@ -31889,10 +31890,10 @@
         </p:nvGrpSpPr>
         <p:grpSpPr>
           <a:xfrm>
-            <a:off x="-378417" y="51263"/>
-            <a:ext cx="2975146" cy="855225"/>
-            <a:chOff x="6221518" y="4353647"/>
-            <a:chExt cx="2975146" cy="855225"/>
+            <a:off x="-1005984" y="625180"/>
+            <a:ext cx="3610835" cy="620305"/>
+            <a:chOff x="5585829" y="4588567"/>
+            <a:chExt cx="3610835" cy="620305"/>
           </a:xfrm>
         </p:grpSpPr>
         <p:sp>
@@ -31909,8 +31910,8 @@
           </p:nvSpPr>
           <p:spPr>
             <a:xfrm>
-              <a:off x="6221518" y="4353647"/>
-              <a:ext cx="2975146" cy="855225"/>
+              <a:off x="5585829" y="4588567"/>
+              <a:ext cx="3610835" cy="620305"/>
             </a:xfrm>
             <a:prstGeom prst="roundRect">
               <a:avLst>
@@ -31969,7 +31970,7 @@
           </p:nvSpPr>
           <p:spPr>
             <a:xfrm>
-              <a:off x="6462797" y="4505733"/>
+              <a:off x="6136431" y="4634957"/>
               <a:ext cx="2596564" cy="523220"/>
             </a:xfrm>
             <a:prstGeom prst="rect">
@@ -32027,14 +32028,15 @@
           </p:cNvPr>
           <p:cNvCxnSpPr>
             <a:cxnSpLocks/>
+            <a:stCxn id="49" idx="0"/>
             <a:endCxn id="62" idx="2"/>
           </p:cNvCxnSpPr>
           <p:nvPr/>
         </p:nvCxnSpPr>
         <p:spPr>
           <a:xfrm flipV="1">
-            <a:off x="4417348" y="873212"/>
-            <a:ext cx="4666" cy="183239"/>
+            <a:off x="4436695" y="1209223"/>
+            <a:ext cx="2404" cy="294573"/>
           </a:xfrm>
           <a:prstGeom prst="straightConnector1">
             <a:avLst/>

--- a/revise.pptx
+++ b/revise.pptx
@@ -28368,10 +28368,10 @@
         </p:nvGrpSpPr>
         <p:grpSpPr>
           <a:xfrm>
-            <a:off x="6634456" y="3147075"/>
-            <a:ext cx="3182162" cy="938376"/>
-            <a:chOff x="6118010" y="4270496"/>
-            <a:chExt cx="3182162" cy="938376"/>
+            <a:off x="6634456" y="3197875"/>
+            <a:ext cx="3182162" cy="892552"/>
+            <a:chOff x="6118010" y="4321296"/>
+            <a:chExt cx="3182162" cy="892552"/>
           </a:xfrm>
         </p:grpSpPr>
         <p:sp>
@@ -28448,7 +28448,7 @@
           </p:nvSpPr>
           <p:spPr>
             <a:xfrm>
-              <a:off x="6118010" y="4270496"/>
+              <a:off x="6118010" y="4321296"/>
               <a:ext cx="3182162" cy="892552"/>
             </a:xfrm>
             <a:prstGeom prst="rect">
@@ -29370,7 +29370,7 @@
         </p:nvGrpSpPr>
         <p:grpSpPr>
           <a:xfrm>
-            <a:off x="2941503" y="4651325"/>
+            <a:off x="2941503" y="4524325"/>
             <a:ext cx="2975146" cy="695384"/>
             <a:chOff x="859809" y="4045095"/>
             <a:chExt cx="2975146" cy="695384"/>
@@ -29500,7 +29500,7 @@
         </p:nvCxnSpPr>
         <p:spPr>
           <a:xfrm>
-            <a:off x="2571268" y="4999017"/>
+            <a:off x="2571268" y="4872017"/>
             <a:ext cx="370235" cy="0"/>
           </a:xfrm>
           <a:prstGeom prst="straightConnector1">
@@ -29542,7 +29542,7 @@
         </p:nvGrpSpPr>
         <p:grpSpPr>
           <a:xfrm>
-            <a:off x="2338422" y="5528785"/>
+            <a:off x="2338422" y="5401785"/>
             <a:ext cx="4201905" cy="1282832"/>
             <a:chOff x="6171941" y="4127794"/>
             <a:chExt cx="3085007" cy="1532192"/>
@@ -29698,7 +29698,7 @@
         </p:nvGrpSpPr>
         <p:grpSpPr>
           <a:xfrm>
-            <a:off x="-1010788" y="4651325"/>
+            <a:off x="-1010788" y="4524325"/>
             <a:ext cx="3625481" cy="695384"/>
             <a:chOff x="5970081" y="4422048"/>
             <a:chExt cx="3265698" cy="695384"/>
@@ -29839,7 +29839,7 @@
         </p:nvGrpSpPr>
         <p:grpSpPr>
           <a:xfrm>
-            <a:off x="-1010796" y="2271287"/>
+            <a:off x="-1010796" y="2144287"/>
             <a:ext cx="3682491" cy="1302844"/>
             <a:chOff x="5588869" y="4180568"/>
             <a:chExt cx="3682491" cy="1302844"/>
@@ -30007,7 +30007,7 @@
         </p:nvSpPr>
         <p:spPr>
           <a:xfrm>
-            <a:off x="2939325" y="2635229"/>
+            <a:off x="2939325" y="2508229"/>
             <a:ext cx="2975146" cy="554751"/>
           </a:xfrm>
           <a:prstGeom prst="roundRect">
@@ -30070,7 +30070,7 @@
         </p:nvCxnSpPr>
         <p:spPr>
           <a:xfrm>
-            <a:off x="2596999" y="2922709"/>
+            <a:off x="2596999" y="2795709"/>
             <a:ext cx="342326" cy="1427"/>
           </a:xfrm>
           <a:prstGeom prst="straightConnector1">
@@ -30116,7 +30116,7 @@
         </p:nvCxnSpPr>
         <p:spPr>
           <a:xfrm flipH="1" flipV="1">
-            <a:off x="4429076" y="5346709"/>
+            <a:off x="4429076" y="5219709"/>
             <a:ext cx="3007" cy="226260"/>
           </a:xfrm>
           <a:prstGeom prst="straightConnector1">
@@ -30162,7 +30162,7 @@
         </p:nvCxnSpPr>
         <p:spPr>
           <a:xfrm flipV="1">
-            <a:off x="4429076" y="4390125"/>
+            <a:off x="4429076" y="4263125"/>
             <a:ext cx="0" cy="261200"/>
           </a:xfrm>
           <a:prstGeom prst="straightConnector1">
@@ -30204,7 +30204,7 @@
         </p:nvGrpSpPr>
         <p:grpSpPr>
           <a:xfrm>
-            <a:off x="-1010520" y="-1369068"/>
+            <a:off x="-1010520" y="-1496068"/>
             <a:ext cx="3593457" cy="620305"/>
             <a:chOff x="5603483" y="4590607"/>
             <a:chExt cx="3593457" cy="620305"/>
@@ -30345,7 +30345,7 @@
         </p:nvGrpSpPr>
         <p:grpSpPr>
           <a:xfrm>
-            <a:off x="-1014106" y="-510112"/>
+            <a:off x="-1014106" y="-637112"/>
             <a:ext cx="3600629" cy="911183"/>
             <a:chOff x="5596035" y="4297689"/>
             <a:chExt cx="3600629" cy="911183"/>
@@ -30494,7 +30494,7 @@
         </p:nvCxnSpPr>
         <p:spPr>
           <a:xfrm>
-            <a:off x="786209" y="-748763"/>
+            <a:off x="786209" y="-875763"/>
             <a:ext cx="0" cy="238651"/>
           </a:xfrm>
           <a:prstGeom prst="straightConnector1">
@@ -30540,7 +30540,7 @@
         </p:nvCxnSpPr>
         <p:spPr>
           <a:xfrm>
-            <a:off x="2586523" y="-54520"/>
+            <a:off x="2586523" y="-181520"/>
             <a:ext cx="360337" cy="2887"/>
           </a:xfrm>
           <a:prstGeom prst="straightConnector1">
@@ -30586,7 +30586,7 @@
         </p:nvCxnSpPr>
         <p:spPr>
           <a:xfrm flipH="1" flipV="1">
-            <a:off x="4434433" y="209079"/>
+            <a:off x="4434433" y="82079"/>
             <a:ext cx="4666" cy="451296"/>
           </a:xfrm>
           <a:prstGeom prst="straightConnector1">
@@ -30628,7 +30628,7 @@
         </p:nvSpPr>
         <p:spPr>
           <a:xfrm>
-            <a:off x="2889744" y="-1442849"/>
+            <a:off x="2889744" y="-1569849"/>
             <a:ext cx="3078654" cy="895280"/>
           </a:xfrm>
           <a:prstGeom prst="roundRect">
@@ -30688,7 +30688,7 @@
         </p:nvSpPr>
         <p:spPr>
           <a:xfrm>
-            <a:off x="3085440" y="-1405931"/>
+            <a:off x="3085440" y="-1532931"/>
             <a:ext cx="2649578" cy="892552"/>
           </a:xfrm>
           <a:prstGeom prst="rect">
@@ -30771,7 +30771,7 @@
         </p:nvCxnSpPr>
         <p:spPr>
           <a:xfrm flipH="1" flipV="1">
-            <a:off x="4429071" y="-547569"/>
+            <a:off x="4429071" y="-674569"/>
             <a:ext cx="5362" cy="235224"/>
           </a:xfrm>
           <a:prstGeom prst="straightConnector1">
@@ -30813,7 +30813,7 @@
         </p:nvSpPr>
         <p:spPr>
           <a:xfrm>
-            <a:off x="3314246" y="2646859"/>
+            <a:off x="3314246" y="2519859"/>
             <a:ext cx="2248750" cy="523220"/>
           </a:xfrm>
           <a:prstGeom prst="rect">
@@ -30866,7 +30866,7 @@
         </p:nvGrpSpPr>
         <p:grpSpPr>
           <a:xfrm>
-            <a:off x="2946860" y="-319956"/>
+            <a:off x="2946860" y="-446956"/>
             <a:ext cx="2975146" cy="529035"/>
             <a:chOff x="2899968" y="-366848"/>
             <a:chExt cx="2975146" cy="529035"/>
@@ -31000,7 +31000,7 @@
         </p:nvGrpSpPr>
         <p:grpSpPr>
           <a:xfrm>
-            <a:off x="2941503" y="3776666"/>
+            <a:off x="2941503" y="3649666"/>
             <a:ext cx="2975146" cy="613459"/>
             <a:chOff x="859809" y="4134481"/>
             <a:chExt cx="2975146" cy="613459"/>
@@ -31130,7 +31130,7 @@
         </p:nvCxnSpPr>
         <p:spPr>
           <a:xfrm>
-            <a:off x="2582661" y="4086842"/>
+            <a:off x="2582661" y="3959842"/>
             <a:ext cx="358842" cy="5199"/>
           </a:xfrm>
           <a:prstGeom prst="straightConnector1">
@@ -31172,7 +31172,7 @@
         </p:nvGrpSpPr>
         <p:grpSpPr>
           <a:xfrm>
-            <a:off x="-1070641" y="3771836"/>
+            <a:off x="-1070641" y="3644836"/>
             <a:ext cx="3770038" cy="630012"/>
             <a:chOff x="5543362" y="4578860"/>
             <a:chExt cx="3770038" cy="630012"/>
@@ -31317,7 +31317,7 @@
         </p:nvCxnSpPr>
         <p:spPr>
           <a:xfrm flipH="1" flipV="1">
-            <a:off x="4426898" y="3189980"/>
+            <a:off x="4426898" y="3062980"/>
             <a:ext cx="2178" cy="603976"/>
           </a:xfrm>
           <a:prstGeom prst="straightConnector1">
@@ -31359,7 +31359,7 @@
         </p:nvGrpSpPr>
         <p:grpSpPr>
           <a:xfrm>
-            <a:off x="2949122" y="1503796"/>
+            <a:off x="2949122" y="1376796"/>
             <a:ext cx="2975146" cy="554751"/>
             <a:chOff x="859809" y="4090913"/>
             <a:chExt cx="2975146" cy="554751"/>
@@ -31489,7 +31489,7 @@
         </p:nvCxnSpPr>
         <p:spPr>
           <a:xfrm>
-            <a:off x="2588605" y="1780770"/>
+            <a:off x="2588605" y="1653770"/>
             <a:ext cx="360517" cy="402"/>
           </a:xfrm>
           <a:prstGeom prst="straightConnector1">
@@ -31531,7 +31531,7 @@
         </p:nvGrpSpPr>
         <p:grpSpPr>
           <a:xfrm>
-            <a:off x="-1005984" y="1468179"/>
+            <a:off x="-1005984" y="1341179"/>
             <a:ext cx="3594589" cy="625182"/>
             <a:chOff x="5610197" y="4507212"/>
             <a:chExt cx="3594589" cy="625182"/>
@@ -31676,7 +31676,7 @@
         </p:nvCxnSpPr>
         <p:spPr>
           <a:xfrm flipH="1" flipV="1">
-            <a:off x="4436695" y="2058547"/>
+            <a:off x="4436695" y="1931547"/>
             <a:ext cx="1926" cy="588312"/>
           </a:xfrm>
           <a:prstGeom prst="straightConnector1">
@@ -31718,7 +31718,7 @@
         </p:nvGrpSpPr>
         <p:grpSpPr>
           <a:xfrm>
-            <a:off x="2951526" y="641818"/>
+            <a:off x="2951526" y="514818"/>
             <a:ext cx="2975146" cy="567405"/>
             <a:chOff x="859809" y="4120413"/>
             <a:chExt cx="2975146" cy="567405"/>
@@ -31848,7 +31848,7 @@
         </p:nvCxnSpPr>
         <p:spPr>
           <a:xfrm flipV="1">
-            <a:off x="2604851" y="934799"/>
+            <a:off x="2604851" y="807799"/>
             <a:ext cx="346675" cy="534"/>
           </a:xfrm>
           <a:prstGeom prst="straightConnector1">
@@ -31890,7 +31890,7 @@
         </p:nvGrpSpPr>
         <p:grpSpPr>
           <a:xfrm>
-            <a:off x="-1005984" y="625180"/>
+            <a:off x="-1005984" y="498180"/>
             <a:ext cx="3610835" cy="620305"/>
             <a:chOff x="5585829" y="4588567"/>
             <a:chExt cx="3610835" cy="620305"/>
@@ -32035,7 +32035,7 @@
         </p:nvCxnSpPr>
         <p:spPr>
           <a:xfrm flipV="1">
-            <a:off x="4436695" y="1209223"/>
+            <a:off x="4436695" y="1082223"/>
             <a:ext cx="2404" cy="294573"/>
           </a:xfrm>
           <a:prstGeom prst="straightConnector1">
